--- a/Week7_MasterDataMgmt/BachmeierNTIM7030-7.pptx
+++ b/Week7_MasterDataMgmt/BachmeierNTIM7030-7.pptx
@@ -2436,7 +2436,7 @@
 <dgm:dataModel xmlns:dgm="http://schemas.openxmlformats.org/drawingml/2006/diagram" xmlns:a="http://schemas.openxmlformats.org/drawingml/2006/main">
   <dgm:ptLst>
     <dgm:pt modelId="{C1190FC8-453E-4B31-94DD-17A52F1618A3}" type="doc">
-      <dgm:prSet loTypeId="urn:microsoft.com/office/officeart/2005/8/layout/vProcess5" loCatId="process" qsTypeId="urn:microsoft.com/office/officeart/2005/8/quickstyle/simple1" qsCatId="simple" csTypeId="urn:microsoft.com/office/officeart/2005/8/colors/colorful2" csCatId="colorful" phldr="1"/>
+      <dgm:prSet loTypeId="urn:microsoft.com/office/officeart/2005/8/layout/vList2" loCatId="list" qsTypeId="urn:microsoft.com/office/officeart/2005/8/quickstyle/simple4" qsCatId="simple" csTypeId="urn:microsoft.com/office/officeart/2005/8/colors/colorful2" csCatId="colorful" phldr="1"/>
       <dgm:spPr/>
       <dgm:t>
         <a:bodyPr/>
@@ -2453,6 +2453,11 @@
         <a:bodyPr/>
         <a:lstStyle/>
         <a:p>
+          <a:pPr>
+            <a:lnSpc>
+              <a:spcPct val="100000"/>
+            </a:lnSpc>
+          </a:pPr>
           <a:r>
             <a:rPr lang="en-US"/>
             <a:t>Introduction</a:t>
@@ -2489,10 +2494,16 @@
         <a:bodyPr/>
         <a:lstStyle/>
         <a:p>
+          <a:pPr>
+            <a:lnSpc>
+              <a:spcPct val="100000"/>
+            </a:lnSpc>
+          </a:pPr>
           <a:r>
-            <a:rPr lang="en-US" dirty="0"/>
+            <a:rPr lang="en-US"/>
             <a:t>Risks Associated with Mobility</a:t>
           </a:r>
+          <a:endParaRPr lang="en-US" dirty="0"/>
         </a:p>
       </dgm:t>
     </dgm:pt>
@@ -2525,10 +2536,16 @@
         <a:bodyPr/>
         <a:lstStyle/>
         <a:p>
+          <a:pPr>
+            <a:lnSpc>
+              <a:spcPct val="100000"/>
+            </a:lnSpc>
+          </a:pPr>
           <a:r>
-            <a:rPr lang="en-US" dirty="0"/>
-            <a:t>Build framework around these issues</a:t>
+            <a:rPr lang="en-US"/>
+            <a:t>Frameworks and Tooling</a:t>
           </a:r>
+          <a:endParaRPr lang="en-US" dirty="0"/>
         </a:p>
       </dgm:t>
     </dgm:pt>
@@ -2561,10 +2578,16 @@
         <a:bodyPr/>
         <a:lstStyle/>
         <a:p>
+          <a:pPr>
+            <a:lnSpc>
+              <a:spcPct val="100000"/>
+            </a:lnSpc>
+          </a:pPr>
           <a:r>
             <a:rPr lang="en-US"/>
             <a:t>Conclusion</a:t>
           </a:r>
+          <a:endParaRPr lang="en-US" dirty="0"/>
         </a:p>
       </dgm:t>
     </dgm:pt>
@@ -2597,10 +2620,16 @@
         <a:bodyPr/>
         <a:lstStyle/>
         <a:p>
+          <a:pPr>
+            <a:lnSpc>
+              <a:spcPct val="100000"/>
+            </a:lnSpc>
+          </a:pPr>
           <a:r>
-            <a:rPr lang="en-US" dirty="0"/>
-            <a:t>Regulatory and Legal Requirements</a:t>
+            <a:rPr lang="en-US"/>
+            <a:t>Legal Frameworks</a:t>
           </a:r>
+          <a:endParaRPr lang="en-US" dirty="0"/>
         </a:p>
       </dgm:t>
     </dgm:pt>
@@ -2626,129 +2655,71 @@
         </a:p>
       </dgm:t>
     </dgm:pt>
-    <dgm:pt modelId="{15C5990C-73C3-4C27-A81C-247B2D05A06A}" type="pres">
-      <dgm:prSet presAssocID="{C1190FC8-453E-4B31-94DD-17A52F1618A3}" presName="outerComposite" presStyleCnt="0">
+    <dgm:pt modelId="{C7B5A8D8-2D23-4A58-923D-1CDE1243BF8B}" type="pres">
+      <dgm:prSet presAssocID="{C1190FC8-453E-4B31-94DD-17A52F1618A3}" presName="linear" presStyleCnt="0">
         <dgm:presLayoutVars>
-          <dgm:chMax val="5"/>
-          <dgm:dir/>
+          <dgm:animLvl val="lvl"/>
           <dgm:resizeHandles val="exact"/>
         </dgm:presLayoutVars>
       </dgm:prSet>
       <dgm:spPr/>
     </dgm:pt>
-    <dgm:pt modelId="{1CECDEA3-4249-449B-937D-92E1255000AF}" type="pres">
-      <dgm:prSet presAssocID="{C1190FC8-453E-4B31-94DD-17A52F1618A3}" presName="dummyMaxCanvas" presStyleCnt="0">
-        <dgm:presLayoutVars/>
-      </dgm:prSet>
-      <dgm:spPr/>
-    </dgm:pt>
-    <dgm:pt modelId="{DB65AF35-9D84-4746-813F-512861CEAF47}" type="pres">
-      <dgm:prSet presAssocID="{C1190FC8-453E-4B31-94DD-17A52F1618A3}" presName="FiveNodes_1" presStyleLbl="node1" presStyleIdx="0" presStyleCnt="5">
+    <dgm:pt modelId="{1120F27E-2980-4010-9FD8-1CA8E15D718A}" type="pres">
+      <dgm:prSet presAssocID="{F334AF63-8947-4A42-BE5B-F674B20FCFE7}" presName="parentText" presStyleLbl="node1" presStyleIdx="0" presStyleCnt="5">
         <dgm:presLayoutVars>
+          <dgm:chMax val="0"/>
           <dgm:bulletEnabled val="1"/>
         </dgm:presLayoutVars>
       </dgm:prSet>
       <dgm:spPr/>
     </dgm:pt>
-    <dgm:pt modelId="{34B8C832-442E-4EC8-84D1-2A008786F0C7}" type="pres">
-      <dgm:prSet presAssocID="{C1190FC8-453E-4B31-94DD-17A52F1618A3}" presName="FiveNodes_2" presStyleLbl="node1" presStyleIdx="1" presStyleCnt="5">
+    <dgm:pt modelId="{06A534C9-4481-4E6F-BB8E-F3B8BC32AF29}" type="pres">
+      <dgm:prSet presAssocID="{1C63713D-5038-4DA4-A176-CA67B28FA876}" presName="spacer" presStyleCnt="0"/>
+      <dgm:spPr/>
+    </dgm:pt>
+    <dgm:pt modelId="{84129243-62E3-4D4F-908A-1C914E165749}" type="pres">
+      <dgm:prSet presAssocID="{124DEBA9-D0BF-4F06-AE0F-681786C97B1F}" presName="parentText" presStyleLbl="node1" presStyleIdx="1" presStyleCnt="5">
         <dgm:presLayoutVars>
+          <dgm:chMax val="0"/>
           <dgm:bulletEnabled val="1"/>
         </dgm:presLayoutVars>
       </dgm:prSet>
       <dgm:spPr/>
     </dgm:pt>
-    <dgm:pt modelId="{3DAB7601-742A-4796-811B-EDAF32DCE87A}" type="pres">
-      <dgm:prSet presAssocID="{C1190FC8-453E-4B31-94DD-17A52F1618A3}" presName="FiveNodes_3" presStyleLbl="node1" presStyleIdx="2" presStyleCnt="5">
+    <dgm:pt modelId="{25C8108C-EFD4-4184-B30F-C4B3B45E2FD1}" type="pres">
+      <dgm:prSet presAssocID="{AF8F29C1-16A7-4F34-8F0B-07A1AE20BBD1}" presName="spacer" presStyleCnt="0"/>
+      <dgm:spPr/>
+    </dgm:pt>
+    <dgm:pt modelId="{A2A2F2A8-8EE3-416F-A37E-60611DB07441}" type="pres">
+      <dgm:prSet presAssocID="{1F350D0B-C137-49FE-A8B5-BCC12415B032}" presName="parentText" presStyleLbl="node1" presStyleIdx="2" presStyleCnt="5">
         <dgm:presLayoutVars>
+          <dgm:chMax val="0"/>
           <dgm:bulletEnabled val="1"/>
         </dgm:presLayoutVars>
       </dgm:prSet>
       <dgm:spPr/>
     </dgm:pt>
-    <dgm:pt modelId="{A86AA3E4-B2CA-49F6-8A18-861735CF5911}" type="pres">
-      <dgm:prSet presAssocID="{C1190FC8-453E-4B31-94DD-17A52F1618A3}" presName="FiveNodes_4" presStyleLbl="node1" presStyleIdx="3" presStyleCnt="5">
+    <dgm:pt modelId="{9394C479-2CAF-4AA0-9B6F-B0D3CF0334B9}" type="pres">
+      <dgm:prSet presAssocID="{0D2E3463-4BBA-4E01-8DAF-BD6DCAB0C0D4}" presName="spacer" presStyleCnt="0"/>
+      <dgm:spPr/>
+    </dgm:pt>
+    <dgm:pt modelId="{FDF9968C-DA67-47E6-B80A-57DAADF36318}" type="pres">
+      <dgm:prSet presAssocID="{BB7F434A-EF5D-40CC-B0E4-E79D27952882}" presName="parentText" presStyleLbl="node1" presStyleIdx="3" presStyleCnt="5">
         <dgm:presLayoutVars>
+          <dgm:chMax val="0"/>
           <dgm:bulletEnabled val="1"/>
         </dgm:presLayoutVars>
       </dgm:prSet>
       <dgm:spPr/>
     </dgm:pt>
-    <dgm:pt modelId="{3A13134F-C556-4D61-93A4-8058EFE2ECC2}" type="pres">
-      <dgm:prSet presAssocID="{C1190FC8-453E-4B31-94DD-17A52F1618A3}" presName="FiveNodes_5" presStyleLbl="node1" presStyleIdx="4" presStyleCnt="5">
-        <dgm:presLayoutVars>
-          <dgm:bulletEnabled val="1"/>
-        </dgm:presLayoutVars>
-      </dgm:prSet>
+    <dgm:pt modelId="{26A60704-8127-45B7-AF98-FA9C33F1CAD0}" type="pres">
+      <dgm:prSet presAssocID="{2C096101-0420-422D-8D29-BE016304DD64}" presName="spacer" presStyleCnt="0"/>
       <dgm:spPr/>
     </dgm:pt>
-    <dgm:pt modelId="{7787AE55-7E72-46CD-9D23-EC726932BAF5}" type="pres">
-      <dgm:prSet presAssocID="{C1190FC8-453E-4B31-94DD-17A52F1618A3}" presName="FiveConn_1-2" presStyleLbl="fgAccFollowNode1" presStyleIdx="0" presStyleCnt="4">
+    <dgm:pt modelId="{FAC60CEA-85D4-466B-8374-3157BBBACC60}" type="pres">
+      <dgm:prSet presAssocID="{6D13B57E-DB56-4A9A-A8A2-CFEDE79AA370}" presName="parentText" presStyleLbl="node1" presStyleIdx="4" presStyleCnt="5">
         <dgm:presLayoutVars>
-          <dgm:bulletEnabled val="1"/>
-        </dgm:presLayoutVars>
-      </dgm:prSet>
-      <dgm:spPr/>
-    </dgm:pt>
-    <dgm:pt modelId="{28DE7B7E-49BF-4641-93B7-A2A600590F2B}" type="pres">
-      <dgm:prSet presAssocID="{C1190FC8-453E-4B31-94DD-17A52F1618A3}" presName="FiveConn_2-3" presStyleLbl="fgAccFollowNode1" presStyleIdx="1" presStyleCnt="4">
-        <dgm:presLayoutVars>
-          <dgm:bulletEnabled val="1"/>
-        </dgm:presLayoutVars>
-      </dgm:prSet>
-      <dgm:spPr/>
-    </dgm:pt>
-    <dgm:pt modelId="{4C77B881-E648-4CED-9DAD-C014155D2749}" type="pres">
-      <dgm:prSet presAssocID="{C1190FC8-453E-4B31-94DD-17A52F1618A3}" presName="FiveConn_3-4" presStyleLbl="fgAccFollowNode1" presStyleIdx="2" presStyleCnt="4">
-        <dgm:presLayoutVars>
-          <dgm:bulletEnabled val="1"/>
-        </dgm:presLayoutVars>
-      </dgm:prSet>
-      <dgm:spPr/>
-    </dgm:pt>
-    <dgm:pt modelId="{C633F12C-E74C-4C90-A374-F088B6AEC657}" type="pres">
-      <dgm:prSet presAssocID="{C1190FC8-453E-4B31-94DD-17A52F1618A3}" presName="FiveConn_4-5" presStyleLbl="fgAccFollowNode1" presStyleIdx="3" presStyleCnt="4">
-        <dgm:presLayoutVars>
-          <dgm:bulletEnabled val="1"/>
-        </dgm:presLayoutVars>
-      </dgm:prSet>
-      <dgm:spPr/>
-    </dgm:pt>
-    <dgm:pt modelId="{6FE176E6-F330-4D08-B428-B1311658E381}" type="pres">
-      <dgm:prSet presAssocID="{C1190FC8-453E-4B31-94DD-17A52F1618A3}" presName="FiveNodes_1_text" presStyleLbl="node1" presStyleIdx="4" presStyleCnt="5">
-        <dgm:presLayoutVars>
-          <dgm:bulletEnabled val="1"/>
-        </dgm:presLayoutVars>
-      </dgm:prSet>
-      <dgm:spPr/>
-    </dgm:pt>
-    <dgm:pt modelId="{589950F7-FC1B-40EB-BAB3-AD5785A47195}" type="pres">
-      <dgm:prSet presAssocID="{C1190FC8-453E-4B31-94DD-17A52F1618A3}" presName="FiveNodes_2_text" presStyleLbl="node1" presStyleIdx="4" presStyleCnt="5">
-        <dgm:presLayoutVars>
-          <dgm:bulletEnabled val="1"/>
-        </dgm:presLayoutVars>
-      </dgm:prSet>
-      <dgm:spPr/>
-    </dgm:pt>
-    <dgm:pt modelId="{5BCCC53D-81C5-4FA3-A9A4-8AF9FBFA0F07}" type="pres">
-      <dgm:prSet presAssocID="{C1190FC8-453E-4B31-94DD-17A52F1618A3}" presName="FiveNodes_3_text" presStyleLbl="node1" presStyleIdx="4" presStyleCnt="5">
-        <dgm:presLayoutVars>
-          <dgm:bulletEnabled val="1"/>
-        </dgm:presLayoutVars>
-      </dgm:prSet>
-      <dgm:spPr/>
-    </dgm:pt>
-    <dgm:pt modelId="{3127B803-4499-475E-94E4-1FAD34EE3ED0}" type="pres">
-      <dgm:prSet presAssocID="{C1190FC8-453E-4B31-94DD-17A52F1618A3}" presName="FiveNodes_4_text" presStyleLbl="node1" presStyleIdx="4" presStyleCnt="5">
-        <dgm:presLayoutVars>
-          <dgm:bulletEnabled val="1"/>
-        </dgm:presLayoutVars>
-      </dgm:prSet>
-      <dgm:spPr/>
-    </dgm:pt>
-    <dgm:pt modelId="{4C9CCF55-09EF-4FB9-9BB9-E11DE6AD46F9}" type="pres">
-      <dgm:prSet presAssocID="{C1190FC8-453E-4B31-94DD-17A52F1618A3}" presName="FiveNodes_5_text" presStyleLbl="node1" presStyleIdx="4" presStyleCnt="5">
-        <dgm:presLayoutVars>
+          <dgm:chMax val="0"/>
           <dgm:bulletEnabled val="1"/>
         </dgm:presLayoutVars>
       </dgm:prSet>
@@ -2757,40 +2728,25 @@
   </dgm:ptLst>
   <dgm:cxnLst>
     <dgm:cxn modelId="{C6DCBC0B-B12F-45D1-950C-DFAEA06CFE3A}" srcId="{C1190FC8-453E-4B31-94DD-17A52F1618A3}" destId="{1F350D0B-C137-49FE-A8B5-BCC12415B032}" srcOrd="2" destOrd="0" parTransId="{7720BE98-FC8E-4239-95BC-1CCA9CA188F9}" sibTransId="{0D2E3463-4BBA-4E01-8DAF-BD6DCAB0C0D4}"/>
-    <dgm:cxn modelId="{BEB2670C-045F-4809-8739-023E4D82BC08}" type="presOf" srcId="{1F350D0B-C137-49FE-A8B5-BCC12415B032}" destId="{3DAB7601-742A-4796-811B-EDAF32DCE87A}" srcOrd="0" destOrd="0" presId="urn:microsoft.com/office/officeart/2005/8/layout/vProcess5"/>
-    <dgm:cxn modelId="{9277A125-EA34-4F2B-8668-9646CC44D477}" type="presOf" srcId="{BB7F434A-EF5D-40CC-B0E4-E79D27952882}" destId="{A86AA3E4-B2CA-49F6-8A18-861735CF5911}" srcOrd="0" destOrd="0" presId="urn:microsoft.com/office/officeart/2005/8/layout/vProcess5"/>
-    <dgm:cxn modelId="{A94BFC2A-3518-4DF1-8411-9E88887C69F2}" type="presOf" srcId="{2C096101-0420-422D-8D29-BE016304DD64}" destId="{C633F12C-E74C-4C90-A374-F088B6AEC657}" srcOrd="0" destOrd="0" presId="urn:microsoft.com/office/officeart/2005/8/layout/vProcess5"/>
-    <dgm:cxn modelId="{E7EB722E-7163-4B81-B2E8-72A1ACD3363B}" type="presOf" srcId="{6D13B57E-DB56-4A9A-A8A2-CFEDE79AA370}" destId="{3A13134F-C556-4D61-93A4-8058EFE2ECC2}" srcOrd="0" destOrd="0" presId="urn:microsoft.com/office/officeart/2005/8/layout/vProcess5"/>
-    <dgm:cxn modelId="{A456932E-EB83-4BBD-83CB-868FAD85377E}" type="presOf" srcId="{BB7F434A-EF5D-40CC-B0E4-E79D27952882}" destId="{3127B803-4499-475E-94E4-1FAD34EE3ED0}" srcOrd="1" destOrd="0" presId="urn:microsoft.com/office/officeart/2005/8/layout/vProcess5"/>
+    <dgm:cxn modelId="{157E3025-CE7B-46AB-9438-6C9E4CB32E34}" type="presOf" srcId="{C1190FC8-453E-4B31-94DD-17A52F1618A3}" destId="{C7B5A8D8-2D23-4A58-923D-1CDE1243BF8B}" srcOrd="0" destOrd="0" presId="urn:microsoft.com/office/officeart/2005/8/layout/vList2"/>
     <dgm:cxn modelId="{3552DE2E-4404-4553-9A6E-CB6AF0AF700A}" srcId="{C1190FC8-453E-4B31-94DD-17A52F1618A3}" destId="{124DEBA9-D0BF-4F06-AE0F-681786C97B1F}" srcOrd="1" destOrd="0" parTransId="{1D8F2DC6-BEBC-4814-A02A-DF36D66A0BA6}" sibTransId="{AF8F29C1-16A7-4F34-8F0B-07A1AE20BBD1}"/>
-    <dgm:cxn modelId="{24F28E35-B64C-4CDE-8146-FC29E29A7426}" type="presOf" srcId="{F334AF63-8947-4A42-BE5B-F674B20FCFE7}" destId="{6FE176E6-F330-4D08-B428-B1311658E381}" srcOrd="1" destOrd="0" presId="urn:microsoft.com/office/officeart/2005/8/layout/vProcess5"/>
-    <dgm:cxn modelId="{C214A16B-2FEC-4314-8E92-19F8868C7763}" type="presOf" srcId="{0D2E3463-4BBA-4E01-8DAF-BD6DCAB0C0D4}" destId="{4C77B881-E648-4CED-9DAD-C014155D2749}" srcOrd="0" destOrd="0" presId="urn:microsoft.com/office/officeart/2005/8/layout/vProcess5"/>
-    <dgm:cxn modelId="{C4F3E46D-7EB2-473C-953A-B4F85A0A1CBF}" type="presOf" srcId="{124DEBA9-D0BF-4F06-AE0F-681786C97B1F}" destId="{34B8C832-442E-4EC8-84D1-2A008786F0C7}" srcOrd="0" destOrd="0" presId="urn:microsoft.com/office/officeart/2005/8/layout/vProcess5"/>
-    <dgm:cxn modelId="{E7987673-7114-418B-84E4-04D52DB94BD8}" type="presOf" srcId="{6D13B57E-DB56-4A9A-A8A2-CFEDE79AA370}" destId="{4C9CCF55-09EF-4FB9-9BB9-E11DE6AD46F9}" srcOrd="1" destOrd="0" presId="urn:microsoft.com/office/officeart/2005/8/layout/vProcess5"/>
-    <dgm:cxn modelId="{A98FF255-AEB3-42BE-A814-9C74F03D3782}" type="presOf" srcId="{1C63713D-5038-4DA4-A176-CA67B28FA876}" destId="{7787AE55-7E72-46CD-9D23-EC726932BAF5}" srcOrd="0" destOrd="0" presId="urn:microsoft.com/office/officeart/2005/8/layout/vProcess5"/>
-    <dgm:cxn modelId="{2EDD7D88-2063-4648-A69E-34818036CFE7}" type="presOf" srcId="{AF8F29C1-16A7-4F34-8F0B-07A1AE20BBD1}" destId="{28DE7B7E-49BF-4641-93B7-A2A600590F2B}" srcOrd="0" destOrd="0" presId="urn:microsoft.com/office/officeart/2005/8/layout/vProcess5"/>
-    <dgm:cxn modelId="{DF41EA88-A6C6-41C0-BE5F-A58BBF412E92}" type="presOf" srcId="{1F350D0B-C137-49FE-A8B5-BCC12415B032}" destId="{5BCCC53D-81C5-4FA3-A9A4-8AF9FBFA0F07}" srcOrd="1" destOrd="0" presId="urn:microsoft.com/office/officeart/2005/8/layout/vProcess5"/>
+    <dgm:cxn modelId="{1EDDEC2F-097E-43D9-9947-73D08DBE144B}" type="presOf" srcId="{1F350D0B-C137-49FE-A8B5-BCC12415B032}" destId="{A2A2F2A8-8EE3-416F-A37E-60611DB07441}" srcOrd="0" destOrd="0" presId="urn:microsoft.com/office/officeart/2005/8/layout/vList2"/>
+    <dgm:cxn modelId="{0B1C6469-D9E2-4DE1-945F-8615C7BF18DE}" type="presOf" srcId="{BB7F434A-EF5D-40CC-B0E4-E79D27952882}" destId="{FDF9968C-DA67-47E6-B80A-57DAADF36318}" srcOrd="0" destOrd="0" presId="urn:microsoft.com/office/officeart/2005/8/layout/vList2"/>
+    <dgm:cxn modelId="{511BE478-1BD0-4BB1-AB30-A93D645A4C2E}" type="presOf" srcId="{F334AF63-8947-4A42-BE5B-F674B20FCFE7}" destId="{1120F27E-2980-4010-9FD8-1CA8E15D718A}" srcOrd="0" destOrd="0" presId="urn:microsoft.com/office/officeart/2005/8/layout/vList2"/>
+    <dgm:cxn modelId="{F9A9F57A-B07F-46C6-A2A2-5F0D2DBF9DBD}" type="presOf" srcId="{6D13B57E-DB56-4A9A-A8A2-CFEDE79AA370}" destId="{FAC60CEA-85D4-466B-8374-3157BBBACC60}" srcOrd="0" destOrd="0" presId="urn:microsoft.com/office/officeart/2005/8/layout/vList2"/>
     <dgm:cxn modelId="{B5EC1191-04CF-4F8C-9C9F-62925531029D}" srcId="{C1190FC8-453E-4B31-94DD-17A52F1618A3}" destId="{BB7F434A-EF5D-40CC-B0E4-E79D27952882}" srcOrd="3" destOrd="0" parTransId="{AD25C0E2-8574-4C03-BD5A-CB80DE359572}" sibTransId="{2C096101-0420-422D-8D29-BE016304DD64}"/>
-    <dgm:cxn modelId="{CAF9F29B-E0EE-4154-9C19-8CF8AD0A06FC}" type="presOf" srcId="{C1190FC8-453E-4B31-94DD-17A52F1618A3}" destId="{15C5990C-73C3-4C27-A81C-247B2D05A06A}" srcOrd="0" destOrd="0" presId="urn:microsoft.com/office/officeart/2005/8/layout/vProcess5"/>
-    <dgm:cxn modelId="{5BDD199F-89DD-47F6-AA61-9D2DE03FD106}" type="presOf" srcId="{F334AF63-8947-4A42-BE5B-F674B20FCFE7}" destId="{DB65AF35-9D84-4746-813F-512861CEAF47}" srcOrd="0" destOrd="0" presId="urn:microsoft.com/office/officeart/2005/8/layout/vProcess5"/>
+    <dgm:cxn modelId="{A2FD06A1-F39E-4309-864E-54FA6B98C1FA}" type="presOf" srcId="{124DEBA9-D0BF-4F06-AE0F-681786C97B1F}" destId="{84129243-62E3-4D4F-908A-1C914E165749}" srcOrd="0" destOrd="0" presId="urn:microsoft.com/office/officeart/2005/8/layout/vList2"/>
     <dgm:cxn modelId="{6C1B7DC8-2D10-458D-BA99-E057A0D2979E}" srcId="{C1190FC8-453E-4B31-94DD-17A52F1618A3}" destId="{F334AF63-8947-4A42-BE5B-F674B20FCFE7}" srcOrd="0" destOrd="0" parTransId="{7200471E-E1C4-441C-80C4-B746C8EF0361}" sibTransId="{1C63713D-5038-4DA4-A176-CA67B28FA876}"/>
-    <dgm:cxn modelId="{D172EFD2-60EC-4606-8B8B-646B4D61A5EF}" type="presOf" srcId="{124DEBA9-D0BF-4F06-AE0F-681786C97B1F}" destId="{589950F7-FC1B-40EB-BAB3-AD5785A47195}" srcOrd="1" destOrd="0" presId="urn:microsoft.com/office/officeart/2005/8/layout/vProcess5"/>
     <dgm:cxn modelId="{26E13BE2-CB7D-4F73-9784-C702A6B756FF}" srcId="{C1190FC8-453E-4B31-94DD-17A52F1618A3}" destId="{6D13B57E-DB56-4A9A-A8A2-CFEDE79AA370}" srcOrd="4" destOrd="0" parTransId="{1EBA3276-3446-471B-BB96-5BC1D407938D}" sibTransId="{EF15D06F-CA55-47AB-8112-99788DD1F7CE}"/>
-    <dgm:cxn modelId="{46BB7B0C-4EDB-4615-A255-F588CC53C506}" type="presParOf" srcId="{15C5990C-73C3-4C27-A81C-247B2D05A06A}" destId="{1CECDEA3-4249-449B-937D-92E1255000AF}" srcOrd="0" destOrd="0" presId="urn:microsoft.com/office/officeart/2005/8/layout/vProcess5"/>
-    <dgm:cxn modelId="{F7DBE760-9973-431E-AB5F-6CC53A2A6038}" type="presParOf" srcId="{15C5990C-73C3-4C27-A81C-247B2D05A06A}" destId="{DB65AF35-9D84-4746-813F-512861CEAF47}" srcOrd="1" destOrd="0" presId="urn:microsoft.com/office/officeart/2005/8/layout/vProcess5"/>
-    <dgm:cxn modelId="{1ED80825-11EC-4B4E-8026-D86EEC357F3E}" type="presParOf" srcId="{15C5990C-73C3-4C27-A81C-247B2D05A06A}" destId="{34B8C832-442E-4EC8-84D1-2A008786F0C7}" srcOrd="2" destOrd="0" presId="urn:microsoft.com/office/officeart/2005/8/layout/vProcess5"/>
-    <dgm:cxn modelId="{A6458068-AABE-44C5-B956-FEB3A9270469}" type="presParOf" srcId="{15C5990C-73C3-4C27-A81C-247B2D05A06A}" destId="{3DAB7601-742A-4796-811B-EDAF32DCE87A}" srcOrd="3" destOrd="0" presId="urn:microsoft.com/office/officeart/2005/8/layout/vProcess5"/>
-    <dgm:cxn modelId="{149AA804-AF29-4B94-8746-8C5B2285098D}" type="presParOf" srcId="{15C5990C-73C3-4C27-A81C-247B2D05A06A}" destId="{A86AA3E4-B2CA-49F6-8A18-861735CF5911}" srcOrd="4" destOrd="0" presId="urn:microsoft.com/office/officeart/2005/8/layout/vProcess5"/>
-    <dgm:cxn modelId="{0CE266F5-D8B2-419D-ACBB-41B04CDDCDE7}" type="presParOf" srcId="{15C5990C-73C3-4C27-A81C-247B2D05A06A}" destId="{3A13134F-C556-4D61-93A4-8058EFE2ECC2}" srcOrd="5" destOrd="0" presId="urn:microsoft.com/office/officeart/2005/8/layout/vProcess5"/>
-    <dgm:cxn modelId="{36BF7A00-B826-4C65-9F44-12830FB24D4C}" type="presParOf" srcId="{15C5990C-73C3-4C27-A81C-247B2D05A06A}" destId="{7787AE55-7E72-46CD-9D23-EC726932BAF5}" srcOrd="6" destOrd="0" presId="urn:microsoft.com/office/officeart/2005/8/layout/vProcess5"/>
-    <dgm:cxn modelId="{D498371E-FE84-4178-A132-4DD6144465C8}" type="presParOf" srcId="{15C5990C-73C3-4C27-A81C-247B2D05A06A}" destId="{28DE7B7E-49BF-4641-93B7-A2A600590F2B}" srcOrd="7" destOrd="0" presId="urn:microsoft.com/office/officeart/2005/8/layout/vProcess5"/>
-    <dgm:cxn modelId="{82526F72-0DE3-436B-91ED-73823ABEF6B0}" type="presParOf" srcId="{15C5990C-73C3-4C27-A81C-247B2D05A06A}" destId="{4C77B881-E648-4CED-9DAD-C014155D2749}" srcOrd="8" destOrd="0" presId="urn:microsoft.com/office/officeart/2005/8/layout/vProcess5"/>
-    <dgm:cxn modelId="{0FDEFE07-44F5-4C24-A1DE-F44075409CB4}" type="presParOf" srcId="{15C5990C-73C3-4C27-A81C-247B2D05A06A}" destId="{C633F12C-E74C-4C90-A374-F088B6AEC657}" srcOrd="9" destOrd="0" presId="urn:microsoft.com/office/officeart/2005/8/layout/vProcess5"/>
-    <dgm:cxn modelId="{E467EFFB-CE68-4F48-A381-99F05CF9496D}" type="presParOf" srcId="{15C5990C-73C3-4C27-A81C-247B2D05A06A}" destId="{6FE176E6-F330-4D08-B428-B1311658E381}" srcOrd="10" destOrd="0" presId="urn:microsoft.com/office/officeart/2005/8/layout/vProcess5"/>
-    <dgm:cxn modelId="{52D5B477-A16A-4AD7-99F3-35F74B68EF4E}" type="presParOf" srcId="{15C5990C-73C3-4C27-A81C-247B2D05A06A}" destId="{589950F7-FC1B-40EB-BAB3-AD5785A47195}" srcOrd="11" destOrd="0" presId="urn:microsoft.com/office/officeart/2005/8/layout/vProcess5"/>
-    <dgm:cxn modelId="{8E73426D-E663-48F2-8386-32C12E2F64A8}" type="presParOf" srcId="{15C5990C-73C3-4C27-A81C-247B2D05A06A}" destId="{5BCCC53D-81C5-4FA3-A9A4-8AF9FBFA0F07}" srcOrd="12" destOrd="0" presId="urn:microsoft.com/office/officeart/2005/8/layout/vProcess5"/>
-    <dgm:cxn modelId="{E0F883BE-5085-4E50-9C26-28DBF7727581}" type="presParOf" srcId="{15C5990C-73C3-4C27-A81C-247B2D05A06A}" destId="{3127B803-4499-475E-94E4-1FAD34EE3ED0}" srcOrd="13" destOrd="0" presId="urn:microsoft.com/office/officeart/2005/8/layout/vProcess5"/>
-    <dgm:cxn modelId="{696E7EDA-AD1E-42AC-BB5D-A6231742DB16}" type="presParOf" srcId="{15C5990C-73C3-4C27-A81C-247B2D05A06A}" destId="{4C9CCF55-09EF-4FB9-9BB9-E11DE6AD46F9}" srcOrd="14" destOrd="0" presId="urn:microsoft.com/office/officeart/2005/8/layout/vProcess5"/>
+    <dgm:cxn modelId="{D71BFF43-962F-4072-8D45-51AA38B7EA1C}" type="presParOf" srcId="{C7B5A8D8-2D23-4A58-923D-1CDE1243BF8B}" destId="{1120F27E-2980-4010-9FD8-1CA8E15D718A}" srcOrd="0" destOrd="0" presId="urn:microsoft.com/office/officeart/2005/8/layout/vList2"/>
+    <dgm:cxn modelId="{76C477D1-1271-4BB7-9A56-26F526D18BAE}" type="presParOf" srcId="{C7B5A8D8-2D23-4A58-923D-1CDE1243BF8B}" destId="{06A534C9-4481-4E6F-BB8E-F3B8BC32AF29}" srcOrd="1" destOrd="0" presId="urn:microsoft.com/office/officeart/2005/8/layout/vList2"/>
+    <dgm:cxn modelId="{FF7A6511-3579-4A9C-B289-6FF2F41465C7}" type="presParOf" srcId="{C7B5A8D8-2D23-4A58-923D-1CDE1243BF8B}" destId="{84129243-62E3-4D4F-908A-1C914E165749}" srcOrd="2" destOrd="0" presId="urn:microsoft.com/office/officeart/2005/8/layout/vList2"/>
+    <dgm:cxn modelId="{B6CD1F7A-6F99-4B6F-9C29-D1030C547722}" type="presParOf" srcId="{C7B5A8D8-2D23-4A58-923D-1CDE1243BF8B}" destId="{25C8108C-EFD4-4184-B30F-C4B3B45E2FD1}" srcOrd="3" destOrd="0" presId="urn:microsoft.com/office/officeart/2005/8/layout/vList2"/>
+    <dgm:cxn modelId="{533CE276-561A-4B63-8068-DB6CE2ECC3A6}" type="presParOf" srcId="{C7B5A8D8-2D23-4A58-923D-1CDE1243BF8B}" destId="{A2A2F2A8-8EE3-416F-A37E-60611DB07441}" srcOrd="4" destOrd="0" presId="urn:microsoft.com/office/officeart/2005/8/layout/vList2"/>
+    <dgm:cxn modelId="{71EFBB70-78CC-4268-A5F4-3BC42E34EE93}" type="presParOf" srcId="{C7B5A8D8-2D23-4A58-923D-1CDE1243BF8B}" destId="{9394C479-2CAF-4AA0-9B6F-B0D3CF0334B9}" srcOrd="5" destOrd="0" presId="urn:microsoft.com/office/officeart/2005/8/layout/vList2"/>
+    <dgm:cxn modelId="{E47902A7-2A2A-4A84-B9FE-344D7EA60167}" type="presParOf" srcId="{C7B5A8D8-2D23-4A58-923D-1CDE1243BF8B}" destId="{FDF9968C-DA67-47E6-B80A-57DAADF36318}" srcOrd="6" destOrd="0" presId="urn:microsoft.com/office/officeart/2005/8/layout/vList2"/>
+    <dgm:cxn modelId="{2031CC70-A93D-4F21-A318-E1B16B6F7124}" type="presParOf" srcId="{C7B5A8D8-2D23-4A58-923D-1CDE1243BF8B}" destId="{26A60704-8127-45B7-AF98-FA9C33F1CAD0}" srcOrd="7" destOrd="0" presId="urn:microsoft.com/office/officeart/2005/8/layout/vList2"/>
+    <dgm:cxn modelId="{A49531BD-8D96-4886-B3C8-BA9064042F60}" type="presParOf" srcId="{C7B5A8D8-2D23-4A58-923D-1CDE1243BF8B}" destId="{FAC60CEA-85D4-466B-8374-3157BBBACC60}" srcOrd="8" destOrd="0" presId="urn:microsoft.com/office/officeart/2005/8/layout/vList2"/>
   </dgm:cxnLst>
   <dgm:bg/>
   <dgm:whole/>
@@ -4210,50 +4166,63 @@
       <dsp:cNvGrpSpPr/>
     </dsp:nvGrpSpPr>
     <dsp:grpSpPr/>
-    <dsp:sp modelId="{DB65AF35-9D84-4746-813F-512861CEAF47}">
+    <dsp:sp modelId="{1120F27E-2980-4010-9FD8-1CA8E15D718A}">
       <dsp:nvSpPr>
         <dsp:cNvPr id="0" name=""/>
         <dsp:cNvSpPr/>
       </dsp:nvSpPr>
       <dsp:spPr>
         <a:xfrm>
-          <a:off x="0" y="0"/>
-          <a:ext cx="6920301" cy="657709"/>
+          <a:off x="0" y="108429"/>
+          <a:ext cx="6832212" cy="926640"/>
         </a:xfrm>
         <a:prstGeom prst="roundRect">
-          <a:avLst>
-            <a:gd name="adj" fmla="val 10000"/>
-          </a:avLst>
+          <a:avLst/>
         </a:prstGeom>
-        <a:solidFill>
-          <a:schemeClr val="accent2">
-            <a:hueOff val="0"/>
-            <a:satOff val="0"/>
-            <a:lumOff val="0"/>
-            <a:alphaOff val="0"/>
-          </a:schemeClr>
-        </a:solidFill>
-        <a:ln w="15875" cap="rnd" cmpd="sng" algn="ctr">
-          <a:solidFill>
-            <a:schemeClr val="lt1">
-              <a:hueOff val="0"/>
-              <a:satOff val="0"/>
-              <a:lumOff val="0"/>
-              <a:alphaOff val="0"/>
-            </a:schemeClr>
-          </a:solidFill>
-          <a:prstDash val="solid"/>
+        <a:gradFill rotWithShape="0">
+          <a:gsLst>
+            <a:gs pos="0">
+              <a:schemeClr val="accent2">
+                <a:hueOff val="0"/>
+                <a:satOff val="0"/>
+                <a:lumOff val="0"/>
+                <a:alphaOff val="0"/>
+                <a:tint val="96000"/>
+                <a:lumMod val="104000"/>
+              </a:schemeClr>
+            </a:gs>
+            <a:gs pos="100000">
+              <a:schemeClr val="accent2">
+                <a:hueOff val="0"/>
+                <a:satOff val="0"/>
+                <a:lumOff val="0"/>
+                <a:alphaOff val="0"/>
+                <a:shade val="98000"/>
+                <a:lumMod val="94000"/>
+              </a:schemeClr>
+            </a:gs>
+          </a:gsLst>
+          <a:lin ang="5400000" scaled="0"/>
+        </a:gradFill>
+        <a:ln>
+          <a:noFill/>
         </a:ln>
-        <a:effectLst/>
+        <a:effectLst>
+          <a:outerShdw blurRad="38100" dist="25400" dir="5400000" rotWithShape="0">
+            <a:srgbClr val="000000">
+              <a:alpha val="25000"/>
+            </a:srgbClr>
+          </a:outerShdw>
+        </a:effectLst>
       </dsp:spPr>
       <dsp:style>
-        <a:lnRef idx="2">
+        <a:lnRef idx="0">
           <a:scrgbClr r="0" g="0" b="0"/>
         </a:lnRef>
-        <a:fillRef idx="1">
+        <a:fillRef idx="3">
           <a:scrgbClr r="0" g="0" b="0"/>
         </a:fillRef>
-        <a:effectRef idx="0">
+        <a:effectRef idx="2">
           <a:scrgbClr r="0" g="0" b="0"/>
         </a:effectRef>
         <a:fontRef idx="minor">
@@ -4261,14 +4230,14 @@
         </a:fontRef>
       </dsp:style>
       <dsp:txBody>
-        <a:bodyPr spcFirstLastPara="0" vert="horz" wrap="square" lIns="99060" tIns="99060" rIns="99060" bIns="99060" numCol="1" spcCol="1270" anchor="ctr" anchorCtr="0">
+        <a:bodyPr spcFirstLastPara="0" vert="horz" wrap="square" lIns="137160" tIns="137160" rIns="137160" bIns="137160" numCol="1" spcCol="1270" anchor="ctr" anchorCtr="0">
           <a:noAutofit/>
         </a:bodyPr>
         <a:lstStyle/>
         <a:p>
-          <a:pPr marL="0" lvl="0" indent="0" algn="l" defTabSz="1155700">
+          <a:pPr marL="0" lvl="0" indent="0" algn="l" defTabSz="1600200">
             <a:lnSpc>
-              <a:spcPct val="90000"/>
+              <a:spcPct val="100000"/>
             </a:lnSpc>
             <a:spcBef>
               <a:spcPct val="0"/>
@@ -4279,60 +4248,73 @@
             <a:buNone/>
           </a:pPr>
           <a:r>
-            <a:rPr lang="en-US" sz="2600" kern="1200"/>
+            <a:rPr lang="en-US" sz="3600" kern="1200"/>
             <a:t>Introduction</a:t>
           </a:r>
         </a:p>
       </dsp:txBody>
       <dsp:txXfrm>
-        <a:off x="19264" y="19264"/>
-        <a:ext cx="6133628" cy="619181"/>
+        <a:off x="45235" y="153664"/>
+        <a:ext cx="6741742" cy="836170"/>
       </dsp:txXfrm>
     </dsp:sp>
-    <dsp:sp modelId="{34B8C832-442E-4EC8-84D1-2A008786F0C7}">
+    <dsp:sp modelId="{84129243-62E3-4D4F-908A-1C914E165749}">
       <dsp:nvSpPr>
         <dsp:cNvPr id="0" name=""/>
         <dsp:cNvSpPr/>
       </dsp:nvSpPr>
       <dsp:spPr>
         <a:xfrm>
-          <a:off x="516775" y="749057"/>
-          <a:ext cx="6920301" cy="657709"/>
+          <a:off x="0" y="1138749"/>
+          <a:ext cx="6832212" cy="926640"/>
         </a:xfrm>
         <a:prstGeom prst="roundRect">
-          <a:avLst>
-            <a:gd name="adj" fmla="val 10000"/>
-          </a:avLst>
+          <a:avLst/>
         </a:prstGeom>
-        <a:solidFill>
-          <a:schemeClr val="accent2">
-            <a:hueOff val="222396"/>
-            <a:satOff val="-4971"/>
-            <a:lumOff val="-4706"/>
-            <a:alphaOff val="0"/>
-          </a:schemeClr>
-        </a:solidFill>
-        <a:ln w="15875" cap="rnd" cmpd="sng" algn="ctr">
-          <a:solidFill>
-            <a:schemeClr val="lt1">
-              <a:hueOff val="0"/>
-              <a:satOff val="0"/>
-              <a:lumOff val="0"/>
-              <a:alphaOff val="0"/>
-            </a:schemeClr>
-          </a:solidFill>
-          <a:prstDash val="solid"/>
+        <a:gradFill rotWithShape="0">
+          <a:gsLst>
+            <a:gs pos="0">
+              <a:schemeClr val="accent2">
+                <a:hueOff val="222396"/>
+                <a:satOff val="-4971"/>
+                <a:lumOff val="-4706"/>
+                <a:alphaOff val="0"/>
+                <a:tint val="96000"/>
+                <a:lumMod val="104000"/>
+              </a:schemeClr>
+            </a:gs>
+            <a:gs pos="100000">
+              <a:schemeClr val="accent2">
+                <a:hueOff val="222396"/>
+                <a:satOff val="-4971"/>
+                <a:lumOff val="-4706"/>
+                <a:alphaOff val="0"/>
+                <a:shade val="98000"/>
+                <a:lumMod val="94000"/>
+              </a:schemeClr>
+            </a:gs>
+          </a:gsLst>
+          <a:lin ang="5400000" scaled="0"/>
+        </a:gradFill>
+        <a:ln>
+          <a:noFill/>
         </a:ln>
-        <a:effectLst/>
+        <a:effectLst>
+          <a:outerShdw blurRad="38100" dist="25400" dir="5400000" rotWithShape="0">
+            <a:srgbClr val="000000">
+              <a:alpha val="25000"/>
+            </a:srgbClr>
+          </a:outerShdw>
+        </a:effectLst>
       </dsp:spPr>
       <dsp:style>
-        <a:lnRef idx="2">
+        <a:lnRef idx="0">
           <a:scrgbClr r="0" g="0" b="0"/>
         </a:lnRef>
-        <a:fillRef idx="1">
+        <a:fillRef idx="3">
           <a:scrgbClr r="0" g="0" b="0"/>
         </a:fillRef>
-        <a:effectRef idx="0">
+        <a:effectRef idx="2">
           <a:scrgbClr r="0" g="0" b="0"/>
         </a:effectRef>
         <a:fontRef idx="minor">
@@ -4340,14 +4322,14 @@
         </a:fontRef>
       </dsp:style>
       <dsp:txBody>
-        <a:bodyPr spcFirstLastPara="0" vert="horz" wrap="square" lIns="99060" tIns="99060" rIns="99060" bIns="99060" numCol="1" spcCol="1270" anchor="ctr" anchorCtr="0">
+        <a:bodyPr spcFirstLastPara="0" vert="horz" wrap="square" lIns="137160" tIns="137160" rIns="137160" bIns="137160" numCol="1" spcCol="1270" anchor="ctr" anchorCtr="0">
           <a:noAutofit/>
         </a:bodyPr>
         <a:lstStyle/>
         <a:p>
-          <a:pPr marL="0" lvl="0" indent="0" algn="l" defTabSz="1155700">
+          <a:pPr marL="0" lvl="0" indent="0" algn="l" defTabSz="1600200">
             <a:lnSpc>
-              <a:spcPct val="90000"/>
+              <a:spcPct val="100000"/>
             </a:lnSpc>
             <a:spcBef>
               <a:spcPct val="0"/>
@@ -4358,60 +4340,74 @@
             <a:buNone/>
           </a:pPr>
           <a:r>
-            <a:rPr lang="en-US" sz="2600" kern="1200" dirty="0"/>
-            <a:t>Regulatory and Legal Requirements</a:t>
+            <a:rPr lang="en-US" sz="3600" kern="1200"/>
+            <a:t>Legal Frameworks</a:t>
           </a:r>
+          <a:endParaRPr lang="en-US" sz="3600" kern="1200" dirty="0"/>
         </a:p>
       </dsp:txBody>
       <dsp:txXfrm>
-        <a:off x="536039" y="768321"/>
-        <a:ext cx="5937486" cy="619181"/>
+        <a:off x="45235" y="1183984"/>
+        <a:ext cx="6741742" cy="836170"/>
       </dsp:txXfrm>
     </dsp:sp>
-    <dsp:sp modelId="{3DAB7601-742A-4796-811B-EDAF32DCE87A}">
+    <dsp:sp modelId="{A2A2F2A8-8EE3-416F-A37E-60611DB07441}">
       <dsp:nvSpPr>
         <dsp:cNvPr id="0" name=""/>
         <dsp:cNvSpPr/>
       </dsp:nvSpPr>
       <dsp:spPr>
         <a:xfrm>
-          <a:off x="1033551" y="1498115"/>
-          <a:ext cx="6920301" cy="657709"/>
+          <a:off x="0" y="2169069"/>
+          <a:ext cx="6832212" cy="926640"/>
         </a:xfrm>
         <a:prstGeom prst="roundRect">
-          <a:avLst>
-            <a:gd name="adj" fmla="val 10000"/>
-          </a:avLst>
+          <a:avLst/>
         </a:prstGeom>
-        <a:solidFill>
-          <a:schemeClr val="accent2">
-            <a:hueOff val="444793"/>
-            <a:satOff val="-9942"/>
-            <a:lumOff val="-9412"/>
-            <a:alphaOff val="0"/>
-          </a:schemeClr>
-        </a:solidFill>
-        <a:ln w="15875" cap="rnd" cmpd="sng" algn="ctr">
-          <a:solidFill>
-            <a:schemeClr val="lt1">
-              <a:hueOff val="0"/>
-              <a:satOff val="0"/>
-              <a:lumOff val="0"/>
-              <a:alphaOff val="0"/>
-            </a:schemeClr>
-          </a:solidFill>
-          <a:prstDash val="solid"/>
+        <a:gradFill rotWithShape="0">
+          <a:gsLst>
+            <a:gs pos="0">
+              <a:schemeClr val="accent2">
+                <a:hueOff val="444793"/>
+                <a:satOff val="-9942"/>
+                <a:lumOff val="-9412"/>
+                <a:alphaOff val="0"/>
+                <a:tint val="96000"/>
+                <a:lumMod val="104000"/>
+              </a:schemeClr>
+            </a:gs>
+            <a:gs pos="100000">
+              <a:schemeClr val="accent2">
+                <a:hueOff val="444793"/>
+                <a:satOff val="-9942"/>
+                <a:lumOff val="-9412"/>
+                <a:alphaOff val="0"/>
+                <a:shade val="98000"/>
+                <a:lumMod val="94000"/>
+              </a:schemeClr>
+            </a:gs>
+          </a:gsLst>
+          <a:lin ang="5400000" scaled="0"/>
+        </a:gradFill>
+        <a:ln>
+          <a:noFill/>
         </a:ln>
-        <a:effectLst/>
+        <a:effectLst>
+          <a:outerShdw blurRad="38100" dist="25400" dir="5400000" rotWithShape="0">
+            <a:srgbClr val="000000">
+              <a:alpha val="25000"/>
+            </a:srgbClr>
+          </a:outerShdw>
+        </a:effectLst>
       </dsp:spPr>
       <dsp:style>
-        <a:lnRef idx="2">
+        <a:lnRef idx="0">
           <a:scrgbClr r="0" g="0" b="0"/>
         </a:lnRef>
-        <a:fillRef idx="1">
+        <a:fillRef idx="3">
           <a:scrgbClr r="0" g="0" b="0"/>
         </a:fillRef>
-        <a:effectRef idx="0">
+        <a:effectRef idx="2">
           <a:scrgbClr r="0" g="0" b="0"/>
         </a:effectRef>
         <a:fontRef idx="minor">
@@ -4419,14 +4415,14 @@
         </a:fontRef>
       </dsp:style>
       <dsp:txBody>
-        <a:bodyPr spcFirstLastPara="0" vert="horz" wrap="square" lIns="99060" tIns="99060" rIns="99060" bIns="99060" numCol="1" spcCol="1270" anchor="ctr" anchorCtr="0">
+        <a:bodyPr spcFirstLastPara="0" vert="horz" wrap="square" lIns="137160" tIns="137160" rIns="137160" bIns="137160" numCol="1" spcCol="1270" anchor="ctr" anchorCtr="0">
           <a:noAutofit/>
         </a:bodyPr>
         <a:lstStyle/>
         <a:p>
-          <a:pPr marL="0" lvl="0" indent="0" algn="l" defTabSz="1155700">
+          <a:pPr marL="0" lvl="0" indent="0" algn="l" defTabSz="1600200">
             <a:lnSpc>
-              <a:spcPct val="90000"/>
+              <a:spcPct val="100000"/>
             </a:lnSpc>
             <a:spcBef>
               <a:spcPct val="0"/>
@@ -4437,60 +4433,74 @@
             <a:buNone/>
           </a:pPr>
           <a:r>
-            <a:rPr lang="en-US" sz="2600" kern="1200" dirty="0"/>
+            <a:rPr lang="en-US" sz="3600" kern="1200"/>
             <a:t>Risks Associated with Mobility</a:t>
           </a:r>
+          <a:endParaRPr lang="en-US" sz="3600" kern="1200" dirty="0"/>
         </a:p>
       </dsp:txBody>
       <dsp:txXfrm>
-        <a:off x="1052815" y="1517379"/>
-        <a:ext cx="5937486" cy="619181"/>
+        <a:off x="45235" y="2214304"/>
+        <a:ext cx="6741742" cy="836170"/>
       </dsp:txXfrm>
     </dsp:sp>
-    <dsp:sp modelId="{A86AA3E4-B2CA-49F6-8A18-861735CF5911}">
+    <dsp:sp modelId="{FDF9968C-DA67-47E6-B80A-57DAADF36318}">
       <dsp:nvSpPr>
         <dsp:cNvPr id="0" name=""/>
         <dsp:cNvSpPr/>
       </dsp:nvSpPr>
       <dsp:spPr>
         <a:xfrm>
-          <a:off x="1550327" y="2247173"/>
-          <a:ext cx="6920301" cy="657709"/>
+          <a:off x="0" y="3199389"/>
+          <a:ext cx="6832212" cy="926640"/>
         </a:xfrm>
         <a:prstGeom prst="roundRect">
-          <a:avLst>
-            <a:gd name="adj" fmla="val 10000"/>
-          </a:avLst>
+          <a:avLst/>
         </a:prstGeom>
-        <a:solidFill>
-          <a:schemeClr val="accent2">
-            <a:hueOff val="667189"/>
-            <a:satOff val="-14912"/>
-            <a:lumOff val="-14117"/>
-            <a:alphaOff val="0"/>
-          </a:schemeClr>
-        </a:solidFill>
-        <a:ln w="15875" cap="rnd" cmpd="sng" algn="ctr">
-          <a:solidFill>
-            <a:schemeClr val="lt1">
-              <a:hueOff val="0"/>
-              <a:satOff val="0"/>
-              <a:lumOff val="0"/>
-              <a:alphaOff val="0"/>
-            </a:schemeClr>
-          </a:solidFill>
-          <a:prstDash val="solid"/>
+        <a:gradFill rotWithShape="0">
+          <a:gsLst>
+            <a:gs pos="0">
+              <a:schemeClr val="accent2">
+                <a:hueOff val="667189"/>
+                <a:satOff val="-14912"/>
+                <a:lumOff val="-14117"/>
+                <a:alphaOff val="0"/>
+                <a:tint val="96000"/>
+                <a:lumMod val="104000"/>
+              </a:schemeClr>
+            </a:gs>
+            <a:gs pos="100000">
+              <a:schemeClr val="accent2">
+                <a:hueOff val="667189"/>
+                <a:satOff val="-14912"/>
+                <a:lumOff val="-14117"/>
+                <a:alphaOff val="0"/>
+                <a:shade val="98000"/>
+                <a:lumMod val="94000"/>
+              </a:schemeClr>
+            </a:gs>
+          </a:gsLst>
+          <a:lin ang="5400000" scaled="0"/>
+        </a:gradFill>
+        <a:ln>
+          <a:noFill/>
         </a:ln>
-        <a:effectLst/>
+        <a:effectLst>
+          <a:outerShdw blurRad="38100" dist="25400" dir="5400000" rotWithShape="0">
+            <a:srgbClr val="000000">
+              <a:alpha val="25000"/>
+            </a:srgbClr>
+          </a:outerShdw>
+        </a:effectLst>
       </dsp:spPr>
       <dsp:style>
-        <a:lnRef idx="2">
+        <a:lnRef idx="0">
           <a:scrgbClr r="0" g="0" b="0"/>
         </a:lnRef>
-        <a:fillRef idx="1">
+        <a:fillRef idx="3">
           <a:scrgbClr r="0" g="0" b="0"/>
         </a:fillRef>
-        <a:effectRef idx="0">
+        <a:effectRef idx="2">
           <a:scrgbClr r="0" g="0" b="0"/>
         </a:effectRef>
         <a:fontRef idx="minor">
@@ -4498,14 +4508,14 @@
         </a:fontRef>
       </dsp:style>
       <dsp:txBody>
-        <a:bodyPr spcFirstLastPara="0" vert="horz" wrap="square" lIns="99060" tIns="99060" rIns="99060" bIns="99060" numCol="1" spcCol="1270" anchor="ctr" anchorCtr="0">
+        <a:bodyPr spcFirstLastPara="0" vert="horz" wrap="square" lIns="137160" tIns="137160" rIns="137160" bIns="137160" numCol="1" spcCol="1270" anchor="ctr" anchorCtr="0">
           <a:noAutofit/>
         </a:bodyPr>
         <a:lstStyle/>
         <a:p>
-          <a:pPr marL="0" lvl="0" indent="0" algn="l" defTabSz="1155700">
+          <a:pPr marL="0" lvl="0" indent="0" algn="l" defTabSz="1600200">
             <a:lnSpc>
-              <a:spcPct val="90000"/>
+              <a:spcPct val="100000"/>
             </a:lnSpc>
             <a:spcBef>
               <a:spcPct val="0"/>
@@ -4516,60 +4526,74 @@
             <a:buNone/>
           </a:pPr>
           <a:r>
-            <a:rPr lang="en-US" sz="2600" kern="1200" dirty="0"/>
-            <a:t>Build framework around these issues</a:t>
+            <a:rPr lang="en-US" sz="3600" kern="1200"/>
+            <a:t>Frameworks and Tooling</a:t>
           </a:r>
+          <a:endParaRPr lang="en-US" sz="3600" kern="1200" dirty="0"/>
         </a:p>
       </dsp:txBody>
       <dsp:txXfrm>
-        <a:off x="1569591" y="2266437"/>
-        <a:ext cx="5937486" cy="619181"/>
+        <a:off x="45235" y="3244624"/>
+        <a:ext cx="6741742" cy="836170"/>
       </dsp:txXfrm>
     </dsp:sp>
-    <dsp:sp modelId="{3A13134F-C556-4D61-93A4-8058EFE2ECC2}">
+    <dsp:sp modelId="{FAC60CEA-85D4-466B-8374-3157BBBACC60}">
       <dsp:nvSpPr>
         <dsp:cNvPr id="0" name=""/>
         <dsp:cNvSpPr/>
       </dsp:nvSpPr>
       <dsp:spPr>
         <a:xfrm>
-          <a:off x="2067102" y="2996231"/>
-          <a:ext cx="6920301" cy="657709"/>
+          <a:off x="0" y="4229709"/>
+          <a:ext cx="6832212" cy="926640"/>
         </a:xfrm>
         <a:prstGeom prst="roundRect">
-          <a:avLst>
-            <a:gd name="adj" fmla="val 10000"/>
-          </a:avLst>
+          <a:avLst/>
         </a:prstGeom>
-        <a:solidFill>
-          <a:schemeClr val="accent2">
-            <a:hueOff val="889586"/>
-            <a:satOff val="-19883"/>
-            <a:lumOff val="-18823"/>
-            <a:alphaOff val="0"/>
-          </a:schemeClr>
-        </a:solidFill>
-        <a:ln w="15875" cap="rnd" cmpd="sng" algn="ctr">
-          <a:solidFill>
-            <a:schemeClr val="lt1">
-              <a:hueOff val="0"/>
-              <a:satOff val="0"/>
-              <a:lumOff val="0"/>
-              <a:alphaOff val="0"/>
-            </a:schemeClr>
-          </a:solidFill>
-          <a:prstDash val="solid"/>
+        <a:gradFill rotWithShape="0">
+          <a:gsLst>
+            <a:gs pos="0">
+              <a:schemeClr val="accent2">
+                <a:hueOff val="889586"/>
+                <a:satOff val="-19883"/>
+                <a:lumOff val="-18823"/>
+                <a:alphaOff val="0"/>
+                <a:tint val="96000"/>
+                <a:lumMod val="104000"/>
+              </a:schemeClr>
+            </a:gs>
+            <a:gs pos="100000">
+              <a:schemeClr val="accent2">
+                <a:hueOff val="889586"/>
+                <a:satOff val="-19883"/>
+                <a:lumOff val="-18823"/>
+                <a:alphaOff val="0"/>
+                <a:shade val="98000"/>
+                <a:lumMod val="94000"/>
+              </a:schemeClr>
+            </a:gs>
+          </a:gsLst>
+          <a:lin ang="5400000" scaled="0"/>
+        </a:gradFill>
+        <a:ln>
+          <a:noFill/>
         </a:ln>
-        <a:effectLst/>
+        <a:effectLst>
+          <a:outerShdw blurRad="38100" dist="25400" dir="5400000" rotWithShape="0">
+            <a:srgbClr val="000000">
+              <a:alpha val="25000"/>
+            </a:srgbClr>
+          </a:outerShdw>
+        </a:effectLst>
       </dsp:spPr>
       <dsp:style>
-        <a:lnRef idx="2">
+        <a:lnRef idx="0">
           <a:scrgbClr r="0" g="0" b="0"/>
         </a:lnRef>
-        <a:fillRef idx="1">
+        <a:fillRef idx="3">
           <a:scrgbClr r="0" g="0" b="0"/>
         </a:fillRef>
-        <a:effectRef idx="0">
+        <a:effectRef idx="2">
           <a:scrgbClr r="0" g="0" b="0"/>
         </a:effectRef>
         <a:fontRef idx="minor">
@@ -4577,14 +4601,14 @@
         </a:fontRef>
       </dsp:style>
       <dsp:txBody>
-        <a:bodyPr spcFirstLastPara="0" vert="horz" wrap="square" lIns="99060" tIns="99060" rIns="99060" bIns="99060" numCol="1" spcCol="1270" anchor="ctr" anchorCtr="0">
+        <a:bodyPr spcFirstLastPara="0" vert="horz" wrap="square" lIns="137160" tIns="137160" rIns="137160" bIns="137160" numCol="1" spcCol="1270" anchor="ctr" anchorCtr="0">
           <a:noAutofit/>
         </a:bodyPr>
         <a:lstStyle/>
         <a:p>
-          <a:pPr marL="0" lvl="0" indent="0" algn="l" defTabSz="1155700">
+          <a:pPr marL="0" lvl="0" indent="0" algn="l" defTabSz="1600200">
             <a:lnSpc>
-              <a:spcPct val="90000"/>
+              <a:spcPct val="100000"/>
             </a:lnSpc>
             <a:spcBef>
               <a:spcPct val="0"/>
@@ -4595,330 +4619,15 @@
             <a:buNone/>
           </a:pPr>
           <a:r>
-            <a:rPr lang="en-US" sz="2600" kern="1200"/>
+            <a:rPr lang="en-US" sz="3600" kern="1200"/>
             <a:t>Conclusion</a:t>
           </a:r>
+          <a:endParaRPr lang="en-US" sz="3600" kern="1200" dirty="0"/>
         </a:p>
       </dsp:txBody>
       <dsp:txXfrm>
-        <a:off x="2086366" y="3015495"/>
-        <a:ext cx="5937486" cy="619181"/>
-      </dsp:txXfrm>
-    </dsp:sp>
-    <dsp:sp modelId="{7787AE55-7E72-46CD-9D23-EC726932BAF5}">
-      <dsp:nvSpPr>
-        <dsp:cNvPr id="0" name=""/>
-        <dsp:cNvSpPr/>
-      </dsp:nvSpPr>
-      <dsp:spPr>
-        <a:xfrm>
-          <a:off x="6492789" y="480493"/>
-          <a:ext cx="427511" cy="427511"/>
-        </a:xfrm>
-        <a:prstGeom prst="downArrow">
-          <a:avLst>
-            <a:gd name="adj1" fmla="val 55000"/>
-            <a:gd name="adj2" fmla="val 45000"/>
-          </a:avLst>
-        </a:prstGeom>
-        <a:solidFill>
-          <a:schemeClr val="accent2">
-            <a:tint val="40000"/>
-            <a:alpha val="90000"/>
-            <a:hueOff val="0"/>
-            <a:satOff val="0"/>
-            <a:lumOff val="0"/>
-            <a:alphaOff val="0"/>
-          </a:schemeClr>
-        </a:solidFill>
-        <a:ln w="15875" cap="rnd" cmpd="sng" algn="ctr">
-          <a:solidFill>
-            <a:schemeClr val="accent2">
-              <a:tint val="40000"/>
-              <a:alpha val="90000"/>
-              <a:hueOff val="0"/>
-              <a:satOff val="0"/>
-              <a:lumOff val="0"/>
-              <a:alphaOff val="0"/>
-            </a:schemeClr>
-          </a:solidFill>
-          <a:prstDash val="solid"/>
-        </a:ln>
-        <a:effectLst/>
-      </dsp:spPr>
-      <dsp:style>
-        <a:lnRef idx="2">
-          <a:scrgbClr r="0" g="0" b="0"/>
-        </a:lnRef>
-        <a:fillRef idx="1">
-          <a:scrgbClr r="0" g="0" b="0"/>
-        </a:fillRef>
-        <a:effectRef idx="0">
-          <a:scrgbClr r="0" g="0" b="0"/>
-        </a:effectRef>
-        <a:fontRef idx="minor"/>
-      </dsp:style>
-      <dsp:txBody>
-        <a:bodyPr spcFirstLastPara="0" vert="horz" wrap="square" lIns="24130" tIns="24130" rIns="24130" bIns="24130" numCol="1" spcCol="1270" anchor="ctr" anchorCtr="0">
-          <a:noAutofit/>
-        </a:bodyPr>
-        <a:lstStyle/>
-        <a:p>
-          <a:pPr marL="0" lvl="0" indent="0" algn="ctr" defTabSz="844550">
-            <a:lnSpc>
-              <a:spcPct val="90000"/>
-            </a:lnSpc>
-            <a:spcBef>
-              <a:spcPct val="0"/>
-            </a:spcBef>
-            <a:spcAft>
-              <a:spcPct val="35000"/>
-            </a:spcAft>
-            <a:buNone/>
-          </a:pPr>
-          <a:endParaRPr lang="en-US" sz="1900" kern="1200"/>
-        </a:p>
-      </dsp:txBody>
-      <dsp:txXfrm>
-        <a:off x="6588979" y="480493"/>
-        <a:ext cx="235131" cy="321702"/>
-      </dsp:txXfrm>
-    </dsp:sp>
-    <dsp:sp modelId="{28DE7B7E-49BF-4641-93B7-A2A600590F2B}">
-      <dsp:nvSpPr>
-        <dsp:cNvPr id="0" name=""/>
-        <dsp:cNvSpPr/>
-      </dsp:nvSpPr>
-      <dsp:spPr>
-        <a:xfrm>
-          <a:off x="7009565" y="1229551"/>
-          <a:ext cx="427511" cy="427511"/>
-        </a:xfrm>
-        <a:prstGeom prst="downArrow">
-          <a:avLst>
-            <a:gd name="adj1" fmla="val 55000"/>
-            <a:gd name="adj2" fmla="val 45000"/>
-          </a:avLst>
-        </a:prstGeom>
-        <a:solidFill>
-          <a:schemeClr val="accent2">
-            <a:tint val="40000"/>
-            <a:alpha val="90000"/>
-            <a:hueOff val="327380"/>
-            <a:satOff val="-16689"/>
-            <a:lumOff val="-1726"/>
-            <a:alphaOff val="0"/>
-          </a:schemeClr>
-        </a:solidFill>
-        <a:ln w="15875" cap="rnd" cmpd="sng" algn="ctr">
-          <a:solidFill>
-            <a:schemeClr val="accent2">
-              <a:tint val="40000"/>
-              <a:alpha val="90000"/>
-              <a:hueOff val="327380"/>
-              <a:satOff val="-16689"/>
-              <a:lumOff val="-1726"/>
-              <a:alphaOff val="0"/>
-            </a:schemeClr>
-          </a:solidFill>
-          <a:prstDash val="solid"/>
-        </a:ln>
-        <a:effectLst/>
-      </dsp:spPr>
-      <dsp:style>
-        <a:lnRef idx="2">
-          <a:scrgbClr r="0" g="0" b="0"/>
-        </a:lnRef>
-        <a:fillRef idx="1">
-          <a:scrgbClr r="0" g="0" b="0"/>
-        </a:fillRef>
-        <a:effectRef idx="0">
-          <a:scrgbClr r="0" g="0" b="0"/>
-        </a:effectRef>
-        <a:fontRef idx="minor"/>
-      </dsp:style>
-      <dsp:txBody>
-        <a:bodyPr spcFirstLastPara="0" vert="horz" wrap="square" lIns="24130" tIns="24130" rIns="24130" bIns="24130" numCol="1" spcCol="1270" anchor="ctr" anchorCtr="0">
-          <a:noAutofit/>
-        </a:bodyPr>
-        <a:lstStyle/>
-        <a:p>
-          <a:pPr marL="0" lvl="0" indent="0" algn="ctr" defTabSz="844550">
-            <a:lnSpc>
-              <a:spcPct val="90000"/>
-            </a:lnSpc>
-            <a:spcBef>
-              <a:spcPct val="0"/>
-            </a:spcBef>
-            <a:spcAft>
-              <a:spcPct val="35000"/>
-            </a:spcAft>
-            <a:buNone/>
-          </a:pPr>
-          <a:endParaRPr lang="en-US" sz="1900" kern="1200"/>
-        </a:p>
-      </dsp:txBody>
-      <dsp:txXfrm>
-        <a:off x="7105755" y="1229551"/>
-        <a:ext cx="235131" cy="321702"/>
-      </dsp:txXfrm>
-    </dsp:sp>
-    <dsp:sp modelId="{4C77B881-E648-4CED-9DAD-C014155D2749}">
-      <dsp:nvSpPr>
-        <dsp:cNvPr id="0" name=""/>
-        <dsp:cNvSpPr/>
-      </dsp:nvSpPr>
-      <dsp:spPr>
-        <a:xfrm>
-          <a:off x="7526341" y="1967647"/>
-          <a:ext cx="427511" cy="427511"/>
-        </a:xfrm>
-        <a:prstGeom prst="downArrow">
-          <a:avLst>
-            <a:gd name="adj1" fmla="val 55000"/>
-            <a:gd name="adj2" fmla="val 45000"/>
-          </a:avLst>
-        </a:prstGeom>
-        <a:solidFill>
-          <a:schemeClr val="accent2">
-            <a:tint val="40000"/>
-            <a:alpha val="90000"/>
-            <a:hueOff val="654760"/>
-            <a:satOff val="-33377"/>
-            <a:lumOff val="-3453"/>
-            <a:alphaOff val="0"/>
-          </a:schemeClr>
-        </a:solidFill>
-        <a:ln w="15875" cap="rnd" cmpd="sng" algn="ctr">
-          <a:solidFill>
-            <a:schemeClr val="accent2">
-              <a:tint val="40000"/>
-              <a:alpha val="90000"/>
-              <a:hueOff val="654760"/>
-              <a:satOff val="-33377"/>
-              <a:lumOff val="-3453"/>
-              <a:alphaOff val="0"/>
-            </a:schemeClr>
-          </a:solidFill>
-          <a:prstDash val="solid"/>
-        </a:ln>
-        <a:effectLst/>
-      </dsp:spPr>
-      <dsp:style>
-        <a:lnRef idx="2">
-          <a:scrgbClr r="0" g="0" b="0"/>
-        </a:lnRef>
-        <a:fillRef idx="1">
-          <a:scrgbClr r="0" g="0" b="0"/>
-        </a:fillRef>
-        <a:effectRef idx="0">
-          <a:scrgbClr r="0" g="0" b="0"/>
-        </a:effectRef>
-        <a:fontRef idx="minor"/>
-      </dsp:style>
-      <dsp:txBody>
-        <a:bodyPr spcFirstLastPara="0" vert="horz" wrap="square" lIns="24130" tIns="24130" rIns="24130" bIns="24130" numCol="1" spcCol="1270" anchor="ctr" anchorCtr="0">
-          <a:noAutofit/>
-        </a:bodyPr>
-        <a:lstStyle/>
-        <a:p>
-          <a:pPr marL="0" lvl="0" indent="0" algn="ctr" defTabSz="844550">
-            <a:lnSpc>
-              <a:spcPct val="90000"/>
-            </a:lnSpc>
-            <a:spcBef>
-              <a:spcPct val="0"/>
-            </a:spcBef>
-            <a:spcAft>
-              <a:spcPct val="35000"/>
-            </a:spcAft>
-            <a:buNone/>
-          </a:pPr>
-          <a:endParaRPr lang="en-US" sz="1900" kern="1200"/>
-        </a:p>
-      </dsp:txBody>
-      <dsp:txXfrm>
-        <a:off x="7622531" y="1967647"/>
-        <a:ext cx="235131" cy="321702"/>
-      </dsp:txXfrm>
-    </dsp:sp>
-    <dsp:sp modelId="{C633F12C-E74C-4C90-A374-F088B6AEC657}">
-      <dsp:nvSpPr>
-        <dsp:cNvPr id="0" name=""/>
-        <dsp:cNvSpPr/>
-      </dsp:nvSpPr>
-      <dsp:spPr>
-        <a:xfrm>
-          <a:off x="8043117" y="2724013"/>
-          <a:ext cx="427511" cy="427511"/>
-        </a:xfrm>
-        <a:prstGeom prst="downArrow">
-          <a:avLst>
-            <a:gd name="adj1" fmla="val 55000"/>
-            <a:gd name="adj2" fmla="val 45000"/>
-          </a:avLst>
-        </a:prstGeom>
-        <a:solidFill>
-          <a:schemeClr val="accent2">
-            <a:tint val="40000"/>
-            <a:alpha val="90000"/>
-            <a:hueOff val="982140"/>
-            <a:satOff val="-50066"/>
-            <a:lumOff val="-5179"/>
-            <a:alphaOff val="0"/>
-          </a:schemeClr>
-        </a:solidFill>
-        <a:ln w="15875" cap="rnd" cmpd="sng" algn="ctr">
-          <a:solidFill>
-            <a:schemeClr val="accent2">
-              <a:tint val="40000"/>
-              <a:alpha val="90000"/>
-              <a:hueOff val="982140"/>
-              <a:satOff val="-50066"/>
-              <a:lumOff val="-5179"/>
-              <a:alphaOff val="0"/>
-            </a:schemeClr>
-          </a:solidFill>
-          <a:prstDash val="solid"/>
-        </a:ln>
-        <a:effectLst/>
-      </dsp:spPr>
-      <dsp:style>
-        <a:lnRef idx="2">
-          <a:scrgbClr r="0" g="0" b="0"/>
-        </a:lnRef>
-        <a:fillRef idx="1">
-          <a:scrgbClr r="0" g="0" b="0"/>
-        </a:fillRef>
-        <a:effectRef idx="0">
-          <a:scrgbClr r="0" g="0" b="0"/>
-        </a:effectRef>
-        <a:fontRef idx="minor"/>
-      </dsp:style>
-      <dsp:txBody>
-        <a:bodyPr spcFirstLastPara="0" vert="horz" wrap="square" lIns="24130" tIns="24130" rIns="24130" bIns="24130" numCol="1" spcCol="1270" anchor="ctr" anchorCtr="0">
-          <a:noAutofit/>
-        </a:bodyPr>
-        <a:lstStyle/>
-        <a:p>
-          <a:pPr marL="0" lvl="0" indent="0" algn="ctr" defTabSz="844550">
-            <a:lnSpc>
-              <a:spcPct val="90000"/>
-            </a:lnSpc>
-            <a:spcBef>
-              <a:spcPct val="0"/>
-            </a:spcBef>
-            <a:spcAft>
-              <a:spcPct val="35000"/>
-            </a:spcAft>
-            <a:buNone/>
-          </a:pPr>
-          <a:endParaRPr lang="en-US" sz="1900" kern="1200"/>
-        </a:p>
-      </dsp:txBody>
-      <dsp:txXfrm>
-        <a:off x="8139307" y="2724013"/>
-        <a:ext cx="235131" cy="321702"/>
+        <a:off x="45235" y="4274944"/>
+        <a:ext cx="6741742" cy="836170"/>
       </dsp:txXfrm>
     </dsp:sp>
   </dsp:spTree>
@@ -6459,11 +6168,12 @@
 </file>
 
 <file path=ppt/diagrams/layout1.xml><?xml version="1.0" encoding="utf-8"?>
-<dgm:layoutDef xmlns:dgm="http://schemas.openxmlformats.org/drawingml/2006/diagram" xmlns:a="http://schemas.openxmlformats.org/drawingml/2006/main" uniqueId="urn:microsoft.com/office/officeart/2005/8/layout/vProcess5">
+<dgm:layoutDef xmlns:dgm="http://schemas.openxmlformats.org/drawingml/2006/diagram" xmlns:a="http://schemas.openxmlformats.org/drawingml/2006/main" uniqueId="urn:microsoft.com/office/officeart/2005/8/layout/vList2">
   <dgm:title val=""/>
   <dgm:desc val=""/>
   <dgm:catLst>
-    <dgm:cat type="process" pri="14000"/>
+    <dgm:cat type="list" pri="3000"/>
+    <dgm:cat type="convert" pri="1000"/>
   </dgm:catLst>
   <dgm:sampData>
     <dgm:dataModel>
@@ -6472,17 +6182,21 @@
         <dgm:pt modelId="1">
           <dgm:prSet phldr="1"/>
         </dgm:pt>
+        <dgm:pt modelId="11">
+          <dgm:prSet phldr="1"/>
+        </dgm:pt>
         <dgm:pt modelId="2">
           <dgm:prSet phldr="1"/>
         </dgm:pt>
-        <dgm:pt modelId="3">
+        <dgm:pt modelId="21">
           <dgm:prSet phldr="1"/>
         </dgm:pt>
       </dgm:ptLst>
       <dgm:cxnLst>
-        <dgm:cxn modelId="5" srcId="0" destId="1" srcOrd="0" destOrd="0"/>
-        <dgm:cxn modelId="6" srcId="0" destId="2" srcOrd="1" destOrd="0"/>
-        <dgm:cxn modelId="7" srcId="0" destId="3" srcOrd="2" destOrd="0"/>
+        <dgm:cxn modelId="4" srcId="0" destId="1" srcOrd="0" destOrd="0"/>
+        <dgm:cxn modelId="5" srcId="0" destId="2" srcOrd="1" destOrd="0"/>
+        <dgm:cxn modelId="12" srcId="1" destId="11" srcOrd="0" destOrd="0"/>
+        <dgm:cxn modelId="23" srcId="2" destId="21" srcOrd="0" destOrd="0"/>
       </dgm:cxnLst>
       <dgm:bg/>
       <dgm:whole/>
@@ -6513,1173 +6227,109 @@
         <dgm:pt modelId="4"/>
       </dgm:ptLst>
       <dgm:cxnLst>
-        <dgm:cxn modelId="6" srcId="0" destId="1" srcOrd="0" destOrd="0"/>
-        <dgm:cxn modelId="7" srcId="0" destId="2" srcOrd="1" destOrd="0"/>
-        <dgm:cxn modelId="8" srcId="0" destId="3" srcOrd="2" destOrd="0"/>
-        <dgm:cxn modelId="9" srcId="0" destId="4" srcOrd="3" destOrd="0"/>
+        <dgm:cxn modelId="5" srcId="0" destId="1" srcOrd="0" destOrd="0"/>
+        <dgm:cxn modelId="6" srcId="0" destId="2" srcOrd="1" destOrd="0"/>
+        <dgm:cxn modelId="7" srcId="0" destId="3" srcOrd="2" destOrd="0"/>
+        <dgm:cxn modelId="8" srcId="0" destId="4" srcOrd="3" destOrd="0"/>
       </dgm:cxnLst>
       <dgm:bg/>
       <dgm:whole/>
     </dgm:dataModel>
   </dgm:clrData>
-  <dgm:layoutNode name="outerComposite">
+  <dgm:layoutNode name="linear">
     <dgm:varLst>
-      <dgm:chMax val="5"/>
-      <dgm:dir/>
+      <dgm:animLvl val="lvl"/>
       <dgm:resizeHandles val="exact"/>
     </dgm:varLst>
-    <dgm:alg type="composite"/>
+    <dgm:alg type="lin">
+      <dgm:param type="linDir" val="fromT"/>
+      <dgm:param type="vertAlign" val="mid"/>
+    </dgm:alg>
     <dgm:shape xmlns:r="http://schemas.openxmlformats.org/officeDocument/2006/relationships" r:blip="">
       <dgm:adjLst/>
     </dgm:shape>
     <dgm:presOf/>
-    <dgm:choose name="Name0">
-      <dgm:if name="Name1" func="var" arg="dir" op="equ" val="norm">
+    <dgm:constrLst>
+      <dgm:constr type="w" for="ch" forName="parentText" refType="w"/>
+      <dgm:constr type="h" for="ch" forName="parentText" refType="primFontSz" refFor="ch" refForName="parentText" fact="0.52"/>
+      <dgm:constr type="w" for="ch" forName="childText" refType="w"/>
+      <dgm:constr type="h" for="ch" forName="childText" refType="primFontSz" refFor="ch" refForName="parentText" fact="0.46"/>
+      <dgm:constr type="h" for="ch" forName="parentText" op="equ"/>
+      <dgm:constr type="primFontSz" for="ch" forName="parentText" op="equ" val="65"/>
+      <dgm:constr type="primFontSz" for="ch" forName="childText" refType="primFontSz" refFor="ch" refForName="parentText" op="equ"/>
+      <dgm:constr type="h" for="ch" forName="spacer" refType="primFontSz" refFor="ch" refForName="parentText" fact="0.08"/>
+    </dgm:constrLst>
+    <dgm:ruleLst>
+      <dgm:rule type="primFontSz" for="ch" forName="parentText" val="5" fact="NaN" max="NaN"/>
+    </dgm:ruleLst>
+    <dgm:forEach name="Name0" axis="ch" ptType="node">
+      <dgm:layoutNode name="parentText" styleLbl="node1">
+        <dgm:varLst>
+          <dgm:chMax val="0"/>
+          <dgm:bulletEnabled val="1"/>
+        </dgm:varLst>
+        <dgm:alg type="tx">
+          <dgm:param type="parTxLTRAlign" val="l"/>
+          <dgm:param type="parTxRTLAlign" val="r"/>
+        </dgm:alg>
+        <dgm:shape xmlns:r="http://schemas.openxmlformats.org/officeDocument/2006/relationships" type="roundRect" r:blip="">
+          <dgm:adjLst/>
+        </dgm:shape>
+        <dgm:presOf axis="self"/>
         <dgm:constrLst>
-          <dgm:constr type="primFontSz" for="ch" ptType="node" op="equ" val="65"/>
-          <dgm:constr type="w" for="ch" forName="dummyMaxCanvas" refType="w"/>
-          <dgm:constr type="h" for="ch" forName="dummyMaxCanvas" refType="h"/>
-          <dgm:constr type="w" for="ch" forName="OneNode_1" refType="w"/>
-          <dgm:constr type="h" for="ch" forName="OneNode_1" refType="h" fact="0.5"/>
-          <dgm:constr type="ctrY" for="ch" forName="OneNode_1" refType="h" fact="0.5"/>
-          <dgm:constr type="w" for="ch" forName="TwoNodes_1" refType="w" fact="0.85"/>
-          <dgm:constr type="h" for="ch" forName="TwoNodes_1" refType="h" fact="0.45"/>
-          <dgm:constr type="t" for="ch" forName="TwoNodes_1"/>
-          <dgm:constr type="l" for="ch" forName="TwoNodes_1"/>
-          <dgm:constr type="w" for="ch" forName="TwoNodes_2" refType="w" fact="0.85"/>
-          <dgm:constr type="h" for="ch" forName="TwoNodes_2" refType="h" fact="0.45"/>
-          <dgm:constr type="b" for="ch" forName="TwoNodes_2" refType="h"/>
-          <dgm:constr type="r" for="ch" forName="TwoNodes_2" refType="w"/>
-          <dgm:constr type="w" for="ch" forName="TwoConn_1-2" refType="h" refFor="ch" refForName="TwoNodes_1" fact="0.65"/>
-          <dgm:constr type="h" for="ch" forName="TwoConn_1-2" refType="h" refFor="ch" refForName="TwoNodes_1" fact="0.65"/>
-          <dgm:constr type="ctrY" for="ch" forName="TwoConn_1-2" refType="h" fact="0.5"/>
-          <dgm:constr type="r" for="ch" forName="TwoConn_1-2" refType="r" refFor="ch" refForName="TwoNodes_1"/>
-          <dgm:constr type="r" for="ch" forName="TwoNodes_1_text" refType="l" refFor="ch" refForName="TwoConn_1-2"/>
-          <dgm:constr type="rOff" for="ch" forName="TwoNodes_1_text" refType="w" refFor="ch" refForName="TwoConn_1-2" fact="-0.5"/>
-          <dgm:constr type="t" for="ch" forName="TwoNodes_1_text" refType="t" refFor="ch" refForName="TwoNodes_1"/>
-          <dgm:constr type="b" for="ch" forName="TwoNodes_1_text" refType="b" refFor="ch" refForName="TwoNodes_1"/>
-          <dgm:constr type="l" for="ch" forName="TwoNodes_1_text" refType="l" refFor="ch" refForName="TwoNodes_1"/>
-          <dgm:constr type="r" for="ch" forName="TwoNodes_2_text" refType="l" refFor="ch" refForName="TwoConn_1-2"/>
-          <dgm:constr type="t" for="ch" forName="TwoNodes_2_text" refType="t" refFor="ch" refForName="TwoNodes_2"/>
-          <dgm:constr type="b" for="ch" forName="TwoNodes_2_text" refType="b" refFor="ch" refForName="TwoNodes_2"/>
-          <dgm:constr type="l" for="ch" forName="TwoNodes_2_text" refType="l" refFor="ch" refForName="TwoNodes_2"/>
-          <dgm:constr type="w" for="ch" forName="ThreeNodes_1" refType="w" fact="0.85"/>
-          <dgm:constr type="h" for="ch" forName="ThreeNodes_1" refType="h" fact="0.3"/>
-          <dgm:constr type="t" for="ch" forName="ThreeNodes_1"/>
-          <dgm:constr type="l" for="ch" forName="ThreeNodes_1"/>
-          <dgm:constr type="w" for="ch" forName="ThreeNodes_2" refType="w" fact="0.85"/>
-          <dgm:constr type="h" for="ch" forName="ThreeNodes_2" refType="h" fact="0.3"/>
-          <dgm:constr type="ctrY" for="ch" forName="ThreeNodes_2" refType="h" fact="0.5"/>
-          <dgm:constr type="ctrX" for="ch" forName="ThreeNodes_2" refType="w" fact="0.5"/>
-          <dgm:constr type="w" for="ch" forName="ThreeNodes_3" refType="w" fact="0.85"/>
-          <dgm:constr type="h" for="ch" forName="ThreeNodes_3" refType="h" fact="0.3"/>
-          <dgm:constr type="b" for="ch" forName="ThreeNodes_3" refType="h"/>
-          <dgm:constr type="r" for="ch" forName="ThreeNodes_3" refType="w"/>
-          <dgm:constr type="w" for="ch" forName="ThreeConn_1-2" refType="h" refFor="ch" refForName="ThreeNodes_1" fact="0.65"/>
-          <dgm:constr type="h" for="ch" forName="ThreeConn_1-2" refType="h" refFor="ch" refForName="ThreeNodes_1" fact="0.65"/>
-          <dgm:constr type="ctrY" for="ch" forName="ThreeConn_1-2" refType="h" fact="0.325"/>
-          <dgm:constr type="r" for="ch" forName="ThreeConn_1-2" refType="r" refFor="ch" refForName="ThreeNodes_1"/>
-          <dgm:constr type="w" for="ch" forName="ThreeConn_2-3" refType="h" refFor="ch" refForName="ThreeNodes_2" fact="0.65"/>
-          <dgm:constr type="h" for="ch" forName="ThreeConn_2-3" refType="h" refFor="ch" refForName="ThreeNodes_2" fact="0.65"/>
-          <dgm:constr type="ctrY" for="ch" forName="ThreeConn_2-3" refType="h" fact="0.673"/>
-          <dgm:constr type="r" for="ch" forName="ThreeConn_2-3" refType="r" refFor="ch" refForName="ThreeNodes_2"/>
-          <dgm:constr type="r" for="ch" forName="ThreeNodes_1_text" refType="l" refFor="ch" refForName="ThreeConn_1-2"/>
-          <dgm:constr type="rOff" for="ch" forName="ThreeNodes_1_text" refType="w" refFor="ch" refForName="ThreeConn_1-2" fact="-0.57"/>
-          <dgm:constr type="t" for="ch" forName="ThreeNodes_1_text" refType="t" refFor="ch" refForName="ThreeNodes_1"/>
-          <dgm:constr type="b" for="ch" forName="ThreeNodes_1_text" refType="b" refFor="ch" refForName="ThreeNodes_1"/>
-          <dgm:constr type="l" for="ch" forName="ThreeNodes_1_text" refType="l" refFor="ch" refForName="ThreeNodes_1"/>
-          <dgm:constr type="r" for="ch" forName="ThreeNodes_2_text" refType="l" refFor="ch" refForName="ThreeConn_1-2"/>
-          <dgm:constr type="t" for="ch" forName="ThreeNodes_2_text" refType="t" refFor="ch" refForName="ThreeNodes_2"/>
-          <dgm:constr type="b" for="ch" forName="ThreeNodes_2_text" refType="b" refFor="ch" refForName="ThreeNodes_2"/>
-          <dgm:constr type="l" for="ch" forName="ThreeNodes_2_text" refType="l" refFor="ch" refForName="ThreeNodes_2"/>
-          <dgm:constr type="r" for="ch" forName="ThreeNodes_3_text" refType="l" refFor="ch" refForName="ThreeConn_2-3"/>
-          <dgm:constr type="t" for="ch" forName="ThreeNodes_3_text" refType="t" refFor="ch" refForName="ThreeNodes_3"/>
-          <dgm:constr type="b" for="ch" forName="ThreeNodes_3_text" refType="b" refFor="ch" refForName="ThreeNodes_3"/>
-          <dgm:constr type="l" for="ch" forName="ThreeNodes_3_text" refType="l" refFor="ch" refForName="ThreeNodes_3"/>
-          <dgm:constr type="w" for="ch" forName="FourNodes_1" refType="w" fact="0.8"/>
-          <dgm:constr type="h" for="ch" forName="FourNodes_1" refType="h" fact="0.22"/>
-          <dgm:constr type="t" for="ch" forName="FourNodes_1"/>
-          <dgm:constr type="l" for="ch" forName="FourNodes_1"/>
-          <dgm:constr type="w" for="ch" forName="FourNodes_2" refType="w" fact="0.8"/>
-          <dgm:constr type="h" for="ch" forName="FourNodes_2" refType="h" fact="0.22"/>
-          <dgm:constr type="ctrY" for="ch" forName="FourNodes_2" refType="h" fact="0.37"/>
-          <dgm:constr type="ctrX" for="ch" forName="FourNodes_2" refType="w" fact="0.467"/>
-          <dgm:constr type="w" for="ch" forName="FourNodes_3" refType="w" fact="0.8"/>
-          <dgm:constr type="h" for="ch" forName="FourNodes_3" refType="h" fact="0.22"/>
-          <dgm:constr type="ctrY" for="ch" forName="FourNodes_3" refType="h" fact="0.63"/>
-          <dgm:constr type="ctrX" for="ch" forName="FourNodes_3" refType="w" fact="0.533"/>
-          <dgm:constr type="w" for="ch" forName="FourNodes_4" refType="w" fact="0.8"/>
-          <dgm:constr type="h" for="ch" forName="FourNodes_4" refType="h" fact="0.22"/>
-          <dgm:constr type="b" for="ch" forName="FourNodes_4" refType="h"/>
-          <dgm:constr type="r" for="ch" forName="FourNodes_4" refType="w"/>
-          <dgm:constr type="w" for="ch" forName="FourConn_1-2" refType="h" refFor="ch" refForName="FourNodes_1" fact="0.65"/>
-          <dgm:constr type="h" for="ch" forName="FourConn_1-2" refType="h" refFor="ch" refForName="FourNodes_1" fact="0.65"/>
-          <dgm:constr type="ctrY" for="ch" forName="FourConn_1-2" refType="h" fact="0.24"/>
-          <dgm:constr type="r" for="ch" forName="FourConn_1-2" refType="r" refFor="ch" refForName="FourNodes_1"/>
-          <dgm:constr type="w" for="ch" forName="FourConn_2-3" refType="h" refFor="ch" refForName="FourNodes_2" fact="0.65"/>
-          <dgm:constr type="h" for="ch" forName="FourConn_2-3" refType="h" refFor="ch" refForName="FourNodes_2" fact="0.65"/>
-          <dgm:constr type="ctrY" for="ch" forName="FourConn_2-3" refType="h" fact="0.5"/>
-          <dgm:constr type="r" for="ch" forName="FourConn_2-3" refType="r" refFor="ch" refForName="FourNodes_2"/>
-          <dgm:constr type="w" for="ch" forName="FourConn_3-4" refType="h" refFor="ch" refForName="FourNodes_3" fact="0.65"/>
-          <dgm:constr type="h" for="ch" forName="FourConn_3-4" refType="h" refFor="ch" refForName="FourNodes_3" fact="0.65"/>
-          <dgm:constr type="ctrY" for="ch" forName="FourConn_3-4" refType="h" fact="0.76"/>
-          <dgm:constr type="r" for="ch" forName="FourConn_3-4" refType="r" refFor="ch" refForName="FourNodes_3"/>
-          <dgm:constr type="r" for="ch" forName="FourNodes_1_text" refType="l" refFor="ch" refForName="FourConn_1-2"/>
-          <dgm:constr type="rOff" for="ch" forName="FourNodes_1_text" refType="w" refFor="ch" refForName="FourConn_1-2" fact="-0.7"/>
-          <dgm:constr type="t" for="ch" forName="FourNodes_1_text" refType="t" refFor="ch" refForName="FourNodes_1"/>
-          <dgm:constr type="b" for="ch" forName="FourNodes_1_text" refType="b" refFor="ch" refForName="FourNodes_1"/>
-          <dgm:constr type="l" for="ch" forName="FourNodes_1_text" refType="l" refFor="ch" refForName="FourNodes_1"/>
-          <dgm:constr type="r" for="ch" forName="FourNodes_2_text" refType="l" refFor="ch" refForName="FourConn_1-2"/>
-          <dgm:constr type="t" for="ch" forName="FourNodes_2_text" refType="t" refFor="ch" refForName="FourNodes_2"/>
-          <dgm:constr type="b" for="ch" forName="FourNodes_2_text" refType="b" refFor="ch" refForName="FourNodes_2"/>
-          <dgm:constr type="l" for="ch" forName="FourNodes_2_text" refType="l" refFor="ch" refForName="FourNodes_2"/>
-          <dgm:constr type="r" for="ch" forName="FourNodes_3_text" refType="l" refFor="ch" refForName="FourConn_2-3"/>
-          <dgm:constr type="t" for="ch" forName="FourNodes_3_text" refType="t" refFor="ch" refForName="FourNodes_3"/>
-          <dgm:constr type="b" for="ch" forName="FourNodes_3_text" refType="b" refFor="ch" refForName="FourNodes_3"/>
-          <dgm:constr type="l" for="ch" forName="FourNodes_3_text" refType="l" refFor="ch" refForName="FourNodes_3"/>
-          <dgm:constr type="r" for="ch" forName="FourNodes_4_text" refType="l" refFor="ch" refForName="FourConn_3-4"/>
-          <dgm:constr type="t" for="ch" forName="FourNodes_4_text" refType="t" refFor="ch" refForName="FourNodes_4"/>
-          <dgm:constr type="b" for="ch" forName="FourNodes_4_text" refType="b" refFor="ch" refForName="FourNodes_4"/>
-          <dgm:constr type="l" for="ch" forName="FourNodes_4_text" refType="l" refFor="ch" refForName="FourNodes_4"/>
-          <dgm:constr type="w" for="ch" forName="FiveNodes_1" refType="w" fact="0.77"/>
-          <dgm:constr type="h" for="ch" forName="FiveNodes_1" refType="h" fact="0.18"/>
-          <dgm:constr type="t" for="ch" forName="FiveNodes_1"/>
-          <dgm:constr type="l" for="ch" forName="FiveNodes_1"/>
-          <dgm:constr type="w" for="ch" forName="FiveNodes_2" refType="w" fact="0.77"/>
-          <dgm:constr type="h" for="ch" forName="FiveNodes_2" refType="h" fact="0.18"/>
-          <dgm:constr type="ctrY" for="ch" forName="FiveNodes_2" refType="h" fact="0.295"/>
-          <dgm:constr type="ctrX" for="ch" forName="FiveNodes_2" refType="w" fact="0.4425"/>
-          <dgm:constr type="w" for="ch" forName="FiveNodes_3" refType="w" fact="0.77"/>
-          <dgm:constr type="h" for="ch" forName="FiveNodes_3" refType="h" fact="0.18"/>
-          <dgm:constr type="ctrY" for="ch" forName="FiveNodes_3" refType="h" fact="0.5"/>
-          <dgm:constr type="ctrX" for="ch" forName="FiveNodes_3" refType="w" fact="0.5"/>
-          <dgm:constr type="w" for="ch" forName="FiveNodes_4" refType="w" fact="0.77"/>
-          <dgm:constr type="h" for="ch" forName="FiveNodes_4" refType="h" fact="0.18"/>
-          <dgm:constr type="ctrY" for="ch" forName="FiveNodes_4" refType="h" fact="0.705"/>
-          <dgm:constr type="ctrX" for="ch" forName="FiveNodes_4" refType="w" fact="0.5575"/>
-          <dgm:constr type="w" for="ch" forName="FiveNodes_5" refType="w" fact="0.77"/>
-          <dgm:constr type="h" for="ch" forName="FiveNodes_5" refType="h" fact="0.18"/>
-          <dgm:constr type="b" for="ch" forName="FiveNodes_5" refType="h"/>
-          <dgm:constr type="r" for="ch" forName="FiveNodes_5" refType="w"/>
-          <dgm:constr type="w" for="ch" forName="FiveConn_1-2" refType="h" refFor="ch" refForName="FiveNodes_1" fact="0.65"/>
-          <dgm:constr type="h" for="ch" forName="FiveConn_1-2" refType="h" refFor="ch" refForName="FiveNodes_1" fact="0.65"/>
-          <dgm:constr type="ctrY" for="ch" forName="FiveConn_1-2" refType="h" fact="0.19"/>
-          <dgm:constr type="r" for="ch" forName="FiveConn_1-2" refType="r" refFor="ch" refForName="FiveNodes_1"/>
-          <dgm:constr type="w" for="ch" forName="FiveConn_2-3" refType="h" refFor="ch" refForName="FiveNodes_2" fact="0.65"/>
-          <dgm:constr type="h" for="ch" forName="FiveConn_2-3" refType="h" refFor="ch" refForName="FiveNodes_2" fact="0.65"/>
-          <dgm:constr type="ctrY" for="ch" forName="FiveConn_2-3" refType="h" fact="0.395"/>
-          <dgm:constr type="r" for="ch" forName="FiveConn_2-3" refType="r" refFor="ch" refForName="FiveNodes_2"/>
-          <dgm:constr type="w" for="ch" forName="FiveConn_3-4" refType="h" refFor="ch" refForName="FiveNodes_3" fact="0.65"/>
-          <dgm:constr type="h" for="ch" forName="FiveConn_3-4" refType="h" refFor="ch" refForName="FiveNodes_3" fact="0.65"/>
-          <dgm:constr type="ctrY" for="ch" forName="FiveConn_3-4" refType="h" fact="0.597"/>
-          <dgm:constr type="r" for="ch" forName="FiveConn_3-4" refType="r" refFor="ch" refForName="FiveNodes_3"/>
-          <dgm:constr type="w" for="ch" forName="FiveConn_4-5" refType="h" refFor="ch" refForName="FiveNodes_4" fact="0.65"/>
-          <dgm:constr type="h" for="ch" forName="FiveConn_4-5" refType="h" refFor="ch" refForName="FiveNodes_4" fact="0.65"/>
-          <dgm:constr type="ctrY" for="ch" forName="FiveConn_4-5" refType="h" fact="0.804"/>
-          <dgm:constr type="r" for="ch" forName="FiveConn_4-5" refType="r" refFor="ch" refForName="FiveNodes_4"/>
-          <dgm:constr type="r" for="ch" forName="FiveNodes_1_text" refType="l" refFor="ch" refForName="FiveConn_1-2"/>
-          <dgm:constr type="rOff" for="ch" forName="FiveNodes_1_text" refType="w" refFor="ch" refForName="FiveConn_1-2" fact="-0.75"/>
-          <dgm:constr type="t" for="ch" forName="FiveNodes_1_text" refType="t" refFor="ch" refForName="FiveNodes_1"/>
-          <dgm:constr type="b" for="ch" forName="FiveNodes_1_text" refType="b" refFor="ch" refForName="FiveNodes_1"/>
-          <dgm:constr type="l" for="ch" forName="FiveNodes_1_text" refType="l" refFor="ch" refForName="FiveNodes_1"/>
-          <dgm:constr type="r" for="ch" forName="FiveNodes_2_text" refType="l" refFor="ch" refForName="FiveConn_1-2"/>
-          <dgm:constr type="t" for="ch" forName="FiveNodes_2_text" refType="t" refFor="ch" refForName="FiveNodes_2"/>
-          <dgm:constr type="b" for="ch" forName="FiveNodes_2_text" refType="b" refFor="ch" refForName="FiveNodes_2"/>
-          <dgm:constr type="l" for="ch" forName="FiveNodes_2_text" refType="l" refFor="ch" refForName="FiveNodes_2"/>
-          <dgm:constr type="r" for="ch" forName="FiveNodes_3_text" refType="l" refFor="ch" refForName="FiveConn_2-3"/>
-          <dgm:constr type="t" for="ch" forName="FiveNodes_3_text" refType="t" refFor="ch" refForName="FiveNodes_3"/>
-          <dgm:constr type="b" for="ch" forName="FiveNodes_3_text" refType="b" refFor="ch" refForName="FiveNodes_3"/>
-          <dgm:constr type="l" for="ch" forName="FiveNodes_3_text" refType="l" refFor="ch" refForName="FiveNodes_3"/>
-          <dgm:constr type="r" for="ch" forName="FiveNodes_4_text" refType="l" refFor="ch" refForName="FiveConn_3-4"/>
-          <dgm:constr type="t" for="ch" forName="FiveNodes_4_text" refType="t" refFor="ch" refForName="FiveNodes_4"/>
-          <dgm:constr type="b" for="ch" forName="FiveNodes_4_text" refType="b" refFor="ch" refForName="FiveNodes_4"/>
-          <dgm:constr type="l" for="ch" forName="FiveNodes_4_text" refType="l" refFor="ch" refForName="FiveNodes_4"/>
-          <dgm:constr type="r" for="ch" forName="FiveNodes_5_text" refType="l" refFor="ch" refForName="FiveConn_4-5"/>
-          <dgm:constr type="t" for="ch" forName="FiveNodes_5_text" refType="t" refFor="ch" refForName="FiveNodes_5"/>
-          <dgm:constr type="b" for="ch" forName="FiveNodes_5_text" refType="b" refFor="ch" refForName="FiveNodes_5"/>
-          <dgm:constr type="l" for="ch" forName="FiveNodes_5_text" refType="l" refFor="ch" refForName="FiveNodes_5"/>
+          <dgm:constr type="tMarg" refType="primFontSz" fact="0.3"/>
+          <dgm:constr type="bMarg" refType="primFontSz" fact="0.3"/>
+          <dgm:constr type="lMarg" refType="primFontSz" fact="0.3"/>
+          <dgm:constr type="rMarg" refType="primFontSz" fact="0.3"/>
         </dgm:constrLst>
-      </dgm:if>
-      <dgm:else name="Name2">
-        <dgm:constrLst>
-          <dgm:constr type="primFontSz" for="ch" ptType="node" op="equ" val="65"/>
-          <dgm:constr type="w" for="ch" forName="dummyMaxCanvas" refType="w"/>
-          <dgm:constr type="h" for="ch" forName="dummyMaxCanvas" refType="h"/>
-          <dgm:constr type="w" for="ch" forName="OneNode_1" refType="w"/>
-          <dgm:constr type="h" for="ch" forName="OneNode_1" refType="h" fact="0.5"/>
-          <dgm:constr type="ctrY" for="ch" forName="OneNode_1" refType="h" fact="0.5"/>
-          <dgm:constr type="w" for="ch" forName="TwoNodes_1" refType="w" fact="0.85"/>
-          <dgm:constr type="h" for="ch" forName="TwoNodes_1" refType="h" fact="0.45"/>
-          <dgm:constr type="t" for="ch" forName="TwoNodes_1"/>
-          <dgm:constr type="r" for="ch" forName="TwoNodes_1" refType="w"/>
-          <dgm:constr type="w" for="ch" forName="TwoNodes_2" refType="w" fact="0.85"/>
-          <dgm:constr type="h" for="ch" forName="TwoNodes_2" refType="h" fact="0.45"/>
-          <dgm:constr type="b" for="ch" forName="TwoNodes_2" refType="h"/>
-          <dgm:constr type="l" for="ch" forName="TwoNodes_2"/>
-          <dgm:constr type="w" for="ch" forName="TwoConn_1-2" refType="h" refFor="ch" refForName="TwoNodes_1" fact="0.65"/>
-          <dgm:constr type="h" for="ch" forName="TwoConn_1-2" refType="h" refFor="ch" refForName="TwoNodes_1" fact="0.65"/>
-          <dgm:constr type="ctrY" for="ch" forName="TwoConn_1-2" refType="h" fact="0.5"/>
-          <dgm:constr type="l" for="ch" forName="TwoConn_1-2" refType="l" refFor="ch" refForName="TwoNodes_1"/>
-          <dgm:constr type="l" for="ch" forName="TwoNodes_1_text" refType="r" refFor="ch" refForName="TwoConn_1-2"/>
-          <dgm:constr type="lOff" for="ch" forName="TwoNodes_1_text" refType="w" refFor="ch" refForName="TwoConn_1-2" fact="0.5"/>
-          <dgm:constr type="t" for="ch" forName="TwoNodes_1_text" refType="t" refFor="ch" refForName="TwoNodes_1"/>
-          <dgm:constr type="b" for="ch" forName="TwoNodes_1_text" refType="b" refFor="ch" refForName="TwoNodes_1"/>
-          <dgm:constr type="r" for="ch" forName="TwoNodes_1_text" refType="r" refFor="ch" refForName="TwoNodes_1"/>
-          <dgm:constr type="l" for="ch" forName="TwoNodes_2_text" refType="r" refFor="ch" refForName="TwoConn_1-2"/>
-          <dgm:constr type="t" for="ch" forName="TwoNodes_2_text" refType="t" refFor="ch" refForName="TwoNodes_2"/>
-          <dgm:constr type="b" for="ch" forName="TwoNodes_2_text" refType="b" refFor="ch" refForName="TwoNodes_2"/>
-          <dgm:constr type="r" for="ch" forName="TwoNodes_2_text" refType="r" refFor="ch" refForName="TwoNodes_2"/>
-          <dgm:constr type="w" for="ch" forName="ThreeNodes_1" refType="w" fact="0.85"/>
-          <dgm:constr type="h" for="ch" forName="ThreeNodes_1" refType="h" fact="0.3"/>
-          <dgm:constr type="t" for="ch" forName="ThreeNodes_1"/>
-          <dgm:constr type="r" for="ch" forName="ThreeNodes_1" refType="w"/>
-          <dgm:constr type="w" for="ch" forName="ThreeNodes_2" refType="w" fact="0.85"/>
-          <dgm:constr type="h" for="ch" forName="ThreeNodes_2" refType="h" fact="0.3"/>
-          <dgm:constr type="ctrY" for="ch" forName="ThreeNodes_2" refType="h" fact="0.5"/>
-          <dgm:constr type="ctrX" for="ch" forName="ThreeNodes_2" refType="w" fact="0.5"/>
-          <dgm:constr type="w" for="ch" forName="ThreeNodes_3" refType="w" fact="0.85"/>
-          <dgm:constr type="h" for="ch" forName="ThreeNodes_3" refType="h" fact="0.3"/>
-          <dgm:constr type="b" for="ch" forName="ThreeNodes_3" refType="h"/>
-          <dgm:constr type="l" for="ch" forName="ThreeNodes_3"/>
-          <dgm:constr type="w" for="ch" forName="ThreeConn_1-2" refType="h" refFor="ch" refForName="ThreeNodes_1" fact="0.65"/>
-          <dgm:constr type="h" for="ch" forName="ThreeConn_1-2" refType="h" refFor="ch" refForName="ThreeNodes_1" fact="0.65"/>
-          <dgm:constr type="ctrY" for="ch" forName="ThreeConn_1-2" refType="h" fact="0.325"/>
-          <dgm:constr type="l" for="ch" forName="ThreeConn_1-2" refType="l" refFor="ch" refForName="ThreeNodes_1"/>
-          <dgm:constr type="w" for="ch" forName="ThreeConn_2-3" refType="h" refFor="ch" refForName="ThreeNodes_2" fact="0.65"/>
-          <dgm:constr type="h" for="ch" forName="ThreeConn_2-3" refType="h" refFor="ch" refForName="ThreeNodes_2" fact="0.65"/>
-          <dgm:constr type="ctrY" for="ch" forName="ThreeConn_2-3" refType="h" fact="0.673"/>
-          <dgm:constr type="l" for="ch" forName="ThreeConn_2-3" refType="l" refFor="ch" refForName="ThreeNodes_2"/>
-          <dgm:constr type="l" for="ch" forName="ThreeNodes_1_text" refType="r" refFor="ch" refForName="ThreeConn_1-2"/>
-          <dgm:constr type="lOff" for="ch" forName="ThreeNodes_1_text" refType="w" refFor="ch" refForName="ThreeConn_1-2" fact="0.55"/>
-          <dgm:constr type="t" for="ch" forName="ThreeNodes_1_text" refType="t" refFor="ch" refForName="ThreeNodes_1"/>
-          <dgm:constr type="b" for="ch" forName="ThreeNodes_1_text" refType="b" refFor="ch" refForName="ThreeNodes_1"/>
-          <dgm:constr type="r" for="ch" forName="ThreeNodes_1_text" refType="r" refFor="ch" refForName="ThreeNodes_1"/>
-          <dgm:constr type="l" for="ch" forName="ThreeNodes_2_text" refType="r" refFor="ch" refForName="ThreeConn_1-2"/>
-          <dgm:constr type="t" for="ch" forName="ThreeNodes_2_text" refType="t" refFor="ch" refForName="ThreeNodes_2"/>
-          <dgm:constr type="b" for="ch" forName="ThreeNodes_2_text" refType="b" refFor="ch" refForName="ThreeNodes_2"/>
-          <dgm:constr type="r" for="ch" forName="ThreeNodes_2_text" refType="r" refFor="ch" refForName="ThreeNodes_2"/>
-          <dgm:constr type="l" for="ch" forName="ThreeNodes_3_text" refType="r" refFor="ch" refForName="ThreeConn_2-3"/>
-          <dgm:constr type="t" for="ch" forName="ThreeNodes_3_text" refType="t" refFor="ch" refForName="ThreeNodes_3"/>
-          <dgm:constr type="b" for="ch" forName="ThreeNodes_3_text" refType="b" refFor="ch" refForName="ThreeNodes_3"/>
-          <dgm:constr type="r" for="ch" forName="ThreeNodes_3_text" refType="r" refFor="ch" refForName="ThreeNodes_3"/>
-          <dgm:constr type="w" for="ch" forName="FourNodes_1" refType="w" fact="0.8"/>
-          <dgm:constr type="h" for="ch" forName="FourNodes_1" refType="h" fact="0.22"/>
-          <dgm:constr type="t" for="ch" forName="FourNodes_1"/>
-          <dgm:constr type="r" for="ch" forName="FourNodes_1" refType="w"/>
-          <dgm:constr type="w" for="ch" forName="FourNodes_2" refType="w" fact="0.8"/>
-          <dgm:constr type="h" for="ch" forName="FourNodes_2" refType="h" fact="0.22"/>
-          <dgm:constr type="ctrY" for="ch" forName="FourNodes_2" refType="h" fact="0.37"/>
-          <dgm:constr type="ctrX" for="ch" forName="FourNodes_2" refType="w" fact="0.533"/>
-          <dgm:constr type="w" for="ch" forName="FourNodes_3" refType="w" fact="0.8"/>
-          <dgm:constr type="h" for="ch" forName="FourNodes_3" refType="h" fact="0.22"/>
-          <dgm:constr type="ctrY" for="ch" forName="FourNodes_3" refType="h" fact="0.63"/>
-          <dgm:constr type="ctrX" for="ch" forName="FourNodes_3" refType="w" fact="0.467"/>
-          <dgm:constr type="w" for="ch" forName="FourNodes_4" refType="w" fact="0.8"/>
-          <dgm:constr type="h" for="ch" forName="FourNodes_4" refType="h" fact="0.22"/>
-          <dgm:constr type="b" for="ch" forName="FourNodes_4" refType="h"/>
-          <dgm:constr type="l" for="ch" forName="FourNodes_4"/>
-          <dgm:constr type="w" for="ch" forName="FourConn_1-2" refType="h" refFor="ch" refForName="FourNodes_1" fact="0.65"/>
-          <dgm:constr type="h" for="ch" forName="FourConn_1-2" refType="h" refFor="ch" refForName="FourNodes_1" fact="0.65"/>
-          <dgm:constr type="ctrY" for="ch" forName="FourConn_1-2" refType="h" fact="0.24"/>
-          <dgm:constr type="l" for="ch" forName="FourConn_1-2" refType="l" refFor="ch" refForName="FourNodes_1"/>
-          <dgm:constr type="w" for="ch" forName="FourConn_2-3" refType="h" refFor="ch" refForName="FourNodes_2" fact="0.65"/>
-          <dgm:constr type="h" for="ch" forName="FourConn_2-3" refType="h" refFor="ch" refForName="FourNodes_2" fact="0.65"/>
-          <dgm:constr type="ctrY" for="ch" forName="FourConn_2-3" refType="h" fact="0.5"/>
-          <dgm:constr type="l" for="ch" forName="FourConn_2-3" refType="l" refFor="ch" refForName="FourNodes_2"/>
-          <dgm:constr type="w" for="ch" forName="FourConn_3-4" refType="h" refFor="ch" refForName="FourNodes_3" fact="0.65"/>
-          <dgm:constr type="h" for="ch" forName="FourConn_3-4" refType="h" refFor="ch" refForName="FourNodes_3" fact="0.65"/>
-          <dgm:constr type="ctrY" for="ch" forName="FourConn_3-4" refType="h" fact="0.76"/>
-          <dgm:constr type="l" for="ch" forName="FourConn_3-4" refType="l" refFor="ch" refForName="FourNodes_3"/>
-          <dgm:constr type="l" for="ch" forName="FourNodes_1_text" refType="r" refFor="ch" refForName="FourConn_1-2"/>
-          <dgm:constr type="lOff" for="ch" forName="FourNodes_1_text" refType="w" refFor="ch" refForName="FourConn_1-2" fact="0.69"/>
-          <dgm:constr type="t" for="ch" forName="FourNodes_1_text" refType="t" refFor="ch" refForName="FourNodes_1"/>
-          <dgm:constr type="b" for="ch" forName="FourNodes_1_text" refType="b" refFor="ch" refForName="FourNodes_1"/>
-          <dgm:constr type="r" for="ch" forName="FourNodes_1_text" refType="r" refFor="ch" refForName="FourNodes_1"/>
-          <dgm:constr type="l" for="ch" forName="FourNodes_2_text" refType="r" refFor="ch" refForName="FourConn_1-2"/>
-          <dgm:constr type="t" for="ch" forName="FourNodes_2_text" refType="t" refFor="ch" refForName="FourNodes_2"/>
-          <dgm:constr type="b" for="ch" forName="FourNodes_2_text" refType="b" refFor="ch" refForName="FourNodes_2"/>
-          <dgm:constr type="r" for="ch" forName="FourNodes_2_text" refType="r" refFor="ch" refForName="FourNodes_2"/>
-          <dgm:constr type="l" for="ch" forName="FourNodes_3_text" refType="r" refFor="ch" refForName="FourConn_2-3"/>
-          <dgm:constr type="t" for="ch" forName="FourNodes_3_text" refType="t" refFor="ch" refForName="FourNodes_3"/>
-          <dgm:constr type="b" for="ch" forName="FourNodes_3_text" refType="b" refFor="ch" refForName="FourNodes_3"/>
-          <dgm:constr type="r" for="ch" forName="FourNodes_3_text" refType="r" refFor="ch" refForName="FourNodes_3"/>
-          <dgm:constr type="l" for="ch" forName="FourNodes_4_text" refType="r" refFor="ch" refForName="FourConn_3-4"/>
-          <dgm:constr type="t" for="ch" forName="FourNodes_4_text" refType="t" refFor="ch" refForName="FourNodes_4"/>
-          <dgm:constr type="b" for="ch" forName="FourNodes_4_text" refType="b" refFor="ch" refForName="FourNodes_4"/>
-          <dgm:constr type="r" for="ch" forName="FourNodes_4_text" refType="r" refFor="ch" refForName="FourNodes_4"/>
-          <dgm:constr type="w" for="ch" forName="FiveNodes_1" refType="w" fact="0.77"/>
-          <dgm:constr type="h" for="ch" forName="FiveNodes_1" refType="h" fact="0.18"/>
-          <dgm:constr type="t" for="ch" forName="FiveNodes_1"/>
-          <dgm:constr type="r" for="ch" forName="FiveNodes_1" refType="w"/>
-          <dgm:constr type="w" for="ch" forName="FiveNodes_2" refType="w" fact="0.77"/>
-          <dgm:constr type="h" for="ch" forName="FiveNodes_2" refType="h" fact="0.18"/>
-          <dgm:constr type="ctrY" for="ch" forName="FiveNodes_2" refType="h" fact="0.295"/>
-          <dgm:constr type="ctrX" for="ch" forName="FiveNodes_2" refType="w" fact="0.5575"/>
-          <dgm:constr type="w" for="ch" forName="FiveNodes_3" refType="w" fact="0.77"/>
-          <dgm:constr type="h" for="ch" forName="FiveNodes_3" refType="h" fact="0.18"/>
-          <dgm:constr type="ctrY" for="ch" forName="FiveNodes_3" refType="h" fact="0.5"/>
-          <dgm:constr type="ctrX" for="ch" forName="FiveNodes_3" refType="w" fact="0.5"/>
-          <dgm:constr type="w" for="ch" forName="FiveNodes_4" refType="w" fact="0.77"/>
-          <dgm:constr type="h" for="ch" forName="FiveNodes_4" refType="h" fact="0.18"/>
-          <dgm:constr type="ctrY" for="ch" forName="FiveNodes_4" refType="h" fact="0.705"/>
-          <dgm:constr type="ctrX" for="ch" forName="FiveNodes_4" refType="w" fact="0.4425"/>
-          <dgm:constr type="w" for="ch" forName="FiveNodes_5" refType="w" fact="0.77"/>
-          <dgm:constr type="h" for="ch" forName="FiveNodes_5" refType="h" fact="0.18"/>
-          <dgm:constr type="b" for="ch" forName="FiveNodes_5" refType="h"/>
-          <dgm:constr type="l" for="ch" forName="FiveNodes_5"/>
-          <dgm:constr type="w" for="ch" forName="FiveConn_1-2" refType="h" refFor="ch" refForName="FiveNodes_1" fact="0.65"/>
-          <dgm:constr type="h" for="ch" forName="FiveConn_1-2" refType="h" refFor="ch" refForName="FiveNodes_1" fact="0.65"/>
-          <dgm:constr type="ctrY" for="ch" forName="FiveConn_1-2" refType="h" fact="0.19"/>
-          <dgm:constr type="l" for="ch" forName="FiveConn_1-2" refType="l" refFor="ch" refForName="FiveNodes_1"/>
-          <dgm:constr type="w" for="ch" forName="FiveConn_2-3" refType="h" refFor="ch" refForName="FiveNodes_2" fact="0.65"/>
-          <dgm:constr type="h" for="ch" forName="FiveConn_2-3" refType="h" refFor="ch" refForName="FiveNodes_2" fact="0.65"/>
-          <dgm:constr type="ctrY" for="ch" forName="FiveConn_2-3" refType="h" fact="0.395"/>
-          <dgm:constr type="l" for="ch" forName="FiveConn_2-3" refType="l" refFor="ch" refForName="FiveNodes_2"/>
-          <dgm:constr type="w" for="ch" forName="FiveConn_3-4" refType="h" refFor="ch" refForName="FiveNodes_3" fact="0.65"/>
-          <dgm:constr type="h" for="ch" forName="FiveConn_3-4" refType="h" refFor="ch" refForName="FiveNodes_3" fact="0.65"/>
-          <dgm:constr type="ctrY" for="ch" forName="FiveConn_3-4" refType="h" fact="0.597"/>
-          <dgm:constr type="l" for="ch" forName="FiveConn_3-4" refType="l" refFor="ch" refForName="FiveNodes_3"/>
-          <dgm:constr type="w" for="ch" forName="FiveConn_4-5" refType="h" refFor="ch" refForName="FiveNodes_4" fact="0.65"/>
-          <dgm:constr type="h" for="ch" forName="FiveConn_4-5" refType="h" refFor="ch" refForName="FiveNodes_4" fact="0.65"/>
-          <dgm:constr type="ctrY" for="ch" forName="FiveConn_4-5" refType="h" fact="0.804"/>
-          <dgm:constr type="l" for="ch" forName="FiveConn_4-5" refType="l" refFor="ch" refForName="FiveNodes_4"/>
-          <dgm:constr type="l" for="ch" forName="FiveNodes_1_text" refType="r" refFor="ch" refForName="FiveConn_1-2"/>
-          <dgm:constr type="lOff" for="ch" forName="FiveNodes_1_text" refType="w" refFor="ch" refForName="FiveConn_1-2" fact="0.73"/>
-          <dgm:constr type="t" for="ch" forName="FiveNodes_1_text" refType="t" refFor="ch" refForName="FiveNodes_1"/>
-          <dgm:constr type="b" for="ch" forName="FiveNodes_1_text" refType="b" refFor="ch" refForName="FiveNodes_1"/>
-          <dgm:constr type="r" for="ch" forName="FiveNodes_1_text" refType="r" refFor="ch" refForName="FiveNodes_1"/>
-          <dgm:constr type="l" for="ch" forName="FiveNodes_2_text" refType="r" refFor="ch" refForName="FiveConn_1-2"/>
-          <dgm:constr type="t" for="ch" forName="FiveNodes_2_text" refType="t" refFor="ch" refForName="FiveNodes_2"/>
-          <dgm:constr type="b" for="ch" forName="FiveNodes_2_text" refType="b" refFor="ch" refForName="FiveNodes_2"/>
-          <dgm:constr type="r" for="ch" forName="FiveNodes_2_text" refType="r" refFor="ch" refForName="FiveNodes_2"/>
-          <dgm:constr type="l" for="ch" forName="FiveNodes_3_text" refType="r" refFor="ch" refForName="FiveConn_2-3"/>
-          <dgm:constr type="t" for="ch" forName="FiveNodes_3_text" refType="t" refFor="ch" refForName="FiveNodes_3"/>
-          <dgm:constr type="b" for="ch" forName="FiveNodes_3_text" refType="b" refFor="ch" refForName="FiveNodes_3"/>
-          <dgm:constr type="r" for="ch" forName="FiveNodes_3_text" refType="r" refFor="ch" refForName="FiveNodes_3"/>
-          <dgm:constr type="l" for="ch" forName="FiveNodes_4_text" refType="r" refFor="ch" refForName="FiveConn_3-4"/>
-          <dgm:constr type="t" for="ch" forName="FiveNodes_4_text" refType="t" refFor="ch" refForName="FiveNodes_4"/>
-          <dgm:constr type="b" for="ch" forName="FiveNodes_4_text" refType="b" refFor="ch" refForName="FiveNodes_4"/>
-          <dgm:constr type="r" for="ch" forName="FiveNodes_4_text" refType="r" refFor="ch" refForName="FiveNodes_4"/>
-          <dgm:constr type="l" for="ch" forName="FiveNodes_5_text" refType="r" refFor="ch" refForName="FiveConn_4-5"/>
-          <dgm:constr type="t" for="ch" forName="FiveNodes_5_text" refType="t" refFor="ch" refForName="FiveNodes_5"/>
-          <dgm:constr type="b" for="ch" forName="FiveNodes_5_text" refType="b" refFor="ch" refForName="FiveNodes_5"/>
-          <dgm:constr type="r" for="ch" forName="FiveNodes_5_text" refType="r" refFor="ch" refForName="FiveNodes_5"/>
-        </dgm:constrLst>
-      </dgm:else>
-    </dgm:choose>
-    <dgm:ruleLst/>
-    <dgm:layoutNode name="dummyMaxCanvas">
-      <dgm:varLst/>
-      <dgm:alg type="sp"/>
-      <dgm:shape xmlns:r="http://schemas.openxmlformats.org/officeDocument/2006/relationships" r:blip="">
-        <dgm:adjLst/>
-      </dgm:shape>
-      <dgm:presOf/>
-      <dgm:constrLst/>
-      <dgm:ruleLst/>
-    </dgm:layoutNode>
-    <dgm:choose name="Name3">
-      <dgm:if name="Name4" axis="ch" ptType="node" func="cnt" op="equ" val="1">
-        <dgm:layoutNode name="OneNode_1">
-          <dgm:varLst>
-            <dgm:bulletEnabled val="1"/>
-          </dgm:varLst>
-          <dgm:alg type="tx"/>
-          <dgm:shape xmlns:r="http://schemas.openxmlformats.org/officeDocument/2006/relationships" type="roundRect" r:blip="">
-            <dgm:adjLst>
-              <dgm:adj idx="1" val="0.1"/>
-            </dgm:adjLst>
-          </dgm:shape>
-          <dgm:presOf axis="ch desOrSelf" ptType="node node" st="1 1" cnt="1 0"/>
-          <dgm:constrLst>
-            <dgm:constr type="lMarg" refType="primFontSz" fact="0.3"/>
-            <dgm:constr type="rMarg" refType="primFontSz" fact="0.3"/>
-            <dgm:constr type="tMarg" refType="primFontSz" fact="0.3"/>
-            <dgm:constr type="bMarg" refType="primFontSz" fact="0.3"/>
-          </dgm:constrLst>
-          <dgm:ruleLst>
-            <dgm:rule type="primFontSz" val="5" fact="NaN" max="NaN"/>
-          </dgm:ruleLst>
-        </dgm:layoutNode>
-      </dgm:if>
-      <dgm:else name="Name5">
-        <dgm:choose name="Name6">
-          <dgm:if name="Name7" axis="ch" ptType="node" func="cnt" op="equ" val="2">
-            <dgm:layoutNode name="TwoNodes_1">
-              <dgm:varLst>
-                <dgm:bulletEnabled val="1"/>
-              </dgm:varLst>
-              <dgm:alg type="sp"/>
-              <dgm:shape xmlns:r="http://schemas.openxmlformats.org/officeDocument/2006/relationships" type="roundRect" r:blip="">
-                <dgm:adjLst>
-                  <dgm:adj idx="1" val="0.1"/>
-                </dgm:adjLst>
-              </dgm:shape>
-              <dgm:presOf axis="ch desOrSelf" ptType="node node" st="1 1" cnt="1 0"/>
-              <dgm:constrLst/>
-              <dgm:ruleLst/>
-            </dgm:layoutNode>
-            <dgm:layoutNode name="TwoNodes_2">
-              <dgm:varLst>
-                <dgm:bulletEnabled val="1"/>
-              </dgm:varLst>
-              <dgm:alg type="sp"/>
-              <dgm:shape xmlns:r="http://schemas.openxmlformats.org/officeDocument/2006/relationships" type="roundRect" r:blip="">
-                <dgm:adjLst>
-                  <dgm:adj idx="1" val="0.1"/>
-                </dgm:adjLst>
-              </dgm:shape>
-              <dgm:presOf axis="ch desOrSelf" ptType="node node" st="2 1" cnt="1 0"/>
-              <dgm:constrLst/>
-              <dgm:ruleLst/>
-            </dgm:layoutNode>
-            <dgm:layoutNode name="TwoConn_1-2" styleLbl="fgAccFollowNode1">
-              <dgm:varLst>
-                <dgm:bulletEnabled val="1"/>
-              </dgm:varLst>
-              <dgm:alg type="tx"/>
-              <dgm:shape xmlns:r="http://schemas.openxmlformats.org/officeDocument/2006/relationships" type="downArrow" r:blip="">
-                <dgm:adjLst>
-                  <dgm:adj idx="1" val="0.55"/>
-                  <dgm:adj idx="2" val="0.45"/>
-                </dgm:adjLst>
-              </dgm:shape>
-              <dgm:presOf axis="ch" ptType="sibTrans" cnt="1"/>
-              <dgm:constrLst>
-                <dgm:constr type="lMarg" refType="primFontSz" fact="0.1"/>
-                <dgm:constr type="rMarg" refType="primFontSz" fact="0.1"/>
-                <dgm:constr type="tMarg" refType="primFontSz" fact="0.1"/>
-                <dgm:constr type="bMarg" refType="primFontSz" fact="0.1"/>
-              </dgm:constrLst>
-              <dgm:ruleLst>
-                <dgm:rule type="primFontSz" val="5" fact="NaN" max="NaN"/>
-              </dgm:ruleLst>
-            </dgm:layoutNode>
-            <dgm:layoutNode name="TwoNodes_1_text">
-              <dgm:varLst>
-                <dgm:bulletEnabled val="1"/>
-              </dgm:varLst>
-              <dgm:alg type="tx">
-                <dgm:param type="parTxLTRAlign" val="l"/>
-                <dgm:param type="txAnchorVertCh" val="mid"/>
-              </dgm:alg>
-              <dgm:shape xmlns:r="http://schemas.openxmlformats.org/officeDocument/2006/relationships" type="roundRect" r:blip="" hideGeom="1">
-                <dgm:adjLst>
-                  <dgm:adj idx="1" val="0.1"/>
-                </dgm:adjLst>
-              </dgm:shape>
-              <dgm:presOf axis="ch desOrSelf" ptType="node node" st="1 1" cnt="1 0"/>
-              <dgm:constrLst>
-                <dgm:constr type="lMarg" refType="primFontSz" fact="0.3"/>
-                <dgm:constr type="rMarg" refType="primFontSz" fact="0.3"/>
-                <dgm:constr type="tMarg" refType="primFontSz" fact="0.3"/>
-                <dgm:constr type="bMarg" refType="primFontSz" fact="0.3"/>
-              </dgm:constrLst>
-              <dgm:ruleLst>
-                <dgm:rule type="primFontSz" val="5" fact="NaN" max="NaN"/>
-              </dgm:ruleLst>
-            </dgm:layoutNode>
-            <dgm:layoutNode name="TwoNodes_2_text">
-              <dgm:varLst>
-                <dgm:bulletEnabled val="1"/>
-              </dgm:varLst>
-              <dgm:alg type="tx">
-                <dgm:param type="parTxLTRAlign" val="l"/>
-                <dgm:param type="txAnchorVertCh" val="mid"/>
-              </dgm:alg>
-              <dgm:shape xmlns:r="http://schemas.openxmlformats.org/officeDocument/2006/relationships" type="roundRect" r:blip="" hideGeom="1">
-                <dgm:adjLst>
-                  <dgm:adj idx="1" val="0.1"/>
-                </dgm:adjLst>
-              </dgm:shape>
-              <dgm:presOf axis="ch desOrSelf" ptType="node node" st="2 1" cnt="1 0"/>
-              <dgm:constrLst>
-                <dgm:constr type="lMarg" refType="primFontSz" fact="0.3"/>
-                <dgm:constr type="rMarg" refType="primFontSz" fact="0.3"/>
-                <dgm:constr type="tMarg" refType="primFontSz" fact="0.3"/>
-                <dgm:constr type="bMarg" refType="primFontSz" fact="0.3"/>
-              </dgm:constrLst>
-              <dgm:ruleLst>
-                <dgm:rule type="primFontSz" val="5" fact="NaN" max="NaN"/>
-              </dgm:ruleLst>
-            </dgm:layoutNode>
-          </dgm:if>
-          <dgm:else name="Name8">
-            <dgm:choose name="Name9">
-              <dgm:if name="Name10" axis="ch" ptType="node" func="cnt" op="equ" val="3">
-                <dgm:layoutNode name="ThreeNodes_1">
-                  <dgm:varLst>
-                    <dgm:bulletEnabled val="1"/>
-                  </dgm:varLst>
+        <dgm:ruleLst>
+          <dgm:rule type="h" val="INF" fact="NaN" max="NaN"/>
+        </dgm:ruleLst>
+      </dgm:layoutNode>
+      <dgm:choose name="Name1">
+        <dgm:if name="Name2" axis="ch" ptType="node" func="cnt" op="gte" val="1">
+          <dgm:layoutNode name="childText" styleLbl="revTx">
+            <dgm:varLst>
+              <dgm:bulletEnabled val="1"/>
+            </dgm:varLst>
+            <dgm:alg type="tx">
+              <dgm:param type="stBulletLvl" val="1"/>
+              <dgm:param type="lnSpAfChP" val="20"/>
+            </dgm:alg>
+            <dgm:shape xmlns:r="http://schemas.openxmlformats.org/officeDocument/2006/relationships" type="rect" r:blip="">
+              <dgm:adjLst/>
+            </dgm:shape>
+            <dgm:presOf axis="des" ptType="node"/>
+            <dgm:constrLst>
+              <dgm:constr type="tMarg" refType="primFontSz" fact="0.1"/>
+              <dgm:constr type="bMarg" refType="primFontSz" fact="0.1"/>
+              <dgm:constr type="lMarg" refType="w" fact="0.09"/>
+            </dgm:constrLst>
+            <dgm:ruleLst>
+              <dgm:rule type="h" val="INF" fact="NaN" max="NaN"/>
+            </dgm:ruleLst>
+          </dgm:layoutNode>
+        </dgm:if>
+        <dgm:else name="Name3">
+          <dgm:choose name="Name4">
+            <dgm:if name="Name5" axis="par ch" ptType="doc node" func="cnt" op="gte" val="2">
+              <dgm:forEach name="Name6" axis="followSib" ptType="sibTrans" cnt="1">
+                <dgm:layoutNode name="spacer">
                   <dgm:alg type="sp"/>
-                  <dgm:shape xmlns:r="http://schemas.openxmlformats.org/officeDocument/2006/relationships" type="roundRect" r:blip="">
-                    <dgm:adjLst>
-                      <dgm:adj idx="1" val="0.1"/>
-                    </dgm:adjLst>
+                  <dgm:shape xmlns:r="http://schemas.openxmlformats.org/officeDocument/2006/relationships" r:blip="">
+                    <dgm:adjLst/>
                   </dgm:shape>
-                  <dgm:presOf axis="ch desOrSelf" ptType="node node" st="1 1" cnt="1 0"/>
+                  <dgm:presOf/>
                   <dgm:constrLst/>
                   <dgm:ruleLst/>
                 </dgm:layoutNode>
-                <dgm:layoutNode name="ThreeNodes_2">
-                  <dgm:varLst>
-                    <dgm:bulletEnabled val="1"/>
-                  </dgm:varLst>
-                  <dgm:alg type="sp"/>
-                  <dgm:shape xmlns:r="http://schemas.openxmlformats.org/officeDocument/2006/relationships" type="roundRect" r:blip="">
-                    <dgm:adjLst>
-                      <dgm:adj idx="1" val="0.1"/>
-                    </dgm:adjLst>
-                  </dgm:shape>
-                  <dgm:presOf axis="ch desOrSelf" ptType="node node" st="2 1" cnt="1 0"/>
-                  <dgm:constrLst/>
-                  <dgm:ruleLst/>
-                </dgm:layoutNode>
-                <dgm:layoutNode name="ThreeNodes_3">
-                  <dgm:varLst>
-                    <dgm:bulletEnabled val="1"/>
-                  </dgm:varLst>
-                  <dgm:alg type="sp"/>
-                  <dgm:shape xmlns:r="http://schemas.openxmlformats.org/officeDocument/2006/relationships" type="roundRect" r:blip="">
-                    <dgm:adjLst>
-                      <dgm:adj idx="1" val="0.1"/>
-                    </dgm:adjLst>
-                  </dgm:shape>
-                  <dgm:presOf axis="ch desOrSelf" ptType="node node" st="3 1" cnt="1 0"/>
-                  <dgm:constrLst/>
-                  <dgm:ruleLst/>
-                </dgm:layoutNode>
-                <dgm:layoutNode name="ThreeConn_1-2" styleLbl="fgAccFollowNode1">
-                  <dgm:varLst>
-                    <dgm:bulletEnabled val="1"/>
-                  </dgm:varLst>
-                  <dgm:alg type="tx"/>
-                  <dgm:shape xmlns:r="http://schemas.openxmlformats.org/officeDocument/2006/relationships" type="downArrow" r:blip="">
-                    <dgm:adjLst>
-                      <dgm:adj idx="1" val="0.55"/>
-                      <dgm:adj idx="2" val="0.45"/>
-                    </dgm:adjLst>
-                  </dgm:shape>
-                  <dgm:presOf axis="ch" ptType="sibTrans" cnt="1"/>
-                  <dgm:constrLst>
-                    <dgm:constr type="lMarg" refType="primFontSz" fact="0.1"/>
-                    <dgm:constr type="rMarg" refType="primFontSz" fact="0.1"/>
-                    <dgm:constr type="tMarg" refType="primFontSz" fact="0.1"/>
-                    <dgm:constr type="bMarg" refType="primFontSz" fact="0.1"/>
-                  </dgm:constrLst>
-                  <dgm:ruleLst>
-                    <dgm:rule type="primFontSz" val="5" fact="NaN" max="NaN"/>
-                  </dgm:ruleLst>
-                </dgm:layoutNode>
-                <dgm:layoutNode name="ThreeConn_2-3" styleLbl="fgAccFollowNode1">
-                  <dgm:varLst>
-                    <dgm:bulletEnabled val="1"/>
-                  </dgm:varLst>
-                  <dgm:alg type="tx"/>
-                  <dgm:shape xmlns:r="http://schemas.openxmlformats.org/officeDocument/2006/relationships" type="downArrow" r:blip="">
-                    <dgm:adjLst>
-                      <dgm:adj idx="1" val="0.55"/>
-                      <dgm:adj idx="2" val="0.45"/>
-                    </dgm:adjLst>
-                  </dgm:shape>
-                  <dgm:presOf axis="ch" ptType="sibTrans" st="2" cnt="1"/>
-                  <dgm:constrLst>
-                    <dgm:constr type="lMarg" refType="primFontSz" fact="0.1"/>
-                    <dgm:constr type="rMarg" refType="primFontSz" fact="0.1"/>
-                    <dgm:constr type="tMarg" refType="primFontSz" fact="0.1"/>
-                    <dgm:constr type="bMarg" refType="primFontSz" fact="0.1"/>
-                  </dgm:constrLst>
-                  <dgm:ruleLst>
-                    <dgm:rule type="primFontSz" val="5" fact="NaN" max="NaN"/>
-                  </dgm:ruleLst>
-                </dgm:layoutNode>
-                <dgm:layoutNode name="ThreeNodes_1_text">
-                  <dgm:varLst>
-                    <dgm:bulletEnabled val="1"/>
-                  </dgm:varLst>
-                  <dgm:alg type="tx">
-                    <dgm:param type="parTxLTRAlign" val="l"/>
-                    <dgm:param type="txAnchorVertCh" val="mid"/>
-                  </dgm:alg>
-                  <dgm:shape xmlns:r="http://schemas.openxmlformats.org/officeDocument/2006/relationships" type="roundRect" r:blip="" hideGeom="1">
-                    <dgm:adjLst>
-                      <dgm:adj idx="1" val="0.1"/>
-                    </dgm:adjLst>
-                  </dgm:shape>
-                  <dgm:presOf axis="ch desOrSelf" ptType="node node" st="1 1" cnt="1 0"/>
-                  <dgm:constrLst>
-                    <dgm:constr type="lMarg" refType="primFontSz" fact="0.3"/>
-                    <dgm:constr type="rMarg" refType="primFontSz" fact="0.3"/>
-                    <dgm:constr type="tMarg" refType="primFontSz" fact="0.3"/>
-                    <dgm:constr type="bMarg" refType="primFontSz" fact="0.3"/>
-                  </dgm:constrLst>
-                  <dgm:ruleLst>
-                    <dgm:rule type="primFontSz" val="5" fact="NaN" max="NaN"/>
-                  </dgm:ruleLst>
-                </dgm:layoutNode>
-                <dgm:layoutNode name="ThreeNodes_2_text">
-                  <dgm:varLst>
-                    <dgm:bulletEnabled val="1"/>
-                  </dgm:varLst>
-                  <dgm:alg type="tx">
-                    <dgm:param type="parTxLTRAlign" val="l"/>
-                    <dgm:param type="txAnchorVertCh" val="mid"/>
-                  </dgm:alg>
-                  <dgm:shape xmlns:r="http://schemas.openxmlformats.org/officeDocument/2006/relationships" type="roundRect" r:blip="" hideGeom="1">
-                    <dgm:adjLst>
-                      <dgm:adj idx="1" val="0.1"/>
-                    </dgm:adjLst>
-                  </dgm:shape>
-                  <dgm:presOf axis="ch desOrSelf" ptType="node node" st="2 1" cnt="1 0"/>
-                  <dgm:constrLst>
-                    <dgm:constr type="lMarg" refType="primFontSz" fact="0.3"/>
-                    <dgm:constr type="rMarg" refType="primFontSz" fact="0.3"/>
-                    <dgm:constr type="tMarg" refType="primFontSz" fact="0.3"/>
-                    <dgm:constr type="bMarg" refType="primFontSz" fact="0.3"/>
-                  </dgm:constrLst>
-                  <dgm:ruleLst>
-                    <dgm:rule type="primFontSz" val="5" fact="NaN" max="NaN"/>
-                  </dgm:ruleLst>
-                </dgm:layoutNode>
-                <dgm:layoutNode name="ThreeNodes_3_text">
-                  <dgm:varLst>
-                    <dgm:bulletEnabled val="1"/>
-                  </dgm:varLst>
-                  <dgm:alg type="tx">
-                    <dgm:param type="parTxLTRAlign" val="l"/>
-                    <dgm:param type="txAnchorVertCh" val="mid"/>
-                  </dgm:alg>
-                  <dgm:shape xmlns:r="http://schemas.openxmlformats.org/officeDocument/2006/relationships" type="roundRect" r:blip="" hideGeom="1">
-                    <dgm:adjLst>
-                      <dgm:adj idx="1" val="0.1"/>
-                    </dgm:adjLst>
-                  </dgm:shape>
-                  <dgm:presOf axis="ch desOrSelf" ptType="node node" st="3 1" cnt="1 0"/>
-                  <dgm:constrLst>
-                    <dgm:constr type="lMarg" refType="primFontSz" fact="0.3"/>
-                    <dgm:constr type="rMarg" refType="primFontSz" fact="0.3"/>
-                    <dgm:constr type="tMarg" refType="primFontSz" fact="0.3"/>
-                    <dgm:constr type="bMarg" refType="primFontSz" fact="0.3"/>
-                  </dgm:constrLst>
-                  <dgm:ruleLst>
-                    <dgm:rule type="primFontSz" val="5" fact="NaN" max="NaN"/>
-                  </dgm:ruleLst>
-                </dgm:layoutNode>
-              </dgm:if>
-              <dgm:else name="Name11">
-                <dgm:choose name="Name12">
-                  <dgm:if name="Name13" axis="ch" ptType="node" func="cnt" op="equ" val="4">
-                    <dgm:layoutNode name="FourNodes_1">
-                      <dgm:varLst>
-                        <dgm:bulletEnabled val="1"/>
-                      </dgm:varLst>
-                      <dgm:alg type="sp"/>
-                      <dgm:shape xmlns:r="http://schemas.openxmlformats.org/officeDocument/2006/relationships" type="roundRect" r:blip="">
-                        <dgm:adjLst>
-                          <dgm:adj idx="1" val="0.1"/>
-                        </dgm:adjLst>
-                      </dgm:shape>
-                      <dgm:presOf axis="ch desOrSelf" ptType="node node" st="1 1" cnt="1 0"/>
-                      <dgm:constrLst/>
-                      <dgm:ruleLst/>
-                    </dgm:layoutNode>
-                    <dgm:layoutNode name="FourNodes_2">
-                      <dgm:varLst>
-                        <dgm:bulletEnabled val="1"/>
-                      </dgm:varLst>
-                      <dgm:alg type="sp"/>
-                      <dgm:shape xmlns:r="http://schemas.openxmlformats.org/officeDocument/2006/relationships" type="roundRect" r:blip="">
-                        <dgm:adjLst>
-                          <dgm:adj idx="1" val="0.1"/>
-                        </dgm:adjLst>
-                      </dgm:shape>
-                      <dgm:presOf axis="ch desOrSelf" ptType="node node" st="2 1" cnt="1 0"/>
-                      <dgm:constrLst/>
-                      <dgm:ruleLst/>
-                    </dgm:layoutNode>
-                    <dgm:layoutNode name="FourNodes_3">
-                      <dgm:varLst>
-                        <dgm:bulletEnabled val="1"/>
-                      </dgm:varLst>
-                      <dgm:alg type="sp"/>
-                      <dgm:shape xmlns:r="http://schemas.openxmlformats.org/officeDocument/2006/relationships" type="roundRect" r:blip="">
-                        <dgm:adjLst>
-                          <dgm:adj idx="1" val="0.1"/>
-                        </dgm:adjLst>
-                      </dgm:shape>
-                      <dgm:presOf axis="ch desOrSelf" ptType="node node" st="3 1" cnt="1 0"/>
-                      <dgm:constrLst/>
-                      <dgm:ruleLst/>
-                    </dgm:layoutNode>
-                    <dgm:layoutNode name="FourNodes_4">
-                      <dgm:varLst>
-                        <dgm:bulletEnabled val="1"/>
-                      </dgm:varLst>
-                      <dgm:alg type="sp"/>
-                      <dgm:shape xmlns:r="http://schemas.openxmlformats.org/officeDocument/2006/relationships" type="roundRect" r:blip="">
-                        <dgm:adjLst>
-                          <dgm:adj idx="1" val="0.1"/>
-                        </dgm:adjLst>
-                      </dgm:shape>
-                      <dgm:presOf axis="ch desOrSelf" ptType="node node" st="4 1" cnt="1 0"/>
-                      <dgm:constrLst/>
-                      <dgm:ruleLst/>
-                    </dgm:layoutNode>
-                    <dgm:layoutNode name="FourConn_1-2" styleLbl="fgAccFollowNode1">
-                      <dgm:varLst>
-                        <dgm:bulletEnabled val="1"/>
-                      </dgm:varLst>
-                      <dgm:alg type="tx"/>
-                      <dgm:shape xmlns:r="http://schemas.openxmlformats.org/officeDocument/2006/relationships" type="downArrow" r:blip="">
-                        <dgm:adjLst>
-                          <dgm:adj idx="1" val="0.55"/>
-                          <dgm:adj idx="2" val="0.45"/>
-                        </dgm:adjLst>
-                      </dgm:shape>
-                      <dgm:presOf axis="ch" ptType="sibTrans" cnt="1"/>
-                      <dgm:constrLst>
-                        <dgm:constr type="lMarg" refType="primFontSz" fact="0.1"/>
-                        <dgm:constr type="rMarg" refType="primFontSz" fact="0.1"/>
-                        <dgm:constr type="tMarg" refType="primFontSz" fact="0.1"/>
-                        <dgm:constr type="bMarg" refType="primFontSz" fact="0.1"/>
-                      </dgm:constrLst>
-                      <dgm:ruleLst>
-                        <dgm:rule type="primFontSz" val="5" fact="NaN" max="NaN"/>
-                      </dgm:ruleLst>
-                    </dgm:layoutNode>
-                    <dgm:layoutNode name="FourConn_2-3" styleLbl="fgAccFollowNode1">
-                      <dgm:varLst>
-                        <dgm:bulletEnabled val="1"/>
-                      </dgm:varLst>
-                      <dgm:alg type="tx"/>
-                      <dgm:shape xmlns:r="http://schemas.openxmlformats.org/officeDocument/2006/relationships" type="downArrow" r:blip="">
-                        <dgm:adjLst>
-                          <dgm:adj idx="1" val="0.55"/>
-                          <dgm:adj idx="2" val="0.45"/>
-                        </dgm:adjLst>
-                      </dgm:shape>
-                      <dgm:presOf axis="ch" ptType="sibTrans" st="2" cnt="1"/>
-                      <dgm:constrLst>
-                        <dgm:constr type="lMarg" refType="primFontSz" fact="0.1"/>
-                        <dgm:constr type="rMarg" refType="primFontSz" fact="0.1"/>
-                        <dgm:constr type="tMarg" refType="primFontSz" fact="0.1"/>
-                        <dgm:constr type="bMarg" refType="primFontSz" fact="0.1"/>
-                      </dgm:constrLst>
-                      <dgm:ruleLst>
-                        <dgm:rule type="primFontSz" val="5" fact="NaN" max="NaN"/>
-                      </dgm:ruleLst>
-                    </dgm:layoutNode>
-                    <dgm:layoutNode name="FourConn_3-4" styleLbl="fgAccFollowNode1">
-                      <dgm:varLst>
-                        <dgm:bulletEnabled val="1"/>
-                      </dgm:varLst>
-                      <dgm:alg type="tx"/>
-                      <dgm:shape xmlns:r="http://schemas.openxmlformats.org/officeDocument/2006/relationships" type="downArrow" r:blip="">
-                        <dgm:adjLst>
-                          <dgm:adj idx="1" val="0.55"/>
-                          <dgm:adj idx="2" val="0.45"/>
-                        </dgm:adjLst>
-                      </dgm:shape>
-                      <dgm:presOf axis="ch" ptType="sibTrans" st="3" cnt="1"/>
-                      <dgm:constrLst>
-                        <dgm:constr type="lMarg" refType="primFontSz" fact="0.1"/>
-                        <dgm:constr type="rMarg" refType="primFontSz" fact="0.1"/>
-                        <dgm:constr type="tMarg" refType="primFontSz" fact="0.1"/>
-                        <dgm:constr type="bMarg" refType="primFontSz" fact="0.1"/>
-                      </dgm:constrLst>
-                      <dgm:ruleLst>
-                        <dgm:rule type="primFontSz" val="5" fact="NaN" max="NaN"/>
-                      </dgm:ruleLst>
-                    </dgm:layoutNode>
-                    <dgm:layoutNode name="FourNodes_1_text">
-                      <dgm:varLst>
-                        <dgm:bulletEnabled val="1"/>
-                      </dgm:varLst>
-                      <dgm:alg type="tx">
-                        <dgm:param type="parTxLTRAlign" val="l"/>
-                        <dgm:param type="txAnchorVertCh" val="mid"/>
-                      </dgm:alg>
-                      <dgm:shape xmlns:r="http://schemas.openxmlformats.org/officeDocument/2006/relationships" type="roundRect" r:blip="" hideGeom="1">
-                        <dgm:adjLst>
-                          <dgm:adj idx="1" val="0.1"/>
-                        </dgm:adjLst>
-                      </dgm:shape>
-                      <dgm:presOf axis="ch desOrSelf" ptType="node node" st="1 1" cnt="1 0"/>
-                      <dgm:constrLst>
-                        <dgm:constr type="lMarg" refType="primFontSz" fact="0.3"/>
-                        <dgm:constr type="rMarg" refType="primFontSz" fact="0.3"/>
-                        <dgm:constr type="tMarg" refType="primFontSz" fact="0.3"/>
-                        <dgm:constr type="bMarg" refType="primFontSz" fact="0.3"/>
-                      </dgm:constrLst>
-                      <dgm:ruleLst>
-                        <dgm:rule type="primFontSz" val="5" fact="NaN" max="NaN"/>
-                      </dgm:ruleLst>
-                    </dgm:layoutNode>
-                    <dgm:layoutNode name="FourNodes_2_text">
-                      <dgm:varLst>
-                        <dgm:bulletEnabled val="1"/>
-                      </dgm:varLst>
-                      <dgm:alg type="tx">
-                        <dgm:param type="parTxLTRAlign" val="l"/>
-                        <dgm:param type="txAnchorVertCh" val="mid"/>
-                      </dgm:alg>
-                      <dgm:shape xmlns:r="http://schemas.openxmlformats.org/officeDocument/2006/relationships" type="roundRect" r:blip="" hideGeom="1">
-                        <dgm:adjLst>
-                          <dgm:adj idx="1" val="0.1"/>
-                        </dgm:adjLst>
-                      </dgm:shape>
-                      <dgm:presOf axis="ch desOrSelf" ptType="node node" st="2 1" cnt="1 0"/>
-                      <dgm:constrLst>
-                        <dgm:constr type="lMarg" refType="primFontSz" fact="0.3"/>
-                        <dgm:constr type="rMarg" refType="primFontSz" fact="0.3"/>
-                        <dgm:constr type="tMarg" refType="primFontSz" fact="0.3"/>
-                        <dgm:constr type="bMarg" refType="primFontSz" fact="0.3"/>
-                      </dgm:constrLst>
-                      <dgm:ruleLst>
-                        <dgm:rule type="primFontSz" val="5" fact="NaN" max="NaN"/>
-                      </dgm:ruleLst>
-                    </dgm:layoutNode>
-                    <dgm:layoutNode name="FourNodes_3_text">
-                      <dgm:varLst>
-                        <dgm:bulletEnabled val="1"/>
-                      </dgm:varLst>
-                      <dgm:alg type="tx">
-                        <dgm:param type="parTxLTRAlign" val="l"/>
-                        <dgm:param type="txAnchorVertCh" val="mid"/>
-                      </dgm:alg>
-                      <dgm:shape xmlns:r="http://schemas.openxmlformats.org/officeDocument/2006/relationships" type="roundRect" r:blip="" hideGeom="1">
-                        <dgm:adjLst>
-                          <dgm:adj idx="1" val="0.1"/>
-                        </dgm:adjLst>
-                      </dgm:shape>
-                      <dgm:presOf axis="ch desOrSelf" ptType="node node" st="3 1" cnt="1 0"/>
-                      <dgm:constrLst>
-                        <dgm:constr type="lMarg" refType="primFontSz" fact="0.3"/>
-                        <dgm:constr type="rMarg" refType="primFontSz" fact="0.3"/>
-                        <dgm:constr type="tMarg" refType="primFontSz" fact="0.3"/>
-                        <dgm:constr type="bMarg" refType="primFontSz" fact="0.3"/>
-                      </dgm:constrLst>
-                      <dgm:ruleLst>
-                        <dgm:rule type="primFontSz" val="5" fact="NaN" max="NaN"/>
-                      </dgm:ruleLst>
-                    </dgm:layoutNode>
-                    <dgm:layoutNode name="FourNodes_4_text">
-                      <dgm:varLst>
-                        <dgm:bulletEnabled val="1"/>
-                      </dgm:varLst>
-                      <dgm:alg type="tx">
-                        <dgm:param type="parTxLTRAlign" val="l"/>
-                        <dgm:param type="txAnchorVertCh" val="mid"/>
-                      </dgm:alg>
-                      <dgm:shape xmlns:r="http://schemas.openxmlformats.org/officeDocument/2006/relationships" type="roundRect" r:blip="" hideGeom="1">
-                        <dgm:adjLst>
-                          <dgm:adj idx="1" val="0.1"/>
-                        </dgm:adjLst>
-                      </dgm:shape>
-                      <dgm:presOf axis="ch desOrSelf" ptType="node node" st="4 1" cnt="1 0"/>
-                      <dgm:constrLst>
-                        <dgm:constr type="lMarg" refType="primFontSz" fact="0.3"/>
-                        <dgm:constr type="rMarg" refType="primFontSz" fact="0.3"/>
-                        <dgm:constr type="tMarg" refType="primFontSz" fact="0.3"/>
-                        <dgm:constr type="bMarg" refType="primFontSz" fact="0.3"/>
-                      </dgm:constrLst>
-                      <dgm:ruleLst>
-                        <dgm:rule type="primFontSz" val="5" fact="NaN" max="NaN"/>
-                      </dgm:ruleLst>
-                    </dgm:layoutNode>
-                  </dgm:if>
-                  <dgm:else name="Name14">
-                    <dgm:choose name="Name15">
-                      <dgm:if name="Name16" axis="ch" ptType="node" func="cnt" op="gte" val="5">
-                        <dgm:layoutNode name="FiveNodes_1">
-                          <dgm:varLst>
-                            <dgm:bulletEnabled val="1"/>
-                          </dgm:varLst>
-                          <dgm:alg type="sp"/>
-                          <dgm:shape xmlns:r="http://schemas.openxmlformats.org/officeDocument/2006/relationships" type="roundRect" r:blip="">
-                            <dgm:adjLst>
-                              <dgm:adj idx="1" val="0.1"/>
-                            </dgm:adjLst>
-                          </dgm:shape>
-                          <dgm:presOf axis="ch desOrSelf" ptType="node node" st="1 1" cnt="1 0"/>
-                          <dgm:constrLst/>
-                          <dgm:ruleLst/>
-                        </dgm:layoutNode>
-                        <dgm:layoutNode name="FiveNodes_2">
-                          <dgm:varLst>
-                            <dgm:bulletEnabled val="1"/>
-                          </dgm:varLst>
-                          <dgm:alg type="sp"/>
-                          <dgm:shape xmlns:r="http://schemas.openxmlformats.org/officeDocument/2006/relationships" type="roundRect" r:blip="">
-                            <dgm:adjLst>
-                              <dgm:adj idx="1" val="0.1"/>
-                            </dgm:adjLst>
-                          </dgm:shape>
-                          <dgm:presOf axis="ch desOrSelf" ptType="node node" st="2 1" cnt="1 0"/>
-                          <dgm:constrLst/>
-                          <dgm:ruleLst/>
-                        </dgm:layoutNode>
-                        <dgm:layoutNode name="FiveNodes_3">
-                          <dgm:varLst>
-                            <dgm:bulletEnabled val="1"/>
-                          </dgm:varLst>
-                          <dgm:alg type="sp"/>
-                          <dgm:shape xmlns:r="http://schemas.openxmlformats.org/officeDocument/2006/relationships" type="roundRect" r:blip="">
-                            <dgm:adjLst>
-                              <dgm:adj idx="1" val="0.1"/>
-                            </dgm:adjLst>
-                          </dgm:shape>
-                          <dgm:presOf axis="ch desOrSelf" ptType="node node" st="3 1" cnt="1 0"/>
-                          <dgm:constrLst/>
-                          <dgm:ruleLst/>
-                        </dgm:layoutNode>
-                        <dgm:layoutNode name="FiveNodes_4">
-                          <dgm:varLst>
-                            <dgm:bulletEnabled val="1"/>
-                          </dgm:varLst>
-                          <dgm:alg type="sp"/>
-                          <dgm:shape xmlns:r="http://schemas.openxmlformats.org/officeDocument/2006/relationships" type="roundRect" r:blip="">
-                            <dgm:adjLst>
-                              <dgm:adj idx="1" val="0.1"/>
-                            </dgm:adjLst>
-                          </dgm:shape>
-                          <dgm:presOf axis="ch desOrSelf" ptType="node node" st="4 1" cnt="1 0"/>
-                          <dgm:constrLst/>
-                          <dgm:ruleLst/>
-                        </dgm:layoutNode>
-                        <dgm:layoutNode name="FiveNodes_5">
-                          <dgm:varLst>
-                            <dgm:bulletEnabled val="1"/>
-                          </dgm:varLst>
-                          <dgm:alg type="sp"/>
-                          <dgm:shape xmlns:r="http://schemas.openxmlformats.org/officeDocument/2006/relationships" type="roundRect" r:blip="">
-                            <dgm:adjLst>
-                              <dgm:adj idx="1" val="0.1"/>
-                            </dgm:adjLst>
-                          </dgm:shape>
-                          <dgm:presOf axis="ch desOrSelf" ptType="node node" st="5 1" cnt="1 0"/>
-                          <dgm:constrLst/>
-                          <dgm:ruleLst/>
-                        </dgm:layoutNode>
-                        <dgm:layoutNode name="FiveConn_1-2" styleLbl="fgAccFollowNode1">
-                          <dgm:varLst>
-                            <dgm:bulletEnabled val="1"/>
-                          </dgm:varLst>
-                          <dgm:alg type="tx"/>
-                          <dgm:shape xmlns:r="http://schemas.openxmlformats.org/officeDocument/2006/relationships" type="downArrow" r:blip="">
-                            <dgm:adjLst>
-                              <dgm:adj idx="1" val="0.55"/>
-                              <dgm:adj idx="2" val="0.45"/>
-                            </dgm:adjLst>
-                          </dgm:shape>
-                          <dgm:presOf axis="ch" ptType="sibTrans" cnt="1"/>
-                          <dgm:constrLst>
-                            <dgm:constr type="lMarg" refType="primFontSz" fact="0.1"/>
-                            <dgm:constr type="rMarg" refType="primFontSz" fact="0.1"/>
-                            <dgm:constr type="tMarg" refType="primFontSz" fact="0.1"/>
-                            <dgm:constr type="bMarg" refType="primFontSz" fact="0.1"/>
-                          </dgm:constrLst>
-                          <dgm:ruleLst>
-                            <dgm:rule type="primFontSz" val="5" fact="NaN" max="NaN"/>
-                          </dgm:ruleLst>
-                        </dgm:layoutNode>
-                        <dgm:layoutNode name="FiveConn_2-3" styleLbl="fgAccFollowNode1">
-                          <dgm:varLst>
-                            <dgm:bulletEnabled val="1"/>
-                          </dgm:varLst>
-                          <dgm:alg type="tx"/>
-                          <dgm:shape xmlns:r="http://schemas.openxmlformats.org/officeDocument/2006/relationships" type="downArrow" r:blip="">
-                            <dgm:adjLst>
-                              <dgm:adj idx="1" val="0.55"/>
-                              <dgm:adj idx="2" val="0.45"/>
-                            </dgm:adjLst>
-                          </dgm:shape>
-                          <dgm:presOf axis="ch" ptType="sibTrans" st="2" cnt="1"/>
-                          <dgm:constrLst>
-                            <dgm:constr type="lMarg" refType="primFontSz" fact="0.1"/>
-                            <dgm:constr type="rMarg" refType="primFontSz" fact="0.1"/>
-                            <dgm:constr type="tMarg" refType="primFontSz" fact="0.1"/>
-                            <dgm:constr type="bMarg" refType="primFontSz" fact="0.1"/>
-                          </dgm:constrLst>
-                          <dgm:ruleLst>
-                            <dgm:rule type="primFontSz" val="5" fact="NaN" max="NaN"/>
-                          </dgm:ruleLst>
-                        </dgm:layoutNode>
-                        <dgm:layoutNode name="FiveConn_3-4" styleLbl="fgAccFollowNode1">
-                          <dgm:varLst>
-                            <dgm:bulletEnabled val="1"/>
-                          </dgm:varLst>
-                          <dgm:alg type="tx"/>
-                          <dgm:shape xmlns:r="http://schemas.openxmlformats.org/officeDocument/2006/relationships" type="downArrow" r:blip="">
-                            <dgm:adjLst>
-                              <dgm:adj idx="1" val="0.55"/>
-                              <dgm:adj idx="2" val="0.45"/>
-                            </dgm:adjLst>
-                          </dgm:shape>
-                          <dgm:presOf axis="ch" ptType="sibTrans" st="3" cnt="1"/>
-                          <dgm:constrLst>
-                            <dgm:constr type="lMarg" refType="primFontSz" fact="0.1"/>
-                            <dgm:constr type="rMarg" refType="primFontSz" fact="0.1"/>
-                            <dgm:constr type="tMarg" refType="primFontSz" fact="0.1"/>
-                            <dgm:constr type="bMarg" refType="primFontSz" fact="0.1"/>
-                          </dgm:constrLst>
-                          <dgm:ruleLst>
-                            <dgm:rule type="primFontSz" val="5" fact="NaN" max="NaN"/>
-                          </dgm:ruleLst>
-                        </dgm:layoutNode>
-                        <dgm:layoutNode name="FiveConn_4-5" styleLbl="fgAccFollowNode1">
-                          <dgm:varLst>
-                            <dgm:bulletEnabled val="1"/>
-                          </dgm:varLst>
-                          <dgm:alg type="tx"/>
-                          <dgm:shape xmlns:r="http://schemas.openxmlformats.org/officeDocument/2006/relationships" type="downArrow" r:blip="">
-                            <dgm:adjLst>
-                              <dgm:adj idx="1" val="0.55"/>
-                              <dgm:adj idx="2" val="0.45"/>
-                            </dgm:adjLst>
-                          </dgm:shape>
-                          <dgm:presOf axis="ch" ptType="sibTrans" st="4" cnt="1"/>
-                          <dgm:constrLst>
-                            <dgm:constr type="lMarg" refType="primFontSz" fact="0.1"/>
-                            <dgm:constr type="rMarg" refType="primFontSz" fact="0.1"/>
-                            <dgm:constr type="tMarg" refType="primFontSz" fact="0.1"/>
-                            <dgm:constr type="bMarg" refType="primFontSz" fact="0.1"/>
-                          </dgm:constrLst>
-                          <dgm:ruleLst>
-                            <dgm:rule type="primFontSz" val="5" fact="NaN" max="NaN"/>
-                          </dgm:ruleLst>
-                        </dgm:layoutNode>
-                        <dgm:layoutNode name="FiveNodes_1_text">
-                          <dgm:varLst>
-                            <dgm:bulletEnabled val="1"/>
-                          </dgm:varLst>
-                          <dgm:alg type="tx">
-                            <dgm:param type="parTxLTRAlign" val="l"/>
-                            <dgm:param type="txAnchorVertCh" val="mid"/>
-                          </dgm:alg>
-                          <dgm:shape xmlns:r="http://schemas.openxmlformats.org/officeDocument/2006/relationships" type="roundRect" r:blip="" hideGeom="1">
-                            <dgm:adjLst>
-                              <dgm:adj idx="1" val="0.1"/>
-                            </dgm:adjLst>
-                          </dgm:shape>
-                          <dgm:presOf axis="ch desOrSelf" ptType="node node" st="1 1" cnt="1 0"/>
-                          <dgm:constrLst>
-                            <dgm:constr type="lMarg" refType="primFontSz" fact="0.3"/>
-                            <dgm:constr type="rMarg" refType="primFontSz" fact="0.3"/>
-                            <dgm:constr type="tMarg" refType="primFontSz" fact="0.3"/>
-                            <dgm:constr type="bMarg" refType="primFontSz" fact="0.3"/>
-                          </dgm:constrLst>
-                          <dgm:ruleLst>
-                            <dgm:rule type="primFontSz" val="5" fact="NaN" max="NaN"/>
-                          </dgm:ruleLst>
-                        </dgm:layoutNode>
-                        <dgm:layoutNode name="FiveNodes_2_text">
-                          <dgm:varLst>
-                            <dgm:bulletEnabled val="1"/>
-                          </dgm:varLst>
-                          <dgm:alg type="tx">
-                            <dgm:param type="parTxLTRAlign" val="l"/>
-                            <dgm:param type="txAnchorVertCh" val="mid"/>
-                          </dgm:alg>
-                          <dgm:shape xmlns:r="http://schemas.openxmlformats.org/officeDocument/2006/relationships" type="roundRect" r:blip="" hideGeom="1">
-                            <dgm:adjLst>
-                              <dgm:adj idx="1" val="0.1"/>
-                            </dgm:adjLst>
-                          </dgm:shape>
-                          <dgm:presOf axis="ch desOrSelf" ptType="node node" st="2 1" cnt="1 0"/>
-                          <dgm:constrLst>
-                            <dgm:constr type="lMarg" refType="primFontSz" fact="0.3"/>
-                            <dgm:constr type="rMarg" refType="primFontSz" fact="0.3"/>
-                            <dgm:constr type="tMarg" refType="primFontSz" fact="0.3"/>
-                            <dgm:constr type="bMarg" refType="primFontSz" fact="0.3"/>
-                          </dgm:constrLst>
-                          <dgm:ruleLst>
-                            <dgm:rule type="primFontSz" val="5" fact="NaN" max="NaN"/>
-                          </dgm:ruleLst>
-                        </dgm:layoutNode>
-                        <dgm:layoutNode name="FiveNodes_3_text">
-                          <dgm:varLst>
-                            <dgm:bulletEnabled val="1"/>
-                          </dgm:varLst>
-                          <dgm:alg type="tx">
-                            <dgm:param type="parTxLTRAlign" val="l"/>
-                            <dgm:param type="txAnchorVertCh" val="mid"/>
-                          </dgm:alg>
-                          <dgm:shape xmlns:r="http://schemas.openxmlformats.org/officeDocument/2006/relationships" type="roundRect" r:blip="" hideGeom="1">
-                            <dgm:adjLst>
-                              <dgm:adj idx="1" val="0.1"/>
-                            </dgm:adjLst>
-                          </dgm:shape>
-                          <dgm:presOf axis="ch desOrSelf" ptType="node node" st="3 1" cnt="1 0"/>
-                          <dgm:constrLst>
-                            <dgm:constr type="lMarg" refType="primFontSz" fact="0.3"/>
-                            <dgm:constr type="rMarg" refType="primFontSz" fact="0.3"/>
-                            <dgm:constr type="tMarg" refType="primFontSz" fact="0.3"/>
-                            <dgm:constr type="bMarg" refType="primFontSz" fact="0.3"/>
-                          </dgm:constrLst>
-                          <dgm:ruleLst>
-                            <dgm:rule type="primFontSz" val="5" fact="NaN" max="NaN"/>
-                          </dgm:ruleLst>
-                        </dgm:layoutNode>
-                        <dgm:layoutNode name="FiveNodes_4_text">
-                          <dgm:varLst>
-                            <dgm:bulletEnabled val="1"/>
-                          </dgm:varLst>
-                          <dgm:alg type="tx">
-                            <dgm:param type="parTxLTRAlign" val="l"/>
-                            <dgm:param type="txAnchorVertCh" val="mid"/>
-                          </dgm:alg>
-                          <dgm:shape xmlns:r="http://schemas.openxmlformats.org/officeDocument/2006/relationships" type="roundRect" r:blip="" hideGeom="1">
-                            <dgm:adjLst>
-                              <dgm:adj idx="1" val="0.1"/>
-                            </dgm:adjLst>
-                          </dgm:shape>
-                          <dgm:presOf axis="ch desOrSelf" ptType="node node" st="4 1" cnt="1 0"/>
-                          <dgm:constrLst>
-                            <dgm:constr type="lMarg" refType="primFontSz" fact="0.3"/>
-                            <dgm:constr type="rMarg" refType="primFontSz" fact="0.3"/>
-                            <dgm:constr type="tMarg" refType="primFontSz" fact="0.3"/>
-                            <dgm:constr type="bMarg" refType="primFontSz" fact="0.3"/>
-                          </dgm:constrLst>
-                          <dgm:ruleLst>
-                            <dgm:rule type="primFontSz" val="5" fact="NaN" max="NaN"/>
-                          </dgm:ruleLst>
-                        </dgm:layoutNode>
-                        <dgm:layoutNode name="FiveNodes_5_text">
-                          <dgm:varLst>
-                            <dgm:bulletEnabled val="1"/>
-                          </dgm:varLst>
-                          <dgm:alg type="tx">
-                            <dgm:param type="parTxLTRAlign" val="l"/>
-                            <dgm:param type="txAnchorVertCh" val="mid"/>
-                          </dgm:alg>
-                          <dgm:shape xmlns:r="http://schemas.openxmlformats.org/officeDocument/2006/relationships" type="roundRect" r:blip="" hideGeom="1">
-                            <dgm:adjLst>
-                              <dgm:adj idx="1" val="0.1"/>
-                            </dgm:adjLst>
-                          </dgm:shape>
-                          <dgm:presOf axis="ch desOrSelf" ptType="node node" st="5 1" cnt="1 0"/>
-                          <dgm:constrLst>
-                            <dgm:constr type="lMarg" refType="primFontSz" fact="0.3"/>
-                            <dgm:constr type="rMarg" refType="primFontSz" fact="0.3"/>
-                            <dgm:constr type="tMarg" refType="primFontSz" fact="0.3"/>
-                            <dgm:constr type="bMarg" refType="primFontSz" fact="0.3"/>
-                          </dgm:constrLst>
-                          <dgm:ruleLst>
-                            <dgm:rule type="primFontSz" val="5" fact="NaN" max="NaN"/>
-                          </dgm:ruleLst>
-                        </dgm:layoutNode>
-                      </dgm:if>
-                      <dgm:else name="Name17"/>
-                    </dgm:choose>
-                  </dgm:else>
-                </dgm:choose>
-              </dgm:else>
-            </dgm:choose>
-          </dgm:else>
-        </dgm:choose>
-      </dgm:else>
-    </dgm:choose>
+              </dgm:forEach>
+            </dgm:if>
+            <dgm:else name="Name7"/>
+          </dgm:choose>
+        </dgm:else>
+      </dgm:choose>
+    </dgm:forEach>
   </dgm:layoutNode>
 </dgm:layoutDef>
 </file>
@@ -8345,11 +6995,11 @@
 </file>
 
 <file path=ppt/diagrams/quickStyle1.xml><?xml version="1.0" encoding="utf-8"?>
-<dgm:styleDef xmlns:dgm="http://schemas.openxmlformats.org/drawingml/2006/diagram" xmlns:a="http://schemas.openxmlformats.org/drawingml/2006/main" uniqueId="urn:microsoft.com/office/officeart/2005/8/quickstyle/simple1">
+<dgm:styleDef xmlns:dgm="http://schemas.openxmlformats.org/drawingml/2006/diagram" xmlns:a="http://schemas.openxmlformats.org/drawingml/2006/main" uniqueId="urn:microsoft.com/office/officeart/2005/8/quickstyle/simple4">
   <dgm:title val=""/>
   <dgm:desc val=""/>
   <dgm:catLst>
-    <dgm:cat type="simple" pri="10100"/>
+    <dgm:cat type="simple" pri="10400"/>
   </dgm:catLst>
   <dgm:scene3d>
     <a:camera prst="orthographicFront"/>
@@ -8363,13 +7013,13 @@
     <dgm:sp3d/>
     <dgm:txPr/>
     <dgm:style>
-      <a:lnRef idx="2">
+      <a:lnRef idx="0">
         <a:scrgbClr r="0" g="0" b="0"/>
       </a:lnRef>
-      <a:fillRef idx="1">
+      <a:fillRef idx="3">
         <a:scrgbClr r="0" g="0" b="0"/>
       </a:fillRef>
-      <a:effectRef idx="0">
+      <a:effectRef idx="2">
         <a:scrgbClr r="0" g="0" b="0"/>
       </a:effectRef>
       <a:fontRef idx="minor">
@@ -8385,13 +7035,13 @@
     <dgm:sp3d/>
     <dgm:txPr/>
     <dgm:style>
-      <a:lnRef idx="2">
+      <a:lnRef idx="1">
         <a:scrgbClr r="0" g="0" b="0"/>
       </a:lnRef>
-      <a:fillRef idx="1">
+      <a:fillRef idx="3">
         <a:scrgbClr r="0" g="0" b="0"/>
       </a:fillRef>
-      <a:effectRef idx="0">
+      <a:effectRef idx="2">
         <a:scrgbClr r="0" g="0" b="0"/>
       </a:effectRef>
       <a:fontRef idx="minor">
@@ -8407,10 +7057,10 @@
     <dgm:sp3d/>
     <dgm:txPr/>
     <dgm:style>
-      <a:lnRef idx="2">
+      <a:lnRef idx="0">
         <a:scrgbClr r="0" g="0" b="0"/>
       </a:lnRef>
-      <a:fillRef idx="1">
+      <a:fillRef idx="3">
         <a:scrgbClr r="0" g="0" b="0"/>
       </a:fillRef>
       <a:effectRef idx="0">
@@ -8429,13 +7079,13 @@
     <dgm:sp3d/>
     <dgm:txPr/>
     <dgm:style>
-      <a:lnRef idx="2">
+      <a:lnRef idx="1">
         <a:scrgbClr r="0" g="0" b="0"/>
       </a:lnRef>
-      <a:fillRef idx="1">
+      <a:fillRef idx="3">
         <a:scrgbClr r="0" g="0" b="0"/>
       </a:fillRef>
-      <a:effectRef idx="0">
+      <a:effectRef idx="2">
         <a:scrgbClr r="0" g="0" b="0"/>
       </a:effectRef>
       <a:fontRef idx="minor">
@@ -8451,13 +7101,13 @@
     <dgm:sp3d/>
     <dgm:txPr/>
     <dgm:style>
-      <a:lnRef idx="2">
+      <a:lnRef idx="0">
         <a:scrgbClr r="0" g="0" b="0"/>
       </a:lnRef>
-      <a:fillRef idx="1">
+      <a:fillRef idx="3">
         <a:scrgbClr r="0" g="0" b="0"/>
       </a:fillRef>
-      <a:effectRef idx="0">
+      <a:effectRef idx="2">
         <a:scrgbClr r="0" g="0" b="0"/>
       </a:effectRef>
       <a:fontRef idx="minor">
@@ -8473,13 +7123,13 @@
     <dgm:sp3d/>
     <dgm:txPr/>
     <dgm:style>
-      <a:lnRef idx="2">
+      <a:lnRef idx="0">
         <a:scrgbClr r="0" g="0" b="0"/>
       </a:lnRef>
-      <a:fillRef idx="1">
+      <a:fillRef idx="3">
         <a:scrgbClr r="0" g="0" b="0"/>
       </a:fillRef>
-      <a:effectRef idx="0">
+      <a:effectRef idx="2">
         <a:scrgbClr r="0" g="0" b="0"/>
       </a:effectRef>
       <a:fontRef idx="minor">
@@ -8495,13 +7145,13 @@
     <dgm:sp3d/>
     <dgm:txPr/>
     <dgm:style>
-      <a:lnRef idx="2">
+      <a:lnRef idx="0">
         <a:scrgbClr r="0" g="0" b="0"/>
       </a:lnRef>
-      <a:fillRef idx="1">
+      <a:fillRef idx="3">
         <a:scrgbClr r="0" g="0" b="0"/>
       </a:fillRef>
-      <a:effectRef idx="0">
+      <a:effectRef idx="2">
         <a:scrgbClr r="0" g="0" b="0"/>
       </a:effectRef>
       <a:fontRef idx="minor">
@@ -8517,13 +7167,13 @@
     <dgm:sp3d/>
     <dgm:txPr/>
     <dgm:style>
-      <a:lnRef idx="2">
+      <a:lnRef idx="0">
         <a:scrgbClr r="0" g="0" b="0"/>
       </a:lnRef>
-      <a:fillRef idx="1">
+      <a:fillRef idx="3">
         <a:scrgbClr r="0" g="0" b="0"/>
       </a:fillRef>
-      <a:effectRef idx="0">
+      <a:effectRef idx="2">
         <a:scrgbClr r="0" g="0" b="0"/>
       </a:effectRef>
       <a:fontRef idx="minor">
@@ -8539,13 +7189,13 @@
     <dgm:sp3d/>
     <dgm:txPr/>
     <dgm:style>
-      <a:lnRef idx="2">
+      <a:lnRef idx="0">
         <a:scrgbClr r="0" g="0" b="0"/>
       </a:lnRef>
       <a:fillRef idx="1">
         <a:scrgbClr r="0" g="0" b="0"/>
       </a:fillRef>
-      <a:effectRef idx="0">
+      <a:effectRef idx="2">
         <a:scrgbClr r="0" g="0" b="0"/>
       </a:effectRef>
       <a:fontRef idx="minor"/>
@@ -8559,13 +7209,13 @@
     <dgm:sp3d/>
     <dgm:txPr/>
     <dgm:style>
-      <a:lnRef idx="2">
+      <a:lnRef idx="0">
         <a:scrgbClr r="0" g="0" b="0"/>
       </a:lnRef>
       <a:fillRef idx="1">
         <a:scrgbClr r="0" g="0" b="0"/>
       </a:fillRef>
-      <a:effectRef idx="0">
+      <a:effectRef idx="2">
         <a:scrgbClr r="0" g="0" b="0"/>
       </a:effectRef>
       <a:fontRef idx="minor"/>
@@ -8579,13 +7229,13 @@
     <dgm:sp3d/>
     <dgm:txPr/>
     <dgm:style>
-      <a:lnRef idx="2">
+      <a:lnRef idx="0">
         <a:scrgbClr r="0" g="0" b="0"/>
       </a:lnRef>
       <a:fillRef idx="1">
         <a:scrgbClr r="0" g="0" b="0"/>
       </a:fillRef>
-      <a:effectRef idx="0">
+      <a:effectRef idx="2">
         <a:scrgbClr r="0" g="0" b="0"/>
       </a:effectRef>
       <a:fontRef idx="minor"/>
@@ -8602,10 +7252,10 @@
       <a:lnRef idx="0">
         <a:scrgbClr r="0" g="0" b="0"/>
       </a:lnRef>
-      <a:fillRef idx="1">
+      <a:fillRef idx="3">
         <a:scrgbClr r="0" g="0" b="0"/>
       </a:fillRef>
-      <a:effectRef idx="0">
+      <a:effectRef idx="2">
         <a:scrgbClr r="0" g="0" b="0"/>
       </a:effectRef>
       <a:fontRef idx="minor">
@@ -8624,10 +7274,10 @@
       <a:lnRef idx="0">
         <a:scrgbClr r="0" g="0" b="0"/>
       </a:lnRef>
-      <a:fillRef idx="1">
+      <a:fillRef idx="3">
         <a:scrgbClr r="0" g="0" b="0"/>
       </a:fillRef>
-      <a:effectRef idx="0">
+      <a:effectRef idx="2">
         <a:scrgbClr r="0" g="0" b="0"/>
       </a:effectRef>
       <a:fontRef idx="minor">
@@ -8646,10 +7296,10 @@
       <a:lnRef idx="0">
         <a:scrgbClr r="0" g="0" b="0"/>
       </a:lnRef>
-      <a:fillRef idx="1">
+      <a:fillRef idx="3">
         <a:scrgbClr r="0" g="0" b="0"/>
       </a:fillRef>
-      <a:effectRef idx="0">
+      <a:effectRef idx="2">
         <a:scrgbClr r="0" g="0" b="0"/>
       </a:effectRef>
       <a:fontRef idx="minor">
@@ -8691,7 +7341,7 @@
       <a:fillRef idx="1">
         <a:scrgbClr r="0" g="0" b="0"/>
       </a:fillRef>
-      <a:effectRef idx="0">
+      <a:effectRef idx="1">
         <a:scrgbClr r="0" g="0" b="0"/>
       </a:effectRef>
       <a:fontRef idx="minor"/>
@@ -8705,13 +7355,13 @@
     <dgm:sp3d/>
     <dgm:txPr/>
     <dgm:style>
-      <a:lnRef idx="2">
+      <a:lnRef idx="0">
         <a:scrgbClr r="0" g="0" b="0"/>
       </a:lnRef>
-      <a:fillRef idx="1">
+      <a:fillRef idx="3">
         <a:scrgbClr r="0" g="0" b="0"/>
       </a:fillRef>
-      <a:effectRef idx="0">
+      <a:effectRef idx="2">
         <a:scrgbClr r="0" g="0" b="0"/>
       </a:effectRef>
       <a:fontRef idx="minor">
@@ -8727,13 +7377,13 @@
     <dgm:sp3d/>
     <dgm:txPr/>
     <dgm:style>
-      <a:lnRef idx="2">
+      <a:lnRef idx="0">
         <a:scrgbClr r="0" g="0" b="0"/>
       </a:lnRef>
-      <a:fillRef idx="1">
+      <a:fillRef idx="3">
         <a:scrgbClr r="0" g="0" b="0"/>
       </a:fillRef>
-      <a:effectRef idx="0">
+      <a:effectRef idx="2">
         <a:scrgbClr r="0" g="0" b="0"/>
       </a:effectRef>
       <a:fontRef idx="minor">
@@ -8749,13 +7399,13 @@
     <dgm:sp3d/>
     <dgm:txPr/>
     <dgm:style>
-      <a:lnRef idx="2">
+      <a:lnRef idx="0">
         <a:scrgbClr r="0" g="0" b="0"/>
       </a:lnRef>
-      <a:fillRef idx="1">
+      <a:fillRef idx="3">
         <a:scrgbClr r="0" g="0" b="0"/>
       </a:fillRef>
-      <a:effectRef idx="0">
+      <a:effectRef idx="2">
         <a:scrgbClr r="0" g="0" b="0"/>
       </a:effectRef>
       <a:fontRef idx="minor">
@@ -8771,13 +7421,13 @@
     <dgm:sp3d/>
     <dgm:txPr/>
     <dgm:style>
-      <a:lnRef idx="2">
+      <a:lnRef idx="0">
         <a:scrgbClr r="0" g="0" b="0"/>
       </a:lnRef>
-      <a:fillRef idx="1">
+      <a:fillRef idx="3">
         <a:scrgbClr r="0" g="0" b="0"/>
       </a:fillRef>
-      <a:effectRef idx="0">
+      <a:effectRef idx="2">
         <a:scrgbClr r="0" g="0" b="0"/>
       </a:effectRef>
       <a:fontRef idx="minor">
@@ -8793,13 +7443,13 @@
     <dgm:sp3d/>
     <dgm:txPr/>
     <dgm:style>
-      <a:lnRef idx="2">
+      <a:lnRef idx="0">
         <a:scrgbClr r="0" g="0" b="0"/>
       </a:lnRef>
-      <a:fillRef idx="1">
+      <a:fillRef idx="3">
         <a:scrgbClr r="0" g="0" b="0"/>
       </a:fillRef>
-      <a:effectRef idx="0">
+      <a:effectRef idx="2">
         <a:scrgbClr r="0" g="0" b="0"/>
       </a:effectRef>
       <a:fontRef idx="minor">
@@ -8815,13 +7465,13 @@
     <dgm:sp3d/>
     <dgm:txPr/>
     <dgm:style>
-      <a:lnRef idx="2">
+      <a:lnRef idx="0">
         <a:scrgbClr r="0" g="0" b="0"/>
       </a:lnRef>
-      <a:fillRef idx="1">
+      <a:fillRef idx="3">
         <a:scrgbClr r="0" g="0" b="0"/>
       </a:fillRef>
-      <a:effectRef idx="0">
+      <a:effectRef idx="2">
         <a:scrgbClr r="0" g="0" b="0"/>
       </a:effectRef>
       <a:fontRef idx="minor">
@@ -8837,13 +7487,13 @@
     <dgm:sp3d/>
     <dgm:txPr/>
     <dgm:style>
-      <a:lnRef idx="2">
+      <a:lnRef idx="0">
         <a:scrgbClr r="0" g="0" b="0"/>
       </a:lnRef>
-      <a:fillRef idx="1">
+      <a:fillRef idx="3">
         <a:scrgbClr r="0" g="0" b="0"/>
       </a:fillRef>
-      <a:effectRef idx="0">
+      <a:effectRef idx="2">
         <a:scrgbClr r="0" g="0" b="0"/>
       </a:effectRef>
       <a:fontRef idx="minor">
@@ -8859,13 +7509,13 @@
     <dgm:sp3d/>
     <dgm:txPr/>
     <dgm:style>
-      <a:lnRef idx="2">
+      <a:lnRef idx="1">
         <a:scrgbClr r="0" g="0" b="0"/>
       </a:lnRef>
-      <a:fillRef idx="1">
+      <a:fillRef idx="3">
         <a:scrgbClr r="0" g="0" b="0"/>
       </a:fillRef>
-      <a:effectRef idx="0">
+      <a:effectRef idx="2">
         <a:scrgbClr r="0" g="0" b="0"/>
       </a:effectRef>
       <a:fontRef idx="minor">
@@ -8881,13 +7531,13 @@
     <dgm:sp3d/>
     <dgm:txPr/>
     <dgm:style>
-      <a:lnRef idx="2">
+      <a:lnRef idx="1">
         <a:scrgbClr r="0" g="0" b="0"/>
       </a:lnRef>
-      <a:fillRef idx="1">
+      <a:fillRef idx="3">
         <a:scrgbClr r="0" g="0" b="0"/>
       </a:fillRef>
-      <a:effectRef idx="0">
+      <a:effectRef idx="2">
         <a:scrgbClr r="0" g="0" b="0"/>
       </a:effectRef>
       <a:fontRef idx="minor">
@@ -8903,7 +7553,7 @@
     <dgm:sp3d/>
     <dgm:txPr/>
     <dgm:style>
-      <a:lnRef idx="2">
+      <a:lnRef idx="1">
         <a:scrgbClr r="0" g="0" b="0"/>
       </a:lnRef>
       <a:fillRef idx="0">
@@ -8923,7 +7573,7 @@
     <dgm:sp3d/>
     <dgm:txPr/>
     <dgm:style>
-      <a:lnRef idx="2">
+      <a:lnRef idx="1">
         <a:scrgbClr r="0" g="0" b="0"/>
       </a:lnRef>
       <a:fillRef idx="0">
@@ -8943,7 +7593,7 @@
     <dgm:sp3d/>
     <dgm:txPr/>
     <dgm:style>
-      <a:lnRef idx="2">
+      <a:lnRef idx="1">
         <a:scrgbClr r="0" g="0" b="0"/>
       </a:lnRef>
       <a:fillRef idx="0">
@@ -8963,7 +7613,7 @@
     <dgm:sp3d/>
     <dgm:txPr/>
     <dgm:style>
-      <a:lnRef idx="2">
+      <a:lnRef idx="1">
         <a:scrgbClr r="0" g="0" b="0"/>
       </a:lnRef>
       <a:fillRef idx="0">
@@ -8983,7 +7633,7 @@
     <dgm:sp3d/>
     <dgm:txPr/>
     <dgm:style>
-      <a:lnRef idx="2">
+      <a:lnRef idx="1">
         <a:scrgbClr r="0" g="0" b="0"/>
       </a:lnRef>
       <a:fillRef idx="1">
@@ -9003,7 +7653,7 @@
     <dgm:sp3d/>
     <dgm:txPr/>
     <dgm:style>
-      <a:lnRef idx="2">
+      <a:lnRef idx="1">
         <a:scrgbClr r="0" g="0" b="0"/>
       </a:lnRef>
       <a:fillRef idx="1">
@@ -9023,7 +7673,7 @@
     <dgm:sp3d/>
     <dgm:txPr/>
     <dgm:style>
-      <a:lnRef idx="2">
+      <a:lnRef idx="1">
         <a:scrgbClr r="0" g="0" b="0"/>
       </a:lnRef>
       <a:fillRef idx="1">
@@ -9063,7 +7713,7 @@
     <dgm:sp3d/>
     <dgm:txPr/>
     <dgm:style>
-      <a:lnRef idx="2">
+      <a:lnRef idx="1">
         <a:scrgbClr r="0" g="0" b="0"/>
       </a:lnRef>
       <a:fillRef idx="1">
@@ -9083,7 +7733,7 @@
     <dgm:sp3d/>
     <dgm:txPr/>
     <dgm:style>
-      <a:lnRef idx="2">
+      <a:lnRef idx="1">
         <a:scrgbClr r="0" g="0" b="0"/>
       </a:lnRef>
       <a:fillRef idx="1">
@@ -9103,7 +7753,7 @@
     <dgm:sp3d/>
     <dgm:txPr/>
     <dgm:style>
-      <a:lnRef idx="2">
+      <a:lnRef idx="1">
         <a:scrgbClr r="0" g="0" b="0"/>
       </a:lnRef>
       <a:fillRef idx="1">
@@ -9123,7 +7773,7 @@
     <dgm:sp3d/>
     <dgm:txPr/>
     <dgm:style>
-      <a:lnRef idx="2">
+      <a:lnRef idx="1">
         <a:scrgbClr r="0" g="0" b="0"/>
       </a:lnRef>
       <a:fillRef idx="1">
@@ -9143,7 +7793,7 @@
     <dgm:sp3d/>
     <dgm:txPr/>
     <dgm:style>
-      <a:lnRef idx="2">
+      <a:lnRef idx="1">
         <a:scrgbClr r="0" g="0" b="0"/>
       </a:lnRef>
       <a:fillRef idx="1">
@@ -9163,7 +7813,7 @@
     <dgm:sp3d/>
     <dgm:txPr/>
     <dgm:style>
-      <a:lnRef idx="2">
+      <a:lnRef idx="1">
         <a:scrgbClr r="0" g="0" b="0"/>
       </a:lnRef>
       <a:fillRef idx="1">
@@ -9183,7 +7833,7 @@
     <dgm:sp3d/>
     <dgm:txPr/>
     <dgm:style>
-      <a:lnRef idx="2">
+      <a:lnRef idx="1">
         <a:scrgbClr r="0" g="0" b="0"/>
       </a:lnRef>
       <a:fillRef idx="1">
@@ -9203,7 +7853,7 @@
     <dgm:sp3d/>
     <dgm:txPr/>
     <dgm:style>
-      <a:lnRef idx="2">
+      <a:lnRef idx="1">
         <a:scrgbClr r="0" g="0" b="0"/>
       </a:lnRef>
       <a:fillRef idx="1">
@@ -9223,7 +7873,7 @@
     <dgm:sp3d/>
     <dgm:txPr/>
     <dgm:style>
-      <a:lnRef idx="2">
+      <a:lnRef idx="1">
         <a:scrgbClr r="0" g="0" b="0"/>
       </a:lnRef>
       <a:fillRef idx="1">
@@ -9243,7 +7893,7 @@
     <dgm:sp3d/>
     <dgm:txPr/>
     <dgm:style>
-      <a:lnRef idx="2">
+      <a:lnRef idx="1">
         <a:scrgbClr r="0" g="0" b="0"/>
       </a:lnRef>
       <a:fillRef idx="1">
@@ -9263,7 +7913,7 @@
     <dgm:sp3d/>
     <dgm:txPr/>
     <dgm:style>
-      <a:lnRef idx="2">
+      <a:lnRef idx="1">
         <a:scrgbClr r="0" g="0" b="0"/>
       </a:lnRef>
       <a:fillRef idx="1">
@@ -9289,7 +7939,7 @@
       <a:fillRef idx="1">
         <a:scrgbClr r="0" g="0" b="0"/>
       </a:fillRef>
-      <a:effectRef idx="0">
+      <a:effectRef idx="2">
         <a:scrgbClr r="0" g="0" b="0"/>
       </a:effectRef>
       <a:fontRef idx="minor"/>
@@ -9309,7 +7959,7 @@
       <a:fillRef idx="1">
         <a:scrgbClr r="0" g="0" b="0"/>
       </a:fillRef>
-      <a:effectRef idx="0">
+      <a:effectRef idx="2">
         <a:scrgbClr r="0" g="0" b="0"/>
       </a:effectRef>
       <a:fontRef idx="minor"/>
@@ -9343,13 +7993,13 @@
     <dgm:sp3d/>
     <dgm:txPr/>
     <dgm:style>
-      <a:lnRef idx="2">
+      <a:lnRef idx="0">
         <a:scrgbClr r="0" g="0" b="0"/>
       </a:lnRef>
-      <a:fillRef idx="1">
+      <a:fillRef idx="3">
         <a:scrgbClr r="0" g="0" b="0"/>
       </a:fillRef>
-      <a:effectRef idx="0">
+      <a:effectRef idx="2">
         <a:scrgbClr r="0" g="0" b="0"/>
       </a:effectRef>
       <a:fontRef idx="minor"/>
@@ -22147,6 +20797,29 @@
 <file path=ppt/slides/slide15.xml><?xml version="1.0" encoding="utf-8"?>
 <p:sld xmlns:a="http://schemas.openxmlformats.org/drawingml/2006/main" xmlns:r="http://schemas.openxmlformats.org/officeDocument/2006/relationships" xmlns:p="http://schemas.openxmlformats.org/presentationml/2006/main">
   <p:cSld>
+    <p:bg>
+      <p:bgPr>
+        <a:gradFill rotWithShape="1">
+          <a:gsLst>
+            <a:gs pos="0">
+              <a:schemeClr val="bg2">
+                <a:tint val="90000"/>
+                <a:lumMod val="120000"/>
+              </a:schemeClr>
+            </a:gs>
+            <a:gs pos="100000">
+              <a:schemeClr val="bg2">
+                <a:shade val="98000"/>
+                <a:satMod val="120000"/>
+                <a:lumMod val="98000"/>
+              </a:schemeClr>
+            </a:gs>
+          </a:gsLst>
+          <a:lin ang="5400000" scaled="0"/>
+        </a:gradFill>
+        <a:effectLst/>
+      </p:bgPr>
+    </p:bg>
     <p:spTree>
       <p:nvGrpSpPr>
         <p:cNvPr id="1" name=""/>
@@ -22161,31 +20834,2390 @@
           <a:chExt cx="0" cy="0"/>
         </a:xfrm>
       </p:grpSpPr>
+      <p:grpSp>
+        <p:nvGrpSpPr>
+          <p:cNvPr id="57" name="Group 7">
+            <a:extLst>
+              <a:ext uri="{FF2B5EF4-FFF2-40B4-BE49-F238E27FC236}">
+                <a16:creationId xmlns:a16="http://schemas.microsoft.com/office/drawing/2014/main" id="{04E9F44E-02E7-4A97-B7DB-1DB0F1F4EB04}"/>
+              </a:ext>
+              <a:ext uri="{C183D7F6-B498-43B3-948B-1728B52AA6E4}">
+                <adec:decorative xmlns:adec="http://schemas.microsoft.com/office/drawing/2017/decorative" val="1"/>
+              </a:ext>
+            </a:extLst>
+          </p:cNvPr>
+          <p:cNvGrpSpPr>
+            <a:grpSpLocks noGrp="1" noUngrp="1" noRot="1" noChangeAspect="1" noMove="1" noResize="1"/>
+          </p:cNvGrpSpPr>
+          <p:nvPr>
+            <p:extLst>
+              <p:ext uri="{386F3935-93C4-4BCD-93E2-E3B085C9AB24}">
+                <p16:designElem xmlns:p16="http://schemas.microsoft.com/office/powerpoint/2015/main" val="1"/>
+              </p:ext>
+            </p:extLst>
+          </p:nvPr>
+        </p:nvGrpSpPr>
+        <p:grpSpPr>
+          <a:xfrm>
+            <a:off x="9" y="228600"/>
+            <a:ext cx="2851523" cy="6638625"/>
+            <a:chOff x="2487613" y="285750"/>
+            <a:chExt cx="2428875" cy="5654676"/>
+          </a:xfrm>
+        </p:grpSpPr>
+        <p:sp>
+          <p:nvSpPr>
+            <p:cNvPr id="9" name="Freeform 11">
+              <a:extLst>
+                <a:ext uri="{FF2B5EF4-FFF2-40B4-BE49-F238E27FC236}">
+                  <a16:creationId xmlns:a16="http://schemas.microsoft.com/office/drawing/2014/main" id="{154F2546-BFC4-4B9A-B22A-40C22269F595}"/>
+                </a:ext>
+                <a:ext uri="{C183D7F6-B498-43B3-948B-1728B52AA6E4}">
+                  <adec:decorative xmlns:adec="http://schemas.microsoft.com/office/drawing/2017/decorative" val="1"/>
+                </a:ext>
+              </a:extLst>
+            </p:cNvPr>
+            <p:cNvSpPr/>
+            <p:nvPr>
+              <p:extLst>
+                <p:ext uri="{386F3935-93C4-4BCD-93E2-E3B085C9AB24}">
+                  <p16:designElem xmlns:p16="http://schemas.microsoft.com/office/powerpoint/2015/main" val="1"/>
+                </p:ext>
+              </p:extLst>
+            </p:nvPr>
+          </p:nvSpPr>
+          <p:spPr bwMode="auto">
+            <a:xfrm>
+              <a:off x="2487613" y="2284413"/>
+              <a:ext cx="85725" cy="533400"/>
+            </a:xfrm>
+            <a:custGeom>
+              <a:avLst/>
+              <a:gdLst/>
+              <a:ahLst/>
+              <a:cxnLst/>
+              <a:rect l="0" t="0" r="r" b="b"/>
+              <a:pathLst>
+                <a:path w="22" h="136">
+                  <a:moveTo>
+                    <a:pt x="22" y="136"/>
+                  </a:moveTo>
+                  <a:cubicBezTo>
+                    <a:pt x="20" y="117"/>
+                    <a:pt x="19" y="99"/>
+                    <a:pt x="17" y="80"/>
+                  </a:cubicBezTo>
+                  <a:cubicBezTo>
+                    <a:pt x="11" y="54"/>
+                    <a:pt x="6" y="27"/>
+                    <a:pt x="0" y="0"/>
+                  </a:cubicBezTo>
+                  <a:cubicBezTo>
+                    <a:pt x="0" y="35"/>
+                    <a:pt x="0" y="35"/>
+                    <a:pt x="0" y="35"/>
+                  </a:cubicBezTo>
+                  <a:cubicBezTo>
+                    <a:pt x="6" y="64"/>
+                    <a:pt x="13" y="94"/>
+                    <a:pt x="20" y="124"/>
+                  </a:cubicBezTo>
+                  <a:cubicBezTo>
+                    <a:pt x="20" y="128"/>
+                    <a:pt x="21" y="132"/>
+                    <a:pt x="22" y="136"/>
+                  </a:cubicBezTo>
+                  <a:close/>
+                </a:path>
+              </a:pathLst>
+            </a:custGeom>
+            <a:solidFill>
+              <a:schemeClr val="tx2">
+                <a:alpha val="20000"/>
+              </a:schemeClr>
+            </a:solidFill>
+            <a:ln>
+              <a:noFill/>
+            </a:ln>
+          </p:spPr>
+        </p:sp>
+        <p:sp>
+          <p:nvSpPr>
+            <p:cNvPr id="10" name="Freeform 12">
+              <a:extLst>
+                <a:ext uri="{FF2B5EF4-FFF2-40B4-BE49-F238E27FC236}">
+                  <a16:creationId xmlns:a16="http://schemas.microsoft.com/office/drawing/2014/main" id="{4BB2355B-3CC7-4F78-AEE5-42361DBF495A}"/>
+                </a:ext>
+                <a:ext uri="{C183D7F6-B498-43B3-948B-1728B52AA6E4}">
+                  <adec:decorative xmlns:adec="http://schemas.microsoft.com/office/drawing/2017/decorative" val="1"/>
+                </a:ext>
+              </a:extLst>
+            </p:cNvPr>
+            <p:cNvSpPr/>
+            <p:nvPr>
+              <p:extLst>
+                <p:ext uri="{386F3935-93C4-4BCD-93E2-E3B085C9AB24}">
+                  <p16:designElem xmlns:p16="http://schemas.microsoft.com/office/powerpoint/2015/main" val="1"/>
+                </p:ext>
+              </p:extLst>
+            </p:nvPr>
+          </p:nvSpPr>
+          <p:spPr bwMode="auto">
+            <a:xfrm>
+              <a:off x="2597151" y="2779713"/>
+              <a:ext cx="550863" cy="1978025"/>
+            </a:xfrm>
+            <a:custGeom>
+              <a:avLst/>
+              <a:gdLst/>
+              <a:ahLst/>
+              <a:cxnLst/>
+              <a:rect l="0" t="0" r="r" b="b"/>
+              <a:pathLst>
+                <a:path w="140" h="504">
+                  <a:moveTo>
+                    <a:pt x="86" y="350"/>
+                  </a:moveTo>
+                  <a:cubicBezTo>
+                    <a:pt x="103" y="402"/>
+                    <a:pt x="120" y="453"/>
+                    <a:pt x="139" y="504"/>
+                  </a:cubicBezTo>
+                  <a:cubicBezTo>
+                    <a:pt x="139" y="495"/>
+                    <a:pt x="139" y="487"/>
+                    <a:pt x="140" y="478"/>
+                  </a:cubicBezTo>
+                  <a:cubicBezTo>
+                    <a:pt x="124" y="435"/>
+                    <a:pt x="109" y="391"/>
+                    <a:pt x="95" y="347"/>
+                  </a:cubicBezTo>
+                  <a:cubicBezTo>
+                    <a:pt x="58" y="233"/>
+                    <a:pt x="27" y="117"/>
+                    <a:pt x="0" y="0"/>
+                  </a:cubicBezTo>
+                  <a:cubicBezTo>
+                    <a:pt x="2" y="20"/>
+                    <a:pt x="4" y="41"/>
+                    <a:pt x="6" y="61"/>
+                  </a:cubicBezTo>
+                  <a:cubicBezTo>
+                    <a:pt x="30" y="158"/>
+                    <a:pt x="56" y="255"/>
+                    <a:pt x="86" y="350"/>
+                  </a:cubicBezTo>
+                  <a:close/>
+                </a:path>
+              </a:pathLst>
+            </a:custGeom>
+            <a:solidFill>
+              <a:schemeClr val="tx2">
+                <a:alpha val="20000"/>
+              </a:schemeClr>
+            </a:solidFill>
+            <a:ln>
+              <a:noFill/>
+            </a:ln>
+          </p:spPr>
+        </p:sp>
+        <p:sp>
+          <p:nvSpPr>
+            <p:cNvPr id="11" name="Freeform 13">
+              <a:extLst>
+                <a:ext uri="{FF2B5EF4-FFF2-40B4-BE49-F238E27FC236}">
+                  <a16:creationId xmlns:a16="http://schemas.microsoft.com/office/drawing/2014/main" id="{031B8A19-2FD3-4302-91CF-C8B6F93B3076}"/>
+                </a:ext>
+                <a:ext uri="{C183D7F6-B498-43B3-948B-1728B52AA6E4}">
+                  <adec:decorative xmlns:adec="http://schemas.microsoft.com/office/drawing/2017/decorative" val="1"/>
+                </a:ext>
+              </a:extLst>
+            </p:cNvPr>
+            <p:cNvSpPr/>
+            <p:nvPr>
+              <p:extLst>
+                <p:ext uri="{386F3935-93C4-4BCD-93E2-E3B085C9AB24}">
+                  <p16:designElem xmlns:p16="http://schemas.microsoft.com/office/powerpoint/2015/main" val="1"/>
+                </p:ext>
+              </p:extLst>
+            </p:nvPr>
+          </p:nvSpPr>
+          <p:spPr bwMode="auto">
+            <a:xfrm>
+              <a:off x="3175001" y="4730750"/>
+              <a:ext cx="519113" cy="1209675"/>
+            </a:xfrm>
+            <a:custGeom>
+              <a:avLst/>
+              <a:gdLst/>
+              <a:ahLst/>
+              <a:cxnLst/>
+              <a:rect l="0" t="0" r="r" b="b"/>
+              <a:pathLst>
+                <a:path w="132" h="308">
+                  <a:moveTo>
+                    <a:pt x="8" y="22"/>
+                  </a:moveTo>
+                  <a:cubicBezTo>
+                    <a:pt x="5" y="15"/>
+                    <a:pt x="2" y="8"/>
+                    <a:pt x="0" y="0"/>
+                  </a:cubicBezTo>
+                  <a:cubicBezTo>
+                    <a:pt x="0" y="10"/>
+                    <a:pt x="0" y="19"/>
+                    <a:pt x="0" y="29"/>
+                  </a:cubicBezTo>
+                  <a:cubicBezTo>
+                    <a:pt x="21" y="85"/>
+                    <a:pt x="44" y="140"/>
+                    <a:pt x="68" y="194"/>
+                  </a:cubicBezTo>
+                  <a:cubicBezTo>
+                    <a:pt x="85" y="232"/>
+                    <a:pt x="104" y="270"/>
+                    <a:pt x="123" y="308"/>
+                  </a:cubicBezTo>
+                  <a:cubicBezTo>
+                    <a:pt x="132" y="308"/>
+                    <a:pt x="132" y="308"/>
+                    <a:pt x="132" y="308"/>
+                  </a:cubicBezTo>
+                  <a:cubicBezTo>
+                    <a:pt x="113" y="269"/>
+                    <a:pt x="94" y="230"/>
+                    <a:pt x="77" y="190"/>
+                  </a:cubicBezTo>
+                  <a:cubicBezTo>
+                    <a:pt x="52" y="135"/>
+                    <a:pt x="29" y="79"/>
+                    <a:pt x="8" y="22"/>
+                  </a:cubicBezTo>
+                  <a:close/>
+                </a:path>
+              </a:pathLst>
+            </a:custGeom>
+            <a:solidFill>
+              <a:schemeClr val="tx2">
+                <a:alpha val="20000"/>
+              </a:schemeClr>
+            </a:solidFill>
+            <a:ln>
+              <a:noFill/>
+            </a:ln>
+          </p:spPr>
+        </p:sp>
+        <p:sp>
+          <p:nvSpPr>
+            <p:cNvPr id="12" name="Freeform 14">
+              <a:extLst>
+                <a:ext uri="{FF2B5EF4-FFF2-40B4-BE49-F238E27FC236}">
+                  <a16:creationId xmlns:a16="http://schemas.microsoft.com/office/drawing/2014/main" id="{73162A24-700C-424E-96EC-86CB156D05E5}"/>
+                </a:ext>
+                <a:ext uri="{C183D7F6-B498-43B3-948B-1728B52AA6E4}">
+                  <adec:decorative xmlns:adec="http://schemas.microsoft.com/office/drawing/2017/decorative" val="1"/>
+                </a:ext>
+              </a:extLst>
+            </p:cNvPr>
+            <p:cNvSpPr/>
+            <p:nvPr>
+              <p:extLst>
+                <p:ext uri="{386F3935-93C4-4BCD-93E2-E3B085C9AB24}">
+                  <p16:designElem xmlns:p16="http://schemas.microsoft.com/office/powerpoint/2015/main" val="1"/>
+                </p:ext>
+              </p:extLst>
+            </p:nvPr>
+          </p:nvSpPr>
+          <p:spPr bwMode="auto">
+            <a:xfrm>
+              <a:off x="3305176" y="5630863"/>
+              <a:ext cx="146050" cy="309563"/>
+            </a:xfrm>
+            <a:custGeom>
+              <a:avLst/>
+              <a:gdLst/>
+              <a:ahLst/>
+              <a:cxnLst/>
+              <a:rect l="0" t="0" r="r" b="b"/>
+              <a:pathLst>
+                <a:path w="37" h="79">
+                  <a:moveTo>
+                    <a:pt x="28" y="79"/>
+                  </a:moveTo>
+                  <a:cubicBezTo>
+                    <a:pt x="37" y="79"/>
+                    <a:pt x="37" y="79"/>
+                    <a:pt x="37" y="79"/>
+                  </a:cubicBezTo>
+                  <a:cubicBezTo>
+                    <a:pt x="24" y="53"/>
+                    <a:pt x="12" y="27"/>
+                    <a:pt x="0" y="0"/>
+                  </a:cubicBezTo>
+                  <a:cubicBezTo>
+                    <a:pt x="8" y="27"/>
+                    <a:pt x="17" y="53"/>
+                    <a:pt x="28" y="79"/>
+                  </a:cubicBezTo>
+                  <a:close/>
+                </a:path>
+              </a:pathLst>
+            </a:custGeom>
+            <a:solidFill>
+              <a:schemeClr val="tx2">
+                <a:alpha val="20000"/>
+              </a:schemeClr>
+            </a:solidFill>
+            <a:ln>
+              <a:noFill/>
+            </a:ln>
+          </p:spPr>
+        </p:sp>
+        <p:sp>
+          <p:nvSpPr>
+            <p:cNvPr id="13" name="Freeform 15">
+              <a:extLst>
+                <a:ext uri="{FF2B5EF4-FFF2-40B4-BE49-F238E27FC236}">
+                  <a16:creationId xmlns:a16="http://schemas.microsoft.com/office/drawing/2014/main" id="{1F0C1D92-E435-4491-B392-AB951E055EF8}"/>
+                </a:ext>
+                <a:ext uri="{C183D7F6-B498-43B3-948B-1728B52AA6E4}">
+                  <adec:decorative xmlns:adec="http://schemas.microsoft.com/office/drawing/2017/decorative" val="1"/>
+                </a:ext>
+              </a:extLst>
+            </p:cNvPr>
+            <p:cNvSpPr/>
+            <p:nvPr>
+              <p:extLst>
+                <p:ext uri="{386F3935-93C4-4BCD-93E2-E3B085C9AB24}">
+                  <p16:designElem xmlns:p16="http://schemas.microsoft.com/office/powerpoint/2015/main" val="1"/>
+                </p:ext>
+              </p:extLst>
+            </p:nvPr>
+          </p:nvSpPr>
+          <p:spPr bwMode="auto">
+            <a:xfrm>
+              <a:off x="2573338" y="2817813"/>
+              <a:ext cx="700088" cy="2835275"/>
+            </a:xfrm>
+            <a:custGeom>
+              <a:avLst/>
+              <a:gdLst/>
+              <a:ahLst/>
+              <a:cxnLst/>
+              <a:rect l="0" t="0" r="r" b="b"/>
+              <a:pathLst>
+                <a:path w="178" h="722">
+                  <a:moveTo>
+                    <a:pt x="162" y="660"/>
+                  </a:moveTo>
+                  <a:cubicBezTo>
+                    <a:pt x="145" y="618"/>
+                    <a:pt x="130" y="576"/>
+                    <a:pt x="116" y="534"/>
+                  </a:cubicBezTo>
+                  <a:cubicBezTo>
+                    <a:pt x="84" y="437"/>
+                    <a:pt x="59" y="337"/>
+                    <a:pt x="40" y="236"/>
+                  </a:cubicBezTo>
+                  <a:cubicBezTo>
+                    <a:pt x="29" y="175"/>
+                    <a:pt x="20" y="113"/>
+                    <a:pt x="12" y="51"/>
+                  </a:cubicBezTo>
+                  <a:cubicBezTo>
+                    <a:pt x="8" y="34"/>
+                    <a:pt x="4" y="17"/>
+                    <a:pt x="0" y="0"/>
+                  </a:cubicBezTo>
+                  <a:cubicBezTo>
+                    <a:pt x="8" y="79"/>
+                    <a:pt x="19" y="159"/>
+                    <a:pt x="33" y="237"/>
+                  </a:cubicBezTo>
+                  <a:cubicBezTo>
+                    <a:pt x="51" y="339"/>
+                    <a:pt x="76" y="439"/>
+                    <a:pt x="107" y="537"/>
+                  </a:cubicBezTo>
+                  <a:cubicBezTo>
+                    <a:pt x="123" y="586"/>
+                    <a:pt x="141" y="634"/>
+                    <a:pt x="160" y="681"/>
+                  </a:cubicBezTo>
+                  <a:cubicBezTo>
+                    <a:pt x="166" y="695"/>
+                    <a:pt x="172" y="708"/>
+                    <a:pt x="178" y="722"/>
+                  </a:cubicBezTo>
+                  <a:cubicBezTo>
+                    <a:pt x="176" y="717"/>
+                    <a:pt x="175" y="713"/>
+                    <a:pt x="174" y="708"/>
+                  </a:cubicBezTo>
+                  <a:cubicBezTo>
+                    <a:pt x="169" y="692"/>
+                    <a:pt x="165" y="676"/>
+                    <a:pt x="162" y="660"/>
+                  </a:cubicBezTo>
+                  <a:close/>
+                </a:path>
+              </a:pathLst>
+            </a:custGeom>
+            <a:solidFill>
+              <a:schemeClr val="tx2">
+                <a:alpha val="20000"/>
+              </a:schemeClr>
+            </a:solidFill>
+            <a:ln>
+              <a:noFill/>
+            </a:ln>
+          </p:spPr>
+        </p:sp>
+        <p:sp>
+          <p:nvSpPr>
+            <p:cNvPr id="14" name="Freeform 16">
+              <a:extLst>
+                <a:ext uri="{FF2B5EF4-FFF2-40B4-BE49-F238E27FC236}">
+                  <a16:creationId xmlns:a16="http://schemas.microsoft.com/office/drawing/2014/main" id="{0212CAD4-9EC5-41A6-B23D-EBA052710407}"/>
+                </a:ext>
+                <a:ext uri="{C183D7F6-B498-43B3-948B-1728B52AA6E4}">
+                  <adec:decorative xmlns:adec="http://schemas.microsoft.com/office/drawing/2017/decorative" val="1"/>
+                </a:ext>
+              </a:extLst>
+            </p:cNvPr>
+            <p:cNvSpPr/>
+            <p:nvPr>
+              <p:extLst>
+                <p:ext uri="{386F3935-93C4-4BCD-93E2-E3B085C9AB24}">
+                  <p16:designElem xmlns:p16="http://schemas.microsoft.com/office/powerpoint/2015/main" val="1"/>
+                </p:ext>
+              </p:extLst>
+            </p:nvPr>
+          </p:nvSpPr>
+          <p:spPr bwMode="auto">
+            <a:xfrm>
+              <a:off x="2506663" y="285750"/>
+              <a:ext cx="90488" cy="2493963"/>
+            </a:xfrm>
+            <a:custGeom>
+              <a:avLst/>
+              <a:gdLst/>
+              <a:ahLst/>
+              <a:cxnLst/>
+              <a:rect l="0" t="0" r="r" b="b"/>
+              <a:pathLst>
+                <a:path w="23" h="635">
+                  <a:moveTo>
+                    <a:pt x="11" y="577"/>
+                  </a:moveTo>
+                  <a:cubicBezTo>
+                    <a:pt x="12" y="581"/>
+                    <a:pt x="12" y="585"/>
+                    <a:pt x="12" y="589"/>
+                  </a:cubicBezTo>
+                  <a:cubicBezTo>
+                    <a:pt x="15" y="603"/>
+                    <a:pt x="19" y="617"/>
+                    <a:pt x="22" y="632"/>
+                  </a:cubicBezTo>
+                  <a:cubicBezTo>
+                    <a:pt x="22" y="633"/>
+                    <a:pt x="22" y="634"/>
+                    <a:pt x="23" y="635"/>
+                  </a:cubicBezTo>
+                  <a:cubicBezTo>
+                    <a:pt x="21" y="615"/>
+                    <a:pt x="19" y="596"/>
+                    <a:pt x="17" y="576"/>
+                  </a:cubicBezTo>
+                  <a:cubicBezTo>
+                    <a:pt x="9" y="474"/>
+                    <a:pt x="5" y="372"/>
+                    <a:pt x="5" y="269"/>
+                  </a:cubicBezTo>
+                  <a:cubicBezTo>
+                    <a:pt x="6" y="179"/>
+                    <a:pt x="9" y="90"/>
+                    <a:pt x="15" y="0"/>
+                  </a:cubicBezTo>
+                  <a:cubicBezTo>
+                    <a:pt x="12" y="0"/>
+                    <a:pt x="12" y="0"/>
+                    <a:pt x="12" y="0"/>
+                  </a:cubicBezTo>
+                  <a:cubicBezTo>
+                    <a:pt x="5" y="89"/>
+                    <a:pt x="2" y="179"/>
+                    <a:pt x="1" y="269"/>
+                  </a:cubicBezTo>
+                  <a:cubicBezTo>
+                    <a:pt x="0" y="372"/>
+                    <a:pt x="3" y="474"/>
+                    <a:pt x="11" y="577"/>
+                  </a:cubicBezTo>
+                  <a:close/>
+                </a:path>
+              </a:pathLst>
+            </a:custGeom>
+            <a:solidFill>
+              <a:schemeClr val="tx2">
+                <a:alpha val="20000"/>
+              </a:schemeClr>
+            </a:solidFill>
+            <a:ln>
+              <a:noFill/>
+            </a:ln>
+          </p:spPr>
+        </p:sp>
+        <p:sp>
+          <p:nvSpPr>
+            <p:cNvPr id="15" name="Freeform 17">
+              <a:extLst>
+                <a:ext uri="{FF2B5EF4-FFF2-40B4-BE49-F238E27FC236}">
+                  <a16:creationId xmlns:a16="http://schemas.microsoft.com/office/drawing/2014/main" id="{6EFDEEEF-07D4-42EA-BAF2-B6FB6442DD4A}"/>
+                </a:ext>
+                <a:ext uri="{C183D7F6-B498-43B3-948B-1728B52AA6E4}">
+                  <adec:decorative xmlns:adec="http://schemas.microsoft.com/office/drawing/2017/decorative" val="1"/>
+                </a:ext>
+              </a:extLst>
+            </p:cNvPr>
+            <p:cNvSpPr/>
+            <p:nvPr>
+              <p:extLst>
+                <p:ext uri="{386F3935-93C4-4BCD-93E2-E3B085C9AB24}">
+                  <p16:designElem xmlns:p16="http://schemas.microsoft.com/office/powerpoint/2015/main" val="1"/>
+                </p:ext>
+              </p:extLst>
+            </p:nvPr>
+          </p:nvSpPr>
+          <p:spPr bwMode="auto">
+            <a:xfrm>
+              <a:off x="2554288" y="2598738"/>
+              <a:ext cx="66675" cy="420688"/>
+            </a:xfrm>
+            <a:custGeom>
+              <a:avLst/>
+              <a:gdLst/>
+              <a:ahLst/>
+              <a:cxnLst/>
+              <a:rect l="0" t="0" r="r" b="b"/>
+              <a:pathLst>
+                <a:path w="17" h="107">
+                  <a:moveTo>
+                    <a:pt x="0" y="0"/>
+                  </a:moveTo>
+                  <a:cubicBezTo>
+                    <a:pt x="2" y="19"/>
+                    <a:pt x="3" y="37"/>
+                    <a:pt x="5" y="56"/>
+                  </a:cubicBezTo>
+                  <a:cubicBezTo>
+                    <a:pt x="9" y="73"/>
+                    <a:pt x="13" y="90"/>
+                    <a:pt x="17" y="107"/>
+                  </a:cubicBezTo>
+                  <a:cubicBezTo>
+                    <a:pt x="15" y="87"/>
+                    <a:pt x="13" y="66"/>
+                    <a:pt x="11" y="46"/>
+                  </a:cubicBezTo>
+                  <a:cubicBezTo>
+                    <a:pt x="10" y="45"/>
+                    <a:pt x="10" y="44"/>
+                    <a:pt x="10" y="43"/>
+                  </a:cubicBezTo>
+                  <a:cubicBezTo>
+                    <a:pt x="7" y="28"/>
+                    <a:pt x="3" y="14"/>
+                    <a:pt x="0" y="0"/>
+                  </a:cubicBezTo>
+                  <a:close/>
+                </a:path>
+              </a:pathLst>
+            </a:custGeom>
+            <a:solidFill>
+              <a:schemeClr val="tx2">
+                <a:alpha val="20000"/>
+              </a:schemeClr>
+            </a:solidFill>
+            <a:ln>
+              <a:noFill/>
+            </a:ln>
+          </p:spPr>
+        </p:sp>
+        <p:sp>
+          <p:nvSpPr>
+            <p:cNvPr id="16" name="Freeform 18">
+              <a:extLst>
+                <a:ext uri="{FF2B5EF4-FFF2-40B4-BE49-F238E27FC236}">
+                  <a16:creationId xmlns:a16="http://schemas.microsoft.com/office/drawing/2014/main" id="{2F4FA7A2-4814-4283-AED6-51BE57860696}"/>
+                </a:ext>
+                <a:ext uri="{C183D7F6-B498-43B3-948B-1728B52AA6E4}">
+                  <adec:decorative xmlns:adec="http://schemas.microsoft.com/office/drawing/2017/decorative" val="1"/>
+                </a:ext>
+              </a:extLst>
+            </p:cNvPr>
+            <p:cNvSpPr/>
+            <p:nvPr>
+              <p:extLst>
+                <p:ext uri="{386F3935-93C4-4BCD-93E2-E3B085C9AB24}">
+                  <p16:designElem xmlns:p16="http://schemas.microsoft.com/office/powerpoint/2015/main" val="1"/>
+                </p:ext>
+              </p:extLst>
+            </p:nvPr>
+          </p:nvSpPr>
+          <p:spPr bwMode="auto">
+            <a:xfrm>
+              <a:off x="3143251" y="4757738"/>
+              <a:ext cx="161925" cy="873125"/>
+            </a:xfrm>
+            <a:custGeom>
+              <a:avLst/>
+              <a:gdLst/>
+              <a:ahLst/>
+              <a:cxnLst/>
+              <a:rect l="0" t="0" r="r" b="b"/>
+              <a:pathLst>
+                <a:path w="41" h="222">
+                  <a:moveTo>
+                    <a:pt x="0" y="0"/>
+                  </a:moveTo>
+                  <a:cubicBezTo>
+                    <a:pt x="0" y="31"/>
+                    <a:pt x="2" y="62"/>
+                    <a:pt x="5" y="93"/>
+                  </a:cubicBezTo>
+                  <a:cubicBezTo>
+                    <a:pt x="8" y="117"/>
+                    <a:pt x="12" y="142"/>
+                    <a:pt x="17" y="166"/>
+                  </a:cubicBezTo>
+                  <a:cubicBezTo>
+                    <a:pt x="19" y="172"/>
+                    <a:pt x="22" y="178"/>
+                    <a:pt x="24" y="184"/>
+                  </a:cubicBezTo>
+                  <a:cubicBezTo>
+                    <a:pt x="30" y="197"/>
+                    <a:pt x="35" y="209"/>
+                    <a:pt x="41" y="222"/>
+                  </a:cubicBezTo>
+                  <a:cubicBezTo>
+                    <a:pt x="40" y="219"/>
+                    <a:pt x="39" y="215"/>
+                    <a:pt x="38" y="212"/>
+                  </a:cubicBezTo>
+                  <a:cubicBezTo>
+                    <a:pt x="26" y="172"/>
+                    <a:pt x="18" y="132"/>
+                    <a:pt x="13" y="92"/>
+                  </a:cubicBezTo>
+                  <a:cubicBezTo>
+                    <a:pt x="11" y="68"/>
+                    <a:pt x="9" y="45"/>
+                    <a:pt x="8" y="22"/>
+                  </a:cubicBezTo>
+                  <a:cubicBezTo>
+                    <a:pt x="8" y="21"/>
+                    <a:pt x="7" y="20"/>
+                    <a:pt x="7" y="18"/>
+                  </a:cubicBezTo>
+                  <a:cubicBezTo>
+                    <a:pt x="5" y="12"/>
+                    <a:pt x="2" y="6"/>
+                    <a:pt x="0" y="0"/>
+                  </a:cubicBezTo>
+                  <a:close/>
+                </a:path>
+              </a:pathLst>
+            </a:custGeom>
+            <a:solidFill>
+              <a:schemeClr val="tx2">
+                <a:alpha val="20000"/>
+              </a:schemeClr>
+            </a:solidFill>
+            <a:ln>
+              <a:noFill/>
+            </a:ln>
+          </p:spPr>
+        </p:sp>
+        <p:sp>
+          <p:nvSpPr>
+            <p:cNvPr id="17" name="Freeform 19">
+              <a:extLst>
+                <a:ext uri="{FF2B5EF4-FFF2-40B4-BE49-F238E27FC236}">
+                  <a16:creationId xmlns:a16="http://schemas.microsoft.com/office/drawing/2014/main" id="{3A80AF23-BF8E-4209-B9DE-1D2A637B4D0A}"/>
+                </a:ext>
+                <a:ext uri="{C183D7F6-B498-43B3-948B-1728B52AA6E4}">
+                  <adec:decorative xmlns:adec="http://schemas.microsoft.com/office/drawing/2017/decorative" val="1"/>
+                </a:ext>
+              </a:extLst>
+            </p:cNvPr>
+            <p:cNvSpPr/>
+            <p:nvPr>
+              <p:extLst>
+                <p:ext uri="{386F3935-93C4-4BCD-93E2-E3B085C9AB24}">
+                  <p16:designElem xmlns:p16="http://schemas.microsoft.com/office/powerpoint/2015/main" val="1"/>
+                </p:ext>
+              </p:extLst>
+            </p:nvPr>
+          </p:nvSpPr>
+          <p:spPr bwMode="auto">
+            <a:xfrm>
+              <a:off x="3148013" y="1282700"/>
+              <a:ext cx="1768475" cy="3448050"/>
+            </a:xfrm>
+            <a:custGeom>
+              <a:avLst/>
+              <a:gdLst/>
+              <a:ahLst/>
+              <a:cxnLst/>
+              <a:rect l="0" t="0" r="r" b="b"/>
+              <a:pathLst>
+                <a:path w="450" h="878">
+                  <a:moveTo>
+                    <a:pt x="7" y="854"/>
+                  </a:moveTo>
+                  <a:cubicBezTo>
+                    <a:pt x="10" y="772"/>
+                    <a:pt x="26" y="691"/>
+                    <a:pt x="50" y="613"/>
+                  </a:cubicBezTo>
+                  <a:cubicBezTo>
+                    <a:pt x="75" y="535"/>
+                    <a:pt x="109" y="460"/>
+                    <a:pt x="149" y="388"/>
+                  </a:cubicBezTo>
+                  <a:cubicBezTo>
+                    <a:pt x="189" y="316"/>
+                    <a:pt x="235" y="248"/>
+                    <a:pt x="285" y="183"/>
+                  </a:cubicBezTo>
+                  <a:cubicBezTo>
+                    <a:pt x="310" y="151"/>
+                    <a:pt x="337" y="119"/>
+                    <a:pt x="364" y="89"/>
+                  </a:cubicBezTo>
+                  <a:cubicBezTo>
+                    <a:pt x="378" y="74"/>
+                    <a:pt x="392" y="58"/>
+                    <a:pt x="406" y="44"/>
+                  </a:cubicBezTo>
+                  <a:cubicBezTo>
+                    <a:pt x="421" y="29"/>
+                    <a:pt x="435" y="15"/>
+                    <a:pt x="450" y="1"/>
+                  </a:cubicBezTo>
+                  <a:cubicBezTo>
+                    <a:pt x="450" y="0"/>
+                    <a:pt x="450" y="0"/>
+                    <a:pt x="450" y="0"/>
+                  </a:cubicBezTo>
+                  <a:cubicBezTo>
+                    <a:pt x="434" y="14"/>
+                    <a:pt x="420" y="28"/>
+                    <a:pt x="405" y="43"/>
+                  </a:cubicBezTo>
+                  <a:cubicBezTo>
+                    <a:pt x="391" y="57"/>
+                    <a:pt x="377" y="72"/>
+                    <a:pt x="363" y="88"/>
+                  </a:cubicBezTo>
+                  <a:cubicBezTo>
+                    <a:pt x="335" y="118"/>
+                    <a:pt x="308" y="149"/>
+                    <a:pt x="283" y="181"/>
+                  </a:cubicBezTo>
+                  <a:cubicBezTo>
+                    <a:pt x="232" y="246"/>
+                    <a:pt x="185" y="314"/>
+                    <a:pt x="145" y="386"/>
+                  </a:cubicBezTo>
+                  <a:cubicBezTo>
+                    <a:pt x="104" y="457"/>
+                    <a:pt x="70" y="533"/>
+                    <a:pt x="45" y="611"/>
+                  </a:cubicBezTo>
+                  <a:cubicBezTo>
+                    <a:pt x="19" y="690"/>
+                    <a:pt x="3" y="771"/>
+                    <a:pt x="0" y="854"/>
+                  </a:cubicBezTo>
+                  <a:cubicBezTo>
+                    <a:pt x="0" y="856"/>
+                    <a:pt x="0" y="857"/>
+                    <a:pt x="0" y="859"/>
+                  </a:cubicBezTo>
+                  <a:cubicBezTo>
+                    <a:pt x="2" y="865"/>
+                    <a:pt x="4" y="872"/>
+                    <a:pt x="7" y="878"/>
+                  </a:cubicBezTo>
+                  <a:cubicBezTo>
+                    <a:pt x="7" y="870"/>
+                    <a:pt x="7" y="862"/>
+                    <a:pt x="7" y="854"/>
+                  </a:cubicBezTo>
+                  <a:close/>
+                </a:path>
+              </a:pathLst>
+            </a:custGeom>
+            <a:solidFill>
+              <a:schemeClr val="tx2">
+                <a:alpha val="20000"/>
+              </a:schemeClr>
+            </a:solidFill>
+            <a:ln>
+              <a:noFill/>
+            </a:ln>
+          </p:spPr>
+        </p:sp>
+        <p:sp>
+          <p:nvSpPr>
+            <p:cNvPr id="18" name="Freeform 20">
+              <a:extLst>
+                <a:ext uri="{FF2B5EF4-FFF2-40B4-BE49-F238E27FC236}">
+                  <a16:creationId xmlns:a16="http://schemas.microsoft.com/office/drawing/2014/main" id="{19128847-0CCA-451D-A00A-2855A4D6D63A}"/>
+                </a:ext>
+                <a:ext uri="{C183D7F6-B498-43B3-948B-1728B52AA6E4}">
+                  <adec:decorative xmlns:adec="http://schemas.microsoft.com/office/drawing/2017/decorative" val="1"/>
+                </a:ext>
+              </a:extLst>
+            </p:cNvPr>
+            <p:cNvSpPr/>
+            <p:nvPr>
+              <p:extLst>
+                <p:ext uri="{386F3935-93C4-4BCD-93E2-E3B085C9AB24}">
+                  <p16:designElem xmlns:p16="http://schemas.microsoft.com/office/powerpoint/2015/main" val="1"/>
+                </p:ext>
+              </p:extLst>
+            </p:nvPr>
+          </p:nvSpPr>
+          <p:spPr bwMode="auto">
+            <a:xfrm>
+              <a:off x="3273426" y="5653088"/>
+              <a:ext cx="138113" cy="287338"/>
+            </a:xfrm>
+            <a:custGeom>
+              <a:avLst/>
+              <a:gdLst/>
+              <a:ahLst/>
+              <a:cxnLst/>
+              <a:rect l="0" t="0" r="r" b="b"/>
+              <a:pathLst>
+                <a:path w="35" h="73">
+                  <a:moveTo>
+                    <a:pt x="0" y="0"/>
+                  </a:moveTo>
+                  <a:cubicBezTo>
+                    <a:pt x="7" y="24"/>
+                    <a:pt x="16" y="49"/>
+                    <a:pt x="26" y="73"/>
+                  </a:cubicBezTo>
+                  <a:cubicBezTo>
+                    <a:pt x="35" y="73"/>
+                    <a:pt x="35" y="73"/>
+                    <a:pt x="35" y="73"/>
+                  </a:cubicBezTo>
+                  <a:cubicBezTo>
+                    <a:pt x="23" y="49"/>
+                    <a:pt x="11" y="24"/>
+                    <a:pt x="0" y="0"/>
+                  </a:cubicBezTo>
+                  <a:close/>
+                </a:path>
+              </a:pathLst>
+            </a:custGeom>
+            <a:solidFill>
+              <a:schemeClr val="tx2">
+                <a:alpha val="20000"/>
+              </a:schemeClr>
+            </a:solidFill>
+            <a:ln>
+              <a:noFill/>
+            </a:ln>
+          </p:spPr>
+        </p:sp>
+        <p:sp>
+          <p:nvSpPr>
+            <p:cNvPr id="19" name="Freeform 21">
+              <a:extLst>
+                <a:ext uri="{FF2B5EF4-FFF2-40B4-BE49-F238E27FC236}">
+                  <a16:creationId xmlns:a16="http://schemas.microsoft.com/office/drawing/2014/main" id="{5007ABF4-C6D7-4D5A-B621-E22A6CDE2442}"/>
+                </a:ext>
+                <a:ext uri="{C183D7F6-B498-43B3-948B-1728B52AA6E4}">
+                  <adec:decorative xmlns:adec="http://schemas.microsoft.com/office/drawing/2017/decorative" val="1"/>
+                </a:ext>
+              </a:extLst>
+            </p:cNvPr>
+            <p:cNvSpPr/>
+            <p:nvPr>
+              <p:extLst>
+                <p:ext uri="{386F3935-93C4-4BCD-93E2-E3B085C9AB24}">
+                  <p16:designElem xmlns:p16="http://schemas.microsoft.com/office/powerpoint/2015/main" val="1"/>
+                </p:ext>
+              </p:extLst>
+            </p:nvPr>
+          </p:nvSpPr>
+          <p:spPr bwMode="auto">
+            <a:xfrm>
+              <a:off x="3143251" y="4656138"/>
+              <a:ext cx="31750" cy="188913"/>
+            </a:xfrm>
+            <a:custGeom>
+              <a:avLst/>
+              <a:gdLst/>
+              <a:ahLst/>
+              <a:cxnLst/>
+              <a:rect l="0" t="0" r="r" b="b"/>
+              <a:pathLst>
+                <a:path w="8" h="48">
+                  <a:moveTo>
+                    <a:pt x="7" y="44"/>
+                  </a:moveTo>
+                  <a:cubicBezTo>
+                    <a:pt x="7" y="46"/>
+                    <a:pt x="8" y="47"/>
+                    <a:pt x="8" y="48"/>
+                  </a:cubicBezTo>
+                  <a:cubicBezTo>
+                    <a:pt x="8" y="38"/>
+                    <a:pt x="8" y="29"/>
+                    <a:pt x="8" y="19"/>
+                  </a:cubicBezTo>
+                  <a:cubicBezTo>
+                    <a:pt x="5" y="13"/>
+                    <a:pt x="3" y="6"/>
+                    <a:pt x="1" y="0"/>
+                  </a:cubicBezTo>
+                  <a:cubicBezTo>
+                    <a:pt x="0" y="9"/>
+                    <a:pt x="0" y="17"/>
+                    <a:pt x="0" y="26"/>
+                  </a:cubicBezTo>
+                  <a:cubicBezTo>
+                    <a:pt x="2" y="32"/>
+                    <a:pt x="5" y="38"/>
+                    <a:pt x="7" y="44"/>
+                  </a:cubicBezTo>
+                  <a:close/>
+                </a:path>
+              </a:pathLst>
+            </a:custGeom>
+            <a:solidFill>
+              <a:schemeClr val="tx2">
+                <a:alpha val="20000"/>
+              </a:schemeClr>
+            </a:solidFill>
+            <a:ln>
+              <a:noFill/>
+            </a:ln>
+          </p:spPr>
+        </p:sp>
+        <p:sp>
+          <p:nvSpPr>
+            <p:cNvPr id="20" name="Freeform 22">
+              <a:extLst>
+                <a:ext uri="{FF2B5EF4-FFF2-40B4-BE49-F238E27FC236}">
+                  <a16:creationId xmlns:a16="http://schemas.microsoft.com/office/drawing/2014/main" id="{C626D9E0-6E9C-49D1-9350-E85A88DD350E}"/>
+                </a:ext>
+                <a:ext uri="{C183D7F6-B498-43B3-948B-1728B52AA6E4}">
+                  <adec:decorative xmlns:adec="http://schemas.microsoft.com/office/drawing/2017/decorative" val="1"/>
+                </a:ext>
+              </a:extLst>
+            </p:cNvPr>
+            <p:cNvSpPr/>
+            <p:nvPr>
+              <p:extLst>
+                <p:ext uri="{386F3935-93C4-4BCD-93E2-E3B085C9AB24}">
+                  <p16:designElem xmlns:p16="http://schemas.microsoft.com/office/powerpoint/2015/main" val="1"/>
+                </p:ext>
+              </p:extLst>
+            </p:nvPr>
+          </p:nvSpPr>
+          <p:spPr bwMode="auto">
+            <a:xfrm>
+              <a:off x="3211513" y="5410200"/>
+              <a:ext cx="203200" cy="530225"/>
+            </a:xfrm>
+            <a:custGeom>
+              <a:avLst/>
+              <a:gdLst/>
+              <a:ahLst/>
+              <a:cxnLst/>
+              <a:rect l="0" t="0" r="r" b="b"/>
+              <a:pathLst>
+                <a:path w="52" h="135">
+                  <a:moveTo>
+                    <a:pt x="7" y="18"/>
+                  </a:moveTo>
+                  <a:cubicBezTo>
+                    <a:pt x="5" y="12"/>
+                    <a:pt x="2" y="6"/>
+                    <a:pt x="0" y="0"/>
+                  </a:cubicBezTo>
+                  <a:cubicBezTo>
+                    <a:pt x="3" y="16"/>
+                    <a:pt x="7" y="32"/>
+                    <a:pt x="12" y="48"/>
+                  </a:cubicBezTo>
+                  <a:cubicBezTo>
+                    <a:pt x="13" y="53"/>
+                    <a:pt x="14" y="57"/>
+                    <a:pt x="16" y="62"/>
+                  </a:cubicBezTo>
+                  <a:cubicBezTo>
+                    <a:pt x="27" y="86"/>
+                    <a:pt x="39" y="111"/>
+                    <a:pt x="51" y="135"/>
+                  </a:cubicBezTo>
+                  <a:cubicBezTo>
+                    <a:pt x="52" y="135"/>
+                    <a:pt x="52" y="135"/>
+                    <a:pt x="52" y="135"/>
+                  </a:cubicBezTo>
+                  <a:cubicBezTo>
+                    <a:pt x="41" y="109"/>
+                    <a:pt x="32" y="83"/>
+                    <a:pt x="24" y="56"/>
+                  </a:cubicBezTo>
+                  <a:cubicBezTo>
+                    <a:pt x="18" y="43"/>
+                    <a:pt x="13" y="31"/>
+                    <a:pt x="7" y="18"/>
+                  </a:cubicBezTo>
+                  <a:close/>
+                </a:path>
+              </a:pathLst>
+            </a:custGeom>
+            <a:solidFill>
+              <a:schemeClr val="tx2">
+                <a:alpha val="20000"/>
+              </a:schemeClr>
+            </a:solidFill>
+            <a:ln>
+              <a:noFill/>
+            </a:ln>
+          </p:spPr>
+        </p:sp>
+      </p:grpSp>
+      <p:grpSp>
+        <p:nvGrpSpPr>
+          <p:cNvPr id="71" name="Group 21">
+            <a:extLst>
+              <a:ext uri="{FF2B5EF4-FFF2-40B4-BE49-F238E27FC236}">
+                <a16:creationId xmlns:a16="http://schemas.microsoft.com/office/drawing/2014/main" id="{3F22DE9C-F188-48E2-A82C-4434A8EEEA57}"/>
+              </a:ext>
+              <a:ext uri="{C183D7F6-B498-43B3-948B-1728B52AA6E4}">
+                <adec:decorative xmlns:adec="http://schemas.microsoft.com/office/drawing/2017/decorative" val="1"/>
+              </a:ext>
+            </a:extLst>
+          </p:cNvPr>
+          <p:cNvGrpSpPr>
+            <a:grpSpLocks noGrp="1" noUngrp="1" noRot="1" noChangeAspect="1" noMove="1" noResize="1"/>
+          </p:cNvGrpSpPr>
+          <p:nvPr>
+            <p:extLst>
+              <p:ext uri="{386F3935-93C4-4BCD-93E2-E3B085C9AB24}">
+                <p16:designElem xmlns:p16="http://schemas.microsoft.com/office/powerpoint/2015/main" val="1"/>
+              </p:ext>
+            </p:extLst>
+          </p:nvPr>
+        </p:nvGrpSpPr>
+        <p:grpSpPr>
+          <a:xfrm>
+            <a:off x="27224" y="157"/>
+            <a:ext cx="2356675" cy="6853096"/>
+            <a:chOff x="6627813" y="195610"/>
+            <a:chExt cx="1952625" cy="5678141"/>
+          </a:xfrm>
+        </p:grpSpPr>
+        <p:sp>
+          <p:nvSpPr>
+            <p:cNvPr id="23" name="Freeform 27">
+              <a:extLst>
+                <a:ext uri="{FF2B5EF4-FFF2-40B4-BE49-F238E27FC236}">
+                  <a16:creationId xmlns:a16="http://schemas.microsoft.com/office/drawing/2014/main" id="{02013AA2-1F55-4C5D-AA37-2F66C2056BFB}"/>
+                </a:ext>
+                <a:ext uri="{C183D7F6-B498-43B3-948B-1728B52AA6E4}">
+                  <adec:decorative xmlns:adec="http://schemas.microsoft.com/office/drawing/2017/decorative" val="1"/>
+                </a:ext>
+              </a:extLst>
+            </p:cNvPr>
+            <p:cNvSpPr/>
+            <p:nvPr>
+              <p:extLst>
+                <p:ext uri="{386F3935-93C4-4BCD-93E2-E3B085C9AB24}">
+                  <p16:designElem xmlns:p16="http://schemas.microsoft.com/office/powerpoint/2015/main" val="1"/>
+                </p:ext>
+              </p:extLst>
+            </p:nvPr>
+          </p:nvSpPr>
+          <p:spPr bwMode="auto">
+            <a:xfrm>
+              <a:off x="6627813" y="195610"/>
+              <a:ext cx="409575" cy="3646488"/>
+            </a:xfrm>
+            <a:custGeom>
+              <a:avLst/>
+              <a:gdLst/>
+              <a:ahLst/>
+              <a:cxnLst/>
+              <a:rect l="0" t="0" r="r" b="b"/>
+              <a:pathLst>
+                <a:path w="103" h="920">
+                  <a:moveTo>
+                    <a:pt x="7" y="210"/>
+                  </a:moveTo>
+                  <a:cubicBezTo>
+                    <a:pt x="11" y="288"/>
+                    <a:pt x="17" y="367"/>
+                    <a:pt x="26" y="445"/>
+                  </a:cubicBezTo>
+                  <a:cubicBezTo>
+                    <a:pt x="34" y="523"/>
+                    <a:pt x="44" y="601"/>
+                    <a:pt x="57" y="679"/>
+                  </a:cubicBezTo>
+                  <a:cubicBezTo>
+                    <a:pt x="69" y="757"/>
+                    <a:pt x="84" y="834"/>
+                    <a:pt x="101" y="911"/>
+                  </a:cubicBezTo>
+                  <a:cubicBezTo>
+                    <a:pt x="102" y="914"/>
+                    <a:pt x="103" y="917"/>
+                    <a:pt x="103" y="920"/>
+                  </a:cubicBezTo>
+                  <a:cubicBezTo>
+                    <a:pt x="102" y="905"/>
+                    <a:pt x="100" y="889"/>
+                    <a:pt x="99" y="874"/>
+                  </a:cubicBezTo>
+                  <a:cubicBezTo>
+                    <a:pt x="99" y="871"/>
+                    <a:pt x="99" y="868"/>
+                    <a:pt x="99" y="866"/>
+                  </a:cubicBezTo>
+                  <a:cubicBezTo>
+                    <a:pt x="85" y="803"/>
+                    <a:pt x="73" y="741"/>
+                    <a:pt x="63" y="678"/>
+                  </a:cubicBezTo>
+                  <a:cubicBezTo>
+                    <a:pt x="50" y="600"/>
+                    <a:pt x="39" y="523"/>
+                    <a:pt x="30" y="444"/>
+                  </a:cubicBezTo>
+                  <a:cubicBezTo>
+                    <a:pt x="21" y="366"/>
+                    <a:pt x="14" y="288"/>
+                    <a:pt x="9" y="209"/>
+                  </a:cubicBezTo>
+                  <a:cubicBezTo>
+                    <a:pt x="7" y="170"/>
+                    <a:pt x="5" y="131"/>
+                    <a:pt x="3" y="92"/>
+                  </a:cubicBezTo>
+                  <a:cubicBezTo>
+                    <a:pt x="2" y="61"/>
+                    <a:pt x="1" y="31"/>
+                    <a:pt x="1" y="0"/>
+                  </a:cubicBezTo>
+                  <a:cubicBezTo>
+                    <a:pt x="0" y="0"/>
+                    <a:pt x="0" y="0"/>
+                    <a:pt x="0" y="0"/>
+                  </a:cubicBezTo>
+                  <a:cubicBezTo>
+                    <a:pt x="0" y="31"/>
+                    <a:pt x="1" y="61"/>
+                    <a:pt x="1" y="92"/>
+                  </a:cubicBezTo>
+                  <a:cubicBezTo>
+                    <a:pt x="3" y="131"/>
+                    <a:pt x="4" y="170"/>
+                    <a:pt x="7" y="210"/>
+                  </a:cubicBezTo>
+                  <a:close/>
+                </a:path>
+              </a:pathLst>
+            </a:custGeom>
+            <a:solidFill>
+              <a:schemeClr val="tx2"/>
+            </a:solidFill>
+            <a:ln>
+              <a:noFill/>
+            </a:ln>
+          </p:spPr>
+        </p:sp>
+        <p:sp>
+          <p:nvSpPr>
+            <p:cNvPr id="24" name="Freeform 28">
+              <a:extLst>
+                <a:ext uri="{FF2B5EF4-FFF2-40B4-BE49-F238E27FC236}">
+                  <a16:creationId xmlns:a16="http://schemas.microsoft.com/office/drawing/2014/main" id="{1FB61D00-6151-464C-A1C0-2F19F64139A3}"/>
+                </a:ext>
+                <a:ext uri="{C183D7F6-B498-43B3-948B-1728B52AA6E4}">
+                  <adec:decorative xmlns:adec="http://schemas.microsoft.com/office/drawing/2017/decorative" val="1"/>
+                </a:ext>
+              </a:extLst>
+            </p:cNvPr>
+            <p:cNvSpPr/>
+            <p:nvPr>
+              <p:extLst>
+                <p:ext uri="{386F3935-93C4-4BCD-93E2-E3B085C9AB24}">
+                  <p16:designElem xmlns:p16="http://schemas.microsoft.com/office/powerpoint/2015/main" val="1"/>
+                </p:ext>
+              </p:extLst>
+            </p:nvPr>
+          </p:nvSpPr>
+          <p:spPr bwMode="auto">
+            <a:xfrm>
+              <a:off x="7061201" y="3771900"/>
+              <a:ext cx="350838" cy="1309688"/>
+            </a:xfrm>
+            <a:custGeom>
+              <a:avLst/>
+              <a:gdLst/>
+              <a:ahLst/>
+              <a:cxnLst/>
+              <a:rect l="0" t="0" r="r" b="b"/>
+              <a:pathLst>
+                <a:path w="88" h="330">
+                  <a:moveTo>
+                    <a:pt x="53" y="229"/>
+                  </a:moveTo>
+                  <a:cubicBezTo>
+                    <a:pt x="64" y="263"/>
+                    <a:pt x="75" y="297"/>
+                    <a:pt x="88" y="330"/>
+                  </a:cubicBezTo>
+                  <a:cubicBezTo>
+                    <a:pt x="88" y="323"/>
+                    <a:pt x="88" y="315"/>
+                    <a:pt x="88" y="308"/>
+                  </a:cubicBezTo>
+                  <a:cubicBezTo>
+                    <a:pt x="88" y="307"/>
+                    <a:pt x="88" y="305"/>
+                    <a:pt x="88" y="304"/>
+                  </a:cubicBezTo>
+                  <a:cubicBezTo>
+                    <a:pt x="79" y="278"/>
+                    <a:pt x="70" y="252"/>
+                    <a:pt x="62" y="226"/>
+                  </a:cubicBezTo>
+                  <a:cubicBezTo>
+                    <a:pt x="38" y="152"/>
+                    <a:pt x="17" y="76"/>
+                    <a:pt x="0" y="0"/>
+                  </a:cubicBezTo>
+                  <a:cubicBezTo>
+                    <a:pt x="2" y="21"/>
+                    <a:pt x="4" y="42"/>
+                    <a:pt x="7" y="63"/>
+                  </a:cubicBezTo>
+                  <a:cubicBezTo>
+                    <a:pt x="21" y="119"/>
+                    <a:pt x="36" y="174"/>
+                    <a:pt x="53" y="229"/>
+                  </a:cubicBezTo>
+                  <a:close/>
+                </a:path>
+              </a:pathLst>
+            </a:custGeom>
+            <a:solidFill>
+              <a:schemeClr val="tx2"/>
+            </a:solidFill>
+            <a:ln>
+              <a:noFill/>
+            </a:ln>
+          </p:spPr>
+        </p:sp>
+        <p:sp>
+          <p:nvSpPr>
+            <p:cNvPr id="25" name="Freeform 29">
+              <a:extLst>
+                <a:ext uri="{FF2B5EF4-FFF2-40B4-BE49-F238E27FC236}">
+                  <a16:creationId xmlns:a16="http://schemas.microsoft.com/office/drawing/2014/main" id="{A5ED6B64-D948-4BCE-9D88-5BB2FDD8F3D2}"/>
+                </a:ext>
+                <a:ext uri="{C183D7F6-B498-43B3-948B-1728B52AA6E4}">
+                  <adec:decorative xmlns:adec="http://schemas.microsoft.com/office/drawing/2017/decorative" val="1"/>
+                </a:ext>
+              </a:extLst>
+            </p:cNvPr>
+            <p:cNvSpPr/>
+            <p:nvPr>
+              <p:extLst>
+                <p:ext uri="{386F3935-93C4-4BCD-93E2-E3B085C9AB24}">
+                  <p16:designElem xmlns:p16="http://schemas.microsoft.com/office/powerpoint/2015/main" val="1"/>
+                </p:ext>
+              </p:extLst>
+            </p:nvPr>
+          </p:nvSpPr>
+          <p:spPr bwMode="auto">
+            <a:xfrm>
+              <a:off x="7439026" y="5053013"/>
+              <a:ext cx="357188" cy="820738"/>
+            </a:xfrm>
+            <a:custGeom>
+              <a:avLst/>
+              <a:gdLst/>
+              <a:ahLst/>
+              <a:cxnLst/>
+              <a:rect l="0" t="0" r="r" b="b"/>
+              <a:pathLst>
+                <a:path w="90" h="207">
+                  <a:moveTo>
+                    <a:pt x="6" y="15"/>
+                  </a:moveTo>
+                  <a:cubicBezTo>
+                    <a:pt x="4" y="10"/>
+                    <a:pt x="2" y="5"/>
+                    <a:pt x="0" y="0"/>
+                  </a:cubicBezTo>
+                  <a:cubicBezTo>
+                    <a:pt x="0" y="9"/>
+                    <a:pt x="0" y="19"/>
+                    <a:pt x="1" y="29"/>
+                  </a:cubicBezTo>
+                  <a:cubicBezTo>
+                    <a:pt x="14" y="62"/>
+                    <a:pt x="27" y="95"/>
+                    <a:pt x="42" y="127"/>
+                  </a:cubicBezTo>
+                  <a:cubicBezTo>
+                    <a:pt x="54" y="154"/>
+                    <a:pt x="67" y="181"/>
+                    <a:pt x="80" y="207"/>
+                  </a:cubicBezTo>
+                  <a:cubicBezTo>
+                    <a:pt x="90" y="207"/>
+                    <a:pt x="90" y="207"/>
+                    <a:pt x="90" y="207"/>
+                  </a:cubicBezTo>
+                  <a:cubicBezTo>
+                    <a:pt x="76" y="180"/>
+                    <a:pt x="63" y="152"/>
+                    <a:pt x="50" y="123"/>
+                  </a:cubicBezTo>
+                  <a:cubicBezTo>
+                    <a:pt x="34" y="88"/>
+                    <a:pt x="20" y="51"/>
+                    <a:pt x="6" y="15"/>
+                  </a:cubicBezTo>
+                  <a:close/>
+                </a:path>
+              </a:pathLst>
+            </a:custGeom>
+            <a:solidFill>
+              <a:schemeClr val="tx2"/>
+            </a:solidFill>
+            <a:ln>
+              <a:noFill/>
+            </a:ln>
+          </p:spPr>
+        </p:sp>
+        <p:sp>
+          <p:nvSpPr>
+            <p:cNvPr id="26" name="Freeform 30">
+              <a:extLst>
+                <a:ext uri="{FF2B5EF4-FFF2-40B4-BE49-F238E27FC236}">
+                  <a16:creationId xmlns:a16="http://schemas.microsoft.com/office/drawing/2014/main" id="{F89D4BEB-9156-4620-A774-3B780CC758D0}"/>
+                </a:ext>
+                <a:ext uri="{C183D7F6-B498-43B3-948B-1728B52AA6E4}">
+                  <adec:decorative xmlns:adec="http://schemas.microsoft.com/office/drawing/2017/decorative" val="1"/>
+                </a:ext>
+              </a:extLst>
+            </p:cNvPr>
+            <p:cNvSpPr/>
+            <p:nvPr>
+              <p:extLst>
+                <p:ext uri="{386F3935-93C4-4BCD-93E2-E3B085C9AB24}">
+                  <p16:designElem xmlns:p16="http://schemas.microsoft.com/office/powerpoint/2015/main" val="1"/>
+                </p:ext>
+              </p:extLst>
+            </p:nvPr>
+          </p:nvSpPr>
+          <p:spPr bwMode="auto">
+            <a:xfrm>
+              <a:off x="7037388" y="3811588"/>
+              <a:ext cx="457200" cy="1852613"/>
+            </a:xfrm>
+            <a:custGeom>
+              <a:avLst/>
+              <a:gdLst/>
+              <a:ahLst/>
+              <a:cxnLst/>
+              <a:rect l="0" t="0" r="r" b="b"/>
+              <a:pathLst>
+                <a:path w="115" h="467">
+                  <a:moveTo>
+                    <a:pt x="101" y="409"/>
+                  </a:moveTo>
+                  <a:cubicBezTo>
+                    <a:pt x="93" y="388"/>
+                    <a:pt x="85" y="366"/>
+                    <a:pt x="78" y="344"/>
+                  </a:cubicBezTo>
+                  <a:cubicBezTo>
+                    <a:pt x="57" y="281"/>
+                    <a:pt x="41" y="216"/>
+                    <a:pt x="29" y="151"/>
+                  </a:cubicBezTo>
+                  <a:cubicBezTo>
+                    <a:pt x="22" y="119"/>
+                    <a:pt x="17" y="86"/>
+                    <a:pt x="13" y="53"/>
+                  </a:cubicBezTo>
+                  <a:cubicBezTo>
+                    <a:pt x="9" y="35"/>
+                    <a:pt x="4" y="18"/>
+                    <a:pt x="0" y="0"/>
+                  </a:cubicBezTo>
+                  <a:cubicBezTo>
+                    <a:pt x="5" y="51"/>
+                    <a:pt x="12" y="102"/>
+                    <a:pt x="21" y="152"/>
+                  </a:cubicBezTo>
+                  <a:cubicBezTo>
+                    <a:pt x="33" y="218"/>
+                    <a:pt x="49" y="283"/>
+                    <a:pt x="69" y="347"/>
+                  </a:cubicBezTo>
+                  <a:cubicBezTo>
+                    <a:pt x="79" y="378"/>
+                    <a:pt x="90" y="410"/>
+                    <a:pt x="103" y="441"/>
+                  </a:cubicBezTo>
+                  <a:cubicBezTo>
+                    <a:pt x="107" y="449"/>
+                    <a:pt x="111" y="458"/>
+                    <a:pt x="115" y="467"/>
+                  </a:cubicBezTo>
+                  <a:cubicBezTo>
+                    <a:pt x="114" y="464"/>
+                    <a:pt x="113" y="461"/>
+                    <a:pt x="112" y="458"/>
+                  </a:cubicBezTo>
+                  <a:cubicBezTo>
+                    <a:pt x="108" y="442"/>
+                    <a:pt x="104" y="425"/>
+                    <a:pt x="101" y="409"/>
+                  </a:cubicBezTo>
+                  <a:close/>
+                </a:path>
+              </a:pathLst>
+            </a:custGeom>
+            <a:solidFill>
+              <a:schemeClr val="tx2"/>
+            </a:solidFill>
+            <a:ln>
+              <a:noFill/>
+            </a:ln>
+          </p:spPr>
+        </p:sp>
+        <p:sp>
+          <p:nvSpPr>
+            <p:cNvPr id="27" name="Freeform 31">
+              <a:extLst>
+                <a:ext uri="{FF2B5EF4-FFF2-40B4-BE49-F238E27FC236}">
+                  <a16:creationId xmlns:a16="http://schemas.microsoft.com/office/drawing/2014/main" id="{B4A8D726-AC9C-413C-BA61-279C42A85A04}"/>
+                </a:ext>
+                <a:ext uri="{C183D7F6-B498-43B3-948B-1728B52AA6E4}">
+                  <adec:decorative xmlns:adec="http://schemas.microsoft.com/office/drawing/2017/decorative" val="1"/>
+                </a:ext>
+              </a:extLst>
+            </p:cNvPr>
+            <p:cNvSpPr/>
+            <p:nvPr>
+              <p:extLst>
+                <p:ext uri="{386F3935-93C4-4BCD-93E2-E3B085C9AB24}">
+                  <p16:designElem xmlns:p16="http://schemas.microsoft.com/office/powerpoint/2015/main" val="1"/>
+                </p:ext>
+              </p:extLst>
+            </p:nvPr>
+          </p:nvSpPr>
+          <p:spPr bwMode="auto">
+            <a:xfrm>
+              <a:off x="6992938" y="1263650"/>
+              <a:ext cx="144463" cy="2508250"/>
+            </a:xfrm>
+            <a:custGeom>
+              <a:avLst/>
+              <a:gdLst/>
+              <a:ahLst/>
+              <a:cxnLst/>
+              <a:rect l="0" t="0" r="r" b="b"/>
+              <a:pathLst>
+                <a:path w="36" h="633">
+                  <a:moveTo>
+                    <a:pt x="17" y="633"/>
+                  </a:moveTo>
+                  <a:cubicBezTo>
+                    <a:pt x="15" y="621"/>
+                    <a:pt x="14" y="609"/>
+                    <a:pt x="13" y="597"/>
+                  </a:cubicBezTo>
+                  <a:cubicBezTo>
+                    <a:pt x="8" y="530"/>
+                    <a:pt x="5" y="464"/>
+                    <a:pt x="5" y="398"/>
+                  </a:cubicBezTo>
+                  <a:cubicBezTo>
+                    <a:pt x="5" y="331"/>
+                    <a:pt x="8" y="265"/>
+                    <a:pt x="13" y="198"/>
+                  </a:cubicBezTo>
+                  <a:cubicBezTo>
+                    <a:pt x="15" y="165"/>
+                    <a:pt x="18" y="132"/>
+                    <a:pt x="22" y="99"/>
+                  </a:cubicBezTo>
+                  <a:cubicBezTo>
+                    <a:pt x="26" y="66"/>
+                    <a:pt x="30" y="33"/>
+                    <a:pt x="36" y="0"/>
+                  </a:cubicBezTo>
+                  <a:cubicBezTo>
+                    <a:pt x="35" y="0"/>
+                    <a:pt x="35" y="0"/>
+                    <a:pt x="35" y="0"/>
+                  </a:cubicBezTo>
+                  <a:cubicBezTo>
+                    <a:pt x="29" y="33"/>
+                    <a:pt x="24" y="66"/>
+                    <a:pt x="20" y="99"/>
+                  </a:cubicBezTo>
+                  <a:cubicBezTo>
+                    <a:pt x="16" y="132"/>
+                    <a:pt x="13" y="165"/>
+                    <a:pt x="10" y="198"/>
+                  </a:cubicBezTo>
+                  <a:cubicBezTo>
+                    <a:pt x="4" y="264"/>
+                    <a:pt x="1" y="331"/>
+                    <a:pt x="1" y="398"/>
+                  </a:cubicBezTo>
+                  <a:cubicBezTo>
+                    <a:pt x="0" y="461"/>
+                    <a:pt x="2" y="525"/>
+                    <a:pt x="7" y="589"/>
+                  </a:cubicBezTo>
+                  <a:cubicBezTo>
+                    <a:pt x="10" y="603"/>
+                    <a:pt x="13" y="618"/>
+                    <a:pt x="16" y="632"/>
+                  </a:cubicBezTo>
+                  <a:cubicBezTo>
+                    <a:pt x="16" y="632"/>
+                    <a:pt x="17" y="633"/>
+                    <a:pt x="17" y="633"/>
+                  </a:cubicBezTo>
+                  <a:close/>
+                </a:path>
+              </a:pathLst>
+            </a:custGeom>
+            <a:solidFill>
+              <a:schemeClr val="tx2"/>
+            </a:solidFill>
+            <a:ln>
+              <a:noFill/>
+            </a:ln>
+          </p:spPr>
+        </p:sp>
+        <p:sp>
+          <p:nvSpPr>
+            <p:cNvPr id="28" name="Freeform 32">
+              <a:extLst>
+                <a:ext uri="{FF2B5EF4-FFF2-40B4-BE49-F238E27FC236}">
+                  <a16:creationId xmlns:a16="http://schemas.microsoft.com/office/drawing/2014/main" id="{F17D811C-C413-4847-8A99-0C428A583571}"/>
+                </a:ext>
+                <a:ext uri="{C183D7F6-B498-43B3-948B-1728B52AA6E4}">
+                  <adec:decorative xmlns:adec="http://schemas.microsoft.com/office/drawing/2017/decorative" val="1"/>
+                </a:ext>
+              </a:extLst>
+            </p:cNvPr>
+            <p:cNvSpPr/>
+            <p:nvPr>
+              <p:extLst>
+                <p:ext uri="{386F3935-93C4-4BCD-93E2-E3B085C9AB24}">
+                  <p16:designElem xmlns:p16="http://schemas.microsoft.com/office/powerpoint/2015/main" val="1"/>
+                </p:ext>
+              </p:extLst>
+            </p:nvPr>
+          </p:nvSpPr>
+          <p:spPr bwMode="auto">
+            <a:xfrm>
+              <a:off x="7526338" y="5640388"/>
+              <a:ext cx="111125" cy="233363"/>
+            </a:xfrm>
+            <a:custGeom>
+              <a:avLst/>
+              <a:gdLst/>
+              <a:ahLst/>
+              <a:cxnLst/>
+              <a:rect l="0" t="0" r="r" b="b"/>
+              <a:pathLst>
+                <a:path w="28" h="59">
+                  <a:moveTo>
+                    <a:pt x="22" y="59"/>
+                  </a:moveTo>
+                  <a:cubicBezTo>
+                    <a:pt x="28" y="59"/>
+                    <a:pt x="28" y="59"/>
+                    <a:pt x="28" y="59"/>
+                  </a:cubicBezTo>
+                  <a:cubicBezTo>
+                    <a:pt x="18" y="40"/>
+                    <a:pt x="9" y="20"/>
+                    <a:pt x="0" y="0"/>
+                  </a:cubicBezTo>
+                  <a:cubicBezTo>
+                    <a:pt x="6" y="20"/>
+                    <a:pt x="13" y="40"/>
+                    <a:pt x="22" y="59"/>
+                  </a:cubicBezTo>
+                  <a:close/>
+                </a:path>
+              </a:pathLst>
+            </a:custGeom>
+            <a:solidFill>
+              <a:schemeClr val="tx2"/>
+            </a:solidFill>
+            <a:ln>
+              <a:noFill/>
+            </a:ln>
+          </p:spPr>
+        </p:sp>
+        <p:sp>
+          <p:nvSpPr>
+            <p:cNvPr id="29" name="Freeform 33">
+              <a:extLst>
+                <a:ext uri="{FF2B5EF4-FFF2-40B4-BE49-F238E27FC236}">
+                  <a16:creationId xmlns:a16="http://schemas.microsoft.com/office/drawing/2014/main" id="{75BC74C6-A8D3-43B7-88D6-D36F1C03882E}"/>
+                </a:ext>
+                <a:ext uri="{C183D7F6-B498-43B3-948B-1728B52AA6E4}">
+                  <adec:decorative xmlns:adec="http://schemas.microsoft.com/office/drawing/2017/decorative" val="1"/>
+                </a:ext>
+              </a:extLst>
+            </p:cNvPr>
+            <p:cNvSpPr/>
+            <p:nvPr>
+              <p:extLst>
+                <p:ext uri="{386F3935-93C4-4BCD-93E2-E3B085C9AB24}">
+                  <p16:designElem xmlns:p16="http://schemas.microsoft.com/office/powerpoint/2015/main" val="1"/>
+                </p:ext>
+              </p:extLst>
+            </p:nvPr>
+          </p:nvSpPr>
+          <p:spPr bwMode="auto">
+            <a:xfrm>
+              <a:off x="7021513" y="3598863"/>
+              <a:ext cx="68263" cy="423863"/>
+            </a:xfrm>
+            <a:custGeom>
+              <a:avLst/>
+              <a:gdLst/>
+              <a:ahLst/>
+              <a:cxnLst/>
+              <a:rect l="0" t="0" r="r" b="b"/>
+              <a:pathLst>
+                <a:path w="17" h="107">
+                  <a:moveTo>
+                    <a:pt x="4" y="54"/>
+                  </a:moveTo>
+                  <a:cubicBezTo>
+                    <a:pt x="8" y="72"/>
+                    <a:pt x="13" y="89"/>
+                    <a:pt x="17" y="107"/>
+                  </a:cubicBezTo>
+                  <a:cubicBezTo>
+                    <a:pt x="14" y="86"/>
+                    <a:pt x="12" y="65"/>
+                    <a:pt x="10" y="44"/>
+                  </a:cubicBezTo>
+                  <a:cubicBezTo>
+                    <a:pt x="10" y="44"/>
+                    <a:pt x="9" y="43"/>
+                    <a:pt x="9" y="43"/>
+                  </a:cubicBezTo>
+                  <a:cubicBezTo>
+                    <a:pt x="6" y="29"/>
+                    <a:pt x="3" y="14"/>
+                    <a:pt x="0" y="0"/>
+                  </a:cubicBezTo>
+                  <a:cubicBezTo>
+                    <a:pt x="0" y="2"/>
+                    <a:pt x="0" y="5"/>
+                    <a:pt x="0" y="8"/>
+                  </a:cubicBezTo>
+                  <a:cubicBezTo>
+                    <a:pt x="1" y="23"/>
+                    <a:pt x="3" y="39"/>
+                    <a:pt x="4" y="54"/>
+                  </a:cubicBezTo>
+                  <a:close/>
+                </a:path>
+              </a:pathLst>
+            </a:custGeom>
+            <a:solidFill>
+              <a:schemeClr val="tx2"/>
+            </a:solidFill>
+            <a:ln>
+              <a:noFill/>
+            </a:ln>
+          </p:spPr>
+        </p:sp>
+        <p:sp>
+          <p:nvSpPr>
+            <p:cNvPr id="30" name="Freeform 34">
+              <a:extLst>
+                <a:ext uri="{FF2B5EF4-FFF2-40B4-BE49-F238E27FC236}">
+                  <a16:creationId xmlns:a16="http://schemas.microsoft.com/office/drawing/2014/main" id="{57EEDAFB-AA1B-4B29-B0D8-E3F097A308E4}"/>
+                </a:ext>
+                <a:ext uri="{C183D7F6-B498-43B3-948B-1728B52AA6E4}">
+                  <adec:decorative xmlns:adec="http://schemas.microsoft.com/office/drawing/2017/decorative" val="1"/>
+                </a:ext>
+              </a:extLst>
+            </p:cNvPr>
+            <p:cNvSpPr/>
+            <p:nvPr>
+              <p:extLst>
+                <p:ext uri="{386F3935-93C4-4BCD-93E2-E3B085C9AB24}">
+                  <p16:designElem xmlns:p16="http://schemas.microsoft.com/office/powerpoint/2015/main" val="1"/>
+                </p:ext>
+              </p:extLst>
+            </p:nvPr>
+          </p:nvSpPr>
+          <p:spPr bwMode="auto">
+            <a:xfrm>
+              <a:off x="7412038" y="2801938"/>
+              <a:ext cx="1168400" cy="2251075"/>
+            </a:xfrm>
+            <a:custGeom>
+              <a:avLst/>
+              <a:gdLst/>
+              <a:ahLst/>
+              <a:cxnLst/>
+              <a:rect l="0" t="0" r="r" b="b"/>
+              <a:pathLst>
+                <a:path w="294" h="568">
+                  <a:moveTo>
+                    <a:pt x="8" y="553"/>
+                  </a:moveTo>
+                  <a:cubicBezTo>
+                    <a:pt x="9" y="501"/>
+                    <a:pt x="19" y="448"/>
+                    <a:pt x="35" y="397"/>
+                  </a:cubicBezTo>
+                  <a:cubicBezTo>
+                    <a:pt x="51" y="347"/>
+                    <a:pt x="73" y="298"/>
+                    <a:pt x="99" y="252"/>
+                  </a:cubicBezTo>
+                  <a:cubicBezTo>
+                    <a:pt x="124" y="205"/>
+                    <a:pt x="154" y="161"/>
+                    <a:pt x="187" y="119"/>
+                  </a:cubicBezTo>
+                  <a:cubicBezTo>
+                    <a:pt x="203" y="98"/>
+                    <a:pt x="220" y="77"/>
+                    <a:pt x="238" y="58"/>
+                  </a:cubicBezTo>
+                  <a:cubicBezTo>
+                    <a:pt x="247" y="48"/>
+                    <a:pt x="256" y="38"/>
+                    <a:pt x="265" y="28"/>
+                  </a:cubicBezTo>
+                  <a:cubicBezTo>
+                    <a:pt x="274" y="19"/>
+                    <a:pt x="284" y="9"/>
+                    <a:pt x="294" y="0"/>
+                  </a:cubicBezTo>
+                  <a:cubicBezTo>
+                    <a:pt x="293" y="0"/>
+                    <a:pt x="293" y="0"/>
+                    <a:pt x="293" y="0"/>
+                  </a:cubicBezTo>
+                  <a:cubicBezTo>
+                    <a:pt x="283" y="9"/>
+                    <a:pt x="273" y="18"/>
+                    <a:pt x="264" y="27"/>
+                  </a:cubicBezTo>
+                  <a:cubicBezTo>
+                    <a:pt x="255" y="37"/>
+                    <a:pt x="246" y="47"/>
+                    <a:pt x="237" y="56"/>
+                  </a:cubicBezTo>
+                  <a:cubicBezTo>
+                    <a:pt x="218" y="76"/>
+                    <a:pt x="201" y="96"/>
+                    <a:pt x="185" y="117"/>
+                  </a:cubicBezTo>
+                  <a:cubicBezTo>
+                    <a:pt x="151" y="159"/>
+                    <a:pt x="121" y="203"/>
+                    <a:pt x="95" y="249"/>
+                  </a:cubicBezTo>
+                  <a:cubicBezTo>
+                    <a:pt x="68" y="296"/>
+                    <a:pt x="46" y="345"/>
+                    <a:pt x="30" y="396"/>
+                  </a:cubicBezTo>
+                  <a:cubicBezTo>
+                    <a:pt x="13" y="445"/>
+                    <a:pt x="3" y="497"/>
+                    <a:pt x="0" y="549"/>
+                  </a:cubicBezTo>
+                  <a:cubicBezTo>
+                    <a:pt x="3" y="555"/>
+                    <a:pt x="5" y="561"/>
+                    <a:pt x="7" y="568"/>
+                  </a:cubicBezTo>
+                  <a:cubicBezTo>
+                    <a:pt x="7" y="563"/>
+                    <a:pt x="7" y="558"/>
+                    <a:pt x="8" y="553"/>
+                  </a:cubicBezTo>
+                  <a:close/>
+                </a:path>
+              </a:pathLst>
+            </a:custGeom>
+            <a:solidFill>
+              <a:schemeClr val="tx2"/>
+            </a:solidFill>
+            <a:ln>
+              <a:noFill/>
+            </a:ln>
+          </p:spPr>
+        </p:sp>
+        <p:sp>
+          <p:nvSpPr>
+            <p:cNvPr id="31" name="Freeform 35">
+              <a:extLst>
+                <a:ext uri="{FF2B5EF4-FFF2-40B4-BE49-F238E27FC236}">
+                  <a16:creationId xmlns:a16="http://schemas.microsoft.com/office/drawing/2014/main" id="{2037E8F3-503E-4F56-81D4-C0058A8556EA}"/>
+                </a:ext>
+                <a:ext uri="{C183D7F6-B498-43B3-948B-1728B52AA6E4}">
+                  <adec:decorative xmlns:adec="http://schemas.microsoft.com/office/drawing/2017/decorative" val="1"/>
+                </a:ext>
+              </a:extLst>
+            </p:cNvPr>
+            <p:cNvSpPr/>
+            <p:nvPr>
+              <p:extLst>
+                <p:ext uri="{386F3935-93C4-4BCD-93E2-E3B085C9AB24}">
+                  <p16:designElem xmlns:p16="http://schemas.microsoft.com/office/powerpoint/2015/main" val="1"/>
+                </p:ext>
+              </p:extLst>
+            </p:nvPr>
+          </p:nvSpPr>
+          <p:spPr bwMode="auto">
+            <a:xfrm>
+              <a:off x="7494588" y="5664200"/>
+              <a:ext cx="100013" cy="209550"/>
+            </a:xfrm>
+            <a:custGeom>
+              <a:avLst/>
+              <a:gdLst/>
+              <a:ahLst/>
+              <a:cxnLst/>
+              <a:rect l="0" t="0" r="r" b="b"/>
+              <a:pathLst>
+                <a:path w="25" h="53">
+                  <a:moveTo>
+                    <a:pt x="0" y="0"/>
+                  </a:moveTo>
+                  <a:cubicBezTo>
+                    <a:pt x="5" y="18"/>
+                    <a:pt x="12" y="36"/>
+                    <a:pt x="19" y="53"/>
+                  </a:cubicBezTo>
+                  <a:cubicBezTo>
+                    <a:pt x="25" y="53"/>
+                    <a:pt x="25" y="53"/>
+                    <a:pt x="25" y="53"/>
+                  </a:cubicBezTo>
+                  <a:cubicBezTo>
+                    <a:pt x="16" y="36"/>
+                    <a:pt x="8" y="18"/>
+                    <a:pt x="0" y="0"/>
+                  </a:cubicBezTo>
+                  <a:close/>
+                </a:path>
+              </a:pathLst>
+            </a:custGeom>
+            <a:solidFill>
+              <a:schemeClr val="tx2"/>
+            </a:solidFill>
+            <a:ln>
+              <a:noFill/>
+            </a:ln>
+          </p:spPr>
+        </p:sp>
+        <p:sp>
+          <p:nvSpPr>
+            <p:cNvPr id="32" name="Freeform 36">
+              <a:extLst>
+                <a:ext uri="{FF2B5EF4-FFF2-40B4-BE49-F238E27FC236}">
+                  <a16:creationId xmlns:a16="http://schemas.microsoft.com/office/drawing/2014/main" id="{B3B14D57-F75A-402A-B35D-98E84AD685CD}"/>
+                </a:ext>
+                <a:ext uri="{C183D7F6-B498-43B3-948B-1728B52AA6E4}">
+                  <adec:decorative xmlns:adec="http://schemas.microsoft.com/office/drawing/2017/decorative" val="1"/>
+                </a:ext>
+              </a:extLst>
+            </p:cNvPr>
+            <p:cNvSpPr/>
+            <p:nvPr>
+              <p:extLst>
+                <p:ext uri="{386F3935-93C4-4BCD-93E2-E3B085C9AB24}">
+                  <p16:designElem xmlns:p16="http://schemas.microsoft.com/office/powerpoint/2015/main" val="1"/>
+                </p:ext>
+              </p:extLst>
+            </p:nvPr>
+          </p:nvSpPr>
+          <p:spPr bwMode="auto">
+            <a:xfrm>
+              <a:off x="7412038" y="5081588"/>
+              <a:ext cx="114300" cy="558800"/>
+            </a:xfrm>
+            <a:custGeom>
+              <a:avLst/>
+              <a:gdLst/>
+              <a:ahLst/>
+              <a:cxnLst/>
+              <a:rect l="0" t="0" r="r" b="b"/>
+              <a:pathLst>
+                <a:path w="29" h="141">
+                  <a:moveTo>
+                    <a:pt x="0" y="0"/>
+                  </a:moveTo>
+                  <a:cubicBezTo>
+                    <a:pt x="0" y="30"/>
+                    <a:pt x="2" y="60"/>
+                    <a:pt x="7" y="89"/>
+                  </a:cubicBezTo>
+                  <a:cubicBezTo>
+                    <a:pt x="11" y="98"/>
+                    <a:pt x="14" y="108"/>
+                    <a:pt x="18" y="117"/>
+                  </a:cubicBezTo>
+                  <a:cubicBezTo>
+                    <a:pt x="22" y="125"/>
+                    <a:pt x="25" y="133"/>
+                    <a:pt x="29" y="141"/>
+                  </a:cubicBezTo>
+                  <a:cubicBezTo>
+                    <a:pt x="28" y="139"/>
+                    <a:pt x="28" y="137"/>
+                    <a:pt x="27" y="135"/>
+                  </a:cubicBezTo>
+                  <a:cubicBezTo>
+                    <a:pt x="16" y="98"/>
+                    <a:pt x="10" y="60"/>
+                    <a:pt x="8" y="22"/>
+                  </a:cubicBezTo>
+                  <a:cubicBezTo>
+                    <a:pt x="7" y="18"/>
+                    <a:pt x="5" y="15"/>
+                    <a:pt x="4" y="11"/>
+                  </a:cubicBezTo>
+                  <a:cubicBezTo>
+                    <a:pt x="2" y="7"/>
+                    <a:pt x="1" y="3"/>
+                    <a:pt x="0" y="0"/>
+                  </a:cubicBezTo>
+                  <a:close/>
+                </a:path>
+              </a:pathLst>
+            </a:custGeom>
+            <a:solidFill>
+              <a:schemeClr val="tx2"/>
+            </a:solidFill>
+            <a:ln>
+              <a:noFill/>
+            </a:ln>
+          </p:spPr>
+        </p:sp>
+        <p:sp>
+          <p:nvSpPr>
+            <p:cNvPr id="33" name="Freeform 37">
+              <a:extLst>
+                <a:ext uri="{FF2B5EF4-FFF2-40B4-BE49-F238E27FC236}">
+                  <a16:creationId xmlns:a16="http://schemas.microsoft.com/office/drawing/2014/main" id="{4AFB6E2F-5AF1-4DB0-851C-8F7492A9ECA3}"/>
+                </a:ext>
+                <a:ext uri="{C183D7F6-B498-43B3-948B-1728B52AA6E4}">
+                  <adec:decorative xmlns:adec="http://schemas.microsoft.com/office/drawing/2017/decorative" val="1"/>
+                </a:ext>
+              </a:extLst>
+            </p:cNvPr>
+            <p:cNvSpPr/>
+            <p:nvPr>
+              <p:extLst>
+                <p:ext uri="{386F3935-93C4-4BCD-93E2-E3B085C9AB24}">
+                  <p16:designElem xmlns:p16="http://schemas.microsoft.com/office/powerpoint/2015/main" val="1"/>
+                </p:ext>
+              </p:extLst>
+            </p:nvPr>
+          </p:nvSpPr>
+          <p:spPr bwMode="auto">
+            <a:xfrm>
+              <a:off x="7412038" y="4978400"/>
+              <a:ext cx="31750" cy="188913"/>
+            </a:xfrm>
+            <a:custGeom>
+              <a:avLst/>
+              <a:gdLst/>
+              <a:ahLst/>
+              <a:cxnLst/>
+              <a:rect l="0" t="0" r="r" b="b"/>
+              <a:pathLst>
+                <a:path w="8" h="48">
+                  <a:moveTo>
+                    <a:pt x="0" y="26"/>
+                  </a:moveTo>
+                  <a:cubicBezTo>
+                    <a:pt x="1" y="29"/>
+                    <a:pt x="2" y="33"/>
+                    <a:pt x="4" y="37"/>
+                  </a:cubicBezTo>
+                  <a:cubicBezTo>
+                    <a:pt x="5" y="41"/>
+                    <a:pt x="7" y="44"/>
+                    <a:pt x="8" y="48"/>
+                  </a:cubicBezTo>
+                  <a:cubicBezTo>
+                    <a:pt x="7" y="38"/>
+                    <a:pt x="7" y="28"/>
+                    <a:pt x="7" y="19"/>
+                  </a:cubicBezTo>
+                  <a:cubicBezTo>
+                    <a:pt x="5" y="12"/>
+                    <a:pt x="3" y="6"/>
+                    <a:pt x="0" y="0"/>
+                  </a:cubicBezTo>
+                  <a:cubicBezTo>
+                    <a:pt x="0" y="1"/>
+                    <a:pt x="0" y="3"/>
+                    <a:pt x="0" y="4"/>
+                  </a:cubicBezTo>
+                  <a:cubicBezTo>
+                    <a:pt x="0" y="11"/>
+                    <a:pt x="0" y="19"/>
+                    <a:pt x="0" y="26"/>
+                  </a:cubicBezTo>
+                  <a:close/>
+                </a:path>
+              </a:pathLst>
+            </a:custGeom>
+            <a:solidFill>
+              <a:schemeClr val="tx2"/>
+            </a:solidFill>
+            <a:ln>
+              <a:noFill/>
+            </a:ln>
+          </p:spPr>
+        </p:sp>
+        <p:sp>
+          <p:nvSpPr>
+            <p:cNvPr id="34" name="Freeform 38">
+              <a:extLst>
+                <a:ext uri="{FF2B5EF4-FFF2-40B4-BE49-F238E27FC236}">
+                  <a16:creationId xmlns:a16="http://schemas.microsoft.com/office/drawing/2014/main" id="{6725B281-5E62-47B4-873A-9B12614235F8}"/>
+                </a:ext>
+                <a:ext uri="{C183D7F6-B498-43B3-948B-1728B52AA6E4}">
+                  <adec:decorative xmlns:adec="http://schemas.microsoft.com/office/drawing/2017/decorative" val="1"/>
+                </a:ext>
+              </a:extLst>
+            </p:cNvPr>
+            <p:cNvSpPr/>
+            <p:nvPr>
+              <p:extLst>
+                <p:ext uri="{386F3935-93C4-4BCD-93E2-E3B085C9AB24}">
+                  <p16:designElem xmlns:p16="http://schemas.microsoft.com/office/powerpoint/2015/main" val="1"/>
+                </p:ext>
+              </p:extLst>
+            </p:nvPr>
+          </p:nvSpPr>
+          <p:spPr bwMode="auto">
+            <a:xfrm>
+              <a:off x="7439026" y="5434013"/>
+              <a:ext cx="174625" cy="439738"/>
+            </a:xfrm>
+            <a:custGeom>
+              <a:avLst/>
+              <a:gdLst/>
+              <a:ahLst/>
+              <a:cxnLst/>
+              <a:rect l="0" t="0" r="r" b="b"/>
+              <a:pathLst>
+                <a:path w="44" h="111">
+                  <a:moveTo>
+                    <a:pt x="11" y="28"/>
+                  </a:moveTo>
+                  <a:cubicBezTo>
+                    <a:pt x="7" y="19"/>
+                    <a:pt x="4" y="9"/>
+                    <a:pt x="0" y="0"/>
+                  </a:cubicBezTo>
+                  <a:cubicBezTo>
+                    <a:pt x="3" y="16"/>
+                    <a:pt x="7" y="33"/>
+                    <a:pt x="11" y="49"/>
+                  </a:cubicBezTo>
+                  <a:cubicBezTo>
+                    <a:pt x="12" y="52"/>
+                    <a:pt x="13" y="55"/>
+                    <a:pt x="14" y="58"/>
+                  </a:cubicBezTo>
+                  <a:cubicBezTo>
+                    <a:pt x="22" y="76"/>
+                    <a:pt x="30" y="94"/>
+                    <a:pt x="39" y="111"/>
+                  </a:cubicBezTo>
+                  <a:cubicBezTo>
+                    <a:pt x="44" y="111"/>
+                    <a:pt x="44" y="111"/>
+                    <a:pt x="44" y="111"/>
+                  </a:cubicBezTo>
+                  <a:cubicBezTo>
+                    <a:pt x="35" y="92"/>
+                    <a:pt x="28" y="72"/>
+                    <a:pt x="22" y="52"/>
+                  </a:cubicBezTo>
+                  <a:cubicBezTo>
+                    <a:pt x="18" y="44"/>
+                    <a:pt x="15" y="36"/>
+                    <a:pt x="11" y="28"/>
+                  </a:cubicBezTo>
+                  <a:close/>
+                </a:path>
+              </a:pathLst>
+            </a:custGeom>
+            <a:solidFill>
+              <a:schemeClr val="tx2"/>
+            </a:solidFill>
+            <a:ln>
+              <a:noFill/>
+            </a:ln>
+          </p:spPr>
+        </p:sp>
+      </p:grpSp>
       <p:sp>
         <p:nvSpPr>
-          <p:cNvPr id="2" name="Title 1">
+          <p:cNvPr id="73" name="Rectangle 35">
             <a:extLst>
               <a:ext uri="{FF2B5EF4-FFF2-40B4-BE49-F238E27FC236}">
-                <a16:creationId xmlns:a16="http://schemas.microsoft.com/office/drawing/2014/main" id="{317E1158-DF8E-452E-A60B-165340B5321A}"/>
+                <a16:creationId xmlns:a16="http://schemas.microsoft.com/office/drawing/2014/main" id="{6A10670B-6568-4038-91D8-392C78C0CFE4}"/>
+              </a:ext>
+              <a:ext uri="{C183D7F6-B498-43B3-948B-1728B52AA6E4}">
+                <adec:decorative xmlns:adec="http://schemas.microsoft.com/office/drawing/2017/decorative" val="1"/>
               </a:ext>
             </a:extLst>
           </p:cNvPr>
           <p:cNvSpPr>
-            <a:spLocks noGrp="1"/>
+            <a:spLocks noGrp="1" noRot="1" noChangeAspect="1" noMove="1" noResize="1" noEditPoints="1" noAdjustHandles="1" noChangeArrowheads="1" noChangeShapeType="1" noTextEdit="1"/>
           </p:cNvSpPr>
           <p:nvPr>
-            <p:ph type="title"/>
+            <p:extLst>
+              <p:ext uri="{386F3935-93C4-4BCD-93E2-E3B085C9AB24}">
+                <p16:designElem xmlns:p16="http://schemas.microsoft.com/office/powerpoint/2015/main" val="1"/>
+              </p:ext>
+            </p:extLst>
           </p:nvPr>
         </p:nvSpPr>
-        <p:spPr/>
+        <p:spPr>
+          <a:xfrm>
+            <a:off x="0" y="0"/>
+            <a:ext cx="182880" cy="6858000"/>
+          </a:xfrm>
+          <a:prstGeom prst="rect">
+            <a:avLst/>
+          </a:prstGeom>
+          <a:solidFill>
+            <a:schemeClr val="tx2"/>
+          </a:solidFill>
+          <a:ln>
+            <a:noFill/>
+          </a:ln>
+          <a:effectLst/>
+        </p:spPr>
+        <p:style>
+          <a:lnRef idx="1">
+            <a:schemeClr val="accent1"/>
+          </a:lnRef>
+          <a:fillRef idx="3">
+            <a:schemeClr val="accent1"/>
+          </a:fillRef>
+          <a:effectRef idx="2">
+            <a:schemeClr val="accent1"/>
+          </a:effectRef>
+          <a:fontRef idx="minor">
+            <a:schemeClr val="lt1"/>
+          </a:fontRef>
+        </p:style>
+      </p:sp>
+      <p:sp>
+        <p:nvSpPr>
+          <p:cNvPr id="74" name="Freeform 6">
+            <a:extLst>
+              <a:ext uri="{FF2B5EF4-FFF2-40B4-BE49-F238E27FC236}">
+                <a16:creationId xmlns:a16="http://schemas.microsoft.com/office/drawing/2014/main" id="{62163DB6-3EE7-474C-8726-1A05F7DE4229}"/>
+              </a:ext>
+              <a:ext uri="{C183D7F6-B498-43B3-948B-1728B52AA6E4}">
+                <adec:decorative xmlns:adec="http://schemas.microsoft.com/office/drawing/2017/decorative" val="1"/>
+              </a:ext>
+            </a:extLst>
+          </p:cNvPr>
+          <p:cNvSpPr>
+            <a:spLocks noGrp="1" noRot="1" noChangeAspect="1" noMove="1" noResize="1" noEditPoints="1" noAdjustHandles="1" noChangeArrowheads="1" noChangeShapeType="1" noTextEdit="1"/>
+          </p:cNvSpPr>
+          <p:nvPr>
+            <p:extLst>
+              <p:ext uri="{386F3935-93C4-4BCD-93E2-E3B085C9AB24}">
+                <p16:designElem xmlns:p16="http://schemas.microsoft.com/office/powerpoint/2015/main" val="1"/>
+              </p:ext>
+            </p:extLst>
+          </p:nvPr>
+        </p:nvSpPr>
+        <p:spPr bwMode="auto">
+          <a:xfrm>
+            <a:off x="0" y="4323810"/>
+            <a:ext cx="1744652" cy="778589"/>
+          </a:xfrm>
+          <a:custGeom>
+            <a:avLst/>
+            <a:gdLst/>
+            <a:ahLst/>
+            <a:cxnLst/>
+            <a:rect l="0" t="0" r="r" b="b"/>
+            <a:pathLst>
+              <a:path w="372" h="166">
+                <a:moveTo>
+                  <a:pt x="287" y="166"/>
+                </a:moveTo>
+                <a:cubicBezTo>
+                  <a:pt x="290" y="166"/>
+                  <a:pt x="292" y="165"/>
+                  <a:pt x="293" y="164"/>
+                </a:cubicBezTo>
+                <a:cubicBezTo>
+                  <a:pt x="293" y="163"/>
+                  <a:pt x="294" y="163"/>
+                  <a:pt x="294" y="163"/>
+                </a:cubicBezTo>
+                <a:cubicBezTo>
+                  <a:pt x="370" y="87"/>
+                  <a:pt x="370" y="87"/>
+                  <a:pt x="370" y="87"/>
+                </a:cubicBezTo>
+                <a:cubicBezTo>
+                  <a:pt x="372" y="85"/>
+                  <a:pt x="372" y="81"/>
+                  <a:pt x="370" y="78"/>
+                </a:cubicBezTo>
+                <a:cubicBezTo>
+                  <a:pt x="294" y="3"/>
+                  <a:pt x="294" y="3"/>
+                  <a:pt x="294" y="3"/>
+                </a:cubicBezTo>
+                <a:cubicBezTo>
+                  <a:pt x="294" y="2"/>
+                  <a:pt x="293" y="2"/>
+                  <a:pt x="293" y="2"/>
+                </a:cubicBezTo>
+                <a:cubicBezTo>
+                  <a:pt x="292" y="1"/>
+                  <a:pt x="290" y="0"/>
+                  <a:pt x="287" y="0"/>
+                </a:cubicBezTo>
+                <a:cubicBezTo>
+                  <a:pt x="0" y="0"/>
+                  <a:pt x="0" y="0"/>
+                  <a:pt x="0" y="0"/>
+                </a:cubicBezTo>
+                <a:cubicBezTo>
+                  <a:pt x="0" y="166"/>
+                  <a:pt x="0" y="166"/>
+                  <a:pt x="0" y="166"/>
+                </a:cubicBezTo>
+                <a:lnTo>
+                  <a:pt x="287" y="166"/>
+                </a:lnTo>
+                <a:close/>
+              </a:path>
+            </a:pathLst>
+          </a:custGeom>
+          <a:solidFill>
+            <a:schemeClr val="accent1"/>
+          </a:solidFill>
+          <a:ln>
+            <a:noFill/>
+          </a:ln>
+        </p:spPr>
+      </p:sp>
+      <p:sp useBgFill="1">
+        <p:nvSpPr>
+          <p:cNvPr id="75" name="Rectangle 39">
+            <a:extLst>
+              <a:ext uri="{FF2B5EF4-FFF2-40B4-BE49-F238E27FC236}">
+                <a16:creationId xmlns:a16="http://schemas.microsoft.com/office/drawing/2014/main" id="{F81819F9-8CAC-4A6C-8F06-0482027F9736}"/>
+              </a:ext>
+              <a:ext uri="{C183D7F6-B498-43B3-948B-1728B52AA6E4}">
+                <adec:decorative xmlns:adec="http://schemas.microsoft.com/office/drawing/2017/decorative" val="1"/>
+              </a:ext>
+            </a:extLst>
+          </p:cNvPr>
+          <p:cNvSpPr>
+            <a:spLocks noGrp="1" noRot="1" noChangeAspect="1" noMove="1" noResize="1" noEditPoints="1" noAdjustHandles="1" noChangeArrowheads="1" noChangeShapeType="1" noTextEdit="1"/>
+          </p:cNvSpPr>
+          <p:nvPr>
+            <p:extLst>
+              <p:ext uri="{386F3935-93C4-4BCD-93E2-E3B085C9AB24}">
+                <p16:designElem xmlns:p16="http://schemas.microsoft.com/office/powerpoint/2015/main" val="1"/>
+              </p:ext>
+            </p:extLst>
+          </p:nvPr>
+        </p:nvSpPr>
+        <p:spPr>
+          <a:xfrm>
+            <a:off x="2" y="0"/>
+            <a:ext cx="12191998" cy="6858000"/>
+          </a:xfrm>
+          <a:prstGeom prst="rect">
+            <a:avLst/>
+          </a:prstGeom>
+          <a:ln>
+            <a:noFill/>
+          </a:ln>
+        </p:spPr>
+        <p:style>
+          <a:lnRef idx="2">
+            <a:schemeClr val="accent1">
+              <a:shade val="50000"/>
+            </a:schemeClr>
+          </a:lnRef>
+          <a:fillRef idx="1">
+            <a:schemeClr val="accent1"/>
+          </a:fillRef>
+          <a:effectRef idx="0">
+            <a:schemeClr val="accent1"/>
+          </a:effectRef>
+          <a:fontRef idx="minor">
+            <a:schemeClr val="lt1"/>
+          </a:fontRef>
+        </p:style>
         <p:txBody>
-          <a:bodyPr/>
+          <a:bodyPr rtlCol="0" anchor="ctr"/>
           <a:lstStyle/>
           <a:p>
-            <a:r>
-              <a:rPr lang="en-US" dirty="0"/>
-              <a:t>References…</a:t>
-            </a:r>
+            <a:pPr algn="ctr"/>
+            <a:endParaRPr lang="en-US"/>
           </a:p>
         </p:txBody>
       </p:sp>
@@ -22205,17 +23237,2439 @@
             <p:ph idx="1"/>
           </p:nvPr>
         </p:nvSpPr>
-        <p:spPr/>
+        <p:spPr>
+          <a:xfrm>
+            <a:off x="3373062" y="4127644"/>
+            <a:ext cx="8131550" cy="1126283"/>
+          </a:xfrm>
+        </p:spPr>
         <p:txBody>
-          <a:bodyPr/>
+          <a:bodyPr vert="horz" lIns="91440" tIns="45720" rIns="91440" bIns="45720" rtlCol="0" anchor="t">
+            <a:normAutofit/>
+          </a:bodyPr>
           <a:lstStyle/>
           <a:p>
+            <a:pPr marL="0" indent="0">
+              <a:buNone/>
+            </a:pPr>
             <a:r>
-              <a:rPr lang="en-US"/>
+              <a:rPr lang="en-US" dirty="0">
+                <a:solidFill>
+                  <a:schemeClr val="tx1">
+                    <a:lumMod val="65000"/>
+                    <a:lumOff val="35000"/>
+                  </a:schemeClr>
+                </a:solidFill>
+              </a:rPr>
               <a:t>See speaker notes.</a:t>
             </a:r>
           </a:p>
         </p:txBody>
+      </p:sp>
+      <p:sp>
+        <p:nvSpPr>
+          <p:cNvPr id="2" name="Title 1">
+            <a:extLst>
+              <a:ext uri="{FF2B5EF4-FFF2-40B4-BE49-F238E27FC236}">
+                <a16:creationId xmlns:a16="http://schemas.microsoft.com/office/drawing/2014/main" id="{317E1158-DF8E-452E-A60B-165340B5321A}"/>
+              </a:ext>
+            </a:extLst>
+          </p:cNvPr>
+          <p:cNvSpPr>
+            <a:spLocks noGrp="1"/>
+          </p:cNvSpPr>
+          <p:nvPr>
+            <p:ph type="title"/>
+          </p:nvPr>
+        </p:nvSpPr>
+        <p:spPr>
+          <a:xfrm>
+            <a:off x="3373062" y="1864865"/>
+            <a:ext cx="8131550" cy="2262781"/>
+          </a:xfrm>
+        </p:spPr>
+        <p:txBody>
+          <a:bodyPr vert="horz" lIns="91440" tIns="45720" rIns="91440" bIns="45720" rtlCol="0" anchor="b">
+            <a:normAutofit/>
+          </a:bodyPr>
+          <a:lstStyle/>
+          <a:p>
+            <a:r>
+              <a:rPr lang="en-US" sz="5400"/>
+              <a:t>References…</a:t>
+            </a:r>
+          </a:p>
+        </p:txBody>
+      </p:sp>
+      <p:sp>
+        <p:nvSpPr>
+          <p:cNvPr id="76" name="Rectangle 41">
+            <a:extLst>
+              <a:ext uri="{FF2B5EF4-FFF2-40B4-BE49-F238E27FC236}">
+                <a16:creationId xmlns:a16="http://schemas.microsoft.com/office/drawing/2014/main" id="{4A98CC08-AEC2-4E8F-8F52-0F5C6372DB4F}"/>
+              </a:ext>
+              <a:ext uri="{C183D7F6-B498-43B3-948B-1728B52AA6E4}">
+                <adec:decorative xmlns:adec="http://schemas.microsoft.com/office/drawing/2017/decorative" val="1"/>
+              </a:ext>
+            </a:extLst>
+          </p:cNvPr>
+          <p:cNvSpPr>
+            <a:spLocks noGrp="1" noRot="1" noChangeAspect="1" noMove="1" noResize="1" noEditPoints="1" noAdjustHandles="1" noChangeArrowheads="1" noChangeShapeType="1" noTextEdit="1"/>
+          </p:cNvSpPr>
+          <p:nvPr>
+            <p:extLst>
+              <p:ext uri="{386F3935-93C4-4BCD-93E2-E3B085C9AB24}">
+                <p16:designElem xmlns:p16="http://schemas.microsoft.com/office/powerpoint/2015/main" val="1"/>
+              </p:ext>
+            </p:extLst>
+          </p:nvPr>
+        </p:nvSpPr>
+        <p:spPr>
+          <a:xfrm>
+            <a:off x="1" y="0"/>
+            <a:ext cx="2851515" cy="6858000"/>
+          </a:xfrm>
+          <a:prstGeom prst="rect">
+            <a:avLst/>
+          </a:prstGeom>
+          <a:solidFill>
+            <a:schemeClr val="tx2"/>
+          </a:solidFill>
+          <a:ln>
+            <a:noFill/>
+          </a:ln>
+        </p:spPr>
+        <p:style>
+          <a:lnRef idx="2">
+            <a:schemeClr val="accent1">
+              <a:shade val="50000"/>
+            </a:schemeClr>
+          </a:lnRef>
+          <a:fillRef idx="1">
+            <a:schemeClr val="accent1"/>
+          </a:fillRef>
+          <a:effectRef idx="0">
+            <a:schemeClr val="accent1"/>
+          </a:effectRef>
+          <a:fontRef idx="minor">
+            <a:schemeClr val="lt1"/>
+          </a:fontRef>
+        </p:style>
+        <p:txBody>
+          <a:bodyPr rtlCol="0" anchor="ctr"/>
+          <a:lstStyle/>
+          <a:p>
+            <a:pPr algn="ctr"/>
+            <a:endParaRPr lang="en-US"/>
+          </a:p>
+        </p:txBody>
+      </p:sp>
+      <p:grpSp>
+        <p:nvGrpSpPr>
+          <p:cNvPr id="77" name="Group 43">
+            <a:extLst>
+              <a:ext uri="{FF2B5EF4-FFF2-40B4-BE49-F238E27FC236}">
+                <a16:creationId xmlns:a16="http://schemas.microsoft.com/office/drawing/2014/main" id="{5D1545E6-EB3C-4478-A661-A2CA963F129C}"/>
+              </a:ext>
+              <a:ext uri="{C183D7F6-B498-43B3-948B-1728B52AA6E4}">
+                <adec:decorative xmlns:adec="http://schemas.microsoft.com/office/drawing/2017/decorative" val="1"/>
+              </a:ext>
+            </a:extLst>
+          </p:cNvPr>
+          <p:cNvGrpSpPr>
+            <a:grpSpLocks noGrp="1" noUngrp="1" noRot="1" noChangeAspect="1" noMove="1" noResize="1"/>
+          </p:cNvGrpSpPr>
+          <p:nvPr>
+            <p:extLst>
+              <p:ext uri="{386F3935-93C4-4BCD-93E2-E3B085C9AB24}">
+                <p16:designElem xmlns:p16="http://schemas.microsoft.com/office/powerpoint/2015/main" val="1"/>
+              </p:ext>
+            </p:extLst>
+          </p:nvPr>
+        </p:nvGrpSpPr>
+        <p:grpSpPr>
+          <a:xfrm>
+            <a:off x="9" y="228600"/>
+            <a:ext cx="2851523" cy="6638625"/>
+            <a:chOff x="2487613" y="285750"/>
+            <a:chExt cx="2428875" cy="5654676"/>
+          </a:xfrm>
+          <a:solidFill>
+            <a:schemeClr val="tx2">
+              <a:lumMod val="60000"/>
+              <a:lumOff val="40000"/>
+              <a:alpha val="40000"/>
+            </a:schemeClr>
+          </a:solidFill>
+        </p:grpSpPr>
+        <p:sp>
+          <p:nvSpPr>
+            <p:cNvPr id="45" name="Freeform 11">
+              <a:extLst>
+                <a:ext uri="{FF2B5EF4-FFF2-40B4-BE49-F238E27FC236}">
+                  <a16:creationId xmlns:a16="http://schemas.microsoft.com/office/drawing/2014/main" id="{B2E5B960-0C5D-4F77-8E9F-9F3D883D83C5}"/>
+                </a:ext>
+                <a:ext uri="{C183D7F6-B498-43B3-948B-1728B52AA6E4}">
+                  <adec:decorative xmlns:adec="http://schemas.microsoft.com/office/drawing/2017/decorative" val="1"/>
+                </a:ext>
+              </a:extLst>
+            </p:cNvPr>
+            <p:cNvSpPr/>
+            <p:nvPr>
+              <p:extLst>
+                <p:ext uri="{386F3935-93C4-4BCD-93E2-E3B085C9AB24}">
+                  <p16:designElem xmlns:p16="http://schemas.microsoft.com/office/powerpoint/2015/main" val="1"/>
+                </p:ext>
+              </p:extLst>
+            </p:nvPr>
+          </p:nvSpPr>
+          <p:spPr bwMode="auto">
+            <a:xfrm>
+              <a:off x="2487613" y="2284413"/>
+              <a:ext cx="85725" cy="533400"/>
+            </a:xfrm>
+            <a:custGeom>
+              <a:avLst/>
+              <a:gdLst/>
+              <a:ahLst/>
+              <a:cxnLst/>
+              <a:rect l="0" t="0" r="r" b="b"/>
+              <a:pathLst>
+                <a:path w="22" h="136">
+                  <a:moveTo>
+                    <a:pt x="22" y="136"/>
+                  </a:moveTo>
+                  <a:cubicBezTo>
+                    <a:pt x="20" y="117"/>
+                    <a:pt x="19" y="99"/>
+                    <a:pt x="17" y="80"/>
+                  </a:cubicBezTo>
+                  <a:cubicBezTo>
+                    <a:pt x="11" y="54"/>
+                    <a:pt x="6" y="27"/>
+                    <a:pt x="0" y="0"/>
+                  </a:cubicBezTo>
+                  <a:cubicBezTo>
+                    <a:pt x="0" y="35"/>
+                    <a:pt x="0" y="35"/>
+                    <a:pt x="0" y="35"/>
+                  </a:cubicBezTo>
+                  <a:cubicBezTo>
+                    <a:pt x="6" y="64"/>
+                    <a:pt x="13" y="94"/>
+                    <a:pt x="20" y="124"/>
+                  </a:cubicBezTo>
+                  <a:cubicBezTo>
+                    <a:pt x="20" y="128"/>
+                    <a:pt x="21" y="132"/>
+                    <a:pt x="22" y="136"/>
+                  </a:cubicBezTo>
+                  <a:close/>
+                </a:path>
+              </a:pathLst>
+            </a:custGeom>
+            <a:grpFill/>
+            <a:ln>
+              <a:noFill/>
+            </a:ln>
+          </p:spPr>
+        </p:sp>
+        <p:sp>
+          <p:nvSpPr>
+            <p:cNvPr id="46" name="Freeform 12">
+              <a:extLst>
+                <a:ext uri="{FF2B5EF4-FFF2-40B4-BE49-F238E27FC236}">
+                  <a16:creationId xmlns:a16="http://schemas.microsoft.com/office/drawing/2014/main" id="{258E44FC-92AD-43A0-BB05-DB268C82D8B2}"/>
+                </a:ext>
+                <a:ext uri="{C183D7F6-B498-43B3-948B-1728B52AA6E4}">
+                  <adec:decorative xmlns:adec="http://schemas.microsoft.com/office/drawing/2017/decorative" val="1"/>
+                </a:ext>
+              </a:extLst>
+            </p:cNvPr>
+            <p:cNvSpPr/>
+            <p:nvPr>
+              <p:extLst>
+                <p:ext uri="{386F3935-93C4-4BCD-93E2-E3B085C9AB24}">
+                  <p16:designElem xmlns:p16="http://schemas.microsoft.com/office/powerpoint/2015/main" val="1"/>
+                </p:ext>
+              </p:extLst>
+            </p:nvPr>
+          </p:nvSpPr>
+          <p:spPr bwMode="auto">
+            <a:xfrm>
+              <a:off x="2597151" y="2779713"/>
+              <a:ext cx="550863" cy="1978025"/>
+            </a:xfrm>
+            <a:custGeom>
+              <a:avLst/>
+              <a:gdLst/>
+              <a:ahLst/>
+              <a:cxnLst/>
+              <a:rect l="0" t="0" r="r" b="b"/>
+              <a:pathLst>
+                <a:path w="140" h="504">
+                  <a:moveTo>
+                    <a:pt x="86" y="350"/>
+                  </a:moveTo>
+                  <a:cubicBezTo>
+                    <a:pt x="103" y="402"/>
+                    <a:pt x="120" y="453"/>
+                    <a:pt x="139" y="504"/>
+                  </a:cubicBezTo>
+                  <a:cubicBezTo>
+                    <a:pt x="139" y="495"/>
+                    <a:pt x="139" y="487"/>
+                    <a:pt x="140" y="478"/>
+                  </a:cubicBezTo>
+                  <a:cubicBezTo>
+                    <a:pt x="124" y="435"/>
+                    <a:pt x="109" y="391"/>
+                    <a:pt x="95" y="347"/>
+                  </a:cubicBezTo>
+                  <a:cubicBezTo>
+                    <a:pt x="58" y="233"/>
+                    <a:pt x="27" y="117"/>
+                    <a:pt x="0" y="0"/>
+                  </a:cubicBezTo>
+                  <a:cubicBezTo>
+                    <a:pt x="2" y="20"/>
+                    <a:pt x="4" y="41"/>
+                    <a:pt x="6" y="61"/>
+                  </a:cubicBezTo>
+                  <a:cubicBezTo>
+                    <a:pt x="30" y="158"/>
+                    <a:pt x="56" y="255"/>
+                    <a:pt x="86" y="350"/>
+                  </a:cubicBezTo>
+                  <a:close/>
+                </a:path>
+              </a:pathLst>
+            </a:custGeom>
+            <a:grpFill/>
+            <a:ln>
+              <a:noFill/>
+            </a:ln>
+          </p:spPr>
+        </p:sp>
+        <p:sp>
+          <p:nvSpPr>
+            <p:cNvPr id="47" name="Freeform 13">
+              <a:extLst>
+                <a:ext uri="{FF2B5EF4-FFF2-40B4-BE49-F238E27FC236}">
+                  <a16:creationId xmlns:a16="http://schemas.microsoft.com/office/drawing/2014/main" id="{C63D3083-A56C-4199-8DE0-63C8BE9EDFE9}"/>
+                </a:ext>
+                <a:ext uri="{C183D7F6-B498-43B3-948B-1728B52AA6E4}">
+                  <adec:decorative xmlns:adec="http://schemas.microsoft.com/office/drawing/2017/decorative" val="1"/>
+                </a:ext>
+              </a:extLst>
+            </p:cNvPr>
+            <p:cNvSpPr/>
+            <p:nvPr>
+              <p:extLst>
+                <p:ext uri="{386F3935-93C4-4BCD-93E2-E3B085C9AB24}">
+                  <p16:designElem xmlns:p16="http://schemas.microsoft.com/office/powerpoint/2015/main" val="1"/>
+                </p:ext>
+              </p:extLst>
+            </p:nvPr>
+          </p:nvSpPr>
+          <p:spPr bwMode="auto">
+            <a:xfrm>
+              <a:off x="3175001" y="4730750"/>
+              <a:ext cx="519113" cy="1209675"/>
+            </a:xfrm>
+            <a:custGeom>
+              <a:avLst/>
+              <a:gdLst/>
+              <a:ahLst/>
+              <a:cxnLst/>
+              <a:rect l="0" t="0" r="r" b="b"/>
+              <a:pathLst>
+                <a:path w="132" h="308">
+                  <a:moveTo>
+                    <a:pt x="8" y="22"/>
+                  </a:moveTo>
+                  <a:cubicBezTo>
+                    <a:pt x="5" y="15"/>
+                    <a:pt x="2" y="8"/>
+                    <a:pt x="0" y="0"/>
+                  </a:cubicBezTo>
+                  <a:cubicBezTo>
+                    <a:pt x="0" y="10"/>
+                    <a:pt x="0" y="19"/>
+                    <a:pt x="0" y="29"/>
+                  </a:cubicBezTo>
+                  <a:cubicBezTo>
+                    <a:pt x="21" y="85"/>
+                    <a:pt x="44" y="140"/>
+                    <a:pt x="68" y="194"/>
+                  </a:cubicBezTo>
+                  <a:cubicBezTo>
+                    <a:pt x="85" y="232"/>
+                    <a:pt x="104" y="270"/>
+                    <a:pt x="123" y="308"/>
+                  </a:cubicBezTo>
+                  <a:cubicBezTo>
+                    <a:pt x="132" y="308"/>
+                    <a:pt x="132" y="308"/>
+                    <a:pt x="132" y="308"/>
+                  </a:cubicBezTo>
+                  <a:cubicBezTo>
+                    <a:pt x="113" y="269"/>
+                    <a:pt x="94" y="230"/>
+                    <a:pt x="77" y="190"/>
+                  </a:cubicBezTo>
+                  <a:cubicBezTo>
+                    <a:pt x="52" y="135"/>
+                    <a:pt x="29" y="79"/>
+                    <a:pt x="8" y="22"/>
+                  </a:cubicBezTo>
+                  <a:close/>
+                </a:path>
+              </a:pathLst>
+            </a:custGeom>
+            <a:grpFill/>
+            <a:ln>
+              <a:noFill/>
+            </a:ln>
+          </p:spPr>
+        </p:sp>
+        <p:sp>
+          <p:nvSpPr>
+            <p:cNvPr id="48" name="Freeform 14">
+              <a:extLst>
+                <a:ext uri="{FF2B5EF4-FFF2-40B4-BE49-F238E27FC236}">
+                  <a16:creationId xmlns:a16="http://schemas.microsoft.com/office/drawing/2014/main" id="{C7CD3581-635D-438F-A64F-68404E7AE0B8}"/>
+                </a:ext>
+                <a:ext uri="{C183D7F6-B498-43B3-948B-1728B52AA6E4}">
+                  <adec:decorative xmlns:adec="http://schemas.microsoft.com/office/drawing/2017/decorative" val="1"/>
+                </a:ext>
+              </a:extLst>
+            </p:cNvPr>
+            <p:cNvSpPr/>
+            <p:nvPr>
+              <p:extLst>
+                <p:ext uri="{386F3935-93C4-4BCD-93E2-E3B085C9AB24}">
+                  <p16:designElem xmlns:p16="http://schemas.microsoft.com/office/powerpoint/2015/main" val="1"/>
+                </p:ext>
+              </p:extLst>
+            </p:nvPr>
+          </p:nvSpPr>
+          <p:spPr bwMode="auto">
+            <a:xfrm>
+              <a:off x="3305176" y="5630863"/>
+              <a:ext cx="146050" cy="309563"/>
+            </a:xfrm>
+            <a:custGeom>
+              <a:avLst/>
+              <a:gdLst/>
+              <a:ahLst/>
+              <a:cxnLst/>
+              <a:rect l="0" t="0" r="r" b="b"/>
+              <a:pathLst>
+                <a:path w="37" h="79">
+                  <a:moveTo>
+                    <a:pt x="28" y="79"/>
+                  </a:moveTo>
+                  <a:cubicBezTo>
+                    <a:pt x="37" y="79"/>
+                    <a:pt x="37" y="79"/>
+                    <a:pt x="37" y="79"/>
+                  </a:cubicBezTo>
+                  <a:cubicBezTo>
+                    <a:pt x="24" y="53"/>
+                    <a:pt x="12" y="27"/>
+                    <a:pt x="0" y="0"/>
+                  </a:cubicBezTo>
+                  <a:cubicBezTo>
+                    <a:pt x="8" y="27"/>
+                    <a:pt x="17" y="53"/>
+                    <a:pt x="28" y="79"/>
+                  </a:cubicBezTo>
+                  <a:close/>
+                </a:path>
+              </a:pathLst>
+            </a:custGeom>
+            <a:grpFill/>
+            <a:ln>
+              <a:noFill/>
+            </a:ln>
+          </p:spPr>
+        </p:sp>
+        <p:sp>
+          <p:nvSpPr>
+            <p:cNvPr id="49" name="Freeform 15">
+              <a:extLst>
+                <a:ext uri="{FF2B5EF4-FFF2-40B4-BE49-F238E27FC236}">
+                  <a16:creationId xmlns:a16="http://schemas.microsoft.com/office/drawing/2014/main" id="{AD6904C0-211C-41A2-BDB8-3B07C90BBB4C}"/>
+                </a:ext>
+                <a:ext uri="{C183D7F6-B498-43B3-948B-1728B52AA6E4}">
+                  <adec:decorative xmlns:adec="http://schemas.microsoft.com/office/drawing/2017/decorative" val="1"/>
+                </a:ext>
+              </a:extLst>
+            </p:cNvPr>
+            <p:cNvSpPr/>
+            <p:nvPr>
+              <p:extLst>
+                <p:ext uri="{386F3935-93C4-4BCD-93E2-E3B085C9AB24}">
+                  <p16:designElem xmlns:p16="http://schemas.microsoft.com/office/powerpoint/2015/main" val="1"/>
+                </p:ext>
+              </p:extLst>
+            </p:nvPr>
+          </p:nvSpPr>
+          <p:spPr bwMode="auto">
+            <a:xfrm>
+              <a:off x="2573338" y="2817813"/>
+              <a:ext cx="700088" cy="2835275"/>
+            </a:xfrm>
+            <a:custGeom>
+              <a:avLst/>
+              <a:gdLst/>
+              <a:ahLst/>
+              <a:cxnLst/>
+              <a:rect l="0" t="0" r="r" b="b"/>
+              <a:pathLst>
+                <a:path w="178" h="722">
+                  <a:moveTo>
+                    <a:pt x="162" y="660"/>
+                  </a:moveTo>
+                  <a:cubicBezTo>
+                    <a:pt x="145" y="618"/>
+                    <a:pt x="130" y="576"/>
+                    <a:pt x="116" y="534"/>
+                  </a:cubicBezTo>
+                  <a:cubicBezTo>
+                    <a:pt x="84" y="437"/>
+                    <a:pt x="59" y="337"/>
+                    <a:pt x="40" y="236"/>
+                  </a:cubicBezTo>
+                  <a:cubicBezTo>
+                    <a:pt x="29" y="175"/>
+                    <a:pt x="20" y="113"/>
+                    <a:pt x="12" y="51"/>
+                  </a:cubicBezTo>
+                  <a:cubicBezTo>
+                    <a:pt x="8" y="34"/>
+                    <a:pt x="4" y="17"/>
+                    <a:pt x="0" y="0"/>
+                  </a:cubicBezTo>
+                  <a:cubicBezTo>
+                    <a:pt x="8" y="79"/>
+                    <a:pt x="19" y="159"/>
+                    <a:pt x="33" y="237"/>
+                  </a:cubicBezTo>
+                  <a:cubicBezTo>
+                    <a:pt x="51" y="339"/>
+                    <a:pt x="76" y="439"/>
+                    <a:pt x="107" y="537"/>
+                  </a:cubicBezTo>
+                  <a:cubicBezTo>
+                    <a:pt x="123" y="586"/>
+                    <a:pt x="141" y="634"/>
+                    <a:pt x="160" y="681"/>
+                  </a:cubicBezTo>
+                  <a:cubicBezTo>
+                    <a:pt x="166" y="695"/>
+                    <a:pt x="172" y="708"/>
+                    <a:pt x="178" y="722"/>
+                  </a:cubicBezTo>
+                  <a:cubicBezTo>
+                    <a:pt x="176" y="717"/>
+                    <a:pt x="175" y="713"/>
+                    <a:pt x="174" y="708"/>
+                  </a:cubicBezTo>
+                  <a:cubicBezTo>
+                    <a:pt x="169" y="692"/>
+                    <a:pt x="165" y="676"/>
+                    <a:pt x="162" y="660"/>
+                  </a:cubicBezTo>
+                  <a:close/>
+                </a:path>
+              </a:pathLst>
+            </a:custGeom>
+            <a:grpFill/>
+            <a:ln>
+              <a:noFill/>
+            </a:ln>
+          </p:spPr>
+        </p:sp>
+        <p:sp>
+          <p:nvSpPr>
+            <p:cNvPr id="50" name="Freeform 16">
+              <a:extLst>
+                <a:ext uri="{FF2B5EF4-FFF2-40B4-BE49-F238E27FC236}">
+                  <a16:creationId xmlns:a16="http://schemas.microsoft.com/office/drawing/2014/main" id="{B0837DA6-CAF9-4E78-A39E-6358EDE2B108}"/>
+                </a:ext>
+                <a:ext uri="{C183D7F6-B498-43B3-948B-1728B52AA6E4}">
+                  <adec:decorative xmlns:adec="http://schemas.microsoft.com/office/drawing/2017/decorative" val="1"/>
+                </a:ext>
+              </a:extLst>
+            </p:cNvPr>
+            <p:cNvSpPr/>
+            <p:nvPr>
+              <p:extLst>
+                <p:ext uri="{386F3935-93C4-4BCD-93E2-E3B085C9AB24}">
+                  <p16:designElem xmlns:p16="http://schemas.microsoft.com/office/powerpoint/2015/main" val="1"/>
+                </p:ext>
+              </p:extLst>
+            </p:nvPr>
+          </p:nvSpPr>
+          <p:spPr bwMode="auto">
+            <a:xfrm>
+              <a:off x="2506663" y="285750"/>
+              <a:ext cx="90488" cy="2493963"/>
+            </a:xfrm>
+            <a:custGeom>
+              <a:avLst/>
+              <a:gdLst/>
+              <a:ahLst/>
+              <a:cxnLst/>
+              <a:rect l="0" t="0" r="r" b="b"/>
+              <a:pathLst>
+                <a:path w="23" h="635">
+                  <a:moveTo>
+                    <a:pt x="11" y="577"/>
+                  </a:moveTo>
+                  <a:cubicBezTo>
+                    <a:pt x="12" y="581"/>
+                    <a:pt x="12" y="585"/>
+                    <a:pt x="12" y="589"/>
+                  </a:cubicBezTo>
+                  <a:cubicBezTo>
+                    <a:pt x="15" y="603"/>
+                    <a:pt x="19" y="617"/>
+                    <a:pt x="22" y="632"/>
+                  </a:cubicBezTo>
+                  <a:cubicBezTo>
+                    <a:pt x="22" y="633"/>
+                    <a:pt x="22" y="634"/>
+                    <a:pt x="23" y="635"/>
+                  </a:cubicBezTo>
+                  <a:cubicBezTo>
+                    <a:pt x="21" y="615"/>
+                    <a:pt x="19" y="596"/>
+                    <a:pt x="17" y="576"/>
+                  </a:cubicBezTo>
+                  <a:cubicBezTo>
+                    <a:pt x="9" y="474"/>
+                    <a:pt x="5" y="372"/>
+                    <a:pt x="5" y="269"/>
+                  </a:cubicBezTo>
+                  <a:cubicBezTo>
+                    <a:pt x="6" y="179"/>
+                    <a:pt x="9" y="90"/>
+                    <a:pt x="15" y="0"/>
+                  </a:cubicBezTo>
+                  <a:cubicBezTo>
+                    <a:pt x="12" y="0"/>
+                    <a:pt x="12" y="0"/>
+                    <a:pt x="12" y="0"/>
+                  </a:cubicBezTo>
+                  <a:cubicBezTo>
+                    <a:pt x="5" y="89"/>
+                    <a:pt x="2" y="179"/>
+                    <a:pt x="1" y="269"/>
+                  </a:cubicBezTo>
+                  <a:cubicBezTo>
+                    <a:pt x="0" y="372"/>
+                    <a:pt x="3" y="474"/>
+                    <a:pt x="11" y="577"/>
+                  </a:cubicBezTo>
+                  <a:close/>
+                </a:path>
+              </a:pathLst>
+            </a:custGeom>
+            <a:grpFill/>
+            <a:ln>
+              <a:noFill/>
+            </a:ln>
+          </p:spPr>
+        </p:sp>
+        <p:sp>
+          <p:nvSpPr>
+            <p:cNvPr id="51" name="Freeform 17">
+              <a:extLst>
+                <a:ext uri="{FF2B5EF4-FFF2-40B4-BE49-F238E27FC236}">
+                  <a16:creationId xmlns:a16="http://schemas.microsoft.com/office/drawing/2014/main" id="{0A99DD7D-3AB3-471E-842F-8AFEA09D07E4}"/>
+                </a:ext>
+                <a:ext uri="{C183D7F6-B498-43B3-948B-1728B52AA6E4}">
+                  <adec:decorative xmlns:adec="http://schemas.microsoft.com/office/drawing/2017/decorative" val="1"/>
+                </a:ext>
+              </a:extLst>
+            </p:cNvPr>
+            <p:cNvSpPr/>
+            <p:nvPr>
+              <p:extLst>
+                <p:ext uri="{386F3935-93C4-4BCD-93E2-E3B085C9AB24}">
+                  <p16:designElem xmlns:p16="http://schemas.microsoft.com/office/powerpoint/2015/main" val="1"/>
+                </p:ext>
+              </p:extLst>
+            </p:nvPr>
+          </p:nvSpPr>
+          <p:spPr bwMode="auto">
+            <a:xfrm>
+              <a:off x="2554288" y="2598738"/>
+              <a:ext cx="66675" cy="420688"/>
+            </a:xfrm>
+            <a:custGeom>
+              <a:avLst/>
+              <a:gdLst/>
+              <a:ahLst/>
+              <a:cxnLst/>
+              <a:rect l="0" t="0" r="r" b="b"/>
+              <a:pathLst>
+                <a:path w="17" h="107">
+                  <a:moveTo>
+                    <a:pt x="0" y="0"/>
+                  </a:moveTo>
+                  <a:cubicBezTo>
+                    <a:pt x="2" y="19"/>
+                    <a:pt x="3" y="37"/>
+                    <a:pt x="5" y="56"/>
+                  </a:cubicBezTo>
+                  <a:cubicBezTo>
+                    <a:pt x="9" y="73"/>
+                    <a:pt x="13" y="90"/>
+                    <a:pt x="17" y="107"/>
+                  </a:cubicBezTo>
+                  <a:cubicBezTo>
+                    <a:pt x="15" y="87"/>
+                    <a:pt x="13" y="66"/>
+                    <a:pt x="11" y="46"/>
+                  </a:cubicBezTo>
+                  <a:cubicBezTo>
+                    <a:pt x="10" y="45"/>
+                    <a:pt x="10" y="44"/>
+                    <a:pt x="10" y="43"/>
+                  </a:cubicBezTo>
+                  <a:cubicBezTo>
+                    <a:pt x="7" y="28"/>
+                    <a:pt x="3" y="14"/>
+                    <a:pt x="0" y="0"/>
+                  </a:cubicBezTo>
+                  <a:close/>
+                </a:path>
+              </a:pathLst>
+            </a:custGeom>
+            <a:grpFill/>
+            <a:ln>
+              <a:noFill/>
+            </a:ln>
+          </p:spPr>
+        </p:sp>
+        <p:sp>
+          <p:nvSpPr>
+            <p:cNvPr id="52" name="Freeform 18">
+              <a:extLst>
+                <a:ext uri="{FF2B5EF4-FFF2-40B4-BE49-F238E27FC236}">
+                  <a16:creationId xmlns:a16="http://schemas.microsoft.com/office/drawing/2014/main" id="{9C70B0D4-92FE-478F-86BD-93BA2C4DFCDC}"/>
+                </a:ext>
+                <a:ext uri="{C183D7F6-B498-43B3-948B-1728B52AA6E4}">
+                  <adec:decorative xmlns:adec="http://schemas.microsoft.com/office/drawing/2017/decorative" val="1"/>
+                </a:ext>
+              </a:extLst>
+            </p:cNvPr>
+            <p:cNvSpPr/>
+            <p:nvPr>
+              <p:extLst>
+                <p:ext uri="{386F3935-93C4-4BCD-93E2-E3B085C9AB24}">
+                  <p16:designElem xmlns:p16="http://schemas.microsoft.com/office/powerpoint/2015/main" val="1"/>
+                </p:ext>
+              </p:extLst>
+            </p:nvPr>
+          </p:nvSpPr>
+          <p:spPr bwMode="auto">
+            <a:xfrm>
+              <a:off x="3143251" y="4757738"/>
+              <a:ext cx="161925" cy="873125"/>
+            </a:xfrm>
+            <a:custGeom>
+              <a:avLst/>
+              <a:gdLst/>
+              <a:ahLst/>
+              <a:cxnLst/>
+              <a:rect l="0" t="0" r="r" b="b"/>
+              <a:pathLst>
+                <a:path w="41" h="222">
+                  <a:moveTo>
+                    <a:pt x="0" y="0"/>
+                  </a:moveTo>
+                  <a:cubicBezTo>
+                    <a:pt x="0" y="31"/>
+                    <a:pt x="2" y="62"/>
+                    <a:pt x="5" y="93"/>
+                  </a:cubicBezTo>
+                  <a:cubicBezTo>
+                    <a:pt x="8" y="117"/>
+                    <a:pt x="12" y="142"/>
+                    <a:pt x="17" y="166"/>
+                  </a:cubicBezTo>
+                  <a:cubicBezTo>
+                    <a:pt x="19" y="172"/>
+                    <a:pt x="22" y="178"/>
+                    <a:pt x="24" y="184"/>
+                  </a:cubicBezTo>
+                  <a:cubicBezTo>
+                    <a:pt x="30" y="197"/>
+                    <a:pt x="35" y="209"/>
+                    <a:pt x="41" y="222"/>
+                  </a:cubicBezTo>
+                  <a:cubicBezTo>
+                    <a:pt x="40" y="219"/>
+                    <a:pt x="39" y="215"/>
+                    <a:pt x="38" y="212"/>
+                  </a:cubicBezTo>
+                  <a:cubicBezTo>
+                    <a:pt x="26" y="172"/>
+                    <a:pt x="18" y="132"/>
+                    <a:pt x="13" y="92"/>
+                  </a:cubicBezTo>
+                  <a:cubicBezTo>
+                    <a:pt x="11" y="68"/>
+                    <a:pt x="9" y="45"/>
+                    <a:pt x="8" y="22"/>
+                  </a:cubicBezTo>
+                  <a:cubicBezTo>
+                    <a:pt x="8" y="21"/>
+                    <a:pt x="7" y="20"/>
+                    <a:pt x="7" y="18"/>
+                  </a:cubicBezTo>
+                  <a:cubicBezTo>
+                    <a:pt x="5" y="12"/>
+                    <a:pt x="2" y="6"/>
+                    <a:pt x="0" y="0"/>
+                  </a:cubicBezTo>
+                  <a:close/>
+                </a:path>
+              </a:pathLst>
+            </a:custGeom>
+            <a:grpFill/>
+            <a:ln>
+              <a:noFill/>
+            </a:ln>
+          </p:spPr>
+        </p:sp>
+        <p:sp>
+          <p:nvSpPr>
+            <p:cNvPr id="53" name="Freeform 19">
+              <a:extLst>
+                <a:ext uri="{FF2B5EF4-FFF2-40B4-BE49-F238E27FC236}">
+                  <a16:creationId xmlns:a16="http://schemas.microsoft.com/office/drawing/2014/main" id="{C9156BE6-11D4-4696-9E3F-C325BFAC8196}"/>
+                </a:ext>
+                <a:ext uri="{C183D7F6-B498-43B3-948B-1728B52AA6E4}">
+                  <adec:decorative xmlns:adec="http://schemas.microsoft.com/office/drawing/2017/decorative" val="1"/>
+                </a:ext>
+              </a:extLst>
+            </p:cNvPr>
+            <p:cNvSpPr/>
+            <p:nvPr>
+              <p:extLst>
+                <p:ext uri="{386F3935-93C4-4BCD-93E2-E3B085C9AB24}">
+                  <p16:designElem xmlns:p16="http://schemas.microsoft.com/office/powerpoint/2015/main" val="1"/>
+                </p:ext>
+              </p:extLst>
+            </p:nvPr>
+          </p:nvSpPr>
+          <p:spPr bwMode="auto">
+            <a:xfrm>
+              <a:off x="3148013" y="1282700"/>
+              <a:ext cx="1768475" cy="3448050"/>
+            </a:xfrm>
+            <a:custGeom>
+              <a:avLst/>
+              <a:gdLst/>
+              <a:ahLst/>
+              <a:cxnLst/>
+              <a:rect l="0" t="0" r="r" b="b"/>
+              <a:pathLst>
+                <a:path w="450" h="878">
+                  <a:moveTo>
+                    <a:pt x="7" y="854"/>
+                  </a:moveTo>
+                  <a:cubicBezTo>
+                    <a:pt x="10" y="772"/>
+                    <a:pt x="26" y="691"/>
+                    <a:pt x="50" y="613"/>
+                  </a:cubicBezTo>
+                  <a:cubicBezTo>
+                    <a:pt x="75" y="535"/>
+                    <a:pt x="109" y="460"/>
+                    <a:pt x="149" y="388"/>
+                  </a:cubicBezTo>
+                  <a:cubicBezTo>
+                    <a:pt x="189" y="316"/>
+                    <a:pt x="235" y="248"/>
+                    <a:pt x="285" y="183"/>
+                  </a:cubicBezTo>
+                  <a:cubicBezTo>
+                    <a:pt x="310" y="151"/>
+                    <a:pt x="337" y="119"/>
+                    <a:pt x="364" y="89"/>
+                  </a:cubicBezTo>
+                  <a:cubicBezTo>
+                    <a:pt x="378" y="74"/>
+                    <a:pt x="392" y="58"/>
+                    <a:pt x="406" y="44"/>
+                  </a:cubicBezTo>
+                  <a:cubicBezTo>
+                    <a:pt x="421" y="29"/>
+                    <a:pt x="435" y="15"/>
+                    <a:pt x="450" y="1"/>
+                  </a:cubicBezTo>
+                  <a:cubicBezTo>
+                    <a:pt x="450" y="0"/>
+                    <a:pt x="450" y="0"/>
+                    <a:pt x="450" y="0"/>
+                  </a:cubicBezTo>
+                  <a:cubicBezTo>
+                    <a:pt x="434" y="14"/>
+                    <a:pt x="420" y="28"/>
+                    <a:pt x="405" y="43"/>
+                  </a:cubicBezTo>
+                  <a:cubicBezTo>
+                    <a:pt x="391" y="57"/>
+                    <a:pt x="377" y="72"/>
+                    <a:pt x="363" y="88"/>
+                  </a:cubicBezTo>
+                  <a:cubicBezTo>
+                    <a:pt x="335" y="118"/>
+                    <a:pt x="308" y="149"/>
+                    <a:pt x="283" y="181"/>
+                  </a:cubicBezTo>
+                  <a:cubicBezTo>
+                    <a:pt x="232" y="246"/>
+                    <a:pt x="185" y="314"/>
+                    <a:pt x="145" y="386"/>
+                  </a:cubicBezTo>
+                  <a:cubicBezTo>
+                    <a:pt x="104" y="457"/>
+                    <a:pt x="70" y="533"/>
+                    <a:pt x="45" y="611"/>
+                  </a:cubicBezTo>
+                  <a:cubicBezTo>
+                    <a:pt x="19" y="690"/>
+                    <a:pt x="3" y="771"/>
+                    <a:pt x="0" y="854"/>
+                  </a:cubicBezTo>
+                  <a:cubicBezTo>
+                    <a:pt x="0" y="856"/>
+                    <a:pt x="0" y="857"/>
+                    <a:pt x="0" y="859"/>
+                  </a:cubicBezTo>
+                  <a:cubicBezTo>
+                    <a:pt x="2" y="865"/>
+                    <a:pt x="4" y="872"/>
+                    <a:pt x="7" y="878"/>
+                  </a:cubicBezTo>
+                  <a:cubicBezTo>
+                    <a:pt x="7" y="870"/>
+                    <a:pt x="7" y="862"/>
+                    <a:pt x="7" y="854"/>
+                  </a:cubicBezTo>
+                  <a:close/>
+                </a:path>
+              </a:pathLst>
+            </a:custGeom>
+            <a:grpFill/>
+            <a:ln>
+              <a:noFill/>
+            </a:ln>
+          </p:spPr>
+        </p:sp>
+        <p:sp>
+          <p:nvSpPr>
+            <p:cNvPr id="54" name="Freeform 20">
+              <a:extLst>
+                <a:ext uri="{FF2B5EF4-FFF2-40B4-BE49-F238E27FC236}">
+                  <a16:creationId xmlns:a16="http://schemas.microsoft.com/office/drawing/2014/main" id="{4E667226-1D20-4A9D-BBE3-AC17EA436F05}"/>
+                </a:ext>
+                <a:ext uri="{C183D7F6-B498-43B3-948B-1728B52AA6E4}">
+                  <adec:decorative xmlns:adec="http://schemas.microsoft.com/office/drawing/2017/decorative" val="1"/>
+                </a:ext>
+              </a:extLst>
+            </p:cNvPr>
+            <p:cNvSpPr/>
+            <p:nvPr>
+              <p:extLst>
+                <p:ext uri="{386F3935-93C4-4BCD-93E2-E3B085C9AB24}">
+                  <p16:designElem xmlns:p16="http://schemas.microsoft.com/office/powerpoint/2015/main" val="1"/>
+                </p:ext>
+              </p:extLst>
+            </p:nvPr>
+          </p:nvSpPr>
+          <p:spPr bwMode="auto">
+            <a:xfrm>
+              <a:off x="3273426" y="5653088"/>
+              <a:ext cx="138113" cy="287338"/>
+            </a:xfrm>
+            <a:custGeom>
+              <a:avLst/>
+              <a:gdLst/>
+              <a:ahLst/>
+              <a:cxnLst/>
+              <a:rect l="0" t="0" r="r" b="b"/>
+              <a:pathLst>
+                <a:path w="35" h="73">
+                  <a:moveTo>
+                    <a:pt x="0" y="0"/>
+                  </a:moveTo>
+                  <a:cubicBezTo>
+                    <a:pt x="7" y="24"/>
+                    <a:pt x="16" y="49"/>
+                    <a:pt x="26" y="73"/>
+                  </a:cubicBezTo>
+                  <a:cubicBezTo>
+                    <a:pt x="35" y="73"/>
+                    <a:pt x="35" y="73"/>
+                    <a:pt x="35" y="73"/>
+                  </a:cubicBezTo>
+                  <a:cubicBezTo>
+                    <a:pt x="23" y="49"/>
+                    <a:pt x="11" y="24"/>
+                    <a:pt x="0" y="0"/>
+                  </a:cubicBezTo>
+                  <a:close/>
+                </a:path>
+              </a:pathLst>
+            </a:custGeom>
+            <a:grpFill/>
+            <a:ln>
+              <a:noFill/>
+            </a:ln>
+          </p:spPr>
+        </p:sp>
+        <p:sp>
+          <p:nvSpPr>
+            <p:cNvPr id="55" name="Freeform 21">
+              <a:extLst>
+                <a:ext uri="{FF2B5EF4-FFF2-40B4-BE49-F238E27FC236}">
+                  <a16:creationId xmlns:a16="http://schemas.microsoft.com/office/drawing/2014/main" id="{2F87E3B6-5202-4434-9B26-42B46774F327}"/>
+                </a:ext>
+                <a:ext uri="{C183D7F6-B498-43B3-948B-1728B52AA6E4}">
+                  <adec:decorative xmlns:adec="http://schemas.microsoft.com/office/drawing/2017/decorative" val="1"/>
+                </a:ext>
+              </a:extLst>
+            </p:cNvPr>
+            <p:cNvSpPr/>
+            <p:nvPr>
+              <p:extLst>
+                <p:ext uri="{386F3935-93C4-4BCD-93E2-E3B085C9AB24}">
+                  <p16:designElem xmlns:p16="http://schemas.microsoft.com/office/powerpoint/2015/main" val="1"/>
+                </p:ext>
+              </p:extLst>
+            </p:nvPr>
+          </p:nvSpPr>
+          <p:spPr bwMode="auto">
+            <a:xfrm>
+              <a:off x="3143251" y="4656138"/>
+              <a:ext cx="31750" cy="188913"/>
+            </a:xfrm>
+            <a:custGeom>
+              <a:avLst/>
+              <a:gdLst/>
+              <a:ahLst/>
+              <a:cxnLst/>
+              <a:rect l="0" t="0" r="r" b="b"/>
+              <a:pathLst>
+                <a:path w="8" h="48">
+                  <a:moveTo>
+                    <a:pt x="7" y="44"/>
+                  </a:moveTo>
+                  <a:cubicBezTo>
+                    <a:pt x="7" y="46"/>
+                    <a:pt x="8" y="47"/>
+                    <a:pt x="8" y="48"/>
+                  </a:cubicBezTo>
+                  <a:cubicBezTo>
+                    <a:pt x="8" y="38"/>
+                    <a:pt x="8" y="29"/>
+                    <a:pt x="8" y="19"/>
+                  </a:cubicBezTo>
+                  <a:cubicBezTo>
+                    <a:pt x="5" y="13"/>
+                    <a:pt x="3" y="6"/>
+                    <a:pt x="1" y="0"/>
+                  </a:cubicBezTo>
+                  <a:cubicBezTo>
+                    <a:pt x="0" y="9"/>
+                    <a:pt x="0" y="17"/>
+                    <a:pt x="0" y="26"/>
+                  </a:cubicBezTo>
+                  <a:cubicBezTo>
+                    <a:pt x="2" y="32"/>
+                    <a:pt x="5" y="38"/>
+                    <a:pt x="7" y="44"/>
+                  </a:cubicBezTo>
+                  <a:close/>
+                </a:path>
+              </a:pathLst>
+            </a:custGeom>
+            <a:grpFill/>
+            <a:ln>
+              <a:noFill/>
+            </a:ln>
+          </p:spPr>
+        </p:sp>
+        <p:sp>
+          <p:nvSpPr>
+            <p:cNvPr id="56" name="Freeform 22">
+              <a:extLst>
+                <a:ext uri="{FF2B5EF4-FFF2-40B4-BE49-F238E27FC236}">
+                  <a16:creationId xmlns:a16="http://schemas.microsoft.com/office/drawing/2014/main" id="{AEA5E85F-F1F4-40E4-A62C-95324F674929}"/>
+                </a:ext>
+                <a:ext uri="{C183D7F6-B498-43B3-948B-1728B52AA6E4}">
+                  <adec:decorative xmlns:adec="http://schemas.microsoft.com/office/drawing/2017/decorative" val="1"/>
+                </a:ext>
+              </a:extLst>
+            </p:cNvPr>
+            <p:cNvSpPr/>
+            <p:nvPr>
+              <p:extLst>
+                <p:ext uri="{386F3935-93C4-4BCD-93E2-E3B085C9AB24}">
+                  <p16:designElem xmlns:p16="http://schemas.microsoft.com/office/powerpoint/2015/main" val="1"/>
+                </p:ext>
+              </p:extLst>
+            </p:nvPr>
+          </p:nvSpPr>
+          <p:spPr bwMode="auto">
+            <a:xfrm>
+              <a:off x="3211513" y="5410200"/>
+              <a:ext cx="203200" cy="530225"/>
+            </a:xfrm>
+            <a:custGeom>
+              <a:avLst/>
+              <a:gdLst/>
+              <a:ahLst/>
+              <a:cxnLst/>
+              <a:rect l="0" t="0" r="r" b="b"/>
+              <a:pathLst>
+                <a:path w="52" h="135">
+                  <a:moveTo>
+                    <a:pt x="7" y="18"/>
+                  </a:moveTo>
+                  <a:cubicBezTo>
+                    <a:pt x="5" y="12"/>
+                    <a:pt x="2" y="6"/>
+                    <a:pt x="0" y="0"/>
+                  </a:cubicBezTo>
+                  <a:cubicBezTo>
+                    <a:pt x="3" y="16"/>
+                    <a:pt x="7" y="32"/>
+                    <a:pt x="12" y="48"/>
+                  </a:cubicBezTo>
+                  <a:cubicBezTo>
+                    <a:pt x="13" y="53"/>
+                    <a:pt x="14" y="57"/>
+                    <a:pt x="16" y="62"/>
+                  </a:cubicBezTo>
+                  <a:cubicBezTo>
+                    <a:pt x="27" y="86"/>
+                    <a:pt x="39" y="111"/>
+                    <a:pt x="51" y="135"/>
+                  </a:cubicBezTo>
+                  <a:cubicBezTo>
+                    <a:pt x="52" y="135"/>
+                    <a:pt x="52" y="135"/>
+                    <a:pt x="52" y="135"/>
+                  </a:cubicBezTo>
+                  <a:cubicBezTo>
+                    <a:pt x="41" y="109"/>
+                    <a:pt x="32" y="83"/>
+                    <a:pt x="24" y="56"/>
+                  </a:cubicBezTo>
+                  <a:cubicBezTo>
+                    <a:pt x="18" y="43"/>
+                    <a:pt x="13" y="31"/>
+                    <a:pt x="7" y="18"/>
+                  </a:cubicBezTo>
+                  <a:close/>
+                </a:path>
+              </a:pathLst>
+            </a:custGeom>
+            <a:grpFill/>
+            <a:ln>
+              <a:noFill/>
+            </a:ln>
+          </p:spPr>
+        </p:sp>
+      </p:grpSp>
+      <p:grpSp>
+        <p:nvGrpSpPr>
+          <p:cNvPr id="58" name="Group 57">
+            <a:extLst>
+              <a:ext uri="{FF2B5EF4-FFF2-40B4-BE49-F238E27FC236}">
+                <a16:creationId xmlns:a16="http://schemas.microsoft.com/office/drawing/2014/main" id="{40A75861-F6C5-44A9-B161-B03701CBDE0C}"/>
+              </a:ext>
+              <a:ext uri="{C183D7F6-B498-43B3-948B-1728B52AA6E4}">
+                <adec:decorative xmlns:adec="http://schemas.microsoft.com/office/drawing/2017/decorative" val="1"/>
+              </a:ext>
+            </a:extLst>
+          </p:cNvPr>
+          <p:cNvGrpSpPr>
+            <a:grpSpLocks noGrp="1" noUngrp="1" noRot="1" noChangeAspect="1" noMove="1" noResize="1"/>
+          </p:cNvGrpSpPr>
+          <p:nvPr>
+            <p:extLst>
+              <p:ext uri="{386F3935-93C4-4BCD-93E2-E3B085C9AB24}">
+                <p16:designElem xmlns:p16="http://schemas.microsoft.com/office/powerpoint/2015/main" val="1"/>
+              </p:ext>
+            </p:extLst>
+          </p:nvPr>
+        </p:nvGrpSpPr>
+        <p:grpSpPr>
+          <a:xfrm>
+            <a:off x="27224" y="-786"/>
+            <a:ext cx="2356675" cy="6854040"/>
+            <a:chOff x="6627813" y="194833"/>
+            <a:chExt cx="1952625" cy="5678918"/>
+          </a:xfrm>
+          <a:solidFill>
+            <a:schemeClr val="tx2">
+              <a:lumMod val="75000"/>
+              <a:alpha val="70000"/>
+            </a:schemeClr>
+          </a:solidFill>
+        </p:grpSpPr>
+        <p:sp>
+          <p:nvSpPr>
+            <p:cNvPr id="59" name="Freeform 27">
+              <a:extLst>
+                <a:ext uri="{FF2B5EF4-FFF2-40B4-BE49-F238E27FC236}">
+                  <a16:creationId xmlns:a16="http://schemas.microsoft.com/office/drawing/2014/main" id="{72EE642D-4F69-47C0-99BA-CE435035735F}"/>
+                </a:ext>
+                <a:ext uri="{C183D7F6-B498-43B3-948B-1728B52AA6E4}">
+                  <adec:decorative xmlns:adec="http://schemas.microsoft.com/office/drawing/2017/decorative" val="1"/>
+                </a:ext>
+              </a:extLst>
+            </p:cNvPr>
+            <p:cNvSpPr/>
+            <p:nvPr>
+              <p:extLst>
+                <p:ext uri="{386F3935-93C4-4BCD-93E2-E3B085C9AB24}">
+                  <p16:designElem xmlns:p16="http://schemas.microsoft.com/office/powerpoint/2015/main" val="1"/>
+                </p:ext>
+              </p:extLst>
+            </p:nvPr>
+          </p:nvSpPr>
+          <p:spPr bwMode="auto">
+            <a:xfrm>
+              <a:off x="6627813" y="194833"/>
+              <a:ext cx="409575" cy="3646488"/>
+            </a:xfrm>
+            <a:custGeom>
+              <a:avLst/>
+              <a:gdLst/>
+              <a:ahLst/>
+              <a:cxnLst/>
+              <a:rect l="0" t="0" r="r" b="b"/>
+              <a:pathLst>
+                <a:path w="103" h="920">
+                  <a:moveTo>
+                    <a:pt x="7" y="210"/>
+                  </a:moveTo>
+                  <a:cubicBezTo>
+                    <a:pt x="11" y="288"/>
+                    <a:pt x="17" y="367"/>
+                    <a:pt x="26" y="445"/>
+                  </a:cubicBezTo>
+                  <a:cubicBezTo>
+                    <a:pt x="34" y="523"/>
+                    <a:pt x="44" y="601"/>
+                    <a:pt x="57" y="679"/>
+                  </a:cubicBezTo>
+                  <a:cubicBezTo>
+                    <a:pt x="69" y="757"/>
+                    <a:pt x="84" y="834"/>
+                    <a:pt x="101" y="911"/>
+                  </a:cubicBezTo>
+                  <a:cubicBezTo>
+                    <a:pt x="102" y="914"/>
+                    <a:pt x="103" y="917"/>
+                    <a:pt x="103" y="920"/>
+                  </a:cubicBezTo>
+                  <a:cubicBezTo>
+                    <a:pt x="102" y="905"/>
+                    <a:pt x="100" y="889"/>
+                    <a:pt x="99" y="874"/>
+                  </a:cubicBezTo>
+                  <a:cubicBezTo>
+                    <a:pt x="99" y="871"/>
+                    <a:pt x="99" y="868"/>
+                    <a:pt x="99" y="866"/>
+                  </a:cubicBezTo>
+                  <a:cubicBezTo>
+                    <a:pt x="85" y="803"/>
+                    <a:pt x="73" y="741"/>
+                    <a:pt x="63" y="678"/>
+                  </a:cubicBezTo>
+                  <a:cubicBezTo>
+                    <a:pt x="50" y="600"/>
+                    <a:pt x="39" y="523"/>
+                    <a:pt x="30" y="444"/>
+                  </a:cubicBezTo>
+                  <a:cubicBezTo>
+                    <a:pt x="21" y="366"/>
+                    <a:pt x="14" y="288"/>
+                    <a:pt x="9" y="209"/>
+                  </a:cubicBezTo>
+                  <a:cubicBezTo>
+                    <a:pt x="7" y="170"/>
+                    <a:pt x="5" y="131"/>
+                    <a:pt x="3" y="92"/>
+                  </a:cubicBezTo>
+                  <a:cubicBezTo>
+                    <a:pt x="2" y="61"/>
+                    <a:pt x="1" y="31"/>
+                    <a:pt x="1" y="0"/>
+                  </a:cubicBezTo>
+                  <a:cubicBezTo>
+                    <a:pt x="0" y="0"/>
+                    <a:pt x="0" y="0"/>
+                    <a:pt x="0" y="0"/>
+                  </a:cubicBezTo>
+                  <a:cubicBezTo>
+                    <a:pt x="0" y="31"/>
+                    <a:pt x="1" y="61"/>
+                    <a:pt x="1" y="92"/>
+                  </a:cubicBezTo>
+                  <a:cubicBezTo>
+                    <a:pt x="3" y="131"/>
+                    <a:pt x="4" y="170"/>
+                    <a:pt x="7" y="210"/>
+                  </a:cubicBezTo>
+                  <a:close/>
+                </a:path>
+              </a:pathLst>
+            </a:custGeom>
+            <a:grpFill/>
+            <a:ln>
+              <a:noFill/>
+            </a:ln>
+          </p:spPr>
+        </p:sp>
+        <p:sp>
+          <p:nvSpPr>
+            <p:cNvPr id="60" name="Freeform 28">
+              <a:extLst>
+                <a:ext uri="{FF2B5EF4-FFF2-40B4-BE49-F238E27FC236}">
+                  <a16:creationId xmlns:a16="http://schemas.microsoft.com/office/drawing/2014/main" id="{26178CE4-DA2D-46EA-AB8D-341C5AC563D6}"/>
+                </a:ext>
+                <a:ext uri="{C183D7F6-B498-43B3-948B-1728B52AA6E4}">
+                  <adec:decorative xmlns:adec="http://schemas.microsoft.com/office/drawing/2017/decorative" val="1"/>
+                </a:ext>
+              </a:extLst>
+            </p:cNvPr>
+            <p:cNvSpPr/>
+            <p:nvPr>
+              <p:extLst>
+                <p:ext uri="{386F3935-93C4-4BCD-93E2-E3B085C9AB24}">
+                  <p16:designElem xmlns:p16="http://schemas.microsoft.com/office/powerpoint/2015/main" val="1"/>
+                </p:ext>
+              </p:extLst>
+            </p:nvPr>
+          </p:nvSpPr>
+          <p:spPr bwMode="auto">
+            <a:xfrm>
+              <a:off x="7061201" y="3771900"/>
+              <a:ext cx="350838" cy="1309688"/>
+            </a:xfrm>
+            <a:custGeom>
+              <a:avLst/>
+              <a:gdLst/>
+              <a:ahLst/>
+              <a:cxnLst/>
+              <a:rect l="0" t="0" r="r" b="b"/>
+              <a:pathLst>
+                <a:path w="88" h="330">
+                  <a:moveTo>
+                    <a:pt x="53" y="229"/>
+                  </a:moveTo>
+                  <a:cubicBezTo>
+                    <a:pt x="64" y="263"/>
+                    <a:pt x="75" y="297"/>
+                    <a:pt x="88" y="330"/>
+                  </a:cubicBezTo>
+                  <a:cubicBezTo>
+                    <a:pt x="88" y="323"/>
+                    <a:pt x="88" y="315"/>
+                    <a:pt x="88" y="308"/>
+                  </a:cubicBezTo>
+                  <a:cubicBezTo>
+                    <a:pt x="88" y="307"/>
+                    <a:pt x="88" y="305"/>
+                    <a:pt x="88" y="304"/>
+                  </a:cubicBezTo>
+                  <a:cubicBezTo>
+                    <a:pt x="79" y="278"/>
+                    <a:pt x="70" y="252"/>
+                    <a:pt x="62" y="226"/>
+                  </a:cubicBezTo>
+                  <a:cubicBezTo>
+                    <a:pt x="38" y="152"/>
+                    <a:pt x="17" y="76"/>
+                    <a:pt x="0" y="0"/>
+                  </a:cubicBezTo>
+                  <a:cubicBezTo>
+                    <a:pt x="2" y="21"/>
+                    <a:pt x="4" y="42"/>
+                    <a:pt x="7" y="63"/>
+                  </a:cubicBezTo>
+                  <a:cubicBezTo>
+                    <a:pt x="21" y="119"/>
+                    <a:pt x="36" y="174"/>
+                    <a:pt x="53" y="229"/>
+                  </a:cubicBezTo>
+                  <a:close/>
+                </a:path>
+              </a:pathLst>
+            </a:custGeom>
+            <a:grpFill/>
+            <a:ln>
+              <a:noFill/>
+            </a:ln>
+          </p:spPr>
+        </p:sp>
+        <p:sp>
+          <p:nvSpPr>
+            <p:cNvPr id="61" name="Freeform 29">
+              <a:extLst>
+                <a:ext uri="{FF2B5EF4-FFF2-40B4-BE49-F238E27FC236}">
+                  <a16:creationId xmlns:a16="http://schemas.microsoft.com/office/drawing/2014/main" id="{698E9F53-8381-4FA5-A510-846925D242CF}"/>
+                </a:ext>
+                <a:ext uri="{C183D7F6-B498-43B3-948B-1728B52AA6E4}">
+                  <adec:decorative xmlns:adec="http://schemas.microsoft.com/office/drawing/2017/decorative" val="1"/>
+                </a:ext>
+              </a:extLst>
+            </p:cNvPr>
+            <p:cNvSpPr/>
+            <p:nvPr>
+              <p:extLst>
+                <p:ext uri="{386F3935-93C4-4BCD-93E2-E3B085C9AB24}">
+                  <p16:designElem xmlns:p16="http://schemas.microsoft.com/office/powerpoint/2015/main" val="1"/>
+                </p:ext>
+              </p:extLst>
+            </p:nvPr>
+          </p:nvSpPr>
+          <p:spPr bwMode="auto">
+            <a:xfrm>
+              <a:off x="7439026" y="5053013"/>
+              <a:ext cx="357188" cy="820738"/>
+            </a:xfrm>
+            <a:custGeom>
+              <a:avLst/>
+              <a:gdLst/>
+              <a:ahLst/>
+              <a:cxnLst/>
+              <a:rect l="0" t="0" r="r" b="b"/>
+              <a:pathLst>
+                <a:path w="90" h="207">
+                  <a:moveTo>
+                    <a:pt x="6" y="15"/>
+                  </a:moveTo>
+                  <a:cubicBezTo>
+                    <a:pt x="4" y="10"/>
+                    <a:pt x="2" y="5"/>
+                    <a:pt x="0" y="0"/>
+                  </a:cubicBezTo>
+                  <a:cubicBezTo>
+                    <a:pt x="0" y="9"/>
+                    <a:pt x="0" y="19"/>
+                    <a:pt x="1" y="29"/>
+                  </a:cubicBezTo>
+                  <a:cubicBezTo>
+                    <a:pt x="14" y="62"/>
+                    <a:pt x="27" y="95"/>
+                    <a:pt x="42" y="127"/>
+                  </a:cubicBezTo>
+                  <a:cubicBezTo>
+                    <a:pt x="54" y="154"/>
+                    <a:pt x="67" y="181"/>
+                    <a:pt x="80" y="207"/>
+                  </a:cubicBezTo>
+                  <a:cubicBezTo>
+                    <a:pt x="90" y="207"/>
+                    <a:pt x="90" y="207"/>
+                    <a:pt x="90" y="207"/>
+                  </a:cubicBezTo>
+                  <a:cubicBezTo>
+                    <a:pt x="76" y="180"/>
+                    <a:pt x="63" y="152"/>
+                    <a:pt x="50" y="123"/>
+                  </a:cubicBezTo>
+                  <a:cubicBezTo>
+                    <a:pt x="34" y="88"/>
+                    <a:pt x="20" y="51"/>
+                    <a:pt x="6" y="15"/>
+                  </a:cubicBezTo>
+                  <a:close/>
+                </a:path>
+              </a:pathLst>
+            </a:custGeom>
+            <a:grpFill/>
+            <a:ln>
+              <a:noFill/>
+            </a:ln>
+          </p:spPr>
+        </p:sp>
+        <p:sp>
+          <p:nvSpPr>
+            <p:cNvPr id="62" name="Freeform 30">
+              <a:extLst>
+                <a:ext uri="{FF2B5EF4-FFF2-40B4-BE49-F238E27FC236}">
+                  <a16:creationId xmlns:a16="http://schemas.microsoft.com/office/drawing/2014/main" id="{B13CE284-F21E-411B-BB8E-9C03B853CE44}"/>
+                </a:ext>
+                <a:ext uri="{C183D7F6-B498-43B3-948B-1728B52AA6E4}">
+                  <adec:decorative xmlns:adec="http://schemas.microsoft.com/office/drawing/2017/decorative" val="1"/>
+                </a:ext>
+              </a:extLst>
+            </p:cNvPr>
+            <p:cNvSpPr/>
+            <p:nvPr>
+              <p:extLst>
+                <p:ext uri="{386F3935-93C4-4BCD-93E2-E3B085C9AB24}">
+                  <p16:designElem xmlns:p16="http://schemas.microsoft.com/office/powerpoint/2015/main" val="1"/>
+                </p:ext>
+              </p:extLst>
+            </p:nvPr>
+          </p:nvSpPr>
+          <p:spPr bwMode="auto">
+            <a:xfrm>
+              <a:off x="7037388" y="3811588"/>
+              <a:ext cx="457200" cy="1852613"/>
+            </a:xfrm>
+            <a:custGeom>
+              <a:avLst/>
+              <a:gdLst/>
+              <a:ahLst/>
+              <a:cxnLst/>
+              <a:rect l="0" t="0" r="r" b="b"/>
+              <a:pathLst>
+                <a:path w="115" h="467">
+                  <a:moveTo>
+                    <a:pt x="101" y="409"/>
+                  </a:moveTo>
+                  <a:cubicBezTo>
+                    <a:pt x="93" y="388"/>
+                    <a:pt x="85" y="366"/>
+                    <a:pt x="78" y="344"/>
+                  </a:cubicBezTo>
+                  <a:cubicBezTo>
+                    <a:pt x="57" y="281"/>
+                    <a:pt x="41" y="216"/>
+                    <a:pt x="29" y="151"/>
+                  </a:cubicBezTo>
+                  <a:cubicBezTo>
+                    <a:pt x="22" y="119"/>
+                    <a:pt x="17" y="86"/>
+                    <a:pt x="13" y="53"/>
+                  </a:cubicBezTo>
+                  <a:cubicBezTo>
+                    <a:pt x="9" y="35"/>
+                    <a:pt x="4" y="18"/>
+                    <a:pt x="0" y="0"/>
+                  </a:cubicBezTo>
+                  <a:cubicBezTo>
+                    <a:pt x="5" y="51"/>
+                    <a:pt x="12" y="102"/>
+                    <a:pt x="21" y="152"/>
+                  </a:cubicBezTo>
+                  <a:cubicBezTo>
+                    <a:pt x="33" y="218"/>
+                    <a:pt x="49" y="283"/>
+                    <a:pt x="69" y="347"/>
+                  </a:cubicBezTo>
+                  <a:cubicBezTo>
+                    <a:pt x="79" y="378"/>
+                    <a:pt x="90" y="410"/>
+                    <a:pt x="103" y="441"/>
+                  </a:cubicBezTo>
+                  <a:cubicBezTo>
+                    <a:pt x="107" y="449"/>
+                    <a:pt x="111" y="458"/>
+                    <a:pt x="115" y="467"/>
+                  </a:cubicBezTo>
+                  <a:cubicBezTo>
+                    <a:pt x="114" y="464"/>
+                    <a:pt x="113" y="461"/>
+                    <a:pt x="112" y="458"/>
+                  </a:cubicBezTo>
+                  <a:cubicBezTo>
+                    <a:pt x="108" y="442"/>
+                    <a:pt x="104" y="425"/>
+                    <a:pt x="101" y="409"/>
+                  </a:cubicBezTo>
+                  <a:close/>
+                </a:path>
+              </a:pathLst>
+            </a:custGeom>
+            <a:grpFill/>
+            <a:ln>
+              <a:noFill/>
+            </a:ln>
+          </p:spPr>
+        </p:sp>
+        <p:sp>
+          <p:nvSpPr>
+            <p:cNvPr id="63" name="Freeform 31">
+              <a:extLst>
+                <a:ext uri="{FF2B5EF4-FFF2-40B4-BE49-F238E27FC236}">
+                  <a16:creationId xmlns:a16="http://schemas.microsoft.com/office/drawing/2014/main" id="{23DF4578-4703-437C-A797-2A2D0CEE5F45}"/>
+                </a:ext>
+                <a:ext uri="{C183D7F6-B498-43B3-948B-1728B52AA6E4}">
+                  <adec:decorative xmlns:adec="http://schemas.microsoft.com/office/drawing/2017/decorative" val="1"/>
+                </a:ext>
+              </a:extLst>
+            </p:cNvPr>
+            <p:cNvSpPr/>
+            <p:nvPr>
+              <p:extLst>
+                <p:ext uri="{386F3935-93C4-4BCD-93E2-E3B085C9AB24}">
+                  <p16:designElem xmlns:p16="http://schemas.microsoft.com/office/powerpoint/2015/main" val="1"/>
+                </p:ext>
+              </p:extLst>
+            </p:nvPr>
+          </p:nvSpPr>
+          <p:spPr bwMode="auto">
+            <a:xfrm>
+              <a:off x="6992938" y="1263650"/>
+              <a:ext cx="144463" cy="2508250"/>
+            </a:xfrm>
+            <a:custGeom>
+              <a:avLst/>
+              <a:gdLst/>
+              <a:ahLst/>
+              <a:cxnLst/>
+              <a:rect l="0" t="0" r="r" b="b"/>
+              <a:pathLst>
+                <a:path w="36" h="633">
+                  <a:moveTo>
+                    <a:pt x="17" y="633"/>
+                  </a:moveTo>
+                  <a:cubicBezTo>
+                    <a:pt x="15" y="621"/>
+                    <a:pt x="14" y="609"/>
+                    <a:pt x="13" y="597"/>
+                  </a:cubicBezTo>
+                  <a:cubicBezTo>
+                    <a:pt x="8" y="530"/>
+                    <a:pt x="5" y="464"/>
+                    <a:pt x="5" y="398"/>
+                  </a:cubicBezTo>
+                  <a:cubicBezTo>
+                    <a:pt x="5" y="331"/>
+                    <a:pt x="8" y="265"/>
+                    <a:pt x="13" y="198"/>
+                  </a:cubicBezTo>
+                  <a:cubicBezTo>
+                    <a:pt x="15" y="165"/>
+                    <a:pt x="18" y="132"/>
+                    <a:pt x="22" y="99"/>
+                  </a:cubicBezTo>
+                  <a:cubicBezTo>
+                    <a:pt x="26" y="66"/>
+                    <a:pt x="30" y="33"/>
+                    <a:pt x="36" y="0"/>
+                  </a:cubicBezTo>
+                  <a:cubicBezTo>
+                    <a:pt x="35" y="0"/>
+                    <a:pt x="35" y="0"/>
+                    <a:pt x="35" y="0"/>
+                  </a:cubicBezTo>
+                  <a:cubicBezTo>
+                    <a:pt x="29" y="33"/>
+                    <a:pt x="24" y="66"/>
+                    <a:pt x="20" y="99"/>
+                  </a:cubicBezTo>
+                  <a:cubicBezTo>
+                    <a:pt x="16" y="132"/>
+                    <a:pt x="13" y="165"/>
+                    <a:pt x="10" y="198"/>
+                  </a:cubicBezTo>
+                  <a:cubicBezTo>
+                    <a:pt x="4" y="264"/>
+                    <a:pt x="1" y="331"/>
+                    <a:pt x="1" y="398"/>
+                  </a:cubicBezTo>
+                  <a:cubicBezTo>
+                    <a:pt x="0" y="461"/>
+                    <a:pt x="2" y="525"/>
+                    <a:pt x="7" y="589"/>
+                  </a:cubicBezTo>
+                  <a:cubicBezTo>
+                    <a:pt x="10" y="603"/>
+                    <a:pt x="13" y="618"/>
+                    <a:pt x="16" y="632"/>
+                  </a:cubicBezTo>
+                  <a:cubicBezTo>
+                    <a:pt x="16" y="632"/>
+                    <a:pt x="17" y="633"/>
+                    <a:pt x="17" y="633"/>
+                  </a:cubicBezTo>
+                  <a:close/>
+                </a:path>
+              </a:pathLst>
+            </a:custGeom>
+            <a:grpFill/>
+            <a:ln>
+              <a:noFill/>
+            </a:ln>
+          </p:spPr>
+        </p:sp>
+        <p:sp>
+          <p:nvSpPr>
+            <p:cNvPr id="64" name="Freeform 32">
+              <a:extLst>
+                <a:ext uri="{FF2B5EF4-FFF2-40B4-BE49-F238E27FC236}">
+                  <a16:creationId xmlns:a16="http://schemas.microsoft.com/office/drawing/2014/main" id="{F878F330-AF64-4F8F-88FD-A4A408D6D368}"/>
+                </a:ext>
+                <a:ext uri="{C183D7F6-B498-43B3-948B-1728B52AA6E4}">
+                  <adec:decorative xmlns:adec="http://schemas.microsoft.com/office/drawing/2017/decorative" val="1"/>
+                </a:ext>
+              </a:extLst>
+            </p:cNvPr>
+            <p:cNvSpPr/>
+            <p:nvPr>
+              <p:extLst>
+                <p:ext uri="{386F3935-93C4-4BCD-93E2-E3B085C9AB24}">
+                  <p16:designElem xmlns:p16="http://schemas.microsoft.com/office/powerpoint/2015/main" val="1"/>
+                </p:ext>
+              </p:extLst>
+            </p:nvPr>
+          </p:nvSpPr>
+          <p:spPr bwMode="auto">
+            <a:xfrm>
+              <a:off x="7526338" y="5640388"/>
+              <a:ext cx="111125" cy="233363"/>
+            </a:xfrm>
+            <a:custGeom>
+              <a:avLst/>
+              <a:gdLst/>
+              <a:ahLst/>
+              <a:cxnLst/>
+              <a:rect l="0" t="0" r="r" b="b"/>
+              <a:pathLst>
+                <a:path w="28" h="59">
+                  <a:moveTo>
+                    <a:pt x="22" y="59"/>
+                  </a:moveTo>
+                  <a:cubicBezTo>
+                    <a:pt x="28" y="59"/>
+                    <a:pt x="28" y="59"/>
+                    <a:pt x="28" y="59"/>
+                  </a:cubicBezTo>
+                  <a:cubicBezTo>
+                    <a:pt x="18" y="40"/>
+                    <a:pt x="9" y="20"/>
+                    <a:pt x="0" y="0"/>
+                  </a:cubicBezTo>
+                  <a:cubicBezTo>
+                    <a:pt x="6" y="20"/>
+                    <a:pt x="13" y="40"/>
+                    <a:pt x="22" y="59"/>
+                  </a:cubicBezTo>
+                  <a:close/>
+                </a:path>
+              </a:pathLst>
+            </a:custGeom>
+            <a:grpFill/>
+            <a:ln>
+              <a:noFill/>
+            </a:ln>
+          </p:spPr>
+        </p:sp>
+        <p:sp>
+          <p:nvSpPr>
+            <p:cNvPr id="65" name="Freeform 33">
+              <a:extLst>
+                <a:ext uri="{FF2B5EF4-FFF2-40B4-BE49-F238E27FC236}">
+                  <a16:creationId xmlns:a16="http://schemas.microsoft.com/office/drawing/2014/main" id="{AC9B00BF-4FB7-42FA-BBBD-7DB54ED3F061}"/>
+                </a:ext>
+                <a:ext uri="{C183D7F6-B498-43B3-948B-1728B52AA6E4}">
+                  <adec:decorative xmlns:adec="http://schemas.microsoft.com/office/drawing/2017/decorative" val="1"/>
+                </a:ext>
+              </a:extLst>
+            </p:cNvPr>
+            <p:cNvSpPr/>
+            <p:nvPr>
+              <p:extLst>
+                <p:ext uri="{386F3935-93C4-4BCD-93E2-E3B085C9AB24}">
+                  <p16:designElem xmlns:p16="http://schemas.microsoft.com/office/powerpoint/2015/main" val="1"/>
+                </p:ext>
+              </p:extLst>
+            </p:nvPr>
+          </p:nvSpPr>
+          <p:spPr bwMode="auto">
+            <a:xfrm>
+              <a:off x="7021513" y="3598863"/>
+              <a:ext cx="68263" cy="423863"/>
+            </a:xfrm>
+            <a:custGeom>
+              <a:avLst/>
+              <a:gdLst/>
+              <a:ahLst/>
+              <a:cxnLst/>
+              <a:rect l="0" t="0" r="r" b="b"/>
+              <a:pathLst>
+                <a:path w="17" h="107">
+                  <a:moveTo>
+                    <a:pt x="4" y="54"/>
+                  </a:moveTo>
+                  <a:cubicBezTo>
+                    <a:pt x="8" y="72"/>
+                    <a:pt x="13" y="89"/>
+                    <a:pt x="17" y="107"/>
+                  </a:cubicBezTo>
+                  <a:cubicBezTo>
+                    <a:pt x="14" y="86"/>
+                    <a:pt x="12" y="65"/>
+                    <a:pt x="10" y="44"/>
+                  </a:cubicBezTo>
+                  <a:cubicBezTo>
+                    <a:pt x="10" y="44"/>
+                    <a:pt x="9" y="43"/>
+                    <a:pt x="9" y="43"/>
+                  </a:cubicBezTo>
+                  <a:cubicBezTo>
+                    <a:pt x="6" y="29"/>
+                    <a:pt x="3" y="14"/>
+                    <a:pt x="0" y="0"/>
+                  </a:cubicBezTo>
+                  <a:cubicBezTo>
+                    <a:pt x="0" y="2"/>
+                    <a:pt x="0" y="5"/>
+                    <a:pt x="0" y="8"/>
+                  </a:cubicBezTo>
+                  <a:cubicBezTo>
+                    <a:pt x="1" y="23"/>
+                    <a:pt x="3" y="39"/>
+                    <a:pt x="4" y="54"/>
+                  </a:cubicBezTo>
+                  <a:close/>
+                </a:path>
+              </a:pathLst>
+            </a:custGeom>
+            <a:grpFill/>
+            <a:ln>
+              <a:noFill/>
+            </a:ln>
+          </p:spPr>
+        </p:sp>
+        <p:sp>
+          <p:nvSpPr>
+            <p:cNvPr id="66" name="Freeform 34">
+              <a:extLst>
+                <a:ext uri="{FF2B5EF4-FFF2-40B4-BE49-F238E27FC236}">
+                  <a16:creationId xmlns:a16="http://schemas.microsoft.com/office/drawing/2014/main" id="{BD3D64CA-2AAD-4609-8DAA-3EAD4609A6B1}"/>
+                </a:ext>
+                <a:ext uri="{C183D7F6-B498-43B3-948B-1728B52AA6E4}">
+                  <adec:decorative xmlns:adec="http://schemas.microsoft.com/office/drawing/2017/decorative" val="1"/>
+                </a:ext>
+              </a:extLst>
+            </p:cNvPr>
+            <p:cNvSpPr/>
+            <p:nvPr>
+              <p:extLst>
+                <p:ext uri="{386F3935-93C4-4BCD-93E2-E3B085C9AB24}">
+                  <p16:designElem xmlns:p16="http://schemas.microsoft.com/office/powerpoint/2015/main" val="1"/>
+                </p:ext>
+              </p:extLst>
+            </p:nvPr>
+          </p:nvSpPr>
+          <p:spPr bwMode="auto">
+            <a:xfrm>
+              <a:off x="7412038" y="2801938"/>
+              <a:ext cx="1168400" cy="2251075"/>
+            </a:xfrm>
+            <a:custGeom>
+              <a:avLst/>
+              <a:gdLst/>
+              <a:ahLst/>
+              <a:cxnLst/>
+              <a:rect l="0" t="0" r="r" b="b"/>
+              <a:pathLst>
+                <a:path w="294" h="568">
+                  <a:moveTo>
+                    <a:pt x="8" y="553"/>
+                  </a:moveTo>
+                  <a:cubicBezTo>
+                    <a:pt x="9" y="501"/>
+                    <a:pt x="19" y="448"/>
+                    <a:pt x="35" y="397"/>
+                  </a:cubicBezTo>
+                  <a:cubicBezTo>
+                    <a:pt x="51" y="347"/>
+                    <a:pt x="73" y="298"/>
+                    <a:pt x="99" y="252"/>
+                  </a:cubicBezTo>
+                  <a:cubicBezTo>
+                    <a:pt x="124" y="205"/>
+                    <a:pt x="154" y="161"/>
+                    <a:pt x="187" y="119"/>
+                  </a:cubicBezTo>
+                  <a:cubicBezTo>
+                    <a:pt x="203" y="98"/>
+                    <a:pt x="220" y="77"/>
+                    <a:pt x="238" y="58"/>
+                  </a:cubicBezTo>
+                  <a:cubicBezTo>
+                    <a:pt x="247" y="48"/>
+                    <a:pt x="256" y="38"/>
+                    <a:pt x="265" y="28"/>
+                  </a:cubicBezTo>
+                  <a:cubicBezTo>
+                    <a:pt x="274" y="19"/>
+                    <a:pt x="284" y="9"/>
+                    <a:pt x="294" y="0"/>
+                  </a:cubicBezTo>
+                  <a:cubicBezTo>
+                    <a:pt x="293" y="0"/>
+                    <a:pt x="293" y="0"/>
+                    <a:pt x="293" y="0"/>
+                  </a:cubicBezTo>
+                  <a:cubicBezTo>
+                    <a:pt x="283" y="9"/>
+                    <a:pt x="273" y="18"/>
+                    <a:pt x="264" y="27"/>
+                  </a:cubicBezTo>
+                  <a:cubicBezTo>
+                    <a:pt x="255" y="37"/>
+                    <a:pt x="246" y="47"/>
+                    <a:pt x="237" y="56"/>
+                  </a:cubicBezTo>
+                  <a:cubicBezTo>
+                    <a:pt x="218" y="76"/>
+                    <a:pt x="201" y="96"/>
+                    <a:pt x="185" y="117"/>
+                  </a:cubicBezTo>
+                  <a:cubicBezTo>
+                    <a:pt x="151" y="159"/>
+                    <a:pt x="121" y="203"/>
+                    <a:pt x="95" y="249"/>
+                  </a:cubicBezTo>
+                  <a:cubicBezTo>
+                    <a:pt x="68" y="296"/>
+                    <a:pt x="46" y="345"/>
+                    <a:pt x="30" y="396"/>
+                  </a:cubicBezTo>
+                  <a:cubicBezTo>
+                    <a:pt x="13" y="445"/>
+                    <a:pt x="3" y="497"/>
+                    <a:pt x="0" y="549"/>
+                  </a:cubicBezTo>
+                  <a:cubicBezTo>
+                    <a:pt x="3" y="555"/>
+                    <a:pt x="5" y="561"/>
+                    <a:pt x="7" y="568"/>
+                  </a:cubicBezTo>
+                  <a:cubicBezTo>
+                    <a:pt x="7" y="563"/>
+                    <a:pt x="7" y="558"/>
+                    <a:pt x="8" y="553"/>
+                  </a:cubicBezTo>
+                  <a:close/>
+                </a:path>
+              </a:pathLst>
+            </a:custGeom>
+            <a:grpFill/>
+            <a:ln>
+              <a:noFill/>
+            </a:ln>
+          </p:spPr>
+        </p:sp>
+        <p:sp>
+          <p:nvSpPr>
+            <p:cNvPr id="67" name="Freeform 35">
+              <a:extLst>
+                <a:ext uri="{FF2B5EF4-FFF2-40B4-BE49-F238E27FC236}">
+                  <a16:creationId xmlns:a16="http://schemas.microsoft.com/office/drawing/2014/main" id="{C669E05A-8550-4E91-B29E-E1912228EC93}"/>
+                </a:ext>
+                <a:ext uri="{C183D7F6-B498-43B3-948B-1728B52AA6E4}">
+                  <adec:decorative xmlns:adec="http://schemas.microsoft.com/office/drawing/2017/decorative" val="1"/>
+                </a:ext>
+              </a:extLst>
+            </p:cNvPr>
+            <p:cNvSpPr/>
+            <p:nvPr>
+              <p:extLst>
+                <p:ext uri="{386F3935-93C4-4BCD-93E2-E3B085C9AB24}">
+                  <p16:designElem xmlns:p16="http://schemas.microsoft.com/office/powerpoint/2015/main" val="1"/>
+                </p:ext>
+              </p:extLst>
+            </p:nvPr>
+          </p:nvSpPr>
+          <p:spPr bwMode="auto">
+            <a:xfrm>
+              <a:off x="7494588" y="5664200"/>
+              <a:ext cx="100013" cy="209550"/>
+            </a:xfrm>
+            <a:custGeom>
+              <a:avLst/>
+              <a:gdLst/>
+              <a:ahLst/>
+              <a:cxnLst/>
+              <a:rect l="0" t="0" r="r" b="b"/>
+              <a:pathLst>
+                <a:path w="25" h="53">
+                  <a:moveTo>
+                    <a:pt x="0" y="0"/>
+                  </a:moveTo>
+                  <a:cubicBezTo>
+                    <a:pt x="5" y="18"/>
+                    <a:pt x="12" y="36"/>
+                    <a:pt x="19" y="53"/>
+                  </a:cubicBezTo>
+                  <a:cubicBezTo>
+                    <a:pt x="25" y="53"/>
+                    <a:pt x="25" y="53"/>
+                    <a:pt x="25" y="53"/>
+                  </a:cubicBezTo>
+                  <a:cubicBezTo>
+                    <a:pt x="16" y="36"/>
+                    <a:pt x="8" y="18"/>
+                    <a:pt x="0" y="0"/>
+                  </a:cubicBezTo>
+                  <a:close/>
+                </a:path>
+              </a:pathLst>
+            </a:custGeom>
+            <a:grpFill/>
+            <a:ln>
+              <a:noFill/>
+            </a:ln>
+          </p:spPr>
+        </p:sp>
+        <p:sp>
+          <p:nvSpPr>
+            <p:cNvPr id="68" name="Freeform 36">
+              <a:extLst>
+                <a:ext uri="{FF2B5EF4-FFF2-40B4-BE49-F238E27FC236}">
+                  <a16:creationId xmlns:a16="http://schemas.microsoft.com/office/drawing/2014/main" id="{F8C1FD53-1E8F-46CA-BC2D-FCEC4DAE07F6}"/>
+                </a:ext>
+                <a:ext uri="{C183D7F6-B498-43B3-948B-1728B52AA6E4}">
+                  <adec:decorative xmlns:adec="http://schemas.microsoft.com/office/drawing/2017/decorative" val="1"/>
+                </a:ext>
+              </a:extLst>
+            </p:cNvPr>
+            <p:cNvSpPr/>
+            <p:nvPr>
+              <p:extLst>
+                <p:ext uri="{386F3935-93C4-4BCD-93E2-E3B085C9AB24}">
+                  <p16:designElem xmlns:p16="http://schemas.microsoft.com/office/powerpoint/2015/main" val="1"/>
+                </p:ext>
+              </p:extLst>
+            </p:nvPr>
+          </p:nvSpPr>
+          <p:spPr bwMode="auto">
+            <a:xfrm>
+              <a:off x="7412038" y="5081588"/>
+              <a:ext cx="114300" cy="558800"/>
+            </a:xfrm>
+            <a:custGeom>
+              <a:avLst/>
+              <a:gdLst/>
+              <a:ahLst/>
+              <a:cxnLst/>
+              <a:rect l="0" t="0" r="r" b="b"/>
+              <a:pathLst>
+                <a:path w="29" h="141">
+                  <a:moveTo>
+                    <a:pt x="0" y="0"/>
+                  </a:moveTo>
+                  <a:cubicBezTo>
+                    <a:pt x="0" y="30"/>
+                    <a:pt x="2" y="60"/>
+                    <a:pt x="7" y="89"/>
+                  </a:cubicBezTo>
+                  <a:cubicBezTo>
+                    <a:pt x="11" y="98"/>
+                    <a:pt x="14" y="108"/>
+                    <a:pt x="18" y="117"/>
+                  </a:cubicBezTo>
+                  <a:cubicBezTo>
+                    <a:pt x="22" y="125"/>
+                    <a:pt x="25" y="133"/>
+                    <a:pt x="29" y="141"/>
+                  </a:cubicBezTo>
+                  <a:cubicBezTo>
+                    <a:pt x="28" y="139"/>
+                    <a:pt x="28" y="137"/>
+                    <a:pt x="27" y="135"/>
+                  </a:cubicBezTo>
+                  <a:cubicBezTo>
+                    <a:pt x="16" y="98"/>
+                    <a:pt x="10" y="60"/>
+                    <a:pt x="8" y="22"/>
+                  </a:cubicBezTo>
+                  <a:cubicBezTo>
+                    <a:pt x="7" y="18"/>
+                    <a:pt x="5" y="15"/>
+                    <a:pt x="4" y="11"/>
+                  </a:cubicBezTo>
+                  <a:cubicBezTo>
+                    <a:pt x="2" y="7"/>
+                    <a:pt x="1" y="3"/>
+                    <a:pt x="0" y="0"/>
+                  </a:cubicBezTo>
+                  <a:close/>
+                </a:path>
+              </a:pathLst>
+            </a:custGeom>
+            <a:grpFill/>
+            <a:ln>
+              <a:noFill/>
+            </a:ln>
+          </p:spPr>
+        </p:sp>
+        <p:sp>
+          <p:nvSpPr>
+            <p:cNvPr id="69" name="Freeform 37">
+              <a:extLst>
+                <a:ext uri="{FF2B5EF4-FFF2-40B4-BE49-F238E27FC236}">
+                  <a16:creationId xmlns:a16="http://schemas.microsoft.com/office/drawing/2014/main" id="{CC97A31F-CFDE-4EA3-98F1-13FDD16702E1}"/>
+                </a:ext>
+                <a:ext uri="{C183D7F6-B498-43B3-948B-1728B52AA6E4}">
+                  <adec:decorative xmlns:adec="http://schemas.microsoft.com/office/drawing/2017/decorative" val="1"/>
+                </a:ext>
+              </a:extLst>
+            </p:cNvPr>
+            <p:cNvSpPr/>
+            <p:nvPr>
+              <p:extLst>
+                <p:ext uri="{386F3935-93C4-4BCD-93E2-E3B085C9AB24}">
+                  <p16:designElem xmlns:p16="http://schemas.microsoft.com/office/powerpoint/2015/main" val="1"/>
+                </p:ext>
+              </p:extLst>
+            </p:nvPr>
+          </p:nvSpPr>
+          <p:spPr bwMode="auto">
+            <a:xfrm>
+              <a:off x="7412038" y="4978400"/>
+              <a:ext cx="31750" cy="188913"/>
+            </a:xfrm>
+            <a:custGeom>
+              <a:avLst/>
+              <a:gdLst/>
+              <a:ahLst/>
+              <a:cxnLst/>
+              <a:rect l="0" t="0" r="r" b="b"/>
+              <a:pathLst>
+                <a:path w="8" h="48">
+                  <a:moveTo>
+                    <a:pt x="0" y="26"/>
+                  </a:moveTo>
+                  <a:cubicBezTo>
+                    <a:pt x="1" y="29"/>
+                    <a:pt x="2" y="33"/>
+                    <a:pt x="4" y="37"/>
+                  </a:cubicBezTo>
+                  <a:cubicBezTo>
+                    <a:pt x="5" y="41"/>
+                    <a:pt x="7" y="44"/>
+                    <a:pt x="8" y="48"/>
+                  </a:cubicBezTo>
+                  <a:cubicBezTo>
+                    <a:pt x="7" y="38"/>
+                    <a:pt x="7" y="28"/>
+                    <a:pt x="7" y="19"/>
+                  </a:cubicBezTo>
+                  <a:cubicBezTo>
+                    <a:pt x="5" y="12"/>
+                    <a:pt x="3" y="6"/>
+                    <a:pt x="0" y="0"/>
+                  </a:cubicBezTo>
+                  <a:cubicBezTo>
+                    <a:pt x="0" y="1"/>
+                    <a:pt x="0" y="3"/>
+                    <a:pt x="0" y="4"/>
+                  </a:cubicBezTo>
+                  <a:cubicBezTo>
+                    <a:pt x="0" y="11"/>
+                    <a:pt x="0" y="19"/>
+                    <a:pt x="0" y="26"/>
+                  </a:cubicBezTo>
+                  <a:close/>
+                </a:path>
+              </a:pathLst>
+            </a:custGeom>
+            <a:grpFill/>
+            <a:ln>
+              <a:noFill/>
+            </a:ln>
+          </p:spPr>
+        </p:sp>
+        <p:sp>
+          <p:nvSpPr>
+            <p:cNvPr id="70" name="Freeform 38">
+              <a:extLst>
+                <a:ext uri="{FF2B5EF4-FFF2-40B4-BE49-F238E27FC236}">
+                  <a16:creationId xmlns:a16="http://schemas.microsoft.com/office/drawing/2014/main" id="{9E1540E7-E6C3-4907-B70A-B17568365597}"/>
+                </a:ext>
+                <a:ext uri="{C183D7F6-B498-43B3-948B-1728B52AA6E4}">
+                  <adec:decorative xmlns:adec="http://schemas.microsoft.com/office/drawing/2017/decorative" val="1"/>
+                </a:ext>
+              </a:extLst>
+            </p:cNvPr>
+            <p:cNvSpPr/>
+            <p:nvPr>
+              <p:extLst>
+                <p:ext uri="{386F3935-93C4-4BCD-93E2-E3B085C9AB24}">
+                  <p16:designElem xmlns:p16="http://schemas.microsoft.com/office/powerpoint/2015/main" val="1"/>
+                </p:ext>
+              </p:extLst>
+            </p:nvPr>
+          </p:nvSpPr>
+          <p:spPr bwMode="auto">
+            <a:xfrm>
+              <a:off x="7439026" y="5434013"/>
+              <a:ext cx="174625" cy="439738"/>
+            </a:xfrm>
+            <a:custGeom>
+              <a:avLst/>
+              <a:gdLst/>
+              <a:ahLst/>
+              <a:cxnLst/>
+              <a:rect l="0" t="0" r="r" b="b"/>
+              <a:pathLst>
+                <a:path w="44" h="111">
+                  <a:moveTo>
+                    <a:pt x="11" y="28"/>
+                  </a:moveTo>
+                  <a:cubicBezTo>
+                    <a:pt x="7" y="19"/>
+                    <a:pt x="4" y="9"/>
+                    <a:pt x="0" y="0"/>
+                  </a:cubicBezTo>
+                  <a:cubicBezTo>
+                    <a:pt x="3" y="16"/>
+                    <a:pt x="7" y="33"/>
+                    <a:pt x="11" y="49"/>
+                  </a:cubicBezTo>
+                  <a:cubicBezTo>
+                    <a:pt x="12" y="52"/>
+                    <a:pt x="13" y="55"/>
+                    <a:pt x="14" y="58"/>
+                  </a:cubicBezTo>
+                  <a:cubicBezTo>
+                    <a:pt x="22" y="76"/>
+                    <a:pt x="30" y="94"/>
+                    <a:pt x="39" y="111"/>
+                  </a:cubicBezTo>
+                  <a:cubicBezTo>
+                    <a:pt x="44" y="111"/>
+                    <a:pt x="44" y="111"/>
+                    <a:pt x="44" y="111"/>
+                  </a:cubicBezTo>
+                  <a:cubicBezTo>
+                    <a:pt x="35" y="92"/>
+                    <a:pt x="28" y="72"/>
+                    <a:pt x="22" y="52"/>
+                  </a:cubicBezTo>
+                  <a:cubicBezTo>
+                    <a:pt x="18" y="44"/>
+                    <a:pt x="15" y="36"/>
+                    <a:pt x="11" y="28"/>
+                  </a:cubicBezTo>
+                  <a:close/>
+                </a:path>
+              </a:pathLst>
+            </a:custGeom>
+            <a:grpFill/>
+            <a:ln>
+              <a:noFill/>
+            </a:ln>
+          </p:spPr>
+        </p:sp>
+      </p:grpSp>
+      <p:sp>
+        <p:nvSpPr>
+          <p:cNvPr id="72" name="Freeform 11">
+            <a:extLst>
+              <a:ext uri="{FF2B5EF4-FFF2-40B4-BE49-F238E27FC236}">
+                <a16:creationId xmlns:a16="http://schemas.microsoft.com/office/drawing/2014/main" id="{1310EFE2-B91D-47E7-B117-C2A802800A7C}"/>
+              </a:ext>
+              <a:ext uri="{C183D7F6-B498-43B3-948B-1728B52AA6E4}">
+                <adec:decorative xmlns:adec="http://schemas.microsoft.com/office/drawing/2017/decorative" val="1"/>
+              </a:ext>
+            </a:extLst>
+          </p:cNvPr>
+          <p:cNvSpPr>
+            <a:spLocks noGrp="1" noRot="1" noChangeAspect="1" noMove="1" noResize="1" noEditPoints="1" noAdjustHandles="1" noChangeArrowheads="1" noChangeShapeType="1" noTextEdit="1"/>
+          </p:cNvSpPr>
+          <p:nvPr>
+            <p:extLst>
+              <p:ext uri="{386F3935-93C4-4BCD-93E2-E3B085C9AB24}">
+                <p16:designElem xmlns:p16="http://schemas.microsoft.com/office/powerpoint/2015/main" val="1"/>
+              </p:ext>
+            </p:extLst>
+          </p:nvPr>
+        </p:nvSpPr>
+        <p:spPr bwMode="auto">
+          <a:xfrm flipV="1">
+            <a:off x="-159" y="3411452"/>
+            <a:ext cx="1098194" cy="514066"/>
+          </a:xfrm>
+          <a:custGeom>
+            <a:avLst/>
+            <a:gdLst>
+              <a:gd name="connsiteX0" fmla="*/ 10000 w 10044"/>
+              <a:gd name="connsiteY0" fmla="*/ 4701 h 9966"/>
+              <a:gd name="connsiteX1" fmla="*/ 8559 w 10044"/>
+              <a:gd name="connsiteY1" fmla="*/ 188 h 9966"/>
+              <a:gd name="connsiteX2" fmla="*/ 8527 w 10044"/>
+              <a:gd name="connsiteY2" fmla="*/ 94 h 9966"/>
+              <a:gd name="connsiteX3" fmla="*/ 8438 w 10044"/>
+              <a:gd name="connsiteY3" fmla="*/ 0 h 9966"/>
+              <a:gd name="connsiteX4" fmla="*/ 7867 w 10044"/>
+              <a:gd name="connsiteY4" fmla="*/ 0 h 9966"/>
+              <a:gd name="connsiteX5" fmla="*/ 0 w 10044"/>
+              <a:gd name="connsiteY5" fmla="*/ 70 h 9966"/>
+              <a:gd name="connsiteX6" fmla="*/ 3132 w 10044"/>
+              <a:gd name="connsiteY6" fmla="*/ 9763 h 9966"/>
+              <a:gd name="connsiteX7" fmla="*/ 7867 w 10044"/>
+              <a:gd name="connsiteY7" fmla="*/ 9966 h 9966"/>
+              <a:gd name="connsiteX8" fmla="*/ 8438 w 10044"/>
+              <a:gd name="connsiteY8" fmla="*/ 9966 h 9966"/>
+              <a:gd name="connsiteX9" fmla="*/ 8527 w 10044"/>
+              <a:gd name="connsiteY9" fmla="*/ 9872 h 9966"/>
+              <a:gd name="connsiteX10" fmla="*/ 8559 w 10044"/>
+              <a:gd name="connsiteY10" fmla="*/ 9778 h 9966"/>
+              <a:gd name="connsiteX11" fmla="*/ 10000 w 10044"/>
+              <a:gd name="connsiteY11" fmla="*/ 5265 h 9966"/>
+              <a:gd name="connsiteX12" fmla="*/ 10000 w 10044"/>
+              <a:gd name="connsiteY12" fmla="*/ 4701 h 9966"/>
+              <a:gd name="connsiteX0" fmla="*/ 6839 w 6883"/>
+              <a:gd name="connsiteY0" fmla="*/ 4885 h 10168"/>
+              <a:gd name="connsiteX1" fmla="*/ 5405 w 6883"/>
+              <a:gd name="connsiteY1" fmla="*/ 357 h 10168"/>
+              <a:gd name="connsiteX2" fmla="*/ 5373 w 6883"/>
+              <a:gd name="connsiteY2" fmla="*/ 262 h 10168"/>
+              <a:gd name="connsiteX3" fmla="*/ 5284 w 6883"/>
+              <a:gd name="connsiteY3" fmla="*/ 168 h 10168"/>
+              <a:gd name="connsiteX4" fmla="*/ 4716 w 6883"/>
+              <a:gd name="connsiteY4" fmla="*/ 168 h 10168"/>
+              <a:gd name="connsiteX5" fmla="*/ 50 w 6883"/>
+              <a:gd name="connsiteY5" fmla="*/ 0 h 10168"/>
+              <a:gd name="connsiteX6" fmla="*/ 1 w 6883"/>
+              <a:gd name="connsiteY6" fmla="*/ 9964 h 10168"/>
+              <a:gd name="connsiteX7" fmla="*/ 4716 w 6883"/>
+              <a:gd name="connsiteY7" fmla="*/ 10168 h 10168"/>
+              <a:gd name="connsiteX8" fmla="*/ 5284 w 6883"/>
+              <a:gd name="connsiteY8" fmla="*/ 10168 h 10168"/>
+              <a:gd name="connsiteX9" fmla="*/ 5373 w 6883"/>
+              <a:gd name="connsiteY9" fmla="*/ 10074 h 10168"/>
+              <a:gd name="connsiteX10" fmla="*/ 5405 w 6883"/>
+              <a:gd name="connsiteY10" fmla="*/ 9979 h 10168"/>
+              <a:gd name="connsiteX11" fmla="*/ 6839 w 6883"/>
+              <a:gd name="connsiteY11" fmla="*/ 5451 h 10168"/>
+              <a:gd name="connsiteX12" fmla="*/ 6839 w 6883"/>
+              <a:gd name="connsiteY12" fmla="*/ 4885 h 10168"/>
+            </a:gdLst>
+            <a:ahLst/>
+            <a:cxnLst>
+              <a:cxn ang="0">
+                <a:pos x="connsiteX0" y="connsiteY0"/>
+              </a:cxn>
+              <a:cxn ang="0">
+                <a:pos x="connsiteX1" y="connsiteY1"/>
+              </a:cxn>
+              <a:cxn ang="0">
+                <a:pos x="connsiteX2" y="connsiteY2"/>
+              </a:cxn>
+              <a:cxn ang="0">
+                <a:pos x="connsiteX3" y="connsiteY3"/>
+              </a:cxn>
+              <a:cxn ang="0">
+                <a:pos x="connsiteX4" y="connsiteY4"/>
+              </a:cxn>
+              <a:cxn ang="0">
+                <a:pos x="connsiteX5" y="connsiteY5"/>
+              </a:cxn>
+              <a:cxn ang="0">
+                <a:pos x="connsiteX6" y="connsiteY6"/>
+              </a:cxn>
+              <a:cxn ang="0">
+                <a:pos x="connsiteX7" y="connsiteY7"/>
+              </a:cxn>
+              <a:cxn ang="0">
+                <a:pos x="connsiteX8" y="connsiteY8"/>
+              </a:cxn>
+              <a:cxn ang="0">
+                <a:pos x="connsiteX9" y="connsiteY9"/>
+              </a:cxn>
+              <a:cxn ang="0">
+                <a:pos x="connsiteX10" y="connsiteY10"/>
+              </a:cxn>
+              <a:cxn ang="0">
+                <a:pos x="connsiteX11" y="connsiteY11"/>
+              </a:cxn>
+              <a:cxn ang="0">
+                <a:pos x="connsiteX12" y="connsiteY12"/>
+              </a:cxn>
+            </a:cxnLst>
+            <a:rect l="l" t="t" r="r" b="b"/>
+            <a:pathLst>
+              <a:path w="6883" h="10168">
+                <a:moveTo>
+                  <a:pt x="6839" y="4885"/>
+                </a:moveTo>
+                <a:lnTo>
+                  <a:pt x="5405" y="357"/>
+                </a:lnTo>
+                <a:cubicBezTo>
+                  <a:pt x="5395" y="325"/>
+                  <a:pt x="5383" y="294"/>
+                  <a:pt x="5373" y="262"/>
+                </a:cubicBezTo>
+                <a:cubicBezTo>
+                  <a:pt x="5344" y="168"/>
+                  <a:pt x="5314" y="168"/>
+                  <a:pt x="5284" y="168"/>
+                </a:cubicBezTo>
+                <a:lnTo>
+                  <a:pt x="4716" y="168"/>
+                </a:lnTo>
+                <a:lnTo>
+                  <a:pt x="50" y="0"/>
+                </a:lnTo>
+                <a:cubicBezTo>
+                  <a:pt x="59" y="3322"/>
+                  <a:pt x="-8" y="6643"/>
+                  <a:pt x="1" y="9964"/>
+                </a:cubicBezTo>
+                <a:lnTo>
+                  <a:pt x="4716" y="10168"/>
+                </a:lnTo>
+                <a:lnTo>
+                  <a:pt x="5284" y="10168"/>
+                </a:lnTo>
+                <a:cubicBezTo>
+                  <a:pt x="5314" y="10168"/>
+                  <a:pt x="5344" y="10074"/>
+                  <a:pt x="5373" y="10074"/>
+                </a:cubicBezTo>
+                <a:cubicBezTo>
+                  <a:pt x="5373" y="9979"/>
+                  <a:pt x="5405" y="9979"/>
+                  <a:pt x="5405" y="9979"/>
+                </a:cubicBezTo>
+                <a:lnTo>
+                  <a:pt x="6839" y="5451"/>
+                </a:lnTo>
+                <a:cubicBezTo>
+                  <a:pt x="6898" y="5262"/>
+                  <a:pt x="6898" y="5074"/>
+                  <a:pt x="6839" y="4885"/>
+                </a:cubicBezTo>
+                <a:close/>
+              </a:path>
+            </a:pathLst>
+          </a:custGeom>
+          <a:solidFill>
+            <a:schemeClr val="accent1"/>
+          </a:solidFill>
+          <a:ln>
+            <a:noFill/>
+          </a:ln>
+        </p:spPr>
       </p:sp>
     </p:spTree>
     <p:extLst>
@@ -22270,12 +25724,12 @@
           <a:chExt cx="0" cy="0"/>
         </a:xfrm>
       </p:grpSpPr>
-      <p:sp useBgFill="1">
+      <p:sp>
         <p:nvSpPr>
-          <p:cNvPr id="18" name="Rectangle 17">
+          <p:cNvPr id="33" name="Rectangle 26">
             <a:extLst>
               <a:ext uri="{FF2B5EF4-FFF2-40B4-BE49-F238E27FC236}">
-                <a16:creationId xmlns:a16="http://schemas.microsoft.com/office/drawing/2014/main" id="{51BE15AD-74D9-4540-AECA-6A338D3028BB}"/>
+                <a16:creationId xmlns:a16="http://schemas.microsoft.com/office/drawing/2014/main" id="{1BB01FB5-37B9-4EBD-AF40-DE68D3CA46A6}"/>
               </a:ext>
               <a:ext uri="{C183D7F6-B498-43B3-948B-1728B52AA6E4}">
                 <adec:decorative xmlns:adec="http://schemas.microsoft.com/office/drawing/2017/decorative" val="1"/>
@@ -22296,7 +25750,301 @@
         <p:spPr>
           <a:xfrm>
             <a:off x="1" y="0"/>
-            <a:ext cx="12192000" cy="6858000"/>
+            <a:ext cx="4059079" cy="6858000"/>
+          </a:xfrm>
+          <a:prstGeom prst="rect">
+            <a:avLst/>
+          </a:prstGeom>
+          <a:solidFill>
+            <a:schemeClr val="tx2"/>
+          </a:solidFill>
+          <a:ln>
+            <a:noFill/>
+          </a:ln>
+        </p:spPr>
+        <p:style>
+          <a:lnRef idx="2">
+            <a:schemeClr val="accent1">
+              <a:shade val="50000"/>
+            </a:schemeClr>
+          </a:lnRef>
+          <a:fillRef idx="1">
+            <a:schemeClr val="accent1"/>
+          </a:fillRef>
+          <a:effectRef idx="0">
+            <a:schemeClr val="accent1"/>
+          </a:effectRef>
+          <a:fontRef idx="minor">
+            <a:schemeClr val="lt1"/>
+          </a:fontRef>
+        </p:style>
+        <p:txBody>
+          <a:bodyPr rtlCol="0" anchor="ctr"/>
+          <a:lstStyle/>
+          <a:p>
+            <a:pPr algn="ctr"/>
+            <a:endParaRPr lang="en-US"/>
+          </a:p>
+        </p:txBody>
+      </p:sp>
+      <p:sp>
+        <p:nvSpPr>
+          <p:cNvPr id="2" name="Title 1">
+            <a:extLst>
+              <a:ext uri="{FF2B5EF4-FFF2-40B4-BE49-F238E27FC236}">
+                <a16:creationId xmlns:a16="http://schemas.microsoft.com/office/drawing/2014/main" id="{F7F96467-C5E3-4475-A5C0-C91CE04EB269}"/>
+              </a:ext>
+            </a:extLst>
+          </p:cNvPr>
+          <p:cNvSpPr>
+            <a:spLocks noGrp="1"/>
+          </p:cNvSpPr>
+          <p:nvPr>
+            <p:ph type="title"/>
+          </p:nvPr>
+        </p:nvSpPr>
+        <p:spPr>
+          <a:xfrm>
+            <a:off x="1259893" y="3101093"/>
+            <a:ext cx="2454052" cy="3029344"/>
+          </a:xfrm>
+        </p:spPr>
+        <p:txBody>
+          <a:bodyPr>
+            <a:normAutofit/>
+          </a:bodyPr>
+          <a:lstStyle/>
+          <a:p>
+            <a:r>
+              <a:rPr lang="en-US" sz="3200">
+                <a:solidFill>
+                  <a:schemeClr val="bg1"/>
+                </a:solidFill>
+              </a:rPr>
+              <a:t>Agenda</a:t>
+            </a:r>
+          </a:p>
+        </p:txBody>
+      </p:sp>
+      <p:sp>
+        <p:nvSpPr>
+          <p:cNvPr id="34" name="Freeform 11">
+            <a:extLst>
+              <a:ext uri="{FF2B5EF4-FFF2-40B4-BE49-F238E27FC236}">
+                <a16:creationId xmlns:a16="http://schemas.microsoft.com/office/drawing/2014/main" id="{06AF6A9A-0638-4916-AD29-9FC8FC07AE5F}"/>
+              </a:ext>
+              <a:ext uri="{C183D7F6-B498-43B3-948B-1728B52AA6E4}">
+                <adec:decorative xmlns:adec="http://schemas.microsoft.com/office/drawing/2017/decorative" val="1"/>
+              </a:ext>
+            </a:extLst>
+          </p:cNvPr>
+          <p:cNvSpPr>
+            <a:spLocks noGrp="1" noRot="1" noChangeAspect="1" noMove="1" noResize="1" noEditPoints="1" noAdjustHandles="1" noChangeArrowheads="1" noChangeShapeType="1" noTextEdit="1"/>
+          </p:cNvSpPr>
+          <p:nvPr>
+            <p:extLst>
+              <p:ext uri="{386F3935-93C4-4BCD-93E2-E3B085C9AB24}">
+                <p16:designElem xmlns:p16="http://schemas.microsoft.com/office/powerpoint/2015/main" val="1"/>
+              </p:ext>
+            </p:extLst>
+          </p:nvPr>
+        </p:nvSpPr>
+        <p:spPr bwMode="auto">
+          <a:xfrm flipV="1">
+            <a:off x="-159" y="3179901"/>
+            <a:ext cx="1098194" cy="514066"/>
+          </a:xfrm>
+          <a:custGeom>
+            <a:avLst/>
+            <a:gdLst>
+              <a:gd name="connsiteX0" fmla="*/ 10000 w 10044"/>
+              <a:gd name="connsiteY0" fmla="*/ 4701 h 9966"/>
+              <a:gd name="connsiteX1" fmla="*/ 8559 w 10044"/>
+              <a:gd name="connsiteY1" fmla="*/ 188 h 9966"/>
+              <a:gd name="connsiteX2" fmla="*/ 8527 w 10044"/>
+              <a:gd name="connsiteY2" fmla="*/ 94 h 9966"/>
+              <a:gd name="connsiteX3" fmla="*/ 8438 w 10044"/>
+              <a:gd name="connsiteY3" fmla="*/ 0 h 9966"/>
+              <a:gd name="connsiteX4" fmla="*/ 7867 w 10044"/>
+              <a:gd name="connsiteY4" fmla="*/ 0 h 9966"/>
+              <a:gd name="connsiteX5" fmla="*/ 0 w 10044"/>
+              <a:gd name="connsiteY5" fmla="*/ 70 h 9966"/>
+              <a:gd name="connsiteX6" fmla="*/ 3132 w 10044"/>
+              <a:gd name="connsiteY6" fmla="*/ 9763 h 9966"/>
+              <a:gd name="connsiteX7" fmla="*/ 7867 w 10044"/>
+              <a:gd name="connsiteY7" fmla="*/ 9966 h 9966"/>
+              <a:gd name="connsiteX8" fmla="*/ 8438 w 10044"/>
+              <a:gd name="connsiteY8" fmla="*/ 9966 h 9966"/>
+              <a:gd name="connsiteX9" fmla="*/ 8527 w 10044"/>
+              <a:gd name="connsiteY9" fmla="*/ 9872 h 9966"/>
+              <a:gd name="connsiteX10" fmla="*/ 8559 w 10044"/>
+              <a:gd name="connsiteY10" fmla="*/ 9778 h 9966"/>
+              <a:gd name="connsiteX11" fmla="*/ 10000 w 10044"/>
+              <a:gd name="connsiteY11" fmla="*/ 5265 h 9966"/>
+              <a:gd name="connsiteX12" fmla="*/ 10000 w 10044"/>
+              <a:gd name="connsiteY12" fmla="*/ 4701 h 9966"/>
+              <a:gd name="connsiteX0" fmla="*/ 6839 w 6883"/>
+              <a:gd name="connsiteY0" fmla="*/ 4885 h 10168"/>
+              <a:gd name="connsiteX1" fmla="*/ 5405 w 6883"/>
+              <a:gd name="connsiteY1" fmla="*/ 357 h 10168"/>
+              <a:gd name="connsiteX2" fmla="*/ 5373 w 6883"/>
+              <a:gd name="connsiteY2" fmla="*/ 262 h 10168"/>
+              <a:gd name="connsiteX3" fmla="*/ 5284 w 6883"/>
+              <a:gd name="connsiteY3" fmla="*/ 168 h 10168"/>
+              <a:gd name="connsiteX4" fmla="*/ 4716 w 6883"/>
+              <a:gd name="connsiteY4" fmla="*/ 168 h 10168"/>
+              <a:gd name="connsiteX5" fmla="*/ 50 w 6883"/>
+              <a:gd name="connsiteY5" fmla="*/ 0 h 10168"/>
+              <a:gd name="connsiteX6" fmla="*/ 1 w 6883"/>
+              <a:gd name="connsiteY6" fmla="*/ 9964 h 10168"/>
+              <a:gd name="connsiteX7" fmla="*/ 4716 w 6883"/>
+              <a:gd name="connsiteY7" fmla="*/ 10168 h 10168"/>
+              <a:gd name="connsiteX8" fmla="*/ 5284 w 6883"/>
+              <a:gd name="connsiteY8" fmla="*/ 10168 h 10168"/>
+              <a:gd name="connsiteX9" fmla="*/ 5373 w 6883"/>
+              <a:gd name="connsiteY9" fmla="*/ 10074 h 10168"/>
+              <a:gd name="connsiteX10" fmla="*/ 5405 w 6883"/>
+              <a:gd name="connsiteY10" fmla="*/ 9979 h 10168"/>
+              <a:gd name="connsiteX11" fmla="*/ 6839 w 6883"/>
+              <a:gd name="connsiteY11" fmla="*/ 5451 h 10168"/>
+              <a:gd name="connsiteX12" fmla="*/ 6839 w 6883"/>
+              <a:gd name="connsiteY12" fmla="*/ 4885 h 10168"/>
+            </a:gdLst>
+            <a:ahLst/>
+            <a:cxnLst>
+              <a:cxn ang="0">
+                <a:pos x="connsiteX0" y="connsiteY0"/>
+              </a:cxn>
+              <a:cxn ang="0">
+                <a:pos x="connsiteX1" y="connsiteY1"/>
+              </a:cxn>
+              <a:cxn ang="0">
+                <a:pos x="connsiteX2" y="connsiteY2"/>
+              </a:cxn>
+              <a:cxn ang="0">
+                <a:pos x="connsiteX3" y="connsiteY3"/>
+              </a:cxn>
+              <a:cxn ang="0">
+                <a:pos x="connsiteX4" y="connsiteY4"/>
+              </a:cxn>
+              <a:cxn ang="0">
+                <a:pos x="connsiteX5" y="connsiteY5"/>
+              </a:cxn>
+              <a:cxn ang="0">
+                <a:pos x="connsiteX6" y="connsiteY6"/>
+              </a:cxn>
+              <a:cxn ang="0">
+                <a:pos x="connsiteX7" y="connsiteY7"/>
+              </a:cxn>
+              <a:cxn ang="0">
+                <a:pos x="connsiteX8" y="connsiteY8"/>
+              </a:cxn>
+              <a:cxn ang="0">
+                <a:pos x="connsiteX9" y="connsiteY9"/>
+              </a:cxn>
+              <a:cxn ang="0">
+                <a:pos x="connsiteX10" y="connsiteY10"/>
+              </a:cxn>
+              <a:cxn ang="0">
+                <a:pos x="connsiteX11" y="connsiteY11"/>
+              </a:cxn>
+              <a:cxn ang="0">
+                <a:pos x="connsiteX12" y="connsiteY12"/>
+              </a:cxn>
+            </a:cxnLst>
+            <a:rect l="l" t="t" r="r" b="b"/>
+            <a:pathLst>
+              <a:path w="6883" h="10168">
+                <a:moveTo>
+                  <a:pt x="6839" y="4885"/>
+                </a:moveTo>
+                <a:lnTo>
+                  <a:pt x="5405" y="357"/>
+                </a:lnTo>
+                <a:cubicBezTo>
+                  <a:pt x="5395" y="325"/>
+                  <a:pt x="5383" y="294"/>
+                  <a:pt x="5373" y="262"/>
+                </a:cubicBezTo>
+                <a:cubicBezTo>
+                  <a:pt x="5344" y="168"/>
+                  <a:pt x="5314" y="168"/>
+                  <a:pt x="5284" y="168"/>
+                </a:cubicBezTo>
+                <a:lnTo>
+                  <a:pt x="4716" y="168"/>
+                </a:lnTo>
+                <a:lnTo>
+                  <a:pt x="50" y="0"/>
+                </a:lnTo>
+                <a:cubicBezTo>
+                  <a:pt x="59" y="3322"/>
+                  <a:pt x="-8" y="6643"/>
+                  <a:pt x="1" y="9964"/>
+                </a:cubicBezTo>
+                <a:lnTo>
+                  <a:pt x="4716" y="10168"/>
+                </a:lnTo>
+                <a:lnTo>
+                  <a:pt x="5284" y="10168"/>
+                </a:lnTo>
+                <a:cubicBezTo>
+                  <a:pt x="5314" y="10168"/>
+                  <a:pt x="5344" y="10074"/>
+                  <a:pt x="5373" y="10074"/>
+                </a:cubicBezTo>
+                <a:cubicBezTo>
+                  <a:pt x="5373" y="9979"/>
+                  <a:pt x="5405" y="9979"/>
+                  <a:pt x="5405" y="9979"/>
+                </a:cubicBezTo>
+                <a:lnTo>
+                  <a:pt x="6839" y="5451"/>
+                </a:lnTo>
+                <a:cubicBezTo>
+                  <a:pt x="6898" y="5262"/>
+                  <a:pt x="6898" y="5074"/>
+                  <a:pt x="6839" y="4885"/>
+                </a:cubicBezTo>
+                <a:close/>
+              </a:path>
+            </a:pathLst>
+          </a:custGeom>
+          <a:solidFill>
+            <a:schemeClr val="accent1"/>
+          </a:solidFill>
+          <a:ln>
+            <a:noFill/>
+          </a:ln>
+        </p:spPr>
+      </p:sp>
+      <p:sp useBgFill="1">
+        <p:nvSpPr>
+          <p:cNvPr id="35" name="Rectangle 30">
+            <a:extLst>
+              <a:ext uri="{FF2B5EF4-FFF2-40B4-BE49-F238E27FC236}">
+                <a16:creationId xmlns:a16="http://schemas.microsoft.com/office/drawing/2014/main" id="{79057B2B-0D8C-47F2-836B-2E7DD462150A}"/>
+              </a:ext>
+              <a:ext uri="{C183D7F6-B498-43B3-948B-1728B52AA6E4}">
+                <adec:decorative xmlns:adec="http://schemas.microsoft.com/office/drawing/2017/decorative" val="1"/>
+              </a:ext>
+            </a:extLst>
+          </p:cNvPr>
+          <p:cNvSpPr>
+            <a:spLocks noGrp="1" noRot="1" noChangeAspect="1" noMove="1" noResize="1" noEditPoints="1" noAdjustHandles="1" noChangeArrowheads="1" noChangeShapeType="1" noTextEdit="1"/>
+          </p:cNvSpPr>
+          <p:nvPr>
+            <p:extLst>
+              <p:ext uri="{386F3935-93C4-4BCD-93E2-E3B085C9AB24}">
+                <p16:designElem xmlns:p16="http://schemas.microsoft.com/office/powerpoint/2015/main" val="1"/>
+              </p:ext>
+            </p:extLst>
+          </p:nvPr>
+        </p:nvSpPr>
+        <p:spPr>
+          <a:xfrm>
+            <a:off x="4795736" y="0"/>
+            <a:ext cx="7396264" cy="6858000"/>
           </a:xfrm>
           <a:prstGeom prst="rect">
             <a:avLst/>
@@ -22326,197 +26074,9 @@
           <a:lstStyle/>
           <a:p>
             <a:pPr algn="ctr"/>
-            <a:endParaRPr lang="en-US" dirty="0"/>
+            <a:endParaRPr lang="en-US"/>
           </a:p>
         </p:txBody>
-      </p:sp>
-      <p:sp>
-        <p:nvSpPr>
-          <p:cNvPr id="2" name="Title 1">
-            <a:extLst>
-              <a:ext uri="{FF2B5EF4-FFF2-40B4-BE49-F238E27FC236}">
-                <a16:creationId xmlns:a16="http://schemas.microsoft.com/office/drawing/2014/main" id="{F7F96467-C5E3-4475-A5C0-C91CE04EB269}"/>
-              </a:ext>
-            </a:extLst>
-          </p:cNvPr>
-          <p:cNvSpPr>
-            <a:spLocks noGrp="1"/>
-          </p:cNvSpPr>
-          <p:nvPr>
-            <p:ph type="title"/>
-          </p:nvPr>
-        </p:nvSpPr>
-        <p:spPr>
-          <a:xfrm>
-            <a:off x="1794897" y="624110"/>
-            <a:ext cx="9712998" cy="1280890"/>
-          </a:xfrm>
-        </p:spPr>
-        <p:txBody>
-          <a:bodyPr>
-            <a:normAutofit/>
-          </a:bodyPr>
-          <a:lstStyle/>
-          <a:p>
-            <a:r>
-              <a:rPr lang="en-US"/>
-              <a:t>Agenda</a:t>
-            </a:r>
-          </a:p>
-        </p:txBody>
-      </p:sp>
-      <p:sp>
-        <p:nvSpPr>
-          <p:cNvPr id="20" name="Rectangle 19">
-            <a:extLst>
-              <a:ext uri="{FF2B5EF4-FFF2-40B4-BE49-F238E27FC236}">
-                <a16:creationId xmlns:a16="http://schemas.microsoft.com/office/drawing/2014/main" id="{5E2E47D1-2C32-4FB7-A5F0-F31C8F390B83}"/>
-              </a:ext>
-              <a:ext uri="{C183D7F6-B498-43B3-948B-1728B52AA6E4}">
-                <adec:decorative xmlns:adec="http://schemas.microsoft.com/office/drawing/2017/decorative" val="1"/>
-              </a:ext>
-            </a:extLst>
-          </p:cNvPr>
-          <p:cNvSpPr>
-            <a:spLocks noGrp="1" noRot="1" noChangeAspect="1" noMove="1" noResize="1" noEditPoints="1" noAdjustHandles="1" noChangeArrowheads="1" noChangeShapeType="1" noTextEdit="1"/>
-          </p:cNvSpPr>
-          <p:nvPr>
-            <p:extLst>
-              <p:ext uri="{386F3935-93C4-4BCD-93E2-E3B085C9AB24}">
-                <p16:designElem xmlns:p16="http://schemas.microsoft.com/office/powerpoint/2015/main" val="1"/>
-              </p:ext>
-            </p:extLst>
-          </p:nvPr>
-        </p:nvSpPr>
-        <p:spPr>
-          <a:xfrm>
-            <a:off x="0" y="0"/>
-            <a:ext cx="182880" cy="6858000"/>
-          </a:xfrm>
-          <a:prstGeom prst="rect">
-            <a:avLst/>
-          </a:prstGeom>
-          <a:solidFill>
-            <a:schemeClr val="tx2"/>
-          </a:solidFill>
-          <a:ln>
-            <a:noFill/>
-          </a:ln>
-          <a:effectLst/>
-        </p:spPr>
-        <p:style>
-          <a:lnRef idx="1">
-            <a:schemeClr val="accent1"/>
-          </a:lnRef>
-          <a:fillRef idx="3">
-            <a:schemeClr val="accent1"/>
-          </a:fillRef>
-          <a:effectRef idx="2">
-            <a:schemeClr val="accent1"/>
-          </a:effectRef>
-          <a:fontRef idx="minor">
-            <a:schemeClr val="lt1"/>
-          </a:fontRef>
-        </p:style>
-      </p:sp>
-      <p:sp>
-        <p:nvSpPr>
-          <p:cNvPr id="22" name="Freeform 11">
-            <a:extLst>
-              <a:ext uri="{FF2B5EF4-FFF2-40B4-BE49-F238E27FC236}">
-                <a16:creationId xmlns:a16="http://schemas.microsoft.com/office/drawing/2014/main" id="{884C5A90-A356-4F6E-92BE-AA6527470833}"/>
-              </a:ext>
-              <a:ext uri="{C183D7F6-B498-43B3-948B-1728B52AA6E4}">
-                <adec:decorative xmlns:adec="http://schemas.microsoft.com/office/drawing/2017/decorative" val="1"/>
-              </a:ext>
-            </a:extLst>
-          </p:cNvPr>
-          <p:cNvSpPr>
-            <a:spLocks noGrp="1" noRot="1" noChangeAspect="1" noMove="1" noResize="1" noEditPoints="1" noAdjustHandles="1" noChangeArrowheads="1" noChangeShapeType="1" noTextEdit="1"/>
-          </p:cNvSpPr>
-          <p:nvPr>
-            <p:extLst>
-              <p:ext uri="{386F3935-93C4-4BCD-93E2-E3B085C9AB24}">
-                <p16:designElem xmlns:p16="http://schemas.microsoft.com/office/powerpoint/2015/main" val="1"/>
-              </p:ext>
-            </p:extLst>
-          </p:nvPr>
-        </p:nvSpPr>
-        <p:spPr bwMode="auto">
-          <a:xfrm flipV="1">
-            <a:off x="-4189" y="714375"/>
-            <a:ext cx="1588527" cy="507297"/>
-          </a:xfrm>
-          <a:custGeom>
-            <a:avLst/>
-            <a:gdLst/>
-            <a:ahLst/>
-            <a:cxnLst/>
-            <a:rect l="l" t="t" r="r" b="b"/>
-            <a:pathLst>
-              <a:path w="9248" h="10000">
-                <a:moveTo>
-                  <a:pt x="9248" y="4701"/>
-                </a:moveTo>
-                <a:lnTo>
-                  <a:pt x="7915" y="188"/>
-                </a:lnTo>
-                <a:cubicBezTo>
-                  <a:pt x="7906" y="156"/>
-                  <a:pt x="7895" y="126"/>
-                  <a:pt x="7886" y="94"/>
-                </a:cubicBezTo>
-                <a:cubicBezTo>
-                  <a:pt x="7859" y="0"/>
-                  <a:pt x="7831" y="0"/>
-                  <a:pt x="7803" y="0"/>
-                </a:cubicBezTo>
-                <a:lnTo>
-                  <a:pt x="7275" y="0"/>
-                </a:lnTo>
-                <a:lnTo>
-                  <a:pt x="0" y="70"/>
-                </a:lnTo>
-                <a:cubicBezTo>
-                  <a:pt x="8" y="3380"/>
-                  <a:pt x="17" y="6690"/>
-                  <a:pt x="25" y="10000"/>
-                </a:cubicBezTo>
-                <a:lnTo>
-                  <a:pt x="7275" y="9966"/>
-                </a:lnTo>
-                <a:lnTo>
-                  <a:pt x="7803" y="9966"/>
-                </a:lnTo>
-                <a:cubicBezTo>
-                  <a:pt x="7831" y="9966"/>
-                  <a:pt x="7859" y="9872"/>
-                  <a:pt x="7886" y="9872"/>
-                </a:cubicBezTo>
-                <a:cubicBezTo>
-                  <a:pt x="7886" y="9778"/>
-                  <a:pt x="7915" y="9778"/>
-                  <a:pt x="7915" y="9778"/>
-                </a:cubicBezTo>
-                <a:lnTo>
-                  <a:pt x="9248" y="5265"/>
-                </a:lnTo>
-                <a:cubicBezTo>
-                  <a:pt x="9303" y="5077"/>
-                  <a:pt x="9303" y="4889"/>
-                  <a:pt x="9248" y="4701"/>
-                </a:cubicBezTo>
-                <a:close/>
-              </a:path>
-            </a:pathLst>
-          </a:custGeom>
-          <a:solidFill>
-            <a:schemeClr val="accent1"/>
-          </a:solidFill>
-          <a:ln>
-            <a:noFill/>
-          </a:ln>
-        </p:spPr>
       </p:sp>
       <p:graphicFrame>
         <p:nvGraphicFramePr>
@@ -22534,14 +26094,14 @@
             <p:ph idx="1"/>
             <p:extLst>
               <p:ext uri="{D42A27DB-BD31-4B8C-83A1-F6EECF244321}">
-                <p14:modId xmlns:p14="http://schemas.microsoft.com/office/powerpoint/2010/main" val="780948528"/>
+                <p14:modId xmlns:p14="http://schemas.microsoft.com/office/powerpoint/2010/main" val="3557512992"/>
               </p:ext>
             </p:extLst>
           </p:nvPr>
         </p:nvGraphicFramePr>
         <p:xfrm>
-          <a:off x="1794897" y="2222983"/>
-          <a:ext cx="8987404" cy="3653941"/>
+          <a:off x="4713144" y="641551"/>
+          <a:ext cx="6832212" cy="5264779"/>
         </p:xfrm>
         <a:graphic>
           <a:graphicData uri="http://schemas.openxmlformats.org/drawingml/2006/diagram">

--- a/Week7_MasterDataMgmt/BachmeierNTIM7030-7.pptx
+++ b/Week7_MasterDataMgmt/BachmeierNTIM7030-7.pptx
@@ -2542,10 +2542,9 @@
             </a:lnSpc>
           </a:pPr>
           <a:r>
-            <a:rPr lang="en-US"/>
+            <a:rPr lang="en-US" dirty="0"/>
             <a:t>Frameworks and Tooling</a:t>
           </a:r>
-          <a:endParaRPr lang="en-US" dirty="0"/>
         </a:p>
       </dgm:t>
     </dgm:pt>
@@ -2788,6 +2787,7 @@
             <a:rPr lang="en-US"/>
             <a:t>Master Data Management</a:t>
           </a:r>
+          <a:endParaRPr lang="en-US" dirty="0"/>
         </a:p>
       </dgm:t>
     </dgm:pt>
@@ -2826,9 +2826,10 @@
             </a:lnSpc>
           </a:pPr>
           <a:r>
-            <a:rPr lang="en-US" dirty="0"/>
+            <a:rPr lang="en-US"/>
             <a:t>Sharing business entities to enable business workflows</a:t>
           </a:r>
+          <a:endParaRPr lang="en-US" dirty="0"/>
         </a:p>
       </dgm:t>
     </dgm:pt>
@@ -3117,9 +3118,10 @@
             </a:lnSpc>
           </a:pPr>
           <a:r>
-            <a:rPr lang="en-US" dirty="0"/>
+            <a:rPr lang="en-US"/>
             <a:t>Partially trusted clients becomes the norm</a:t>
           </a:r>
+          <a:endParaRPr lang="en-US" dirty="0"/>
         </a:p>
       </dgm:t>
     </dgm:pt>
@@ -3158,11 +3160,11 @@
             </a:lnSpc>
           </a:pPr>
           <a:r>
-            <a:rPr lang="en-US" dirty="0"/>
+            <a:rPr lang="en-US"/>
             <a:t>Information becomes portable and decentralized</a:t>
           </a:r>
           <a:br>
-            <a:rPr lang="en-US" dirty="0"/>
+            <a:rPr lang="en-US"/>
           </a:br>
           <a:endParaRPr lang="en-US" dirty="0"/>
         </a:p>
@@ -3183,6 +3185,131 @@
       <dgm:prSet/>
       <dgm:spPr/>
     </dgm:pt>
+    <dgm:pt modelId="{193D77D5-5B09-44BB-878B-DA7EA745E30A}">
+      <dgm:prSet/>
+      <dgm:spPr/>
+      <dgm:t>
+        <a:bodyPr/>
+        <a:lstStyle/>
+        <a:p>
+          <a:pPr>
+            <a:lnSpc>
+              <a:spcPct val="100000"/>
+            </a:lnSpc>
+          </a:pPr>
+          <a:r>
+            <a:rPr lang="en-US"/>
+            <a:t>Mainframes and Data warehouses</a:t>
+          </a:r>
+          <a:endParaRPr lang="en-US" dirty="0"/>
+        </a:p>
+      </dgm:t>
+    </dgm:pt>
+    <dgm:pt modelId="{3637D2D2-1B06-42B3-8CCE-F1D2F93841AF}" type="parTrans" cxnId="{AD4FBE7F-9F6C-4890-A892-4E7D6C72B3D8}">
+      <dgm:prSet/>
+      <dgm:spPr/>
+      <dgm:t>
+        <a:bodyPr/>
+        <a:lstStyle/>
+        <a:p>
+          <a:endParaRPr lang="en-US"/>
+        </a:p>
+      </dgm:t>
+    </dgm:pt>
+    <dgm:pt modelId="{1B48D156-30FE-4BEA-AA63-5538EE45CAD0}" type="sibTrans" cxnId="{AD4FBE7F-9F6C-4890-A892-4E7D6C72B3D8}">
+      <dgm:prSet/>
+      <dgm:spPr/>
+      <dgm:t>
+        <a:bodyPr/>
+        <a:lstStyle/>
+        <a:p>
+          <a:endParaRPr lang="en-US"/>
+        </a:p>
+      </dgm:t>
+    </dgm:pt>
+    <dgm:pt modelId="{667C759C-2990-4AE1-96D2-4782F199B51B}">
+      <dgm:prSet/>
+      <dgm:spPr/>
+      <dgm:t>
+        <a:bodyPr/>
+        <a:lstStyle/>
+        <a:p>
+          <a:pPr>
+            <a:lnSpc>
+              <a:spcPct val="100000"/>
+            </a:lnSpc>
+          </a:pPr>
+          <a:r>
+            <a:rPr lang="en-US"/>
+            <a:t>Centralize single sourced</a:t>
+          </a:r>
+          <a:endParaRPr lang="en-US" dirty="0"/>
+        </a:p>
+      </dgm:t>
+    </dgm:pt>
+    <dgm:pt modelId="{654033B4-B7E9-47F6-9956-A3B91500E41D}" type="parTrans" cxnId="{CF90839B-F28D-49A6-82B7-84D55572FD65}">
+      <dgm:prSet/>
+      <dgm:spPr/>
+      <dgm:t>
+        <a:bodyPr/>
+        <a:lstStyle/>
+        <a:p>
+          <a:endParaRPr lang="en-US"/>
+        </a:p>
+      </dgm:t>
+    </dgm:pt>
+    <dgm:pt modelId="{70CF29A9-A183-4120-B5F7-78544381BDA0}" type="sibTrans" cxnId="{CF90839B-F28D-49A6-82B7-84D55572FD65}">
+      <dgm:prSet/>
+      <dgm:spPr/>
+      <dgm:t>
+        <a:bodyPr/>
+        <a:lstStyle/>
+        <a:p>
+          <a:endParaRPr lang="en-US"/>
+        </a:p>
+      </dgm:t>
+    </dgm:pt>
+    <dgm:pt modelId="{8A3E40B4-9A61-4006-94C8-A6BFC59DEAAE}">
+      <dgm:prSet/>
+      <dgm:spPr/>
+      <dgm:t>
+        <a:bodyPr/>
+        <a:lstStyle/>
+        <a:p>
+          <a:pPr>
+            <a:lnSpc>
+              <a:spcPct val="100000"/>
+            </a:lnSpc>
+          </a:pPr>
+          <a:r>
+            <a:rPr lang="en-US" dirty="0"/>
+            <a:t>Easy to manage through boarder security</a:t>
+          </a:r>
+        </a:p>
+      </dgm:t>
+    </dgm:pt>
+    <dgm:pt modelId="{98022190-66E5-4E68-A5E7-1C379D3B42AC}" type="parTrans" cxnId="{6AF535C3-B5B7-4F53-881C-6732CD02926C}">
+      <dgm:prSet/>
+      <dgm:spPr/>
+      <dgm:t>
+        <a:bodyPr/>
+        <a:lstStyle/>
+        <a:p>
+          <a:endParaRPr lang="en-US"/>
+        </a:p>
+      </dgm:t>
+    </dgm:pt>
+    <dgm:pt modelId="{A2248C73-DDF9-48CA-B8F2-BE7153E7FB25}" type="sibTrans" cxnId="{6AF535C3-B5B7-4F53-881C-6732CD02926C}">
+      <dgm:prSet/>
+      <dgm:spPr/>
+      <dgm:t>
+        <a:bodyPr/>
+        <a:lstStyle/>
+        <a:p>
+          <a:endParaRPr lang="en-US"/>
+        </a:p>
+      </dgm:t>
+    </dgm:pt>
     <dgm:pt modelId="{FAB61EDF-5DF9-4AE9-AFD9-9D075034EE5F}" type="pres">
       <dgm:prSet presAssocID="{8F467E0F-078A-46B0-9FD4-76CAFB19F654}" presName="Name0" presStyleCnt="0">
         <dgm:presLayoutVars>
@@ -3198,11 +3325,11 @@
       <dgm:spPr/>
     </dgm:pt>
     <dgm:pt modelId="{C49C736A-68C2-4078-87A3-ED8E15579E00}" type="pres">
-      <dgm:prSet presAssocID="{AD7B22C3-62FF-4240-9A8E-B681D9CA4CBD}" presName="parentTextBox" presStyleLbl="alignNode1" presStyleIdx="0" presStyleCnt="3"/>
+      <dgm:prSet presAssocID="{AD7B22C3-62FF-4240-9A8E-B681D9CA4CBD}" presName="parentTextBox" presStyleLbl="alignNode1" presStyleIdx="0" presStyleCnt="4"/>
       <dgm:spPr/>
     </dgm:pt>
     <dgm:pt modelId="{8EB0E6A6-0E4F-4102-88DB-E53700B3B072}" type="pres">
-      <dgm:prSet presAssocID="{AD7B22C3-62FF-4240-9A8E-B681D9CA4CBD}" presName="descendantBox" presStyleLbl="bgAccFollowNode1" presStyleIdx="0" presStyleCnt="3"/>
+      <dgm:prSet presAssocID="{AD7B22C3-62FF-4240-9A8E-B681D9CA4CBD}" presName="descendantBox" presStyleLbl="bgAccFollowNode1" presStyleIdx="0" presStyleCnt="4"/>
       <dgm:spPr/>
     </dgm:pt>
     <dgm:pt modelId="{974E88C6-74ED-4075-9F0F-9A01D950F9B9}" type="pres">
@@ -3218,11 +3345,11 @@
       <dgm:spPr/>
     </dgm:pt>
     <dgm:pt modelId="{DD0547F1-4605-4048-8593-8CCCAD929466}" type="pres">
-      <dgm:prSet presAssocID="{DC7B61BD-E2D8-42E1-B5B3-F02A96679C39}" presName="arrow" presStyleLbl="alignNode1" presStyleIdx="1" presStyleCnt="3"/>
+      <dgm:prSet presAssocID="{DC7B61BD-E2D8-42E1-B5B3-F02A96679C39}" presName="arrow" presStyleLbl="alignNode1" presStyleIdx="1" presStyleCnt="4"/>
       <dgm:spPr/>
     </dgm:pt>
     <dgm:pt modelId="{1994D7F9-37D2-4C2C-9D37-D93B04D95140}" type="pres">
-      <dgm:prSet presAssocID="{DC7B61BD-E2D8-42E1-B5B3-F02A96679C39}" presName="descendantArrow" presStyleLbl="bgAccFollowNode1" presStyleIdx="1" presStyleCnt="3"/>
+      <dgm:prSet presAssocID="{DC7B61BD-E2D8-42E1-B5B3-F02A96679C39}" presName="descendantArrow" presStyleLbl="bgAccFollowNode1" presStyleIdx="1" presStyleCnt="4"/>
       <dgm:spPr/>
     </dgm:pt>
     <dgm:pt modelId="{A08E90FF-A50E-4D1F-93FD-7E2EC635CCDD}" type="pres">
@@ -3238,51 +3365,83 @@
       <dgm:spPr/>
     </dgm:pt>
     <dgm:pt modelId="{0B8C9B41-B938-4F62-94A6-CBEE448CD564}" type="pres">
-      <dgm:prSet presAssocID="{60CB3E7F-2AF6-4028-87D8-EEBE72F769C9}" presName="arrow" presStyleLbl="alignNode1" presStyleIdx="2" presStyleCnt="3"/>
+      <dgm:prSet presAssocID="{60CB3E7F-2AF6-4028-87D8-EEBE72F769C9}" presName="arrow" presStyleLbl="alignNode1" presStyleIdx="2" presStyleCnt="4"/>
       <dgm:spPr/>
     </dgm:pt>
     <dgm:pt modelId="{56DDED8B-1034-442C-BFDD-FC4A509E662F}" type="pres">
-      <dgm:prSet presAssocID="{60CB3E7F-2AF6-4028-87D8-EEBE72F769C9}" presName="descendantArrow" presStyleLbl="bgAccFollowNode1" presStyleIdx="2" presStyleCnt="3"/>
+      <dgm:prSet presAssocID="{60CB3E7F-2AF6-4028-87D8-EEBE72F769C9}" presName="descendantArrow" presStyleLbl="bgAccFollowNode1" presStyleIdx="2" presStyleCnt="4"/>
+      <dgm:spPr/>
+    </dgm:pt>
+    <dgm:pt modelId="{7F4E247E-6808-4D3C-9E7A-8FB49E0B58F3}" type="pres">
+      <dgm:prSet presAssocID="{1B48D156-30FE-4BEA-AA63-5538EE45CAD0}" presName="sp" presStyleCnt="0"/>
+      <dgm:spPr/>
+    </dgm:pt>
+    <dgm:pt modelId="{B2A3017F-FFDF-460E-BADD-532975D1282A}" type="pres">
+      <dgm:prSet presAssocID="{193D77D5-5B09-44BB-878B-DA7EA745E30A}" presName="arrowAndChildren" presStyleCnt="0"/>
+      <dgm:spPr/>
+    </dgm:pt>
+    <dgm:pt modelId="{0D0AF31C-F2AA-4CC4-A2D1-12D05E60B6F4}" type="pres">
+      <dgm:prSet presAssocID="{193D77D5-5B09-44BB-878B-DA7EA745E30A}" presName="parentTextArrow" presStyleLbl="node1" presStyleIdx="0" presStyleCnt="0"/>
+      <dgm:spPr/>
+    </dgm:pt>
+    <dgm:pt modelId="{275DC252-2F96-45CD-9560-E2C478E03B35}" type="pres">
+      <dgm:prSet presAssocID="{193D77D5-5B09-44BB-878B-DA7EA745E30A}" presName="arrow" presStyleLbl="alignNode1" presStyleIdx="3" presStyleCnt="4"/>
+      <dgm:spPr/>
+    </dgm:pt>
+    <dgm:pt modelId="{6093AF76-5407-4005-8E22-4F7152F53309}" type="pres">
+      <dgm:prSet presAssocID="{193D77D5-5B09-44BB-878B-DA7EA745E30A}" presName="descendantArrow" presStyleLbl="bgAccFollowNode1" presStyleIdx="3" presStyleCnt="4"/>
       <dgm:spPr/>
     </dgm:pt>
   </dgm:ptLst>
   <dgm:cxnLst>
     <dgm:cxn modelId="{03B60402-07A6-498D-A294-F84BACF17AC8}" srcId="{DC7B61BD-E2D8-42E1-B5B3-F02A96679C39}" destId="{D4941F80-6BBC-443C-925C-C497047C166D}" srcOrd="1" destOrd="0" parTransId="{F3142173-9904-431C-BA20-F05709637F94}" sibTransId="{68D7467B-74E3-4949-BA99-FCF8CEFC26EC}"/>
-    <dgm:cxn modelId="{B4862A06-C36A-4090-B5B9-668C602ED732}" type="presOf" srcId="{E0B384D1-4B44-4E89-9C54-441F81F2708E}" destId="{8EB0E6A6-0E4F-4102-88DB-E53700B3B072}" srcOrd="0" destOrd="1" presId="urn:microsoft.com/office/officeart/2016/7/layout/VerticalDownArrowProcess"/>
-    <dgm:cxn modelId="{45B0AA11-D801-45E5-ABEB-C65B37768D49}" type="presOf" srcId="{60CB3E7F-2AF6-4028-87D8-EEBE72F769C9}" destId="{E1BD8028-D4B4-4808-A028-B3660301D5B8}" srcOrd="0" destOrd="0" presId="urn:microsoft.com/office/officeart/2016/7/layout/VerticalDownArrowProcess"/>
-    <dgm:cxn modelId="{6D1AF821-11C5-4E10-AB79-2C809274D8DE}" type="presOf" srcId="{DC7B61BD-E2D8-42E1-B5B3-F02A96679C39}" destId="{5E9DDA84-B39D-4C25-B385-3CE83FC7E309}" srcOrd="0" destOrd="0" presId="urn:microsoft.com/office/officeart/2016/7/layout/VerticalDownArrowProcess"/>
-    <dgm:cxn modelId="{5A551335-79AD-42CE-A078-2C57734271A5}" type="presOf" srcId="{DC7B61BD-E2D8-42E1-B5B3-F02A96679C39}" destId="{DD0547F1-4605-4048-8593-8CCCAD929466}" srcOrd="1" destOrd="0" presId="urn:microsoft.com/office/officeart/2016/7/layout/VerticalDownArrowProcess"/>
-    <dgm:cxn modelId="{77A5853A-28E7-4760-AFC6-B939B249C195}" type="presOf" srcId="{F6C9F479-6194-4A55-ACE3-C7477D97A534}" destId="{8EB0E6A6-0E4F-4102-88DB-E53700B3B072}" srcOrd="0" destOrd="2" presId="urn:microsoft.com/office/officeart/2016/7/layout/VerticalDownArrowProcess"/>
-    <dgm:cxn modelId="{27D74540-28BA-4284-B232-EB3CB5A4BB85}" type="presOf" srcId="{E7D0F2ED-7925-43F8-AFEE-8FE911DEA9DC}" destId="{8EB0E6A6-0E4F-4102-88DB-E53700B3B072}" srcOrd="0" destOrd="0" presId="urn:microsoft.com/office/officeart/2016/7/layout/VerticalDownArrowProcess"/>
-    <dgm:cxn modelId="{6B701E5F-E1D6-4D91-85E2-50BC12D6250A}" type="presOf" srcId="{4B986159-A904-4341-838B-2ACED22408D4}" destId="{1994D7F9-37D2-4C2C-9D37-D93B04D95140}" srcOrd="0" destOrd="0" presId="urn:microsoft.com/office/officeart/2016/7/layout/VerticalDownArrowProcess"/>
-    <dgm:cxn modelId="{7A8FA365-9B01-42EF-9A71-120724963474}" type="presOf" srcId="{D4941F80-6BBC-443C-925C-C497047C166D}" destId="{1994D7F9-37D2-4C2C-9D37-D93B04D95140}" srcOrd="0" destOrd="1" presId="urn:microsoft.com/office/officeart/2016/7/layout/VerticalDownArrowProcess"/>
-    <dgm:cxn modelId="{6EBE7567-C0F3-4407-874A-62BA34755A48}" type="presOf" srcId="{A3DD9B0E-F5F7-4DAB-98BE-CDD5B93C3600}" destId="{56DDED8B-1034-442C-BFDD-FC4A509E662F}" srcOrd="0" destOrd="1" presId="urn:microsoft.com/office/officeart/2016/7/layout/VerticalDownArrowProcess"/>
+    <dgm:cxn modelId="{1E035E06-F677-4071-B920-F5B31CED2513}" type="presOf" srcId="{E0B384D1-4B44-4E89-9C54-441F81F2708E}" destId="{8EB0E6A6-0E4F-4102-88DB-E53700B3B072}" srcOrd="0" destOrd="1" presId="urn:microsoft.com/office/officeart/2016/7/layout/VerticalDownArrowProcess"/>
+    <dgm:cxn modelId="{77DA7F11-675E-474A-81DD-1FA43F43DF83}" type="presOf" srcId="{E7D0F2ED-7925-43F8-AFEE-8FE911DEA9DC}" destId="{8EB0E6A6-0E4F-4102-88DB-E53700B3B072}" srcOrd="0" destOrd="0" presId="urn:microsoft.com/office/officeart/2016/7/layout/VerticalDownArrowProcess"/>
+    <dgm:cxn modelId="{6764EC24-8D39-412F-A472-982C3DF4D647}" type="presOf" srcId="{667C759C-2990-4AE1-96D2-4782F199B51B}" destId="{6093AF76-5407-4005-8E22-4F7152F53309}" srcOrd="0" destOrd="0" presId="urn:microsoft.com/office/officeart/2016/7/layout/VerticalDownArrowProcess"/>
+    <dgm:cxn modelId="{23D95A25-90F4-41D9-97EC-A270A7FB43B1}" type="presOf" srcId="{60CB3E7F-2AF6-4028-87D8-EEBE72F769C9}" destId="{E1BD8028-D4B4-4808-A028-B3660301D5B8}" srcOrd="0" destOrd="0" presId="urn:microsoft.com/office/officeart/2016/7/layout/VerticalDownArrowProcess"/>
+    <dgm:cxn modelId="{5609BB28-7B3F-4108-B978-5BDEE400BE6C}" type="presOf" srcId="{4B986159-A904-4341-838B-2ACED22408D4}" destId="{1994D7F9-37D2-4C2C-9D37-D93B04D95140}" srcOrd="0" destOrd="0" presId="urn:microsoft.com/office/officeart/2016/7/layout/VerticalDownArrowProcess"/>
+    <dgm:cxn modelId="{A5CA752C-B800-41D7-95E6-90741032042C}" type="presOf" srcId="{60CB3E7F-2AF6-4028-87D8-EEBE72F769C9}" destId="{0B8C9B41-B938-4F62-94A6-CBEE448CD564}" srcOrd="1" destOrd="0" presId="urn:microsoft.com/office/officeart/2016/7/layout/VerticalDownArrowProcess"/>
+    <dgm:cxn modelId="{BD7F9040-F29F-4D98-83A3-54B25AF6CCFD}" type="presOf" srcId="{8A3E40B4-9A61-4006-94C8-A6BFC59DEAAE}" destId="{6093AF76-5407-4005-8E22-4F7152F53309}" srcOrd="0" destOrd="1" presId="urn:microsoft.com/office/officeart/2016/7/layout/VerticalDownArrowProcess"/>
+    <dgm:cxn modelId="{4E9CAC5B-3B47-4E8B-8372-88AA37183856}" type="presOf" srcId="{F6C9F479-6194-4A55-ACE3-C7477D97A534}" destId="{8EB0E6A6-0E4F-4102-88DB-E53700B3B072}" srcOrd="0" destOrd="2" presId="urn:microsoft.com/office/officeart/2016/7/layout/VerticalDownArrowProcess"/>
     <dgm:cxn modelId="{4705BC70-C10F-4E95-ABBE-7EB782032E06}" srcId="{60CB3E7F-2AF6-4028-87D8-EEBE72F769C9}" destId="{A3DD9B0E-F5F7-4DAB-98BE-CDD5B93C3600}" srcOrd="1" destOrd="0" parTransId="{FBC7D31E-A8B7-4E77-8004-92D6E43CFC9C}" sibTransId="{47DAA418-EC80-4A54-9E9C-1FA217FDA30B}"/>
     <dgm:cxn modelId="{A6EDBE53-3B60-4416-A36F-CE5DD8700ACE}" srcId="{60CB3E7F-2AF6-4028-87D8-EEBE72F769C9}" destId="{A6648A01-26F3-43D6-A489-561F367BD4BD}" srcOrd="0" destOrd="0" parTransId="{A2A93498-6439-4BBC-8D18-32E08B462C5B}" sibTransId="{6BFA4723-C199-442B-8822-4F9AC1A697CD}"/>
+    <dgm:cxn modelId="{AD4FBE7F-9F6C-4890-A892-4E7D6C72B3D8}" srcId="{8F467E0F-078A-46B0-9FD4-76CAFB19F654}" destId="{193D77D5-5B09-44BB-878B-DA7EA745E30A}" srcOrd="0" destOrd="0" parTransId="{3637D2D2-1B06-42B3-8CCE-F1D2F93841AF}" sibTransId="{1B48D156-30FE-4BEA-AA63-5538EE45CAD0}"/>
+    <dgm:cxn modelId="{0D0FBF89-A32D-4ABB-B84F-894B26F5FE80}" type="presOf" srcId="{DC7B61BD-E2D8-42E1-B5B3-F02A96679C39}" destId="{5E9DDA84-B39D-4C25-B385-3CE83FC7E309}" srcOrd="0" destOrd="0" presId="urn:microsoft.com/office/officeart/2016/7/layout/VerticalDownArrowProcess"/>
     <dgm:cxn modelId="{0B59FD8D-517A-4B99-B7CB-5904262FBC1E}" srcId="{DC7B61BD-E2D8-42E1-B5B3-F02A96679C39}" destId="{4B986159-A904-4341-838B-2ACED22408D4}" srcOrd="0" destOrd="0" parTransId="{7BAE265A-97B4-47E0-B95A-42852F6051D7}" sibTransId="{5A3D5F8D-32CF-43D6-9E67-3FEB90B0E199}"/>
+    <dgm:cxn modelId="{CF90839B-F28D-49A6-82B7-84D55572FD65}" srcId="{193D77D5-5B09-44BB-878B-DA7EA745E30A}" destId="{667C759C-2990-4AE1-96D2-4782F199B51B}" srcOrd="0" destOrd="0" parTransId="{654033B4-B7E9-47F6-9956-A3B91500E41D}" sibTransId="{70CF29A9-A183-4120-B5F7-78544381BDA0}"/>
     <dgm:cxn modelId="{ED5B419C-2C24-4758-AC11-372DC9B192EC}" srcId="{AD7B22C3-62FF-4240-9A8E-B681D9CA4CBD}" destId="{E7D0F2ED-7925-43F8-AFEE-8FE911DEA9DC}" srcOrd="0" destOrd="0" parTransId="{7BD4EC99-6EED-4380-959C-00C468D1A4F7}" sibTransId="{5E340C89-83D0-40E9-BCC2-8032B89705B4}"/>
     <dgm:cxn modelId="{CA0FABA0-A28D-46A3-B10B-F620F13D5FCE}" srcId="{AD7B22C3-62FF-4240-9A8E-B681D9CA4CBD}" destId="{E0B384D1-4B44-4E89-9C54-441F81F2708E}" srcOrd="1" destOrd="0" parTransId="{7BB5A24E-FAD6-4C0A-AA1E-5176D9D01989}" sibTransId="{47D38C78-93B1-4C67-B06F-95FFF3ABB2EB}"/>
-    <dgm:cxn modelId="{B956C2A9-FF73-42A4-B08A-56D474013873}" srcId="{8F467E0F-078A-46B0-9FD4-76CAFB19F654}" destId="{AD7B22C3-62FF-4240-9A8E-B681D9CA4CBD}" srcOrd="2" destOrd="0" parTransId="{462E440D-EECD-4578-BB5D-4312FB23049F}" sibTransId="{90A0763C-B625-4AC0-8D89-D60FFE429F78}"/>
-    <dgm:cxn modelId="{FBA8ADAB-E03D-42E6-95D7-D31041F5C9A0}" srcId="{8F467E0F-078A-46B0-9FD4-76CAFB19F654}" destId="{60CB3E7F-2AF6-4028-87D8-EEBE72F769C9}" srcOrd="0" destOrd="0" parTransId="{F1E6DF51-0BB0-429C-A67C-C4204F714B01}" sibTransId="{9F504EF2-7C3C-408B-9D56-C4F5C399ABBF}"/>
-    <dgm:cxn modelId="{B48147B7-2802-4E03-914E-48C1D1DA7EBF}" srcId="{8F467E0F-078A-46B0-9FD4-76CAFB19F654}" destId="{DC7B61BD-E2D8-42E1-B5B3-F02A96679C39}" srcOrd="1" destOrd="0" parTransId="{479C90CE-5E82-4A52-9AB8-F828457EFFEF}" sibTransId="{CA31602C-704F-4C7D-9008-8FF2D04EB8C7}"/>
-    <dgm:cxn modelId="{AFCDDFCF-4CB2-4F63-896C-9DFADD13EED5}" type="presOf" srcId="{60CB3E7F-2AF6-4028-87D8-EEBE72F769C9}" destId="{0B8C9B41-B938-4F62-94A6-CBEE448CD564}" srcOrd="1" destOrd="0" presId="urn:microsoft.com/office/officeart/2016/7/layout/VerticalDownArrowProcess"/>
-    <dgm:cxn modelId="{2029A3D7-E89A-46DA-8895-8B0BE3F295CB}" type="presOf" srcId="{A6648A01-26F3-43D6-A489-561F367BD4BD}" destId="{56DDED8B-1034-442C-BFDD-FC4A509E662F}" srcOrd="0" destOrd="0" presId="urn:microsoft.com/office/officeart/2016/7/layout/VerticalDownArrowProcess"/>
+    <dgm:cxn modelId="{FC1127A3-EF09-4918-8795-ADEF67B5F950}" type="presOf" srcId="{D4941F80-6BBC-443C-925C-C497047C166D}" destId="{1994D7F9-37D2-4C2C-9D37-D93B04D95140}" srcOrd="0" destOrd="1" presId="urn:microsoft.com/office/officeart/2016/7/layout/VerticalDownArrowProcess"/>
+    <dgm:cxn modelId="{062286A7-555F-4F5C-B8F8-8E68CC578B68}" type="presOf" srcId="{193D77D5-5B09-44BB-878B-DA7EA745E30A}" destId="{275DC252-2F96-45CD-9560-E2C478E03B35}" srcOrd="1" destOrd="0" presId="urn:microsoft.com/office/officeart/2016/7/layout/VerticalDownArrowProcess"/>
+    <dgm:cxn modelId="{B956C2A9-FF73-42A4-B08A-56D474013873}" srcId="{8F467E0F-078A-46B0-9FD4-76CAFB19F654}" destId="{AD7B22C3-62FF-4240-9A8E-B681D9CA4CBD}" srcOrd="3" destOrd="0" parTransId="{462E440D-EECD-4578-BB5D-4312FB23049F}" sibTransId="{90A0763C-B625-4AC0-8D89-D60FFE429F78}"/>
+    <dgm:cxn modelId="{FBA8ADAB-E03D-42E6-95D7-D31041F5C9A0}" srcId="{8F467E0F-078A-46B0-9FD4-76CAFB19F654}" destId="{60CB3E7F-2AF6-4028-87D8-EEBE72F769C9}" srcOrd="1" destOrd="0" parTransId="{F1E6DF51-0BB0-429C-A67C-C4204F714B01}" sibTransId="{9F504EF2-7C3C-408B-9D56-C4F5C399ABBF}"/>
+    <dgm:cxn modelId="{E436A9B3-3B20-48A9-97EC-118D0D600BA8}" type="presOf" srcId="{AD7B22C3-62FF-4240-9A8E-B681D9CA4CBD}" destId="{C49C736A-68C2-4078-87A3-ED8E15579E00}" srcOrd="0" destOrd="0" presId="urn:microsoft.com/office/officeart/2016/7/layout/VerticalDownArrowProcess"/>
+    <dgm:cxn modelId="{B48147B7-2802-4E03-914E-48C1D1DA7EBF}" srcId="{8F467E0F-078A-46B0-9FD4-76CAFB19F654}" destId="{DC7B61BD-E2D8-42E1-B5B3-F02A96679C39}" srcOrd="2" destOrd="0" parTransId="{479C90CE-5E82-4A52-9AB8-F828457EFFEF}" sibTransId="{CA31602C-704F-4C7D-9008-8FF2D04EB8C7}"/>
+    <dgm:cxn modelId="{6AF535C3-B5B7-4F53-881C-6732CD02926C}" srcId="{193D77D5-5B09-44BB-878B-DA7EA745E30A}" destId="{8A3E40B4-9A61-4006-94C8-A6BFC59DEAAE}" srcOrd="1" destOrd="0" parTransId="{98022190-66E5-4E68-A5E7-1C379D3B42AC}" sibTransId="{A2248C73-DDF9-48CA-B8F2-BE7153E7FB25}"/>
+    <dgm:cxn modelId="{719783DA-0956-4E88-AF73-711BA359450F}" type="presOf" srcId="{DC7B61BD-E2D8-42E1-B5B3-F02A96679C39}" destId="{DD0547F1-4605-4048-8593-8CCCAD929466}" srcOrd="1" destOrd="0" presId="urn:microsoft.com/office/officeart/2016/7/layout/VerticalDownArrowProcess"/>
     <dgm:cxn modelId="{FFCD2DE0-9C9F-4962-8A58-4A4B5B60D8FD}" srcId="{AD7B22C3-62FF-4240-9A8E-B681D9CA4CBD}" destId="{F6C9F479-6194-4A55-ACE3-C7477D97A534}" srcOrd="2" destOrd="0" parTransId="{1A0E1F56-09BA-46B2-8644-69CC475965A4}" sibTransId="{753D321F-CFBC-47AE-A8C6-8B76E98D85CC}"/>
-    <dgm:cxn modelId="{5A5019EB-1B4F-4DC1-B848-85D66EE20122}" type="presOf" srcId="{8F467E0F-078A-46B0-9FD4-76CAFB19F654}" destId="{FAB61EDF-5DF9-4AE9-AFD9-9D075034EE5F}" srcOrd="0" destOrd="0" presId="urn:microsoft.com/office/officeart/2016/7/layout/VerticalDownArrowProcess"/>
-    <dgm:cxn modelId="{7AE041F7-4647-4AC0-9121-E94BE125C1B4}" type="presOf" srcId="{AD7B22C3-62FF-4240-9A8E-B681D9CA4CBD}" destId="{C49C736A-68C2-4078-87A3-ED8E15579E00}" srcOrd="0" destOrd="0" presId="urn:microsoft.com/office/officeart/2016/7/layout/VerticalDownArrowProcess"/>
-    <dgm:cxn modelId="{08E8FB02-94E5-45E1-8E76-1A847C5EFF66}" type="presParOf" srcId="{FAB61EDF-5DF9-4AE9-AFD9-9D075034EE5F}" destId="{5138CC13-B927-439B-9BB2-3608A259DE5F}" srcOrd="0" destOrd="0" presId="urn:microsoft.com/office/officeart/2016/7/layout/VerticalDownArrowProcess"/>
-    <dgm:cxn modelId="{CD541BB8-C1D1-4D05-B056-72889FE16BF8}" type="presParOf" srcId="{5138CC13-B927-439B-9BB2-3608A259DE5F}" destId="{C49C736A-68C2-4078-87A3-ED8E15579E00}" srcOrd="0" destOrd="0" presId="urn:microsoft.com/office/officeart/2016/7/layout/VerticalDownArrowProcess"/>
-    <dgm:cxn modelId="{321CA564-30E2-4FA3-8E11-A6AE697959F3}" type="presParOf" srcId="{5138CC13-B927-439B-9BB2-3608A259DE5F}" destId="{8EB0E6A6-0E4F-4102-88DB-E53700B3B072}" srcOrd="1" destOrd="0" presId="urn:microsoft.com/office/officeart/2016/7/layout/VerticalDownArrowProcess"/>
-    <dgm:cxn modelId="{A8A21CBE-0D91-4489-8E66-6737A5BACD3C}" type="presParOf" srcId="{FAB61EDF-5DF9-4AE9-AFD9-9D075034EE5F}" destId="{974E88C6-74ED-4075-9F0F-9A01D950F9B9}" srcOrd="1" destOrd="0" presId="urn:microsoft.com/office/officeart/2016/7/layout/VerticalDownArrowProcess"/>
-    <dgm:cxn modelId="{F68DB664-BDC7-4A54-80F8-66E0A9CDBDD7}" type="presParOf" srcId="{FAB61EDF-5DF9-4AE9-AFD9-9D075034EE5F}" destId="{2F72255D-B073-409D-886F-5104420CFC9E}" srcOrd="2" destOrd="0" presId="urn:microsoft.com/office/officeart/2016/7/layout/VerticalDownArrowProcess"/>
-    <dgm:cxn modelId="{6F680DB7-416D-43B6-AD73-6F0A1B9F9392}" type="presParOf" srcId="{2F72255D-B073-409D-886F-5104420CFC9E}" destId="{5E9DDA84-B39D-4C25-B385-3CE83FC7E309}" srcOrd="0" destOrd="0" presId="urn:microsoft.com/office/officeart/2016/7/layout/VerticalDownArrowProcess"/>
-    <dgm:cxn modelId="{CF55A0D1-4DFB-4FBD-8327-5649DECBD67D}" type="presParOf" srcId="{2F72255D-B073-409D-886F-5104420CFC9E}" destId="{DD0547F1-4605-4048-8593-8CCCAD929466}" srcOrd="1" destOrd="0" presId="urn:microsoft.com/office/officeart/2016/7/layout/VerticalDownArrowProcess"/>
-    <dgm:cxn modelId="{2ACFCCD7-3C29-4629-AB37-3D3F9274E619}" type="presParOf" srcId="{2F72255D-B073-409D-886F-5104420CFC9E}" destId="{1994D7F9-37D2-4C2C-9D37-D93B04D95140}" srcOrd="2" destOrd="0" presId="urn:microsoft.com/office/officeart/2016/7/layout/VerticalDownArrowProcess"/>
-    <dgm:cxn modelId="{C4E31714-9194-4332-9A21-A7E0BE2C96DD}" type="presParOf" srcId="{FAB61EDF-5DF9-4AE9-AFD9-9D075034EE5F}" destId="{A08E90FF-A50E-4D1F-93FD-7E2EC635CCDD}" srcOrd="3" destOrd="0" presId="urn:microsoft.com/office/officeart/2016/7/layout/VerticalDownArrowProcess"/>
-    <dgm:cxn modelId="{8750560D-742D-46F6-9368-402855F80288}" type="presParOf" srcId="{FAB61EDF-5DF9-4AE9-AFD9-9D075034EE5F}" destId="{BDA0B9E5-E136-4D6B-9EE7-989841C1F919}" srcOrd="4" destOrd="0" presId="urn:microsoft.com/office/officeart/2016/7/layout/VerticalDownArrowProcess"/>
-    <dgm:cxn modelId="{BF0EB6CD-D76D-4BD3-B2FA-4C41FFE0E52A}" type="presParOf" srcId="{BDA0B9E5-E136-4D6B-9EE7-989841C1F919}" destId="{E1BD8028-D4B4-4808-A028-B3660301D5B8}" srcOrd="0" destOrd="0" presId="urn:microsoft.com/office/officeart/2016/7/layout/VerticalDownArrowProcess"/>
-    <dgm:cxn modelId="{3D228C9E-48C9-4601-AD49-AAD9B3D1F9D4}" type="presParOf" srcId="{BDA0B9E5-E136-4D6B-9EE7-989841C1F919}" destId="{0B8C9B41-B938-4F62-94A6-CBEE448CD564}" srcOrd="1" destOrd="0" presId="urn:microsoft.com/office/officeart/2016/7/layout/VerticalDownArrowProcess"/>
-    <dgm:cxn modelId="{981ADE22-7D19-45FA-A95C-30F055E4C6A9}" type="presParOf" srcId="{BDA0B9E5-E136-4D6B-9EE7-989841C1F919}" destId="{56DDED8B-1034-442C-BFDD-FC4A509E662F}" srcOrd="2" destOrd="0" presId="urn:microsoft.com/office/officeart/2016/7/layout/VerticalDownArrowProcess"/>
+    <dgm:cxn modelId="{C04FB4F4-B970-42A5-B25A-D001433A94AA}" type="presOf" srcId="{A6648A01-26F3-43D6-A489-561F367BD4BD}" destId="{56DDED8B-1034-442C-BFDD-FC4A509E662F}" srcOrd="0" destOrd="0" presId="urn:microsoft.com/office/officeart/2016/7/layout/VerticalDownArrowProcess"/>
+    <dgm:cxn modelId="{BFF94FFD-2F5B-4214-9C20-50F695BD93E8}" type="presOf" srcId="{A3DD9B0E-F5F7-4DAB-98BE-CDD5B93C3600}" destId="{56DDED8B-1034-442C-BFDD-FC4A509E662F}" srcOrd="0" destOrd="1" presId="urn:microsoft.com/office/officeart/2016/7/layout/VerticalDownArrowProcess"/>
+    <dgm:cxn modelId="{E5B1A6FD-EC69-4EE4-ABC2-3838BC6E7628}" type="presOf" srcId="{193D77D5-5B09-44BB-878B-DA7EA745E30A}" destId="{0D0AF31C-F2AA-4CC4-A2D1-12D05E60B6F4}" srcOrd="0" destOrd="0" presId="urn:microsoft.com/office/officeart/2016/7/layout/VerticalDownArrowProcess"/>
+    <dgm:cxn modelId="{81F0B0FF-FB94-4928-A0AF-ECA724C97623}" type="presOf" srcId="{8F467E0F-078A-46B0-9FD4-76CAFB19F654}" destId="{FAB61EDF-5DF9-4AE9-AFD9-9D075034EE5F}" srcOrd="0" destOrd="0" presId="urn:microsoft.com/office/officeart/2016/7/layout/VerticalDownArrowProcess"/>
+    <dgm:cxn modelId="{9154A4C7-179A-4C7C-8C99-5B7AE218F5FF}" type="presParOf" srcId="{FAB61EDF-5DF9-4AE9-AFD9-9D075034EE5F}" destId="{5138CC13-B927-439B-9BB2-3608A259DE5F}" srcOrd="0" destOrd="0" presId="urn:microsoft.com/office/officeart/2016/7/layout/VerticalDownArrowProcess"/>
+    <dgm:cxn modelId="{F5BD12A5-3425-49FC-82B3-620D0BBDDEF7}" type="presParOf" srcId="{5138CC13-B927-439B-9BB2-3608A259DE5F}" destId="{C49C736A-68C2-4078-87A3-ED8E15579E00}" srcOrd="0" destOrd="0" presId="urn:microsoft.com/office/officeart/2016/7/layout/VerticalDownArrowProcess"/>
+    <dgm:cxn modelId="{F71DF0E5-6D83-425F-AB93-A9A6BFBD2470}" type="presParOf" srcId="{5138CC13-B927-439B-9BB2-3608A259DE5F}" destId="{8EB0E6A6-0E4F-4102-88DB-E53700B3B072}" srcOrd="1" destOrd="0" presId="urn:microsoft.com/office/officeart/2016/7/layout/VerticalDownArrowProcess"/>
+    <dgm:cxn modelId="{18A191B0-14BF-4C80-A1F1-06D16FAD6C45}" type="presParOf" srcId="{FAB61EDF-5DF9-4AE9-AFD9-9D075034EE5F}" destId="{974E88C6-74ED-4075-9F0F-9A01D950F9B9}" srcOrd="1" destOrd="0" presId="urn:microsoft.com/office/officeart/2016/7/layout/VerticalDownArrowProcess"/>
+    <dgm:cxn modelId="{C22E3735-7930-420A-AB80-C16D2CEA4289}" type="presParOf" srcId="{FAB61EDF-5DF9-4AE9-AFD9-9D075034EE5F}" destId="{2F72255D-B073-409D-886F-5104420CFC9E}" srcOrd="2" destOrd="0" presId="urn:microsoft.com/office/officeart/2016/7/layout/VerticalDownArrowProcess"/>
+    <dgm:cxn modelId="{9A5A159E-D78D-4557-939B-57B2A26EDF21}" type="presParOf" srcId="{2F72255D-B073-409D-886F-5104420CFC9E}" destId="{5E9DDA84-B39D-4C25-B385-3CE83FC7E309}" srcOrd="0" destOrd="0" presId="urn:microsoft.com/office/officeart/2016/7/layout/VerticalDownArrowProcess"/>
+    <dgm:cxn modelId="{3A829193-BF77-42D4-A2F3-FE53B7D2C18C}" type="presParOf" srcId="{2F72255D-B073-409D-886F-5104420CFC9E}" destId="{DD0547F1-4605-4048-8593-8CCCAD929466}" srcOrd="1" destOrd="0" presId="urn:microsoft.com/office/officeart/2016/7/layout/VerticalDownArrowProcess"/>
+    <dgm:cxn modelId="{119BD45A-EB58-400A-9125-9AC3ED2C52D8}" type="presParOf" srcId="{2F72255D-B073-409D-886F-5104420CFC9E}" destId="{1994D7F9-37D2-4C2C-9D37-D93B04D95140}" srcOrd="2" destOrd="0" presId="urn:microsoft.com/office/officeart/2016/7/layout/VerticalDownArrowProcess"/>
+    <dgm:cxn modelId="{EBAA204D-E48B-4692-AAA7-49F0253925A8}" type="presParOf" srcId="{FAB61EDF-5DF9-4AE9-AFD9-9D075034EE5F}" destId="{A08E90FF-A50E-4D1F-93FD-7E2EC635CCDD}" srcOrd="3" destOrd="0" presId="urn:microsoft.com/office/officeart/2016/7/layout/VerticalDownArrowProcess"/>
+    <dgm:cxn modelId="{A213C9FD-4DC4-4E49-83D1-D5B3EBB25C49}" type="presParOf" srcId="{FAB61EDF-5DF9-4AE9-AFD9-9D075034EE5F}" destId="{BDA0B9E5-E136-4D6B-9EE7-989841C1F919}" srcOrd="4" destOrd="0" presId="urn:microsoft.com/office/officeart/2016/7/layout/VerticalDownArrowProcess"/>
+    <dgm:cxn modelId="{0162F46F-7371-4707-AE2D-BFAECB86FE3D}" type="presParOf" srcId="{BDA0B9E5-E136-4D6B-9EE7-989841C1F919}" destId="{E1BD8028-D4B4-4808-A028-B3660301D5B8}" srcOrd="0" destOrd="0" presId="urn:microsoft.com/office/officeart/2016/7/layout/VerticalDownArrowProcess"/>
+    <dgm:cxn modelId="{16DCF9FB-1373-4BB4-8AD5-BBE210DE5D19}" type="presParOf" srcId="{BDA0B9E5-E136-4D6B-9EE7-989841C1F919}" destId="{0B8C9B41-B938-4F62-94A6-CBEE448CD564}" srcOrd="1" destOrd="0" presId="urn:microsoft.com/office/officeart/2016/7/layout/VerticalDownArrowProcess"/>
+    <dgm:cxn modelId="{E806983A-AFC0-4E85-A1F0-39091AC856D5}" type="presParOf" srcId="{BDA0B9E5-E136-4D6B-9EE7-989841C1F919}" destId="{56DDED8B-1034-442C-BFDD-FC4A509E662F}" srcOrd="2" destOrd="0" presId="urn:microsoft.com/office/officeart/2016/7/layout/VerticalDownArrowProcess"/>
+    <dgm:cxn modelId="{1BF9FC79-304D-4BCB-BE35-E7773742EB83}" type="presParOf" srcId="{FAB61EDF-5DF9-4AE9-AFD9-9D075034EE5F}" destId="{7F4E247E-6808-4D3C-9E7A-8FB49E0B58F3}" srcOrd="5" destOrd="0" presId="urn:microsoft.com/office/officeart/2016/7/layout/VerticalDownArrowProcess"/>
+    <dgm:cxn modelId="{590CFA7E-E426-4675-953E-9A427D78477C}" type="presParOf" srcId="{FAB61EDF-5DF9-4AE9-AFD9-9D075034EE5F}" destId="{B2A3017F-FFDF-460E-BADD-532975D1282A}" srcOrd="6" destOrd="0" presId="urn:microsoft.com/office/officeart/2016/7/layout/VerticalDownArrowProcess"/>
+    <dgm:cxn modelId="{D3B495FB-3291-427E-B442-0B7A6F6F737D}" type="presParOf" srcId="{B2A3017F-FFDF-460E-BADD-532975D1282A}" destId="{0D0AF31C-F2AA-4CC4-A2D1-12D05E60B6F4}" srcOrd="0" destOrd="0" presId="urn:microsoft.com/office/officeart/2016/7/layout/VerticalDownArrowProcess"/>
+    <dgm:cxn modelId="{DABAC5A6-8DA7-43EA-8A8C-C7033F0475D5}" type="presParOf" srcId="{B2A3017F-FFDF-460E-BADD-532975D1282A}" destId="{275DC252-2F96-45CD-9560-E2C478E03B35}" srcOrd="1" destOrd="0" presId="urn:microsoft.com/office/officeart/2016/7/layout/VerticalDownArrowProcess"/>
+    <dgm:cxn modelId="{8C4FD74F-02E6-4C42-BF2B-13F0A682ED49}" type="presParOf" srcId="{B2A3017F-FFDF-460E-BADD-532975D1282A}" destId="{6093AF76-5407-4005-8E22-4F7152F53309}" srcOrd="2" destOrd="0" presId="urn:microsoft.com/office/officeart/2016/7/layout/VerticalDownArrowProcess"/>
   </dgm:cxnLst>
   <dgm:bg/>
   <dgm:whole/>
@@ -4526,10 +4685,9 @@
             <a:buNone/>
           </a:pPr>
           <a:r>
-            <a:rPr lang="en-US" sz="3600" kern="1200"/>
+            <a:rPr lang="en-US" sz="3600" kern="1200" dirty="0"/>
             <a:t>Frameworks and Tooling</a:t>
           </a:r>
-          <a:endParaRPr lang="en-US" sz="3600" kern="1200" dirty="0"/>
         </a:p>
       </dsp:txBody>
       <dsp:txXfrm>
@@ -4649,8 +4807,8 @@
       </dsp:nvSpPr>
       <dsp:spPr>
         <a:xfrm>
-          <a:off x="0" y="3963077"/>
-          <a:ext cx="1708053" cy="1300770"/>
+          <a:off x="0" y="4318259"/>
+          <a:ext cx="1708053" cy="944729"/>
         </a:xfrm>
         <a:prstGeom prst="rect">
           <a:avLst/>
@@ -4691,12 +4849,12 @@
         </a:fontRef>
       </dsp:style>
       <dsp:txBody>
-        <a:bodyPr spcFirstLastPara="0" vert="horz" wrap="square" lIns="121477" tIns="113792" rIns="121477" bIns="113792" numCol="1" spcCol="1270" anchor="ctr" anchorCtr="0">
+        <a:bodyPr spcFirstLastPara="0" vert="horz" wrap="square" lIns="121477" tIns="92456" rIns="121477" bIns="92456" numCol="1" spcCol="1270" anchor="ctr" anchorCtr="0">
           <a:noAutofit/>
         </a:bodyPr>
         <a:lstStyle/>
         <a:p>
-          <a:pPr marL="0" lvl="0" indent="0" algn="ctr" defTabSz="711200">
+          <a:pPr marL="0" lvl="0" indent="0" algn="ctr" defTabSz="577850">
             <a:lnSpc>
               <a:spcPct val="100000"/>
             </a:lnSpc>
@@ -4709,14 +4867,14 @@
             <a:buNone/>
           </a:pPr>
           <a:r>
-            <a:rPr lang="en-US" sz="1600" kern="1200"/>
+            <a:rPr lang="en-US" sz="1300" kern="1200"/>
             <a:t>Modern environments include BYOD</a:t>
           </a:r>
         </a:p>
       </dsp:txBody>
       <dsp:txXfrm>
-        <a:off x="0" y="3963077"/>
-        <a:ext cx="1708053" cy="1300770"/>
+        <a:off x="0" y="4318259"/>
+        <a:ext cx="1708053" cy="944729"/>
       </dsp:txXfrm>
     </dsp:sp>
     <dsp:sp modelId="{8EB0E6A6-0E4F-4102-88DB-E53700B3B072}">
@@ -4726,8 +4884,8 @@
       </dsp:nvSpPr>
       <dsp:spPr>
         <a:xfrm>
-          <a:off x="1708052" y="3963077"/>
-          <a:ext cx="5124159" cy="1300770"/>
+          <a:off x="1708052" y="4318259"/>
+          <a:ext cx="5124159" cy="944729"/>
         </a:xfrm>
         <a:prstGeom prst="rect">
           <a:avLst/>
@@ -4770,12 +4928,12 @@
         <a:fontRef idx="minor"/>
       </dsp:style>
       <dsp:txBody>
-        <a:bodyPr spcFirstLastPara="0" vert="horz" wrap="square" lIns="103942" tIns="190500" rIns="103942" bIns="190500" numCol="1" spcCol="1270" anchor="ctr" anchorCtr="0">
+        <a:bodyPr spcFirstLastPara="0" vert="horz" wrap="square" lIns="103942" tIns="139700" rIns="103942" bIns="139700" numCol="1" spcCol="1270" anchor="ctr" anchorCtr="0">
           <a:noAutofit/>
         </a:bodyPr>
         <a:lstStyle/>
         <a:p>
-          <a:pPr marL="0" lvl="0" indent="0" algn="l" defTabSz="666750">
+          <a:pPr marL="0" lvl="0" indent="0" algn="l" defTabSz="488950">
             <a:lnSpc>
               <a:spcPct val="100000"/>
             </a:lnSpc>
@@ -4788,12 +4946,12 @@
             <a:buNone/>
           </a:pPr>
           <a:r>
-            <a:rPr lang="en-US" sz="1500" kern="1200"/>
+            <a:rPr lang="en-US" sz="1100" kern="1200"/>
             <a:t>System and Data owner are different people</a:t>
           </a:r>
         </a:p>
         <a:p>
-          <a:pPr marL="0" lvl="0" indent="0" algn="l" defTabSz="666750">
+          <a:pPr marL="0" lvl="0" indent="0" algn="l" defTabSz="488950">
             <a:lnSpc>
               <a:spcPct val="100000"/>
             </a:lnSpc>
@@ -4806,12 +4964,12 @@
             <a:buNone/>
           </a:pPr>
           <a:r>
-            <a:rPr lang="en-US" sz="1500" kern="1200"/>
+            <a:rPr lang="en-US" sz="1100" kern="1200"/>
             <a:t>Ecosystem becomes highly diverse</a:t>
           </a:r>
         </a:p>
         <a:p>
-          <a:pPr marL="0" lvl="0" indent="0" algn="l" defTabSz="666750">
+          <a:pPr marL="0" lvl="0" indent="0" algn="l" defTabSz="488950">
             <a:lnSpc>
               <a:spcPct val="100000"/>
             </a:lnSpc>
@@ -4824,14 +4982,15 @@
             <a:buNone/>
           </a:pPr>
           <a:r>
-            <a:rPr lang="en-US" sz="1500" kern="1200" dirty="0"/>
+            <a:rPr lang="en-US" sz="1100" kern="1200"/>
             <a:t>Partially trusted clients becomes the norm</a:t>
           </a:r>
+          <a:endParaRPr lang="en-US" sz="1100" kern="1200" dirty="0"/>
         </a:p>
       </dsp:txBody>
       <dsp:txXfrm>
-        <a:off x="1708052" y="3963077"/>
-        <a:ext cx="5124159" cy="1300770"/>
+        <a:off x="1708052" y="4318259"/>
+        <a:ext cx="5124159" cy="944729"/>
       </dsp:txXfrm>
     </dsp:sp>
     <dsp:sp modelId="{DD0547F1-4605-4048-8593-8CCCAD929466}">
@@ -4841,8 +5000,8 @@
       </dsp:nvSpPr>
       <dsp:spPr>
         <a:xfrm rot="10800000">
-          <a:off x="0" y="1982004"/>
-          <a:ext cx="1708053" cy="2000585"/>
+          <a:off x="0" y="2879436"/>
+          <a:ext cx="1708053" cy="1452994"/>
         </a:xfrm>
         <a:prstGeom prst="upArrowCallout">
           <a:avLst>
@@ -4888,12 +5047,12 @@
         </a:fontRef>
       </dsp:style>
       <dsp:txBody>
-        <a:bodyPr spcFirstLastPara="0" vert="horz" wrap="square" lIns="121477" tIns="113792" rIns="121477" bIns="113792" numCol="1" spcCol="1270" anchor="ctr" anchorCtr="0">
+        <a:bodyPr spcFirstLastPara="0" vert="horz" wrap="square" lIns="121477" tIns="92456" rIns="121477" bIns="92456" numCol="1" spcCol="1270" anchor="ctr" anchorCtr="0">
           <a:noAutofit/>
         </a:bodyPr>
         <a:lstStyle/>
         <a:p>
-          <a:pPr marL="0" lvl="0" indent="0" algn="ctr" defTabSz="711200">
+          <a:pPr marL="0" lvl="0" indent="0" algn="ctr" defTabSz="577850">
             <a:lnSpc>
               <a:spcPct val="100000"/>
             </a:lnSpc>
@@ -4906,14 +5065,14 @@
             <a:buNone/>
           </a:pPr>
           <a:r>
-            <a:rPr lang="en-US" sz="1600" kern="1200"/>
+            <a:rPr lang="en-US" sz="1300" kern="1200"/>
             <a:t>Traditional environments are highly controlled</a:t>
           </a:r>
         </a:p>
       </dsp:txBody>
       <dsp:txXfrm rot="-10800000">
-        <a:off x="0" y="1982004"/>
-        <a:ext cx="1708053" cy="1300380"/>
+        <a:off x="0" y="2879436"/>
+        <a:ext cx="1708053" cy="944446"/>
       </dsp:txXfrm>
     </dsp:sp>
     <dsp:sp modelId="{1994D7F9-37D2-4C2C-9D37-D93B04D95140}">
@@ -4923,8 +5082,8 @@
       </dsp:nvSpPr>
       <dsp:spPr>
         <a:xfrm>
-          <a:off x="1708052" y="1982004"/>
-          <a:ext cx="5124159" cy="1300380"/>
+          <a:off x="1708052" y="2879436"/>
+          <a:ext cx="5124159" cy="944446"/>
         </a:xfrm>
         <a:prstGeom prst="rect">
           <a:avLst/>
@@ -4967,12 +5126,12 @@
         <a:fontRef idx="minor"/>
       </dsp:style>
       <dsp:txBody>
-        <a:bodyPr spcFirstLastPara="0" vert="horz" wrap="square" lIns="103942" tIns="190500" rIns="103942" bIns="190500" numCol="1" spcCol="1270" anchor="ctr" anchorCtr="0">
+        <a:bodyPr spcFirstLastPara="0" vert="horz" wrap="square" lIns="103942" tIns="139700" rIns="103942" bIns="139700" numCol="1" spcCol="1270" anchor="ctr" anchorCtr="0">
           <a:noAutofit/>
         </a:bodyPr>
         <a:lstStyle/>
         <a:p>
-          <a:pPr marL="0" lvl="0" indent="0" algn="l" defTabSz="666750">
+          <a:pPr marL="0" lvl="0" indent="0" algn="l" defTabSz="488950">
             <a:lnSpc>
               <a:spcPct val="100000"/>
             </a:lnSpc>
@@ -4985,12 +5144,12 @@
             <a:buNone/>
           </a:pPr>
           <a:r>
-            <a:rPr lang="en-US" sz="1500" kern="1200"/>
+            <a:rPr lang="en-US" sz="1100" kern="1200"/>
             <a:t>Client Management Tooling (CMT)</a:t>
           </a:r>
         </a:p>
         <a:p>
-          <a:pPr marL="0" lvl="0" indent="0" algn="l" defTabSz="666750">
+          <a:pPr marL="0" lvl="0" indent="0" algn="l" defTabSz="488950">
             <a:lnSpc>
               <a:spcPct val="100000"/>
             </a:lnSpc>
@@ -5003,18 +5162,18 @@
             <a:buNone/>
           </a:pPr>
           <a:r>
-            <a:rPr lang="en-US" sz="1500" kern="1200"/>
+            <a:rPr lang="en-US" sz="1100" kern="1200"/>
             <a:t>Administrators have full control</a:t>
           </a:r>
           <a:br>
-            <a:rPr lang="en-US" sz="1500" kern="1200"/>
+            <a:rPr lang="en-US" sz="1100" kern="1200"/>
           </a:br>
-          <a:endParaRPr lang="en-US" sz="1500" kern="1200"/>
+          <a:endParaRPr lang="en-US" sz="1100" kern="1200"/>
         </a:p>
       </dsp:txBody>
       <dsp:txXfrm>
-        <a:off x="1708052" y="1982004"/>
-        <a:ext cx="5124159" cy="1300380"/>
+        <a:off x="1708052" y="2879436"/>
+        <a:ext cx="5124159" cy="944446"/>
       </dsp:txXfrm>
     </dsp:sp>
     <dsp:sp modelId="{0B8C9B41-B938-4F62-94A6-CBEE448CD564}">
@@ -5024,8 +5183,8 @@
       </dsp:nvSpPr>
       <dsp:spPr>
         <a:xfrm rot="10800000">
-          <a:off x="0" y="930"/>
-          <a:ext cx="1708053" cy="2000585"/>
+          <a:off x="0" y="1440613"/>
+          <a:ext cx="1708053" cy="1452994"/>
         </a:xfrm>
         <a:prstGeom prst="upArrowCallout">
           <a:avLst>
@@ -5071,12 +5230,12 @@
         </a:fontRef>
       </dsp:style>
       <dsp:txBody>
-        <a:bodyPr spcFirstLastPara="0" vert="horz" wrap="square" lIns="121477" tIns="113792" rIns="121477" bIns="113792" numCol="1" spcCol="1270" anchor="ctr" anchorCtr="0">
+        <a:bodyPr spcFirstLastPara="0" vert="horz" wrap="square" lIns="121477" tIns="92456" rIns="121477" bIns="92456" numCol="1" spcCol="1270" anchor="ctr" anchorCtr="0">
           <a:noAutofit/>
         </a:bodyPr>
         <a:lstStyle/>
         <a:p>
-          <a:pPr marL="0" lvl="0" indent="0" algn="ctr" defTabSz="711200">
+          <a:pPr marL="0" lvl="0" indent="0" algn="ctr" defTabSz="577850">
             <a:lnSpc>
               <a:spcPct val="100000"/>
             </a:lnSpc>
@@ -5089,14 +5248,15 @@
             <a:buNone/>
           </a:pPr>
           <a:r>
-            <a:rPr lang="en-US" sz="1600" kern="1200"/>
+            <a:rPr lang="en-US" sz="1300" kern="1200"/>
             <a:t>Master Data Management</a:t>
           </a:r>
+          <a:endParaRPr lang="en-US" sz="1300" kern="1200" dirty="0"/>
         </a:p>
       </dsp:txBody>
       <dsp:txXfrm rot="-10800000">
-        <a:off x="0" y="930"/>
-        <a:ext cx="1708053" cy="1300380"/>
+        <a:off x="0" y="1440613"/>
+        <a:ext cx="1708053" cy="944446"/>
       </dsp:txXfrm>
     </dsp:sp>
     <dsp:sp modelId="{56DDED8B-1034-442C-BFDD-FC4A509E662F}">
@@ -5106,8 +5266,8 @@
       </dsp:nvSpPr>
       <dsp:spPr>
         <a:xfrm>
-          <a:off x="1708052" y="930"/>
-          <a:ext cx="5124159" cy="1300380"/>
+          <a:off x="1708052" y="1440613"/>
+          <a:ext cx="5124159" cy="944446"/>
         </a:xfrm>
         <a:prstGeom prst="rect">
           <a:avLst/>
@@ -5150,12 +5310,12 @@
         <a:fontRef idx="minor"/>
       </dsp:style>
       <dsp:txBody>
-        <a:bodyPr spcFirstLastPara="0" vert="horz" wrap="square" lIns="103942" tIns="190500" rIns="103942" bIns="190500" numCol="1" spcCol="1270" anchor="ctr" anchorCtr="0">
+        <a:bodyPr spcFirstLastPara="0" vert="horz" wrap="square" lIns="103942" tIns="139700" rIns="103942" bIns="139700" numCol="1" spcCol="1270" anchor="ctr" anchorCtr="0">
           <a:noAutofit/>
         </a:bodyPr>
         <a:lstStyle/>
         <a:p>
-          <a:pPr marL="0" lvl="0" indent="0" algn="l" defTabSz="666750">
+          <a:pPr marL="0" lvl="0" indent="0" algn="l" defTabSz="488950">
             <a:lnSpc>
               <a:spcPct val="100000"/>
             </a:lnSpc>
@@ -5168,12 +5328,13 @@
             <a:buNone/>
           </a:pPr>
           <a:r>
-            <a:rPr lang="en-US" sz="1500" kern="1200" dirty="0"/>
+            <a:rPr lang="en-US" sz="1100" kern="1200"/>
             <a:t>Sharing business entities to enable business workflows</a:t>
           </a:r>
+          <a:endParaRPr lang="en-US" sz="1100" kern="1200" dirty="0"/>
         </a:p>
         <a:p>
-          <a:pPr marL="0" lvl="0" indent="0" algn="l" defTabSz="666750">
+          <a:pPr marL="0" lvl="0" indent="0" algn="l" defTabSz="488950">
             <a:lnSpc>
               <a:spcPct val="100000"/>
             </a:lnSpc>
@@ -5186,18 +5347,199 @@
             <a:buNone/>
           </a:pPr>
           <a:r>
-            <a:rPr lang="en-US" sz="1500" kern="1200" dirty="0"/>
+            <a:rPr lang="en-US" sz="1100" kern="1200"/>
             <a:t>Information becomes portable and decentralized</a:t>
           </a:r>
           <a:br>
-            <a:rPr lang="en-US" sz="1500" kern="1200" dirty="0"/>
+            <a:rPr lang="en-US" sz="1100" kern="1200"/>
           </a:br>
-          <a:endParaRPr lang="en-US" sz="1500" kern="1200" dirty="0"/>
+          <a:endParaRPr lang="en-US" sz="1100" kern="1200" dirty="0"/>
         </a:p>
       </dsp:txBody>
       <dsp:txXfrm>
-        <a:off x="1708052" y="930"/>
-        <a:ext cx="5124159" cy="1300380"/>
+        <a:off x="1708052" y="1440613"/>
+        <a:ext cx="5124159" cy="944446"/>
+      </dsp:txXfrm>
+    </dsp:sp>
+    <dsp:sp modelId="{275DC252-2F96-45CD-9560-E2C478E03B35}">
+      <dsp:nvSpPr>
+        <dsp:cNvPr id="0" name=""/>
+        <dsp:cNvSpPr/>
+      </dsp:nvSpPr>
+      <dsp:spPr>
+        <a:xfrm rot="10800000">
+          <a:off x="0" y="1789"/>
+          <a:ext cx="1708053" cy="1452994"/>
+        </a:xfrm>
+        <a:prstGeom prst="upArrowCallout">
+          <a:avLst>
+            <a:gd name="adj1" fmla="val 5000"/>
+            <a:gd name="adj2" fmla="val 10000"/>
+            <a:gd name="adj3" fmla="val 15000"/>
+            <a:gd name="adj4" fmla="val 64977"/>
+          </a:avLst>
+        </a:prstGeom>
+        <a:solidFill>
+          <a:schemeClr val="accent1">
+            <a:hueOff val="0"/>
+            <a:satOff val="0"/>
+            <a:lumOff val="0"/>
+            <a:alphaOff val="0"/>
+          </a:schemeClr>
+        </a:solidFill>
+        <a:ln w="15875" cap="rnd" cmpd="sng" algn="ctr">
+          <a:solidFill>
+            <a:schemeClr val="accent1">
+              <a:hueOff val="0"/>
+              <a:satOff val="0"/>
+              <a:lumOff val="0"/>
+              <a:alphaOff val="0"/>
+            </a:schemeClr>
+          </a:solidFill>
+          <a:prstDash val="solid"/>
+        </a:ln>
+        <a:effectLst/>
+      </dsp:spPr>
+      <dsp:style>
+        <a:lnRef idx="2">
+          <a:scrgbClr r="0" g="0" b="0"/>
+        </a:lnRef>
+        <a:fillRef idx="1">
+          <a:scrgbClr r="0" g="0" b="0"/>
+        </a:fillRef>
+        <a:effectRef idx="0">
+          <a:scrgbClr r="0" g="0" b="0"/>
+        </a:effectRef>
+        <a:fontRef idx="minor">
+          <a:schemeClr val="lt1"/>
+        </a:fontRef>
+      </dsp:style>
+      <dsp:txBody>
+        <a:bodyPr spcFirstLastPara="0" vert="horz" wrap="square" lIns="121477" tIns="92456" rIns="121477" bIns="92456" numCol="1" spcCol="1270" anchor="ctr" anchorCtr="0">
+          <a:noAutofit/>
+        </a:bodyPr>
+        <a:lstStyle/>
+        <a:p>
+          <a:pPr marL="0" lvl="0" indent="0" algn="ctr" defTabSz="577850">
+            <a:lnSpc>
+              <a:spcPct val="100000"/>
+            </a:lnSpc>
+            <a:spcBef>
+              <a:spcPct val="0"/>
+            </a:spcBef>
+            <a:spcAft>
+              <a:spcPct val="35000"/>
+            </a:spcAft>
+            <a:buNone/>
+          </a:pPr>
+          <a:r>
+            <a:rPr lang="en-US" sz="1300" kern="1200"/>
+            <a:t>Mainframes and Data warehouses</a:t>
+          </a:r>
+          <a:endParaRPr lang="en-US" sz="1300" kern="1200" dirty="0"/>
+        </a:p>
+      </dsp:txBody>
+      <dsp:txXfrm rot="-10800000">
+        <a:off x="0" y="1789"/>
+        <a:ext cx="1708053" cy="944446"/>
+      </dsp:txXfrm>
+    </dsp:sp>
+    <dsp:sp modelId="{6093AF76-5407-4005-8E22-4F7152F53309}">
+      <dsp:nvSpPr>
+        <dsp:cNvPr id="0" name=""/>
+        <dsp:cNvSpPr/>
+      </dsp:nvSpPr>
+      <dsp:spPr>
+        <a:xfrm>
+          <a:off x="1708052" y="1789"/>
+          <a:ext cx="5124159" cy="944446"/>
+        </a:xfrm>
+        <a:prstGeom prst="rect">
+          <a:avLst/>
+        </a:prstGeom>
+        <a:solidFill>
+          <a:schemeClr val="accent1">
+            <a:alpha val="90000"/>
+            <a:tint val="40000"/>
+            <a:hueOff val="0"/>
+            <a:satOff val="0"/>
+            <a:lumOff val="0"/>
+            <a:alphaOff val="0"/>
+          </a:schemeClr>
+        </a:solidFill>
+        <a:ln w="15875" cap="rnd" cmpd="sng" algn="ctr">
+          <a:solidFill>
+            <a:schemeClr val="accent1">
+              <a:alpha val="90000"/>
+              <a:tint val="40000"/>
+              <a:hueOff val="0"/>
+              <a:satOff val="0"/>
+              <a:lumOff val="0"/>
+              <a:alphaOff val="0"/>
+            </a:schemeClr>
+          </a:solidFill>
+          <a:prstDash val="solid"/>
+        </a:ln>
+        <a:effectLst/>
+      </dsp:spPr>
+      <dsp:style>
+        <a:lnRef idx="2">
+          <a:scrgbClr r="0" g="0" b="0"/>
+        </a:lnRef>
+        <a:fillRef idx="1">
+          <a:scrgbClr r="0" g="0" b="0"/>
+        </a:fillRef>
+        <a:effectRef idx="0">
+          <a:scrgbClr r="0" g="0" b="0"/>
+        </a:effectRef>
+        <a:fontRef idx="minor"/>
+      </dsp:style>
+      <dsp:txBody>
+        <a:bodyPr spcFirstLastPara="0" vert="horz" wrap="square" lIns="103942" tIns="139700" rIns="103942" bIns="139700" numCol="1" spcCol="1270" anchor="ctr" anchorCtr="0">
+          <a:noAutofit/>
+        </a:bodyPr>
+        <a:lstStyle/>
+        <a:p>
+          <a:pPr marL="0" lvl="0" indent="0" algn="l" defTabSz="488950">
+            <a:lnSpc>
+              <a:spcPct val="100000"/>
+            </a:lnSpc>
+            <a:spcBef>
+              <a:spcPct val="0"/>
+            </a:spcBef>
+            <a:spcAft>
+              <a:spcPct val="35000"/>
+            </a:spcAft>
+            <a:buNone/>
+          </a:pPr>
+          <a:r>
+            <a:rPr lang="en-US" sz="1100" kern="1200"/>
+            <a:t>Centralize single sourced</a:t>
+          </a:r>
+          <a:endParaRPr lang="en-US" sz="1100" kern="1200" dirty="0"/>
+        </a:p>
+        <a:p>
+          <a:pPr marL="0" lvl="0" indent="0" algn="l" defTabSz="488950">
+            <a:lnSpc>
+              <a:spcPct val="100000"/>
+            </a:lnSpc>
+            <a:spcBef>
+              <a:spcPct val="0"/>
+            </a:spcBef>
+            <a:spcAft>
+              <a:spcPct val="35000"/>
+            </a:spcAft>
+            <a:buNone/>
+          </a:pPr>
+          <a:r>
+            <a:rPr lang="en-US" sz="1100" kern="1200" dirty="0"/>
+            <a:t>Easy to manage through boarder security</a:t>
+          </a:r>
+        </a:p>
+      </dsp:txBody>
+      <dsp:txXfrm>
+        <a:off x="1708052" y="1789"/>
+        <a:ext cx="5124159" cy="944446"/>
       </dsp:txXfrm>
     </dsp:sp>
   </dsp:spTree>
@@ -18514,6 +18856,33 @@
               </a:rPr>
               <a:t>Asset Inventory Reporting</a:t>
             </a:r>
+            <a:br>
+              <a:rPr lang="en-US" dirty="0">
+                <a:solidFill>
+                  <a:srgbClr val="FEFFFF"/>
+                </a:solidFill>
+              </a:rPr>
+            </a:br>
+            <a:endParaRPr lang="en-US" dirty="0">
+              <a:solidFill>
+                <a:srgbClr val="FEFFFF"/>
+              </a:solidFill>
+            </a:endParaRPr>
+          </a:p>
+          <a:p>
+            <a:pPr>
+              <a:buClr>
+                <a:srgbClr val="FEC165"/>
+              </a:buClr>
+            </a:pPr>
+            <a:r>
+              <a:rPr lang="en-US" dirty="0">
+                <a:solidFill>
+                  <a:srgbClr val="FEFFFF"/>
+                </a:solidFill>
+              </a:rPr>
+              <a:t>Desired Configuration Management</a:t>
+            </a:r>
           </a:p>
         </p:txBody>
       </p:sp>
@@ -18539,8 +18908,8 @@
         </p:blipFill>
         <p:spPr>
           <a:xfrm>
-            <a:off x="8569235" y="2032000"/>
-            <a:ext cx="3393948" cy="3802742"/>
+            <a:off x="6958836" y="1941238"/>
+            <a:ext cx="4167710" cy="4669702"/>
           </a:xfrm>
           <a:prstGeom prst="rect">
             <a:avLst/>
@@ -26363,7 +26732,7 @@
         </p:nvSpPr>
         <p:spPr>
           <a:xfrm>
-            <a:off x="9392813" y="3101093"/>
+            <a:off x="9355868" y="2179295"/>
             <a:ext cx="2454052" cy="3029344"/>
           </a:xfrm>
         </p:spPr>
@@ -26374,12 +26743,12 @@
           <a:lstStyle/>
           <a:p>
             <a:r>
-              <a:rPr lang="en-US" sz="3200">
+              <a:rPr lang="en-US" sz="3200" dirty="0">
                 <a:solidFill>
                   <a:schemeClr val="bg1"/>
                 </a:solidFill>
               </a:rPr>
-              <a:t>How Did We Get Here</a:t>
+              <a:t>How Did We Get Here?</a:t>
             </a:r>
           </a:p>
         </p:txBody>
@@ -26556,7 +26925,7 @@
             <p:ph idx="1"/>
             <p:extLst>
               <p:ext uri="{D42A27DB-BD31-4B8C-83A1-F6EECF244321}">
-                <p14:modId xmlns:p14="http://schemas.microsoft.com/office/powerpoint/2010/main" val="589419006"/>
+                <p14:modId xmlns:p14="http://schemas.microsoft.com/office/powerpoint/2010/main" val="3052772435"/>
               </p:ext>
             </p:extLst>
           </p:nvPr>
@@ -27893,7 +28262,7 @@
           <a:lstStyle/>
           <a:p>
             <a:r>
-              <a:rPr lang="en-US">
+              <a:rPr lang="en-US" dirty="0">
                 <a:solidFill>
                   <a:srgbClr val="FFFFFF"/>
                 </a:solidFill>
@@ -27901,13 +28270,13 @@
               <a:t>European law that gives users control over their information</a:t>
             </a:r>
             <a:br>
-              <a:rPr lang="en-US">
+              <a:rPr lang="en-US" dirty="0">
                 <a:solidFill>
                   <a:srgbClr val="FFFFFF"/>
                 </a:solidFill>
               </a:rPr>
             </a:br>
-            <a:endParaRPr lang="en-US">
+            <a:endParaRPr lang="en-US" dirty="0">
               <a:solidFill>
                 <a:srgbClr val="FFFFFF"/>
               </a:solidFill>
@@ -27915,7 +28284,7 @@
           </a:p>
           <a:p>
             <a:r>
-              <a:rPr lang="en-US">
+              <a:rPr lang="en-US" dirty="0">
                 <a:solidFill>
                   <a:srgbClr val="FFFFFF"/>
                 </a:solidFill>
@@ -27923,13 +28292,13 @@
               <a:t>Establishes mandatory fines for negligently handling information</a:t>
             </a:r>
             <a:br>
-              <a:rPr lang="en-US">
+              <a:rPr lang="en-US" dirty="0">
                 <a:solidFill>
                   <a:srgbClr val="FFFFFF"/>
                 </a:solidFill>
               </a:rPr>
             </a:br>
-            <a:endParaRPr lang="en-US">
+            <a:endParaRPr lang="en-US" dirty="0">
               <a:solidFill>
                 <a:srgbClr val="FFFFFF"/>
               </a:solidFill>
@@ -27937,12 +28306,34 @@
           </a:p>
           <a:p>
             <a:r>
-              <a:rPr lang="en-US">
+              <a:rPr lang="en-US" dirty="0">
+                <a:solidFill>
+                  <a:srgbClr val="FFFFFF"/>
+                </a:solidFill>
+              </a:rPr>
+              <a:t>Users own the data</a:t>
+            </a:r>
+          </a:p>
+          <a:p>
+            <a:pPr lvl="1"/>
+            <a:r>
+              <a:rPr lang="en-US" dirty="0">
                 <a:solidFill>
                   <a:srgbClr val="FFFFFF"/>
                 </a:solidFill>
               </a:rPr>
               <a:t>Right to be Forgotten</a:t>
+            </a:r>
+          </a:p>
+          <a:p>
+            <a:pPr lvl="1"/>
+            <a:r>
+              <a:rPr lang="en-US" dirty="0">
+                <a:solidFill>
+                  <a:srgbClr val="FFFFFF"/>
+                </a:solidFill>
+              </a:rPr>
+              <a:t>Right for digital copy</a:t>
             </a:r>
           </a:p>
         </p:txBody>
@@ -28460,7 +28851,7 @@
             <a:pPr lvl="1"/>
             <a:r>
               <a:rPr lang="en-US" dirty="0"/>
-              <a:t>Shareholders abandon investments</a:t>
+              <a:t>Shareholders discard investments</a:t>
             </a:r>
             <a:br>
               <a:rPr lang="en-US" dirty="0"/>
@@ -28599,10 +28990,9 @@
           <a:lstStyle/>
           <a:p>
             <a:r>
-              <a:rPr lang="en-US"/>
-              <a:t>Health Care Privacy</a:t>
+              <a:rPr lang="en-US" dirty="0"/>
+              <a:t>Health Care Privacy Reform</a:t>
             </a:r>
-            <a:endParaRPr lang="en-US" dirty="0"/>
           </a:p>
         </p:txBody>
       </p:sp>
@@ -32243,6 +32633,29 @@
 <file path=ppt/slides/slide9.xml><?xml version="1.0" encoding="utf-8"?>
 <p:sld xmlns:a="http://schemas.openxmlformats.org/drawingml/2006/main" xmlns:r="http://schemas.openxmlformats.org/officeDocument/2006/relationships" xmlns:p="http://schemas.openxmlformats.org/presentationml/2006/main">
   <p:cSld>
+    <p:bg>
+      <p:bgPr>
+        <a:gradFill rotWithShape="1">
+          <a:gsLst>
+            <a:gs pos="0">
+              <a:schemeClr val="bg2">
+                <a:tint val="90000"/>
+                <a:lumMod val="120000"/>
+              </a:schemeClr>
+            </a:gs>
+            <a:gs pos="100000">
+              <a:schemeClr val="bg2">
+                <a:shade val="98000"/>
+                <a:satMod val="120000"/>
+                <a:lumMod val="98000"/>
+              </a:schemeClr>
+            </a:gs>
+          </a:gsLst>
+          <a:lin ang="5400000" scaled="0"/>
+        </a:gradFill>
+        <a:effectLst/>
+      </p:bgPr>
+    </p:bg>
     <p:spTree>
       <p:nvGrpSpPr>
         <p:cNvPr id="1" name=""/>
@@ -32257,6 +32670,66 @@
           <a:chExt cx="0" cy="0"/>
         </a:xfrm>
       </p:grpSpPr>
+      <p:sp useBgFill="1">
+        <p:nvSpPr>
+          <p:cNvPr id="41" name="Rectangle 40">
+            <a:extLst>
+              <a:ext uri="{FF2B5EF4-FFF2-40B4-BE49-F238E27FC236}">
+                <a16:creationId xmlns:a16="http://schemas.microsoft.com/office/drawing/2014/main" id="{0B0685DC-0CEE-482C-8A89-7A85EECA3D93}"/>
+              </a:ext>
+              <a:ext uri="{C183D7F6-B498-43B3-948B-1728B52AA6E4}">
+                <adec:decorative xmlns:adec="http://schemas.microsoft.com/office/drawing/2017/decorative" val="1"/>
+              </a:ext>
+            </a:extLst>
+          </p:cNvPr>
+          <p:cNvSpPr>
+            <a:spLocks noGrp="1" noRot="1" noChangeAspect="1" noMove="1" noResize="1" noEditPoints="1" noAdjustHandles="1" noChangeArrowheads="1" noChangeShapeType="1" noTextEdit="1"/>
+          </p:cNvSpPr>
+          <p:nvPr>
+            <p:extLst>
+              <p:ext uri="{386F3935-93C4-4BCD-93E2-E3B085C9AB24}">
+                <p16:designElem xmlns:p16="http://schemas.microsoft.com/office/powerpoint/2015/main" val="1"/>
+              </p:ext>
+            </p:extLst>
+          </p:nvPr>
+        </p:nvSpPr>
+        <p:spPr>
+          <a:xfrm>
+            <a:off x="2" y="0"/>
+            <a:ext cx="12191998" cy="6858000"/>
+          </a:xfrm>
+          <a:prstGeom prst="rect">
+            <a:avLst/>
+          </a:prstGeom>
+          <a:ln>
+            <a:noFill/>
+          </a:ln>
+        </p:spPr>
+        <p:style>
+          <a:lnRef idx="2">
+            <a:schemeClr val="accent1">
+              <a:shade val="50000"/>
+            </a:schemeClr>
+          </a:lnRef>
+          <a:fillRef idx="1">
+            <a:schemeClr val="accent1"/>
+          </a:fillRef>
+          <a:effectRef idx="0">
+            <a:schemeClr val="accent1"/>
+          </a:effectRef>
+          <a:fontRef idx="minor">
+            <a:schemeClr val="lt1"/>
+          </a:fontRef>
+        </p:style>
+        <p:txBody>
+          <a:bodyPr rtlCol="0" anchor="ctr"/>
+          <a:lstStyle/>
+          <a:p>
+            <a:pPr algn="ctr"/>
+            <a:endParaRPr lang="en-US"/>
+          </a:p>
+        </p:txBody>
+      </p:sp>
       <p:sp>
         <p:nvSpPr>
           <p:cNvPr id="2" name="Title 1">
@@ -32273,17 +32746,78 @@
             <p:ph type="title"/>
           </p:nvPr>
         </p:nvSpPr>
-        <p:spPr/>
+        <p:spPr>
+          <a:xfrm>
+            <a:off x="7855527" y="685800"/>
+            <a:ext cx="3649085" cy="5225422"/>
+          </a:xfrm>
+        </p:spPr>
         <p:txBody>
-          <a:bodyPr/>
+          <a:bodyPr anchor="ctr">
+            <a:normAutofit/>
+          </a:bodyPr>
           <a:lstStyle/>
           <a:p>
             <a:r>
-              <a:rPr lang="en-US" dirty="0"/>
+              <a:rPr lang="en-US"/>
               <a:t>Common Risks with Mobile Devices </a:t>
             </a:r>
           </a:p>
         </p:txBody>
+      </p:sp>
+      <p:sp>
+        <p:nvSpPr>
+          <p:cNvPr id="43" name="Rectangle 42">
+            <a:extLst>
+              <a:ext uri="{FF2B5EF4-FFF2-40B4-BE49-F238E27FC236}">
+                <a16:creationId xmlns:a16="http://schemas.microsoft.com/office/drawing/2014/main" id="{A31628A5-06CF-426B-948A-59ED234C9D1A}"/>
+              </a:ext>
+              <a:ext uri="{C183D7F6-B498-43B3-948B-1728B52AA6E4}">
+                <adec:decorative xmlns:adec="http://schemas.microsoft.com/office/drawing/2017/decorative" val="1"/>
+              </a:ext>
+            </a:extLst>
+          </p:cNvPr>
+          <p:cNvSpPr>
+            <a:spLocks noGrp="1" noRot="1" noChangeAspect="1" noMove="1" noResize="1" noEditPoints="1" noAdjustHandles="1" noChangeArrowheads="1" noChangeShapeType="1" noTextEdit="1"/>
+          </p:cNvSpPr>
+          <p:nvPr>
+            <p:extLst>
+              <p:ext uri="{386F3935-93C4-4BCD-93E2-E3B085C9AB24}">
+                <p16:designElem xmlns:p16="http://schemas.microsoft.com/office/powerpoint/2015/main" val="1"/>
+              </p:ext>
+            </p:extLst>
+          </p:nvPr>
+        </p:nvSpPr>
+        <p:spPr>
+          <a:xfrm>
+            <a:off x="0" y="0"/>
+            <a:ext cx="182880" cy="6858000"/>
+          </a:xfrm>
+          <a:prstGeom prst="rect">
+            <a:avLst/>
+          </a:prstGeom>
+          <a:solidFill>
+            <a:schemeClr val="tx2"/>
+          </a:solidFill>
+          <a:ln>
+            <a:noFill/>
+          </a:ln>
+          <a:effectLst/>
+        </p:spPr>
+        <p:style>
+          <a:lnRef idx="1">
+            <a:schemeClr val="accent1"/>
+          </a:lnRef>
+          <a:fillRef idx="3">
+            <a:schemeClr val="accent1"/>
+          </a:fillRef>
+          <a:effectRef idx="2">
+            <a:schemeClr val="accent1"/>
+          </a:effectRef>
+          <a:fontRef idx="minor">
+            <a:schemeClr val="lt1"/>
+          </a:fontRef>
+        </p:style>
       </p:sp>
       <p:sp>
         <p:nvSpPr>
@@ -32301,33 +32835,39 @@
             <p:ph idx="1"/>
           </p:nvPr>
         </p:nvSpPr>
-        <p:spPr/>
+        <p:spPr>
+          <a:xfrm>
+            <a:off x="1101554" y="685800"/>
+            <a:ext cx="5970162" cy="5225422"/>
+          </a:xfrm>
+        </p:spPr>
         <p:txBody>
-          <a:bodyPr>
+          <a:bodyPr anchor="ctr">
             <a:normAutofit/>
           </a:bodyPr>
           <a:lstStyle/>
           <a:p>
             <a:r>
               <a:rPr lang="en-US" dirty="0"/>
-              <a:t>Lost or Stolen Device</a:t>
+              <a:t>Maliciousness</a:t>
             </a:r>
-            <a:br>
-              <a:rPr lang="en-US" dirty="0"/>
-            </a:br>
-            <a:endParaRPr lang="en-US" dirty="0"/>
           </a:p>
           <a:p>
+            <a:pPr lvl="1"/>
+            <a:r>
+              <a:rPr lang="en-US" dirty="0"/>
+              <a:t>Stolen Device</a:t>
+            </a:r>
+          </a:p>
+          <a:p>
+            <a:pPr lvl="1"/>
             <a:r>
               <a:rPr lang="en-US" dirty="0"/>
               <a:t>Mobile Malware and Vulnerabilities</a:t>
             </a:r>
-            <a:br>
-              <a:rPr lang="en-US" dirty="0"/>
-            </a:br>
-            <a:endParaRPr lang="en-US" dirty="0"/>
           </a:p>
           <a:p>
+            <a:pPr lvl="1"/>
             <a:r>
               <a:rPr lang="en-US" dirty="0"/>
               <a:t>Advanced Threats</a:t>
@@ -32340,14 +32880,88 @@
           <a:p>
             <a:r>
               <a:rPr lang="en-US" dirty="0"/>
+              <a:t>Negligence</a:t>
+            </a:r>
+          </a:p>
+          <a:p>
+            <a:pPr lvl="1"/>
+            <a:r>
+              <a:rPr lang="en-US" dirty="0"/>
+              <a:t>Lost Device</a:t>
+            </a:r>
+          </a:p>
+          <a:p>
+            <a:pPr lvl="1"/>
+            <a:r>
+              <a:rPr lang="en-US" dirty="0"/>
+              <a:t>Multiple Usage Context</a:t>
+            </a:r>
+          </a:p>
+          <a:p>
+            <a:pPr lvl="1"/>
+            <a:r>
+              <a:rPr lang="en-US" dirty="0"/>
               <a:t>User Behavior and Monitoring</a:t>
             </a:r>
           </a:p>
           <a:p>
+            <a:pPr lvl="1"/>
             <a:endParaRPr lang="en-US" dirty="0"/>
           </a:p>
         </p:txBody>
       </p:sp>
+      <p:cxnSp>
+        <p:nvCxnSpPr>
+          <p:cNvPr id="45" name="Straight Connector 44">
+            <a:extLst>
+              <a:ext uri="{FF2B5EF4-FFF2-40B4-BE49-F238E27FC236}">
+                <a16:creationId xmlns:a16="http://schemas.microsoft.com/office/drawing/2014/main" id="{2D902729-F83B-46AA-B572-057BD32A6991}"/>
+              </a:ext>
+              <a:ext uri="{C183D7F6-B498-43B3-948B-1728B52AA6E4}">
+                <adec:decorative xmlns:adec="http://schemas.microsoft.com/office/drawing/2017/decorative" val="1"/>
+              </a:ext>
+            </a:extLst>
+          </p:cNvPr>
+          <p:cNvCxnSpPr>
+            <a:cxnSpLocks noGrp="1" noRot="1" noChangeAspect="1" noMove="1" noResize="1" noEditPoints="1" noAdjustHandles="1" noChangeArrowheads="1" noChangeShapeType="1"/>
+          </p:cNvCxnSpPr>
+          <p:nvPr>
+            <p:extLst>
+              <p:ext uri="{386F3935-93C4-4BCD-93E2-E3B085C9AB24}">
+                <p16:designElem xmlns:p16="http://schemas.microsoft.com/office/powerpoint/2015/main" val="1"/>
+              </p:ext>
+            </p:extLst>
+          </p:nvPr>
+        </p:nvCxnSpPr>
+        <p:spPr>
+          <a:xfrm>
+            <a:off x="7536041" y="1871831"/>
+            <a:ext cx="0" cy="3200400"/>
+          </a:xfrm>
+          <a:prstGeom prst="line">
+            <a:avLst/>
+          </a:prstGeom>
+          <a:ln w="15875">
+            <a:solidFill>
+              <a:schemeClr val="accent5"/>
+            </a:solidFill>
+          </a:ln>
+        </p:spPr>
+        <p:style>
+          <a:lnRef idx="1">
+            <a:schemeClr val="accent1"/>
+          </a:lnRef>
+          <a:fillRef idx="0">
+            <a:schemeClr val="accent1"/>
+          </a:fillRef>
+          <a:effectRef idx="0">
+            <a:schemeClr val="accent1"/>
+          </a:effectRef>
+          <a:fontRef idx="minor">
+            <a:schemeClr val="tx1"/>
+          </a:fontRef>
+        </p:style>
+      </p:cxnSp>
     </p:spTree>
     <p:extLst>
       <p:ext uri="{BB962C8B-B14F-4D97-AF65-F5344CB8AC3E}">

--- a/Week7_MasterDataMgmt/BachmeierNTIM7030-7.pptx
+++ b/Week7_MasterDataMgmt/BachmeierNTIM7030-7.pptx
@@ -2414,6 +2414,757 @@
   <dgm:styleLbl name="revTx">
     <dgm:fillClrLst meth="repeat">
       <a:schemeClr val="lt1">
+        <a:alpha val="0"/>
+      </a:schemeClr>
+    </dgm:fillClrLst>
+    <dgm:linClrLst meth="repeat">
+      <a:schemeClr val="dk1">
+        <a:alpha val="0"/>
+      </a:schemeClr>
+    </dgm:linClrLst>
+    <dgm:effectClrLst/>
+    <dgm:txLinClrLst/>
+    <dgm:txFillClrLst meth="repeat">
+      <a:schemeClr val="tx1"/>
+    </dgm:txFillClrLst>
+    <dgm:txEffectClrLst/>
+  </dgm:styleLbl>
+</dgm:colorsDef>
+</file>
+
+<file path=ppt/diagrams/colors4.xml><?xml version="1.0" encoding="utf-8"?>
+<dgm:colorsDef xmlns:dgm="http://schemas.openxmlformats.org/drawingml/2006/diagram" xmlns:a="http://schemas.openxmlformats.org/drawingml/2006/main" uniqueId="urn:microsoft.com/office/officeart/2005/8/colors/accent0_3">
+  <dgm:title val=""/>
+  <dgm:desc val=""/>
+  <dgm:catLst>
+    <dgm:cat type="mainScheme" pri="10300"/>
+  </dgm:catLst>
+  <dgm:styleLbl name="node0">
+    <dgm:fillClrLst meth="repeat">
+      <a:schemeClr val="dk2"/>
+    </dgm:fillClrLst>
+    <dgm:linClrLst meth="repeat">
+      <a:schemeClr val="lt2"/>
+    </dgm:linClrLst>
+    <dgm:effectClrLst/>
+    <dgm:txLinClrLst/>
+    <dgm:txFillClrLst/>
+    <dgm:txEffectClrLst/>
+  </dgm:styleLbl>
+  <dgm:styleLbl name="alignNode1">
+    <dgm:fillClrLst meth="repeat">
+      <a:schemeClr val="dk2"/>
+    </dgm:fillClrLst>
+    <dgm:linClrLst meth="repeat">
+      <a:schemeClr val="dk2"/>
+    </dgm:linClrLst>
+    <dgm:effectClrLst/>
+    <dgm:txLinClrLst/>
+    <dgm:txFillClrLst/>
+    <dgm:txEffectClrLst/>
+  </dgm:styleLbl>
+  <dgm:styleLbl name="node1">
+    <dgm:fillClrLst meth="repeat">
+      <a:schemeClr val="dk2"/>
+    </dgm:fillClrLst>
+    <dgm:linClrLst meth="repeat">
+      <a:schemeClr val="lt2"/>
+    </dgm:linClrLst>
+    <dgm:effectClrLst/>
+    <dgm:txLinClrLst/>
+    <dgm:txFillClrLst/>
+    <dgm:txEffectClrLst/>
+  </dgm:styleLbl>
+  <dgm:styleLbl name="lnNode1">
+    <dgm:fillClrLst meth="repeat">
+      <a:schemeClr val="dk2"/>
+    </dgm:fillClrLst>
+    <dgm:linClrLst meth="repeat">
+      <a:schemeClr val="lt2"/>
+    </dgm:linClrLst>
+    <dgm:effectClrLst/>
+    <dgm:txLinClrLst/>
+    <dgm:txFillClrLst/>
+    <dgm:txEffectClrLst/>
+  </dgm:styleLbl>
+  <dgm:styleLbl name="vennNode1">
+    <dgm:fillClrLst meth="repeat">
+      <a:schemeClr val="dk2">
+        <a:alpha val="50000"/>
+      </a:schemeClr>
+    </dgm:fillClrLst>
+    <dgm:linClrLst meth="repeat">
+      <a:schemeClr val="lt2"/>
+    </dgm:linClrLst>
+    <dgm:effectClrLst/>
+    <dgm:txLinClrLst/>
+    <dgm:txFillClrLst/>
+    <dgm:txEffectClrLst/>
+  </dgm:styleLbl>
+  <dgm:styleLbl name="node2">
+    <dgm:fillClrLst meth="repeat">
+      <a:schemeClr val="dk2"/>
+    </dgm:fillClrLst>
+    <dgm:linClrLst meth="repeat">
+      <a:schemeClr val="lt2"/>
+    </dgm:linClrLst>
+    <dgm:effectClrLst/>
+    <dgm:txLinClrLst/>
+    <dgm:txFillClrLst/>
+    <dgm:txEffectClrLst/>
+  </dgm:styleLbl>
+  <dgm:styleLbl name="node3">
+    <dgm:fillClrLst meth="repeat">
+      <a:schemeClr val="dk2"/>
+    </dgm:fillClrLst>
+    <dgm:linClrLst meth="repeat">
+      <a:schemeClr val="lt2"/>
+    </dgm:linClrLst>
+    <dgm:effectClrLst/>
+    <dgm:txLinClrLst/>
+    <dgm:txFillClrLst/>
+    <dgm:txEffectClrLst/>
+  </dgm:styleLbl>
+  <dgm:styleLbl name="node4">
+    <dgm:fillClrLst meth="repeat">
+      <a:schemeClr val="dk2"/>
+    </dgm:fillClrLst>
+    <dgm:linClrLst meth="repeat">
+      <a:schemeClr val="lt2"/>
+    </dgm:linClrLst>
+    <dgm:effectClrLst/>
+    <dgm:txLinClrLst/>
+    <dgm:txFillClrLst/>
+    <dgm:txEffectClrLst/>
+  </dgm:styleLbl>
+  <dgm:styleLbl name="fgImgPlace1">
+    <dgm:fillClrLst meth="repeat">
+      <a:schemeClr val="dk2">
+        <a:tint val="50000"/>
+      </a:schemeClr>
+    </dgm:fillClrLst>
+    <dgm:linClrLst meth="repeat">
+      <a:schemeClr val="lt2"/>
+    </dgm:linClrLst>
+    <dgm:effectClrLst/>
+    <dgm:txLinClrLst/>
+    <dgm:txFillClrLst meth="repeat">
+      <a:schemeClr val="lt2"/>
+    </dgm:txFillClrLst>
+    <dgm:txEffectClrLst/>
+  </dgm:styleLbl>
+  <dgm:styleLbl name="alignImgPlace1">
+    <dgm:fillClrLst meth="repeat">
+      <a:schemeClr val="dk2">
+        <a:tint val="50000"/>
+      </a:schemeClr>
+    </dgm:fillClrLst>
+    <dgm:linClrLst meth="repeat">
+      <a:schemeClr val="dk2">
+        <a:shade val="80000"/>
+      </a:schemeClr>
+    </dgm:linClrLst>
+    <dgm:effectClrLst/>
+    <dgm:txLinClrLst/>
+    <dgm:txFillClrLst meth="repeat">
+      <a:schemeClr val="lt2"/>
+    </dgm:txFillClrLst>
+    <dgm:txEffectClrLst/>
+  </dgm:styleLbl>
+  <dgm:styleLbl name="bgImgPlace1">
+    <dgm:fillClrLst meth="repeat">
+      <a:schemeClr val="dk2">
+        <a:tint val="50000"/>
+      </a:schemeClr>
+    </dgm:fillClrLst>
+    <dgm:linClrLst meth="repeat">
+      <a:schemeClr val="dk2">
+        <a:shade val="80000"/>
+      </a:schemeClr>
+    </dgm:linClrLst>
+    <dgm:effectClrLst/>
+    <dgm:txLinClrLst/>
+    <dgm:txFillClrLst meth="repeat">
+      <a:schemeClr val="lt2"/>
+    </dgm:txFillClrLst>
+    <dgm:txEffectClrLst/>
+  </dgm:styleLbl>
+  <dgm:styleLbl name="sibTrans2D1">
+    <dgm:fillClrLst meth="repeat">
+      <a:schemeClr val="dk2">
+        <a:tint val="60000"/>
+      </a:schemeClr>
+    </dgm:fillClrLst>
+    <dgm:linClrLst meth="repeat">
+      <a:schemeClr val="dk2">
+        <a:tint val="60000"/>
+      </a:schemeClr>
+    </dgm:linClrLst>
+    <dgm:effectClrLst/>
+    <dgm:txLinClrLst/>
+    <dgm:txFillClrLst/>
+    <dgm:txEffectClrLst/>
+  </dgm:styleLbl>
+  <dgm:styleLbl name="fgSibTrans2D1">
+    <dgm:fillClrLst meth="repeat">
+      <a:schemeClr val="dk2">
+        <a:tint val="60000"/>
+      </a:schemeClr>
+    </dgm:fillClrLst>
+    <dgm:linClrLst meth="repeat">
+      <a:schemeClr val="dk2">
+        <a:tint val="60000"/>
+      </a:schemeClr>
+    </dgm:linClrLst>
+    <dgm:effectClrLst/>
+    <dgm:txLinClrLst/>
+    <dgm:txFillClrLst/>
+    <dgm:txEffectClrLst/>
+  </dgm:styleLbl>
+  <dgm:styleLbl name="bgSibTrans2D1">
+    <dgm:fillClrLst meth="repeat">
+      <a:schemeClr val="dk2">
+        <a:tint val="60000"/>
+      </a:schemeClr>
+    </dgm:fillClrLst>
+    <dgm:linClrLst meth="repeat">
+      <a:schemeClr val="dk2">
+        <a:tint val="60000"/>
+      </a:schemeClr>
+    </dgm:linClrLst>
+    <dgm:effectClrLst/>
+    <dgm:txLinClrLst/>
+    <dgm:txFillClrLst/>
+    <dgm:txEffectClrLst/>
+  </dgm:styleLbl>
+  <dgm:styleLbl name="sibTrans1D1">
+    <dgm:fillClrLst meth="repeat">
+      <a:schemeClr val="dk2"/>
+    </dgm:fillClrLst>
+    <dgm:linClrLst meth="repeat">
+      <a:schemeClr val="dk2"/>
+    </dgm:linClrLst>
+    <dgm:effectClrLst/>
+    <dgm:txLinClrLst/>
+    <dgm:txFillClrLst meth="repeat">
+      <a:schemeClr val="lt2"/>
+    </dgm:txFillClrLst>
+    <dgm:txEffectClrLst/>
+  </dgm:styleLbl>
+  <dgm:styleLbl name="callout">
+    <dgm:fillClrLst meth="repeat">
+      <a:schemeClr val="dk2"/>
+    </dgm:fillClrLst>
+    <dgm:linClrLst meth="repeat">
+      <a:schemeClr val="dk2">
+        <a:tint val="50000"/>
+      </a:schemeClr>
+    </dgm:linClrLst>
+    <dgm:effectClrLst/>
+    <dgm:txLinClrLst/>
+    <dgm:txFillClrLst meth="repeat">
+      <a:schemeClr val="lt2"/>
+    </dgm:txFillClrLst>
+    <dgm:txEffectClrLst/>
+  </dgm:styleLbl>
+  <dgm:styleLbl name="asst0">
+    <dgm:fillClrLst meth="repeat">
+      <a:schemeClr val="dk2"/>
+    </dgm:fillClrLst>
+    <dgm:linClrLst meth="repeat">
+      <a:schemeClr val="lt2"/>
+    </dgm:linClrLst>
+    <dgm:effectClrLst/>
+    <dgm:txLinClrLst/>
+    <dgm:txFillClrLst/>
+    <dgm:txEffectClrLst/>
+  </dgm:styleLbl>
+  <dgm:styleLbl name="asst1">
+    <dgm:fillClrLst meth="repeat">
+      <a:schemeClr val="dk2"/>
+    </dgm:fillClrLst>
+    <dgm:linClrLst meth="repeat">
+      <a:schemeClr val="lt2"/>
+    </dgm:linClrLst>
+    <dgm:effectClrLst/>
+    <dgm:txLinClrLst/>
+    <dgm:txFillClrLst/>
+    <dgm:txEffectClrLst/>
+  </dgm:styleLbl>
+  <dgm:styleLbl name="asst2">
+    <dgm:fillClrLst meth="repeat">
+      <a:schemeClr val="dk2"/>
+    </dgm:fillClrLst>
+    <dgm:linClrLst meth="repeat">
+      <a:schemeClr val="lt2"/>
+    </dgm:linClrLst>
+    <dgm:effectClrLst/>
+    <dgm:txLinClrLst/>
+    <dgm:txFillClrLst/>
+    <dgm:txEffectClrLst/>
+  </dgm:styleLbl>
+  <dgm:styleLbl name="asst3">
+    <dgm:fillClrLst meth="repeat">
+      <a:schemeClr val="dk2"/>
+    </dgm:fillClrLst>
+    <dgm:linClrLst meth="repeat">
+      <a:schemeClr val="lt2"/>
+    </dgm:linClrLst>
+    <dgm:effectClrLst/>
+    <dgm:txLinClrLst/>
+    <dgm:txFillClrLst/>
+    <dgm:txEffectClrLst/>
+  </dgm:styleLbl>
+  <dgm:styleLbl name="asst4">
+    <dgm:fillClrLst meth="repeat">
+      <a:schemeClr val="dk2"/>
+    </dgm:fillClrLst>
+    <dgm:linClrLst meth="repeat">
+      <a:schemeClr val="lt2"/>
+    </dgm:linClrLst>
+    <dgm:effectClrLst/>
+    <dgm:txLinClrLst/>
+    <dgm:txFillClrLst/>
+    <dgm:txEffectClrLst/>
+  </dgm:styleLbl>
+  <dgm:styleLbl name="parChTrans2D1">
+    <dgm:fillClrLst meth="repeat">
+      <a:schemeClr val="dk2">
+        <a:tint val="60000"/>
+      </a:schemeClr>
+    </dgm:fillClrLst>
+    <dgm:linClrLst meth="repeat">
+      <a:schemeClr val="dk2">
+        <a:tint val="60000"/>
+      </a:schemeClr>
+    </dgm:linClrLst>
+    <dgm:effectClrLst/>
+    <dgm:txLinClrLst/>
+    <dgm:txFillClrLst meth="repeat">
+      <a:schemeClr val="lt2"/>
+    </dgm:txFillClrLst>
+    <dgm:txEffectClrLst/>
+  </dgm:styleLbl>
+  <dgm:styleLbl name="parChTrans2D2">
+    <dgm:fillClrLst meth="repeat">
+      <a:schemeClr val="dk2"/>
+    </dgm:fillClrLst>
+    <dgm:linClrLst meth="repeat">
+      <a:schemeClr val="dk2"/>
+    </dgm:linClrLst>
+    <dgm:effectClrLst/>
+    <dgm:txLinClrLst/>
+    <dgm:txFillClrLst meth="repeat">
+      <a:schemeClr val="lt2"/>
+    </dgm:txFillClrLst>
+    <dgm:txEffectClrLst/>
+  </dgm:styleLbl>
+  <dgm:styleLbl name="parChTrans2D3">
+    <dgm:fillClrLst meth="repeat">
+      <a:schemeClr val="dk2"/>
+    </dgm:fillClrLst>
+    <dgm:linClrLst meth="repeat">
+      <a:schemeClr val="dk2"/>
+    </dgm:linClrLst>
+    <dgm:effectClrLst/>
+    <dgm:txLinClrLst/>
+    <dgm:txFillClrLst meth="repeat">
+      <a:schemeClr val="lt2"/>
+    </dgm:txFillClrLst>
+    <dgm:txEffectClrLst/>
+  </dgm:styleLbl>
+  <dgm:styleLbl name="parChTrans2D4">
+    <dgm:fillClrLst meth="repeat">
+      <a:schemeClr val="dk2"/>
+    </dgm:fillClrLst>
+    <dgm:linClrLst meth="repeat">
+      <a:schemeClr val="dk2"/>
+    </dgm:linClrLst>
+    <dgm:effectClrLst/>
+    <dgm:txLinClrLst/>
+    <dgm:txFillClrLst meth="repeat">
+      <a:schemeClr val="lt2"/>
+    </dgm:txFillClrLst>
+    <dgm:txEffectClrLst/>
+  </dgm:styleLbl>
+  <dgm:styleLbl name="parChTrans1D1">
+    <dgm:fillClrLst meth="repeat">
+      <a:schemeClr val="dk2"/>
+    </dgm:fillClrLst>
+    <dgm:linClrLst meth="repeat">
+      <a:schemeClr val="dk2">
+        <a:shade val="60000"/>
+      </a:schemeClr>
+    </dgm:linClrLst>
+    <dgm:effectClrLst/>
+    <dgm:txLinClrLst/>
+    <dgm:txFillClrLst meth="repeat">
+      <a:schemeClr val="tx1"/>
+    </dgm:txFillClrLst>
+    <dgm:txEffectClrLst/>
+  </dgm:styleLbl>
+  <dgm:styleLbl name="parChTrans1D2">
+    <dgm:fillClrLst meth="repeat">
+      <a:schemeClr val="dk2"/>
+    </dgm:fillClrLst>
+    <dgm:linClrLst meth="repeat">
+      <a:schemeClr val="dk2">
+        <a:shade val="60000"/>
+      </a:schemeClr>
+    </dgm:linClrLst>
+    <dgm:effectClrLst/>
+    <dgm:txLinClrLst/>
+    <dgm:txFillClrLst meth="repeat">
+      <a:schemeClr val="tx1"/>
+    </dgm:txFillClrLst>
+    <dgm:txEffectClrLst/>
+  </dgm:styleLbl>
+  <dgm:styleLbl name="parChTrans1D3">
+    <dgm:fillClrLst meth="repeat">
+      <a:schemeClr val="dk2"/>
+    </dgm:fillClrLst>
+    <dgm:linClrLst meth="repeat">
+      <a:schemeClr val="dk2">
+        <a:shade val="80000"/>
+      </a:schemeClr>
+    </dgm:linClrLst>
+    <dgm:effectClrLst/>
+    <dgm:txLinClrLst/>
+    <dgm:txFillClrLst meth="repeat">
+      <a:schemeClr val="tx1"/>
+    </dgm:txFillClrLst>
+    <dgm:txEffectClrLst/>
+  </dgm:styleLbl>
+  <dgm:styleLbl name="parChTrans1D4">
+    <dgm:fillClrLst meth="repeat">
+      <a:schemeClr val="dk2"/>
+    </dgm:fillClrLst>
+    <dgm:linClrLst meth="repeat">
+      <a:schemeClr val="dk2">
+        <a:shade val="80000"/>
+      </a:schemeClr>
+    </dgm:linClrLst>
+    <dgm:effectClrLst/>
+    <dgm:txLinClrLst/>
+    <dgm:txFillClrLst meth="repeat">
+      <a:schemeClr val="tx1"/>
+    </dgm:txFillClrLst>
+    <dgm:txEffectClrLst/>
+  </dgm:styleLbl>
+  <dgm:styleLbl name="fgAcc1">
+    <dgm:fillClrLst meth="repeat">
+      <a:schemeClr val="lt2">
+        <a:alpha val="90000"/>
+      </a:schemeClr>
+    </dgm:fillClrLst>
+    <dgm:linClrLst meth="repeat">
+      <a:schemeClr val="dk2"/>
+    </dgm:linClrLst>
+    <dgm:effectClrLst/>
+    <dgm:txLinClrLst/>
+    <dgm:txFillClrLst meth="repeat">
+      <a:schemeClr val="dk1"/>
+    </dgm:txFillClrLst>
+    <dgm:txEffectClrLst/>
+  </dgm:styleLbl>
+  <dgm:styleLbl name="conFgAcc1">
+    <dgm:fillClrLst meth="repeat">
+      <a:schemeClr val="lt2">
+        <a:alpha val="90000"/>
+      </a:schemeClr>
+    </dgm:fillClrLst>
+    <dgm:linClrLst meth="repeat">
+      <a:schemeClr val="dk2"/>
+    </dgm:linClrLst>
+    <dgm:effectClrLst/>
+    <dgm:txLinClrLst/>
+    <dgm:txFillClrLst meth="repeat">
+      <a:schemeClr val="dk1"/>
+    </dgm:txFillClrLst>
+    <dgm:txEffectClrLst/>
+  </dgm:styleLbl>
+  <dgm:styleLbl name="alignAcc1">
+    <dgm:fillClrLst meth="repeat">
+      <a:schemeClr val="lt2">
+        <a:alpha val="90000"/>
+      </a:schemeClr>
+    </dgm:fillClrLst>
+    <dgm:linClrLst meth="repeat">
+      <a:schemeClr val="dk2"/>
+    </dgm:linClrLst>
+    <dgm:effectClrLst/>
+    <dgm:txLinClrLst/>
+    <dgm:txFillClrLst meth="repeat">
+      <a:schemeClr val="dk1"/>
+    </dgm:txFillClrLst>
+    <dgm:txEffectClrLst/>
+  </dgm:styleLbl>
+  <dgm:styleLbl name="trAlignAcc1">
+    <dgm:fillClrLst meth="repeat">
+      <a:schemeClr val="lt2">
+        <a:alpha val="40000"/>
+      </a:schemeClr>
+    </dgm:fillClrLst>
+    <dgm:linClrLst meth="repeat">
+      <a:schemeClr val="dk2"/>
+    </dgm:linClrLst>
+    <dgm:effectClrLst/>
+    <dgm:txLinClrLst/>
+    <dgm:txFillClrLst meth="repeat">
+      <a:schemeClr val="dk1"/>
+    </dgm:txFillClrLst>
+    <dgm:txEffectClrLst/>
+  </dgm:styleLbl>
+  <dgm:styleLbl name="bgAcc1">
+    <dgm:fillClrLst meth="repeat">
+      <a:schemeClr val="lt2">
+        <a:alpha val="90000"/>
+      </a:schemeClr>
+    </dgm:fillClrLst>
+    <dgm:linClrLst meth="repeat">
+      <a:schemeClr val="dk2"/>
+    </dgm:linClrLst>
+    <dgm:effectClrLst/>
+    <dgm:txLinClrLst/>
+    <dgm:txFillClrLst meth="repeat">
+      <a:schemeClr val="dk1"/>
+    </dgm:txFillClrLst>
+    <dgm:txEffectClrLst/>
+  </dgm:styleLbl>
+  <dgm:styleLbl name="solidFgAcc1">
+    <dgm:fillClrLst meth="repeat">
+      <a:schemeClr val="lt2"/>
+    </dgm:fillClrLst>
+    <dgm:linClrLst meth="repeat">
+      <a:schemeClr val="dk2"/>
+    </dgm:linClrLst>
+    <dgm:effectClrLst/>
+    <dgm:txLinClrLst/>
+    <dgm:txFillClrLst meth="repeat">
+      <a:schemeClr val="dk1"/>
+    </dgm:txFillClrLst>
+    <dgm:txEffectClrLst/>
+  </dgm:styleLbl>
+  <dgm:styleLbl name="solidAlignAcc1">
+    <dgm:fillClrLst meth="repeat">
+      <a:schemeClr val="lt2"/>
+    </dgm:fillClrLst>
+    <dgm:linClrLst meth="repeat">
+      <a:schemeClr val="dk2"/>
+    </dgm:linClrLst>
+    <dgm:effectClrLst/>
+    <dgm:txLinClrLst/>
+    <dgm:txFillClrLst meth="repeat">
+      <a:schemeClr val="dk1"/>
+    </dgm:txFillClrLst>
+    <dgm:txEffectClrLst/>
+  </dgm:styleLbl>
+  <dgm:styleLbl name="solidBgAcc1">
+    <dgm:fillClrLst meth="repeat">
+      <a:schemeClr val="lt2"/>
+    </dgm:fillClrLst>
+    <dgm:linClrLst meth="repeat">
+      <a:schemeClr val="dk2"/>
+    </dgm:linClrLst>
+    <dgm:effectClrLst/>
+    <dgm:txLinClrLst/>
+    <dgm:txFillClrLst meth="repeat">
+      <a:schemeClr val="dk1"/>
+    </dgm:txFillClrLst>
+    <dgm:txEffectClrLst/>
+  </dgm:styleLbl>
+  <dgm:styleLbl name="fgAccFollowNode1">
+    <dgm:fillClrLst meth="repeat">
+      <a:schemeClr val="dk2">
+        <a:alpha val="90000"/>
+        <a:tint val="40000"/>
+      </a:schemeClr>
+    </dgm:fillClrLst>
+    <dgm:linClrLst meth="repeat">
+      <a:schemeClr val="dk2">
+        <a:alpha val="90000"/>
+        <a:tint val="40000"/>
+      </a:schemeClr>
+    </dgm:linClrLst>
+    <dgm:effectClrLst/>
+    <dgm:txLinClrLst/>
+    <dgm:txFillClrLst meth="repeat">
+      <a:schemeClr val="dk1"/>
+    </dgm:txFillClrLst>
+    <dgm:txEffectClrLst/>
+  </dgm:styleLbl>
+  <dgm:styleLbl name="alignAccFollowNode1">
+    <dgm:fillClrLst meth="repeat">
+      <a:schemeClr val="dk2">
+        <a:alpha val="90000"/>
+        <a:tint val="40000"/>
+      </a:schemeClr>
+    </dgm:fillClrLst>
+    <dgm:linClrLst meth="repeat">
+      <a:schemeClr val="dk2">
+        <a:alpha val="90000"/>
+        <a:tint val="40000"/>
+      </a:schemeClr>
+    </dgm:linClrLst>
+    <dgm:effectClrLst/>
+    <dgm:txLinClrLst/>
+    <dgm:txFillClrLst meth="repeat">
+      <a:schemeClr val="dk1"/>
+    </dgm:txFillClrLst>
+    <dgm:txEffectClrLst/>
+  </dgm:styleLbl>
+  <dgm:styleLbl name="bgAccFollowNode1">
+    <dgm:fillClrLst meth="repeat">
+      <a:schemeClr val="dk2">
+        <a:alpha val="90000"/>
+        <a:tint val="40000"/>
+      </a:schemeClr>
+    </dgm:fillClrLst>
+    <dgm:linClrLst meth="repeat">
+      <a:schemeClr val="dk2">
+        <a:alpha val="90000"/>
+        <a:tint val="40000"/>
+      </a:schemeClr>
+    </dgm:linClrLst>
+    <dgm:effectClrLst/>
+    <dgm:txLinClrLst/>
+    <dgm:txFillClrLst meth="repeat">
+      <a:schemeClr val="dk1"/>
+    </dgm:txFillClrLst>
+    <dgm:txEffectClrLst/>
+  </dgm:styleLbl>
+  <dgm:styleLbl name="fgAcc0">
+    <dgm:fillClrLst meth="repeat">
+      <a:schemeClr val="lt2">
+        <a:alpha val="90000"/>
+      </a:schemeClr>
+    </dgm:fillClrLst>
+    <dgm:linClrLst meth="repeat">
+      <a:schemeClr val="dk2"/>
+    </dgm:linClrLst>
+    <dgm:effectClrLst/>
+    <dgm:txLinClrLst/>
+    <dgm:txFillClrLst meth="repeat">
+      <a:schemeClr val="dk1"/>
+    </dgm:txFillClrLst>
+    <dgm:txEffectClrLst/>
+  </dgm:styleLbl>
+  <dgm:styleLbl name="fgAcc2">
+    <dgm:fillClrLst meth="repeat">
+      <a:schemeClr val="lt2">
+        <a:alpha val="90000"/>
+      </a:schemeClr>
+    </dgm:fillClrLst>
+    <dgm:linClrLst meth="repeat">
+      <a:schemeClr val="dk2"/>
+    </dgm:linClrLst>
+    <dgm:effectClrLst/>
+    <dgm:txLinClrLst/>
+    <dgm:txFillClrLst meth="repeat">
+      <a:schemeClr val="dk1"/>
+    </dgm:txFillClrLst>
+    <dgm:txEffectClrLst/>
+  </dgm:styleLbl>
+  <dgm:styleLbl name="fgAcc3">
+    <dgm:fillClrLst meth="repeat">
+      <a:schemeClr val="lt2">
+        <a:alpha val="90000"/>
+      </a:schemeClr>
+    </dgm:fillClrLst>
+    <dgm:linClrLst meth="repeat">
+      <a:schemeClr val="dk2"/>
+    </dgm:linClrLst>
+    <dgm:effectClrLst/>
+    <dgm:txLinClrLst/>
+    <dgm:txFillClrLst meth="repeat">
+      <a:schemeClr val="dk1"/>
+    </dgm:txFillClrLst>
+    <dgm:txEffectClrLst/>
+  </dgm:styleLbl>
+  <dgm:styleLbl name="fgAcc4">
+    <dgm:fillClrLst meth="repeat">
+      <a:schemeClr val="lt2">
+        <a:alpha val="90000"/>
+      </a:schemeClr>
+    </dgm:fillClrLst>
+    <dgm:linClrLst meth="repeat">
+      <a:schemeClr val="dk2"/>
+    </dgm:linClrLst>
+    <dgm:effectClrLst/>
+    <dgm:txLinClrLst/>
+    <dgm:txFillClrLst meth="repeat">
+      <a:schemeClr val="dk1"/>
+    </dgm:txFillClrLst>
+    <dgm:txEffectClrLst/>
+  </dgm:styleLbl>
+  <dgm:styleLbl name="bgShp">
+    <dgm:fillClrLst meth="repeat">
+      <a:schemeClr val="dk2">
+        <a:tint val="40000"/>
+      </a:schemeClr>
+    </dgm:fillClrLst>
+    <dgm:linClrLst meth="repeat">
+      <a:schemeClr val="dk2"/>
+    </dgm:linClrLst>
+    <dgm:effectClrLst/>
+    <dgm:txLinClrLst/>
+    <dgm:txFillClrLst meth="repeat">
+      <a:schemeClr val="dk1"/>
+    </dgm:txFillClrLst>
+    <dgm:txEffectClrLst/>
+  </dgm:styleLbl>
+  <dgm:styleLbl name="dkBgShp">
+    <dgm:fillClrLst meth="repeat">
+      <a:schemeClr val="dk2">
+        <a:shade val="80000"/>
+      </a:schemeClr>
+    </dgm:fillClrLst>
+    <dgm:linClrLst meth="repeat">
+      <a:schemeClr val="dk2"/>
+    </dgm:linClrLst>
+    <dgm:effectClrLst/>
+    <dgm:txLinClrLst/>
+    <dgm:txFillClrLst meth="repeat">
+      <a:schemeClr val="lt1"/>
+    </dgm:txFillClrLst>
+    <dgm:txEffectClrLst/>
+  </dgm:styleLbl>
+  <dgm:styleLbl name="trBgShp">
+    <dgm:fillClrLst meth="repeat">
+      <a:schemeClr val="dk2">
+        <a:tint val="50000"/>
+        <a:alpha val="40000"/>
+      </a:schemeClr>
+    </dgm:fillClrLst>
+    <dgm:linClrLst meth="repeat">
+      <a:schemeClr val="dk2"/>
+    </dgm:linClrLst>
+    <dgm:effectClrLst/>
+    <dgm:txLinClrLst/>
+    <dgm:txFillClrLst meth="repeat">
+      <a:schemeClr val="lt1"/>
+    </dgm:txFillClrLst>
+    <dgm:txEffectClrLst/>
+  </dgm:styleLbl>
+  <dgm:styleLbl name="fgShp">
+    <dgm:fillClrLst meth="repeat">
+      <a:schemeClr val="dk2">
+        <a:tint val="60000"/>
+      </a:schemeClr>
+    </dgm:fillClrLst>
+    <dgm:linClrLst meth="repeat">
+      <a:schemeClr val="lt2"/>
+    </dgm:linClrLst>
+    <dgm:effectClrLst/>
+    <dgm:txLinClrLst/>
+    <dgm:txFillClrLst meth="repeat">
+      <a:schemeClr val="dk1"/>
+    </dgm:txFillClrLst>
+    <dgm:txEffectClrLst/>
+  </dgm:styleLbl>
+  <dgm:styleLbl name="revTx">
+    <dgm:fillClrLst meth="repeat">
+      <a:schemeClr val="lt2">
         <a:alpha val="0"/>
       </a:schemeClr>
     </dgm:fillClrLst>
@@ -4306,6 +5057,564 @@
     <dgm:cxn modelId="{A58A508A-242A-43A0-9A4A-91D1DEEB7BF7}" type="presParOf" srcId="{A3338945-DF13-43BB-8BA5-CCC4BEC270F5}" destId="{66FD2AA8-7029-4853-A9E2-9D809024B4A7}" srcOrd="2" destOrd="0" presId="urn:microsoft.com/office/officeart/2017/3/layout/HorizontalPathTimeline"/>
     <dgm:cxn modelId="{36904F84-30CB-42E0-AAFE-C131A9E1682D}" type="presParOf" srcId="{A3338945-DF13-43BB-8BA5-CCC4BEC270F5}" destId="{60EBF2E2-80CA-4C4A-9FF7-2DDB0A69E4A6}" srcOrd="3" destOrd="0" presId="urn:microsoft.com/office/officeart/2017/3/layout/HorizontalPathTimeline"/>
     <dgm:cxn modelId="{CA192C3F-04E3-4FDB-8F9F-3EECDB6236EA}" type="presParOf" srcId="{A3338945-DF13-43BB-8BA5-CCC4BEC270F5}" destId="{2C18C495-271E-48F5-A53F-6D432D611F94}" srcOrd="4" destOrd="0" presId="urn:microsoft.com/office/officeart/2017/3/layout/HorizontalPathTimeline"/>
+  </dgm:cxnLst>
+  <dgm:bg/>
+  <dgm:whole/>
+  <dgm:extLst>
+    <a:ext uri="http://schemas.microsoft.com/office/drawing/2008/diagram">
+      <dsp:dataModelExt xmlns:dsp="http://schemas.microsoft.com/office/drawing/2008/diagram" relId="rId6" minVer="http://schemas.openxmlformats.org/drawingml/2006/diagram"/>
+    </a:ext>
+  </dgm:extLst>
+</dgm:dataModel>
+</file>
+
+<file path=ppt/diagrams/data4.xml><?xml version="1.0" encoding="utf-8"?>
+<dgm:dataModel xmlns:dgm="http://schemas.openxmlformats.org/drawingml/2006/diagram" xmlns:a="http://schemas.openxmlformats.org/drawingml/2006/main">
+  <dgm:ptLst>
+    <dgm:pt modelId="{3BE6FF09-EABF-4C16-9558-7E059F40C406}" type="doc">
+      <dgm:prSet loTypeId="urn:microsoft.com/office/officeart/2016/7/layout/VerticalSolidActionList" loCatId="List" qsTypeId="urn:microsoft.com/office/officeart/2005/8/quickstyle/simple4" qsCatId="simple" csTypeId="urn:microsoft.com/office/officeart/2005/8/colors/accent0_3" csCatId="mainScheme" phldr="1"/>
+      <dgm:spPr/>
+      <dgm:t>
+        <a:bodyPr/>
+        <a:lstStyle/>
+        <a:p>
+          <a:endParaRPr lang="en-US"/>
+        </a:p>
+      </dgm:t>
+    </dgm:pt>
+    <dgm:pt modelId="{9E419809-FD4E-488D-A4E8-3A0CD0093CD5}">
+      <dgm:prSet phldrT="[Text]"/>
+      <dgm:spPr/>
+      <dgm:t>
+        <a:bodyPr/>
+        <a:lstStyle/>
+        <a:p>
+          <a:r>
+            <a:rPr lang="en-US" dirty="0"/>
+            <a:t>Organizational Commitment</a:t>
+          </a:r>
+        </a:p>
+      </dgm:t>
+    </dgm:pt>
+    <dgm:pt modelId="{2F034379-AECD-4E15-8908-C2D343CCA6B8}" type="parTrans" cxnId="{8C3AEE69-715B-4686-9BA9-A3525208D8D6}">
+      <dgm:prSet/>
+      <dgm:spPr/>
+      <dgm:t>
+        <a:bodyPr/>
+        <a:lstStyle/>
+        <a:p>
+          <a:endParaRPr lang="en-US"/>
+        </a:p>
+      </dgm:t>
+    </dgm:pt>
+    <dgm:pt modelId="{503A7C2B-E493-434D-899E-9EFECFD1985F}" type="sibTrans" cxnId="{8C3AEE69-715B-4686-9BA9-A3525208D8D6}">
+      <dgm:prSet/>
+      <dgm:spPr/>
+      <dgm:t>
+        <a:bodyPr/>
+        <a:lstStyle/>
+        <a:p>
+          <a:endParaRPr lang="en-US"/>
+        </a:p>
+      </dgm:t>
+    </dgm:pt>
+    <dgm:pt modelId="{E3E27CDD-0D61-4E0B-B9CB-7B0A52A84E80}">
+      <dgm:prSet phldrT="[Text]"/>
+      <dgm:spPr/>
+      <dgm:t>
+        <a:bodyPr/>
+        <a:lstStyle/>
+        <a:p>
+          <a:r>
+            <a:rPr lang="en-US" dirty="0"/>
+            <a:t>Policy Enforcement</a:t>
+          </a:r>
+        </a:p>
+      </dgm:t>
+    </dgm:pt>
+    <dgm:pt modelId="{A9B8D65E-BE32-4460-8D4C-30A4743B23D4}" type="parTrans" cxnId="{7210ED29-0489-4EED-8CAD-811CA9EDF76D}">
+      <dgm:prSet/>
+      <dgm:spPr/>
+      <dgm:t>
+        <a:bodyPr/>
+        <a:lstStyle/>
+        <a:p>
+          <a:endParaRPr lang="en-US"/>
+        </a:p>
+      </dgm:t>
+    </dgm:pt>
+    <dgm:pt modelId="{C3BB0946-6CEA-430F-BA1E-F2E7927DFC32}" type="sibTrans" cxnId="{7210ED29-0489-4EED-8CAD-811CA9EDF76D}">
+      <dgm:prSet/>
+      <dgm:spPr/>
+      <dgm:t>
+        <a:bodyPr/>
+        <a:lstStyle/>
+        <a:p>
+          <a:endParaRPr lang="en-US"/>
+        </a:p>
+      </dgm:t>
+    </dgm:pt>
+    <dgm:pt modelId="{BCE3903C-7412-491E-807C-E65DCBC085C4}">
+      <dgm:prSet phldrT="[Text]"/>
+      <dgm:spPr/>
+      <dgm:t>
+        <a:bodyPr/>
+        <a:lstStyle/>
+        <a:p>
+          <a:r>
+            <a:rPr lang="en-US" dirty="0"/>
+            <a:t>Systems of Oversight</a:t>
+          </a:r>
+        </a:p>
+      </dgm:t>
+    </dgm:pt>
+    <dgm:pt modelId="{6ECE21BF-0FFB-4B91-9536-A99CD9E3E3E3}" type="parTrans" cxnId="{F4FDEA2E-D038-4555-8DCD-F3D6788FFFBC}">
+      <dgm:prSet/>
+      <dgm:spPr/>
+      <dgm:t>
+        <a:bodyPr/>
+        <a:lstStyle/>
+        <a:p>
+          <a:endParaRPr lang="en-US"/>
+        </a:p>
+      </dgm:t>
+    </dgm:pt>
+    <dgm:pt modelId="{021B22E2-5526-4EED-BA96-0403AB932DCB}" type="sibTrans" cxnId="{F4FDEA2E-D038-4555-8DCD-F3D6788FFFBC}">
+      <dgm:prSet/>
+      <dgm:spPr/>
+      <dgm:t>
+        <a:bodyPr/>
+        <a:lstStyle/>
+        <a:p>
+          <a:endParaRPr lang="en-US"/>
+        </a:p>
+      </dgm:t>
+    </dgm:pt>
+    <dgm:pt modelId="{6686298E-78CC-4722-A9EA-377506B828E5}">
+      <dgm:prSet phldrT="[Text]"/>
+      <dgm:spPr/>
+      <dgm:t>
+        <a:bodyPr/>
+        <a:lstStyle/>
+        <a:p>
+          <a:r>
+            <a:rPr lang="en-US" dirty="0"/>
+            <a:t>Executive sponsorship and accountability</a:t>
+          </a:r>
+        </a:p>
+      </dgm:t>
+    </dgm:pt>
+    <dgm:pt modelId="{C28659BC-5FC3-49C8-8B09-EFA5FC2D483D}" type="parTrans" cxnId="{0E2183DF-EAB9-43B4-99CE-2F9905D93CF8}">
+      <dgm:prSet/>
+      <dgm:spPr/>
+      <dgm:t>
+        <a:bodyPr/>
+        <a:lstStyle/>
+        <a:p>
+          <a:endParaRPr lang="en-US"/>
+        </a:p>
+      </dgm:t>
+    </dgm:pt>
+    <dgm:pt modelId="{A44FC249-F36E-42BD-9976-2AC755C506CE}" type="sibTrans" cxnId="{0E2183DF-EAB9-43B4-99CE-2F9905D93CF8}">
+      <dgm:prSet/>
+      <dgm:spPr/>
+      <dgm:t>
+        <a:bodyPr/>
+        <a:lstStyle/>
+        <a:p>
+          <a:endParaRPr lang="en-US"/>
+        </a:p>
+      </dgm:t>
+    </dgm:pt>
+    <dgm:pt modelId="{D4E63D79-57DB-45F2-8F7E-739250EFF645}">
+      <dgm:prSet phldrT="[Text]"/>
+      <dgm:spPr/>
+      <dgm:t>
+        <a:bodyPr/>
+        <a:lstStyle/>
+        <a:p>
+          <a:r>
+            <a:rPr lang="en-US" dirty="0"/>
+            <a:t>People, Processes, and Products</a:t>
+          </a:r>
+        </a:p>
+      </dgm:t>
+    </dgm:pt>
+    <dgm:pt modelId="{EEB7A93F-1BE1-40D9-9741-D90170A25DCE}" type="parTrans" cxnId="{D8C6498E-BC1C-4935-8243-402F69A11FAB}">
+      <dgm:prSet/>
+      <dgm:spPr/>
+      <dgm:t>
+        <a:bodyPr/>
+        <a:lstStyle/>
+        <a:p>
+          <a:endParaRPr lang="en-US"/>
+        </a:p>
+      </dgm:t>
+    </dgm:pt>
+    <dgm:pt modelId="{99A80C27-785D-45E5-A177-CDA0182BC627}" type="sibTrans" cxnId="{D8C6498E-BC1C-4935-8243-402F69A11FAB}">
+      <dgm:prSet/>
+      <dgm:spPr/>
+      <dgm:t>
+        <a:bodyPr/>
+        <a:lstStyle/>
+        <a:p>
+          <a:endParaRPr lang="en-US"/>
+        </a:p>
+      </dgm:t>
+    </dgm:pt>
+    <dgm:pt modelId="{147EBC46-E773-4D8E-8DF3-5B028833D498}">
+      <dgm:prSet phldrT="[Text]"/>
+      <dgm:spPr/>
+      <dgm:t>
+        <a:bodyPr/>
+        <a:lstStyle/>
+        <a:p>
+          <a:r>
+            <a:rPr lang="en-US" dirty="0"/>
+            <a:t>Internal stakeholders and external auditors can inspect the process</a:t>
+          </a:r>
+        </a:p>
+      </dgm:t>
+    </dgm:pt>
+    <dgm:pt modelId="{FD593C92-F4FF-45EA-A1B0-AE905AE945AB}" type="parTrans" cxnId="{F27A363F-F141-4F0E-A2DE-2B332FFCBD92}">
+      <dgm:prSet/>
+      <dgm:spPr/>
+      <dgm:t>
+        <a:bodyPr/>
+        <a:lstStyle/>
+        <a:p>
+          <a:endParaRPr lang="en-US"/>
+        </a:p>
+      </dgm:t>
+    </dgm:pt>
+    <dgm:pt modelId="{412CA162-134F-4C0B-A8FE-E2AEC407B3E3}" type="sibTrans" cxnId="{F27A363F-F141-4F0E-A2DE-2B332FFCBD92}">
+      <dgm:prSet/>
+      <dgm:spPr/>
+      <dgm:t>
+        <a:bodyPr/>
+        <a:lstStyle/>
+        <a:p>
+          <a:endParaRPr lang="en-US"/>
+        </a:p>
+      </dgm:t>
+    </dgm:pt>
+    <dgm:pt modelId="{4F9D9E6B-4D29-4915-9B4C-EC1DAC724ED6}">
+      <dgm:prSet phldrT="[Text]"/>
+      <dgm:spPr/>
+      <dgm:t>
+        <a:bodyPr/>
+        <a:lstStyle/>
+        <a:p>
+          <a:r>
+            <a:rPr lang="en-US" dirty="0"/>
+            <a:t>Service Transparency</a:t>
+          </a:r>
+        </a:p>
+      </dgm:t>
+    </dgm:pt>
+    <dgm:pt modelId="{2C8D53A4-B96F-42C7-BD4B-802E7EA6E869}" type="parTrans" cxnId="{4DCEA1A2-1D9A-46DC-A2AE-4939EBA54272}">
+      <dgm:prSet/>
+      <dgm:spPr/>
+      <dgm:t>
+        <a:bodyPr/>
+        <a:lstStyle/>
+        <a:p>
+          <a:endParaRPr lang="en-US"/>
+        </a:p>
+      </dgm:t>
+    </dgm:pt>
+    <dgm:pt modelId="{712349AF-CF87-43D3-98B9-2CEDFEE3CC83}" type="sibTrans" cxnId="{4DCEA1A2-1D9A-46DC-A2AE-4939EBA54272}">
+      <dgm:prSet/>
+      <dgm:spPr/>
+      <dgm:t>
+        <a:bodyPr/>
+        <a:lstStyle/>
+        <a:p>
+          <a:endParaRPr lang="en-US"/>
+        </a:p>
+      </dgm:t>
+    </dgm:pt>
+    <dgm:pt modelId="{EE02B97B-978B-4BC5-9184-EF76F435B063}">
+      <dgm:prSet phldrT="[Text]"/>
+      <dgm:spPr/>
+      <dgm:t>
+        <a:bodyPr/>
+        <a:lstStyle/>
+        <a:p>
+          <a:r>
+            <a:rPr lang="en-US" dirty="0"/>
+            <a:t>Individuals can assess the data collection details and intent</a:t>
+          </a:r>
+        </a:p>
+      </dgm:t>
+    </dgm:pt>
+    <dgm:pt modelId="{C9C90AC6-F096-45EE-8424-C3F574871C99}" type="parTrans" cxnId="{5674C82B-E595-4CC1-85CE-BFBC60DB1B38}">
+      <dgm:prSet/>
+      <dgm:spPr/>
+      <dgm:t>
+        <a:bodyPr/>
+        <a:lstStyle/>
+        <a:p>
+          <a:endParaRPr lang="en-US"/>
+        </a:p>
+      </dgm:t>
+    </dgm:pt>
+    <dgm:pt modelId="{FCE0B2B8-FB7B-44FD-B256-3750EA47D82F}" type="sibTrans" cxnId="{5674C82B-E595-4CC1-85CE-BFBC60DB1B38}">
+      <dgm:prSet/>
+      <dgm:spPr/>
+      <dgm:t>
+        <a:bodyPr/>
+        <a:lstStyle/>
+        <a:p>
+          <a:endParaRPr lang="en-US"/>
+        </a:p>
+      </dgm:t>
+    </dgm:pt>
+    <dgm:pt modelId="{55B4943B-942F-4CB8-9FB9-4434D5AECFA1}">
+      <dgm:prSet phldrT="[Text]"/>
+      <dgm:spPr/>
+      <dgm:t>
+        <a:bodyPr/>
+        <a:lstStyle/>
+        <a:p>
+          <a:r>
+            <a:rPr lang="en-US" dirty="0"/>
+            <a:t>Remediation Strategies</a:t>
+          </a:r>
+        </a:p>
+      </dgm:t>
+    </dgm:pt>
+    <dgm:pt modelId="{11D12E44-E035-4F30-BABC-913F0A3D62EE}" type="parTrans" cxnId="{8491C16A-A18B-46DA-BA16-C70CB875F47F}">
+      <dgm:prSet/>
+      <dgm:spPr/>
+      <dgm:t>
+        <a:bodyPr/>
+        <a:lstStyle/>
+        <a:p>
+          <a:endParaRPr lang="en-US"/>
+        </a:p>
+      </dgm:t>
+    </dgm:pt>
+    <dgm:pt modelId="{543D1733-9AD0-4755-9B5F-628C01896200}" type="sibTrans" cxnId="{8491C16A-A18B-46DA-BA16-C70CB875F47F}">
+      <dgm:prSet/>
+      <dgm:spPr/>
+      <dgm:t>
+        <a:bodyPr/>
+        <a:lstStyle/>
+        <a:p>
+          <a:endParaRPr lang="en-US"/>
+        </a:p>
+      </dgm:t>
+    </dgm:pt>
+    <dgm:pt modelId="{6112FEE5-51DB-44FD-BB61-655B80722FD4}">
+      <dgm:prSet phldrT="[Text]"/>
+      <dgm:spPr/>
+      <dgm:t>
+        <a:bodyPr/>
+        <a:lstStyle/>
+        <a:p>
+          <a:r>
+            <a:rPr lang="en-US" dirty="0"/>
+            <a:t>Policy violations can be corrected through repeatable processes</a:t>
+          </a:r>
+        </a:p>
+      </dgm:t>
+    </dgm:pt>
+    <dgm:pt modelId="{37C4F4DA-9F80-469B-B0E4-801420C9A072}" type="parTrans" cxnId="{3436EDE1-342E-48CB-A6D5-FFFD065ED632}">
+      <dgm:prSet/>
+      <dgm:spPr/>
+      <dgm:t>
+        <a:bodyPr/>
+        <a:lstStyle/>
+        <a:p>
+          <a:endParaRPr lang="en-US"/>
+        </a:p>
+      </dgm:t>
+    </dgm:pt>
+    <dgm:pt modelId="{FA47833F-3328-4F2E-963E-B62DCFD9DCE7}" type="sibTrans" cxnId="{3436EDE1-342E-48CB-A6D5-FFFD065ED632}">
+      <dgm:prSet/>
+      <dgm:spPr/>
+      <dgm:t>
+        <a:bodyPr/>
+        <a:lstStyle/>
+        <a:p>
+          <a:endParaRPr lang="en-US"/>
+        </a:p>
+      </dgm:t>
+    </dgm:pt>
+    <dgm:pt modelId="{8DC50751-9387-4AD8-A3F9-193217B51401}" type="pres">
+      <dgm:prSet presAssocID="{3BE6FF09-EABF-4C16-9558-7E059F40C406}" presName="Name0" presStyleCnt="0">
+        <dgm:presLayoutVars>
+          <dgm:dir/>
+          <dgm:animLvl val="lvl"/>
+          <dgm:resizeHandles val="exact"/>
+        </dgm:presLayoutVars>
+      </dgm:prSet>
+      <dgm:spPr/>
+    </dgm:pt>
+    <dgm:pt modelId="{CC1EDDCC-FE56-4BC4-9F17-3090CAFFED16}" type="pres">
+      <dgm:prSet presAssocID="{9E419809-FD4E-488D-A4E8-3A0CD0093CD5}" presName="linNode" presStyleCnt="0"/>
+      <dgm:spPr/>
+    </dgm:pt>
+    <dgm:pt modelId="{07C22115-B938-43C4-B6E7-E88493FD6F3B}" type="pres">
+      <dgm:prSet presAssocID="{9E419809-FD4E-488D-A4E8-3A0CD0093CD5}" presName="parentText" presStyleLbl="alignNode1" presStyleIdx="0" presStyleCnt="5">
+        <dgm:presLayoutVars>
+          <dgm:chMax val="1"/>
+          <dgm:bulletEnabled/>
+        </dgm:presLayoutVars>
+      </dgm:prSet>
+      <dgm:spPr/>
+    </dgm:pt>
+    <dgm:pt modelId="{069FBACB-01DE-4E0B-8996-3E7D73CA815C}" type="pres">
+      <dgm:prSet presAssocID="{9E419809-FD4E-488D-A4E8-3A0CD0093CD5}" presName="descendantText" presStyleLbl="alignAccFollowNode1" presStyleIdx="0" presStyleCnt="5">
+        <dgm:presLayoutVars>
+          <dgm:bulletEnabled/>
+        </dgm:presLayoutVars>
+      </dgm:prSet>
+      <dgm:spPr/>
+    </dgm:pt>
+    <dgm:pt modelId="{B62E4D12-DEF1-41B0-A9EC-6DA55866EE0A}" type="pres">
+      <dgm:prSet presAssocID="{503A7C2B-E493-434D-899E-9EFECFD1985F}" presName="sp" presStyleCnt="0"/>
+      <dgm:spPr/>
+    </dgm:pt>
+    <dgm:pt modelId="{F8319BA1-7A80-4294-A78B-0346B7E1AE13}" type="pres">
+      <dgm:prSet presAssocID="{E3E27CDD-0D61-4E0B-B9CB-7B0A52A84E80}" presName="linNode" presStyleCnt="0"/>
+      <dgm:spPr/>
+    </dgm:pt>
+    <dgm:pt modelId="{2A8487B3-CD65-48C3-ACAC-7A340E671416}" type="pres">
+      <dgm:prSet presAssocID="{E3E27CDD-0D61-4E0B-B9CB-7B0A52A84E80}" presName="parentText" presStyleLbl="alignNode1" presStyleIdx="1" presStyleCnt="5">
+        <dgm:presLayoutVars>
+          <dgm:chMax val="1"/>
+          <dgm:bulletEnabled/>
+        </dgm:presLayoutVars>
+      </dgm:prSet>
+      <dgm:spPr/>
+    </dgm:pt>
+    <dgm:pt modelId="{E51C5EA6-1551-4B24-A3D2-6254CD6C15B6}" type="pres">
+      <dgm:prSet presAssocID="{E3E27CDD-0D61-4E0B-B9CB-7B0A52A84E80}" presName="descendantText" presStyleLbl="alignAccFollowNode1" presStyleIdx="1" presStyleCnt="5">
+        <dgm:presLayoutVars>
+          <dgm:bulletEnabled/>
+        </dgm:presLayoutVars>
+      </dgm:prSet>
+      <dgm:spPr/>
+    </dgm:pt>
+    <dgm:pt modelId="{78BE98FA-06D9-4FFD-9594-62E9FA64B4EC}" type="pres">
+      <dgm:prSet presAssocID="{C3BB0946-6CEA-430F-BA1E-F2E7927DFC32}" presName="sp" presStyleCnt="0"/>
+      <dgm:spPr/>
+    </dgm:pt>
+    <dgm:pt modelId="{4960D30E-FA5D-4239-8F35-442C1016AB6E}" type="pres">
+      <dgm:prSet presAssocID="{BCE3903C-7412-491E-807C-E65DCBC085C4}" presName="linNode" presStyleCnt="0"/>
+      <dgm:spPr/>
+    </dgm:pt>
+    <dgm:pt modelId="{11515080-190C-4AA1-8300-D3158C2185B3}" type="pres">
+      <dgm:prSet presAssocID="{BCE3903C-7412-491E-807C-E65DCBC085C4}" presName="parentText" presStyleLbl="alignNode1" presStyleIdx="2" presStyleCnt="5">
+        <dgm:presLayoutVars>
+          <dgm:chMax val="1"/>
+          <dgm:bulletEnabled/>
+        </dgm:presLayoutVars>
+      </dgm:prSet>
+      <dgm:spPr/>
+    </dgm:pt>
+    <dgm:pt modelId="{0BC356FE-D938-445D-9E6A-7300FD518E6C}" type="pres">
+      <dgm:prSet presAssocID="{BCE3903C-7412-491E-807C-E65DCBC085C4}" presName="descendantText" presStyleLbl="alignAccFollowNode1" presStyleIdx="2" presStyleCnt="5">
+        <dgm:presLayoutVars>
+          <dgm:bulletEnabled/>
+        </dgm:presLayoutVars>
+      </dgm:prSet>
+      <dgm:spPr/>
+    </dgm:pt>
+    <dgm:pt modelId="{1C16FA8C-ED07-445B-A7D4-04D63D4CEA86}" type="pres">
+      <dgm:prSet presAssocID="{021B22E2-5526-4EED-BA96-0403AB932DCB}" presName="sp" presStyleCnt="0"/>
+      <dgm:spPr/>
+    </dgm:pt>
+    <dgm:pt modelId="{26E40945-8776-4CED-AE51-E83F7042AE8E}" type="pres">
+      <dgm:prSet presAssocID="{4F9D9E6B-4D29-4915-9B4C-EC1DAC724ED6}" presName="linNode" presStyleCnt="0"/>
+      <dgm:spPr/>
+    </dgm:pt>
+    <dgm:pt modelId="{7034B2B0-EFA3-4439-9129-3EFCADF5478B}" type="pres">
+      <dgm:prSet presAssocID="{4F9D9E6B-4D29-4915-9B4C-EC1DAC724ED6}" presName="parentText" presStyleLbl="alignNode1" presStyleIdx="3" presStyleCnt="5">
+        <dgm:presLayoutVars>
+          <dgm:chMax val="1"/>
+          <dgm:bulletEnabled/>
+        </dgm:presLayoutVars>
+      </dgm:prSet>
+      <dgm:spPr/>
+    </dgm:pt>
+    <dgm:pt modelId="{29589163-1E49-4DD9-8E4C-4063E2BFA184}" type="pres">
+      <dgm:prSet presAssocID="{4F9D9E6B-4D29-4915-9B4C-EC1DAC724ED6}" presName="descendantText" presStyleLbl="alignAccFollowNode1" presStyleIdx="3" presStyleCnt="5">
+        <dgm:presLayoutVars>
+          <dgm:bulletEnabled/>
+        </dgm:presLayoutVars>
+      </dgm:prSet>
+      <dgm:spPr/>
+    </dgm:pt>
+    <dgm:pt modelId="{737AD5B6-ED3B-4436-BFEE-01D162D9AE1C}" type="pres">
+      <dgm:prSet presAssocID="{712349AF-CF87-43D3-98B9-2CEDFEE3CC83}" presName="sp" presStyleCnt="0"/>
+      <dgm:spPr/>
+    </dgm:pt>
+    <dgm:pt modelId="{61E68731-5C58-4792-8E28-F9407382D908}" type="pres">
+      <dgm:prSet presAssocID="{55B4943B-942F-4CB8-9FB9-4434D5AECFA1}" presName="linNode" presStyleCnt="0"/>
+      <dgm:spPr/>
+    </dgm:pt>
+    <dgm:pt modelId="{EF8DC689-A7FD-4E77-A084-A4F68FD50705}" type="pres">
+      <dgm:prSet presAssocID="{55B4943B-942F-4CB8-9FB9-4434D5AECFA1}" presName="parentText" presStyleLbl="alignNode1" presStyleIdx="4" presStyleCnt="5">
+        <dgm:presLayoutVars>
+          <dgm:chMax val="1"/>
+          <dgm:bulletEnabled/>
+        </dgm:presLayoutVars>
+      </dgm:prSet>
+      <dgm:spPr/>
+    </dgm:pt>
+    <dgm:pt modelId="{37D62EA2-BABE-437A-B144-FC7787595AEA}" type="pres">
+      <dgm:prSet presAssocID="{55B4943B-942F-4CB8-9FB9-4434D5AECFA1}" presName="descendantText" presStyleLbl="alignAccFollowNode1" presStyleIdx="4" presStyleCnt="5">
+        <dgm:presLayoutVars>
+          <dgm:bulletEnabled/>
+        </dgm:presLayoutVars>
+      </dgm:prSet>
+      <dgm:spPr/>
+    </dgm:pt>
+  </dgm:ptLst>
+  <dgm:cxnLst>
+    <dgm:cxn modelId="{08773E02-86CB-4987-840C-06E3D2C426DE}" type="presOf" srcId="{E3E27CDD-0D61-4E0B-B9CB-7B0A52A84E80}" destId="{2A8487B3-CD65-48C3-ACAC-7A340E671416}" srcOrd="0" destOrd="0" presId="urn:microsoft.com/office/officeart/2016/7/layout/VerticalSolidActionList"/>
+    <dgm:cxn modelId="{D222741A-08CD-40DB-B4C6-7BF1F9DFEEA4}" type="presOf" srcId="{55B4943B-942F-4CB8-9FB9-4434D5AECFA1}" destId="{EF8DC689-A7FD-4E77-A084-A4F68FD50705}" srcOrd="0" destOrd="0" presId="urn:microsoft.com/office/officeart/2016/7/layout/VerticalSolidActionList"/>
+    <dgm:cxn modelId="{7210ED29-0489-4EED-8CAD-811CA9EDF76D}" srcId="{3BE6FF09-EABF-4C16-9558-7E059F40C406}" destId="{E3E27CDD-0D61-4E0B-B9CB-7B0A52A84E80}" srcOrd="1" destOrd="0" parTransId="{A9B8D65E-BE32-4460-8D4C-30A4743B23D4}" sibTransId="{C3BB0946-6CEA-430F-BA1E-F2E7927DFC32}"/>
+    <dgm:cxn modelId="{5674C82B-E595-4CC1-85CE-BFBC60DB1B38}" srcId="{4F9D9E6B-4D29-4915-9B4C-EC1DAC724ED6}" destId="{EE02B97B-978B-4BC5-9184-EF76F435B063}" srcOrd="0" destOrd="0" parTransId="{C9C90AC6-F096-45EE-8424-C3F574871C99}" sibTransId="{FCE0B2B8-FB7B-44FD-B256-3750EA47D82F}"/>
+    <dgm:cxn modelId="{F4FDEA2E-D038-4555-8DCD-F3D6788FFFBC}" srcId="{3BE6FF09-EABF-4C16-9558-7E059F40C406}" destId="{BCE3903C-7412-491E-807C-E65DCBC085C4}" srcOrd="2" destOrd="0" parTransId="{6ECE21BF-0FFB-4B91-9536-A99CD9E3E3E3}" sibTransId="{021B22E2-5526-4EED-BA96-0403AB932DCB}"/>
+    <dgm:cxn modelId="{CC9E6E34-30C5-471C-8AFD-CBD739BDD296}" type="presOf" srcId="{D4E63D79-57DB-45F2-8F7E-739250EFF645}" destId="{E51C5EA6-1551-4B24-A3D2-6254CD6C15B6}" srcOrd="0" destOrd="0" presId="urn:microsoft.com/office/officeart/2016/7/layout/VerticalSolidActionList"/>
+    <dgm:cxn modelId="{F27A363F-F141-4F0E-A2DE-2B332FFCBD92}" srcId="{BCE3903C-7412-491E-807C-E65DCBC085C4}" destId="{147EBC46-E773-4D8E-8DF3-5B028833D498}" srcOrd="0" destOrd="0" parTransId="{FD593C92-F4FF-45EA-A1B0-AE905AE945AB}" sibTransId="{412CA162-134F-4C0B-A8FE-E2AEC407B3E3}"/>
+    <dgm:cxn modelId="{0C15AB67-60DC-470B-B97D-3E58DB88A6EA}" type="presOf" srcId="{147EBC46-E773-4D8E-8DF3-5B028833D498}" destId="{0BC356FE-D938-445D-9E6A-7300FD518E6C}" srcOrd="0" destOrd="0" presId="urn:microsoft.com/office/officeart/2016/7/layout/VerticalSolidActionList"/>
+    <dgm:cxn modelId="{8C3AEE69-715B-4686-9BA9-A3525208D8D6}" srcId="{3BE6FF09-EABF-4C16-9558-7E059F40C406}" destId="{9E419809-FD4E-488D-A4E8-3A0CD0093CD5}" srcOrd="0" destOrd="0" parTransId="{2F034379-AECD-4E15-8908-C2D343CCA6B8}" sibTransId="{503A7C2B-E493-434D-899E-9EFECFD1985F}"/>
+    <dgm:cxn modelId="{8491C16A-A18B-46DA-BA16-C70CB875F47F}" srcId="{3BE6FF09-EABF-4C16-9558-7E059F40C406}" destId="{55B4943B-942F-4CB8-9FB9-4434D5AECFA1}" srcOrd="4" destOrd="0" parTransId="{11D12E44-E035-4F30-BABC-913F0A3D62EE}" sibTransId="{543D1733-9AD0-4755-9B5F-628C01896200}"/>
+    <dgm:cxn modelId="{A0F0E853-9F9F-447C-B73E-DA00E16BD573}" type="presOf" srcId="{9E419809-FD4E-488D-A4E8-3A0CD0093CD5}" destId="{07C22115-B938-43C4-B6E7-E88493FD6F3B}" srcOrd="0" destOrd="0" presId="urn:microsoft.com/office/officeart/2016/7/layout/VerticalSolidActionList"/>
+    <dgm:cxn modelId="{75ED4276-5905-496F-BFD1-77356ED5CB3B}" type="presOf" srcId="{BCE3903C-7412-491E-807C-E65DCBC085C4}" destId="{11515080-190C-4AA1-8300-D3158C2185B3}" srcOrd="0" destOrd="0" presId="urn:microsoft.com/office/officeart/2016/7/layout/VerticalSolidActionList"/>
+    <dgm:cxn modelId="{84C83A7C-40D3-4F26-9709-F5DA8745D36E}" type="presOf" srcId="{6112FEE5-51DB-44FD-BB61-655B80722FD4}" destId="{37D62EA2-BABE-437A-B144-FC7787595AEA}" srcOrd="0" destOrd="0" presId="urn:microsoft.com/office/officeart/2016/7/layout/VerticalSolidActionList"/>
+    <dgm:cxn modelId="{D8C6498E-BC1C-4935-8243-402F69A11FAB}" srcId="{E3E27CDD-0D61-4E0B-B9CB-7B0A52A84E80}" destId="{D4E63D79-57DB-45F2-8F7E-739250EFF645}" srcOrd="0" destOrd="0" parTransId="{EEB7A93F-1BE1-40D9-9741-D90170A25DCE}" sibTransId="{99A80C27-785D-45E5-A177-CDA0182BC627}"/>
+    <dgm:cxn modelId="{4DCEA1A2-1D9A-46DC-A2AE-4939EBA54272}" srcId="{3BE6FF09-EABF-4C16-9558-7E059F40C406}" destId="{4F9D9E6B-4D29-4915-9B4C-EC1DAC724ED6}" srcOrd="3" destOrd="0" parTransId="{2C8D53A4-B96F-42C7-BD4B-802E7EA6E869}" sibTransId="{712349AF-CF87-43D3-98B9-2CEDFEE3CC83}"/>
+    <dgm:cxn modelId="{620175D8-8889-4666-B019-258744547497}" type="presOf" srcId="{EE02B97B-978B-4BC5-9184-EF76F435B063}" destId="{29589163-1E49-4DD9-8E4C-4063E2BFA184}" srcOrd="0" destOrd="0" presId="urn:microsoft.com/office/officeart/2016/7/layout/VerticalSolidActionList"/>
+    <dgm:cxn modelId="{272384DE-F85E-4863-BEAA-3E0D129DCAA6}" type="presOf" srcId="{6686298E-78CC-4722-A9EA-377506B828E5}" destId="{069FBACB-01DE-4E0B-8996-3E7D73CA815C}" srcOrd="0" destOrd="0" presId="urn:microsoft.com/office/officeart/2016/7/layout/VerticalSolidActionList"/>
+    <dgm:cxn modelId="{0E2183DF-EAB9-43B4-99CE-2F9905D93CF8}" srcId="{9E419809-FD4E-488D-A4E8-3A0CD0093CD5}" destId="{6686298E-78CC-4722-A9EA-377506B828E5}" srcOrd="0" destOrd="0" parTransId="{C28659BC-5FC3-49C8-8B09-EFA5FC2D483D}" sibTransId="{A44FC249-F36E-42BD-9976-2AC755C506CE}"/>
+    <dgm:cxn modelId="{3436EDE1-342E-48CB-A6D5-FFFD065ED632}" srcId="{55B4943B-942F-4CB8-9FB9-4434D5AECFA1}" destId="{6112FEE5-51DB-44FD-BB61-655B80722FD4}" srcOrd="0" destOrd="0" parTransId="{37C4F4DA-9F80-469B-B0E4-801420C9A072}" sibTransId="{FA47833F-3328-4F2E-963E-B62DCFD9DCE7}"/>
+    <dgm:cxn modelId="{7EE93DE7-BCA6-4964-99B2-2372DB892A03}" type="presOf" srcId="{4F9D9E6B-4D29-4915-9B4C-EC1DAC724ED6}" destId="{7034B2B0-EFA3-4439-9129-3EFCADF5478B}" srcOrd="0" destOrd="0" presId="urn:microsoft.com/office/officeart/2016/7/layout/VerticalSolidActionList"/>
+    <dgm:cxn modelId="{283C03F5-A28B-4749-BA74-11F3496CBB30}" type="presOf" srcId="{3BE6FF09-EABF-4C16-9558-7E059F40C406}" destId="{8DC50751-9387-4AD8-A3F9-193217B51401}" srcOrd="0" destOrd="0" presId="urn:microsoft.com/office/officeart/2016/7/layout/VerticalSolidActionList"/>
+    <dgm:cxn modelId="{A04AC8BF-7D71-4568-906C-B3FFF0A5633B}" type="presParOf" srcId="{8DC50751-9387-4AD8-A3F9-193217B51401}" destId="{CC1EDDCC-FE56-4BC4-9F17-3090CAFFED16}" srcOrd="0" destOrd="0" presId="urn:microsoft.com/office/officeart/2016/7/layout/VerticalSolidActionList"/>
+    <dgm:cxn modelId="{443333D9-E1B9-444B-A6C7-FEF4438D9E2E}" type="presParOf" srcId="{CC1EDDCC-FE56-4BC4-9F17-3090CAFFED16}" destId="{07C22115-B938-43C4-B6E7-E88493FD6F3B}" srcOrd="0" destOrd="0" presId="urn:microsoft.com/office/officeart/2016/7/layout/VerticalSolidActionList"/>
+    <dgm:cxn modelId="{757FF84C-428C-42B8-8E15-FD21A2B352AC}" type="presParOf" srcId="{CC1EDDCC-FE56-4BC4-9F17-3090CAFFED16}" destId="{069FBACB-01DE-4E0B-8996-3E7D73CA815C}" srcOrd="1" destOrd="0" presId="urn:microsoft.com/office/officeart/2016/7/layout/VerticalSolidActionList"/>
+    <dgm:cxn modelId="{E1AA7F05-4DC6-4C73-9BA3-5C5C0BF02D7D}" type="presParOf" srcId="{8DC50751-9387-4AD8-A3F9-193217B51401}" destId="{B62E4D12-DEF1-41B0-A9EC-6DA55866EE0A}" srcOrd="1" destOrd="0" presId="urn:microsoft.com/office/officeart/2016/7/layout/VerticalSolidActionList"/>
+    <dgm:cxn modelId="{D8EAE370-3AA2-4367-8D3A-21F6FC196E3F}" type="presParOf" srcId="{8DC50751-9387-4AD8-A3F9-193217B51401}" destId="{F8319BA1-7A80-4294-A78B-0346B7E1AE13}" srcOrd="2" destOrd="0" presId="urn:microsoft.com/office/officeart/2016/7/layout/VerticalSolidActionList"/>
+    <dgm:cxn modelId="{543117E7-A907-4818-BB56-6DA2F338854C}" type="presParOf" srcId="{F8319BA1-7A80-4294-A78B-0346B7E1AE13}" destId="{2A8487B3-CD65-48C3-ACAC-7A340E671416}" srcOrd="0" destOrd="0" presId="urn:microsoft.com/office/officeart/2016/7/layout/VerticalSolidActionList"/>
+    <dgm:cxn modelId="{E4951829-AC0C-4713-B4C5-3FB51AC65588}" type="presParOf" srcId="{F8319BA1-7A80-4294-A78B-0346B7E1AE13}" destId="{E51C5EA6-1551-4B24-A3D2-6254CD6C15B6}" srcOrd="1" destOrd="0" presId="urn:microsoft.com/office/officeart/2016/7/layout/VerticalSolidActionList"/>
+    <dgm:cxn modelId="{8F49852D-5EF7-4530-A55D-DCB988AF4682}" type="presParOf" srcId="{8DC50751-9387-4AD8-A3F9-193217B51401}" destId="{78BE98FA-06D9-4FFD-9594-62E9FA64B4EC}" srcOrd="3" destOrd="0" presId="urn:microsoft.com/office/officeart/2016/7/layout/VerticalSolidActionList"/>
+    <dgm:cxn modelId="{565B97C3-BDE3-4FD1-93AF-5819C3C5323D}" type="presParOf" srcId="{8DC50751-9387-4AD8-A3F9-193217B51401}" destId="{4960D30E-FA5D-4239-8F35-442C1016AB6E}" srcOrd="4" destOrd="0" presId="urn:microsoft.com/office/officeart/2016/7/layout/VerticalSolidActionList"/>
+    <dgm:cxn modelId="{41AC69CC-07B1-41FF-970E-9B356420BBAE}" type="presParOf" srcId="{4960D30E-FA5D-4239-8F35-442C1016AB6E}" destId="{11515080-190C-4AA1-8300-D3158C2185B3}" srcOrd="0" destOrd="0" presId="urn:microsoft.com/office/officeart/2016/7/layout/VerticalSolidActionList"/>
+    <dgm:cxn modelId="{DFC3B9BE-EA91-432F-9BDF-9DE80426895B}" type="presParOf" srcId="{4960D30E-FA5D-4239-8F35-442C1016AB6E}" destId="{0BC356FE-D938-445D-9E6A-7300FD518E6C}" srcOrd="1" destOrd="0" presId="urn:microsoft.com/office/officeart/2016/7/layout/VerticalSolidActionList"/>
+    <dgm:cxn modelId="{4338323F-72DB-44DE-88B6-3445AB3AA95B}" type="presParOf" srcId="{8DC50751-9387-4AD8-A3F9-193217B51401}" destId="{1C16FA8C-ED07-445B-A7D4-04D63D4CEA86}" srcOrd="5" destOrd="0" presId="urn:microsoft.com/office/officeart/2016/7/layout/VerticalSolidActionList"/>
+    <dgm:cxn modelId="{5C5CDD2D-A35E-496F-811E-148973DF7C37}" type="presParOf" srcId="{8DC50751-9387-4AD8-A3F9-193217B51401}" destId="{26E40945-8776-4CED-AE51-E83F7042AE8E}" srcOrd="6" destOrd="0" presId="urn:microsoft.com/office/officeart/2016/7/layout/VerticalSolidActionList"/>
+    <dgm:cxn modelId="{E4E63D94-9815-408F-A3AE-7E2DFEE1AE0E}" type="presParOf" srcId="{26E40945-8776-4CED-AE51-E83F7042AE8E}" destId="{7034B2B0-EFA3-4439-9129-3EFCADF5478B}" srcOrd="0" destOrd="0" presId="urn:microsoft.com/office/officeart/2016/7/layout/VerticalSolidActionList"/>
+    <dgm:cxn modelId="{0AC2982E-0EA0-47B7-9850-74EFD05D5C47}" type="presParOf" srcId="{26E40945-8776-4CED-AE51-E83F7042AE8E}" destId="{29589163-1E49-4DD9-8E4C-4063E2BFA184}" srcOrd="1" destOrd="0" presId="urn:microsoft.com/office/officeart/2016/7/layout/VerticalSolidActionList"/>
+    <dgm:cxn modelId="{4E32DD18-3C47-4087-9787-41F619012A7B}" type="presParOf" srcId="{8DC50751-9387-4AD8-A3F9-193217B51401}" destId="{737AD5B6-ED3B-4436-BFEE-01D162D9AE1C}" srcOrd="7" destOrd="0" presId="urn:microsoft.com/office/officeart/2016/7/layout/VerticalSolidActionList"/>
+    <dgm:cxn modelId="{E67B4453-AD5D-49DB-A6BA-59060DB105D1}" type="presParOf" srcId="{8DC50751-9387-4AD8-A3F9-193217B51401}" destId="{61E68731-5C58-4792-8E28-F9407382D908}" srcOrd="8" destOrd="0" presId="urn:microsoft.com/office/officeart/2016/7/layout/VerticalSolidActionList"/>
+    <dgm:cxn modelId="{0E16DE51-F552-42A3-94AF-14913E640CFB}" type="presParOf" srcId="{61E68731-5C58-4792-8E28-F9407382D908}" destId="{EF8DC689-A7FD-4E77-A084-A4F68FD50705}" srcOrd="0" destOrd="0" presId="urn:microsoft.com/office/officeart/2016/7/layout/VerticalSolidActionList"/>
+    <dgm:cxn modelId="{68F6A1AF-BB2F-4F8C-9D8D-F84636B9D920}" type="presParOf" srcId="{61E68731-5C58-4792-8E28-F9407382D908}" destId="{37D62EA2-BABE-437A-B144-FC7787595AEA}" srcOrd="1" destOrd="0" presId="urn:microsoft.com/office/officeart/2016/7/layout/VerticalSolidActionList"/>
   </dgm:cxnLst>
   <dgm:bg/>
   <dgm:whole/>
@@ -6509,6 +7818,913 @@
 </dsp:drawing>
 </file>
 
+<file path=ppt/diagrams/drawing4.xml><?xml version="1.0" encoding="utf-8"?>
+<dsp:drawing xmlns:dgm="http://schemas.openxmlformats.org/drawingml/2006/diagram" xmlns:dsp="http://schemas.microsoft.com/office/drawing/2008/diagram" xmlns:a="http://schemas.openxmlformats.org/drawingml/2006/main">
+  <dsp:spTree>
+    <dsp:nvGrpSpPr>
+      <dsp:cNvPr id="0" name=""/>
+      <dsp:cNvGrpSpPr/>
+    </dsp:nvGrpSpPr>
+    <dsp:grpSpPr/>
+    <dsp:sp modelId="{069FBACB-01DE-4E0B-8996-3E7D73CA815C}">
+      <dsp:nvSpPr>
+        <dsp:cNvPr id="0" name=""/>
+        <dsp:cNvSpPr/>
+      </dsp:nvSpPr>
+      <dsp:spPr>
+        <a:xfrm>
+          <a:off x="2053157" y="1287"/>
+          <a:ext cx="8212628" cy="564775"/>
+        </a:xfrm>
+        <a:prstGeom prst="rect">
+          <a:avLst/>
+        </a:prstGeom>
+        <a:solidFill>
+          <a:schemeClr val="dk2">
+            <a:alpha val="90000"/>
+            <a:tint val="40000"/>
+            <a:hueOff val="0"/>
+            <a:satOff val="0"/>
+            <a:lumOff val="0"/>
+            <a:alphaOff val="0"/>
+          </a:schemeClr>
+        </a:solidFill>
+        <a:ln w="9525" cap="rnd" cmpd="sng" algn="ctr">
+          <a:solidFill>
+            <a:schemeClr val="dk2">
+              <a:alpha val="90000"/>
+              <a:tint val="40000"/>
+              <a:hueOff val="0"/>
+              <a:satOff val="0"/>
+              <a:lumOff val="0"/>
+              <a:alphaOff val="0"/>
+            </a:schemeClr>
+          </a:solidFill>
+          <a:prstDash val="solid"/>
+        </a:ln>
+        <a:effectLst/>
+      </dsp:spPr>
+      <dsp:style>
+        <a:lnRef idx="1">
+          <a:scrgbClr r="0" g="0" b="0"/>
+        </a:lnRef>
+        <a:fillRef idx="1">
+          <a:scrgbClr r="0" g="0" b="0"/>
+        </a:fillRef>
+        <a:effectRef idx="0">
+          <a:scrgbClr r="0" g="0" b="0"/>
+        </a:effectRef>
+        <a:fontRef idx="minor"/>
+      </dsp:style>
+      <dsp:txBody>
+        <a:bodyPr spcFirstLastPara="0" vert="horz" wrap="square" lIns="159348" tIns="143453" rIns="159348" bIns="143453" numCol="1" spcCol="1270" anchor="ctr" anchorCtr="0">
+          <a:noAutofit/>
+        </a:bodyPr>
+        <a:lstStyle/>
+        <a:p>
+          <a:pPr marL="0" lvl="0" indent="0" algn="l" defTabSz="577850">
+            <a:lnSpc>
+              <a:spcPct val="90000"/>
+            </a:lnSpc>
+            <a:spcBef>
+              <a:spcPct val="0"/>
+            </a:spcBef>
+            <a:spcAft>
+              <a:spcPct val="35000"/>
+            </a:spcAft>
+            <a:buNone/>
+          </a:pPr>
+          <a:r>
+            <a:rPr lang="en-US" sz="1300" kern="1200" dirty="0"/>
+            <a:t>Executive sponsorship and accountability</a:t>
+          </a:r>
+        </a:p>
+      </dsp:txBody>
+      <dsp:txXfrm>
+        <a:off x="2053157" y="1287"/>
+        <a:ext cx="8212628" cy="564775"/>
+      </dsp:txXfrm>
+    </dsp:sp>
+    <dsp:sp modelId="{07C22115-B938-43C4-B6E7-E88493FD6F3B}">
+      <dsp:nvSpPr>
+        <dsp:cNvPr id="0" name=""/>
+        <dsp:cNvSpPr/>
+      </dsp:nvSpPr>
+      <dsp:spPr>
+        <a:xfrm>
+          <a:off x="0" y="1287"/>
+          <a:ext cx="2053157" cy="564775"/>
+        </a:xfrm>
+        <a:prstGeom prst="rect">
+          <a:avLst/>
+        </a:prstGeom>
+        <a:gradFill rotWithShape="0">
+          <a:gsLst>
+            <a:gs pos="0">
+              <a:schemeClr val="dk2">
+                <a:hueOff val="0"/>
+                <a:satOff val="0"/>
+                <a:lumOff val="0"/>
+                <a:alphaOff val="0"/>
+                <a:tint val="96000"/>
+                <a:lumMod val="104000"/>
+              </a:schemeClr>
+            </a:gs>
+            <a:gs pos="100000">
+              <a:schemeClr val="dk2">
+                <a:hueOff val="0"/>
+                <a:satOff val="0"/>
+                <a:lumOff val="0"/>
+                <a:alphaOff val="0"/>
+                <a:shade val="98000"/>
+                <a:lumMod val="94000"/>
+              </a:schemeClr>
+            </a:gs>
+          </a:gsLst>
+          <a:lin ang="5400000" scaled="0"/>
+        </a:gradFill>
+        <a:ln w="9525" cap="rnd" cmpd="sng" algn="ctr">
+          <a:solidFill>
+            <a:schemeClr val="dk2">
+              <a:hueOff val="0"/>
+              <a:satOff val="0"/>
+              <a:lumOff val="0"/>
+              <a:alphaOff val="0"/>
+            </a:schemeClr>
+          </a:solidFill>
+          <a:prstDash val="solid"/>
+        </a:ln>
+        <a:effectLst>
+          <a:outerShdw blurRad="38100" dist="25400" dir="5400000" rotWithShape="0">
+            <a:srgbClr val="000000">
+              <a:alpha val="25000"/>
+            </a:srgbClr>
+          </a:outerShdw>
+        </a:effectLst>
+      </dsp:spPr>
+      <dsp:style>
+        <a:lnRef idx="1">
+          <a:scrgbClr r="0" g="0" b="0"/>
+        </a:lnRef>
+        <a:fillRef idx="3">
+          <a:scrgbClr r="0" g="0" b="0"/>
+        </a:fillRef>
+        <a:effectRef idx="2">
+          <a:scrgbClr r="0" g="0" b="0"/>
+        </a:effectRef>
+        <a:fontRef idx="minor">
+          <a:schemeClr val="lt1"/>
+        </a:fontRef>
+      </dsp:style>
+      <dsp:txBody>
+        <a:bodyPr spcFirstLastPara="0" vert="horz" wrap="square" lIns="108646" tIns="55787" rIns="108646" bIns="55787" numCol="1" spcCol="1270" anchor="ctr" anchorCtr="0">
+          <a:noAutofit/>
+        </a:bodyPr>
+        <a:lstStyle/>
+        <a:p>
+          <a:pPr marL="0" lvl="0" indent="0" algn="ctr" defTabSz="711200">
+            <a:lnSpc>
+              <a:spcPct val="90000"/>
+            </a:lnSpc>
+            <a:spcBef>
+              <a:spcPct val="0"/>
+            </a:spcBef>
+            <a:spcAft>
+              <a:spcPct val="35000"/>
+            </a:spcAft>
+            <a:buNone/>
+          </a:pPr>
+          <a:r>
+            <a:rPr lang="en-US" sz="1600" kern="1200" dirty="0"/>
+            <a:t>Organizational Commitment</a:t>
+          </a:r>
+        </a:p>
+      </dsp:txBody>
+      <dsp:txXfrm>
+        <a:off x="0" y="1287"/>
+        <a:ext cx="2053157" cy="564775"/>
+      </dsp:txXfrm>
+    </dsp:sp>
+    <dsp:sp modelId="{E51C5EA6-1551-4B24-A3D2-6254CD6C15B6}">
+      <dsp:nvSpPr>
+        <dsp:cNvPr id="0" name=""/>
+        <dsp:cNvSpPr/>
+      </dsp:nvSpPr>
+      <dsp:spPr>
+        <a:xfrm>
+          <a:off x="2053157" y="599948"/>
+          <a:ext cx="8212628" cy="564775"/>
+        </a:xfrm>
+        <a:prstGeom prst="rect">
+          <a:avLst/>
+        </a:prstGeom>
+        <a:solidFill>
+          <a:schemeClr val="dk2">
+            <a:alpha val="90000"/>
+            <a:tint val="40000"/>
+            <a:hueOff val="0"/>
+            <a:satOff val="0"/>
+            <a:lumOff val="0"/>
+            <a:alphaOff val="0"/>
+          </a:schemeClr>
+        </a:solidFill>
+        <a:ln w="9525" cap="rnd" cmpd="sng" algn="ctr">
+          <a:solidFill>
+            <a:schemeClr val="dk2">
+              <a:alpha val="90000"/>
+              <a:tint val="40000"/>
+              <a:hueOff val="0"/>
+              <a:satOff val="0"/>
+              <a:lumOff val="0"/>
+              <a:alphaOff val="0"/>
+            </a:schemeClr>
+          </a:solidFill>
+          <a:prstDash val="solid"/>
+        </a:ln>
+        <a:effectLst/>
+      </dsp:spPr>
+      <dsp:style>
+        <a:lnRef idx="1">
+          <a:scrgbClr r="0" g="0" b="0"/>
+        </a:lnRef>
+        <a:fillRef idx="1">
+          <a:scrgbClr r="0" g="0" b="0"/>
+        </a:fillRef>
+        <a:effectRef idx="0">
+          <a:scrgbClr r="0" g="0" b="0"/>
+        </a:effectRef>
+        <a:fontRef idx="minor"/>
+      </dsp:style>
+      <dsp:txBody>
+        <a:bodyPr spcFirstLastPara="0" vert="horz" wrap="square" lIns="159348" tIns="143453" rIns="159348" bIns="143453" numCol="1" spcCol="1270" anchor="ctr" anchorCtr="0">
+          <a:noAutofit/>
+        </a:bodyPr>
+        <a:lstStyle/>
+        <a:p>
+          <a:pPr marL="0" lvl="0" indent="0" algn="l" defTabSz="577850">
+            <a:lnSpc>
+              <a:spcPct val="90000"/>
+            </a:lnSpc>
+            <a:spcBef>
+              <a:spcPct val="0"/>
+            </a:spcBef>
+            <a:spcAft>
+              <a:spcPct val="35000"/>
+            </a:spcAft>
+            <a:buNone/>
+          </a:pPr>
+          <a:r>
+            <a:rPr lang="en-US" sz="1300" kern="1200" dirty="0"/>
+            <a:t>People, Processes, and Products</a:t>
+          </a:r>
+        </a:p>
+      </dsp:txBody>
+      <dsp:txXfrm>
+        <a:off x="2053157" y="599948"/>
+        <a:ext cx="8212628" cy="564775"/>
+      </dsp:txXfrm>
+    </dsp:sp>
+    <dsp:sp modelId="{2A8487B3-CD65-48C3-ACAC-7A340E671416}">
+      <dsp:nvSpPr>
+        <dsp:cNvPr id="0" name=""/>
+        <dsp:cNvSpPr/>
+      </dsp:nvSpPr>
+      <dsp:spPr>
+        <a:xfrm>
+          <a:off x="0" y="599948"/>
+          <a:ext cx="2053157" cy="564775"/>
+        </a:xfrm>
+        <a:prstGeom prst="rect">
+          <a:avLst/>
+        </a:prstGeom>
+        <a:gradFill rotWithShape="0">
+          <a:gsLst>
+            <a:gs pos="0">
+              <a:schemeClr val="dk2">
+                <a:hueOff val="0"/>
+                <a:satOff val="0"/>
+                <a:lumOff val="0"/>
+                <a:alphaOff val="0"/>
+                <a:tint val="96000"/>
+                <a:lumMod val="104000"/>
+              </a:schemeClr>
+            </a:gs>
+            <a:gs pos="100000">
+              <a:schemeClr val="dk2">
+                <a:hueOff val="0"/>
+                <a:satOff val="0"/>
+                <a:lumOff val="0"/>
+                <a:alphaOff val="0"/>
+                <a:shade val="98000"/>
+                <a:lumMod val="94000"/>
+              </a:schemeClr>
+            </a:gs>
+          </a:gsLst>
+          <a:lin ang="5400000" scaled="0"/>
+        </a:gradFill>
+        <a:ln w="9525" cap="rnd" cmpd="sng" algn="ctr">
+          <a:solidFill>
+            <a:schemeClr val="dk2">
+              <a:hueOff val="0"/>
+              <a:satOff val="0"/>
+              <a:lumOff val="0"/>
+              <a:alphaOff val="0"/>
+            </a:schemeClr>
+          </a:solidFill>
+          <a:prstDash val="solid"/>
+        </a:ln>
+        <a:effectLst>
+          <a:outerShdw blurRad="38100" dist="25400" dir="5400000" rotWithShape="0">
+            <a:srgbClr val="000000">
+              <a:alpha val="25000"/>
+            </a:srgbClr>
+          </a:outerShdw>
+        </a:effectLst>
+      </dsp:spPr>
+      <dsp:style>
+        <a:lnRef idx="1">
+          <a:scrgbClr r="0" g="0" b="0"/>
+        </a:lnRef>
+        <a:fillRef idx="3">
+          <a:scrgbClr r="0" g="0" b="0"/>
+        </a:fillRef>
+        <a:effectRef idx="2">
+          <a:scrgbClr r="0" g="0" b="0"/>
+        </a:effectRef>
+        <a:fontRef idx="minor">
+          <a:schemeClr val="lt1"/>
+        </a:fontRef>
+      </dsp:style>
+      <dsp:txBody>
+        <a:bodyPr spcFirstLastPara="0" vert="horz" wrap="square" lIns="108646" tIns="55787" rIns="108646" bIns="55787" numCol="1" spcCol="1270" anchor="ctr" anchorCtr="0">
+          <a:noAutofit/>
+        </a:bodyPr>
+        <a:lstStyle/>
+        <a:p>
+          <a:pPr marL="0" lvl="0" indent="0" algn="ctr" defTabSz="711200">
+            <a:lnSpc>
+              <a:spcPct val="90000"/>
+            </a:lnSpc>
+            <a:spcBef>
+              <a:spcPct val="0"/>
+            </a:spcBef>
+            <a:spcAft>
+              <a:spcPct val="35000"/>
+            </a:spcAft>
+            <a:buNone/>
+          </a:pPr>
+          <a:r>
+            <a:rPr lang="en-US" sz="1600" kern="1200" dirty="0"/>
+            <a:t>Policy Enforcement</a:t>
+          </a:r>
+        </a:p>
+      </dsp:txBody>
+      <dsp:txXfrm>
+        <a:off x="0" y="599948"/>
+        <a:ext cx="2053157" cy="564775"/>
+      </dsp:txXfrm>
+    </dsp:sp>
+    <dsp:sp modelId="{0BC356FE-D938-445D-9E6A-7300FD518E6C}">
+      <dsp:nvSpPr>
+        <dsp:cNvPr id="0" name=""/>
+        <dsp:cNvSpPr/>
+      </dsp:nvSpPr>
+      <dsp:spPr>
+        <a:xfrm>
+          <a:off x="2053157" y="1198610"/>
+          <a:ext cx="8212628" cy="564775"/>
+        </a:xfrm>
+        <a:prstGeom prst="rect">
+          <a:avLst/>
+        </a:prstGeom>
+        <a:solidFill>
+          <a:schemeClr val="dk2">
+            <a:alpha val="90000"/>
+            <a:tint val="40000"/>
+            <a:hueOff val="0"/>
+            <a:satOff val="0"/>
+            <a:lumOff val="0"/>
+            <a:alphaOff val="0"/>
+          </a:schemeClr>
+        </a:solidFill>
+        <a:ln w="9525" cap="rnd" cmpd="sng" algn="ctr">
+          <a:solidFill>
+            <a:schemeClr val="dk2">
+              <a:alpha val="90000"/>
+              <a:tint val="40000"/>
+              <a:hueOff val="0"/>
+              <a:satOff val="0"/>
+              <a:lumOff val="0"/>
+              <a:alphaOff val="0"/>
+            </a:schemeClr>
+          </a:solidFill>
+          <a:prstDash val="solid"/>
+        </a:ln>
+        <a:effectLst/>
+      </dsp:spPr>
+      <dsp:style>
+        <a:lnRef idx="1">
+          <a:scrgbClr r="0" g="0" b="0"/>
+        </a:lnRef>
+        <a:fillRef idx="1">
+          <a:scrgbClr r="0" g="0" b="0"/>
+        </a:fillRef>
+        <a:effectRef idx="0">
+          <a:scrgbClr r="0" g="0" b="0"/>
+        </a:effectRef>
+        <a:fontRef idx="minor"/>
+      </dsp:style>
+      <dsp:txBody>
+        <a:bodyPr spcFirstLastPara="0" vert="horz" wrap="square" lIns="159348" tIns="143453" rIns="159348" bIns="143453" numCol="1" spcCol="1270" anchor="ctr" anchorCtr="0">
+          <a:noAutofit/>
+        </a:bodyPr>
+        <a:lstStyle/>
+        <a:p>
+          <a:pPr marL="0" lvl="0" indent="0" algn="l" defTabSz="577850">
+            <a:lnSpc>
+              <a:spcPct val="90000"/>
+            </a:lnSpc>
+            <a:spcBef>
+              <a:spcPct val="0"/>
+            </a:spcBef>
+            <a:spcAft>
+              <a:spcPct val="35000"/>
+            </a:spcAft>
+            <a:buNone/>
+          </a:pPr>
+          <a:r>
+            <a:rPr lang="en-US" sz="1300" kern="1200" dirty="0"/>
+            <a:t>Internal stakeholders and external auditors can inspect the process</a:t>
+          </a:r>
+        </a:p>
+      </dsp:txBody>
+      <dsp:txXfrm>
+        <a:off x="2053157" y="1198610"/>
+        <a:ext cx="8212628" cy="564775"/>
+      </dsp:txXfrm>
+    </dsp:sp>
+    <dsp:sp modelId="{11515080-190C-4AA1-8300-D3158C2185B3}">
+      <dsp:nvSpPr>
+        <dsp:cNvPr id="0" name=""/>
+        <dsp:cNvSpPr/>
+      </dsp:nvSpPr>
+      <dsp:spPr>
+        <a:xfrm>
+          <a:off x="0" y="1198610"/>
+          <a:ext cx="2053157" cy="564775"/>
+        </a:xfrm>
+        <a:prstGeom prst="rect">
+          <a:avLst/>
+        </a:prstGeom>
+        <a:gradFill rotWithShape="0">
+          <a:gsLst>
+            <a:gs pos="0">
+              <a:schemeClr val="dk2">
+                <a:hueOff val="0"/>
+                <a:satOff val="0"/>
+                <a:lumOff val="0"/>
+                <a:alphaOff val="0"/>
+                <a:tint val="96000"/>
+                <a:lumMod val="104000"/>
+              </a:schemeClr>
+            </a:gs>
+            <a:gs pos="100000">
+              <a:schemeClr val="dk2">
+                <a:hueOff val="0"/>
+                <a:satOff val="0"/>
+                <a:lumOff val="0"/>
+                <a:alphaOff val="0"/>
+                <a:shade val="98000"/>
+                <a:lumMod val="94000"/>
+              </a:schemeClr>
+            </a:gs>
+          </a:gsLst>
+          <a:lin ang="5400000" scaled="0"/>
+        </a:gradFill>
+        <a:ln w="9525" cap="rnd" cmpd="sng" algn="ctr">
+          <a:solidFill>
+            <a:schemeClr val="dk2">
+              <a:hueOff val="0"/>
+              <a:satOff val="0"/>
+              <a:lumOff val="0"/>
+              <a:alphaOff val="0"/>
+            </a:schemeClr>
+          </a:solidFill>
+          <a:prstDash val="solid"/>
+        </a:ln>
+        <a:effectLst>
+          <a:outerShdw blurRad="38100" dist="25400" dir="5400000" rotWithShape="0">
+            <a:srgbClr val="000000">
+              <a:alpha val="25000"/>
+            </a:srgbClr>
+          </a:outerShdw>
+        </a:effectLst>
+      </dsp:spPr>
+      <dsp:style>
+        <a:lnRef idx="1">
+          <a:scrgbClr r="0" g="0" b="0"/>
+        </a:lnRef>
+        <a:fillRef idx="3">
+          <a:scrgbClr r="0" g="0" b="0"/>
+        </a:fillRef>
+        <a:effectRef idx="2">
+          <a:scrgbClr r="0" g="0" b="0"/>
+        </a:effectRef>
+        <a:fontRef idx="minor">
+          <a:schemeClr val="lt1"/>
+        </a:fontRef>
+      </dsp:style>
+      <dsp:txBody>
+        <a:bodyPr spcFirstLastPara="0" vert="horz" wrap="square" lIns="108646" tIns="55787" rIns="108646" bIns="55787" numCol="1" spcCol="1270" anchor="ctr" anchorCtr="0">
+          <a:noAutofit/>
+        </a:bodyPr>
+        <a:lstStyle/>
+        <a:p>
+          <a:pPr marL="0" lvl="0" indent="0" algn="ctr" defTabSz="711200">
+            <a:lnSpc>
+              <a:spcPct val="90000"/>
+            </a:lnSpc>
+            <a:spcBef>
+              <a:spcPct val="0"/>
+            </a:spcBef>
+            <a:spcAft>
+              <a:spcPct val="35000"/>
+            </a:spcAft>
+            <a:buNone/>
+          </a:pPr>
+          <a:r>
+            <a:rPr lang="en-US" sz="1600" kern="1200" dirty="0"/>
+            <a:t>Systems of Oversight</a:t>
+          </a:r>
+        </a:p>
+      </dsp:txBody>
+      <dsp:txXfrm>
+        <a:off x="0" y="1198610"/>
+        <a:ext cx="2053157" cy="564775"/>
+      </dsp:txXfrm>
+    </dsp:sp>
+    <dsp:sp modelId="{29589163-1E49-4DD9-8E4C-4063E2BFA184}">
+      <dsp:nvSpPr>
+        <dsp:cNvPr id="0" name=""/>
+        <dsp:cNvSpPr/>
+      </dsp:nvSpPr>
+      <dsp:spPr>
+        <a:xfrm>
+          <a:off x="2053157" y="1797272"/>
+          <a:ext cx="8212628" cy="564775"/>
+        </a:xfrm>
+        <a:prstGeom prst="rect">
+          <a:avLst/>
+        </a:prstGeom>
+        <a:solidFill>
+          <a:schemeClr val="dk2">
+            <a:alpha val="90000"/>
+            <a:tint val="40000"/>
+            <a:hueOff val="0"/>
+            <a:satOff val="0"/>
+            <a:lumOff val="0"/>
+            <a:alphaOff val="0"/>
+          </a:schemeClr>
+        </a:solidFill>
+        <a:ln w="9525" cap="rnd" cmpd="sng" algn="ctr">
+          <a:solidFill>
+            <a:schemeClr val="dk2">
+              <a:alpha val="90000"/>
+              <a:tint val="40000"/>
+              <a:hueOff val="0"/>
+              <a:satOff val="0"/>
+              <a:lumOff val="0"/>
+              <a:alphaOff val="0"/>
+            </a:schemeClr>
+          </a:solidFill>
+          <a:prstDash val="solid"/>
+        </a:ln>
+        <a:effectLst/>
+      </dsp:spPr>
+      <dsp:style>
+        <a:lnRef idx="1">
+          <a:scrgbClr r="0" g="0" b="0"/>
+        </a:lnRef>
+        <a:fillRef idx="1">
+          <a:scrgbClr r="0" g="0" b="0"/>
+        </a:fillRef>
+        <a:effectRef idx="0">
+          <a:scrgbClr r="0" g="0" b="0"/>
+        </a:effectRef>
+        <a:fontRef idx="minor"/>
+      </dsp:style>
+      <dsp:txBody>
+        <a:bodyPr spcFirstLastPara="0" vert="horz" wrap="square" lIns="159348" tIns="143453" rIns="159348" bIns="143453" numCol="1" spcCol="1270" anchor="ctr" anchorCtr="0">
+          <a:noAutofit/>
+        </a:bodyPr>
+        <a:lstStyle/>
+        <a:p>
+          <a:pPr marL="0" lvl="0" indent="0" algn="l" defTabSz="577850">
+            <a:lnSpc>
+              <a:spcPct val="90000"/>
+            </a:lnSpc>
+            <a:spcBef>
+              <a:spcPct val="0"/>
+            </a:spcBef>
+            <a:spcAft>
+              <a:spcPct val="35000"/>
+            </a:spcAft>
+            <a:buNone/>
+          </a:pPr>
+          <a:r>
+            <a:rPr lang="en-US" sz="1300" kern="1200" dirty="0"/>
+            <a:t>Individuals can assess the data collection details and intent</a:t>
+          </a:r>
+        </a:p>
+      </dsp:txBody>
+      <dsp:txXfrm>
+        <a:off x="2053157" y="1797272"/>
+        <a:ext cx="8212628" cy="564775"/>
+      </dsp:txXfrm>
+    </dsp:sp>
+    <dsp:sp modelId="{7034B2B0-EFA3-4439-9129-3EFCADF5478B}">
+      <dsp:nvSpPr>
+        <dsp:cNvPr id="0" name=""/>
+        <dsp:cNvSpPr/>
+      </dsp:nvSpPr>
+      <dsp:spPr>
+        <a:xfrm>
+          <a:off x="0" y="1797272"/>
+          <a:ext cx="2053157" cy="564775"/>
+        </a:xfrm>
+        <a:prstGeom prst="rect">
+          <a:avLst/>
+        </a:prstGeom>
+        <a:gradFill rotWithShape="0">
+          <a:gsLst>
+            <a:gs pos="0">
+              <a:schemeClr val="dk2">
+                <a:hueOff val="0"/>
+                <a:satOff val="0"/>
+                <a:lumOff val="0"/>
+                <a:alphaOff val="0"/>
+                <a:tint val="96000"/>
+                <a:lumMod val="104000"/>
+              </a:schemeClr>
+            </a:gs>
+            <a:gs pos="100000">
+              <a:schemeClr val="dk2">
+                <a:hueOff val="0"/>
+                <a:satOff val="0"/>
+                <a:lumOff val="0"/>
+                <a:alphaOff val="0"/>
+                <a:shade val="98000"/>
+                <a:lumMod val="94000"/>
+              </a:schemeClr>
+            </a:gs>
+          </a:gsLst>
+          <a:lin ang="5400000" scaled="0"/>
+        </a:gradFill>
+        <a:ln w="9525" cap="rnd" cmpd="sng" algn="ctr">
+          <a:solidFill>
+            <a:schemeClr val="dk2">
+              <a:hueOff val="0"/>
+              <a:satOff val="0"/>
+              <a:lumOff val="0"/>
+              <a:alphaOff val="0"/>
+            </a:schemeClr>
+          </a:solidFill>
+          <a:prstDash val="solid"/>
+        </a:ln>
+        <a:effectLst>
+          <a:outerShdw blurRad="38100" dist="25400" dir="5400000" rotWithShape="0">
+            <a:srgbClr val="000000">
+              <a:alpha val="25000"/>
+            </a:srgbClr>
+          </a:outerShdw>
+        </a:effectLst>
+      </dsp:spPr>
+      <dsp:style>
+        <a:lnRef idx="1">
+          <a:scrgbClr r="0" g="0" b="0"/>
+        </a:lnRef>
+        <a:fillRef idx="3">
+          <a:scrgbClr r="0" g="0" b="0"/>
+        </a:fillRef>
+        <a:effectRef idx="2">
+          <a:scrgbClr r="0" g="0" b="0"/>
+        </a:effectRef>
+        <a:fontRef idx="minor">
+          <a:schemeClr val="lt1"/>
+        </a:fontRef>
+      </dsp:style>
+      <dsp:txBody>
+        <a:bodyPr spcFirstLastPara="0" vert="horz" wrap="square" lIns="108646" tIns="55787" rIns="108646" bIns="55787" numCol="1" spcCol="1270" anchor="ctr" anchorCtr="0">
+          <a:noAutofit/>
+        </a:bodyPr>
+        <a:lstStyle/>
+        <a:p>
+          <a:pPr marL="0" lvl="0" indent="0" algn="ctr" defTabSz="711200">
+            <a:lnSpc>
+              <a:spcPct val="90000"/>
+            </a:lnSpc>
+            <a:spcBef>
+              <a:spcPct val="0"/>
+            </a:spcBef>
+            <a:spcAft>
+              <a:spcPct val="35000"/>
+            </a:spcAft>
+            <a:buNone/>
+          </a:pPr>
+          <a:r>
+            <a:rPr lang="en-US" sz="1600" kern="1200" dirty="0"/>
+            <a:t>Service Transparency</a:t>
+          </a:r>
+        </a:p>
+      </dsp:txBody>
+      <dsp:txXfrm>
+        <a:off x="0" y="1797272"/>
+        <a:ext cx="2053157" cy="564775"/>
+      </dsp:txXfrm>
+    </dsp:sp>
+    <dsp:sp modelId="{37D62EA2-BABE-437A-B144-FC7787595AEA}">
+      <dsp:nvSpPr>
+        <dsp:cNvPr id="0" name=""/>
+        <dsp:cNvSpPr/>
+      </dsp:nvSpPr>
+      <dsp:spPr>
+        <a:xfrm>
+          <a:off x="2053157" y="2395933"/>
+          <a:ext cx="8212628" cy="564775"/>
+        </a:xfrm>
+        <a:prstGeom prst="rect">
+          <a:avLst/>
+        </a:prstGeom>
+        <a:solidFill>
+          <a:schemeClr val="dk2">
+            <a:alpha val="90000"/>
+            <a:tint val="40000"/>
+            <a:hueOff val="0"/>
+            <a:satOff val="0"/>
+            <a:lumOff val="0"/>
+            <a:alphaOff val="0"/>
+          </a:schemeClr>
+        </a:solidFill>
+        <a:ln w="9525" cap="rnd" cmpd="sng" algn="ctr">
+          <a:solidFill>
+            <a:schemeClr val="dk2">
+              <a:alpha val="90000"/>
+              <a:tint val="40000"/>
+              <a:hueOff val="0"/>
+              <a:satOff val="0"/>
+              <a:lumOff val="0"/>
+              <a:alphaOff val="0"/>
+            </a:schemeClr>
+          </a:solidFill>
+          <a:prstDash val="solid"/>
+        </a:ln>
+        <a:effectLst/>
+      </dsp:spPr>
+      <dsp:style>
+        <a:lnRef idx="1">
+          <a:scrgbClr r="0" g="0" b="0"/>
+        </a:lnRef>
+        <a:fillRef idx="1">
+          <a:scrgbClr r="0" g="0" b="0"/>
+        </a:fillRef>
+        <a:effectRef idx="0">
+          <a:scrgbClr r="0" g="0" b="0"/>
+        </a:effectRef>
+        <a:fontRef idx="minor"/>
+      </dsp:style>
+      <dsp:txBody>
+        <a:bodyPr spcFirstLastPara="0" vert="horz" wrap="square" lIns="159348" tIns="143453" rIns="159348" bIns="143453" numCol="1" spcCol="1270" anchor="ctr" anchorCtr="0">
+          <a:noAutofit/>
+        </a:bodyPr>
+        <a:lstStyle/>
+        <a:p>
+          <a:pPr marL="0" lvl="0" indent="0" algn="l" defTabSz="577850">
+            <a:lnSpc>
+              <a:spcPct val="90000"/>
+            </a:lnSpc>
+            <a:spcBef>
+              <a:spcPct val="0"/>
+            </a:spcBef>
+            <a:spcAft>
+              <a:spcPct val="35000"/>
+            </a:spcAft>
+            <a:buNone/>
+          </a:pPr>
+          <a:r>
+            <a:rPr lang="en-US" sz="1300" kern="1200" dirty="0"/>
+            <a:t>Policy violations can be corrected through repeatable processes</a:t>
+          </a:r>
+        </a:p>
+      </dsp:txBody>
+      <dsp:txXfrm>
+        <a:off x="2053157" y="2395933"/>
+        <a:ext cx="8212628" cy="564775"/>
+      </dsp:txXfrm>
+    </dsp:sp>
+    <dsp:sp modelId="{EF8DC689-A7FD-4E77-A084-A4F68FD50705}">
+      <dsp:nvSpPr>
+        <dsp:cNvPr id="0" name=""/>
+        <dsp:cNvSpPr/>
+      </dsp:nvSpPr>
+      <dsp:spPr>
+        <a:xfrm>
+          <a:off x="0" y="2395933"/>
+          <a:ext cx="2053157" cy="564775"/>
+        </a:xfrm>
+        <a:prstGeom prst="rect">
+          <a:avLst/>
+        </a:prstGeom>
+        <a:gradFill rotWithShape="0">
+          <a:gsLst>
+            <a:gs pos="0">
+              <a:schemeClr val="dk2">
+                <a:hueOff val="0"/>
+                <a:satOff val="0"/>
+                <a:lumOff val="0"/>
+                <a:alphaOff val="0"/>
+                <a:tint val="96000"/>
+                <a:lumMod val="104000"/>
+              </a:schemeClr>
+            </a:gs>
+            <a:gs pos="100000">
+              <a:schemeClr val="dk2">
+                <a:hueOff val="0"/>
+                <a:satOff val="0"/>
+                <a:lumOff val="0"/>
+                <a:alphaOff val="0"/>
+                <a:shade val="98000"/>
+                <a:lumMod val="94000"/>
+              </a:schemeClr>
+            </a:gs>
+          </a:gsLst>
+          <a:lin ang="5400000" scaled="0"/>
+        </a:gradFill>
+        <a:ln w="9525" cap="rnd" cmpd="sng" algn="ctr">
+          <a:solidFill>
+            <a:schemeClr val="dk2">
+              <a:hueOff val="0"/>
+              <a:satOff val="0"/>
+              <a:lumOff val="0"/>
+              <a:alphaOff val="0"/>
+            </a:schemeClr>
+          </a:solidFill>
+          <a:prstDash val="solid"/>
+        </a:ln>
+        <a:effectLst>
+          <a:outerShdw blurRad="38100" dist="25400" dir="5400000" rotWithShape="0">
+            <a:srgbClr val="000000">
+              <a:alpha val="25000"/>
+            </a:srgbClr>
+          </a:outerShdw>
+        </a:effectLst>
+      </dsp:spPr>
+      <dsp:style>
+        <a:lnRef idx="1">
+          <a:scrgbClr r="0" g="0" b="0"/>
+        </a:lnRef>
+        <a:fillRef idx="3">
+          <a:scrgbClr r="0" g="0" b="0"/>
+        </a:fillRef>
+        <a:effectRef idx="2">
+          <a:scrgbClr r="0" g="0" b="0"/>
+        </a:effectRef>
+        <a:fontRef idx="minor">
+          <a:schemeClr val="lt1"/>
+        </a:fontRef>
+      </dsp:style>
+      <dsp:txBody>
+        <a:bodyPr spcFirstLastPara="0" vert="horz" wrap="square" lIns="108646" tIns="55787" rIns="108646" bIns="55787" numCol="1" spcCol="1270" anchor="ctr" anchorCtr="0">
+          <a:noAutofit/>
+        </a:bodyPr>
+        <a:lstStyle/>
+        <a:p>
+          <a:pPr marL="0" lvl="0" indent="0" algn="ctr" defTabSz="711200">
+            <a:lnSpc>
+              <a:spcPct val="90000"/>
+            </a:lnSpc>
+            <a:spcBef>
+              <a:spcPct val="0"/>
+            </a:spcBef>
+            <a:spcAft>
+              <a:spcPct val="35000"/>
+            </a:spcAft>
+            <a:buNone/>
+          </a:pPr>
+          <a:r>
+            <a:rPr lang="en-US" sz="1600" kern="1200" dirty="0"/>
+            <a:t>Remediation Strategies</a:t>
+          </a:r>
+        </a:p>
+      </dsp:txBody>
+      <dsp:txXfrm>
+        <a:off x="0" y="2395933"/>
+        <a:ext cx="2053157" cy="564775"/>
+      </dsp:txXfrm>
+    </dsp:sp>
+  </dsp:spTree>
+</dsp:drawing>
+</file>
+
 <file path=ppt/diagrams/layout1.xml><?xml version="1.0" encoding="utf-8"?>
 <dgm:layoutDef xmlns:dgm="http://schemas.openxmlformats.org/drawingml/2006/diagram" xmlns:a="http://schemas.openxmlformats.org/drawingml/2006/main" uniqueId="urn:microsoft.com/office/officeart/2005/8/layout/vList2">
   <dgm:title val=""/>
@@ -7336,6 +9552,240 @@
 </dgm:layoutDef>
 </file>
 
+<file path=ppt/diagrams/layout4.xml><?xml version="1.0" encoding="utf-8"?>
+<dgm:layoutDef xmlns:dgm="http://schemas.openxmlformats.org/drawingml/2006/diagram" xmlns:a="http://schemas.openxmlformats.org/drawingml/2006/main" uniqueId="urn:microsoft.com/office/officeart/2016/7/layout/VerticalSolidActionList">
+  <dgm:title val="Vertical Solid Action List"/>
+  <dgm:desc val="Use to show non-sequential or grouped lists of information. Works well with large amounts of text. All text has the same level of emphasis, and direction is not implied."/>
+  <dgm:catLst>
+    <dgm:cat type="list" pri="500"/>
+  </dgm:catLst>
+  <dgm:sampData>
+    <dgm:dataModel>
+      <dgm:ptLst>
+        <dgm:pt modelId="0" type="doc"/>
+        <dgm:pt modelId="1">
+          <dgm:prSet phldr="1"/>
+        </dgm:pt>
+        <dgm:pt modelId="11">
+          <dgm:prSet phldr="1"/>
+        </dgm:pt>
+        <dgm:pt modelId="2">
+          <dgm:prSet phldr="1"/>
+        </dgm:pt>
+        <dgm:pt modelId="21">
+          <dgm:prSet phldr="1"/>
+        </dgm:pt>
+        <dgm:pt modelId="3">
+          <dgm:prSet phldr="1"/>
+        </dgm:pt>
+        <dgm:pt modelId="31">
+          <dgm:prSet phldr="1"/>
+        </dgm:pt>
+        <dgm:pt modelId="4">
+          <dgm:prSet phldr="1"/>
+        </dgm:pt>
+        <dgm:pt modelId="41">
+          <dgm:prSet phldr="1"/>
+        </dgm:pt>
+        <dgm:pt modelId="5">
+          <dgm:prSet phldr="1"/>
+        </dgm:pt>
+        <dgm:pt modelId="51">
+          <dgm:prSet phldr="1"/>
+        </dgm:pt>
+      </dgm:ptLst>
+      <dgm:cxnLst>
+        <dgm:cxn modelId="4" srcId="0" destId="1" srcOrd="0" destOrd="0"/>
+        <dgm:cxn modelId="5" srcId="0" destId="2" srcOrd="1" destOrd="0"/>
+        <dgm:cxn modelId="6" srcId="0" destId="3" srcOrd="2" destOrd="0"/>
+        <dgm:cxn modelId="7" srcId="0" destId="4" srcOrd="3" destOrd="0"/>
+        <dgm:cxn modelId="8" srcId="0" destId="5" srcOrd="4" destOrd="0"/>
+        <dgm:cxn modelId="13" srcId="1" destId="11" srcOrd="0" destOrd="0"/>
+        <dgm:cxn modelId="23" srcId="2" destId="21" srcOrd="0" destOrd="0"/>
+        <dgm:cxn modelId="33" srcId="3" destId="31" srcOrd="0" destOrd="0"/>
+        <dgm:cxn modelId="43" srcId="4" destId="41" srcOrd="0" destOrd="0"/>
+        <dgm:cxn modelId="53" srcId="5" destId="51" srcOrd="0" destOrd="0"/>
+      </dgm:cxnLst>
+      <dgm:bg/>
+      <dgm:whole/>
+    </dgm:dataModel>
+  </dgm:sampData>
+  <dgm:styleData>
+    <dgm:dataModel>
+      <dgm:ptLst>
+        <dgm:pt modelId="0" type="doc"/>
+        <dgm:pt modelId="1"/>
+        <dgm:pt modelId="11"/>
+        <dgm:pt modelId="2"/>
+        <dgm:pt modelId="21"/>
+      </dgm:ptLst>
+      <dgm:cxnLst>
+        <dgm:cxn modelId="4" srcId="0" destId="1" srcOrd="0" destOrd="0"/>
+        <dgm:cxn modelId="5" srcId="0" destId="2" srcOrd="1" destOrd="0"/>
+        <dgm:cxn modelId="13" srcId="1" destId="11" srcOrd="0" destOrd="0"/>
+        <dgm:cxn modelId="23" srcId="2" destId="21" srcOrd="0" destOrd="0"/>
+      </dgm:cxnLst>
+      <dgm:bg/>
+      <dgm:whole/>
+    </dgm:dataModel>
+  </dgm:styleData>
+  <dgm:clrData>
+    <dgm:dataModel>
+      <dgm:ptLst>
+        <dgm:pt modelId="0" type="doc"/>
+        <dgm:pt modelId="1"/>
+        <dgm:pt modelId="11"/>
+        <dgm:pt modelId="2"/>
+        <dgm:pt modelId="21"/>
+        <dgm:pt modelId="3"/>
+        <dgm:pt modelId="31"/>
+        <dgm:pt modelId="4"/>
+        <dgm:pt modelId="41"/>
+      </dgm:ptLst>
+      <dgm:cxnLst>
+        <dgm:cxn modelId="5" srcId="0" destId="1" srcOrd="0" destOrd="0"/>
+        <dgm:cxn modelId="6" srcId="0" destId="2" srcOrd="1" destOrd="0"/>
+        <dgm:cxn modelId="7" srcId="0" destId="3" srcOrd="2" destOrd="0"/>
+        <dgm:cxn modelId="8" srcId="0" destId="4" srcOrd="3" destOrd="0"/>
+        <dgm:cxn modelId="13" srcId="1" destId="11" srcOrd="0" destOrd="0"/>
+        <dgm:cxn modelId="23" srcId="2" destId="21" srcOrd="0" destOrd="0"/>
+        <dgm:cxn modelId="33" srcId="3" destId="31" srcOrd="0" destOrd="0"/>
+        <dgm:cxn modelId="43" srcId="4" destId="41" srcOrd="0" destOrd="0"/>
+      </dgm:cxnLst>
+      <dgm:bg/>
+      <dgm:whole/>
+    </dgm:dataModel>
+  </dgm:clrData>
+  <dgm:layoutNode name="Name0">
+    <dgm:varLst>
+      <dgm:dir/>
+      <dgm:animLvl val="lvl"/>
+      <dgm:resizeHandles val="exact"/>
+    </dgm:varLst>
+    <dgm:choose name="Name1">
+      <dgm:if name="Name2" func="var" arg="dir" op="equ" val="norm">
+        <dgm:alg type="lin">
+          <dgm:param type="linDir" val="fromT"/>
+          <dgm:param type="nodeHorzAlign" val="l"/>
+        </dgm:alg>
+      </dgm:if>
+      <dgm:else name="Name3">
+        <dgm:alg type="lin">
+          <dgm:param type="linDir" val="fromT"/>
+          <dgm:param type="nodeHorzAlign" val="r"/>
+        </dgm:alg>
+      </dgm:else>
+    </dgm:choose>
+    <dgm:shape xmlns:r="http://schemas.openxmlformats.org/officeDocument/2006/relationships" r:blip="">
+      <dgm:adjLst/>
+    </dgm:shape>
+    <dgm:presOf/>
+    <dgm:constrLst>
+      <dgm:constr type="h" for="ch" forName="linNode" refType="h"/>
+      <dgm:constr type="w" for="ch" forName="linNode" refType="w"/>
+      <dgm:constr type="h" for="ch" forName="sp" refType="h" fact="0.06"/>
+      <dgm:constr type="primFontSz" for="des" forName="parentText" op="equ" val="28"/>
+      <dgm:constr type="primFontSz" for="des" forName="descendantText" refType="primFontSz" refFor="des" refForName="parentText" op="lte" fact="0.82"/>
+      <dgm:constr type="primFontSz" for="des" forName="parentText" refType="primFontSz" refFor="des" refForName="descendantText" op="lte" fact="1.25"/>
+    </dgm:constrLst>
+    <dgm:ruleLst/>
+    <dgm:forEach name="Name4" axis="ch" ptType="node">
+      <dgm:layoutNode name="linNode">
+        <dgm:choose name="Name5">
+          <dgm:if name="Name6" func="var" arg="dir" op="equ" val="norm">
+            <dgm:alg type="lin">
+              <dgm:param type="linDir" val="fromL"/>
+            </dgm:alg>
+          </dgm:if>
+          <dgm:else name="Name7">
+            <dgm:alg type="lin">
+              <dgm:param type="linDir" val="fromR"/>
+            </dgm:alg>
+          </dgm:else>
+        </dgm:choose>
+        <dgm:shape xmlns:r="http://schemas.openxmlformats.org/officeDocument/2006/relationships" r:blip="">
+          <dgm:adjLst/>
+        </dgm:shape>
+        <dgm:presOf/>
+        <dgm:constrLst>
+          <dgm:constr type="w" for="ch" forName="parentText" refType="w" fact="0.2"/>
+          <dgm:constr type="w" for="ch" forName="descendantText" refType="w" fact="0.8"/>
+          <dgm:constr type="h" for="ch" forName="parentText" refType="h"/>
+          <dgm:constr type="h" for="ch" forName="descendantText" refType="h" refFor="ch" refForName="parentText"/>
+        </dgm:constrLst>
+        <dgm:ruleLst/>
+        <dgm:layoutNode name="parentText" styleLbl="alignNode1">
+          <dgm:varLst>
+            <dgm:chMax val="1"/>
+            <dgm:bulletEnabled/>
+          </dgm:varLst>
+          <dgm:alg type="tx"/>
+          <dgm:shape xmlns:r="http://schemas.openxmlformats.org/officeDocument/2006/relationships" type="rect" r:blip="" zOrderOff="3">
+            <dgm:adjLst/>
+          </dgm:shape>
+          <dgm:presOf axis="self" ptType="node"/>
+          <dgm:constrLst>
+            <dgm:constr type="tMarg" refType="h" fact="0.28"/>
+            <dgm:constr type="bMarg" refType="h" fact="0.28"/>
+            <dgm:constr type="lMarg" refType="w" fact="0.15"/>
+            <dgm:constr type="rMarg" refType="w" fact="0.15"/>
+          </dgm:constrLst>
+          <dgm:ruleLst>
+            <dgm:rule type="primFontSz" val="15" fact="NaN" max="NaN"/>
+          </dgm:ruleLst>
+        </dgm:layoutNode>
+        <dgm:layoutNode name="descendantText" styleLbl="alignAccFollowNode1">
+          <dgm:varLst>
+            <dgm:bulletEnabled/>
+          </dgm:varLst>
+          <dgm:alg type="tx">
+            <dgm:param type="stBulletLvl" val="0"/>
+            <dgm:param type="parTxLTRAlign" val="l"/>
+            <dgm:param type="shpTxLTRAlignCh" val="l"/>
+            <dgm:param type="parTxRTLAlign" val="r"/>
+            <dgm:param type="shpTxRTLAlignCh" val="r"/>
+          </dgm:alg>
+          <dgm:choose name="Name10">
+            <dgm:if name="Name11" func="var" arg="dir" op="equ" val="norm">
+              <dgm:shape xmlns:r="http://schemas.openxmlformats.org/officeDocument/2006/relationships" type="rect" r:blip="">
+                <dgm:adjLst/>
+              </dgm:shape>
+            </dgm:if>
+            <dgm:else name="Name12">
+              <dgm:shape xmlns:r="http://schemas.openxmlformats.org/officeDocument/2006/relationships" type="rect" r:blip="">
+                <dgm:adjLst/>
+              </dgm:shape>
+            </dgm:else>
+          </dgm:choose>
+          <dgm:presOf axis="des" ptType="node"/>
+          <dgm:constrLst>
+            <dgm:constr type="primFontSz" val="24"/>
+            <dgm:constr type="lMarg" refType="w" fact="0.055"/>
+            <dgm:constr type="rMarg" refType="w" fact="0.055"/>
+            <dgm:constr type="tMarg" refType="h" fact="0.72"/>
+            <dgm:constr type="bMarg" refType="h" fact="0.72"/>
+          </dgm:constrLst>
+          <dgm:ruleLst>
+            <dgm:rule type="primFontSz" val="11" fact="NaN" max="NaN"/>
+          </dgm:ruleLst>
+        </dgm:layoutNode>
+      </dgm:layoutNode>
+      <dgm:forEach name="Name14" axis="followSib" ptType="sibTrans" cnt="1">
+        <dgm:layoutNode name="sp">
+          <dgm:alg type="sp"/>
+          <dgm:shape xmlns:r="http://schemas.openxmlformats.org/officeDocument/2006/relationships" r:blip="">
+            <dgm:adjLst/>
+          </dgm:shape>
+          <dgm:presOf/>
+          <dgm:constrLst/>
+          <dgm:ruleLst/>
+        </dgm:layoutNode>
+      </dgm:forEach>
+    </dgm:forEach>
+  </dgm:layoutNode>
+</dgm:layoutDef>
+</file>
+
 <file path=ppt/diagrams/quickStyle1.xml><?xml version="1.0" encoding="utf-8"?>
 <dgm:styleDef xmlns:dgm="http://schemas.openxmlformats.org/drawingml/2006/diagram" xmlns:a="http://schemas.openxmlformats.org/drawingml/2006/main" uniqueId="urn:microsoft.com/office/officeart/2005/8/quickstyle/simple4">
   <dgm:title val=""/>
@@ -10410,6 +12860,1040 @@
         <a:scrgbClr r="0" g="0" b="0"/>
       </a:fillRef>
       <a:effectRef idx="3">
+        <a:scrgbClr r="0" g="0" b="0"/>
+      </a:effectRef>
+      <a:fontRef idx="minor"/>
+    </dgm:style>
+  </dgm:styleLbl>
+  <dgm:styleLbl name="revTx">
+    <dgm:scene3d>
+      <a:camera prst="orthographicFront"/>
+      <a:lightRig rig="threePt" dir="t"/>
+    </dgm:scene3d>
+    <dgm:sp3d/>
+    <dgm:txPr/>
+    <dgm:style>
+      <a:lnRef idx="0">
+        <a:scrgbClr r="0" g="0" b="0"/>
+      </a:lnRef>
+      <a:fillRef idx="0">
+        <a:scrgbClr r="0" g="0" b="0"/>
+      </a:fillRef>
+      <a:effectRef idx="0">
+        <a:scrgbClr r="0" g="0" b="0"/>
+      </a:effectRef>
+      <a:fontRef idx="minor"/>
+    </dgm:style>
+  </dgm:styleLbl>
+</dgm:styleDef>
+</file>
+
+<file path=ppt/diagrams/quickStyle4.xml><?xml version="1.0" encoding="utf-8"?>
+<dgm:styleDef xmlns:dgm="http://schemas.openxmlformats.org/drawingml/2006/diagram" xmlns:a="http://schemas.openxmlformats.org/drawingml/2006/main" uniqueId="urn:microsoft.com/office/officeart/2005/8/quickstyle/simple4">
+  <dgm:title val=""/>
+  <dgm:desc val=""/>
+  <dgm:catLst>
+    <dgm:cat type="simple" pri="10400"/>
+  </dgm:catLst>
+  <dgm:scene3d>
+    <a:camera prst="orthographicFront"/>
+    <a:lightRig rig="threePt" dir="t"/>
+  </dgm:scene3d>
+  <dgm:styleLbl name="node0">
+    <dgm:scene3d>
+      <a:camera prst="orthographicFront"/>
+      <a:lightRig rig="threePt" dir="t"/>
+    </dgm:scene3d>
+    <dgm:sp3d/>
+    <dgm:txPr/>
+    <dgm:style>
+      <a:lnRef idx="0">
+        <a:scrgbClr r="0" g="0" b="0"/>
+      </a:lnRef>
+      <a:fillRef idx="3">
+        <a:scrgbClr r="0" g="0" b="0"/>
+      </a:fillRef>
+      <a:effectRef idx="2">
+        <a:scrgbClr r="0" g="0" b="0"/>
+      </a:effectRef>
+      <a:fontRef idx="minor">
+        <a:schemeClr val="lt1"/>
+      </a:fontRef>
+    </dgm:style>
+  </dgm:styleLbl>
+  <dgm:styleLbl name="lnNode1">
+    <dgm:scene3d>
+      <a:camera prst="orthographicFront"/>
+      <a:lightRig rig="threePt" dir="t"/>
+    </dgm:scene3d>
+    <dgm:sp3d/>
+    <dgm:txPr/>
+    <dgm:style>
+      <a:lnRef idx="1">
+        <a:scrgbClr r="0" g="0" b="0"/>
+      </a:lnRef>
+      <a:fillRef idx="3">
+        <a:scrgbClr r="0" g="0" b="0"/>
+      </a:fillRef>
+      <a:effectRef idx="2">
+        <a:scrgbClr r="0" g="0" b="0"/>
+      </a:effectRef>
+      <a:fontRef idx="minor">
+        <a:schemeClr val="lt1"/>
+      </a:fontRef>
+    </dgm:style>
+  </dgm:styleLbl>
+  <dgm:styleLbl name="vennNode1">
+    <dgm:scene3d>
+      <a:camera prst="orthographicFront"/>
+      <a:lightRig rig="threePt" dir="t"/>
+    </dgm:scene3d>
+    <dgm:sp3d/>
+    <dgm:txPr/>
+    <dgm:style>
+      <a:lnRef idx="0">
+        <a:scrgbClr r="0" g="0" b="0"/>
+      </a:lnRef>
+      <a:fillRef idx="3">
+        <a:scrgbClr r="0" g="0" b="0"/>
+      </a:fillRef>
+      <a:effectRef idx="0">
+        <a:scrgbClr r="0" g="0" b="0"/>
+      </a:effectRef>
+      <a:fontRef idx="minor">
+        <a:schemeClr val="tx1"/>
+      </a:fontRef>
+    </dgm:style>
+  </dgm:styleLbl>
+  <dgm:styleLbl name="alignNode1">
+    <dgm:scene3d>
+      <a:camera prst="orthographicFront"/>
+      <a:lightRig rig="threePt" dir="t"/>
+    </dgm:scene3d>
+    <dgm:sp3d/>
+    <dgm:txPr/>
+    <dgm:style>
+      <a:lnRef idx="1">
+        <a:scrgbClr r="0" g="0" b="0"/>
+      </a:lnRef>
+      <a:fillRef idx="3">
+        <a:scrgbClr r="0" g="0" b="0"/>
+      </a:fillRef>
+      <a:effectRef idx="2">
+        <a:scrgbClr r="0" g="0" b="0"/>
+      </a:effectRef>
+      <a:fontRef idx="minor">
+        <a:schemeClr val="lt1"/>
+      </a:fontRef>
+    </dgm:style>
+  </dgm:styleLbl>
+  <dgm:styleLbl name="node1">
+    <dgm:scene3d>
+      <a:camera prst="orthographicFront"/>
+      <a:lightRig rig="threePt" dir="t"/>
+    </dgm:scene3d>
+    <dgm:sp3d/>
+    <dgm:txPr/>
+    <dgm:style>
+      <a:lnRef idx="0">
+        <a:scrgbClr r="0" g="0" b="0"/>
+      </a:lnRef>
+      <a:fillRef idx="3">
+        <a:scrgbClr r="0" g="0" b="0"/>
+      </a:fillRef>
+      <a:effectRef idx="2">
+        <a:scrgbClr r="0" g="0" b="0"/>
+      </a:effectRef>
+      <a:fontRef idx="minor">
+        <a:schemeClr val="lt1"/>
+      </a:fontRef>
+    </dgm:style>
+  </dgm:styleLbl>
+  <dgm:styleLbl name="node2">
+    <dgm:scene3d>
+      <a:camera prst="orthographicFront"/>
+      <a:lightRig rig="threePt" dir="t"/>
+    </dgm:scene3d>
+    <dgm:sp3d/>
+    <dgm:txPr/>
+    <dgm:style>
+      <a:lnRef idx="0">
+        <a:scrgbClr r="0" g="0" b="0"/>
+      </a:lnRef>
+      <a:fillRef idx="3">
+        <a:scrgbClr r="0" g="0" b="0"/>
+      </a:fillRef>
+      <a:effectRef idx="2">
+        <a:scrgbClr r="0" g="0" b="0"/>
+      </a:effectRef>
+      <a:fontRef idx="minor">
+        <a:schemeClr val="lt1"/>
+      </a:fontRef>
+    </dgm:style>
+  </dgm:styleLbl>
+  <dgm:styleLbl name="node3">
+    <dgm:scene3d>
+      <a:camera prst="orthographicFront"/>
+      <a:lightRig rig="threePt" dir="t"/>
+    </dgm:scene3d>
+    <dgm:sp3d/>
+    <dgm:txPr/>
+    <dgm:style>
+      <a:lnRef idx="0">
+        <a:scrgbClr r="0" g="0" b="0"/>
+      </a:lnRef>
+      <a:fillRef idx="3">
+        <a:scrgbClr r="0" g="0" b="0"/>
+      </a:fillRef>
+      <a:effectRef idx="2">
+        <a:scrgbClr r="0" g="0" b="0"/>
+      </a:effectRef>
+      <a:fontRef idx="minor">
+        <a:schemeClr val="lt1"/>
+      </a:fontRef>
+    </dgm:style>
+  </dgm:styleLbl>
+  <dgm:styleLbl name="node4">
+    <dgm:scene3d>
+      <a:camera prst="orthographicFront"/>
+      <a:lightRig rig="threePt" dir="t"/>
+    </dgm:scene3d>
+    <dgm:sp3d/>
+    <dgm:txPr/>
+    <dgm:style>
+      <a:lnRef idx="0">
+        <a:scrgbClr r="0" g="0" b="0"/>
+      </a:lnRef>
+      <a:fillRef idx="3">
+        <a:scrgbClr r="0" g="0" b="0"/>
+      </a:fillRef>
+      <a:effectRef idx="2">
+        <a:scrgbClr r="0" g="0" b="0"/>
+      </a:effectRef>
+      <a:fontRef idx="minor">
+        <a:schemeClr val="lt1"/>
+      </a:fontRef>
+    </dgm:style>
+  </dgm:styleLbl>
+  <dgm:styleLbl name="fgImgPlace1">
+    <dgm:scene3d>
+      <a:camera prst="orthographicFront"/>
+      <a:lightRig rig="threePt" dir="t"/>
+    </dgm:scene3d>
+    <dgm:sp3d/>
+    <dgm:txPr/>
+    <dgm:style>
+      <a:lnRef idx="0">
+        <a:scrgbClr r="0" g="0" b="0"/>
+      </a:lnRef>
+      <a:fillRef idx="1">
+        <a:scrgbClr r="0" g="0" b="0"/>
+      </a:fillRef>
+      <a:effectRef idx="2">
+        <a:scrgbClr r="0" g="0" b="0"/>
+      </a:effectRef>
+      <a:fontRef idx="minor"/>
+    </dgm:style>
+  </dgm:styleLbl>
+  <dgm:styleLbl name="alignImgPlace1">
+    <dgm:scene3d>
+      <a:camera prst="orthographicFront"/>
+      <a:lightRig rig="threePt" dir="t"/>
+    </dgm:scene3d>
+    <dgm:sp3d/>
+    <dgm:txPr/>
+    <dgm:style>
+      <a:lnRef idx="0">
+        <a:scrgbClr r="0" g="0" b="0"/>
+      </a:lnRef>
+      <a:fillRef idx="1">
+        <a:scrgbClr r="0" g="0" b="0"/>
+      </a:fillRef>
+      <a:effectRef idx="2">
+        <a:scrgbClr r="0" g="0" b="0"/>
+      </a:effectRef>
+      <a:fontRef idx="minor"/>
+    </dgm:style>
+  </dgm:styleLbl>
+  <dgm:styleLbl name="bgImgPlace1">
+    <dgm:scene3d>
+      <a:camera prst="orthographicFront"/>
+      <a:lightRig rig="threePt" dir="t"/>
+    </dgm:scene3d>
+    <dgm:sp3d/>
+    <dgm:txPr/>
+    <dgm:style>
+      <a:lnRef idx="0">
+        <a:scrgbClr r="0" g="0" b="0"/>
+      </a:lnRef>
+      <a:fillRef idx="1">
+        <a:scrgbClr r="0" g="0" b="0"/>
+      </a:fillRef>
+      <a:effectRef idx="2">
+        <a:scrgbClr r="0" g="0" b="0"/>
+      </a:effectRef>
+      <a:fontRef idx="minor"/>
+    </dgm:style>
+  </dgm:styleLbl>
+  <dgm:styleLbl name="sibTrans2D1">
+    <dgm:scene3d>
+      <a:camera prst="orthographicFront"/>
+      <a:lightRig rig="threePt" dir="t"/>
+    </dgm:scene3d>
+    <dgm:sp3d/>
+    <dgm:txPr/>
+    <dgm:style>
+      <a:lnRef idx="0">
+        <a:scrgbClr r="0" g="0" b="0"/>
+      </a:lnRef>
+      <a:fillRef idx="3">
+        <a:scrgbClr r="0" g="0" b="0"/>
+      </a:fillRef>
+      <a:effectRef idx="2">
+        <a:scrgbClr r="0" g="0" b="0"/>
+      </a:effectRef>
+      <a:fontRef idx="minor">
+        <a:schemeClr val="lt1"/>
+      </a:fontRef>
+    </dgm:style>
+  </dgm:styleLbl>
+  <dgm:styleLbl name="fgSibTrans2D1">
+    <dgm:scene3d>
+      <a:camera prst="orthographicFront"/>
+      <a:lightRig rig="threePt" dir="t"/>
+    </dgm:scene3d>
+    <dgm:sp3d/>
+    <dgm:txPr/>
+    <dgm:style>
+      <a:lnRef idx="0">
+        <a:scrgbClr r="0" g="0" b="0"/>
+      </a:lnRef>
+      <a:fillRef idx="3">
+        <a:scrgbClr r="0" g="0" b="0"/>
+      </a:fillRef>
+      <a:effectRef idx="2">
+        <a:scrgbClr r="0" g="0" b="0"/>
+      </a:effectRef>
+      <a:fontRef idx="minor">
+        <a:schemeClr val="lt1"/>
+      </a:fontRef>
+    </dgm:style>
+  </dgm:styleLbl>
+  <dgm:styleLbl name="bgSibTrans2D1">
+    <dgm:scene3d>
+      <a:camera prst="orthographicFront"/>
+      <a:lightRig rig="threePt" dir="t"/>
+    </dgm:scene3d>
+    <dgm:sp3d/>
+    <dgm:txPr/>
+    <dgm:style>
+      <a:lnRef idx="0">
+        <a:scrgbClr r="0" g="0" b="0"/>
+      </a:lnRef>
+      <a:fillRef idx="3">
+        <a:scrgbClr r="0" g="0" b="0"/>
+      </a:fillRef>
+      <a:effectRef idx="2">
+        <a:scrgbClr r="0" g="0" b="0"/>
+      </a:effectRef>
+      <a:fontRef idx="minor">
+        <a:schemeClr val="lt1"/>
+      </a:fontRef>
+    </dgm:style>
+  </dgm:styleLbl>
+  <dgm:styleLbl name="sibTrans1D1">
+    <dgm:scene3d>
+      <a:camera prst="orthographicFront"/>
+      <a:lightRig rig="threePt" dir="t"/>
+    </dgm:scene3d>
+    <dgm:sp3d/>
+    <dgm:txPr/>
+    <dgm:style>
+      <a:lnRef idx="1">
+        <a:scrgbClr r="0" g="0" b="0"/>
+      </a:lnRef>
+      <a:fillRef idx="0">
+        <a:scrgbClr r="0" g="0" b="0"/>
+      </a:fillRef>
+      <a:effectRef idx="0">
+        <a:scrgbClr r="0" g="0" b="0"/>
+      </a:effectRef>
+      <a:fontRef idx="minor"/>
+    </dgm:style>
+  </dgm:styleLbl>
+  <dgm:styleLbl name="callout">
+    <dgm:scene3d>
+      <a:camera prst="orthographicFront"/>
+      <a:lightRig rig="threePt" dir="t"/>
+    </dgm:scene3d>
+    <dgm:sp3d/>
+    <dgm:txPr/>
+    <dgm:style>
+      <a:lnRef idx="2">
+        <a:scrgbClr r="0" g="0" b="0"/>
+      </a:lnRef>
+      <a:fillRef idx="1">
+        <a:scrgbClr r="0" g="0" b="0"/>
+      </a:fillRef>
+      <a:effectRef idx="1">
+        <a:scrgbClr r="0" g="0" b="0"/>
+      </a:effectRef>
+      <a:fontRef idx="minor"/>
+    </dgm:style>
+  </dgm:styleLbl>
+  <dgm:styleLbl name="asst0">
+    <dgm:scene3d>
+      <a:camera prst="orthographicFront"/>
+      <a:lightRig rig="threePt" dir="t"/>
+    </dgm:scene3d>
+    <dgm:sp3d/>
+    <dgm:txPr/>
+    <dgm:style>
+      <a:lnRef idx="0">
+        <a:scrgbClr r="0" g="0" b="0"/>
+      </a:lnRef>
+      <a:fillRef idx="3">
+        <a:scrgbClr r="0" g="0" b="0"/>
+      </a:fillRef>
+      <a:effectRef idx="2">
+        <a:scrgbClr r="0" g="0" b="0"/>
+      </a:effectRef>
+      <a:fontRef idx="minor">
+        <a:schemeClr val="lt1"/>
+      </a:fontRef>
+    </dgm:style>
+  </dgm:styleLbl>
+  <dgm:styleLbl name="asst1">
+    <dgm:scene3d>
+      <a:camera prst="orthographicFront"/>
+      <a:lightRig rig="threePt" dir="t"/>
+    </dgm:scene3d>
+    <dgm:sp3d/>
+    <dgm:txPr/>
+    <dgm:style>
+      <a:lnRef idx="0">
+        <a:scrgbClr r="0" g="0" b="0"/>
+      </a:lnRef>
+      <a:fillRef idx="3">
+        <a:scrgbClr r="0" g="0" b="0"/>
+      </a:fillRef>
+      <a:effectRef idx="2">
+        <a:scrgbClr r="0" g="0" b="0"/>
+      </a:effectRef>
+      <a:fontRef idx="minor">
+        <a:schemeClr val="lt1"/>
+      </a:fontRef>
+    </dgm:style>
+  </dgm:styleLbl>
+  <dgm:styleLbl name="asst2">
+    <dgm:scene3d>
+      <a:camera prst="orthographicFront"/>
+      <a:lightRig rig="threePt" dir="t"/>
+    </dgm:scene3d>
+    <dgm:sp3d/>
+    <dgm:txPr/>
+    <dgm:style>
+      <a:lnRef idx="0">
+        <a:scrgbClr r="0" g="0" b="0"/>
+      </a:lnRef>
+      <a:fillRef idx="3">
+        <a:scrgbClr r="0" g="0" b="0"/>
+      </a:fillRef>
+      <a:effectRef idx="2">
+        <a:scrgbClr r="0" g="0" b="0"/>
+      </a:effectRef>
+      <a:fontRef idx="minor">
+        <a:schemeClr val="lt1"/>
+      </a:fontRef>
+    </dgm:style>
+  </dgm:styleLbl>
+  <dgm:styleLbl name="asst3">
+    <dgm:scene3d>
+      <a:camera prst="orthographicFront"/>
+      <a:lightRig rig="threePt" dir="t"/>
+    </dgm:scene3d>
+    <dgm:sp3d/>
+    <dgm:txPr/>
+    <dgm:style>
+      <a:lnRef idx="0">
+        <a:scrgbClr r="0" g="0" b="0"/>
+      </a:lnRef>
+      <a:fillRef idx="3">
+        <a:scrgbClr r="0" g="0" b="0"/>
+      </a:fillRef>
+      <a:effectRef idx="2">
+        <a:scrgbClr r="0" g="0" b="0"/>
+      </a:effectRef>
+      <a:fontRef idx="minor">
+        <a:schemeClr val="lt1"/>
+      </a:fontRef>
+    </dgm:style>
+  </dgm:styleLbl>
+  <dgm:styleLbl name="asst4">
+    <dgm:scene3d>
+      <a:camera prst="orthographicFront"/>
+      <a:lightRig rig="threePt" dir="t"/>
+    </dgm:scene3d>
+    <dgm:sp3d/>
+    <dgm:txPr/>
+    <dgm:style>
+      <a:lnRef idx="0">
+        <a:scrgbClr r="0" g="0" b="0"/>
+      </a:lnRef>
+      <a:fillRef idx="3">
+        <a:scrgbClr r="0" g="0" b="0"/>
+      </a:fillRef>
+      <a:effectRef idx="2">
+        <a:scrgbClr r="0" g="0" b="0"/>
+      </a:effectRef>
+      <a:fontRef idx="minor">
+        <a:schemeClr val="lt1"/>
+      </a:fontRef>
+    </dgm:style>
+  </dgm:styleLbl>
+  <dgm:styleLbl name="parChTrans2D1">
+    <dgm:scene3d>
+      <a:camera prst="orthographicFront"/>
+      <a:lightRig rig="threePt" dir="t"/>
+    </dgm:scene3d>
+    <dgm:sp3d/>
+    <dgm:txPr/>
+    <dgm:style>
+      <a:lnRef idx="0">
+        <a:scrgbClr r="0" g="0" b="0"/>
+      </a:lnRef>
+      <a:fillRef idx="3">
+        <a:scrgbClr r="0" g="0" b="0"/>
+      </a:fillRef>
+      <a:effectRef idx="2">
+        <a:scrgbClr r="0" g="0" b="0"/>
+      </a:effectRef>
+      <a:fontRef idx="minor">
+        <a:schemeClr val="lt1"/>
+      </a:fontRef>
+    </dgm:style>
+  </dgm:styleLbl>
+  <dgm:styleLbl name="parChTrans2D2">
+    <dgm:scene3d>
+      <a:camera prst="orthographicFront"/>
+      <a:lightRig rig="threePt" dir="t"/>
+    </dgm:scene3d>
+    <dgm:sp3d/>
+    <dgm:txPr/>
+    <dgm:style>
+      <a:lnRef idx="0">
+        <a:scrgbClr r="0" g="0" b="0"/>
+      </a:lnRef>
+      <a:fillRef idx="3">
+        <a:scrgbClr r="0" g="0" b="0"/>
+      </a:fillRef>
+      <a:effectRef idx="2">
+        <a:scrgbClr r="0" g="0" b="0"/>
+      </a:effectRef>
+      <a:fontRef idx="minor">
+        <a:schemeClr val="lt1"/>
+      </a:fontRef>
+    </dgm:style>
+  </dgm:styleLbl>
+  <dgm:styleLbl name="parChTrans2D3">
+    <dgm:scene3d>
+      <a:camera prst="orthographicFront"/>
+      <a:lightRig rig="threePt" dir="t"/>
+    </dgm:scene3d>
+    <dgm:sp3d/>
+    <dgm:txPr/>
+    <dgm:style>
+      <a:lnRef idx="1">
+        <a:scrgbClr r="0" g="0" b="0"/>
+      </a:lnRef>
+      <a:fillRef idx="3">
+        <a:scrgbClr r="0" g="0" b="0"/>
+      </a:fillRef>
+      <a:effectRef idx="2">
+        <a:scrgbClr r="0" g="0" b="0"/>
+      </a:effectRef>
+      <a:fontRef idx="minor">
+        <a:schemeClr val="lt1"/>
+      </a:fontRef>
+    </dgm:style>
+  </dgm:styleLbl>
+  <dgm:styleLbl name="parChTrans2D4">
+    <dgm:scene3d>
+      <a:camera prst="orthographicFront"/>
+      <a:lightRig rig="threePt" dir="t"/>
+    </dgm:scene3d>
+    <dgm:sp3d/>
+    <dgm:txPr/>
+    <dgm:style>
+      <a:lnRef idx="1">
+        <a:scrgbClr r="0" g="0" b="0"/>
+      </a:lnRef>
+      <a:fillRef idx="3">
+        <a:scrgbClr r="0" g="0" b="0"/>
+      </a:fillRef>
+      <a:effectRef idx="2">
+        <a:scrgbClr r="0" g="0" b="0"/>
+      </a:effectRef>
+      <a:fontRef idx="minor">
+        <a:schemeClr val="lt1"/>
+      </a:fontRef>
+    </dgm:style>
+  </dgm:styleLbl>
+  <dgm:styleLbl name="parChTrans1D1">
+    <dgm:scene3d>
+      <a:camera prst="orthographicFront"/>
+      <a:lightRig rig="threePt" dir="t"/>
+    </dgm:scene3d>
+    <dgm:sp3d/>
+    <dgm:txPr/>
+    <dgm:style>
+      <a:lnRef idx="1">
+        <a:scrgbClr r="0" g="0" b="0"/>
+      </a:lnRef>
+      <a:fillRef idx="0">
+        <a:scrgbClr r="0" g="0" b="0"/>
+      </a:fillRef>
+      <a:effectRef idx="0">
+        <a:scrgbClr r="0" g="0" b="0"/>
+      </a:effectRef>
+      <a:fontRef idx="minor"/>
+    </dgm:style>
+  </dgm:styleLbl>
+  <dgm:styleLbl name="parChTrans1D2">
+    <dgm:scene3d>
+      <a:camera prst="orthographicFront"/>
+      <a:lightRig rig="threePt" dir="t"/>
+    </dgm:scene3d>
+    <dgm:sp3d/>
+    <dgm:txPr/>
+    <dgm:style>
+      <a:lnRef idx="1">
+        <a:scrgbClr r="0" g="0" b="0"/>
+      </a:lnRef>
+      <a:fillRef idx="0">
+        <a:scrgbClr r="0" g="0" b="0"/>
+      </a:fillRef>
+      <a:effectRef idx="0">
+        <a:scrgbClr r="0" g="0" b="0"/>
+      </a:effectRef>
+      <a:fontRef idx="minor"/>
+    </dgm:style>
+  </dgm:styleLbl>
+  <dgm:styleLbl name="parChTrans1D3">
+    <dgm:scene3d>
+      <a:camera prst="orthographicFront"/>
+      <a:lightRig rig="threePt" dir="t"/>
+    </dgm:scene3d>
+    <dgm:sp3d/>
+    <dgm:txPr/>
+    <dgm:style>
+      <a:lnRef idx="1">
+        <a:scrgbClr r="0" g="0" b="0"/>
+      </a:lnRef>
+      <a:fillRef idx="0">
+        <a:scrgbClr r="0" g="0" b="0"/>
+      </a:fillRef>
+      <a:effectRef idx="0">
+        <a:scrgbClr r="0" g="0" b="0"/>
+      </a:effectRef>
+      <a:fontRef idx="minor"/>
+    </dgm:style>
+  </dgm:styleLbl>
+  <dgm:styleLbl name="parChTrans1D4">
+    <dgm:scene3d>
+      <a:camera prst="orthographicFront"/>
+      <a:lightRig rig="threePt" dir="t"/>
+    </dgm:scene3d>
+    <dgm:sp3d/>
+    <dgm:txPr/>
+    <dgm:style>
+      <a:lnRef idx="1">
+        <a:scrgbClr r="0" g="0" b="0"/>
+      </a:lnRef>
+      <a:fillRef idx="0">
+        <a:scrgbClr r="0" g="0" b="0"/>
+      </a:fillRef>
+      <a:effectRef idx="0">
+        <a:scrgbClr r="0" g="0" b="0"/>
+      </a:effectRef>
+      <a:fontRef idx="minor"/>
+    </dgm:style>
+  </dgm:styleLbl>
+  <dgm:styleLbl name="fgAcc1">
+    <dgm:scene3d>
+      <a:camera prst="orthographicFront"/>
+      <a:lightRig rig="threePt" dir="t"/>
+    </dgm:scene3d>
+    <dgm:sp3d/>
+    <dgm:txPr/>
+    <dgm:style>
+      <a:lnRef idx="1">
+        <a:scrgbClr r="0" g="0" b="0"/>
+      </a:lnRef>
+      <a:fillRef idx="1">
+        <a:scrgbClr r="0" g="0" b="0"/>
+      </a:fillRef>
+      <a:effectRef idx="0">
+        <a:scrgbClr r="0" g="0" b="0"/>
+      </a:effectRef>
+      <a:fontRef idx="minor"/>
+    </dgm:style>
+  </dgm:styleLbl>
+  <dgm:styleLbl name="conFgAcc1">
+    <dgm:scene3d>
+      <a:camera prst="orthographicFront"/>
+      <a:lightRig rig="threePt" dir="t"/>
+    </dgm:scene3d>
+    <dgm:sp3d/>
+    <dgm:txPr/>
+    <dgm:style>
+      <a:lnRef idx="1">
+        <a:scrgbClr r="0" g="0" b="0"/>
+      </a:lnRef>
+      <a:fillRef idx="1">
+        <a:scrgbClr r="0" g="0" b="0"/>
+      </a:fillRef>
+      <a:effectRef idx="0">
+        <a:scrgbClr r="0" g="0" b="0"/>
+      </a:effectRef>
+      <a:fontRef idx="minor"/>
+    </dgm:style>
+  </dgm:styleLbl>
+  <dgm:styleLbl name="alignAcc1">
+    <dgm:scene3d>
+      <a:camera prst="orthographicFront"/>
+      <a:lightRig rig="threePt" dir="t"/>
+    </dgm:scene3d>
+    <dgm:sp3d/>
+    <dgm:txPr/>
+    <dgm:style>
+      <a:lnRef idx="1">
+        <a:scrgbClr r="0" g="0" b="0"/>
+      </a:lnRef>
+      <a:fillRef idx="1">
+        <a:scrgbClr r="0" g="0" b="0"/>
+      </a:fillRef>
+      <a:effectRef idx="0">
+        <a:scrgbClr r="0" g="0" b="0"/>
+      </a:effectRef>
+      <a:fontRef idx="minor"/>
+    </dgm:style>
+  </dgm:styleLbl>
+  <dgm:styleLbl name="trAlignAcc1">
+    <dgm:scene3d>
+      <a:camera prst="orthographicFront"/>
+      <a:lightRig rig="threePt" dir="t"/>
+    </dgm:scene3d>
+    <dgm:sp3d/>
+    <dgm:txPr/>
+    <dgm:style>
+      <a:lnRef idx="1">
+        <a:scrgbClr r="0" g="0" b="0"/>
+      </a:lnRef>
+      <a:fillRef idx="1">
+        <a:scrgbClr r="0" g="0" b="0"/>
+      </a:fillRef>
+      <a:effectRef idx="0">
+        <a:scrgbClr r="0" g="0" b="0"/>
+      </a:effectRef>
+      <a:fontRef idx="minor"/>
+    </dgm:style>
+  </dgm:styleLbl>
+  <dgm:styleLbl name="bgAcc1">
+    <dgm:scene3d>
+      <a:camera prst="orthographicFront"/>
+      <a:lightRig rig="threePt" dir="t"/>
+    </dgm:scene3d>
+    <dgm:sp3d/>
+    <dgm:txPr/>
+    <dgm:style>
+      <a:lnRef idx="1">
+        <a:scrgbClr r="0" g="0" b="0"/>
+      </a:lnRef>
+      <a:fillRef idx="1">
+        <a:scrgbClr r="0" g="0" b="0"/>
+      </a:fillRef>
+      <a:effectRef idx="0">
+        <a:scrgbClr r="0" g="0" b="0"/>
+      </a:effectRef>
+      <a:fontRef idx="minor"/>
+    </dgm:style>
+  </dgm:styleLbl>
+  <dgm:styleLbl name="solidFgAcc1">
+    <dgm:scene3d>
+      <a:camera prst="orthographicFront"/>
+      <a:lightRig rig="threePt" dir="t"/>
+    </dgm:scene3d>
+    <dgm:sp3d/>
+    <dgm:txPr/>
+    <dgm:style>
+      <a:lnRef idx="1">
+        <a:scrgbClr r="0" g="0" b="0"/>
+      </a:lnRef>
+      <a:fillRef idx="1">
+        <a:scrgbClr r="0" g="0" b="0"/>
+      </a:fillRef>
+      <a:effectRef idx="0">
+        <a:scrgbClr r="0" g="0" b="0"/>
+      </a:effectRef>
+      <a:fontRef idx="minor"/>
+    </dgm:style>
+  </dgm:styleLbl>
+  <dgm:styleLbl name="solidAlignAcc1">
+    <dgm:scene3d>
+      <a:camera prst="orthographicFront"/>
+      <a:lightRig rig="threePt" dir="t"/>
+    </dgm:scene3d>
+    <dgm:sp3d/>
+    <dgm:txPr/>
+    <dgm:style>
+      <a:lnRef idx="1">
+        <a:scrgbClr r="0" g="0" b="0"/>
+      </a:lnRef>
+      <a:fillRef idx="1">
+        <a:scrgbClr r="0" g="0" b="0"/>
+      </a:fillRef>
+      <a:effectRef idx="0">
+        <a:scrgbClr r="0" g="0" b="0"/>
+      </a:effectRef>
+      <a:fontRef idx="minor"/>
+    </dgm:style>
+  </dgm:styleLbl>
+  <dgm:styleLbl name="solidBgAcc1">
+    <dgm:scene3d>
+      <a:camera prst="orthographicFront"/>
+      <a:lightRig rig="threePt" dir="t"/>
+    </dgm:scene3d>
+    <dgm:sp3d/>
+    <dgm:txPr/>
+    <dgm:style>
+      <a:lnRef idx="1">
+        <a:scrgbClr r="0" g="0" b="0"/>
+      </a:lnRef>
+      <a:fillRef idx="1">
+        <a:scrgbClr r="0" g="0" b="0"/>
+      </a:fillRef>
+      <a:effectRef idx="0">
+        <a:scrgbClr r="0" g="0" b="0"/>
+      </a:effectRef>
+      <a:fontRef idx="minor"/>
+    </dgm:style>
+  </dgm:styleLbl>
+  <dgm:styleLbl name="fgAccFollowNode1">
+    <dgm:scene3d>
+      <a:camera prst="orthographicFront"/>
+      <a:lightRig rig="threePt" dir="t"/>
+    </dgm:scene3d>
+    <dgm:sp3d/>
+    <dgm:txPr/>
+    <dgm:style>
+      <a:lnRef idx="1">
+        <a:scrgbClr r="0" g="0" b="0"/>
+      </a:lnRef>
+      <a:fillRef idx="1">
+        <a:scrgbClr r="0" g="0" b="0"/>
+      </a:fillRef>
+      <a:effectRef idx="0">
+        <a:scrgbClr r="0" g="0" b="0"/>
+      </a:effectRef>
+      <a:fontRef idx="minor"/>
+    </dgm:style>
+  </dgm:styleLbl>
+  <dgm:styleLbl name="alignAccFollowNode1">
+    <dgm:scene3d>
+      <a:camera prst="orthographicFront"/>
+      <a:lightRig rig="threePt" dir="t"/>
+    </dgm:scene3d>
+    <dgm:sp3d/>
+    <dgm:txPr/>
+    <dgm:style>
+      <a:lnRef idx="1">
+        <a:scrgbClr r="0" g="0" b="0"/>
+      </a:lnRef>
+      <a:fillRef idx="1">
+        <a:scrgbClr r="0" g="0" b="0"/>
+      </a:fillRef>
+      <a:effectRef idx="0">
+        <a:scrgbClr r="0" g="0" b="0"/>
+      </a:effectRef>
+      <a:fontRef idx="minor"/>
+    </dgm:style>
+  </dgm:styleLbl>
+  <dgm:styleLbl name="bgAccFollowNode1">
+    <dgm:scene3d>
+      <a:camera prst="orthographicFront"/>
+      <a:lightRig rig="threePt" dir="t"/>
+    </dgm:scene3d>
+    <dgm:sp3d/>
+    <dgm:txPr/>
+    <dgm:style>
+      <a:lnRef idx="1">
+        <a:scrgbClr r="0" g="0" b="0"/>
+      </a:lnRef>
+      <a:fillRef idx="1">
+        <a:scrgbClr r="0" g="0" b="0"/>
+      </a:fillRef>
+      <a:effectRef idx="0">
+        <a:scrgbClr r="0" g="0" b="0"/>
+      </a:effectRef>
+      <a:fontRef idx="minor"/>
+    </dgm:style>
+  </dgm:styleLbl>
+  <dgm:styleLbl name="fgAcc0">
+    <dgm:scene3d>
+      <a:camera prst="orthographicFront"/>
+      <a:lightRig rig="threePt" dir="t"/>
+    </dgm:scene3d>
+    <dgm:sp3d/>
+    <dgm:txPr/>
+    <dgm:style>
+      <a:lnRef idx="1">
+        <a:scrgbClr r="0" g="0" b="0"/>
+      </a:lnRef>
+      <a:fillRef idx="1">
+        <a:scrgbClr r="0" g="0" b="0"/>
+      </a:fillRef>
+      <a:effectRef idx="0">
+        <a:scrgbClr r="0" g="0" b="0"/>
+      </a:effectRef>
+      <a:fontRef idx="minor"/>
+    </dgm:style>
+  </dgm:styleLbl>
+  <dgm:styleLbl name="fgAcc2">
+    <dgm:scene3d>
+      <a:camera prst="orthographicFront"/>
+      <a:lightRig rig="threePt" dir="t"/>
+    </dgm:scene3d>
+    <dgm:sp3d/>
+    <dgm:txPr/>
+    <dgm:style>
+      <a:lnRef idx="1">
+        <a:scrgbClr r="0" g="0" b="0"/>
+      </a:lnRef>
+      <a:fillRef idx="1">
+        <a:scrgbClr r="0" g="0" b="0"/>
+      </a:fillRef>
+      <a:effectRef idx="0">
+        <a:scrgbClr r="0" g="0" b="0"/>
+      </a:effectRef>
+      <a:fontRef idx="minor"/>
+    </dgm:style>
+  </dgm:styleLbl>
+  <dgm:styleLbl name="fgAcc3">
+    <dgm:scene3d>
+      <a:camera prst="orthographicFront"/>
+      <a:lightRig rig="threePt" dir="t"/>
+    </dgm:scene3d>
+    <dgm:sp3d/>
+    <dgm:txPr/>
+    <dgm:style>
+      <a:lnRef idx="1">
+        <a:scrgbClr r="0" g="0" b="0"/>
+      </a:lnRef>
+      <a:fillRef idx="1">
+        <a:scrgbClr r="0" g="0" b="0"/>
+      </a:fillRef>
+      <a:effectRef idx="0">
+        <a:scrgbClr r="0" g="0" b="0"/>
+      </a:effectRef>
+      <a:fontRef idx="minor"/>
+    </dgm:style>
+  </dgm:styleLbl>
+  <dgm:styleLbl name="fgAcc4">
+    <dgm:scene3d>
+      <a:camera prst="orthographicFront"/>
+      <a:lightRig rig="threePt" dir="t"/>
+    </dgm:scene3d>
+    <dgm:sp3d/>
+    <dgm:txPr/>
+    <dgm:style>
+      <a:lnRef idx="1">
+        <a:scrgbClr r="0" g="0" b="0"/>
+      </a:lnRef>
+      <a:fillRef idx="1">
+        <a:scrgbClr r="0" g="0" b="0"/>
+      </a:fillRef>
+      <a:effectRef idx="0">
+        <a:scrgbClr r="0" g="0" b="0"/>
+      </a:effectRef>
+      <a:fontRef idx="minor"/>
+    </dgm:style>
+  </dgm:styleLbl>
+  <dgm:styleLbl name="bgShp">
+    <dgm:scene3d>
+      <a:camera prst="orthographicFront"/>
+      <a:lightRig rig="threePt" dir="t"/>
+    </dgm:scene3d>
+    <dgm:sp3d/>
+    <dgm:txPr/>
+    <dgm:style>
+      <a:lnRef idx="0">
+        <a:scrgbClr r="0" g="0" b="0"/>
+      </a:lnRef>
+      <a:fillRef idx="1">
+        <a:scrgbClr r="0" g="0" b="0"/>
+      </a:fillRef>
+      <a:effectRef idx="2">
+        <a:scrgbClr r="0" g="0" b="0"/>
+      </a:effectRef>
+      <a:fontRef idx="minor"/>
+    </dgm:style>
+  </dgm:styleLbl>
+  <dgm:styleLbl name="dkBgShp">
+    <dgm:scene3d>
+      <a:camera prst="orthographicFront"/>
+      <a:lightRig rig="threePt" dir="t"/>
+    </dgm:scene3d>
+    <dgm:sp3d/>
+    <dgm:txPr/>
+    <dgm:style>
+      <a:lnRef idx="0">
+        <a:scrgbClr r="0" g="0" b="0"/>
+      </a:lnRef>
+      <a:fillRef idx="1">
+        <a:scrgbClr r="0" g="0" b="0"/>
+      </a:fillRef>
+      <a:effectRef idx="2">
+        <a:scrgbClr r="0" g="0" b="0"/>
+      </a:effectRef>
+      <a:fontRef idx="minor"/>
+    </dgm:style>
+  </dgm:styleLbl>
+  <dgm:styleLbl name="trBgShp">
+    <dgm:scene3d>
+      <a:camera prst="orthographicFront"/>
+      <a:lightRig rig="threePt" dir="t"/>
+    </dgm:scene3d>
+    <dgm:sp3d/>
+    <dgm:txPr/>
+    <dgm:style>
+      <a:lnRef idx="0">
+        <a:scrgbClr r="0" g="0" b="0"/>
+      </a:lnRef>
+      <a:fillRef idx="1">
+        <a:scrgbClr r="0" g="0" b="0"/>
+      </a:fillRef>
+      <a:effectRef idx="0">
+        <a:scrgbClr r="0" g="0" b="0"/>
+      </a:effectRef>
+      <a:fontRef idx="minor"/>
+    </dgm:style>
+  </dgm:styleLbl>
+  <dgm:styleLbl name="fgShp">
+    <dgm:scene3d>
+      <a:camera prst="orthographicFront"/>
+      <a:lightRig rig="threePt" dir="t"/>
+    </dgm:scene3d>
+    <dgm:sp3d/>
+    <dgm:txPr/>
+    <dgm:style>
+      <a:lnRef idx="0">
+        <a:scrgbClr r="0" g="0" b="0"/>
+      </a:lnRef>
+      <a:fillRef idx="3">
+        <a:scrgbClr r="0" g="0" b="0"/>
+      </a:fillRef>
+      <a:effectRef idx="2">
         <a:scrgbClr r="0" g="0" b="0"/>
       </a:effectRef>
       <a:fontRef idx="minor"/>
@@ -19237,7 +22721,7 @@
             <p:ph idx="1"/>
             <p:extLst>
               <p:ext uri="{D42A27DB-BD31-4B8C-83A1-F6EECF244321}">
-                <p14:modId xmlns:p14="http://schemas.microsoft.com/office/powerpoint/2010/main" val="3270613030"/>
+                <p14:modId xmlns:p14="http://schemas.microsoft.com/office/powerpoint/2010/main" val="1985313652"/>
               </p:ext>
             </p:extLst>
           </p:nvPr>
@@ -19302,13 +22786,13 @@
                         </a:spcAft>
                       </a:pPr>
                       <a:r>
-                        <a:rPr lang="en-US" sz="1200" b="1" i="0" u="none" strike="noStrike">
+                        <a:rPr lang="en-US" sz="1200" b="1" i="0" u="none" strike="noStrike" dirty="0">
                           <a:effectLst/>
                           <a:latin typeface="Arial" panose="020B0604020202020204" pitchFamily="34" charset="0"/>
                         </a:rPr>
                         <a:t>Manufacturer</a:t>
                       </a:r>
-                      <a:endParaRPr lang="en-US" sz="1200" b="0" i="0" u="none" strike="noStrike">
+                      <a:endParaRPr lang="en-US" sz="1200" b="0" i="0" u="none" strike="noStrike" dirty="0">
                         <a:effectLst/>
                         <a:latin typeface="Arial" panose="020B0604020202020204" pitchFamily="34" charset="0"/>
                       </a:endParaRPr>
@@ -19756,11 +23240,11 @@
                         </a:spcAft>
                       </a:pPr>
                       <a:r>
-                        <a:rPr lang="en-US" sz="1200" b="0" i="0" u="none" strike="noStrike">
+                        <a:rPr lang="en-US" sz="1200" b="0" i="0" u="none" strike="noStrike" dirty="0">
                           <a:effectLst/>
                           <a:latin typeface="Arial" panose="020B0604020202020204" pitchFamily="34" charset="0"/>
                         </a:rPr>
-                        <a:t>Azure Based solution that manages 100M+ devices all shapes and sizes</a:t>
+                        <a:t>Azure Based solution that manages 100M+ devices of all shapes and sizes</a:t>
                       </a:r>
                     </a:p>
                   </a:txBody>
@@ -20917,6 +24401,29 @@
 <file path=ppt/slides/slide12.xml><?xml version="1.0" encoding="utf-8"?>
 <p:sld xmlns:a="http://schemas.openxmlformats.org/drawingml/2006/main" xmlns:r="http://schemas.openxmlformats.org/officeDocument/2006/relationships" xmlns:p="http://schemas.openxmlformats.org/presentationml/2006/main">
   <p:cSld>
+    <p:bg>
+      <p:bgPr>
+        <a:gradFill rotWithShape="1">
+          <a:gsLst>
+            <a:gs pos="0">
+              <a:schemeClr val="bg2">
+                <a:tint val="90000"/>
+                <a:lumMod val="120000"/>
+              </a:schemeClr>
+            </a:gs>
+            <a:gs pos="100000">
+              <a:schemeClr val="bg2">
+                <a:shade val="98000"/>
+                <a:satMod val="120000"/>
+                <a:lumMod val="98000"/>
+              </a:schemeClr>
+            </a:gs>
+          </a:gsLst>
+          <a:lin ang="5400000" scaled="0"/>
+        </a:gradFill>
+        <a:effectLst/>
+      </p:bgPr>
+    </p:bg>
     <p:spTree>
       <p:nvGrpSpPr>
         <p:cNvPr id="1" name=""/>
@@ -20931,6 +24438,120 @@
           <a:chExt cx="0" cy="0"/>
         </a:xfrm>
       </p:grpSpPr>
+      <p:sp useBgFill="1">
+        <p:nvSpPr>
+          <p:cNvPr id="11" name="Rectangle 10">
+            <a:extLst>
+              <a:ext uri="{FF2B5EF4-FFF2-40B4-BE49-F238E27FC236}">
+                <a16:creationId xmlns:a16="http://schemas.microsoft.com/office/drawing/2014/main" id="{31DBE429-8660-4D88-BC47-B159B7251BBE}"/>
+              </a:ext>
+              <a:ext uri="{C183D7F6-B498-43B3-948B-1728B52AA6E4}">
+                <adec:decorative xmlns:adec="http://schemas.microsoft.com/office/drawing/2017/decorative" val="1"/>
+              </a:ext>
+            </a:extLst>
+          </p:cNvPr>
+          <p:cNvSpPr>
+            <a:spLocks noGrp="1" noRot="1" noChangeAspect="1" noMove="1" noResize="1" noEditPoints="1" noAdjustHandles="1" noChangeArrowheads="1" noChangeShapeType="1" noTextEdit="1"/>
+          </p:cNvSpPr>
+          <p:nvPr>
+            <p:extLst>
+              <p:ext uri="{386F3935-93C4-4BCD-93E2-E3B085C9AB24}">
+                <p16:designElem xmlns:p16="http://schemas.microsoft.com/office/powerpoint/2015/main" val="1"/>
+              </p:ext>
+            </p:extLst>
+          </p:nvPr>
+        </p:nvSpPr>
+        <p:spPr>
+          <a:xfrm>
+            <a:off x="1" y="0"/>
+            <a:ext cx="12192000" cy="6858000"/>
+          </a:xfrm>
+          <a:prstGeom prst="rect">
+            <a:avLst/>
+          </a:prstGeom>
+          <a:ln>
+            <a:noFill/>
+          </a:ln>
+        </p:spPr>
+        <p:style>
+          <a:lnRef idx="2">
+            <a:schemeClr val="accent1">
+              <a:shade val="50000"/>
+            </a:schemeClr>
+          </a:lnRef>
+          <a:fillRef idx="1">
+            <a:schemeClr val="accent1"/>
+          </a:fillRef>
+          <a:effectRef idx="0">
+            <a:schemeClr val="accent1"/>
+          </a:effectRef>
+          <a:fontRef idx="minor">
+            <a:schemeClr val="lt1"/>
+          </a:fontRef>
+        </p:style>
+        <p:txBody>
+          <a:bodyPr rtlCol="0" anchor="ctr"/>
+          <a:lstStyle/>
+          <a:p>
+            <a:pPr algn="ctr"/>
+            <a:endParaRPr lang="en-US"/>
+          </a:p>
+        </p:txBody>
+      </p:sp>
+      <p:sp>
+        <p:nvSpPr>
+          <p:cNvPr id="13" name="Rectangle 12">
+            <a:extLst>
+              <a:ext uri="{FF2B5EF4-FFF2-40B4-BE49-F238E27FC236}">
+                <a16:creationId xmlns:a16="http://schemas.microsoft.com/office/drawing/2014/main" id="{BB7DF222-98CD-4513-8AEA-F83CF2A118FB}"/>
+              </a:ext>
+              <a:ext uri="{C183D7F6-B498-43B3-948B-1728B52AA6E4}">
+                <adec:decorative xmlns:adec="http://schemas.microsoft.com/office/drawing/2017/decorative" val="1"/>
+              </a:ext>
+            </a:extLst>
+          </p:cNvPr>
+          <p:cNvSpPr>
+            <a:spLocks noGrp="1" noRot="1" noChangeAspect="1" noMove="1" noResize="1" noEditPoints="1" noAdjustHandles="1" noChangeArrowheads="1" noChangeShapeType="1" noTextEdit="1"/>
+          </p:cNvSpPr>
+          <p:nvPr>
+            <p:extLst>
+              <p:ext uri="{386F3935-93C4-4BCD-93E2-E3B085C9AB24}">
+                <p16:designElem xmlns:p16="http://schemas.microsoft.com/office/powerpoint/2015/main" val="1"/>
+              </p:ext>
+            </p:extLst>
+          </p:nvPr>
+        </p:nvSpPr>
+        <p:spPr>
+          <a:xfrm>
+            <a:off x="0" y="0"/>
+            <a:ext cx="12192000" cy="2306695"/>
+          </a:xfrm>
+          <a:prstGeom prst="rect">
+            <a:avLst/>
+          </a:prstGeom>
+          <a:solidFill>
+            <a:schemeClr val="tx2"/>
+          </a:solidFill>
+          <a:ln>
+            <a:noFill/>
+          </a:ln>
+          <a:effectLst/>
+        </p:spPr>
+        <p:style>
+          <a:lnRef idx="1">
+            <a:schemeClr val="accent1"/>
+          </a:lnRef>
+          <a:fillRef idx="3">
+            <a:schemeClr val="accent1"/>
+          </a:fillRef>
+          <a:effectRef idx="2">
+            <a:schemeClr val="accent1"/>
+          </a:effectRef>
+          <a:fontRef idx="minor">
+            <a:schemeClr val="lt1"/>
+          </a:fontRef>
+        </p:style>
+      </p:sp>
       <p:sp>
         <p:nvSpPr>
           <p:cNvPr id="2" name="Title 1">
@@ -20947,13 +24568,24 @@
             <p:ph type="title"/>
           </p:nvPr>
         </p:nvSpPr>
-        <p:spPr/>
+        <p:spPr>
+          <a:xfrm>
+            <a:off x="1843391" y="624110"/>
+            <a:ext cx="9383408" cy="1280890"/>
+          </a:xfrm>
+        </p:spPr>
         <p:txBody>
-          <a:bodyPr/>
+          <a:bodyPr>
+            <a:normAutofit/>
+          </a:bodyPr>
           <a:lstStyle/>
           <a:p>
             <a:r>
-              <a:rPr lang="en-US" dirty="0"/>
+              <a:rPr lang="en-US">
+                <a:solidFill>
+                  <a:schemeClr val="bg1"/>
+                </a:solidFill>
+              </a:rPr>
               <a:t>Building a Privacy First Framework</a:t>
             </a:r>
           </a:p>
@@ -20961,29 +24593,387 @@
       </p:sp>
       <p:sp>
         <p:nvSpPr>
-          <p:cNvPr id="3" name="Content Placeholder 2">
+          <p:cNvPr id="15" name="Freeform 11">
             <a:extLst>
               <a:ext uri="{FF2B5EF4-FFF2-40B4-BE49-F238E27FC236}">
-                <a16:creationId xmlns:a16="http://schemas.microsoft.com/office/drawing/2014/main" id="{A11A525C-859F-4262-A691-57BC036086B5}"/>
+                <a16:creationId xmlns:a16="http://schemas.microsoft.com/office/drawing/2014/main" id="{92C98781-DD9B-44BA-B873-BD5060A9C4EF}"/>
+              </a:ext>
+              <a:ext uri="{C183D7F6-B498-43B3-948B-1728B52AA6E4}">
+                <adec:decorative xmlns:adec="http://schemas.microsoft.com/office/drawing/2017/decorative" val="1"/>
               </a:ext>
             </a:extLst>
           </p:cNvPr>
           <p:cNvSpPr>
-            <a:spLocks noGrp="1"/>
+            <a:spLocks noGrp="1" noRot="1" noChangeAspect="1" noMove="1" noResize="1" noEditPoints="1" noAdjustHandles="1" noChangeArrowheads="1" noChangeShapeType="1" noTextEdit="1"/>
           </p:cNvSpPr>
           <p:nvPr>
-            <p:ph idx="1"/>
+            <p:extLst>
+              <p:ext uri="{386F3935-93C4-4BCD-93E2-E3B085C9AB24}">
+                <p16:designElem xmlns:p16="http://schemas.microsoft.com/office/powerpoint/2015/main" val="1"/>
+              </p:ext>
+            </p:extLst>
           </p:nvPr>
         </p:nvSpPr>
-        <p:spPr/>
+        <p:spPr bwMode="auto">
+          <a:xfrm flipV="1">
+            <a:off x="-4189" y="714375"/>
+            <a:ext cx="1588527" cy="507297"/>
+          </a:xfrm>
+          <a:custGeom>
+            <a:avLst/>
+            <a:gdLst/>
+            <a:ahLst/>
+            <a:cxnLst/>
+            <a:rect l="l" t="t" r="r" b="b"/>
+            <a:pathLst>
+              <a:path w="9248" h="10000">
+                <a:moveTo>
+                  <a:pt x="9248" y="4701"/>
+                </a:moveTo>
+                <a:lnTo>
+                  <a:pt x="7915" y="188"/>
+                </a:lnTo>
+                <a:cubicBezTo>
+                  <a:pt x="7906" y="156"/>
+                  <a:pt x="7895" y="126"/>
+                  <a:pt x="7886" y="94"/>
+                </a:cubicBezTo>
+                <a:cubicBezTo>
+                  <a:pt x="7859" y="0"/>
+                  <a:pt x="7831" y="0"/>
+                  <a:pt x="7803" y="0"/>
+                </a:cubicBezTo>
+                <a:lnTo>
+                  <a:pt x="7275" y="0"/>
+                </a:lnTo>
+                <a:lnTo>
+                  <a:pt x="0" y="70"/>
+                </a:lnTo>
+                <a:cubicBezTo>
+                  <a:pt x="8" y="3380"/>
+                  <a:pt x="17" y="6690"/>
+                  <a:pt x="25" y="10000"/>
+                </a:cubicBezTo>
+                <a:lnTo>
+                  <a:pt x="7275" y="9966"/>
+                </a:lnTo>
+                <a:lnTo>
+                  <a:pt x="7803" y="9966"/>
+                </a:lnTo>
+                <a:cubicBezTo>
+                  <a:pt x="7831" y="9966"/>
+                  <a:pt x="7859" y="9872"/>
+                  <a:pt x="7886" y="9872"/>
+                </a:cubicBezTo>
+                <a:cubicBezTo>
+                  <a:pt x="7886" y="9778"/>
+                  <a:pt x="7915" y="9778"/>
+                  <a:pt x="7915" y="9778"/>
+                </a:cubicBezTo>
+                <a:lnTo>
+                  <a:pt x="9248" y="5265"/>
+                </a:lnTo>
+                <a:cubicBezTo>
+                  <a:pt x="9303" y="5077"/>
+                  <a:pt x="9303" y="4889"/>
+                  <a:pt x="9248" y="4701"/>
+                </a:cubicBezTo>
+                <a:close/>
+              </a:path>
+            </a:pathLst>
+          </a:custGeom>
+          <a:solidFill>
+            <a:schemeClr val="accent1"/>
+          </a:solidFill>
+          <a:ln>
+            <a:noFill/>
+          </a:ln>
+        </p:spPr>
+      </p:sp>
+      <p:sp>
+        <p:nvSpPr>
+          <p:cNvPr id="4" name="Content Placeholder 2">
+            <a:extLst>
+              <a:ext uri="{FF2B5EF4-FFF2-40B4-BE49-F238E27FC236}">
+                <a16:creationId xmlns:a16="http://schemas.microsoft.com/office/drawing/2014/main" id="{D30A074E-85F8-4024-9A6B-9F0D9E5BEFDA}"/>
+              </a:ext>
+            </a:extLst>
+          </p:cNvPr>
+          <p:cNvSpPr txBox="1">
+            <a:spLocks/>
+          </p:cNvSpPr>
+          <p:nvPr/>
+        </p:nvSpPr>
+        <p:spPr>
+          <a:xfrm>
+            <a:off x="6096000" y="2100044"/>
+            <a:ext cx="3660586" cy="3777622"/>
+          </a:xfrm>
+          <a:prstGeom prst="rect">
+            <a:avLst/>
+          </a:prstGeom>
+        </p:spPr>
         <p:txBody>
-          <a:bodyPr/>
-          <a:lstStyle/>
+          <a:bodyPr vert="horz" lIns="91440" tIns="45720" rIns="91440" bIns="45720" rtlCol="0">
+            <a:normAutofit/>
+          </a:bodyPr>
+          <a:lstStyle>
+            <a:lvl1pPr marL="342900" indent="-342900" algn="l" defTabSz="457200" rtl="0" eaLnBrk="1" latinLnBrk="0" hangingPunct="1">
+              <a:spcBef>
+                <a:spcPts val="1000"/>
+              </a:spcBef>
+              <a:spcAft>
+                <a:spcPts val="0"/>
+              </a:spcAft>
+              <a:buClr>
+                <a:schemeClr val="accent1"/>
+              </a:buClr>
+              <a:buFont typeface="Wingdings 3" charset="2"/>
+              <a:buChar char=""/>
+              <a:defRPr sz="1800" kern="1200">
+                <a:solidFill>
+                  <a:schemeClr val="tx1">
+                    <a:lumMod val="75000"/>
+                    <a:lumOff val="25000"/>
+                  </a:schemeClr>
+                </a:solidFill>
+                <a:latin typeface="+mn-lt"/>
+                <a:ea typeface="+mn-ea"/>
+                <a:cs typeface="+mn-cs"/>
+              </a:defRPr>
+            </a:lvl1pPr>
+            <a:lvl2pPr marL="742950" indent="-285750" algn="l" defTabSz="457200" rtl="0" eaLnBrk="1" latinLnBrk="0" hangingPunct="1">
+              <a:spcBef>
+                <a:spcPts val="1000"/>
+              </a:spcBef>
+              <a:spcAft>
+                <a:spcPts val="0"/>
+              </a:spcAft>
+              <a:buClr>
+                <a:schemeClr val="accent1"/>
+              </a:buClr>
+              <a:buFont typeface="Wingdings 3" charset="2"/>
+              <a:buChar char=""/>
+              <a:defRPr sz="1600" kern="1200">
+                <a:solidFill>
+                  <a:schemeClr val="tx1">
+                    <a:lumMod val="75000"/>
+                    <a:lumOff val="25000"/>
+                  </a:schemeClr>
+                </a:solidFill>
+                <a:latin typeface="+mn-lt"/>
+                <a:ea typeface="+mn-ea"/>
+                <a:cs typeface="+mn-cs"/>
+              </a:defRPr>
+            </a:lvl2pPr>
+            <a:lvl3pPr marL="1143000" indent="-228600" algn="l" defTabSz="457200" rtl="0" eaLnBrk="1" latinLnBrk="0" hangingPunct="1">
+              <a:spcBef>
+                <a:spcPts val="1000"/>
+              </a:spcBef>
+              <a:spcAft>
+                <a:spcPts val="0"/>
+              </a:spcAft>
+              <a:buClr>
+                <a:schemeClr val="accent1"/>
+              </a:buClr>
+              <a:buFont typeface="Wingdings 3" charset="2"/>
+              <a:buChar char=""/>
+              <a:defRPr sz="1400" kern="1200">
+                <a:solidFill>
+                  <a:schemeClr val="tx1">
+                    <a:lumMod val="75000"/>
+                    <a:lumOff val="25000"/>
+                  </a:schemeClr>
+                </a:solidFill>
+                <a:latin typeface="+mn-lt"/>
+                <a:ea typeface="+mn-ea"/>
+                <a:cs typeface="+mn-cs"/>
+              </a:defRPr>
+            </a:lvl3pPr>
+            <a:lvl4pPr marL="1600200" indent="-228600" algn="l" defTabSz="457200" rtl="0" eaLnBrk="1" latinLnBrk="0" hangingPunct="1">
+              <a:spcBef>
+                <a:spcPts val="1000"/>
+              </a:spcBef>
+              <a:spcAft>
+                <a:spcPts val="0"/>
+              </a:spcAft>
+              <a:buClr>
+                <a:schemeClr val="accent1"/>
+              </a:buClr>
+              <a:buFont typeface="Wingdings 3" charset="2"/>
+              <a:buChar char=""/>
+              <a:defRPr sz="1200" kern="1200">
+                <a:solidFill>
+                  <a:schemeClr val="tx1">
+                    <a:lumMod val="75000"/>
+                    <a:lumOff val="25000"/>
+                  </a:schemeClr>
+                </a:solidFill>
+                <a:latin typeface="+mn-lt"/>
+                <a:ea typeface="+mn-ea"/>
+                <a:cs typeface="+mn-cs"/>
+              </a:defRPr>
+            </a:lvl4pPr>
+            <a:lvl5pPr marL="2057400" indent="-228600" algn="l" defTabSz="457200" rtl="0" eaLnBrk="1" latinLnBrk="0" hangingPunct="1">
+              <a:spcBef>
+                <a:spcPts val="1000"/>
+              </a:spcBef>
+              <a:spcAft>
+                <a:spcPts val="0"/>
+              </a:spcAft>
+              <a:buClr>
+                <a:schemeClr val="accent1"/>
+              </a:buClr>
+              <a:buFont typeface="Wingdings 3" charset="2"/>
+              <a:buChar char=""/>
+              <a:defRPr sz="1200" kern="1200">
+                <a:solidFill>
+                  <a:schemeClr val="tx1">
+                    <a:lumMod val="75000"/>
+                    <a:lumOff val="25000"/>
+                  </a:schemeClr>
+                </a:solidFill>
+                <a:latin typeface="+mn-lt"/>
+                <a:ea typeface="+mn-ea"/>
+                <a:cs typeface="+mn-cs"/>
+              </a:defRPr>
+            </a:lvl5pPr>
+            <a:lvl6pPr marL="2514600" indent="-228600" algn="l" defTabSz="457200" rtl="0" eaLnBrk="1" latinLnBrk="0" hangingPunct="1">
+              <a:spcBef>
+                <a:spcPts val="1000"/>
+              </a:spcBef>
+              <a:spcAft>
+                <a:spcPts val="0"/>
+              </a:spcAft>
+              <a:buClr>
+                <a:schemeClr val="accent1"/>
+              </a:buClr>
+              <a:buFont typeface="Wingdings 3" charset="2"/>
+              <a:buChar char=""/>
+              <a:defRPr sz="1200" kern="1200">
+                <a:solidFill>
+                  <a:schemeClr val="tx1">
+                    <a:lumMod val="75000"/>
+                    <a:lumOff val="25000"/>
+                  </a:schemeClr>
+                </a:solidFill>
+                <a:latin typeface="+mn-lt"/>
+                <a:ea typeface="+mn-ea"/>
+                <a:cs typeface="+mn-cs"/>
+              </a:defRPr>
+            </a:lvl6pPr>
+            <a:lvl7pPr marL="2971800" indent="-228600" algn="l" defTabSz="457200" rtl="0" eaLnBrk="1" latinLnBrk="0" hangingPunct="1">
+              <a:spcBef>
+                <a:spcPts val="1000"/>
+              </a:spcBef>
+              <a:spcAft>
+                <a:spcPts val="0"/>
+              </a:spcAft>
+              <a:buClr>
+                <a:schemeClr val="accent1"/>
+              </a:buClr>
+              <a:buFont typeface="Wingdings 3" charset="2"/>
+              <a:buChar char=""/>
+              <a:defRPr sz="1200" kern="1200">
+                <a:solidFill>
+                  <a:schemeClr val="tx1">
+                    <a:lumMod val="75000"/>
+                    <a:lumOff val="25000"/>
+                  </a:schemeClr>
+                </a:solidFill>
+                <a:latin typeface="+mn-lt"/>
+                <a:ea typeface="+mn-ea"/>
+                <a:cs typeface="+mn-cs"/>
+              </a:defRPr>
+            </a:lvl7pPr>
+            <a:lvl8pPr marL="3429000" indent="-228600" algn="l" defTabSz="457200" rtl="0" eaLnBrk="1" latinLnBrk="0" hangingPunct="1">
+              <a:spcBef>
+                <a:spcPts val="1000"/>
+              </a:spcBef>
+              <a:spcAft>
+                <a:spcPts val="0"/>
+              </a:spcAft>
+              <a:buClr>
+                <a:schemeClr val="accent1"/>
+              </a:buClr>
+              <a:buFont typeface="Wingdings 3" charset="2"/>
+              <a:buChar char=""/>
+              <a:defRPr sz="1200" kern="1200">
+                <a:solidFill>
+                  <a:schemeClr val="tx1">
+                    <a:lumMod val="75000"/>
+                    <a:lumOff val="25000"/>
+                  </a:schemeClr>
+                </a:solidFill>
+                <a:latin typeface="+mn-lt"/>
+                <a:ea typeface="+mn-ea"/>
+                <a:cs typeface="+mn-cs"/>
+              </a:defRPr>
+            </a:lvl8pPr>
+            <a:lvl9pPr marL="3886200" indent="-228600" algn="l" defTabSz="457200" rtl="0" eaLnBrk="1" latinLnBrk="0" hangingPunct="1">
+              <a:spcBef>
+                <a:spcPts val="1000"/>
+              </a:spcBef>
+              <a:spcAft>
+                <a:spcPts val="0"/>
+              </a:spcAft>
+              <a:buClr>
+                <a:schemeClr val="accent1"/>
+              </a:buClr>
+              <a:buFont typeface="Wingdings 3" charset="2"/>
+              <a:buChar char=""/>
+              <a:defRPr sz="1200" kern="1200">
+                <a:solidFill>
+                  <a:schemeClr val="tx1">
+                    <a:lumMod val="75000"/>
+                    <a:lumOff val="25000"/>
+                  </a:schemeClr>
+                </a:solidFill>
+                <a:latin typeface="+mn-lt"/>
+                <a:ea typeface="+mn-ea"/>
+                <a:cs typeface="+mn-cs"/>
+              </a:defRPr>
+            </a:lvl9pPr>
+          </a:lstStyle>
           <a:p>
-            <a:endParaRPr lang="en-US"/>
+            <a:pPr marL="0" indent="0">
+              <a:buNone/>
+            </a:pPr>
+            <a:endParaRPr lang="en-US" dirty="0"/>
           </a:p>
         </p:txBody>
       </p:sp>
+      <p:graphicFrame>
+        <p:nvGraphicFramePr>
+          <p:cNvPr id="6" name="Content Placeholder 5">
+            <a:extLst>
+              <a:ext uri="{FF2B5EF4-FFF2-40B4-BE49-F238E27FC236}">
+                <a16:creationId xmlns:a16="http://schemas.microsoft.com/office/drawing/2014/main" id="{E15A84FB-EF73-4F3D-8D2A-88C99875532F}"/>
+              </a:ext>
+            </a:extLst>
+          </p:cNvPr>
+          <p:cNvGraphicFramePr>
+            <a:graphicFrameLocks noGrp="1"/>
+          </p:cNvGraphicFramePr>
+          <p:nvPr>
+            <p:ph idx="1"/>
+            <p:extLst>
+              <p:ext uri="{D42A27DB-BD31-4B8C-83A1-F6EECF244321}">
+                <p14:modId xmlns:p14="http://schemas.microsoft.com/office/powerpoint/2010/main" val="763050072"/>
+              </p:ext>
+            </p:extLst>
+          </p:nvPr>
+        </p:nvGraphicFramePr>
+        <p:xfrm>
+          <a:off x="961012" y="2930805"/>
+          <a:ext cx="10265786" cy="2961996"/>
+        </p:xfrm>
+        <a:graphic>
+          <a:graphicData uri="http://schemas.openxmlformats.org/drawingml/2006/diagram">
+            <dgm:relIds xmlns:dgm="http://schemas.openxmlformats.org/drawingml/2006/diagram" xmlns:r="http://schemas.openxmlformats.org/officeDocument/2006/relationships" r:dm="rId2" r:lo="rId3" r:qs="rId4" r:cs="rId5"/>
+          </a:graphicData>
+        </a:graphic>
+      </p:graphicFrame>
     </p:spTree>
     <p:extLst>
       <p:ext uri="{BB962C8B-B14F-4D97-AF65-F5344CB8AC3E}">

--- a/Week7_MasterDataMgmt/BachmeierNTIM7030-7.pptx
+++ b/Week7_MasterDataMgmt/BachmeierNTIM7030-7.pptx
@@ -3165,6 +3165,927 @@
   <dgm:styleLbl name="revTx">
     <dgm:fillClrLst meth="repeat">
       <a:schemeClr val="lt2">
+        <a:alpha val="0"/>
+      </a:schemeClr>
+    </dgm:fillClrLst>
+    <dgm:linClrLst meth="repeat">
+      <a:schemeClr val="dk1">
+        <a:alpha val="0"/>
+      </a:schemeClr>
+    </dgm:linClrLst>
+    <dgm:effectClrLst/>
+    <dgm:txLinClrLst/>
+    <dgm:txFillClrLst meth="repeat">
+      <a:schemeClr val="tx1"/>
+    </dgm:txFillClrLst>
+    <dgm:txEffectClrLst/>
+  </dgm:styleLbl>
+</dgm:colorsDef>
+</file>
+
+<file path=ppt/diagrams/colors5.xml><?xml version="1.0" encoding="utf-8"?>
+<dgm:colorsDef xmlns:dgm="http://schemas.openxmlformats.org/drawingml/2006/diagram" xmlns:a="http://schemas.openxmlformats.org/drawingml/2006/main" uniqueId="urn:microsoft.com/office/officeart/2018/5/colors/Iconchunking_neutralbg_colorful1">
+  <dgm:title val=""/>
+  <dgm:desc val=""/>
+  <dgm:catLst>
+    <dgm:cat type="colorful" pri="10100"/>
+  </dgm:catLst>
+  <dgm:styleLbl name="node0">
+    <dgm:fillClrLst meth="repeat">
+      <a:schemeClr val="accent1"/>
+    </dgm:fillClrLst>
+    <dgm:linClrLst meth="repeat">
+      <a:schemeClr val="lt1"/>
+    </dgm:linClrLst>
+    <dgm:effectClrLst/>
+    <dgm:txLinClrLst/>
+    <dgm:txFillClrLst/>
+    <dgm:txEffectClrLst/>
+  </dgm:styleLbl>
+  <dgm:styleLbl name="node1">
+    <dgm:fillClrLst meth="repeat">
+      <a:schemeClr val="accent2"/>
+      <a:schemeClr val="accent3"/>
+      <a:schemeClr val="accent4"/>
+      <a:schemeClr val="accent5"/>
+      <a:schemeClr val="accent6"/>
+    </dgm:fillClrLst>
+    <dgm:linClrLst meth="repeat">
+      <a:schemeClr val="lt1">
+        <a:alpha val="0"/>
+      </a:schemeClr>
+    </dgm:linClrLst>
+    <dgm:effectClrLst/>
+    <dgm:txLinClrLst/>
+    <dgm:txFillClrLst/>
+    <dgm:txEffectClrLst/>
+  </dgm:styleLbl>
+  <dgm:styleLbl name="alignNode1">
+    <dgm:fillClrLst meth="repeat">
+      <a:schemeClr val="accent2"/>
+      <a:schemeClr val="accent3"/>
+      <a:schemeClr val="accent4"/>
+      <a:schemeClr val="accent5"/>
+      <a:schemeClr val="accent6"/>
+    </dgm:fillClrLst>
+    <dgm:linClrLst meth="repeat">
+      <a:schemeClr val="accent2"/>
+      <a:schemeClr val="accent3"/>
+      <a:schemeClr val="accent4"/>
+      <a:schemeClr val="accent5"/>
+      <a:schemeClr val="accent6"/>
+    </dgm:linClrLst>
+    <dgm:effectClrLst/>
+    <dgm:txLinClrLst/>
+    <dgm:txFillClrLst/>
+    <dgm:txEffectClrLst/>
+  </dgm:styleLbl>
+  <dgm:styleLbl name="lnNode1">
+    <dgm:fillClrLst meth="repeat">
+      <a:schemeClr val="accent2"/>
+      <a:schemeClr val="accent3"/>
+      <a:schemeClr val="accent4"/>
+      <a:schemeClr val="accent5"/>
+      <a:schemeClr val="accent6"/>
+    </dgm:fillClrLst>
+    <dgm:linClrLst meth="repeat">
+      <a:schemeClr val="lt1"/>
+    </dgm:linClrLst>
+    <dgm:effectClrLst/>
+    <dgm:txLinClrLst/>
+    <dgm:txFillClrLst/>
+    <dgm:txEffectClrLst/>
+  </dgm:styleLbl>
+  <dgm:styleLbl name="vennNode1">
+    <dgm:fillClrLst meth="repeat">
+      <a:schemeClr val="accent2">
+        <a:alpha val="50000"/>
+      </a:schemeClr>
+      <a:schemeClr val="accent3">
+        <a:alpha val="50000"/>
+      </a:schemeClr>
+      <a:schemeClr val="accent4">
+        <a:alpha val="50000"/>
+      </a:schemeClr>
+      <a:schemeClr val="accent5">
+        <a:alpha val="50000"/>
+      </a:schemeClr>
+      <a:schemeClr val="accent6">
+        <a:alpha val="50000"/>
+      </a:schemeClr>
+    </dgm:fillClrLst>
+    <dgm:linClrLst meth="repeat">
+      <a:schemeClr val="lt1"/>
+    </dgm:linClrLst>
+    <dgm:effectClrLst/>
+    <dgm:txLinClrLst/>
+    <dgm:txFillClrLst/>
+    <dgm:txEffectClrLst/>
+  </dgm:styleLbl>
+  <dgm:styleLbl name="node2">
+    <dgm:fillClrLst>
+      <a:schemeClr val="accent2"/>
+    </dgm:fillClrLst>
+    <dgm:linClrLst meth="repeat">
+      <a:schemeClr val="lt1"/>
+    </dgm:linClrLst>
+    <dgm:effectClrLst/>
+    <dgm:txLinClrLst/>
+    <dgm:txFillClrLst/>
+    <dgm:txEffectClrLst/>
+  </dgm:styleLbl>
+  <dgm:styleLbl name="node3">
+    <dgm:fillClrLst>
+      <a:schemeClr val="accent3"/>
+    </dgm:fillClrLst>
+    <dgm:linClrLst meth="repeat">
+      <a:schemeClr val="lt1"/>
+    </dgm:linClrLst>
+    <dgm:effectClrLst/>
+    <dgm:txLinClrLst/>
+    <dgm:txFillClrLst/>
+    <dgm:txEffectClrLst/>
+  </dgm:styleLbl>
+  <dgm:styleLbl name="node4">
+    <dgm:fillClrLst>
+      <a:schemeClr val="accent4"/>
+    </dgm:fillClrLst>
+    <dgm:linClrLst meth="repeat">
+      <a:schemeClr val="lt1"/>
+    </dgm:linClrLst>
+    <dgm:effectClrLst/>
+    <dgm:txLinClrLst/>
+    <dgm:txFillClrLst/>
+    <dgm:txEffectClrLst/>
+  </dgm:styleLbl>
+  <dgm:styleLbl name="fgImgPlace1">
+    <dgm:fillClrLst meth="repeat">
+      <a:schemeClr val="accent2">
+        <a:tint val="50000"/>
+      </a:schemeClr>
+      <a:schemeClr val="accent3">
+        <a:tint val="50000"/>
+      </a:schemeClr>
+      <a:schemeClr val="accent4">
+        <a:tint val="50000"/>
+      </a:schemeClr>
+      <a:schemeClr val="accent5">
+        <a:tint val="50000"/>
+      </a:schemeClr>
+      <a:schemeClr val="accent6">
+        <a:tint val="50000"/>
+      </a:schemeClr>
+    </dgm:fillClrLst>
+    <dgm:linClrLst meth="repeat">
+      <a:schemeClr val="lt1"/>
+    </dgm:linClrLst>
+    <dgm:effectClrLst/>
+    <dgm:txLinClrLst/>
+    <dgm:txFillClrLst meth="repeat">
+      <a:schemeClr val="lt1"/>
+    </dgm:txFillClrLst>
+    <dgm:txEffectClrLst/>
+  </dgm:styleLbl>
+  <dgm:styleLbl name="alignImgPlace1">
+    <dgm:fillClrLst>
+      <a:schemeClr val="accent1">
+        <a:tint val="50000"/>
+      </a:schemeClr>
+      <a:schemeClr val="accent2">
+        <a:tint val="20000"/>
+      </a:schemeClr>
+    </dgm:fillClrLst>
+    <dgm:linClrLst meth="repeat">
+      <a:schemeClr val="lt1"/>
+    </dgm:linClrLst>
+    <dgm:effectClrLst/>
+    <dgm:txLinClrLst/>
+    <dgm:txFillClrLst meth="repeat">
+      <a:schemeClr val="lt1"/>
+    </dgm:txFillClrLst>
+    <dgm:txEffectClrLst/>
+  </dgm:styleLbl>
+  <dgm:styleLbl name="bgImgPlace1">
+    <dgm:fillClrLst>
+      <a:schemeClr val="accent1">
+        <a:tint val="50000"/>
+      </a:schemeClr>
+      <a:schemeClr val="accent2">
+        <a:tint val="20000"/>
+      </a:schemeClr>
+    </dgm:fillClrLst>
+    <dgm:linClrLst meth="repeat">
+      <a:schemeClr val="lt1"/>
+    </dgm:linClrLst>
+    <dgm:effectClrLst/>
+    <dgm:txLinClrLst/>
+    <dgm:txFillClrLst meth="repeat">
+      <a:schemeClr val="lt1"/>
+    </dgm:txFillClrLst>
+    <dgm:txEffectClrLst/>
+  </dgm:styleLbl>
+  <dgm:styleLbl name="sibTrans2D1">
+    <dgm:fillClrLst meth="repeat">
+      <a:schemeClr val="accent2"/>
+      <a:schemeClr val="accent3"/>
+      <a:schemeClr val="accent4"/>
+      <a:schemeClr val="accent5"/>
+      <a:schemeClr val="accent6"/>
+    </dgm:fillClrLst>
+    <dgm:linClrLst meth="cycle">
+      <a:schemeClr val="lt1"/>
+    </dgm:linClrLst>
+    <dgm:effectClrLst/>
+    <dgm:txLinClrLst/>
+    <dgm:txFillClrLst/>
+    <dgm:txEffectClrLst/>
+  </dgm:styleLbl>
+  <dgm:styleLbl name="fgSibTrans2D1">
+    <dgm:fillClrLst meth="repeat">
+      <a:schemeClr val="accent2"/>
+      <a:schemeClr val="accent3"/>
+      <a:schemeClr val="accent4"/>
+      <a:schemeClr val="accent5"/>
+      <a:schemeClr val="accent6"/>
+    </dgm:fillClrLst>
+    <dgm:linClrLst meth="cycle">
+      <a:schemeClr val="lt1"/>
+    </dgm:linClrLst>
+    <dgm:effectClrLst/>
+    <dgm:txLinClrLst/>
+    <dgm:txFillClrLst meth="repeat">
+      <a:schemeClr val="lt1"/>
+    </dgm:txFillClrLst>
+    <dgm:txEffectClrLst/>
+  </dgm:styleLbl>
+  <dgm:styleLbl name="bgSibTrans2D1">
+    <dgm:fillClrLst meth="repeat">
+      <a:schemeClr val="accent2"/>
+      <a:schemeClr val="accent3"/>
+      <a:schemeClr val="accent4"/>
+      <a:schemeClr val="accent5"/>
+      <a:schemeClr val="accent6"/>
+    </dgm:fillClrLst>
+    <dgm:linClrLst meth="cycle">
+      <a:schemeClr val="lt1"/>
+    </dgm:linClrLst>
+    <dgm:effectClrLst/>
+    <dgm:txLinClrLst/>
+    <dgm:txFillClrLst meth="repeat">
+      <a:schemeClr val="lt1"/>
+    </dgm:txFillClrLst>
+    <dgm:txEffectClrLst/>
+  </dgm:styleLbl>
+  <dgm:styleLbl name="sibTrans1D1">
+    <dgm:fillClrLst meth="repeat">
+      <a:schemeClr val="accent2"/>
+      <a:schemeClr val="accent3"/>
+      <a:schemeClr val="accent4"/>
+      <a:schemeClr val="accent5"/>
+      <a:schemeClr val="accent6"/>
+    </dgm:fillClrLst>
+    <dgm:linClrLst meth="repeat">
+      <a:schemeClr val="accent2"/>
+      <a:schemeClr val="accent3"/>
+      <a:schemeClr val="accent4"/>
+      <a:schemeClr val="accent5"/>
+      <a:schemeClr val="accent6"/>
+    </dgm:linClrLst>
+    <dgm:effectClrLst/>
+    <dgm:txLinClrLst/>
+    <dgm:txFillClrLst meth="repeat">
+      <a:schemeClr val="tx1"/>
+    </dgm:txFillClrLst>
+    <dgm:txEffectClrLst/>
+  </dgm:styleLbl>
+  <dgm:styleLbl name="callout">
+    <dgm:fillClrLst meth="repeat">
+      <a:schemeClr val="accent2"/>
+    </dgm:fillClrLst>
+    <dgm:linClrLst meth="repeat">
+      <a:schemeClr val="accent2">
+        <a:tint val="50000"/>
+      </a:schemeClr>
+    </dgm:linClrLst>
+    <dgm:effectClrLst/>
+    <dgm:txLinClrLst/>
+    <dgm:txFillClrLst meth="repeat">
+      <a:schemeClr val="tx1"/>
+    </dgm:txFillClrLst>
+    <dgm:txEffectClrLst/>
+  </dgm:styleLbl>
+  <dgm:styleLbl name="asst0">
+    <dgm:fillClrLst meth="repeat">
+      <a:schemeClr val="accent1"/>
+    </dgm:fillClrLst>
+    <dgm:linClrLst meth="repeat">
+      <a:schemeClr val="lt1"/>
+    </dgm:linClrLst>
+    <dgm:effectClrLst/>
+    <dgm:txLinClrLst/>
+    <dgm:txFillClrLst/>
+    <dgm:txEffectClrLst/>
+  </dgm:styleLbl>
+  <dgm:styleLbl name="asst1">
+    <dgm:fillClrLst meth="repeat">
+      <a:schemeClr val="accent2"/>
+    </dgm:fillClrLst>
+    <dgm:linClrLst meth="repeat">
+      <a:schemeClr val="lt1"/>
+    </dgm:linClrLst>
+    <dgm:effectClrLst/>
+    <dgm:txLinClrLst/>
+    <dgm:txFillClrLst/>
+    <dgm:txEffectClrLst/>
+  </dgm:styleLbl>
+  <dgm:styleLbl name="asst2">
+    <dgm:fillClrLst>
+      <a:schemeClr val="accent3"/>
+    </dgm:fillClrLst>
+    <dgm:linClrLst meth="repeat">
+      <a:schemeClr val="lt1"/>
+    </dgm:linClrLst>
+    <dgm:effectClrLst/>
+    <dgm:txLinClrLst/>
+    <dgm:txFillClrLst/>
+    <dgm:txEffectClrLst/>
+  </dgm:styleLbl>
+  <dgm:styleLbl name="asst3">
+    <dgm:fillClrLst>
+      <a:schemeClr val="accent4"/>
+    </dgm:fillClrLst>
+    <dgm:linClrLst meth="repeat">
+      <a:schemeClr val="lt1"/>
+    </dgm:linClrLst>
+    <dgm:effectClrLst/>
+    <dgm:txLinClrLst/>
+    <dgm:txFillClrLst/>
+    <dgm:txEffectClrLst/>
+  </dgm:styleLbl>
+  <dgm:styleLbl name="asst4">
+    <dgm:fillClrLst>
+      <a:schemeClr val="accent5"/>
+    </dgm:fillClrLst>
+    <dgm:linClrLst meth="repeat">
+      <a:schemeClr val="lt1"/>
+    </dgm:linClrLst>
+    <dgm:effectClrLst/>
+    <dgm:txLinClrLst/>
+    <dgm:txFillClrLst/>
+    <dgm:txEffectClrLst/>
+  </dgm:styleLbl>
+  <dgm:styleLbl name="parChTrans2D1">
+    <dgm:fillClrLst meth="repeat">
+      <a:schemeClr val="accent2"/>
+    </dgm:fillClrLst>
+    <dgm:linClrLst meth="repeat">
+      <a:schemeClr val="lt1"/>
+    </dgm:linClrLst>
+    <dgm:effectClrLst/>
+    <dgm:txLinClrLst/>
+    <dgm:txFillClrLst meth="repeat">
+      <a:schemeClr val="lt1"/>
+    </dgm:txFillClrLst>
+    <dgm:txEffectClrLst/>
+  </dgm:styleLbl>
+  <dgm:styleLbl name="parChTrans2D2">
+    <dgm:fillClrLst meth="repeat">
+      <a:schemeClr val="accent3"/>
+    </dgm:fillClrLst>
+    <dgm:linClrLst meth="repeat">
+      <a:schemeClr val="lt1"/>
+    </dgm:linClrLst>
+    <dgm:effectClrLst/>
+    <dgm:txLinClrLst/>
+    <dgm:txFillClrLst/>
+    <dgm:txEffectClrLst/>
+  </dgm:styleLbl>
+  <dgm:styleLbl name="parChTrans2D3">
+    <dgm:fillClrLst meth="repeat">
+      <a:schemeClr val="accent4"/>
+    </dgm:fillClrLst>
+    <dgm:linClrLst meth="repeat">
+      <a:schemeClr val="lt1"/>
+    </dgm:linClrLst>
+    <dgm:effectClrLst/>
+    <dgm:txLinClrLst/>
+    <dgm:txFillClrLst/>
+    <dgm:txEffectClrLst/>
+  </dgm:styleLbl>
+  <dgm:styleLbl name="parChTrans2D4">
+    <dgm:fillClrLst meth="repeat">
+      <a:schemeClr val="accent5"/>
+    </dgm:fillClrLst>
+    <dgm:linClrLst meth="repeat">
+      <a:schemeClr val="lt1"/>
+    </dgm:linClrLst>
+    <dgm:effectClrLst/>
+    <dgm:txLinClrLst/>
+    <dgm:txFillClrLst meth="repeat">
+      <a:schemeClr val="lt1"/>
+    </dgm:txFillClrLst>
+    <dgm:txEffectClrLst/>
+  </dgm:styleLbl>
+  <dgm:styleLbl name="parChTrans1D1">
+    <dgm:fillClrLst meth="repeat">
+      <a:schemeClr val="accent2"/>
+    </dgm:fillClrLst>
+    <dgm:linClrLst meth="repeat">
+      <a:schemeClr val="accent1"/>
+    </dgm:linClrLst>
+    <dgm:effectClrLst/>
+    <dgm:txLinClrLst/>
+    <dgm:txFillClrLst meth="repeat">
+      <a:schemeClr val="tx1"/>
+    </dgm:txFillClrLst>
+    <dgm:txEffectClrLst/>
+  </dgm:styleLbl>
+  <dgm:styleLbl name="parChTrans1D2">
+    <dgm:fillClrLst meth="repeat">
+      <a:schemeClr val="accent3">
+        <a:tint val="90000"/>
+      </a:schemeClr>
+    </dgm:fillClrLst>
+    <dgm:linClrLst meth="repeat">
+      <a:schemeClr val="accent2"/>
+    </dgm:linClrLst>
+    <dgm:effectClrLst/>
+    <dgm:txLinClrLst/>
+    <dgm:txFillClrLst meth="repeat">
+      <a:schemeClr val="tx1"/>
+    </dgm:txFillClrLst>
+    <dgm:txEffectClrLst/>
+  </dgm:styleLbl>
+  <dgm:styleLbl name="parChTrans1D3">
+    <dgm:fillClrLst meth="repeat">
+      <a:schemeClr val="accent4">
+        <a:tint val="70000"/>
+      </a:schemeClr>
+    </dgm:fillClrLst>
+    <dgm:linClrLst meth="repeat">
+      <a:schemeClr val="accent3"/>
+    </dgm:linClrLst>
+    <dgm:effectClrLst/>
+    <dgm:txLinClrLst/>
+    <dgm:txFillClrLst meth="repeat">
+      <a:schemeClr val="tx1"/>
+    </dgm:txFillClrLst>
+    <dgm:txEffectClrLst/>
+  </dgm:styleLbl>
+  <dgm:styleLbl name="parChTrans1D4">
+    <dgm:fillClrLst meth="repeat">
+      <a:schemeClr val="accent5">
+        <a:tint val="50000"/>
+      </a:schemeClr>
+    </dgm:fillClrLst>
+    <dgm:linClrLst meth="repeat">
+      <a:schemeClr val="accent4"/>
+    </dgm:linClrLst>
+    <dgm:effectClrLst/>
+    <dgm:txLinClrLst/>
+    <dgm:txFillClrLst meth="repeat">
+      <a:schemeClr val="tx1"/>
+    </dgm:txFillClrLst>
+    <dgm:txEffectClrLst/>
+  </dgm:styleLbl>
+  <dgm:styleLbl name="fgAcc1">
+    <dgm:fillClrLst meth="repeat">
+      <a:schemeClr val="lt1">
+        <a:alpha val="90000"/>
+      </a:schemeClr>
+    </dgm:fillClrLst>
+    <dgm:linClrLst meth="repeat">
+      <a:schemeClr val="accent2"/>
+      <a:schemeClr val="accent3"/>
+      <a:schemeClr val="accent4"/>
+      <a:schemeClr val="accent5"/>
+      <a:schemeClr val="accent6"/>
+    </dgm:linClrLst>
+    <dgm:effectClrLst/>
+    <dgm:txLinClrLst/>
+    <dgm:txFillClrLst meth="repeat">
+      <a:schemeClr val="dk1"/>
+    </dgm:txFillClrLst>
+    <dgm:txEffectClrLst/>
+  </dgm:styleLbl>
+  <dgm:styleLbl name="conFgAcc1">
+    <dgm:fillClrLst meth="repeat">
+      <a:schemeClr val="lt1">
+        <a:alpha val="90000"/>
+      </a:schemeClr>
+    </dgm:fillClrLst>
+    <dgm:linClrLst meth="repeat">
+      <a:schemeClr val="accent2"/>
+      <a:schemeClr val="accent3"/>
+      <a:schemeClr val="accent4"/>
+      <a:schemeClr val="accent5"/>
+      <a:schemeClr val="accent6"/>
+    </dgm:linClrLst>
+    <dgm:effectClrLst/>
+    <dgm:txLinClrLst/>
+    <dgm:txFillClrLst meth="repeat">
+      <a:schemeClr val="dk1"/>
+    </dgm:txFillClrLst>
+    <dgm:txEffectClrLst/>
+  </dgm:styleLbl>
+  <dgm:styleLbl name="alignAcc1">
+    <dgm:fillClrLst meth="repeat">
+      <a:schemeClr val="lt1">
+        <a:alpha val="90000"/>
+      </a:schemeClr>
+    </dgm:fillClrLst>
+    <dgm:linClrLst meth="repeat">
+      <a:schemeClr val="accent2"/>
+      <a:schemeClr val="accent3"/>
+      <a:schemeClr val="accent4"/>
+      <a:schemeClr val="accent5"/>
+      <a:schemeClr val="accent6"/>
+    </dgm:linClrLst>
+    <dgm:effectClrLst/>
+    <dgm:txLinClrLst/>
+    <dgm:txFillClrLst meth="repeat">
+      <a:schemeClr val="dk1"/>
+    </dgm:txFillClrLst>
+    <dgm:txEffectClrLst/>
+  </dgm:styleLbl>
+  <dgm:styleLbl name="trAlignAcc1">
+    <dgm:fillClrLst meth="repeat">
+      <a:schemeClr val="lt1">
+        <a:alpha val="40000"/>
+      </a:schemeClr>
+    </dgm:fillClrLst>
+    <dgm:linClrLst meth="repeat">
+      <a:schemeClr val="accent1"/>
+    </dgm:linClrLst>
+    <dgm:effectClrLst/>
+    <dgm:txLinClrLst/>
+    <dgm:txFillClrLst meth="repeat">
+      <a:schemeClr val="dk1"/>
+    </dgm:txFillClrLst>
+    <dgm:txEffectClrLst/>
+  </dgm:styleLbl>
+  <dgm:styleLbl name="bgAcc1">
+    <dgm:fillClrLst meth="repeat">
+      <a:schemeClr val="lt1">
+        <a:alpha val="90000"/>
+      </a:schemeClr>
+    </dgm:fillClrLst>
+    <dgm:linClrLst meth="repeat">
+      <a:schemeClr val="accent2"/>
+      <a:schemeClr val="accent3"/>
+      <a:schemeClr val="accent4"/>
+      <a:schemeClr val="accent5"/>
+      <a:schemeClr val="accent6"/>
+    </dgm:linClrLst>
+    <dgm:effectClrLst/>
+    <dgm:txLinClrLst/>
+    <dgm:txFillClrLst meth="repeat">
+      <a:schemeClr val="dk1"/>
+    </dgm:txFillClrLst>
+    <dgm:txEffectClrLst/>
+  </dgm:styleLbl>
+  <dgm:styleLbl name="solidFgAcc1">
+    <dgm:fillClrLst meth="repeat">
+      <a:schemeClr val="lt1"/>
+    </dgm:fillClrLst>
+    <dgm:linClrLst meth="repeat">
+      <a:schemeClr val="accent2"/>
+      <a:schemeClr val="accent3"/>
+      <a:schemeClr val="accent4"/>
+      <a:schemeClr val="accent5"/>
+      <a:schemeClr val="accent6"/>
+    </dgm:linClrLst>
+    <dgm:effectClrLst/>
+    <dgm:txLinClrLst/>
+    <dgm:txFillClrLst meth="repeat">
+      <a:schemeClr val="dk1"/>
+    </dgm:txFillClrLst>
+    <dgm:txEffectClrLst/>
+  </dgm:styleLbl>
+  <dgm:styleLbl name="solidAlignAcc1">
+    <dgm:fillClrLst meth="repeat">
+      <a:schemeClr val="lt1"/>
+    </dgm:fillClrLst>
+    <dgm:linClrLst meth="repeat">
+      <a:schemeClr val="accent2"/>
+      <a:schemeClr val="accent3"/>
+      <a:schemeClr val="accent4"/>
+      <a:schemeClr val="accent5"/>
+      <a:schemeClr val="accent6"/>
+    </dgm:linClrLst>
+    <dgm:effectClrLst/>
+    <dgm:txLinClrLst/>
+    <dgm:txFillClrLst meth="repeat">
+      <a:schemeClr val="dk1"/>
+    </dgm:txFillClrLst>
+    <dgm:txEffectClrLst/>
+  </dgm:styleLbl>
+  <dgm:styleLbl name="solidBgAcc1">
+    <dgm:fillClrLst meth="repeat">
+      <a:schemeClr val="lt1"/>
+    </dgm:fillClrLst>
+    <dgm:linClrLst meth="repeat">
+      <a:schemeClr val="accent2"/>
+      <a:schemeClr val="accent3"/>
+      <a:schemeClr val="accent4"/>
+      <a:schemeClr val="accent5"/>
+      <a:schemeClr val="accent6"/>
+    </dgm:linClrLst>
+    <dgm:effectClrLst/>
+    <dgm:txLinClrLst/>
+    <dgm:txFillClrLst meth="repeat">
+      <a:schemeClr val="dk1"/>
+    </dgm:txFillClrLst>
+    <dgm:txEffectClrLst/>
+  </dgm:styleLbl>
+  <dgm:styleLbl name="fgAccFollowNode1">
+    <dgm:fillClrLst meth="repeat">
+      <a:schemeClr val="accent2">
+        <a:tint val="40000"/>
+        <a:alpha val="90000"/>
+      </a:schemeClr>
+      <a:schemeClr val="accent3">
+        <a:tint val="40000"/>
+        <a:alpha val="90000"/>
+      </a:schemeClr>
+      <a:schemeClr val="accent4">
+        <a:tint val="40000"/>
+        <a:alpha val="90000"/>
+      </a:schemeClr>
+      <a:schemeClr val="accent5">
+        <a:tint val="40000"/>
+        <a:alpha val="90000"/>
+      </a:schemeClr>
+      <a:schemeClr val="accent6">
+        <a:tint val="40000"/>
+        <a:alpha val="90000"/>
+      </a:schemeClr>
+    </dgm:fillClrLst>
+    <dgm:linClrLst meth="repeat">
+      <a:schemeClr val="accent2">
+        <a:tint val="40000"/>
+        <a:alpha val="90000"/>
+      </a:schemeClr>
+      <a:schemeClr val="accent3">
+        <a:tint val="40000"/>
+        <a:alpha val="90000"/>
+      </a:schemeClr>
+      <a:schemeClr val="accent4">
+        <a:tint val="40000"/>
+        <a:alpha val="90000"/>
+      </a:schemeClr>
+      <a:schemeClr val="accent5">
+        <a:tint val="40000"/>
+        <a:alpha val="90000"/>
+      </a:schemeClr>
+      <a:schemeClr val="accent6">
+        <a:tint val="40000"/>
+        <a:alpha val="90000"/>
+      </a:schemeClr>
+    </dgm:linClrLst>
+    <dgm:effectClrLst/>
+    <dgm:txLinClrLst/>
+    <dgm:txFillClrLst meth="repeat">
+      <a:schemeClr val="dk1"/>
+    </dgm:txFillClrLst>
+    <dgm:txEffectClrLst/>
+  </dgm:styleLbl>
+  <dgm:styleLbl name="alignAccFollowNode1">
+    <dgm:fillClrLst meth="repeat">
+      <a:schemeClr val="accent2">
+        <a:tint val="40000"/>
+        <a:alpha val="90000"/>
+      </a:schemeClr>
+      <a:schemeClr val="accent3">
+        <a:tint val="40000"/>
+        <a:alpha val="90000"/>
+      </a:schemeClr>
+      <a:schemeClr val="accent4">
+        <a:tint val="40000"/>
+        <a:alpha val="90000"/>
+      </a:schemeClr>
+      <a:schemeClr val="accent5">
+        <a:tint val="40000"/>
+        <a:alpha val="90000"/>
+      </a:schemeClr>
+      <a:schemeClr val="accent6">
+        <a:tint val="40000"/>
+        <a:alpha val="90000"/>
+      </a:schemeClr>
+    </dgm:fillClrLst>
+    <dgm:linClrLst meth="repeat">
+      <a:schemeClr val="accent2">
+        <a:tint val="40000"/>
+        <a:alpha val="90000"/>
+      </a:schemeClr>
+      <a:schemeClr val="accent3">
+        <a:tint val="40000"/>
+        <a:alpha val="90000"/>
+      </a:schemeClr>
+      <a:schemeClr val="accent4">
+        <a:tint val="40000"/>
+        <a:alpha val="90000"/>
+      </a:schemeClr>
+      <a:schemeClr val="accent5">
+        <a:tint val="40000"/>
+        <a:alpha val="90000"/>
+      </a:schemeClr>
+      <a:schemeClr val="accent6">
+        <a:tint val="40000"/>
+        <a:alpha val="90000"/>
+      </a:schemeClr>
+    </dgm:linClrLst>
+    <dgm:effectClrLst/>
+    <dgm:txLinClrLst/>
+    <dgm:txFillClrLst meth="repeat">
+      <a:schemeClr val="dk1"/>
+    </dgm:txFillClrLst>
+    <dgm:txEffectClrLst/>
+  </dgm:styleLbl>
+  <dgm:styleLbl name="bgAccFollowNode1">
+    <dgm:fillClrLst meth="repeat">
+      <a:schemeClr val="accent2">
+        <a:tint val="40000"/>
+        <a:alpha val="90000"/>
+      </a:schemeClr>
+      <a:schemeClr val="accent3">
+        <a:tint val="40000"/>
+        <a:alpha val="90000"/>
+      </a:schemeClr>
+      <a:schemeClr val="accent4">
+        <a:tint val="40000"/>
+        <a:alpha val="90000"/>
+      </a:schemeClr>
+      <a:schemeClr val="accent5">
+        <a:tint val="40000"/>
+        <a:alpha val="90000"/>
+      </a:schemeClr>
+      <a:schemeClr val="accent6">
+        <a:tint val="40000"/>
+        <a:alpha val="90000"/>
+      </a:schemeClr>
+    </dgm:fillClrLst>
+    <dgm:linClrLst meth="repeat">
+      <a:schemeClr val="accent2">
+        <a:tint val="40000"/>
+        <a:alpha val="90000"/>
+      </a:schemeClr>
+      <a:schemeClr val="accent3">
+        <a:tint val="40000"/>
+        <a:alpha val="90000"/>
+      </a:schemeClr>
+      <a:schemeClr val="accent4">
+        <a:tint val="40000"/>
+        <a:alpha val="90000"/>
+      </a:schemeClr>
+      <a:schemeClr val="accent5">
+        <a:tint val="40000"/>
+        <a:alpha val="90000"/>
+      </a:schemeClr>
+      <a:schemeClr val="accent6">
+        <a:tint val="40000"/>
+        <a:alpha val="90000"/>
+      </a:schemeClr>
+    </dgm:linClrLst>
+    <dgm:effectClrLst/>
+    <dgm:txLinClrLst/>
+    <dgm:txFillClrLst meth="repeat">
+      <a:schemeClr val="dk1"/>
+    </dgm:txFillClrLst>
+    <dgm:txEffectClrLst/>
+  </dgm:styleLbl>
+  <dgm:styleLbl name="fgAcc0">
+    <dgm:fillClrLst meth="repeat">
+      <a:schemeClr val="lt1">
+        <a:alpha val="90000"/>
+      </a:schemeClr>
+    </dgm:fillClrLst>
+    <dgm:linClrLst>
+      <a:schemeClr val="accent1"/>
+    </dgm:linClrLst>
+    <dgm:effectClrLst/>
+    <dgm:txLinClrLst/>
+    <dgm:txFillClrLst meth="repeat">
+      <a:schemeClr val="dk1"/>
+    </dgm:txFillClrLst>
+    <dgm:txEffectClrLst/>
+  </dgm:styleLbl>
+  <dgm:styleLbl name="fgAcc2">
+    <dgm:fillClrLst meth="repeat">
+      <a:schemeClr val="lt1">
+        <a:alpha val="90000"/>
+      </a:schemeClr>
+    </dgm:fillClrLst>
+    <dgm:linClrLst>
+      <a:schemeClr val="accent2"/>
+    </dgm:linClrLst>
+    <dgm:effectClrLst/>
+    <dgm:txLinClrLst/>
+    <dgm:txFillClrLst meth="repeat">
+      <a:schemeClr val="dk1"/>
+    </dgm:txFillClrLst>
+    <dgm:txEffectClrLst/>
+  </dgm:styleLbl>
+  <dgm:styleLbl name="fgAcc3">
+    <dgm:fillClrLst meth="repeat">
+      <a:schemeClr val="lt1">
+        <a:alpha val="90000"/>
+      </a:schemeClr>
+    </dgm:fillClrLst>
+    <dgm:linClrLst>
+      <a:schemeClr val="accent3"/>
+    </dgm:linClrLst>
+    <dgm:effectClrLst/>
+    <dgm:txLinClrLst/>
+    <dgm:txFillClrLst meth="repeat">
+      <a:schemeClr val="dk1"/>
+    </dgm:txFillClrLst>
+    <dgm:txEffectClrLst/>
+  </dgm:styleLbl>
+  <dgm:styleLbl name="fgAcc4">
+    <dgm:fillClrLst meth="repeat">
+      <a:schemeClr val="lt1">
+        <a:alpha val="90000"/>
+      </a:schemeClr>
+    </dgm:fillClrLst>
+    <dgm:linClrLst>
+      <a:schemeClr val="accent4"/>
+    </dgm:linClrLst>
+    <dgm:effectClrLst/>
+    <dgm:txLinClrLst/>
+    <dgm:txFillClrLst meth="repeat">
+      <a:schemeClr val="dk1"/>
+    </dgm:txFillClrLst>
+    <dgm:txEffectClrLst/>
+  </dgm:styleLbl>
+  <dgm:styleLbl name="bgShp">
+    <dgm:fillClrLst meth="repeat">
+      <a:schemeClr val="bg1">
+        <a:lumMod val="95000"/>
+      </a:schemeClr>
+    </dgm:fillClrLst>
+    <dgm:linClrLst meth="repeat">
+      <a:schemeClr val="dk1"/>
+    </dgm:linClrLst>
+    <dgm:effectClrLst/>
+    <dgm:txLinClrLst/>
+    <dgm:txFillClrLst meth="repeat">
+      <a:schemeClr val="dk1"/>
+    </dgm:txFillClrLst>
+    <dgm:txEffectClrLst/>
+  </dgm:styleLbl>
+  <dgm:styleLbl name="dkBgShp">
+    <dgm:fillClrLst meth="repeat">
+      <a:schemeClr val="accent2">
+        <a:shade val="90000"/>
+      </a:schemeClr>
+    </dgm:fillClrLst>
+    <dgm:linClrLst meth="repeat">
+      <a:schemeClr val="dk1"/>
+    </dgm:linClrLst>
+    <dgm:effectClrLst/>
+    <dgm:txLinClrLst/>
+    <dgm:txFillClrLst meth="repeat">
+      <a:schemeClr val="lt1"/>
+    </dgm:txFillClrLst>
+    <dgm:txEffectClrLst/>
+  </dgm:styleLbl>
+  <dgm:styleLbl name="trBgShp">
+    <dgm:fillClrLst meth="repeat">
+      <a:schemeClr val="accent1">
+        <a:tint val="50000"/>
+        <a:alpha val="40000"/>
+      </a:schemeClr>
+    </dgm:fillClrLst>
+    <dgm:linClrLst meth="repeat">
+      <a:schemeClr val="accent2"/>
+    </dgm:linClrLst>
+    <dgm:effectClrLst/>
+    <dgm:txLinClrLst/>
+    <dgm:txFillClrLst meth="repeat">
+      <a:schemeClr val="lt1"/>
+    </dgm:txFillClrLst>
+    <dgm:txEffectClrLst/>
+  </dgm:styleLbl>
+  <dgm:styleLbl name="fgShp">
+    <dgm:fillClrLst meth="repeat">
+      <a:schemeClr val="accent2">
+        <a:tint val="40000"/>
+      </a:schemeClr>
+    </dgm:fillClrLst>
+    <dgm:linClrLst meth="repeat">
+      <a:schemeClr val="lt1"/>
+    </dgm:linClrLst>
+    <dgm:effectClrLst/>
+    <dgm:txLinClrLst/>
+    <dgm:txFillClrLst meth="repeat">
+      <a:schemeClr val="dk1"/>
+    </dgm:txFillClrLst>
+    <dgm:txEffectClrLst/>
+  </dgm:styleLbl>
+  <dgm:styleLbl name="revTx">
+    <dgm:fillClrLst meth="repeat">
+      <a:schemeClr val="lt1">
         <a:alpha val="0"/>
       </a:schemeClr>
     </dgm:fillClrLst>
@@ -5615,6 +6536,618 @@
     <dgm:cxn modelId="{E67B4453-AD5D-49DB-A6BA-59060DB105D1}" type="presParOf" srcId="{8DC50751-9387-4AD8-A3F9-193217B51401}" destId="{61E68731-5C58-4792-8E28-F9407382D908}" srcOrd="8" destOrd="0" presId="urn:microsoft.com/office/officeart/2016/7/layout/VerticalSolidActionList"/>
     <dgm:cxn modelId="{0E16DE51-F552-42A3-94AF-14913E640CFB}" type="presParOf" srcId="{61E68731-5C58-4792-8E28-F9407382D908}" destId="{EF8DC689-A7FD-4E77-A084-A4F68FD50705}" srcOrd="0" destOrd="0" presId="urn:microsoft.com/office/officeart/2016/7/layout/VerticalSolidActionList"/>
     <dgm:cxn modelId="{68F6A1AF-BB2F-4F8C-9D8D-F84636B9D920}" type="presParOf" srcId="{61E68731-5C58-4792-8E28-F9407382D908}" destId="{37D62EA2-BABE-437A-B144-FC7787595AEA}" srcOrd="1" destOrd="0" presId="urn:microsoft.com/office/officeart/2016/7/layout/VerticalSolidActionList"/>
+  </dgm:cxnLst>
+  <dgm:bg/>
+  <dgm:whole/>
+  <dgm:extLst>
+    <a:ext uri="http://schemas.microsoft.com/office/drawing/2008/diagram">
+      <dsp:dataModelExt xmlns:dsp="http://schemas.microsoft.com/office/drawing/2008/diagram" relId="rId6" minVer="http://schemas.openxmlformats.org/drawingml/2006/diagram"/>
+    </a:ext>
+  </dgm:extLst>
+</dgm:dataModel>
+</file>
+
+<file path=ppt/diagrams/data5.xml><?xml version="1.0" encoding="utf-8"?>
+<dgm:dataModel xmlns:dgm="http://schemas.openxmlformats.org/drawingml/2006/diagram" xmlns:a="http://schemas.openxmlformats.org/drawingml/2006/main">
+  <dgm:ptLst>
+    <dgm:pt modelId="{3F463E47-BDA0-4EC7-9CBC-5C84F6FA005D}" type="doc">
+      <dgm:prSet loTypeId="urn:microsoft.com/office/officeart/2018/2/layout/IconVerticalSolidList" loCatId="icon" qsTypeId="urn:microsoft.com/office/officeart/2005/8/quickstyle/simple1" qsCatId="simple" csTypeId="urn:microsoft.com/office/officeart/2018/5/colors/Iconchunking_neutralbg_colorful1" csCatId="colorful" phldr="1"/>
+      <dgm:spPr/>
+      <dgm:t>
+        <a:bodyPr/>
+        <a:lstStyle/>
+        <a:p>
+          <a:endParaRPr lang="en-US"/>
+        </a:p>
+      </dgm:t>
+    </dgm:pt>
+    <dgm:pt modelId="{DDCB5566-7019-4FB3-9746-752E106DA090}">
+      <dgm:prSet phldrT="[Text]"/>
+      <dgm:spPr/>
+      <dgm:t>
+        <a:bodyPr/>
+        <a:lstStyle/>
+        <a:p>
+          <a:pPr>
+            <a:lnSpc>
+              <a:spcPct val="100000"/>
+            </a:lnSpc>
+          </a:pPr>
+          <a:r>
+            <a:rPr lang="en-US" dirty="0"/>
+            <a:t>Identity</a:t>
+          </a:r>
+        </a:p>
+      </dgm:t>
+    </dgm:pt>
+    <dgm:pt modelId="{99878B4B-1A9E-40F2-A00F-D38C51254143}" type="parTrans" cxnId="{2F60EA80-A402-40A4-9301-4AB049546AF4}">
+      <dgm:prSet/>
+      <dgm:spPr/>
+      <dgm:t>
+        <a:bodyPr/>
+        <a:lstStyle/>
+        <a:p>
+          <a:endParaRPr lang="en-US"/>
+        </a:p>
+      </dgm:t>
+    </dgm:pt>
+    <dgm:pt modelId="{4D4EF1F3-ED0B-422A-BDAF-8CC3D8DFB20A}" type="sibTrans" cxnId="{2F60EA80-A402-40A4-9301-4AB049546AF4}">
+      <dgm:prSet/>
+      <dgm:spPr/>
+      <dgm:t>
+        <a:bodyPr/>
+        <a:lstStyle/>
+        <a:p>
+          <a:endParaRPr lang="en-US"/>
+        </a:p>
+      </dgm:t>
+    </dgm:pt>
+    <dgm:pt modelId="{63FD127C-FA20-4BF6-9DD0-A7812EE34F5D}">
+      <dgm:prSet phldrT="[Text]"/>
+      <dgm:spPr/>
+      <dgm:t>
+        <a:bodyPr/>
+        <a:lstStyle/>
+        <a:p>
+          <a:pPr>
+            <a:lnSpc>
+              <a:spcPct val="100000"/>
+            </a:lnSpc>
+          </a:pPr>
+          <a:r>
+            <a:rPr lang="en-US" dirty="0"/>
+            <a:t>Plan</a:t>
+          </a:r>
+        </a:p>
+      </dgm:t>
+    </dgm:pt>
+    <dgm:pt modelId="{47D17223-FB9D-4381-8581-D74A1A4CA583}" type="parTrans" cxnId="{72B174F4-D762-44F6-A8FF-E87DA876AF6B}">
+      <dgm:prSet/>
+      <dgm:spPr/>
+      <dgm:t>
+        <a:bodyPr/>
+        <a:lstStyle/>
+        <a:p>
+          <a:endParaRPr lang="en-US"/>
+        </a:p>
+      </dgm:t>
+    </dgm:pt>
+    <dgm:pt modelId="{29D082D3-2F4C-4735-A95E-148EA593542E}" type="sibTrans" cxnId="{72B174F4-D762-44F6-A8FF-E87DA876AF6B}">
+      <dgm:prSet/>
+      <dgm:spPr/>
+      <dgm:t>
+        <a:bodyPr/>
+        <a:lstStyle/>
+        <a:p>
+          <a:endParaRPr lang="en-US"/>
+        </a:p>
+      </dgm:t>
+    </dgm:pt>
+    <dgm:pt modelId="{0E5CA5DA-DACD-452D-9D47-309A006FF313}">
+      <dgm:prSet phldrT="[Text]"/>
+      <dgm:spPr/>
+      <dgm:t>
+        <a:bodyPr/>
+        <a:lstStyle/>
+        <a:p>
+          <a:pPr>
+            <a:lnSpc>
+              <a:spcPct val="100000"/>
+            </a:lnSpc>
+          </a:pPr>
+          <a:r>
+            <a:rPr lang="en-US" dirty="0"/>
+            <a:t>Act</a:t>
+          </a:r>
+        </a:p>
+      </dgm:t>
+    </dgm:pt>
+    <dgm:pt modelId="{66F9F41B-E894-4E04-88E5-E2C3E0F094A0}" type="parTrans" cxnId="{7DC9E79C-72BD-44B6-BC8A-260C93070DB9}">
+      <dgm:prSet/>
+      <dgm:spPr/>
+      <dgm:t>
+        <a:bodyPr/>
+        <a:lstStyle/>
+        <a:p>
+          <a:endParaRPr lang="en-US"/>
+        </a:p>
+      </dgm:t>
+    </dgm:pt>
+    <dgm:pt modelId="{72F96D37-DCA3-467C-84E9-BB477A3192FA}" type="sibTrans" cxnId="{7DC9E79C-72BD-44B6-BC8A-260C93070DB9}">
+      <dgm:prSet/>
+      <dgm:spPr/>
+      <dgm:t>
+        <a:bodyPr/>
+        <a:lstStyle/>
+        <a:p>
+          <a:endParaRPr lang="en-US"/>
+        </a:p>
+      </dgm:t>
+    </dgm:pt>
+    <dgm:pt modelId="{06332657-053E-4F0E-8305-1DBEB23BC7A3}">
+      <dgm:prSet phldrT="[Text]"/>
+      <dgm:spPr/>
+      <dgm:t>
+        <a:bodyPr/>
+        <a:lstStyle/>
+        <a:p>
+          <a:pPr>
+            <a:lnSpc>
+              <a:spcPct val="100000"/>
+            </a:lnSpc>
+          </a:pPr>
+          <a:r>
+            <a:rPr lang="en-US" dirty="0"/>
+            <a:t>Check</a:t>
+          </a:r>
+        </a:p>
+      </dgm:t>
+    </dgm:pt>
+    <dgm:pt modelId="{6B8CBF02-7210-4B3E-B8A3-8619A01CC4B7}" type="parTrans" cxnId="{2C6262F7-AAD2-4418-A24B-C14B24B8BE20}">
+      <dgm:prSet/>
+      <dgm:spPr/>
+      <dgm:t>
+        <a:bodyPr/>
+        <a:lstStyle/>
+        <a:p>
+          <a:endParaRPr lang="en-US"/>
+        </a:p>
+      </dgm:t>
+    </dgm:pt>
+    <dgm:pt modelId="{7B5C868F-C75B-4451-A2F7-7751C07CAB63}" type="sibTrans" cxnId="{2C6262F7-AAD2-4418-A24B-C14B24B8BE20}">
+      <dgm:prSet/>
+      <dgm:spPr/>
+      <dgm:t>
+        <a:bodyPr/>
+        <a:lstStyle/>
+        <a:p>
+          <a:endParaRPr lang="en-US"/>
+        </a:p>
+      </dgm:t>
+    </dgm:pt>
+    <dgm:pt modelId="{456D9BE1-0661-4C8C-B378-A809E35D2B9F}">
+      <dgm:prSet phldrT="[Text]"/>
+      <dgm:spPr/>
+      <dgm:t>
+        <a:bodyPr/>
+        <a:lstStyle/>
+        <a:p>
+          <a:pPr>
+            <a:lnSpc>
+              <a:spcPct val="100000"/>
+            </a:lnSpc>
+          </a:pPr>
+          <a:r>
+            <a:rPr lang="en-US" dirty="0"/>
+            <a:t>What is the threat or issue</a:t>
+          </a:r>
+        </a:p>
+      </dgm:t>
+    </dgm:pt>
+    <dgm:pt modelId="{9EF1A525-EAA0-4670-A896-F6B9BD7A01E9}" type="parTrans" cxnId="{0625E671-9EFD-4FEF-86E0-B52C5AFB7EAB}">
+      <dgm:prSet/>
+      <dgm:spPr/>
+      <dgm:t>
+        <a:bodyPr/>
+        <a:lstStyle/>
+        <a:p>
+          <a:endParaRPr lang="en-US"/>
+        </a:p>
+      </dgm:t>
+    </dgm:pt>
+    <dgm:pt modelId="{DC0B3A8F-7333-4783-A9AE-2E58283EC0A6}" type="sibTrans" cxnId="{0625E671-9EFD-4FEF-86E0-B52C5AFB7EAB}">
+      <dgm:prSet/>
+      <dgm:spPr/>
+    </dgm:pt>
+    <dgm:pt modelId="{3C035F94-8167-4663-8B84-8245855BF249}">
+      <dgm:prSet phldrT="[Text]"/>
+      <dgm:spPr/>
+      <dgm:t>
+        <a:bodyPr/>
+        <a:lstStyle/>
+        <a:p>
+          <a:pPr>
+            <a:lnSpc>
+              <a:spcPct val="100000"/>
+            </a:lnSpc>
+          </a:pPr>
+          <a:r>
+            <a:rPr lang="en-US" dirty="0"/>
+            <a:t>Determine appropriate responses</a:t>
+          </a:r>
+        </a:p>
+      </dgm:t>
+    </dgm:pt>
+    <dgm:pt modelId="{629AA14F-EF25-4B73-9A28-4977E7BEBD50}" type="parTrans" cxnId="{9BE2F649-A63B-41C0-9283-6DDABEDBFEC7}">
+      <dgm:prSet/>
+      <dgm:spPr/>
+      <dgm:t>
+        <a:bodyPr/>
+        <a:lstStyle/>
+        <a:p>
+          <a:endParaRPr lang="en-US"/>
+        </a:p>
+      </dgm:t>
+    </dgm:pt>
+    <dgm:pt modelId="{D414AA9D-0B23-4D2E-B566-0FFD303CF51F}" type="sibTrans" cxnId="{9BE2F649-A63B-41C0-9283-6DDABEDBFEC7}">
+      <dgm:prSet/>
+      <dgm:spPr/>
+    </dgm:pt>
+    <dgm:pt modelId="{C81A4555-25E4-4356-8F46-8EB7E6AA77D3}">
+      <dgm:prSet phldrT="[Text]"/>
+      <dgm:spPr/>
+      <dgm:t>
+        <a:bodyPr/>
+        <a:lstStyle/>
+        <a:p>
+          <a:pPr>
+            <a:lnSpc>
+              <a:spcPct val="100000"/>
+            </a:lnSpc>
+          </a:pPr>
+          <a:r>
+            <a:rPr lang="en-US" dirty="0"/>
+            <a:t>Implement the plan</a:t>
+          </a:r>
+        </a:p>
+      </dgm:t>
+    </dgm:pt>
+    <dgm:pt modelId="{C12425A2-0D89-45D3-9B8D-B810CDFF94F0}" type="parTrans" cxnId="{713902F4-1019-45B0-A60E-BBBF1ADC3C59}">
+      <dgm:prSet/>
+      <dgm:spPr/>
+      <dgm:t>
+        <a:bodyPr/>
+        <a:lstStyle/>
+        <a:p>
+          <a:endParaRPr lang="en-US"/>
+        </a:p>
+      </dgm:t>
+    </dgm:pt>
+    <dgm:pt modelId="{0CCEFDA0-30BB-4853-8624-79B4665DD3FA}" type="sibTrans" cxnId="{713902F4-1019-45B0-A60E-BBBF1ADC3C59}">
+      <dgm:prSet/>
+      <dgm:spPr/>
+    </dgm:pt>
+    <dgm:pt modelId="{B5318BEF-D068-4898-9682-8D0E5E177206}">
+      <dgm:prSet phldrT="[Text]"/>
+      <dgm:spPr/>
+      <dgm:t>
+        <a:bodyPr/>
+        <a:lstStyle/>
+        <a:p>
+          <a:pPr>
+            <a:lnSpc>
+              <a:spcPct val="100000"/>
+            </a:lnSpc>
+          </a:pPr>
+          <a:r>
+            <a:rPr lang="en-US" dirty="0"/>
+            <a:t>Confirm the response is sufficient</a:t>
+          </a:r>
+        </a:p>
+      </dgm:t>
+    </dgm:pt>
+    <dgm:pt modelId="{162339A7-2CBE-4D28-AE50-6B55B6FFA08D}" type="parTrans" cxnId="{58E71E8F-61BD-40A0-AFF0-0C5E00C9AF09}">
+      <dgm:prSet/>
+      <dgm:spPr/>
+      <dgm:t>
+        <a:bodyPr/>
+        <a:lstStyle/>
+        <a:p>
+          <a:endParaRPr lang="en-US"/>
+        </a:p>
+      </dgm:t>
+    </dgm:pt>
+    <dgm:pt modelId="{658BE6E5-0F75-4290-AF97-CAA1D9253E92}" type="sibTrans" cxnId="{58E71E8F-61BD-40A0-AFF0-0C5E00C9AF09}">
+      <dgm:prSet/>
+      <dgm:spPr/>
+    </dgm:pt>
+    <dgm:pt modelId="{9DD21822-9758-4B04-A47E-E4FDF6BFB962}" type="pres">
+      <dgm:prSet presAssocID="{3F463E47-BDA0-4EC7-9CBC-5C84F6FA005D}" presName="root" presStyleCnt="0">
+        <dgm:presLayoutVars>
+          <dgm:dir/>
+          <dgm:resizeHandles val="exact"/>
+        </dgm:presLayoutVars>
+      </dgm:prSet>
+      <dgm:spPr/>
+    </dgm:pt>
+    <dgm:pt modelId="{640CF7E3-A96A-4761-A73B-7A281ECC2210}" type="pres">
+      <dgm:prSet presAssocID="{DDCB5566-7019-4FB3-9746-752E106DA090}" presName="compNode" presStyleCnt="0"/>
+      <dgm:spPr/>
+    </dgm:pt>
+    <dgm:pt modelId="{985713DE-C205-4F79-9826-B0F5C8D54208}" type="pres">
+      <dgm:prSet presAssocID="{DDCB5566-7019-4FB3-9746-752E106DA090}" presName="bgRect" presStyleLbl="bgShp" presStyleIdx="0" presStyleCnt="4"/>
+      <dgm:spPr/>
+    </dgm:pt>
+    <dgm:pt modelId="{02C1128D-2DD9-409D-B8B1-8167D1418CB9}" type="pres">
+      <dgm:prSet presAssocID="{DDCB5566-7019-4FB3-9746-752E106DA090}" presName="iconRect" presStyleLbl="node1" presStyleIdx="0" presStyleCnt="4"/>
+      <dgm:spPr>
+        <a:blipFill>
+          <a:blip xmlns:r="http://schemas.openxmlformats.org/officeDocument/2006/relationships" r:embed="rId1">
+            <a:extLst>
+              <a:ext uri="{28A0092B-C50C-407E-A947-70E740481C1C}">
+                <a14:useLocalDpi xmlns:a14="http://schemas.microsoft.com/office/drawing/2010/main" val="0"/>
+              </a:ext>
+              <a:ext uri="{96DAC541-7B7A-43D3-8B79-37D633B846F1}">
+                <asvg:svgBlip xmlns:asvg="http://schemas.microsoft.com/office/drawing/2016/SVG/main" r:embed="rId2"/>
+              </a:ext>
+            </a:extLst>
+          </a:blip>
+          <a:stretch>
+            <a:fillRect/>
+          </a:stretch>
+        </a:blipFill>
+        <a:ln>
+          <a:noFill/>
+        </a:ln>
+      </dgm:spPr>
+      <dgm:extLst>
+        <a:ext uri="{E40237B7-FDA0-4F09-8148-C483321AD2D9}">
+          <dgm14:cNvPr xmlns:dgm14="http://schemas.microsoft.com/office/drawing/2010/diagram" id="0" name="" descr="Help"/>
+        </a:ext>
+      </dgm:extLst>
+    </dgm:pt>
+    <dgm:pt modelId="{7FA14438-2C79-4DF5-913C-CE75ECFC5468}" type="pres">
+      <dgm:prSet presAssocID="{DDCB5566-7019-4FB3-9746-752E106DA090}" presName="spaceRect" presStyleCnt="0"/>
+      <dgm:spPr/>
+    </dgm:pt>
+    <dgm:pt modelId="{CB3B6849-DEA3-4216-A6A6-34D6A868D51A}" type="pres">
+      <dgm:prSet presAssocID="{DDCB5566-7019-4FB3-9746-752E106DA090}" presName="parTx" presStyleLbl="revTx" presStyleIdx="0" presStyleCnt="8">
+        <dgm:presLayoutVars>
+          <dgm:chMax val="0"/>
+          <dgm:chPref val="0"/>
+        </dgm:presLayoutVars>
+      </dgm:prSet>
+      <dgm:spPr/>
+    </dgm:pt>
+    <dgm:pt modelId="{98845165-ADFA-4EF7-BA31-B4EA2AB33EB8}" type="pres">
+      <dgm:prSet presAssocID="{DDCB5566-7019-4FB3-9746-752E106DA090}" presName="desTx" presStyleLbl="revTx" presStyleIdx="1" presStyleCnt="8">
+        <dgm:presLayoutVars/>
+      </dgm:prSet>
+      <dgm:spPr/>
+    </dgm:pt>
+    <dgm:pt modelId="{F405C2F5-28DB-4F4E-931E-FDA6175EAADD}" type="pres">
+      <dgm:prSet presAssocID="{4D4EF1F3-ED0B-422A-BDAF-8CC3D8DFB20A}" presName="sibTrans" presStyleCnt="0"/>
+      <dgm:spPr/>
+    </dgm:pt>
+    <dgm:pt modelId="{C19C1B83-3F35-4A1A-BCBF-F99838C761C4}" type="pres">
+      <dgm:prSet presAssocID="{63FD127C-FA20-4BF6-9DD0-A7812EE34F5D}" presName="compNode" presStyleCnt="0"/>
+      <dgm:spPr/>
+    </dgm:pt>
+    <dgm:pt modelId="{C6606E59-EC18-47F7-91A1-39C6D267DCC6}" type="pres">
+      <dgm:prSet presAssocID="{63FD127C-FA20-4BF6-9DD0-A7812EE34F5D}" presName="bgRect" presStyleLbl="bgShp" presStyleIdx="1" presStyleCnt="4"/>
+      <dgm:spPr/>
+    </dgm:pt>
+    <dgm:pt modelId="{82E307B5-82C0-40DF-AA53-F9B3B9A2ED12}" type="pres">
+      <dgm:prSet presAssocID="{63FD127C-FA20-4BF6-9DD0-A7812EE34F5D}" presName="iconRect" presStyleLbl="node1" presStyleIdx="1" presStyleCnt="4"/>
+      <dgm:spPr>
+        <a:blipFill>
+          <a:blip xmlns:r="http://schemas.openxmlformats.org/officeDocument/2006/relationships" r:embed="rId3">
+            <a:extLst>
+              <a:ext uri="{28A0092B-C50C-407E-A947-70E740481C1C}">
+                <a14:useLocalDpi xmlns:a14="http://schemas.microsoft.com/office/drawing/2010/main" val="0"/>
+              </a:ext>
+              <a:ext uri="{96DAC541-7B7A-43D3-8B79-37D633B846F1}">
+                <asvg:svgBlip xmlns:asvg="http://schemas.microsoft.com/office/drawing/2016/SVG/main" r:embed="rId4"/>
+              </a:ext>
+            </a:extLst>
+          </a:blip>
+          <a:stretch>
+            <a:fillRect/>
+          </a:stretch>
+        </a:blipFill>
+        <a:ln>
+          <a:noFill/>
+        </a:ln>
+      </dgm:spPr>
+      <dgm:extLst>
+        <a:ext uri="{E40237B7-FDA0-4F09-8148-C483321AD2D9}">
+          <dgm14:cNvPr xmlns:dgm14="http://schemas.microsoft.com/office/drawing/2010/diagram" id="0" name="" descr="Check List"/>
+        </a:ext>
+      </dgm:extLst>
+    </dgm:pt>
+    <dgm:pt modelId="{D6FB781F-8A17-43C6-81CB-B1E213891CC1}" type="pres">
+      <dgm:prSet presAssocID="{63FD127C-FA20-4BF6-9DD0-A7812EE34F5D}" presName="spaceRect" presStyleCnt="0"/>
+      <dgm:spPr/>
+    </dgm:pt>
+    <dgm:pt modelId="{1A7DF329-A409-4BAF-8F0D-3F9C343A49AC}" type="pres">
+      <dgm:prSet presAssocID="{63FD127C-FA20-4BF6-9DD0-A7812EE34F5D}" presName="parTx" presStyleLbl="revTx" presStyleIdx="2" presStyleCnt="8">
+        <dgm:presLayoutVars>
+          <dgm:chMax val="0"/>
+          <dgm:chPref val="0"/>
+        </dgm:presLayoutVars>
+      </dgm:prSet>
+      <dgm:spPr/>
+    </dgm:pt>
+    <dgm:pt modelId="{19BB6E5F-A11F-4FE3-AEB8-B88085F1369D}" type="pres">
+      <dgm:prSet presAssocID="{63FD127C-FA20-4BF6-9DD0-A7812EE34F5D}" presName="desTx" presStyleLbl="revTx" presStyleIdx="3" presStyleCnt="8">
+        <dgm:presLayoutVars/>
+      </dgm:prSet>
+      <dgm:spPr/>
+    </dgm:pt>
+    <dgm:pt modelId="{96CAA459-6BCD-4D9C-B703-A2F2B816FDCE}" type="pres">
+      <dgm:prSet presAssocID="{29D082D3-2F4C-4735-A95E-148EA593542E}" presName="sibTrans" presStyleCnt="0"/>
+      <dgm:spPr/>
+    </dgm:pt>
+    <dgm:pt modelId="{23B9F9DF-5EE2-4A09-BE85-49287BDEA1AF}" type="pres">
+      <dgm:prSet presAssocID="{0E5CA5DA-DACD-452D-9D47-309A006FF313}" presName="compNode" presStyleCnt="0"/>
+      <dgm:spPr/>
+    </dgm:pt>
+    <dgm:pt modelId="{5BC17322-664E-430A-9DE3-79B4F5DBA3A2}" type="pres">
+      <dgm:prSet presAssocID="{0E5CA5DA-DACD-452D-9D47-309A006FF313}" presName="bgRect" presStyleLbl="bgShp" presStyleIdx="2" presStyleCnt="4"/>
+      <dgm:spPr/>
+    </dgm:pt>
+    <dgm:pt modelId="{4E714C16-610A-4EAC-9CA3-85B784D28A60}" type="pres">
+      <dgm:prSet presAssocID="{0E5CA5DA-DACD-452D-9D47-309A006FF313}" presName="iconRect" presStyleLbl="node1" presStyleIdx="2" presStyleCnt="4"/>
+      <dgm:spPr>
+        <a:blipFill>
+          <a:blip xmlns:r="http://schemas.openxmlformats.org/officeDocument/2006/relationships" r:embed="rId5">
+            <a:extLst>
+              <a:ext uri="{28A0092B-C50C-407E-A947-70E740481C1C}">
+                <a14:useLocalDpi xmlns:a14="http://schemas.microsoft.com/office/drawing/2010/main" val="0"/>
+              </a:ext>
+              <a:ext uri="{96DAC541-7B7A-43D3-8B79-37D633B846F1}">
+                <asvg:svgBlip xmlns:asvg="http://schemas.microsoft.com/office/drawing/2016/SVG/main" r:embed="rId6"/>
+              </a:ext>
+            </a:extLst>
+          </a:blip>
+          <a:stretch>
+            <a:fillRect/>
+          </a:stretch>
+        </a:blipFill>
+        <a:ln>
+          <a:noFill/>
+        </a:ln>
+      </dgm:spPr>
+      <dgm:extLst>
+        <a:ext uri="{E40237B7-FDA0-4F09-8148-C483321AD2D9}">
+          <dgm14:cNvPr xmlns:dgm14="http://schemas.microsoft.com/office/drawing/2010/diagram" id="0" name="" descr="Checkmark"/>
+        </a:ext>
+      </dgm:extLst>
+    </dgm:pt>
+    <dgm:pt modelId="{0BB9F754-03A9-4D92-9911-5129E2F105EA}" type="pres">
+      <dgm:prSet presAssocID="{0E5CA5DA-DACD-452D-9D47-309A006FF313}" presName="spaceRect" presStyleCnt="0"/>
+      <dgm:spPr/>
+    </dgm:pt>
+    <dgm:pt modelId="{88EC4FBD-33CF-4E29-B84B-84F4B64CF8E4}" type="pres">
+      <dgm:prSet presAssocID="{0E5CA5DA-DACD-452D-9D47-309A006FF313}" presName="parTx" presStyleLbl="revTx" presStyleIdx="4" presStyleCnt="8">
+        <dgm:presLayoutVars>
+          <dgm:chMax val="0"/>
+          <dgm:chPref val="0"/>
+        </dgm:presLayoutVars>
+      </dgm:prSet>
+      <dgm:spPr/>
+    </dgm:pt>
+    <dgm:pt modelId="{4C8A5F5E-11D5-49E8-9BA6-FB0C3E2EFC24}" type="pres">
+      <dgm:prSet presAssocID="{0E5CA5DA-DACD-452D-9D47-309A006FF313}" presName="desTx" presStyleLbl="revTx" presStyleIdx="5" presStyleCnt="8">
+        <dgm:presLayoutVars/>
+      </dgm:prSet>
+      <dgm:spPr/>
+    </dgm:pt>
+    <dgm:pt modelId="{7C26E420-E62C-4F77-8993-CB0AF528229E}" type="pres">
+      <dgm:prSet presAssocID="{72F96D37-DCA3-467C-84E9-BB477A3192FA}" presName="sibTrans" presStyleCnt="0"/>
+      <dgm:spPr/>
+    </dgm:pt>
+    <dgm:pt modelId="{5C0351F8-3CF9-4889-A66A-91CEC5F8BB05}" type="pres">
+      <dgm:prSet presAssocID="{06332657-053E-4F0E-8305-1DBEB23BC7A3}" presName="compNode" presStyleCnt="0"/>
+      <dgm:spPr/>
+    </dgm:pt>
+    <dgm:pt modelId="{A7AD2A86-DF9E-4EBC-A99D-9D0C1CAEBA29}" type="pres">
+      <dgm:prSet presAssocID="{06332657-053E-4F0E-8305-1DBEB23BC7A3}" presName="bgRect" presStyleLbl="bgShp" presStyleIdx="3" presStyleCnt="4"/>
+      <dgm:spPr/>
+    </dgm:pt>
+    <dgm:pt modelId="{3E28EA8C-B93F-4E60-9D42-061C52DE82A0}" type="pres">
+      <dgm:prSet presAssocID="{06332657-053E-4F0E-8305-1DBEB23BC7A3}" presName="iconRect" presStyleLbl="node1" presStyleIdx="3" presStyleCnt="4"/>
+      <dgm:spPr>
+        <a:blipFill>
+          <a:blip xmlns:r="http://schemas.openxmlformats.org/officeDocument/2006/relationships" r:embed="rId7">
+            <a:extLst>
+              <a:ext uri="{28A0092B-C50C-407E-A947-70E740481C1C}">
+                <a14:useLocalDpi xmlns:a14="http://schemas.microsoft.com/office/drawing/2010/main" val="0"/>
+              </a:ext>
+              <a:ext uri="{96DAC541-7B7A-43D3-8B79-37D633B846F1}">
+                <asvg:svgBlip xmlns:asvg="http://schemas.microsoft.com/office/drawing/2016/SVG/main" r:embed="rId8"/>
+              </a:ext>
+            </a:extLst>
+          </a:blip>
+          <a:stretch>
+            <a:fillRect/>
+          </a:stretch>
+        </a:blipFill>
+        <a:ln>
+          <a:noFill/>
+        </a:ln>
+      </dgm:spPr>
+      <dgm:extLst>
+        <a:ext uri="{E40237B7-FDA0-4F09-8148-C483321AD2D9}">
+          <dgm14:cNvPr xmlns:dgm14="http://schemas.microsoft.com/office/drawing/2010/diagram" id="0" name="" descr="Close"/>
+        </a:ext>
+      </dgm:extLst>
+    </dgm:pt>
+    <dgm:pt modelId="{DAC1E9EC-A73D-4DD2-B4DF-4ED0D819D715}" type="pres">
+      <dgm:prSet presAssocID="{06332657-053E-4F0E-8305-1DBEB23BC7A3}" presName="spaceRect" presStyleCnt="0"/>
+      <dgm:spPr/>
+    </dgm:pt>
+    <dgm:pt modelId="{A4621C78-E2D9-40CB-8C00-F97A3C8E2E1F}" type="pres">
+      <dgm:prSet presAssocID="{06332657-053E-4F0E-8305-1DBEB23BC7A3}" presName="parTx" presStyleLbl="revTx" presStyleIdx="6" presStyleCnt="8">
+        <dgm:presLayoutVars>
+          <dgm:chMax val="0"/>
+          <dgm:chPref val="0"/>
+        </dgm:presLayoutVars>
+      </dgm:prSet>
+      <dgm:spPr/>
+    </dgm:pt>
+    <dgm:pt modelId="{D8A735C6-7C25-4D52-B3F8-E7243DD0AB54}" type="pres">
+      <dgm:prSet presAssocID="{06332657-053E-4F0E-8305-1DBEB23BC7A3}" presName="desTx" presStyleLbl="revTx" presStyleIdx="7" presStyleCnt="8">
+        <dgm:presLayoutVars/>
+      </dgm:prSet>
+      <dgm:spPr/>
+    </dgm:pt>
+  </dgm:ptLst>
+  <dgm:cxnLst>
+    <dgm:cxn modelId="{DC5F7F0B-73D4-4023-A3DD-D47AA03E8655}" type="presOf" srcId="{63FD127C-FA20-4BF6-9DD0-A7812EE34F5D}" destId="{1A7DF329-A409-4BAF-8F0D-3F9C343A49AC}" srcOrd="0" destOrd="0" presId="urn:microsoft.com/office/officeart/2018/2/layout/IconVerticalSolidList"/>
+    <dgm:cxn modelId="{49B51B26-E86F-419F-80E1-AFEC9EDA8BF4}" type="presOf" srcId="{06332657-053E-4F0E-8305-1DBEB23BC7A3}" destId="{A4621C78-E2D9-40CB-8C00-F97A3C8E2E1F}" srcOrd="0" destOrd="0" presId="urn:microsoft.com/office/officeart/2018/2/layout/IconVerticalSolidList"/>
+    <dgm:cxn modelId="{F26D245E-8221-4FF3-B208-073E6206B859}" type="presOf" srcId="{B5318BEF-D068-4898-9682-8D0E5E177206}" destId="{D8A735C6-7C25-4D52-B3F8-E7243DD0AB54}" srcOrd="0" destOrd="0" presId="urn:microsoft.com/office/officeart/2018/2/layout/IconVerticalSolidList"/>
+    <dgm:cxn modelId="{86650864-697A-42B7-B4AC-345552F90EC2}" type="presOf" srcId="{DDCB5566-7019-4FB3-9746-752E106DA090}" destId="{CB3B6849-DEA3-4216-A6A6-34D6A868D51A}" srcOrd="0" destOrd="0" presId="urn:microsoft.com/office/officeart/2018/2/layout/IconVerticalSolidList"/>
+    <dgm:cxn modelId="{9BE2F649-A63B-41C0-9283-6DDABEDBFEC7}" srcId="{63FD127C-FA20-4BF6-9DD0-A7812EE34F5D}" destId="{3C035F94-8167-4663-8B84-8245855BF249}" srcOrd="0" destOrd="0" parTransId="{629AA14F-EF25-4B73-9A28-4977E7BEBD50}" sibTransId="{D414AA9D-0B23-4D2E-B566-0FFD303CF51F}"/>
+    <dgm:cxn modelId="{87BD376B-FE47-4976-BED5-F991727D8E22}" type="presOf" srcId="{0E5CA5DA-DACD-452D-9D47-309A006FF313}" destId="{88EC4FBD-33CF-4E29-B84B-84F4B64CF8E4}" srcOrd="0" destOrd="0" presId="urn:microsoft.com/office/officeart/2018/2/layout/IconVerticalSolidList"/>
+    <dgm:cxn modelId="{0625E671-9EFD-4FEF-86E0-B52C5AFB7EAB}" srcId="{DDCB5566-7019-4FB3-9746-752E106DA090}" destId="{456D9BE1-0661-4C8C-B378-A809E35D2B9F}" srcOrd="0" destOrd="0" parTransId="{9EF1A525-EAA0-4670-A896-F6B9BD7A01E9}" sibTransId="{DC0B3A8F-7333-4783-A9AE-2E58283EC0A6}"/>
+    <dgm:cxn modelId="{0D87177B-34D2-41A2-A8CD-BAD28688182E}" type="presOf" srcId="{3F463E47-BDA0-4EC7-9CBC-5C84F6FA005D}" destId="{9DD21822-9758-4B04-A47E-E4FDF6BFB962}" srcOrd="0" destOrd="0" presId="urn:microsoft.com/office/officeart/2018/2/layout/IconVerticalSolidList"/>
+    <dgm:cxn modelId="{2F60EA80-A402-40A4-9301-4AB049546AF4}" srcId="{3F463E47-BDA0-4EC7-9CBC-5C84F6FA005D}" destId="{DDCB5566-7019-4FB3-9746-752E106DA090}" srcOrd="0" destOrd="0" parTransId="{99878B4B-1A9E-40F2-A00F-D38C51254143}" sibTransId="{4D4EF1F3-ED0B-422A-BDAF-8CC3D8DFB20A}"/>
+    <dgm:cxn modelId="{58E71E8F-61BD-40A0-AFF0-0C5E00C9AF09}" srcId="{06332657-053E-4F0E-8305-1DBEB23BC7A3}" destId="{B5318BEF-D068-4898-9682-8D0E5E177206}" srcOrd="0" destOrd="0" parTransId="{162339A7-2CBE-4D28-AE50-6B55B6FFA08D}" sibTransId="{658BE6E5-0F75-4290-AF97-CAA1D9253E92}"/>
+    <dgm:cxn modelId="{7DC9E79C-72BD-44B6-BC8A-260C93070DB9}" srcId="{3F463E47-BDA0-4EC7-9CBC-5C84F6FA005D}" destId="{0E5CA5DA-DACD-452D-9D47-309A006FF313}" srcOrd="2" destOrd="0" parTransId="{66F9F41B-E894-4E04-88E5-E2C3E0F094A0}" sibTransId="{72F96D37-DCA3-467C-84E9-BB477A3192FA}"/>
+    <dgm:cxn modelId="{1A1A20A3-2107-4D3B-957E-CAAFFD18BECA}" type="presOf" srcId="{3C035F94-8167-4663-8B84-8245855BF249}" destId="{19BB6E5F-A11F-4FE3-AEB8-B88085F1369D}" srcOrd="0" destOrd="0" presId="urn:microsoft.com/office/officeart/2018/2/layout/IconVerticalSolidList"/>
+    <dgm:cxn modelId="{1DB52DE3-2279-4A73-AAD9-D4F7BFC86677}" type="presOf" srcId="{456D9BE1-0661-4C8C-B378-A809E35D2B9F}" destId="{98845165-ADFA-4EF7-BA31-B4EA2AB33EB8}" srcOrd="0" destOrd="0" presId="urn:microsoft.com/office/officeart/2018/2/layout/IconVerticalSolidList"/>
+    <dgm:cxn modelId="{713902F4-1019-45B0-A60E-BBBF1ADC3C59}" srcId="{0E5CA5DA-DACD-452D-9D47-309A006FF313}" destId="{C81A4555-25E4-4356-8F46-8EB7E6AA77D3}" srcOrd="0" destOrd="0" parTransId="{C12425A2-0D89-45D3-9B8D-B810CDFF94F0}" sibTransId="{0CCEFDA0-30BB-4853-8624-79B4665DD3FA}"/>
+    <dgm:cxn modelId="{72B174F4-D762-44F6-A8FF-E87DA876AF6B}" srcId="{3F463E47-BDA0-4EC7-9CBC-5C84F6FA005D}" destId="{63FD127C-FA20-4BF6-9DD0-A7812EE34F5D}" srcOrd="1" destOrd="0" parTransId="{47D17223-FB9D-4381-8581-D74A1A4CA583}" sibTransId="{29D082D3-2F4C-4735-A95E-148EA593542E}"/>
+    <dgm:cxn modelId="{2C6262F7-AAD2-4418-A24B-C14B24B8BE20}" srcId="{3F463E47-BDA0-4EC7-9CBC-5C84F6FA005D}" destId="{06332657-053E-4F0E-8305-1DBEB23BC7A3}" srcOrd="3" destOrd="0" parTransId="{6B8CBF02-7210-4B3E-B8A3-8619A01CC4B7}" sibTransId="{7B5C868F-C75B-4451-A2F7-7751C07CAB63}"/>
+    <dgm:cxn modelId="{EAD598FE-435C-4AA5-855F-F4508434FCC0}" type="presOf" srcId="{C81A4555-25E4-4356-8F46-8EB7E6AA77D3}" destId="{4C8A5F5E-11D5-49E8-9BA6-FB0C3E2EFC24}" srcOrd="0" destOrd="0" presId="urn:microsoft.com/office/officeart/2018/2/layout/IconVerticalSolidList"/>
+    <dgm:cxn modelId="{6FB40E0A-C9DC-4C82-877D-6E41E3FCCD77}" type="presParOf" srcId="{9DD21822-9758-4B04-A47E-E4FDF6BFB962}" destId="{640CF7E3-A96A-4761-A73B-7A281ECC2210}" srcOrd="0" destOrd="0" presId="urn:microsoft.com/office/officeart/2018/2/layout/IconVerticalSolidList"/>
+    <dgm:cxn modelId="{57BDBEF6-6507-46B8-84EB-625539BFFC1A}" type="presParOf" srcId="{640CF7E3-A96A-4761-A73B-7A281ECC2210}" destId="{985713DE-C205-4F79-9826-B0F5C8D54208}" srcOrd="0" destOrd="0" presId="urn:microsoft.com/office/officeart/2018/2/layout/IconVerticalSolidList"/>
+    <dgm:cxn modelId="{75996C40-7EEF-4F11-8418-8061F62DE59C}" type="presParOf" srcId="{640CF7E3-A96A-4761-A73B-7A281ECC2210}" destId="{02C1128D-2DD9-409D-B8B1-8167D1418CB9}" srcOrd="1" destOrd="0" presId="urn:microsoft.com/office/officeart/2018/2/layout/IconVerticalSolidList"/>
+    <dgm:cxn modelId="{6F69763C-D49D-4503-B54F-39BBB81D71DB}" type="presParOf" srcId="{640CF7E3-A96A-4761-A73B-7A281ECC2210}" destId="{7FA14438-2C79-4DF5-913C-CE75ECFC5468}" srcOrd="2" destOrd="0" presId="urn:microsoft.com/office/officeart/2018/2/layout/IconVerticalSolidList"/>
+    <dgm:cxn modelId="{3BDBB691-4A25-492A-ACEB-045CA4DB7809}" type="presParOf" srcId="{640CF7E3-A96A-4761-A73B-7A281ECC2210}" destId="{CB3B6849-DEA3-4216-A6A6-34D6A868D51A}" srcOrd="3" destOrd="0" presId="urn:microsoft.com/office/officeart/2018/2/layout/IconVerticalSolidList"/>
+    <dgm:cxn modelId="{988ED71F-C464-4D26-94A2-998FD725D36F}" type="presParOf" srcId="{640CF7E3-A96A-4761-A73B-7A281ECC2210}" destId="{98845165-ADFA-4EF7-BA31-B4EA2AB33EB8}" srcOrd="4" destOrd="0" presId="urn:microsoft.com/office/officeart/2018/2/layout/IconVerticalSolidList"/>
+    <dgm:cxn modelId="{67C0E4B2-DF23-4CAF-A190-3601758DEDBD}" type="presParOf" srcId="{9DD21822-9758-4B04-A47E-E4FDF6BFB962}" destId="{F405C2F5-28DB-4F4E-931E-FDA6175EAADD}" srcOrd="1" destOrd="0" presId="urn:microsoft.com/office/officeart/2018/2/layout/IconVerticalSolidList"/>
+    <dgm:cxn modelId="{74D3994E-5A88-4670-9B5B-8750FB88EB24}" type="presParOf" srcId="{9DD21822-9758-4B04-A47E-E4FDF6BFB962}" destId="{C19C1B83-3F35-4A1A-BCBF-F99838C761C4}" srcOrd="2" destOrd="0" presId="urn:microsoft.com/office/officeart/2018/2/layout/IconVerticalSolidList"/>
+    <dgm:cxn modelId="{B459DAA2-E175-4A28-B158-EDD1C681F390}" type="presParOf" srcId="{C19C1B83-3F35-4A1A-BCBF-F99838C761C4}" destId="{C6606E59-EC18-47F7-91A1-39C6D267DCC6}" srcOrd="0" destOrd="0" presId="urn:microsoft.com/office/officeart/2018/2/layout/IconVerticalSolidList"/>
+    <dgm:cxn modelId="{AD159EA4-6AD3-4225-877C-A46C54A538B7}" type="presParOf" srcId="{C19C1B83-3F35-4A1A-BCBF-F99838C761C4}" destId="{82E307B5-82C0-40DF-AA53-F9B3B9A2ED12}" srcOrd="1" destOrd="0" presId="urn:microsoft.com/office/officeart/2018/2/layout/IconVerticalSolidList"/>
+    <dgm:cxn modelId="{77AE98B4-FB10-4088-AEC0-EA3A361AEB4B}" type="presParOf" srcId="{C19C1B83-3F35-4A1A-BCBF-F99838C761C4}" destId="{D6FB781F-8A17-43C6-81CB-B1E213891CC1}" srcOrd="2" destOrd="0" presId="urn:microsoft.com/office/officeart/2018/2/layout/IconVerticalSolidList"/>
+    <dgm:cxn modelId="{3ABC7A69-2AB8-401F-963C-1CE96DB244C2}" type="presParOf" srcId="{C19C1B83-3F35-4A1A-BCBF-F99838C761C4}" destId="{1A7DF329-A409-4BAF-8F0D-3F9C343A49AC}" srcOrd="3" destOrd="0" presId="urn:microsoft.com/office/officeart/2018/2/layout/IconVerticalSolidList"/>
+    <dgm:cxn modelId="{F5F51AD1-3812-4FB3-8C25-80B62B505EE5}" type="presParOf" srcId="{C19C1B83-3F35-4A1A-BCBF-F99838C761C4}" destId="{19BB6E5F-A11F-4FE3-AEB8-B88085F1369D}" srcOrd="4" destOrd="0" presId="urn:microsoft.com/office/officeart/2018/2/layout/IconVerticalSolidList"/>
+    <dgm:cxn modelId="{A1620564-6017-4508-94DF-49519462840B}" type="presParOf" srcId="{9DD21822-9758-4B04-A47E-E4FDF6BFB962}" destId="{96CAA459-6BCD-4D9C-B703-A2F2B816FDCE}" srcOrd="3" destOrd="0" presId="urn:microsoft.com/office/officeart/2018/2/layout/IconVerticalSolidList"/>
+    <dgm:cxn modelId="{7B21E5E8-CC35-4D28-80F2-5EE9C617CDF7}" type="presParOf" srcId="{9DD21822-9758-4B04-A47E-E4FDF6BFB962}" destId="{23B9F9DF-5EE2-4A09-BE85-49287BDEA1AF}" srcOrd="4" destOrd="0" presId="urn:microsoft.com/office/officeart/2018/2/layout/IconVerticalSolidList"/>
+    <dgm:cxn modelId="{DB7BE45A-3416-4605-A99A-D669766CEB11}" type="presParOf" srcId="{23B9F9DF-5EE2-4A09-BE85-49287BDEA1AF}" destId="{5BC17322-664E-430A-9DE3-79B4F5DBA3A2}" srcOrd="0" destOrd="0" presId="urn:microsoft.com/office/officeart/2018/2/layout/IconVerticalSolidList"/>
+    <dgm:cxn modelId="{CFAE451D-8E21-445B-98FE-B53C90A96043}" type="presParOf" srcId="{23B9F9DF-5EE2-4A09-BE85-49287BDEA1AF}" destId="{4E714C16-610A-4EAC-9CA3-85B784D28A60}" srcOrd="1" destOrd="0" presId="urn:microsoft.com/office/officeart/2018/2/layout/IconVerticalSolidList"/>
+    <dgm:cxn modelId="{F51F9D28-0954-4C2D-8073-85B6C99DEB28}" type="presParOf" srcId="{23B9F9DF-5EE2-4A09-BE85-49287BDEA1AF}" destId="{0BB9F754-03A9-4D92-9911-5129E2F105EA}" srcOrd="2" destOrd="0" presId="urn:microsoft.com/office/officeart/2018/2/layout/IconVerticalSolidList"/>
+    <dgm:cxn modelId="{49715CB3-4E65-4B85-897C-5AB6D6C0FD18}" type="presParOf" srcId="{23B9F9DF-5EE2-4A09-BE85-49287BDEA1AF}" destId="{88EC4FBD-33CF-4E29-B84B-84F4B64CF8E4}" srcOrd="3" destOrd="0" presId="urn:microsoft.com/office/officeart/2018/2/layout/IconVerticalSolidList"/>
+    <dgm:cxn modelId="{E1AA1956-772F-4730-BED7-CD4B1D25B9D5}" type="presParOf" srcId="{23B9F9DF-5EE2-4A09-BE85-49287BDEA1AF}" destId="{4C8A5F5E-11D5-49E8-9BA6-FB0C3E2EFC24}" srcOrd="4" destOrd="0" presId="urn:microsoft.com/office/officeart/2018/2/layout/IconVerticalSolidList"/>
+    <dgm:cxn modelId="{184E5C1C-78BF-4DA1-98FF-C0B233E292DD}" type="presParOf" srcId="{9DD21822-9758-4B04-A47E-E4FDF6BFB962}" destId="{7C26E420-E62C-4F77-8993-CB0AF528229E}" srcOrd="5" destOrd="0" presId="urn:microsoft.com/office/officeart/2018/2/layout/IconVerticalSolidList"/>
+    <dgm:cxn modelId="{CE55315E-4849-4EFF-8838-22C2C7A5C611}" type="presParOf" srcId="{9DD21822-9758-4B04-A47E-E4FDF6BFB962}" destId="{5C0351F8-3CF9-4889-A66A-91CEC5F8BB05}" srcOrd="6" destOrd="0" presId="urn:microsoft.com/office/officeart/2018/2/layout/IconVerticalSolidList"/>
+    <dgm:cxn modelId="{D3E7B66E-3B05-497B-9A1C-DA6613D22A7D}" type="presParOf" srcId="{5C0351F8-3CF9-4889-A66A-91CEC5F8BB05}" destId="{A7AD2A86-DF9E-4EBC-A99D-9D0C1CAEBA29}" srcOrd="0" destOrd="0" presId="urn:microsoft.com/office/officeart/2018/2/layout/IconVerticalSolidList"/>
+    <dgm:cxn modelId="{70FFE461-3978-43FB-A9EE-BC9CEB6E84F9}" type="presParOf" srcId="{5C0351F8-3CF9-4889-A66A-91CEC5F8BB05}" destId="{3E28EA8C-B93F-4E60-9D42-061C52DE82A0}" srcOrd="1" destOrd="0" presId="urn:microsoft.com/office/officeart/2018/2/layout/IconVerticalSolidList"/>
+    <dgm:cxn modelId="{67CE363F-EEB1-4569-8E6D-6760CB1764F7}" type="presParOf" srcId="{5C0351F8-3CF9-4889-A66A-91CEC5F8BB05}" destId="{DAC1E9EC-A73D-4DD2-B4DF-4ED0D819D715}" srcOrd="2" destOrd="0" presId="urn:microsoft.com/office/officeart/2018/2/layout/IconVerticalSolidList"/>
+    <dgm:cxn modelId="{A079711C-FF7E-459B-9183-02117729DE24}" type="presParOf" srcId="{5C0351F8-3CF9-4889-A66A-91CEC5F8BB05}" destId="{A4621C78-E2D9-40CB-8C00-F97A3C8E2E1F}" srcOrd="3" destOrd="0" presId="urn:microsoft.com/office/officeart/2018/2/layout/IconVerticalSolidList"/>
+    <dgm:cxn modelId="{F43BAF43-B003-43B6-B4F4-C3A9D3A10D44}" type="presParOf" srcId="{5C0351F8-3CF9-4889-A66A-91CEC5F8BB05}" destId="{D8A735C6-7C25-4D52-B3F8-E7243DD0AB54}" srcOrd="4" destOrd="0" presId="urn:microsoft.com/office/officeart/2018/2/layout/IconVerticalSolidList"/>
   </dgm:cxnLst>
   <dgm:bg/>
   <dgm:whole/>
@@ -8725,6 +10258,862 @@
 </dsp:drawing>
 </file>
 
+<file path=ppt/diagrams/drawing5.xml><?xml version="1.0" encoding="utf-8"?>
+<dsp:drawing xmlns:dgm="http://schemas.openxmlformats.org/drawingml/2006/diagram" xmlns:dsp="http://schemas.microsoft.com/office/drawing/2008/diagram" xmlns:a="http://schemas.openxmlformats.org/drawingml/2006/main">
+  <dsp:spTree>
+    <dsp:nvGrpSpPr>
+      <dsp:cNvPr id="0" name=""/>
+      <dsp:cNvGrpSpPr/>
+    </dsp:nvGrpSpPr>
+    <dsp:grpSpPr/>
+    <dsp:sp modelId="{985713DE-C205-4F79-9826-B0F5C8D54208}">
+      <dsp:nvSpPr>
+        <dsp:cNvPr id="0" name=""/>
+        <dsp:cNvSpPr/>
+      </dsp:nvSpPr>
+      <dsp:spPr>
+        <a:xfrm>
+          <a:off x="0" y="2185"/>
+          <a:ext cx="6832212" cy="1107454"/>
+        </a:xfrm>
+        <a:prstGeom prst="roundRect">
+          <a:avLst>
+            <a:gd name="adj" fmla="val 10000"/>
+          </a:avLst>
+        </a:prstGeom>
+        <a:solidFill>
+          <a:schemeClr val="bg1">
+            <a:lumMod val="95000"/>
+            <a:hueOff val="0"/>
+            <a:satOff val="0"/>
+            <a:lumOff val="0"/>
+            <a:alphaOff val="0"/>
+          </a:schemeClr>
+        </a:solidFill>
+        <a:ln>
+          <a:noFill/>
+        </a:ln>
+        <a:effectLst/>
+      </dsp:spPr>
+      <dsp:style>
+        <a:lnRef idx="0">
+          <a:scrgbClr r="0" g="0" b="0"/>
+        </a:lnRef>
+        <a:fillRef idx="1">
+          <a:scrgbClr r="0" g="0" b="0"/>
+        </a:fillRef>
+        <a:effectRef idx="0">
+          <a:scrgbClr r="0" g="0" b="0"/>
+        </a:effectRef>
+        <a:fontRef idx="minor"/>
+      </dsp:style>
+    </dsp:sp>
+    <dsp:sp modelId="{02C1128D-2DD9-409D-B8B1-8167D1418CB9}">
+      <dsp:nvSpPr>
+        <dsp:cNvPr id="0" name=""/>
+        <dsp:cNvSpPr/>
+      </dsp:nvSpPr>
+      <dsp:spPr>
+        <a:xfrm>
+          <a:off x="335004" y="251362"/>
+          <a:ext cx="609099" cy="609099"/>
+        </a:xfrm>
+        <a:prstGeom prst="rect">
+          <a:avLst/>
+        </a:prstGeom>
+        <a:blipFill>
+          <a:blip xmlns:r="http://schemas.openxmlformats.org/officeDocument/2006/relationships" r:embed="rId1">
+            <a:extLst>
+              <a:ext uri="{28A0092B-C50C-407E-A947-70E740481C1C}">
+                <a14:useLocalDpi xmlns:a14="http://schemas.microsoft.com/office/drawing/2010/main" val="0"/>
+              </a:ext>
+              <a:ext uri="{96DAC541-7B7A-43D3-8B79-37D633B846F1}">
+                <asvg:svgBlip xmlns:asvg="http://schemas.microsoft.com/office/drawing/2016/SVG/main" r:embed="rId2"/>
+              </a:ext>
+            </a:extLst>
+          </a:blip>
+          <a:stretch>
+            <a:fillRect/>
+          </a:stretch>
+        </a:blipFill>
+        <a:ln w="15875" cap="rnd" cmpd="sng" algn="ctr">
+          <a:noFill/>
+          <a:prstDash val="solid"/>
+        </a:ln>
+        <a:effectLst/>
+      </dsp:spPr>
+      <dsp:style>
+        <a:lnRef idx="2">
+          <a:scrgbClr r="0" g="0" b="0"/>
+        </a:lnRef>
+        <a:fillRef idx="1">
+          <a:scrgbClr r="0" g="0" b="0"/>
+        </a:fillRef>
+        <a:effectRef idx="0">
+          <a:scrgbClr r="0" g="0" b="0"/>
+        </a:effectRef>
+        <a:fontRef idx="minor">
+          <a:schemeClr val="lt1"/>
+        </a:fontRef>
+      </dsp:style>
+    </dsp:sp>
+    <dsp:sp modelId="{CB3B6849-DEA3-4216-A6A6-34D6A868D51A}">
+      <dsp:nvSpPr>
+        <dsp:cNvPr id="0" name=""/>
+        <dsp:cNvSpPr/>
+      </dsp:nvSpPr>
+      <dsp:spPr>
+        <a:xfrm>
+          <a:off x="1279109" y="2185"/>
+          <a:ext cx="3074495" cy="1107454"/>
+        </a:xfrm>
+        <a:prstGeom prst="rect">
+          <a:avLst/>
+        </a:prstGeom>
+        <a:noFill/>
+        <a:ln>
+          <a:noFill/>
+        </a:ln>
+        <a:effectLst/>
+      </dsp:spPr>
+      <dsp:style>
+        <a:lnRef idx="0">
+          <a:scrgbClr r="0" g="0" b="0"/>
+        </a:lnRef>
+        <a:fillRef idx="0">
+          <a:scrgbClr r="0" g="0" b="0"/>
+        </a:fillRef>
+        <a:effectRef idx="0">
+          <a:scrgbClr r="0" g="0" b="0"/>
+        </a:effectRef>
+        <a:fontRef idx="minor"/>
+      </dsp:style>
+      <dsp:txBody>
+        <a:bodyPr spcFirstLastPara="0" vert="horz" wrap="square" lIns="117206" tIns="117206" rIns="117206" bIns="117206" numCol="1" spcCol="1270" anchor="ctr" anchorCtr="0">
+          <a:noAutofit/>
+        </a:bodyPr>
+        <a:lstStyle/>
+        <a:p>
+          <a:pPr marL="0" lvl="0" indent="0" algn="l" defTabSz="977900">
+            <a:lnSpc>
+              <a:spcPct val="100000"/>
+            </a:lnSpc>
+            <a:spcBef>
+              <a:spcPct val="0"/>
+            </a:spcBef>
+            <a:spcAft>
+              <a:spcPct val="35000"/>
+            </a:spcAft>
+            <a:buNone/>
+          </a:pPr>
+          <a:r>
+            <a:rPr lang="en-US" sz="2200" kern="1200" dirty="0"/>
+            <a:t>Identity</a:t>
+          </a:r>
+        </a:p>
+      </dsp:txBody>
+      <dsp:txXfrm>
+        <a:off x="1279109" y="2185"/>
+        <a:ext cx="3074495" cy="1107454"/>
+      </dsp:txXfrm>
+    </dsp:sp>
+    <dsp:sp modelId="{98845165-ADFA-4EF7-BA31-B4EA2AB33EB8}">
+      <dsp:nvSpPr>
+        <dsp:cNvPr id="0" name=""/>
+        <dsp:cNvSpPr/>
+      </dsp:nvSpPr>
+      <dsp:spPr>
+        <a:xfrm>
+          <a:off x="4353605" y="2185"/>
+          <a:ext cx="2478606" cy="1107454"/>
+        </a:xfrm>
+        <a:prstGeom prst="rect">
+          <a:avLst/>
+        </a:prstGeom>
+        <a:noFill/>
+        <a:ln>
+          <a:noFill/>
+        </a:ln>
+        <a:effectLst/>
+      </dsp:spPr>
+      <dsp:style>
+        <a:lnRef idx="0">
+          <a:scrgbClr r="0" g="0" b="0"/>
+        </a:lnRef>
+        <a:fillRef idx="0">
+          <a:scrgbClr r="0" g="0" b="0"/>
+        </a:fillRef>
+        <a:effectRef idx="0">
+          <a:scrgbClr r="0" g="0" b="0"/>
+        </a:effectRef>
+        <a:fontRef idx="minor"/>
+      </dsp:style>
+      <dsp:txBody>
+        <a:bodyPr spcFirstLastPara="0" vert="horz" wrap="square" lIns="117206" tIns="117206" rIns="117206" bIns="117206" numCol="1" spcCol="1270" anchor="ctr" anchorCtr="0">
+          <a:noAutofit/>
+        </a:bodyPr>
+        <a:lstStyle/>
+        <a:p>
+          <a:pPr marL="0" lvl="0" indent="0" algn="l" defTabSz="800100">
+            <a:lnSpc>
+              <a:spcPct val="100000"/>
+            </a:lnSpc>
+            <a:spcBef>
+              <a:spcPct val="0"/>
+            </a:spcBef>
+            <a:spcAft>
+              <a:spcPct val="35000"/>
+            </a:spcAft>
+            <a:buNone/>
+          </a:pPr>
+          <a:r>
+            <a:rPr lang="en-US" sz="1800" kern="1200" dirty="0"/>
+            <a:t>What is the threat or issue</a:t>
+          </a:r>
+        </a:p>
+      </dsp:txBody>
+      <dsp:txXfrm>
+        <a:off x="4353605" y="2185"/>
+        <a:ext cx="2478606" cy="1107454"/>
+      </dsp:txXfrm>
+    </dsp:sp>
+    <dsp:sp modelId="{C6606E59-EC18-47F7-91A1-39C6D267DCC6}">
+      <dsp:nvSpPr>
+        <dsp:cNvPr id="0" name=""/>
+        <dsp:cNvSpPr/>
+      </dsp:nvSpPr>
+      <dsp:spPr>
+        <a:xfrm>
+          <a:off x="0" y="1386503"/>
+          <a:ext cx="6832212" cy="1107454"/>
+        </a:xfrm>
+        <a:prstGeom prst="roundRect">
+          <a:avLst>
+            <a:gd name="adj" fmla="val 10000"/>
+          </a:avLst>
+        </a:prstGeom>
+        <a:solidFill>
+          <a:schemeClr val="bg1">
+            <a:lumMod val="95000"/>
+            <a:hueOff val="0"/>
+            <a:satOff val="0"/>
+            <a:lumOff val="0"/>
+            <a:alphaOff val="0"/>
+          </a:schemeClr>
+        </a:solidFill>
+        <a:ln>
+          <a:noFill/>
+        </a:ln>
+        <a:effectLst/>
+      </dsp:spPr>
+      <dsp:style>
+        <a:lnRef idx="0">
+          <a:scrgbClr r="0" g="0" b="0"/>
+        </a:lnRef>
+        <a:fillRef idx="1">
+          <a:scrgbClr r="0" g="0" b="0"/>
+        </a:fillRef>
+        <a:effectRef idx="0">
+          <a:scrgbClr r="0" g="0" b="0"/>
+        </a:effectRef>
+        <a:fontRef idx="minor"/>
+      </dsp:style>
+    </dsp:sp>
+    <dsp:sp modelId="{82E307B5-82C0-40DF-AA53-F9B3B9A2ED12}">
+      <dsp:nvSpPr>
+        <dsp:cNvPr id="0" name=""/>
+        <dsp:cNvSpPr/>
+      </dsp:nvSpPr>
+      <dsp:spPr>
+        <a:xfrm>
+          <a:off x="335004" y="1635680"/>
+          <a:ext cx="609099" cy="609099"/>
+        </a:xfrm>
+        <a:prstGeom prst="rect">
+          <a:avLst/>
+        </a:prstGeom>
+        <a:blipFill>
+          <a:blip xmlns:r="http://schemas.openxmlformats.org/officeDocument/2006/relationships" r:embed="rId3">
+            <a:extLst>
+              <a:ext uri="{28A0092B-C50C-407E-A947-70E740481C1C}">
+                <a14:useLocalDpi xmlns:a14="http://schemas.microsoft.com/office/drawing/2010/main" val="0"/>
+              </a:ext>
+              <a:ext uri="{96DAC541-7B7A-43D3-8B79-37D633B846F1}">
+                <asvg:svgBlip xmlns:asvg="http://schemas.microsoft.com/office/drawing/2016/SVG/main" r:embed="rId4"/>
+              </a:ext>
+            </a:extLst>
+          </a:blip>
+          <a:stretch>
+            <a:fillRect/>
+          </a:stretch>
+        </a:blipFill>
+        <a:ln w="15875" cap="rnd" cmpd="sng" algn="ctr">
+          <a:noFill/>
+          <a:prstDash val="solid"/>
+        </a:ln>
+        <a:effectLst/>
+      </dsp:spPr>
+      <dsp:style>
+        <a:lnRef idx="2">
+          <a:scrgbClr r="0" g="0" b="0"/>
+        </a:lnRef>
+        <a:fillRef idx="1">
+          <a:scrgbClr r="0" g="0" b="0"/>
+        </a:fillRef>
+        <a:effectRef idx="0">
+          <a:scrgbClr r="0" g="0" b="0"/>
+        </a:effectRef>
+        <a:fontRef idx="minor">
+          <a:schemeClr val="lt1"/>
+        </a:fontRef>
+      </dsp:style>
+    </dsp:sp>
+    <dsp:sp modelId="{1A7DF329-A409-4BAF-8F0D-3F9C343A49AC}">
+      <dsp:nvSpPr>
+        <dsp:cNvPr id="0" name=""/>
+        <dsp:cNvSpPr/>
+      </dsp:nvSpPr>
+      <dsp:spPr>
+        <a:xfrm>
+          <a:off x="1279109" y="1386503"/>
+          <a:ext cx="3074495" cy="1107454"/>
+        </a:xfrm>
+        <a:prstGeom prst="rect">
+          <a:avLst/>
+        </a:prstGeom>
+        <a:noFill/>
+        <a:ln>
+          <a:noFill/>
+        </a:ln>
+        <a:effectLst/>
+      </dsp:spPr>
+      <dsp:style>
+        <a:lnRef idx="0">
+          <a:scrgbClr r="0" g="0" b="0"/>
+        </a:lnRef>
+        <a:fillRef idx="0">
+          <a:scrgbClr r="0" g="0" b="0"/>
+        </a:fillRef>
+        <a:effectRef idx="0">
+          <a:scrgbClr r="0" g="0" b="0"/>
+        </a:effectRef>
+        <a:fontRef idx="minor"/>
+      </dsp:style>
+      <dsp:txBody>
+        <a:bodyPr spcFirstLastPara="0" vert="horz" wrap="square" lIns="117206" tIns="117206" rIns="117206" bIns="117206" numCol="1" spcCol="1270" anchor="ctr" anchorCtr="0">
+          <a:noAutofit/>
+        </a:bodyPr>
+        <a:lstStyle/>
+        <a:p>
+          <a:pPr marL="0" lvl="0" indent="0" algn="l" defTabSz="977900">
+            <a:lnSpc>
+              <a:spcPct val="100000"/>
+            </a:lnSpc>
+            <a:spcBef>
+              <a:spcPct val="0"/>
+            </a:spcBef>
+            <a:spcAft>
+              <a:spcPct val="35000"/>
+            </a:spcAft>
+            <a:buNone/>
+          </a:pPr>
+          <a:r>
+            <a:rPr lang="en-US" sz="2200" kern="1200" dirty="0"/>
+            <a:t>Plan</a:t>
+          </a:r>
+        </a:p>
+      </dsp:txBody>
+      <dsp:txXfrm>
+        <a:off x="1279109" y="1386503"/>
+        <a:ext cx="3074495" cy="1107454"/>
+      </dsp:txXfrm>
+    </dsp:sp>
+    <dsp:sp modelId="{19BB6E5F-A11F-4FE3-AEB8-B88085F1369D}">
+      <dsp:nvSpPr>
+        <dsp:cNvPr id="0" name=""/>
+        <dsp:cNvSpPr/>
+      </dsp:nvSpPr>
+      <dsp:spPr>
+        <a:xfrm>
+          <a:off x="4353605" y="1386503"/>
+          <a:ext cx="2478606" cy="1107454"/>
+        </a:xfrm>
+        <a:prstGeom prst="rect">
+          <a:avLst/>
+        </a:prstGeom>
+        <a:noFill/>
+        <a:ln>
+          <a:noFill/>
+        </a:ln>
+        <a:effectLst/>
+      </dsp:spPr>
+      <dsp:style>
+        <a:lnRef idx="0">
+          <a:scrgbClr r="0" g="0" b="0"/>
+        </a:lnRef>
+        <a:fillRef idx="0">
+          <a:scrgbClr r="0" g="0" b="0"/>
+        </a:fillRef>
+        <a:effectRef idx="0">
+          <a:scrgbClr r="0" g="0" b="0"/>
+        </a:effectRef>
+        <a:fontRef idx="minor"/>
+      </dsp:style>
+      <dsp:txBody>
+        <a:bodyPr spcFirstLastPara="0" vert="horz" wrap="square" lIns="117206" tIns="117206" rIns="117206" bIns="117206" numCol="1" spcCol="1270" anchor="ctr" anchorCtr="0">
+          <a:noAutofit/>
+        </a:bodyPr>
+        <a:lstStyle/>
+        <a:p>
+          <a:pPr marL="0" lvl="0" indent="0" algn="l" defTabSz="800100">
+            <a:lnSpc>
+              <a:spcPct val="100000"/>
+            </a:lnSpc>
+            <a:spcBef>
+              <a:spcPct val="0"/>
+            </a:spcBef>
+            <a:spcAft>
+              <a:spcPct val="35000"/>
+            </a:spcAft>
+            <a:buNone/>
+          </a:pPr>
+          <a:r>
+            <a:rPr lang="en-US" sz="1800" kern="1200" dirty="0"/>
+            <a:t>Determine appropriate responses</a:t>
+          </a:r>
+        </a:p>
+      </dsp:txBody>
+      <dsp:txXfrm>
+        <a:off x="4353605" y="1386503"/>
+        <a:ext cx="2478606" cy="1107454"/>
+      </dsp:txXfrm>
+    </dsp:sp>
+    <dsp:sp modelId="{5BC17322-664E-430A-9DE3-79B4F5DBA3A2}">
+      <dsp:nvSpPr>
+        <dsp:cNvPr id="0" name=""/>
+        <dsp:cNvSpPr/>
+      </dsp:nvSpPr>
+      <dsp:spPr>
+        <a:xfrm>
+          <a:off x="0" y="2770821"/>
+          <a:ext cx="6832212" cy="1107454"/>
+        </a:xfrm>
+        <a:prstGeom prst="roundRect">
+          <a:avLst>
+            <a:gd name="adj" fmla="val 10000"/>
+          </a:avLst>
+        </a:prstGeom>
+        <a:solidFill>
+          <a:schemeClr val="bg1">
+            <a:lumMod val="95000"/>
+            <a:hueOff val="0"/>
+            <a:satOff val="0"/>
+            <a:lumOff val="0"/>
+            <a:alphaOff val="0"/>
+          </a:schemeClr>
+        </a:solidFill>
+        <a:ln>
+          <a:noFill/>
+        </a:ln>
+        <a:effectLst/>
+      </dsp:spPr>
+      <dsp:style>
+        <a:lnRef idx="0">
+          <a:scrgbClr r="0" g="0" b="0"/>
+        </a:lnRef>
+        <a:fillRef idx="1">
+          <a:scrgbClr r="0" g="0" b="0"/>
+        </a:fillRef>
+        <a:effectRef idx="0">
+          <a:scrgbClr r="0" g="0" b="0"/>
+        </a:effectRef>
+        <a:fontRef idx="minor"/>
+      </dsp:style>
+    </dsp:sp>
+    <dsp:sp modelId="{4E714C16-610A-4EAC-9CA3-85B784D28A60}">
+      <dsp:nvSpPr>
+        <dsp:cNvPr id="0" name=""/>
+        <dsp:cNvSpPr/>
+      </dsp:nvSpPr>
+      <dsp:spPr>
+        <a:xfrm>
+          <a:off x="335004" y="3019998"/>
+          <a:ext cx="609099" cy="609099"/>
+        </a:xfrm>
+        <a:prstGeom prst="rect">
+          <a:avLst/>
+        </a:prstGeom>
+        <a:blipFill>
+          <a:blip xmlns:r="http://schemas.openxmlformats.org/officeDocument/2006/relationships" r:embed="rId5">
+            <a:extLst>
+              <a:ext uri="{28A0092B-C50C-407E-A947-70E740481C1C}">
+                <a14:useLocalDpi xmlns:a14="http://schemas.microsoft.com/office/drawing/2010/main" val="0"/>
+              </a:ext>
+              <a:ext uri="{96DAC541-7B7A-43D3-8B79-37D633B846F1}">
+                <asvg:svgBlip xmlns:asvg="http://schemas.microsoft.com/office/drawing/2016/SVG/main" r:embed="rId6"/>
+              </a:ext>
+            </a:extLst>
+          </a:blip>
+          <a:stretch>
+            <a:fillRect/>
+          </a:stretch>
+        </a:blipFill>
+        <a:ln w="15875" cap="rnd" cmpd="sng" algn="ctr">
+          <a:noFill/>
+          <a:prstDash val="solid"/>
+        </a:ln>
+        <a:effectLst/>
+      </dsp:spPr>
+      <dsp:style>
+        <a:lnRef idx="2">
+          <a:scrgbClr r="0" g="0" b="0"/>
+        </a:lnRef>
+        <a:fillRef idx="1">
+          <a:scrgbClr r="0" g="0" b="0"/>
+        </a:fillRef>
+        <a:effectRef idx="0">
+          <a:scrgbClr r="0" g="0" b="0"/>
+        </a:effectRef>
+        <a:fontRef idx="minor">
+          <a:schemeClr val="lt1"/>
+        </a:fontRef>
+      </dsp:style>
+    </dsp:sp>
+    <dsp:sp modelId="{88EC4FBD-33CF-4E29-B84B-84F4B64CF8E4}">
+      <dsp:nvSpPr>
+        <dsp:cNvPr id="0" name=""/>
+        <dsp:cNvSpPr/>
+      </dsp:nvSpPr>
+      <dsp:spPr>
+        <a:xfrm>
+          <a:off x="1279109" y="2770821"/>
+          <a:ext cx="3074495" cy="1107454"/>
+        </a:xfrm>
+        <a:prstGeom prst="rect">
+          <a:avLst/>
+        </a:prstGeom>
+        <a:noFill/>
+        <a:ln>
+          <a:noFill/>
+        </a:ln>
+        <a:effectLst/>
+      </dsp:spPr>
+      <dsp:style>
+        <a:lnRef idx="0">
+          <a:scrgbClr r="0" g="0" b="0"/>
+        </a:lnRef>
+        <a:fillRef idx="0">
+          <a:scrgbClr r="0" g="0" b="0"/>
+        </a:fillRef>
+        <a:effectRef idx="0">
+          <a:scrgbClr r="0" g="0" b="0"/>
+        </a:effectRef>
+        <a:fontRef idx="minor"/>
+      </dsp:style>
+      <dsp:txBody>
+        <a:bodyPr spcFirstLastPara="0" vert="horz" wrap="square" lIns="117206" tIns="117206" rIns="117206" bIns="117206" numCol="1" spcCol="1270" anchor="ctr" anchorCtr="0">
+          <a:noAutofit/>
+        </a:bodyPr>
+        <a:lstStyle/>
+        <a:p>
+          <a:pPr marL="0" lvl="0" indent="0" algn="l" defTabSz="977900">
+            <a:lnSpc>
+              <a:spcPct val="100000"/>
+            </a:lnSpc>
+            <a:spcBef>
+              <a:spcPct val="0"/>
+            </a:spcBef>
+            <a:spcAft>
+              <a:spcPct val="35000"/>
+            </a:spcAft>
+            <a:buNone/>
+          </a:pPr>
+          <a:r>
+            <a:rPr lang="en-US" sz="2200" kern="1200" dirty="0"/>
+            <a:t>Act</a:t>
+          </a:r>
+        </a:p>
+      </dsp:txBody>
+      <dsp:txXfrm>
+        <a:off x="1279109" y="2770821"/>
+        <a:ext cx="3074495" cy="1107454"/>
+      </dsp:txXfrm>
+    </dsp:sp>
+    <dsp:sp modelId="{4C8A5F5E-11D5-49E8-9BA6-FB0C3E2EFC24}">
+      <dsp:nvSpPr>
+        <dsp:cNvPr id="0" name=""/>
+        <dsp:cNvSpPr/>
+      </dsp:nvSpPr>
+      <dsp:spPr>
+        <a:xfrm>
+          <a:off x="4353605" y="2770821"/>
+          <a:ext cx="2478606" cy="1107454"/>
+        </a:xfrm>
+        <a:prstGeom prst="rect">
+          <a:avLst/>
+        </a:prstGeom>
+        <a:noFill/>
+        <a:ln>
+          <a:noFill/>
+        </a:ln>
+        <a:effectLst/>
+      </dsp:spPr>
+      <dsp:style>
+        <a:lnRef idx="0">
+          <a:scrgbClr r="0" g="0" b="0"/>
+        </a:lnRef>
+        <a:fillRef idx="0">
+          <a:scrgbClr r="0" g="0" b="0"/>
+        </a:fillRef>
+        <a:effectRef idx="0">
+          <a:scrgbClr r="0" g="0" b="0"/>
+        </a:effectRef>
+        <a:fontRef idx="minor"/>
+      </dsp:style>
+      <dsp:txBody>
+        <a:bodyPr spcFirstLastPara="0" vert="horz" wrap="square" lIns="117206" tIns="117206" rIns="117206" bIns="117206" numCol="1" spcCol="1270" anchor="ctr" anchorCtr="0">
+          <a:noAutofit/>
+        </a:bodyPr>
+        <a:lstStyle/>
+        <a:p>
+          <a:pPr marL="0" lvl="0" indent="0" algn="l" defTabSz="800100">
+            <a:lnSpc>
+              <a:spcPct val="100000"/>
+            </a:lnSpc>
+            <a:spcBef>
+              <a:spcPct val="0"/>
+            </a:spcBef>
+            <a:spcAft>
+              <a:spcPct val="35000"/>
+            </a:spcAft>
+            <a:buNone/>
+          </a:pPr>
+          <a:r>
+            <a:rPr lang="en-US" sz="1800" kern="1200" dirty="0"/>
+            <a:t>Implement the plan</a:t>
+          </a:r>
+        </a:p>
+      </dsp:txBody>
+      <dsp:txXfrm>
+        <a:off x="4353605" y="2770821"/>
+        <a:ext cx="2478606" cy="1107454"/>
+      </dsp:txXfrm>
+    </dsp:sp>
+    <dsp:sp modelId="{A7AD2A86-DF9E-4EBC-A99D-9D0C1CAEBA29}">
+      <dsp:nvSpPr>
+        <dsp:cNvPr id="0" name=""/>
+        <dsp:cNvSpPr/>
+      </dsp:nvSpPr>
+      <dsp:spPr>
+        <a:xfrm>
+          <a:off x="0" y="4155139"/>
+          <a:ext cx="6832212" cy="1107454"/>
+        </a:xfrm>
+        <a:prstGeom prst="roundRect">
+          <a:avLst>
+            <a:gd name="adj" fmla="val 10000"/>
+          </a:avLst>
+        </a:prstGeom>
+        <a:solidFill>
+          <a:schemeClr val="bg1">
+            <a:lumMod val="95000"/>
+            <a:hueOff val="0"/>
+            <a:satOff val="0"/>
+            <a:lumOff val="0"/>
+            <a:alphaOff val="0"/>
+          </a:schemeClr>
+        </a:solidFill>
+        <a:ln>
+          <a:noFill/>
+        </a:ln>
+        <a:effectLst/>
+      </dsp:spPr>
+      <dsp:style>
+        <a:lnRef idx="0">
+          <a:scrgbClr r="0" g="0" b="0"/>
+        </a:lnRef>
+        <a:fillRef idx="1">
+          <a:scrgbClr r="0" g="0" b="0"/>
+        </a:fillRef>
+        <a:effectRef idx="0">
+          <a:scrgbClr r="0" g="0" b="0"/>
+        </a:effectRef>
+        <a:fontRef idx="minor"/>
+      </dsp:style>
+    </dsp:sp>
+    <dsp:sp modelId="{3E28EA8C-B93F-4E60-9D42-061C52DE82A0}">
+      <dsp:nvSpPr>
+        <dsp:cNvPr id="0" name=""/>
+        <dsp:cNvSpPr/>
+      </dsp:nvSpPr>
+      <dsp:spPr>
+        <a:xfrm>
+          <a:off x="335004" y="4404316"/>
+          <a:ext cx="609099" cy="609099"/>
+        </a:xfrm>
+        <a:prstGeom prst="rect">
+          <a:avLst/>
+        </a:prstGeom>
+        <a:blipFill>
+          <a:blip xmlns:r="http://schemas.openxmlformats.org/officeDocument/2006/relationships" r:embed="rId7">
+            <a:extLst>
+              <a:ext uri="{28A0092B-C50C-407E-A947-70E740481C1C}">
+                <a14:useLocalDpi xmlns:a14="http://schemas.microsoft.com/office/drawing/2010/main" val="0"/>
+              </a:ext>
+              <a:ext uri="{96DAC541-7B7A-43D3-8B79-37D633B846F1}">
+                <asvg:svgBlip xmlns:asvg="http://schemas.microsoft.com/office/drawing/2016/SVG/main" r:embed="rId8"/>
+              </a:ext>
+            </a:extLst>
+          </a:blip>
+          <a:stretch>
+            <a:fillRect/>
+          </a:stretch>
+        </a:blipFill>
+        <a:ln w="15875" cap="rnd" cmpd="sng" algn="ctr">
+          <a:noFill/>
+          <a:prstDash val="solid"/>
+        </a:ln>
+        <a:effectLst/>
+      </dsp:spPr>
+      <dsp:style>
+        <a:lnRef idx="2">
+          <a:scrgbClr r="0" g="0" b="0"/>
+        </a:lnRef>
+        <a:fillRef idx="1">
+          <a:scrgbClr r="0" g="0" b="0"/>
+        </a:fillRef>
+        <a:effectRef idx="0">
+          <a:scrgbClr r="0" g="0" b="0"/>
+        </a:effectRef>
+        <a:fontRef idx="minor">
+          <a:schemeClr val="lt1"/>
+        </a:fontRef>
+      </dsp:style>
+    </dsp:sp>
+    <dsp:sp modelId="{A4621C78-E2D9-40CB-8C00-F97A3C8E2E1F}">
+      <dsp:nvSpPr>
+        <dsp:cNvPr id="0" name=""/>
+        <dsp:cNvSpPr/>
+      </dsp:nvSpPr>
+      <dsp:spPr>
+        <a:xfrm>
+          <a:off x="1279109" y="4155139"/>
+          <a:ext cx="3074495" cy="1107454"/>
+        </a:xfrm>
+        <a:prstGeom prst="rect">
+          <a:avLst/>
+        </a:prstGeom>
+        <a:noFill/>
+        <a:ln>
+          <a:noFill/>
+        </a:ln>
+        <a:effectLst/>
+      </dsp:spPr>
+      <dsp:style>
+        <a:lnRef idx="0">
+          <a:scrgbClr r="0" g="0" b="0"/>
+        </a:lnRef>
+        <a:fillRef idx="0">
+          <a:scrgbClr r="0" g="0" b="0"/>
+        </a:fillRef>
+        <a:effectRef idx="0">
+          <a:scrgbClr r="0" g="0" b="0"/>
+        </a:effectRef>
+        <a:fontRef idx="minor"/>
+      </dsp:style>
+      <dsp:txBody>
+        <a:bodyPr spcFirstLastPara="0" vert="horz" wrap="square" lIns="117206" tIns="117206" rIns="117206" bIns="117206" numCol="1" spcCol="1270" anchor="ctr" anchorCtr="0">
+          <a:noAutofit/>
+        </a:bodyPr>
+        <a:lstStyle/>
+        <a:p>
+          <a:pPr marL="0" lvl="0" indent="0" algn="l" defTabSz="977900">
+            <a:lnSpc>
+              <a:spcPct val="100000"/>
+            </a:lnSpc>
+            <a:spcBef>
+              <a:spcPct val="0"/>
+            </a:spcBef>
+            <a:spcAft>
+              <a:spcPct val="35000"/>
+            </a:spcAft>
+            <a:buNone/>
+          </a:pPr>
+          <a:r>
+            <a:rPr lang="en-US" sz="2200" kern="1200" dirty="0"/>
+            <a:t>Check</a:t>
+          </a:r>
+        </a:p>
+      </dsp:txBody>
+      <dsp:txXfrm>
+        <a:off x="1279109" y="4155139"/>
+        <a:ext cx="3074495" cy="1107454"/>
+      </dsp:txXfrm>
+    </dsp:sp>
+    <dsp:sp modelId="{D8A735C6-7C25-4D52-B3F8-E7243DD0AB54}">
+      <dsp:nvSpPr>
+        <dsp:cNvPr id="0" name=""/>
+        <dsp:cNvSpPr/>
+      </dsp:nvSpPr>
+      <dsp:spPr>
+        <a:xfrm>
+          <a:off x="4353605" y="4155139"/>
+          <a:ext cx="2478606" cy="1107454"/>
+        </a:xfrm>
+        <a:prstGeom prst="rect">
+          <a:avLst/>
+        </a:prstGeom>
+        <a:noFill/>
+        <a:ln>
+          <a:noFill/>
+        </a:ln>
+        <a:effectLst/>
+      </dsp:spPr>
+      <dsp:style>
+        <a:lnRef idx="0">
+          <a:scrgbClr r="0" g="0" b="0"/>
+        </a:lnRef>
+        <a:fillRef idx="0">
+          <a:scrgbClr r="0" g="0" b="0"/>
+        </a:fillRef>
+        <a:effectRef idx="0">
+          <a:scrgbClr r="0" g="0" b="0"/>
+        </a:effectRef>
+        <a:fontRef idx="minor"/>
+      </dsp:style>
+      <dsp:txBody>
+        <a:bodyPr spcFirstLastPara="0" vert="horz" wrap="square" lIns="117206" tIns="117206" rIns="117206" bIns="117206" numCol="1" spcCol="1270" anchor="ctr" anchorCtr="0">
+          <a:noAutofit/>
+        </a:bodyPr>
+        <a:lstStyle/>
+        <a:p>
+          <a:pPr marL="0" lvl="0" indent="0" algn="l" defTabSz="800100">
+            <a:lnSpc>
+              <a:spcPct val="100000"/>
+            </a:lnSpc>
+            <a:spcBef>
+              <a:spcPct val="0"/>
+            </a:spcBef>
+            <a:spcAft>
+              <a:spcPct val="35000"/>
+            </a:spcAft>
+            <a:buNone/>
+          </a:pPr>
+          <a:r>
+            <a:rPr lang="en-US" sz="1800" kern="1200" dirty="0"/>
+            <a:t>Confirm the response is sufficient</a:t>
+          </a:r>
+        </a:p>
+      </dsp:txBody>
+      <dsp:txXfrm>
+        <a:off x="4353605" y="4155139"/>
+        <a:ext cx="2478606" cy="1107454"/>
+      </dsp:txXfrm>
+    </dsp:sp>
+  </dsp:spTree>
+</dsp:drawing>
+</file>
+
 <file path=ppt/diagrams/layout1.xml><?xml version="1.0" encoding="utf-8"?>
 <dgm:layoutDef xmlns:dgm="http://schemas.openxmlformats.org/drawingml/2006/diagram" xmlns:a="http://schemas.openxmlformats.org/drawingml/2006/main" uniqueId="urn:microsoft.com/office/officeart/2005/8/layout/vList2">
   <dgm:title val=""/>
@@ -9786,6 +12175,300 @@
 </dgm:layoutDef>
 </file>
 
+<file path=ppt/diagrams/layout5.xml><?xml version="1.0" encoding="utf-8"?>
+<dgm:layoutDef xmlns:dgm="http://schemas.openxmlformats.org/drawingml/2006/diagram" xmlns:a="http://schemas.openxmlformats.org/drawingml/2006/main" uniqueId="urn:microsoft.com/office/officeart/2018/2/layout/IconVerticalSolidList">
+  <dgm:title val="Icon Vertical Solid List"/>
+  <dgm:desc val="Use to show a series of visuals from top to bottom with Level 1 or Level 1 and Level 2 text grouped in a shape. Works best with icons or small pictures with lengthier descriptions."/>
+  <dgm:catLst>
+    <dgm:cat type="icon" pri="500"/>
+  </dgm:catLst>
+  <dgm:sampData useDef="1">
+    <dgm:dataModel>
+      <dgm:ptLst/>
+      <dgm:bg/>
+      <dgm:whole/>
+    </dgm:dataModel>
+  </dgm:sampData>
+  <dgm:styleData useDef="1">
+    <dgm:dataModel>
+      <dgm:ptLst/>
+      <dgm:bg/>
+      <dgm:whole/>
+    </dgm:dataModel>
+  </dgm:styleData>
+  <dgm:clrData useDef="1">
+    <dgm:dataModel>
+      <dgm:ptLst/>
+      <dgm:bg/>
+      <dgm:whole/>
+    </dgm:dataModel>
+  </dgm:clrData>
+  <dgm:layoutNode name="root">
+    <dgm:varLst>
+      <dgm:dir/>
+      <dgm:resizeHandles val="exact"/>
+    </dgm:varLst>
+    <dgm:choose name="Name0">
+      <dgm:if name="Name1" axis="self" func="var" arg="dir" op="equ" val="norm">
+        <dgm:alg type="lin">
+          <dgm:param type="linDir" val="fromT"/>
+          <dgm:param type="nodeHorzAlign" val="l"/>
+        </dgm:alg>
+      </dgm:if>
+      <dgm:else name="Name2">
+        <dgm:alg type="lin">
+          <dgm:param type="linDir" val="fromT"/>
+          <dgm:param type="nodeHorzAlign" val="r"/>
+        </dgm:alg>
+      </dgm:else>
+    </dgm:choose>
+    <dgm:shape xmlns:r="http://schemas.openxmlformats.org/officeDocument/2006/relationships" r:blip="">
+      <dgm:adjLst/>
+    </dgm:shape>
+    <dgm:presOf/>
+    <dgm:choose name="Name3">
+      <dgm:if name="Name4" axis="ch" ptType="node" func="cnt" op="lte" val="3">
+        <dgm:constrLst>
+          <dgm:constr type="h" for="ch" forName="compNode" refType="h" fact="0.3"/>
+          <dgm:constr type="w" for="ch" forName="compNode" refType="w"/>
+          <dgm:constr type="h" for="ch" forName="sibTrans" refType="h" refFor="ch" refForName="compNode" fact="0.25"/>
+          <dgm:constr type="primFontSz" for="des" forName="parTx" val="25"/>
+          <dgm:constr type="primFontSz" for="des" forName="desTx" refType="primFontSz" refFor="des" refForName="parTx" op="lte" fact="0.75"/>
+          <dgm:constr type="h" for="des" forName="compNode" op="equ"/>
+          <dgm:constr type="h" for="des" forName="bgRect" op="equ"/>
+          <dgm:constr type="h" for="des" forName="iconRect" op="equ"/>
+          <dgm:constr type="w" for="des" forName="iconRect" op="equ"/>
+          <dgm:constr type="h" for="des" forName="spaceRect" op="equ"/>
+          <dgm:constr type="h" for="des" forName="parTx" op="equ"/>
+          <dgm:constr type="h" for="des" forName="desTx" op="equ"/>
+        </dgm:constrLst>
+      </dgm:if>
+      <dgm:if name="Name5" axis="ch" ptType="node" func="cnt" op="lte" val="4">
+        <dgm:constrLst>
+          <dgm:constr type="h" for="ch" forName="compNode" refType="h" fact="0.3"/>
+          <dgm:constr type="w" for="ch" forName="compNode" refType="w"/>
+          <dgm:constr type="h" for="ch" forName="sibTrans" refType="h" refFor="ch" refForName="compNode" fact="0.25"/>
+          <dgm:constr type="primFontSz" for="des" forName="parTx" val="22"/>
+          <dgm:constr type="primFontSz" for="des" forName="desTx" refType="primFontSz" refFor="des" refForName="parTx" op="lte" fact="0.75"/>
+          <dgm:constr type="h" for="des" forName="compNode" op="equ"/>
+          <dgm:constr type="h" for="des" forName="bgRect" op="equ"/>
+          <dgm:constr type="h" for="des" forName="iconRect" op="equ"/>
+          <dgm:constr type="w" for="des" forName="iconRect" op="equ"/>
+          <dgm:constr type="h" for="des" forName="spaceRect" op="equ"/>
+          <dgm:constr type="h" for="des" forName="parTx" op="equ"/>
+          <dgm:constr type="h" for="des" forName="desTx" op="equ"/>
+        </dgm:constrLst>
+      </dgm:if>
+      <dgm:if name="Name6" axis="ch" ptType="node" func="cnt" op="lte" val="6">
+        <dgm:constrLst>
+          <dgm:constr type="h" for="ch" forName="compNode" refType="h" fact="0.3"/>
+          <dgm:constr type="w" for="ch" forName="compNode" refType="w"/>
+          <dgm:constr type="h" for="ch" forName="sibTrans" refType="h" refFor="ch" refForName="compNode" fact="0.25"/>
+          <dgm:constr type="primFontSz" for="des" forName="parTx" val="19"/>
+          <dgm:constr type="primFontSz" for="des" forName="desTx" refType="primFontSz" refFor="des" refForName="parTx" op="lte" fact="0.75"/>
+          <dgm:constr type="h" for="des" forName="compNode" op="equ"/>
+          <dgm:constr type="h" for="des" forName="bgRect" op="equ"/>
+          <dgm:constr type="h" for="des" forName="iconRect" op="equ"/>
+          <dgm:constr type="w" for="des" forName="iconRect" op="equ"/>
+          <dgm:constr type="h" for="des" forName="spaceRect" op="equ"/>
+          <dgm:constr type="h" for="des" forName="parTx" op="equ"/>
+          <dgm:constr type="h" for="des" forName="desTx" op="equ"/>
+        </dgm:constrLst>
+      </dgm:if>
+      <dgm:else name="Name7">
+        <dgm:constrLst>
+          <dgm:constr type="h" for="ch" forName="compNode" refType="h" fact="0.3"/>
+          <dgm:constr type="w" for="ch" forName="compNode" refType="w"/>
+          <dgm:constr type="h" for="ch" forName="sibTrans" refType="h" refFor="ch" refForName="compNode" fact="0.25"/>
+          <dgm:constr type="primFontSz" for="des" forName="parTx" val="16"/>
+          <dgm:constr type="primFontSz" for="des" forName="desTx" refType="primFontSz" refFor="des" refForName="parTx" op="lte" fact="0.75"/>
+          <dgm:constr type="h" for="des" forName="compNode" op="equ"/>
+          <dgm:constr type="h" for="des" forName="bgRect" op="equ"/>
+          <dgm:constr type="h" for="des" forName="iconRect" op="equ"/>
+          <dgm:constr type="w" for="des" forName="iconRect" op="equ"/>
+          <dgm:constr type="h" for="des" forName="spaceRect" op="equ"/>
+          <dgm:constr type="h" for="des" forName="parTx" op="equ"/>
+          <dgm:constr type="h" for="des" forName="desTx" op="equ"/>
+        </dgm:constrLst>
+      </dgm:else>
+    </dgm:choose>
+    <dgm:ruleLst>
+      <dgm:rule type="h" for="ch" forName="compNode" val="0" fact="NaN" max="NaN"/>
+    </dgm:ruleLst>
+    <dgm:forEach name="Name8" axis="ch" ptType="node">
+      <dgm:layoutNode name="compNode">
+        <dgm:alg type="composite"/>
+        <dgm:shape xmlns:r="http://schemas.openxmlformats.org/officeDocument/2006/relationships" r:blip="">
+          <dgm:adjLst/>
+        </dgm:shape>
+        <dgm:presOf axis="self"/>
+        <dgm:choose name="Name9">
+          <dgm:if name="Name10" axis="ch" ptType="node" func="cnt" op="gte" val="1">
+            <dgm:constrLst>
+              <dgm:constr type="w" for="ch" forName="bgRect" refType="w"/>
+              <dgm:constr type="h" for="ch" forName="bgRect" refType="h"/>
+              <dgm:constr type="l" for="ch" forName="bgRect"/>
+              <dgm:constr type="t" for="ch" forName="bgRect"/>
+              <dgm:constr type="h" for="ch" forName="iconRect" refType="h" fact="0.55"/>
+              <dgm:constr type="w" for="ch" forName="iconRect" refType="h" refFor="ch" refForName="iconRect"/>
+              <dgm:constr type="l" for="ch" forName="iconRect" refType="h" refFor="ch" refForName="iconRect" fact="0.55"/>
+              <dgm:constr type="ctrY" for="ch" forName="iconRect" refType="ctrY" refFor="ch" refForName="bgRect"/>
+              <dgm:constr type="w" for="ch" forName="spaceRect" refType="l" refFor="ch" refForName="iconRect"/>
+              <dgm:constr type="h" for="ch" forName="spaceRect" refType="h"/>
+              <dgm:constr type="l" for="ch" forName="spaceRect" refType="r" refFor="ch" refForName="iconRect"/>
+              <dgm:constr type="t" for="ch" forName="spaceRect"/>
+              <dgm:constr type="w" for="ch" forName="parTx" refType="w" fact="0.45"/>
+              <dgm:constr type="h" for="ch" forName="parTx" refType="h"/>
+              <dgm:constr type="l" for="ch" forName="parTx" refType="r" refFor="ch" refForName="spaceRect"/>
+              <dgm:constr type="t" for="ch" forName="parTx"/>
+              <dgm:constr type="h" for="ch" forName="desTx" refType="h"/>
+              <dgm:constr type="l" for="ch" forName="desTx" refType="r" refFor="ch" refForName="parTx"/>
+              <dgm:constr type="t" for="ch" forName="desTx"/>
+            </dgm:constrLst>
+          </dgm:if>
+          <dgm:else name="Name11">
+            <dgm:constrLst>
+              <dgm:constr type="w" for="ch" forName="bgRect" refType="w"/>
+              <dgm:constr type="h" for="ch" forName="bgRect" refType="h"/>
+              <dgm:constr type="l" for="ch" forName="bgRect"/>
+              <dgm:constr type="t" for="ch" forName="bgRect"/>
+              <dgm:constr type="h" for="ch" forName="iconRect" refType="h" fact="0.55"/>
+              <dgm:constr type="w" for="ch" forName="iconRect" refType="h" refFor="ch" refForName="iconRect"/>
+              <dgm:constr type="l" for="ch" forName="iconRect" refType="h" refFor="ch" refForName="iconRect" fact="0.55"/>
+              <dgm:constr type="ctrY" for="ch" forName="iconRect" refType="ctrY" refFor="ch" refForName="bgRect"/>
+              <dgm:constr type="w" for="ch" forName="spaceRect" refType="l" refFor="ch" refForName="iconRect"/>
+              <dgm:constr type="h" for="ch" forName="spaceRect" refType="h"/>
+              <dgm:constr type="l" for="ch" forName="spaceRect" refType="r" refFor="ch" refForName="iconRect"/>
+              <dgm:constr type="t" for="ch" forName="spaceRect"/>
+              <dgm:constr type="h" for="ch" forName="parTx" refType="h"/>
+              <dgm:constr type="l" for="ch" forName="parTx" refType="r" refFor="ch" refForName="spaceRect"/>
+              <dgm:constr type="t" for="ch" forName="parTx"/>
+            </dgm:constrLst>
+          </dgm:else>
+        </dgm:choose>
+        <dgm:ruleLst>
+          <dgm:rule type="h" val="INF" fact="NaN" max="NaN"/>
+        </dgm:ruleLst>
+        <dgm:layoutNode name="bgRect" styleLbl="bgShp">
+          <dgm:alg type="sp"/>
+          <dgm:shape xmlns:r="http://schemas.openxmlformats.org/officeDocument/2006/relationships" type="roundRect" r:blip="">
+            <dgm:adjLst>
+              <dgm:adj idx="1" val="0.1"/>
+            </dgm:adjLst>
+          </dgm:shape>
+          <dgm:presOf/>
+          <dgm:constrLst/>
+          <dgm:ruleLst/>
+        </dgm:layoutNode>
+        <dgm:layoutNode name="iconRect" styleLbl="node1">
+          <dgm:alg type="sp"/>
+          <dgm:shape xmlns:r="http://schemas.openxmlformats.org/officeDocument/2006/relationships" type="rect" r:blip="" blipPhldr="1">
+            <dgm:adjLst/>
+          </dgm:shape>
+          <dgm:presOf/>
+          <dgm:constrLst/>
+          <dgm:ruleLst/>
+        </dgm:layoutNode>
+        <dgm:layoutNode name="spaceRect">
+          <dgm:alg type="sp"/>
+          <dgm:shape xmlns:r="http://schemas.openxmlformats.org/officeDocument/2006/relationships" r:blip="">
+            <dgm:adjLst/>
+          </dgm:shape>
+          <dgm:presOf/>
+          <dgm:constrLst/>
+          <dgm:ruleLst/>
+        </dgm:layoutNode>
+        <dgm:layoutNode name="parTx" styleLbl="revTx">
+          <dgm:varLst>
+            <dgm:chMax val="0"/>
+            <dgm:chPref val="0"/>
+          </dgm:varLst>
+          <dgm:alg type="tx">
+            <dgm:param type="txAnchorVert" val="mid"/>
+            <dgm:param type="parTxLTRAlign" val="l"/>
+            <dgm:param type="shpTxLTRAlignCh" val="l"/>
+            <dgm:param type="parTxRTLAlign" val="r"/>
+            <dgm:param type="shpTxRTLAlignCh" val="r"/>
+          </dgm:alg>
+          <dgm:shape xmlns:r="http://schemas.openxmlformats.org/officeDocument/2006/relationships" type="rect" r:blip="">
+            <dgm:adjLst/>
+          </dgm:shape>
+          <dgm:presOf axis="self" ptType="node"/>
+          <dgm:constrLst>
+            <dgm:constr type="lMarg" refType="h" fact="0.3"/>
+            <dgm:constr type="rMarg" refType="h" fact="0.3"/>
+            <dgm:constr type="tMarg" refType="h" fact="0.3"/>
+            <dgm:constr type="bMarg" refType="h" fact="0.3"/>
+          </dgm:constrLst>
+          <dgm:ruleLst>
+            <dgm:rule type="primFontSz" val="14" fact="NaN" max="NaN"/>
+            <dgm:rule type="h" val="INF" fact="NaN" max="NaN"/>
+          </dgm:ruleLst>
+        </dgm:layoutNode>
+        <dgm:choose name="Name12">
+          <dgm:if name="Name13" axis="ch" ptType="node" func="cnt" op="gte" val="1">
+            <dgm:layoutNode name="desTx" styleLbl="revTx">
+              <dgm:varLst/>
+              <dgm:alg type="tx">
+                <dgm:param type="txAnchorVertCh" val="mid"/>
+                <dgm:param type="parTxLTRAlign" val="l"/>
+                <dgm:param type="shpTxLTRAlignCh" val="l"/>
+                <dgm:param type="parTxRTLAlign" val="r"/>
+                <dgm:param type="shpTxRTLAlignCh" val="r"/>
+                <dgm:param type="stBulletLvl" val="0"/>
+              </dgm:alg>
+              <dgm:shape xmlns:r="http://schemas.openxmlformats.org/officeDocument/2006/relationships" type="rect" r:blip="">
+                <dgm:adjLst/>
+              </dgm:shape>
+              <dgm:presOf axis="des" ptType="node"/>
+              <dgm:constrLst>
+                <dgm:constr type="primFontSz" val="18"/>
+                <dgm:constr type="secFontSz" refType="primFontSz"/>
+                <dgm:constr type="lMarg" refType="h" fact="0.3"/>
+                <dgm:constr type="rMarg" refType="h" fact="0.3"/>
+                <dgm:constr type="tMarg" refType="h" fact="0.3"/>
+                <dgm:constr type="bMarg" refType="h" fact="0.3"/>
+              </dgm:constrLst>
+              <dgm:ruleLst>
+                <dgm:rule type="primFontSz" val="11" fact="NaN" max="NaN"/>
+              </dgm:ruleLst>
+            </dgm:layoutNode>
+          </dgm:if>
+          <dgm:else name="Name14"/>
+        </dgm:choose>
+      </dgm:layoutNode>
+      <dgm:forEach name="Name15" axis="followSib" ptType="sibTrans" cnt="1">
+        <dgm:layoutNode name="sibTrans">
+          <dgm:alg type="sp"/>
+          <dgm:shape xmlns:r="http://schemas.openxmlformats.org/officeDocument/2006/relationships" r:blip="">
+            <dgm:adjLst/>
+          </dgm:shape>
+          <dgm:presOf axis="self"/>
+          <dgm:constrLst/>
+          <dgm:ruleLst/>
+        </dgm:layoutNode>
+      </dgm:forEach>
+    </dgm:forEach>
+  </dgm:layoutNode>
+  <dgm:extLst>
+    <a:ext uri="{68A01E43-0DF5-4B5B-8FA6-DAF915123BFB}">
+      <dgm1612:lstStyle xmlns:dgm1612="http://schemas.microsoft.com/office/drawing/2016/12/diagram">
+        <a:lvl1pPr>
+          <a:lnSpc>
+            <a:spcPct val="100000"/>
+          </a:lnSpc>
+        </a:lvl1pPr>
+        <a:lvl2pPr>
+          <a:lnSpc>
+            <a:spcPct val="100000"/>
+          </a:lnSpc>
+        </a:lvl2pPr>
+      </dgm1612:lstStyle>
+    </a:ext>
+  </dgm:extLst>
+</dgm:layoutDef>
+</file>
+
 <file path=ppt/diagrams/quickStyle1.xml><?xml version="1.0" encoding="utf-8"?>
 <dgm:styleDef xmlns:dgm="http://schemas.openxmlformats.org/drawingml/2006/diagram" xmlns:a="http://schemas.openxmlformats.org/drawingml/2006/main" uniqueId="urn:microsoft.com/office/officeart/2005/8/quickstyle/simple4">
   <dgm:title val=""/>
@@ -13894,6 +16577,1040 @@
         <a:scrgbClr r="0" g="0" b="0"/>
       </a:fillRef>
       <a:effectRef idx="2">
+        <a:scrgbClr r="0" g="0" b="0"/>
+      </a:effectRef>
+      <a:fontRef idx="minor"/>
+    </dgm:style>
+  </dgm:styleLbl>
+  <dgm:styleLbl name="revTx">
+    <dgm:scene3d>
+      <a:camera prst="orthographicFront"/>
+      <a:lightRig rig="threePt" dir="t"/>
+    </dgm:scene3d>
+    <dgm:sp3d/>
+    <dgm:txPr/>
+    <dgm:style>
+      <a:lnRef idx="0">
+        <a:scrgbClr r="0" g="0" b="0"/>
+      </a:lnRef>
+      <a:fillRef idx="0">
+        <a:scrgbClr r="0" g="0" b="0"/>
+      </a:fillRef>
+      <a:effectRef idx="0">
+        <a:scrgbClr r="0" g="0" b="0"/>
+      </a:effectRef>
+      <a:fontRef idx="minor"/>
+    </dgm:style>
+  </dgm:styleLbl>
+</dgm:styleDef>
+</file>
+
+<file path=ppt/diagrams/quickStyle5.xml><?xml version="1.0" encoding="utf-8"?>
+<dgm:styleDef xmlns:dgm="http://schemas.openxmlformats.org/drawingml/2006/diagram" xmlns:a="http://schemas.openxmlformats.org/drawingml/2006/main" uniqueId="urn:microsoft.com/office/officeart/2005/8/quickstyle/simple1">
+  <dgm:title val=""/>
+  <dgm:desc val=""/>
+  <dgm:catLst>
+    <dgm:cat type="simple" pri="10100"/>
+  </dgm:catLst>
+  <dgm:scene3d>
+    <a:camera prst="orthographicFront"/>
+    <a:lightRig rig="threePt" dir="t"/>
+  </dgm:scene3d>
+  <dgm:styleLbl name="node0">
+    <dgm:scene3d>
+      <a:camera prst="orthographicFront"/>
+      <a:lightRig rig="threePt" dir="t"/>
+    </dgm:scene3d>
+    <dgm:sp3d/>
+    <dgm:txPr/>
+    <dgm:style>
+      <a:lnRef idx="2">
+        <a:scrgbClr r="0" g="0" b="0"/>
+      </a:lnRef>
+      <a:fillRef idx="1">
+        <a:scrgbClr r="0" g="0" b="0"/>
+      </a:fillRef>
+      <a:effectRef idx="0">
+        <a:scrgbClr r="0" g="0" b="0"/>
+      </a:effectRef>
+      <a:fontRef idx="minor">
+        <a:schemeClr val="lt1"/>
+      </a:fontRef>
+    </dgm:style>
+  </dgm:styleLbl>
+  <dgm:styleLbl name="lnNode1">
+    <dgm:scene3d>
+      <a:camera prst="orthographicFront"/>
+      <a:lightRig rig="threePt" dir="t"/>
+    </dgm:scene3d>
+    <dgm:sp3d/>
+    <dgm:txPr/>
+    <dgm:style>
+      <a:lnRef idx="2">
+        <a:scrgbClr r="0" g="0" b="0"/>
+      </a:lnRef>
+      <a:fillRef idx="1">
+        <a:scrgbClr r="0" g="0" b="0"/>
+      </a:fillRef>
+      <a:effectRef idx="0">
+        <a:scrgbClr r="0" g="0" b="0"/>
+      </a:effectRef>
+      <a:fontRef idx="minor">
+        <a:schemeClr val="lt1"/>
+      </a:fontRef>
+    </dgm:style>
+  </dgm:styleLbl>
+  <dgm:styleLbl name="vennNode1">
+    <dgm:scene3d>
+      <a:camera prst="orthographicFront"/>
+      <a:lightRig rig="threePt" dir="t"/>
+    </dgm:scene3d>
+    <dgm:sp3d/>
+    <dgm:txPr/>
+    <dgm:style>
+      <a:lnRef idx="2">
+        <a:scrgbClr r="0" g="0" b="0"/>
+      </a:lnRef>
+      <a:fillRef idx="1">
+        <a:scrgbClr r="0" g="0" b="0"/>
+      </a:fillRef>
+      <a:effectRef idx="0">
+        <a:scrgbClr r="0" g="0" b="0"/>
+      </a:effectRef>
+      <a:fontRef idx="minor">
+        <a:schemeClr val="tx1"/>
+      </a:fontRef>
+    </dgm:style>
+  </dgm:styleLbl>
+  <dgm:styleLbl name="alignNode1">
+    <dgm:scene3d>
+      <a:camera prst="orthographicFront"/>
+      <a:lightRig rig="threePt" dir="t"/>
+    </dgm:scene3d>
+    <dgm:sp3d/>
+    <dgm:txPr/>
+    <dgm:style>
+      <a:lnRef idx="2">
+        <a:scrgbClr r="0" g="0" b="0"/>
+      </a:lnRef>
+      <a:fillRef idx="1">
+        <a:scrgbClr r="0" g="0" b="0"/>
+      </a:fillRef>
+      <a:effectRef idx="0">
+        <a:scrgbClr r="0" g="0" b="0"/>
+      </a:effectRef>
+      <a:fontRef idx="minor">
+        <a:schemeClr val="lt1"/>
+      </a:fontRef>
+    </dgm:style>
+  </dgm:styleLbl>
+  <dgm:styleLbl name="node1">
+    <dgm:scene3d>
+      <a:camera prst="orthographicFront"/>
+      <a:lightRig rig="threePt" dir="t"/>
+    </dgm:scene3d>
+    <dgm:sp3d/>
+    <dgm:txPr/>
+    <dgm:style>
+      <a:lnRef idx="2">
+        <a:scrgbClr r="0" g="0" b="0"/>
+      </a:lnRef>
+      <a:fillRef idx="1">
+        <a:scrgbClr r="0" g="0" b="0"/>
+      </a:fillRef>
+      <a:effectRef idx="0">
+        <a:scrgbClr r="0" g="0" b="0"/>
+      </a:effectRef>
+      <a:fontRef idx="minor">
+        <a:schemeClr val="lt1"/>
+      </a:fontRef>
+    </dgm:style>
+  </dgm:styleLbl>
+  <dgm:styleLbl name="node2">
+    <dgm:scene3d>
+      <a:camera prst="orthographicFront"/>
+      <a:lightRig rig="threePt" dir="t"/>
+    </dgm:scene3d>
+    <dgm:sp3d/>
+    <dgm:txPr/>
+    <dgm:style>
+      <a:lnRef idx="2">
+        <a:scrgbClr r="0" g="0" b="0"/>
+      </a:lnRef>
+      <a:fillRef idx="1">
+        <a:scrgbClr r="0" g="0" b="0"/>
+      </a:fillRef>
+      <a:effectRef idx="0">
+        <a:scrgbClr r="0" g="0" b="0"/>
+      </a:effectRef>
+      <a:fontRef idx="minor">
+        <a:schemeClr val="lt1"/>
+      </a:fontRef>
+    </dgm:style>
+  </dgm:styleLbl>
+  <dgm:styleLbl name="node3">
+    <dgm:scene3d>
+      <a:camera prst="orthographicFront"/>
+      <a:lightRig rig="threePt" dir="t"/>
+    </dgm:scene3d>
+    <dgm:sp3d/>
+    <dgm:txPr/>
+    <dgm:style>
+      <a:lnRef idx="2">
+        <a:scrgbClr r="0" g="0" b="0"/>
+      </a:lnRef>
+      <a:fillRef idx="1">
+        <a:scrgbClr r="0" g="0" b="0"/>
+      </a:fillRef>
+      <a:effectRef idx="0">
+        <a:scrgbClr r="0" g="0" b="0"/>
+      </a:effectRef>
+      <a:fontRef idx="minor">
+        <a:schemeClr val="lt1"/>
+      </a:fontRef>
+    </dgm:style>
+  </dgm:styleLbl>
+  <dgm:styleLbl name="node4">
+    <dgm:scene3d>
+      <a:camera prst="orthographicFront"/>
+      <a:lightRig rig="threePt" dir="t"/>
+    </dgm:scene3d>
+    <dgm:sp3d/>
+    <dgm:txPr/>
+    <dgm:style>
+      <a:lnRef idx="2">
+        <a:scrgbClr r="0" g="0" b="0"/>
+      </a:lnRef>
+      <a:fillRef idx="1">
+        <a:scrgbClr r="0" g="0" b="0"/>
+      </a:fillRef>
+      <a:effectRef idx="0">
+        <a:scrgbClr r="0" g="0" b="0"/>
+      </a:effectRef>
+      <a:fontRef idx="minor">
+        <a:schemeClr val="lt1"/>
+      </a:fontRef>
+    </dgm:style>
+  </dgm:styleLbl>
+  <dgm:styleLbl name="fgImgPlace1">
+    <dgm:scene3d>
+      <a:camera prst="orthographicFront"/>
+      <a:lightRig rig="threePt" dir="t"/>
+    </dgm:scene3d>
+    <dgm:sp3d/>
+    <dgm:txPr/>
+    <dgm:style>
+      <a:lnRef idx="2">
+        <a:scrgbClr r="0" g="0" b="0"/>
+      </a:lnRef>
+      <a:fillRef idx="1">
+        <a:scrgbClr r="0" g="0" b="0"/>
+      </a:fillRef>
+      <a:effectRef idx="0">
+        <a:scrgbClr r="0" g="0" b="0"/>
+      </a:effectRef>
+      <a:fontRef idx="minor"/>
+    </dgm:style>
+  </dgm:styleLbl>
+  <dgm:styleLbl name="alignImgPlace1">
+    <dgm:scene3d>
+      <a:camera prst="orthographicFront"/>
+      <a:lightRig rig="threePt" dir="t"/>
+    </dgm:scene3d>
+    <dgm:sp3d/>
+    <dgm:txPr/>
+    <dgm:style>
+      <a:lnRef idx="2">
+        <a:scrgbClr r="0" g="0" b="0"/>
+      </a:lnRef>
+      <a:fillRef idx="1">
+        <a:scrgbClr r="0" g="0" b="0"/>
+      </a:fillRef>
+      <a:effectRef idx="0">
+        <a:scrgbClr r="0" g="0" b="0"/>
+      </a:effectRef>
+      <a:fontRef idx="minor"/>
+    </dgm:style>
+  </dgm:styleLbl>
+  <dgm:styleLbl name="bgImgPlace1">
+    <dgm:scene3d>
+      <a:camera prst="orthographicFront"/>
+      <a:lightRig rig="threePt" dir="t"/>
+    </dgm:scene3d>
+    <dgm:sp3d/>
+    <dgm:txPr/>
+    <dgm:style>
+      <a:lnRef idx="2">
+        <a:scrgbClr r="0" g="0" b="0"/>
+      </a:lnRef>
+      <a:fillRef idx="1">
+        <a:scrgbClr r="0" g="0" b="0"/>
+      </a:fillRef>
+      <a:effectRef idx="0">
+        <a:scrgbClr r="0" g="0" b="0"/>
+      </a:effectRef>
+      <a:fontRef idx="minor"/>
+    </dgm:style>
+  </dgm:styleLbl>
+  <dgm:styleLbl name="sibTrans2D1">
+    <dgm:scene3d>
+      <a:camera prst="orthographicFront"/>
+      <a:lightRig rig="threePt" dir="t"/>
+    </dgm:scene3d>
+    <dgm:sp3d/>
+    <dgm:txPr/>
+    <dgm:style>
+      <a:lnRef idx="0">
+        <a:scrgbClr r="0" g="0" b="0"/>
+      </a:lnRef>
+      <a:fillRef idx="1">
+        <a:scrgbClr r="0" g="0" b="0"/>
+      </a:fillRef>
+      <a:effectRef idx="0">
+        <a:scrgbClr r="0" g="0" b="0"/>
+      </a:effectRef>
+      <a:fontRef idx="minor">
+        <a:schemeClr val="lt1"/>
+      </a:fontRef>
+    </dgm:style>
+  </dgm:styleLbl>
+  <dgm:styleLbl name="fgSibTrans2D1">
+    <dgm:scene3d>
+      <a:camera prst="orthographicFront"/>
+      <a:lightRig rig="threePt" dir="t"/>
+    </dgm:scene3d>
+    <dgm:sp3d/>
+    <dgm:txPr/>
+    <dgm:style>
+      <a:lnRef idx="0">
+        <a:scrgbClr r="0" g="0" b="0"/>
+      </a:lnRef>
+      <a:fillRef idx="1">
+        <a:scrgbClr r="0" g="0" b="0"/>
+      </a:fillRef>
+      <a:effectRef idx="0">
+        <a:scrgbClr r="0" g="0" b="0"/>
+      </a:effectRef>
+      <a:fontRef idx="minor">
+        <a:schemeClr val="lt1"/>
+      </a:fontRef>
+    </dgm:style>
+  </dgm:styleLbl>
+  <dgm:styleLbl name="bgSibTrans2D1">
+    <dgm:scene3d>
+      <a:camera prst="orthographicFront"/>
+      <a:lightRig rig="threePt" dir="t"/>
+    </dgm:scene3d>
+    <dgm:sp3d/>
+    <dgm:txPr/>
+    <dgm:style>
+      <a:lnRef idx="0">
+        <a:scrgbClr r="0" g="0" b="0"/>
+      </a:lnRef>
+      <a:fillRef idx="1">
+        <a:scrgbClr r="0" g="0" b="0"/>
+      </a:fillRef>
+      <a:effectRef idx="0">
+        <a:scrgbClr r="0" g="0" b="0"/>
+      </a:effectRef>
+      <a:fontRef idx="minor">
+        <a:schemeClr val="lt1"/>
+      </a:fontRef>
+    </dgm:style>
+  </dgm:styleLbl>
+  <dgm:styleLbl name="sibTrans1D1">
+    <dgm:scene3d>
+      <a:camera prst="orthographicFront"/>
+      <a:lightRig rig="threePt" dir="t"/>
+    </dgm:scene3d>
+    <dgm:sp3d/>
+    <dgm:txPr/>
+    <dgm:style>
+      <a:lnRef idx="1">
+        <a:scrgbClr r="0" g="0" b="0"/>
+      </a:lnRef>
+      <a:fillRef idx="0">
+        <a:scrgbClr r="0" g="0" b="0"/>
+      </a:fillRef>
+      <a:effectRef idx="0">
+        <a:scrgbClr r="0" g="0" b="0"/>
+      </a:effectRef>
+      <a:fontRef idx="minor"/>
+    </dgm:style>
+  </dgm:styleLbl>
+  <dgm:styleLbl name="callout">
+    <dgm:scene3d>
+      <a:camera prst="orthographicFront"/>
+      <a:lightRig rig="threePt" dir="t"/>
+    </dgm:scene3d>
+    <dgm:sp3d/>
+    <dgm:txPr/>
+    <dgm:style>
+      <a:lnRef idx="2">
+        <a:scrgbClr r="0" g="0" b="0"/>
+      </a:lnRef>
+      <a:fillRef idx="1">
+        <a:scrgbClr r="0" g="0" b="0"/>
+      </a:fillRef>
+      <a:effectRef idx="0">
+        <a:scrgbClr r="0" g="0" b="0"/>
+      </a:effectRef>
+      <a:fontRef idx="minor"/>
+    </dgm:style>
+  </dgm:styleLbl>
+  <dgm:styleLbl name="asst0">
+    <dgm:scene3d>
+      <a:camera prst="orthographicFront"/>
+      <a:lightRig rig="threePt" dir="t"/>
+    </dgm:scene3d>
+    <dgm:sp3d/>
+    <dgm:txPr/>
+    <dgm:style>
+      <a:lnRef idx="2">
+        <a:scrgbClr r="0" g="0" b="0"/>
+      </a:lnRef>
+      <a:fillRef idx="1">
+        <a:scrgbClr r="0" g="0" b="0"/>
+      </a:fillRef>
+      <a:effectRef idx="0">
+        <a:scrgbClr r="0" g="0" b="0"/>
+      </a:effectRef>
+      <a:fontRef idx="minor">
+        <a:schemeClr val="lt1"/>
+      </a:fontRef>
+    </dgm:style>
+  </dgm:styleLbl>
+  <dgm:styleLbl name="asst1">
+    <dgm:scene3d>
+      <a:camera prst="orthographicFront"/>
+      <a:lightRig rig="threePt" dir="t"/>
+    </dgm:scene3d>
+    <dgm:sp3d/>
+    <dgm:txPr/>
+    <dgm:style>
+      <a:lnRef idx="2">
+        <a:scrgbClr r="0" g="0" b="0"/>
+      </a:lnRef>
+      <a:fillRef idx="1">
+        <a:scrgbClr r="0" g="0" b="0"/>
+      </a:fillRef>
+      <a:effectRef idx="0">
+        <a:scrgbClr r="0" g="0" b="0"/>
+      </a:effectRef>
+      <a:fontRef idx="minor">
+        <a:schemeClr val="lt1"/>
+      </a:fontRef>
+    </dgm:style>
+  </dgm:styleLbl>
+  <dgm:styleLbl name="asst2">
+    <dgm:scene3d>
+      <a:camera prst="orthographicFront"/>
+      <a:lightRig rig="threePt" dir="t"/>
+    </dgm:scene3d>
+    <dgm:sp3d/>
+    <dgm:txPr/>
+    <dgm:style>
+      <a:lnRef idx="2">
+        <a:scrgbClr r="0" g="0" b="0"/>
+      </a:lnRef>
+      <a:fillRef idx="1">
+        <a:scrgbClr r="0" g="0" b="0"/>
+      </a:fillRef>
+      <a:effectRef idx="0">
+        <a:scrgbClr r="0" g="0" b="0"/>
+      </a:effectRef>
+      <a:fontRef idx="minor">
+        <a:schemeClr val="lt1"/>
+      </a:fontRef>
+    </dgm:style>
+  </dgm:styleLbl>
+  <dgm:styleLbl name="asst3">
+    <dgm:scene3d>
+      <a:camera prst="orthographicFront"/>
+      <a:lightRig rig="threePt" dir="t"/>
+    </dgm:scene3d>
+    <dgm:sp3d/>
+    <dgm:txPr/>
+    <dgm:style>
+      <a:lnRef idx="2">
+        <a:scrgbClr r="0" g="0" b="0"/>
+      </a:lnRef>
+      <a:fillRef idx="1">
+        <a:scrgbClr r="0" g="0" b="0"/>
+      </a:fillRef>
+      <a:effectRef idx="0">
+        <a:scrgbClr r="0" g="0" b="0"/>
+      </a:effectRef>
+      <a:fontRef idx="minor">
+        <a:schemeClr val="lt1"/>
+      </a:fontRef>
+    </dgm:style>
+  </dgm:styleLbl>
+  <dgm:styleLbl name="asst4">
+    <dgm:scene3d>
+      <a:camera prst="orthographicFront"/>
+      <a:lightRig rig="threePt" dir="t"/>
+    </dgm:scene3d>
+    <dgm:sp3d/>
+    <dgm:txPr/>
+    <dgm:style>
+      <a:lnRef idx="2">
+        <a:scrgbClr r="0" g="0" b="0"/>
+      </a:lnRef>
+      <a:fillRef idx="1">
+        <a:scrgbClr r="0" g="0" b="0"/>
+      </a:fillRef>
+      <a:effectRef idx="0">
+        <a:scrgbClr r="0" g="0" b="0"/>
+      </a:effectRef>
+      <a:fontRef idx="minor">
+        <a:schemeClr val="lt1"/>
+      </a:fontRef>
+    </dgm:style>
+  </dgm:styleLbl>
+  <dgm:styleLbl name="parChTrans2D1">
+    <dgm:scene3d>
+      <a:camera prst="orthographicFront"/>
+      <a:lightRig rig="threePt" dir="t"/>
+    </dgm:scene3d>
+    <dgm:sp3d/>
+    <dgm:txPr/>
+    <dgm:style>
+      <a:lnRef idx="2">
+        <a:scrgbClr r="0" g="0" b="0"/>
+      </a:lnRef>
+      <a:fillRef idx="1">
+        <a:scrgbClr r="0" g="0" b="0"/>
+      </a:fillRef>
+      <a:effectRef idx="0">
+        <a:scrgbClr r="0" g="0" b="0"/>
+      </a:effectRef>
+      <a:fontRef idx="minor">
+        <a:schemeClr val="lt1"/>
+      </a:fontRef>
+    </dgm:style>
+  </dgm:styleLbl>
+  <dgm:styleLbl name="parChTrans2D2">
+    <dgm:scene3d>
+      <a:camera prst="orthographicFront"/>
+      <a:lightRig rig="threePt" dir="t"/>
+    </dgm:scene3d>
+    <dgm:sp3d/>
+    <dgm:txPr/>
+    <dgm:style>
+      <a:lnRef idx="2">
+        <a:scrgbClr r="0" g="0" b="0"/>
+      </a:lnRef>
+      <a:fillRef idx="1">
+        <a:scrgbClr r="0" g="0" b="0"/>
+      </a:fillRef>
+      <a:effectRef idx="0">
+        <a:scrgbClr r="0" g="0" b="0"/>
+      </a:effectRef>
+      <a:fontRef idx="minor">
+        <a:schemeClr val="lt1"/>
+      </a:fontRef>
+    </dgm:style>
+  </dgm:styleLbl>
+  <dgm:styleLbl name="parChTrans2D3">
+    <dgm:scene3d>
+      <a:camera prst="orthographicFront"/>
+      <a:lightRig rig="threePt" dir="t"/>
+    </dgm:scene3d>
+    <dgm:sp3d/>
+    <dgm:txPr/>
+    <dgm:style>
+      <a:lnRef idx="2">
+        <a:scrgbClr r="0" g="0" b="0"/>
+      </a:lnRef>
+      <a:fillRef idx="1">
+        <a:scrgbClr r="0" g="0" b="0"/>
+      </a:fillRef>
+      <a:effectRef idx="0">
+        <a:scrgbClr r="0" g="0" b="0"/>
+      </a:effectRef>
+      <a:fontRef idx="minor">
+        <a:schemeClr val="lt1"/>
+      </a:fontRef>
+    </dgm:style>
+  </dgm:styleLbl>
+  <dgm:styleLbl name="parChTrans2D4">
+    <dgm:scene3d>
+      <a:camera prst="orthographicFront"/>
+      <a:lightRig rig="threePt" dir="t"/>
+    </dgm:scene3d>
+    <dgm:sp3d/>
+    <dgm:txPr/>
+    <dgm:style>
+      <a:lnRef idx="2">
+        <a:scrgbClr r="0" g="0" b="0"/>
+      </a:lnRef>
+      <a:fillRef idx="1">
+        <a:scrgbClr r="0" g="0" b="0"/>
+      </a:fillRef>
+      <a:effectRef idx="0">
+        <a:scrgbClr r="0" g="0" b="0"/>
+      </a:effectRef>
+      <a:fontRef idx="minor">
+        <a:schemeClr val="lt1"/>
+      </a:fontRef>
+    </dgm:style>
+  </dgm:styleLbl>
+  <dgm:styleLbl name="parChTrans1D1">
+    <dgm:scene3d>
+      <a:camera prst="orthographicFront"/>
+      <a:lightRig rig="threePt" dir="t"/>
+    </dgm:scene3d>
+    <dgm:sp3d/>
+    <dgm:txPr/>
+    <dgm:style>
+      <a:lnRef idx="2">
+        <a:scrgbClr r="0" g="0" b="0"/>
+      </a:lnRef>
+      <a:fillRef idx="0">
+        <a:scrgbClr r="0" g="0" b="0"/>
+      </a:fillRef>
+      <a:effectRef idx="0">
+        <a:scrgbClr r="0" g="0" b="0"/>
+      </a:effectRef>
+      <a:fontRef idx="minor"/>
+    </dgm:style>
+  </dgm:styleLbl>
+  <dgm:styleLbl name="parChTrans1D2">
+    <dgm:scene3d>
+      <a:camera prst="orthographicFront"/>
+      <a:lightRig rig="threePt" dir="t"/>
+    </dgm:scene3d>
+    <dgm:sp3d/>
+    <dgm:txPr/>
+    <dgm:style>
+      <a:lnRef idx="2">
+        <a:scrgbClr r="0" g="0" b="0"/>
+      </a:lnRef>
+      <a:fillRef idx="0">
+        <a:scrgbClr r="0" g="0" b="0"/>
+      </a:fillRef>
+      <a:effectRef idx="0">
+        <a:scrgbClr r="0" g="0" b="0"/>
+      </a:effectRef>
+      <a:fontRef idx="minor"/>
+    </dgm:style>
+  </dgm:styleLbl>
+  <dgm:styleLbl name="parChTrans1D3">
+    <dgm:scene3d>
+      <a:camera prst="orthographicFront"/>
+      <a:lightRig rig="threePt" dir="t"/>
+    </dgm:scene3d>
+    <dgm:sp3d/>
+    <dgm:txPr/>
+    <dgm:style>
+      <a:lnRef idx="2">
+        <a:scrgbClr r="0" g="0" b="0"/>
+      </a:lnRef>
+      <a:fillRef idx="0">
+        <a:scrgbClr r="0" g="0" b="0"/>
+      </a:fillRef>
+      <a:effectRef idx="0">
+        <a:scrgbClr r="0" g="0" b="0"/>
+      </a:effectRef>
+      <a:fontRef idx="minor"/>
+    </dgm:style>
+  </dgm:styleLbl>
+  <dgm:styleLbl name="parChTrans1D4">
+    <dgm:scene3d>
+      <a:camera prst="orthographicFront"/>
+      <a:lightRig rig="threePt" dir="t"/>
+    </dgm:scene3d>
+    <dgm:sp3d/>
+    <dgm:txPr/>
+    <dgm:style>
+      <a:lnRef idx="2">
+        <a:scrgbClr r="0" g="0" b="0"/>
+      </a:lnRef>
+      <a:fillRef idx="0">
+        <a:scrgbClr r="0" g="0" b="0"/>
+      </a:fillRef>
+      <a:effectRef idx="0">
+        <a:scrgbClr r="0" g="0" b="0"/>
+      </a:effectRef>
+      <a:fontRef idx="minor"/>
+    </dgm:style>
+  </dgm:styleLbl>
+  <dgm:styleLbl name="fgAcc1">
+    <dgm:scene3d>
+      <a:camera prst="orthographicFront"/>
+      <a:lightRig rig="threePt" dir="t"/>
+    </dgm:scene3d>
+    <dgm:sp3d/>
+    <dgm:txPr/>
+    <dgm:style>
+      <a:lnRef idx="2">
+        <a:scrgbClr r="0" g="0" b="0"/>
+      </a:lnRef>
+      <a:fillRef idx="1">
+        <a:scrgbClr r="0" g="0" b="0"/>
+      </a:fillRef>
+      <a:effectRef idx="0">
+        <a:scrgbClr r="0" g="0" b="0"/>
+      </a:effectRef>
+      <a:fontRef idx="minor"/>
+    </dgm:style>
+  </dgm:styleLbl>
+  <dgm:styleLbl name="conFgAcc1">
+    <dgm:scene3d>
+      <a:camera prst="orthographicFront"/>
+      <a:lightRig rig="threePt" dir="t"/>
+    </dgm:scene3d>
+    <dgm:sp3d/>
+    <dgm:txPr/>
+    <dgm:style>
+      <a:lnRef idx="2">
+        <a:scrgbClr r="0" g="0" b="0"/>
+      </a:lnRef>
+      <a:fillRef idx="1">
+        <a:scrgbClr r="0" g="0" b="0"/>
+      </a:fillRef>
+      <a:effectRef idx="0">
+        <a:scrgbClr r="0" g="0" b="0"/>
+      </a:effectRef>
+      <a:fontRef idx="minor"/>
+    </dgm:style>
+  </dgm:styleLbl>
+  <dgm:styleLbl name="alignAcc1">
+    <dgm:scene3d>
+      <a:camera prst="orthographicFront"/>
+      <a:lightRig rig="threePt" dir="t"/>
+    </dgm:scene3d>
+    <dgm:sp3d/>
+    <dgm:txPr/>
+    <dgm:style>
+      <a:lnRef idx="2">
+        <a:scrgbClr r="0" g="0" b="0"/>
+      </a:lnRef>
+      <a:fillRef idx="1">
+        <a:scrgbClr r="0" g="0" b="0"/>
+      </a:fillRef>
+      <a:effectRef idx="0">
+        <a:scrgbClr r="0" g="0" b="0"/>
+      </a:effectRef>
+      <a:fontRef idx="minor"/>
+    </dgm:style>
+  </dgm:styleLbl>
+  <dgm:styleLbl name="trAlignAcc1">
+    <dgm:scene3d>
+      <a:camera prst="orthographicFront"/>
+      <a:lightRig rig="threePt" dir="t"/>
+    </dgm:scene3d>
+    <dgm:sp3d/>
+    <dgm:txPr/>
+    <dgm:style>
+      <a:lnRef idx="1">
+        <a:scrgbClr r="0" g="0" b="0"/>
+      </a:lnRef>
+      <a:fillRef idx="1">
+        <a:scrgbClr r="0" g="0" b="0"/>
+      </a:fillRef>
+      <a:effectRef idx="0">
+        <a:scrgbClr r="0" g="0" b="0"/>
+      </a:effectRef>
+      <a:fontRef idx="minor"/>
+    </dgm:style>
+  </dgm:styleLbl>
+  <dgm:styleLbl name="bgAcc1">
+    <dgm:scene3d>
+      <a:camera prst="orthographicFront"/>
+      <a:lightRig rig="threePt" dir="t"/>
+    </dgm:scene3d>
+    <dgm:sp3d/>
+    <dgm:txPr/>
+    <dgm:style>
+      <a:lnRef idx="2">
+        <a:scrgbClr r="0" g="0" b="0"/>
+      </a:lnRef>
+      <a:fillRef idx="1">
+        <a:scrgbClr r="0" g="0" b="0"/>
+      </a:fillRef>
+      <a:effectRef idx="0">
+        <a:scrgbClr r="0" g="0" b="0"/>
+      </a:effectRef>
+      <a:fontRef idx="minor"/>
+    </dgm:style>
+  </dgm:styleLbl>
+  <dgm:styleLbl name="solidFgAcc1">
+    <dgm:scene3d>
+      <a:camera prst="orthographicFront"/>
+      <a:lightRig rig="threePt" dir="t"/>
+    </dgm:scene3d>
+    <dgm:sp3d/>
+    <dgm:txPr/>
+    <dgm:style>
+      <a:lnRef idx="2">
+        <a:scrgbClr r="0" g="0" b="0"/>
+      </a:lnRef>
+      <a:fillRef idx="1">
+        <a:scrgbClr r="0" g="0" b="0"/>
+      </a:fillRef>
+      <a:effectRef idx="0">
+        <a:scrgbClr r="0" g="0" b="0"/>
+      </a:effectRef>
+      <a:fontRef idx="minor"/>
+    </dgm:style>
+  </dgm:styleLbl>
+  <dgm:styleLbl name="solidAlignAcc1">
+    <dgm:scene3d>
+      <a:camera prst="orthographicFront"/>
+      <a:lightRig rig="threePt" dir="t"/>
+    </dgm:scene3d>
+    <dgm:sp3d/>
+    <dgm:txPr/>
+    <dgm:style>
+      <a:lnRef idx="2">
+        <a:scrgbClr r="0" g="0" b="0"/>
+      </a:lnRef>
+      <a:fillRef idx="1">
+        <a:scrgbClr r="0" g="0" b="0"/>
+      </a:fillRef>
+      <a:effectRef idx="0">
+        <a:scrgbClr r="0" g="0" b="0"/>
+      </a:effectRef>
+      <a:fontRef idx="minor"/>
+    </dgm:style>
+  </dgm:styleLbl>
+  <dgm:styleLbl name="solidBgAcc1">
+    <dgm:scene3d>
+      <a:camera prst="orthographicFront"/>
+      <a:lightRig rig="threePt" dir="t"/>
+    </dgm:scene3d>
+    <dgm:sp3d/>
+    <dgm:txPr/>
+    <dgm:style>
+      <a:lnRef idx="2">
+        <a:scrgbClr r="0" g="0" b="0"/>
+      </a:lnRef>
+      <a:fillRef idx="1">
+        <a:scrgbClr r="0" g="0" b="0"/>
+      </a:fillRef>
+      <a:effectRef idx="0">
+        <a:scrgbClr r="0" g="0" b="0"/>
+      </a:effectRef>
+      <a:fontRef idx="minor"/>
+    </dgm:style>
+  </dgm:styleLbl>
+  <dgm:styleLbl name="fgAccFollowNode1">
+    <dgm:scene3d>
+      <a:camera prst="orthographicFront"/>
+      <a:lightRig rig="threePt" dir="t"/>
+    </dgm:scene3d>
+    <dgm:sp3d/>
+    <dgm:txPr/>
+    <dgm:style>
+      <a:lnRef idx="2">
+        <a:scrgbClr r="0" g="0" b="0"/>
+      </a:lnRef>
+      <a:fillRef idx="1">
+        <a:scrgbClr r="0" g="0" b="0"/>
+      </a:fillRef>
+      <a:effectRef idx="0">
+        <a:scrgbClr r="0" g="0" b="0"/>
+      </a:effectRef>
+      <a:fontRef idx="minor"/>
+    </dgm:style>
+  </dgm:styleLbl>
+  <dgm:styleLbl name="alignAccFollowNode1">
+    <dgm:scene3d>
+      <a:camera prst="orthographicFront"/>
+      <a:lightRig rig="threePt" dir="t"/>
+    </dgm:scene3d>
+    <dgm:sp3d/>
+    <dgm:txPr/>
+    <dgm:style>
+      <a:lnRef idx="2">
+        <a:scrgbClr r="0" g="0" b="0"/>
+      </a:lnRef>
+      <a:fillRef idx="1">
+        <a:scrgbClr r="0" g="0" b="0"/>
+      </a:fillRef>
+      <a:effectRef idx="0">
+        <a:scrgbClr r="0" g="0" b="0"/>
+      </a:effectRef>
+      <a:fontRef idx="minor"/>
+    </dgm:style>
+  </dgm:styleLbl>
+  <dgm:styleLbl name="bgAccFollowNode1">
+    <dgm:scene3d>
+      <a:camera prst="orthographicFront"/>
+      <a:lightRig rig="threePt" dir="t"/>
+    </dgm:scene3d>
+    <dgm:sp3d/>
+    <dgm:txPr/>
+    <dgm:style>
+      <a:lnRef idx="2">
+        <a:scrgbClr r="0" g="0" b="0"/>
+      </a:lnRef>
+      <a:fillRef idx="1">
+        <a:scrgbClr r="0" g="0" b="0"/>
+      </a:fillRef>
+      <a:effectRef idx="0">
+        <a:scrgbClr r="0" g="0" b="0"/>
+      </a:effectRef>
+      <a:fontRef idx="minor"/>
+    </dgm:style>
+  </dgm:styleLbl>
+  <dgm:styleLbl name="fgAcc0">
+    <dgm:scene3d>
+      <a:camera prst="orthographicFront"/>
+      <a:lightRig rig="threePt" dir="t"/>
+    </dgm:scene3d>
+    <dgm:sp3d/>
+    <dgm:txPr/>
+    <dgm:style>
+      <a:lnRef idx="2">
+        <a:scrgbClr r="0" g="0" b="0"/>
+      </a:lnRef>
+      <a:fillRef idx="1">
+        <a:scrgbClr r="0" g="0" b="0"/>
+      </a:fillRef>
+      <a:effectRef idx="0">
+        <a:scrgbClr r="0" g="0" b="0"/>
+      </a:effectRef>
+      <a:fontRef idx="minor"/>
+    </dgm:style>
+  </dgm:styleLbl>
+  <dgm:styleLbl name="fgAcc2">
+    <dgm:scene3d>
+      <a:camera prst="orthographicFront"/>
+      <a:lightRig rig="threePt" dir="t"/>
+    </dgm:scene3d>
+    <dgm:sp3d/>
+    <dgm:txPr/>
+    <dgm:style>
+      <a:lnRef idx="2">
+        <a:scrgbClr r="0" g="0" b="0"/>
+      </a:lnRef>
+      <a:fillRef idx="1">
+        <a:scrgbClr r="0" g="0" b="0"/>
+      </a:fillRef>
+      <a:effectRef idx="0">
+        <a:scrgbClr r="0" g="0" b="0"/>
+      </a:effectRef>
+      <a:fontRef idx="minor"/>
+    </dgm:style>
+  </dgm:styleLbl>
+  <dgm:styleLbl name="fgAcc3">
+    <dgm:scene3d>
+      <a:camera prst="orthographicFront"/>
+      <a:lightRig rig="threePt" dir="t"/>
+    </dgm:scene3d>
+    <dgm:sp3d/>
+    <dgm:txPr/>
+    <dgm:style>
+      <a:lnRef idx="2">
+        <a:scrgbClr r="0" g="0" b="0"/>
+      </a:lnRef>
+      <a:fillRef idx="1">
+        <a:scrgbClr r="0" g="0" b="0"/>
+      </a:fillRef>
+      <a:effectRef idx="0">
+        <a:scrgbClr r="0" g="0" b="0"/>
+      </a:effectRef>
+      <a:fontRef idx="minor"/>
+    </dgm:style>
+  </dgm:styleLbl>
+  <dgm:styleLbl name="fgAcc4">
+    <dgm:scene3d>
+      <a:camera prst="orthographicFront"/>
+      <a:lightRig rig="threePt" dir="t"/>
+    </dgm:scene3d>
+    <dgm:sp3d/>
+    <dgm:txPr/>
+    <dgm:style>
+      <a:lnRef idx="2">
+        <a:scrgbClr r="0" g="0" b="0"/>
+      </a:lnRef>
+      <a:fillRef idx="1">
+        <a:scrgbClr r="0" g="0" b="0"/>
+      </a:fillRef>
+      <a:effectRef idx="0">
+        <a:scrgbClr r="0" g="0" b="0"/>
+      </a:effectRef>
+      <a:fontRef idx="minor"/>
+    </dgm:style>
+  </dgm:styleLbl>
+  <dgm:styleLbl name="bgShp">
+    <dgm:scene3d>
+      <a:camera prst="orthographicFront"/>
+      <a:lightRig rig="threePt" dir="t"/>
+    </dgm:scene3d>
+    <dgm:sp3d/>
+    <dgm:txPr/>
+    <dgm:style>
+      <a:lnRef idx="0">
+        <a:scrgbClr r="0" g="0" b="0"/>
+      </a:lnRef>
+      <a:fillRef idx="1">
+        <a:scrgbClr r="0" g="0" b="0"/>
+      </a:fillRef>
+      <a:effectRef idx="0">
+        <a:scrgbClr r="0" g="0" b="0"/>
+      </a:effectRef>
+      <a:fontRef idx="minor"/>
+    </dgm:style>
+  </dgm:styleLbl>
+  <dgm:styleLbl name="dkBgShp">
+    <dgm:scene3d>
+      <a:camera prst="orthographicFront"/>
+      <a:lightRig rig="threePt" dir="t"/>
+    </dgm:scene3d>
+    <dgm:sp3d/>
+    <dgm:txPr/>
+    <dgm:style>
+      <a:lnRef idx="0">
+        <a:scrgbClr r="0" g="0" b="0"/>
+      </a:lnRef>
+      <a:fillRef idx="1">
+        <a:scrgbClr r="0" g="0" b="0"/>
+      </a:fillRef>
+      <a:effectRef idx="0">
+        <a:scrgbClr r="0" g="0" b="0"/>
+      </a:effectRef>
+      <a:fontRef idx="minor"/>
+    </dgm:style>
+  </dgm:styleLbl>
+  <dgm:styleLbl name="trBgShp">
+    <dgm:scene3d>
+      <a:camera prst="orthographicFront"/>
+      <a:lightRig rig="threePt" dir="t"/>
+    </dgm:scene3d>
+    <dgm:sp3d/>
+    <dgm:txPr/>
+    <dgm:style>
+      <a:lnRef idx="0">
+        <a:scrgbClr r="0" g="0" b="0"/>
+      </a:lnRef>
+      <a:fillRef idx="1">
+        <a:scrgbClr r="0" g="0" b="0"/>
+      </a:fillRef>
+      <a:effectRef idx="0">
+        <a:scrgbClr r="0" g="0" b="0"/>
+      </a:effectRef>
+      <a:fontRef idx="minor"/>
+    </dgm:style>
+  </dgm:styleLbl>
+  <dgm:styleLbl name="fgShp">
+    <dgm:scene3d>
+      <a:camera prst="orthographicFront"/>
+      <a:lightRig rig="threePt" dir="t"/>
+    </dgm:scene3d>
+    <dgm:sp3d/>
+    <dgm:txPr/>
+    <dgm:style>
+      <a:lnRef idx="2">
+        <a:scrgbClr r="0" g="0" b="0"/>
+      </a:lnRef>
+      <a:fillRef idx="1">
+        <a:scrgbClr r="0" g="0" b="0"/>
+      </a:fillRef>
+      <a:effectRef idx="0">
         <a:scrgbClr r="0" g="0" b="0"/>
       </a:effectRef>
       <a:fontRef idx="minor"/>
@@ -24990,6 +28707,29 @@
 <file path=ppt/slides/slide13.xml><?xml version="1.0" encoding="utf-8"?>
 <p:sld xmlns:a="http://schemas.openxmlformats.org/drawingml/2006/main" xmlns:r="http://schemas.openxmlformats.org/officeDocument/2006/relationships" xmlns:p="http://schemas.openxmlformats.org/presentationml/2006/main">
   <p:cSld>
+    <p:bg>
+      <p:bgPr>
+        <a:gradFill rotWithShape="1">
+          <a:gsLst>
+            <a:gs pos="0">
+              <a:schemeClr val="bg2">
+                <a:tint val="90000"/>
+                <a:lumMod val="120000"/>
+              </a:schemeClr>
+            </a:gs>
+            <a:gs pos="100000">
+              <a:schemeClr val="bg2">
+                <a:shade val="98000"/>
+                <a:satMod val="120000"/>
+                <a:lumMod val="98000"/>
+              </a:schemeClr>
+            </a:gs>
+          </a:gsLst>
+          <a:lin ang="5400000" scaled="0"/>
+        </a:gradFill>
+        <a:effectLst/>
+      </p:bgPr>
+    </p:bg>
     <p:spTree>
       <p:nvGrpSpPr>
         <p:cNvPr id="1" name=""/>
@@ -25006,6 +28746,69 @@
       </p:grpSpPr>
       <p:sp>
         <p:nvSpPr>
+          <p:cNvPr id="22" name="Rectangle 21">
+            <a:extLst>
+              <a:ext uri="{FF2B5EF4-FFF2-40B4-BE49-F238E27FC236}">
+                <a16:creationId xmlns:a16="http://schemas.microsoft.com/office/drawing/2014/main" id="{1BB01FB5-37B9-4EBD-AF40-DE68D3CA46A6}"/>
+              </a:ext>
+              <a:ext uri="{C183D7F6-B498-43B3-948B-1728B52AA6E4}">
+                <adec:decorative xmlns:adec="http://schemas.microsoft.com/office/drawing/2017/decorative" val="1"/>
+              </a:ext>
+            </a:extLst>
+          </p:cNvPr>
+          <p:cNvSpPr>
+            <a:spLocks noGrp="1" noRot="1" noChangeAspect="1" noMove="1" noResize="1" noEditPoints="1" noAdjustHandles="1" noChangeArrowheads="1" noChangeShapeType="1" noTextEdit="1"/>
+          </p:cNvSpPr>
+          <p:nvPr>
+            <p:extLst>
+              <p:ext uri="{386F3935-93C4-4BCD-93E2-E3B085C9AB24}">
+                <p16:designElem xmlns:p16="http://schemas.microsoft.com/office/powerpoint/2015/main" val="1"/>
+              </p:ext>
+            </p:extLst>
+          </p:nvPr>
+        </p:nvSpPr>
+        <p:spPr>
+          <a:xfrm>
+            <a:off x="1" y="0"/>
+            <a:ext cx="4059079" cy="6858000"/>
+          </a:xfrm>
+          <a:prstGeom prst="rect">
+            <a:avLst/>
+          </a:prstGeom>
+          <a:solidFill>
+            <a:schemeClr val="tx2"/>
+          </a:solidFill>
+          <a:ln>
+            <a:noFill/>
+          </a:ln>
+        </p:spPr>
+        <p:style>
+          <a:lnRef idx="2">
+            <a:schemeClr val="accent1">
+              <a:shade val="50000"/>
+            </a:schemeClr>
+          </a:lnRef>
+          <a:fillRef idx="1">
+            <a:schemeClr val="accent1"/>
+          </a:fillRef>
+          <a:effectRef idx="0">
+            <a:schemeClr val="accent1"/>
+          </a:effectRef>
+          <a:fontRef idx="minor">
+            <a:schemeClr val="lt1"/>
+          </a:fontRef>
+        </p:style>
+        <p:txBody>
+          <a:bodyPr rtlCol="0" anchor="ctr"/>
+          <a:lstStyle/>
+          <a:p>
+            <a:pPr algn="ctr"/>
+            <a:endParaRPr lang="en-US"/>
+          </a:p>
+        </p:txBody>
+      </p:sp>
+      <p:sp>
+        <p:nvSpPr>
           <p:cNvPr id="2" name="Title 1">
             <a:extLst>
               <a:ext uri="{FF2B5EF4-FFF2-40B4-BE49-F238E27FC236}">
@@ -25020,13 +28823,24 @@
             <p:ph type="title"/>
           </p:nvPr>
         </p:nvSpPr>
-        <p:spPr/>
+        <p:spPr>
+          <a:xfrm>
+            <a:off x="1261295" y="2648511"/>
+            <a:ext cx="2454052" cy="1803416"/>
+          </a:xfrm>
+        </p:spPr>
         <p:txBody>
-          <a:bodyPr/>
+          <a:bodyPr>
+            <a:normAutofit/>
+          </a:bodyPr>
           <a:lstStyle/>
           <a:p>
             <a:r>
-              <a:rPr lang="en-US" dirty="0"/>
+              <a:rPr lang="en-US" sz="2500" dirty="0">
+                <a:solidFill>
+                  <a:schemeClr val="bg1"/>
+                </a:solidFill>
+              </a:rPr>
               <a:t>Integrating Existing Risk Management Frameworks</a:t>
             </a:r>
           </a:p>
@@ -25034,29 +28848,287 @@
       </p:sp>
       <p:sp>
         <p:nvSpPr>
-          <p:cNvPr id="3" name="Content Placeholder 2">
+          <p:cNvPr id="24" name="Freeform 11">
             <a:extLst>
               <a:ext uri="{FF2B5EF4-FFF2-40B4-BE49-F238E27FC236}">
-                <a16:creationId xmlns:a16="http://schemas.microsoft.com/office/drawing/2014/main" id="{461877FB-A676-4CE0-B74E-034B49AA5491}"/>
+                <a16:creationId xmlns:a16="http://schemas.microsoft.com/office/drawing/2014/main" id="{06AF6A9A-0638-4916-AD29-9FC8FC07AE5F}"/>
+              </a:ext>
+              <a:ext uri="{C183D7F6-B498-43B3-948B-1728B52AA6E4}">
+                <adec:decorative xmlns:adec="http://schemas.microsoft.com/office/drawing/2017/decorative" val="1"/>
               </a:ext>
             </a:extLst>
           </p:cNvPr>
           <p:cNvSpPr>
-            <a:spLocks noGrp="1"/>
+            <a:spLocks noGrp="1" noRot="1" noChangeAspect="1" noMove="1" noResize="1" noEditPoints="1" noAdjustHandles="1" noChangeArrowheads="1" noChangeShapeType="1" noTextEdit="1"/>
           </p:cNvSpPr>
           <p:nvPr>
-            <p:ph idx="1"/>
+            <p:extLst>
+              <p:ext uri="{386F3935-93C4-4BCD-93E2-E3B085C9AB24}">
+                <p16:designElem xmlns:p16="http://schemas.microsoft.com/office/powerpoint/2015/main" val="1"/>
+              </p:ext>
+            </p:extLst>
           </p:nvPr>
         </p:nvSpPr>
-        <p:spPr/>
+        <p:spPr bwMode="auto">
+          <a:xfrm flipV="1">
+            <a:off x="-159" y="3179901"/>
+            <a:ext cx="1098194" cy="514066"/>
+          </a:xfrm>
+          <a:custGeom>
+            <a:avLst/>
+            <a:gdLst>
+              <a:gd name="connsiteX0" fmla="*/ 10000 w 10044"/>
+              <a:gd name="connsiteY0" fmla="*/ 4701 h 9966"/>
+              <a:gd name="connsiteX1" fmla="*/ 8559 w 10044"/>
+              <a:gd name="connsiteY1" fmla="*/ 188 h 9966"/>
+              <a:gd name="connsiteX2" fmla="*/ 8527 w 10044"/>
+              <a:gd name="connsiteY2" fmla="*/ 94 h 9966"/>
+              <a:gd name="connsiteX3" fmla="*/ 8438 w 10044"/>
+              <a:gd name="connsiteY3" fmla="*/ 0 h 9966"/>
+              <a:gd name="connsiteX4" fmla="*/ 7867 w 10044"/>
+              <a:gd name="connsiteY4" fmla="*/ 0 h 9966"/>
+              <a:gd name="connsiteX5" fmla="*/ 0 w 10044"/>
+              <a:gd name="connsiteY5" fmla="*/ 70 h 9966"/>
+              <a:gd name="connsiteX6" fmla="*/ 3132 w 10044"/>
+              <a:gd name="connsiteY6" fmla="*/ 9763 h 9966"/>
+              <a:gd name="connsiteX7" fmla="*/ 7867 w 10044"/>
+              <a:gd name="connsiteY7" fmla="*/ 9966 h 9966"/>
+              <a:gd name="connsiteX8" fmla="*/ 8438 w 10044"/>
+              <a:gd name="connsiteY8" fmla="*/ 9966 h 9966"/>
+              <a:gd name="connsiteX9" fmla="*/ 8527 w 10044"/>
+              <a:gd name="connsiteY9" fmla="*/ 9872 h 9966"/>
+              <a:gd name="connsiteX10" fmla="*/ 8559 w 10044"/>
+              <a:gd name="connsiteY10" fmla="*/ 9778 h 9966"/>
+              <a:gd name="connsiteX11" fmla="*/ 10000 w 10044"/>
+              <a:gd name="connsiteY11" fmla="*/ 5265 h 9966"/>
+              <a:gd name="connsiteX12" fmla="*/ 10000 w 10044"/>
+              <a:gd name="connsiteY12" fmla="*/ 4701 h 9966"/>
+              <a:gd name="connsiteX0" fmla="*/ 6839 w 6883"/>
+              <a:gd name="connsiteY0" fmla="*/ 4885 h 10168"/>
+              <a:gd name="connsiteX1" fmla="*/ 5405 w 6883"/>
+              <a:gd name="connsiteY1" fmla="*/ 357 h 10168"/>
+              <a:gd name="connsiteX2" fmla="*/ 5373 w 6883"/>
+              <a:gd name="connsiteY2" fmla="*/ 262 h 10168"/>
+              <a:gd name="connsiteX3" fmla="*/ 5284 w 6883"/>
+              <a:gd name="connsiteY3" fmla="*/ 168 h 10168"/>
+              <a:gd name="connsiteX4" fmla="*/ 4716 w 6883"/>
+              <a:gd name="connsiteY4" fmla="*/ 168 h 10168"/>
+              <a:gd name="connsiteX5" fmla="*/ 50 w 6883"/>
+              <a:gd name="connsiteY5" fmla="*/ 0 h 10168"/>
+              <a:gd name="connsiteX6" fmla="*/ 1 w 6883"/>
+              <a:gd name="connsiteY6" fmla="*/ 9964 h 10168"/>
+              <a:gd name="connsiteX7" fmla="*/ 4716 w 6883"/>
+              <a:gd name="connsiteY7" fmla="*/ 10168 h 10168"/>
+              <a:gd name="connsiteX8" fmla="*/ 5284 w 6883"/>
+              <a:gd name="connsiteY8" fmla="*/ 10168 h 10168"/>
+              <a:gd name="connsiteX9" fmla="*/ 5373 w 6883"/>
+              <a:gd name="connsiteY9" fmla="*/ 10074 h 10168"/>
+              <a:gd name="connsiteX10" fmla="*/ 5405 w 6883"/>
+              <a:gd name="connsiteY10" fmla="*/ 9979 h 10168"/>
+              <a:gd name="connsiteX11" fmla="*/ 6839 w 6883"/>
+              <a:gd name="connsiteY11" fmla="*/ 5451 h 10168"/>
+              <a:gd name="connsiteX12" fmla="*/ 6839 w 6883"/>
+              <a:gd name="connsiteY12" fmla="*/ 4885 h 10168"/>
+            </a:gdLst>
+            <a:ahLst/>
+            <a:cxnLst>
+              <a:cxn ang="0">
+                <a:pos x="connsiteX0" y="connsiteY0"/>
+              </a:cxn>
+              <a:cxn ang="0">
+                <a:pos x="connsiteX1" y="connsiteY1"/>
+              </a:cxn>
+              <a:cxn ang="0">
+                <a:pos x="connsiteX2" y="connsiteY2"/>
+              </a:cxn>
+              <a:cxn ang="0">
+                <a:pos x="connsiteX3" y="connsiteY3"/>
+              </a:cxn>
+              <a:cxn ang="0">
+                <a:pos x="connsiteX4" y="connsiteY4"/>
+              </a:cxn>
+              <a:cxn ang="0">
+                <a:pos x="connsiteX5" y="connsiteY5"/>
+              </a:cxn>
+              <a:cxn ang="0">
+                <a:pos x="connsiteX6" y="connsiteY6"/>
+              </a:cxn>
+              <a:cxn ang="0">
+                <a:pos x="connsiteX7" y="connsiteY7"/>
+              </a:cxn>
+              <a:cxn ang="0">
+                <a:pos x="connsiteX8" y="connsiteY8"/>
+              </a:cxn>
+              <a:cxn ang="0">
+                <a:pos x="connsiteX9" y="connsiteY9"/>
+              </a:cxn>
+              <a:cxn ang="0">
+                <a:pos x="connsiteX10" y="connsiteY10"/>
+              </a:cxn>
+              <a:cxn ang="0">
+                <a:pos x="connsiteX11" y="connsiteY11"/>
+              </a:cxn>
+              <a:cxn ang="0">
+                <a:pos x="connsiteX12" y="connsiteY12"/>
+              </a:cxn>
+            </a:cxnLst>
+            <a:rect l="l" t="t" r="r" b="b"/>
+            <a:pathLst>
+              <a:path w="6883" h="10168">
+                <a:moveTo>
+                  <a:pt x="6839" y="4885"/>
+                </a:moveTo>
+                <a:lnTo>
+                  <a:pt x="5405" y="357"/>
+                </a:lnTo>
+                <a:cubicBezTo>
+                  <a:pt x="5395" y="325"/>
+                  <a:pt x="5383" y="294"/>
+                  <a:pt x="5373" y="262"/>
+                </a:cubicBezTo>
+                <a:cubicBezTo>
+                  <a:pt x="5344" y="168"/>
+                  <a:pt x="5314" y="168"/>
+                  <a:pt x="5284" y="168"/>
+                </a:cubicBezTo>
+                <a:lnTo>
+                  <a:pt x="4716" y="168"/>
+                </a:lnTo>
+                <a:lnTo>
+                  <a:pt x="50" y="0"/>
+                </a:lnTo>
+                <a:cubicBezTo>
+                  <a:pt x="59" y="3322"/>
+                  <a:pt x="-8" y="6643"/>
+                  <a:pt x="1" y="9964"/>
+                </a:cubicBezTo>
+                <a:lnTo>
+                  <a:pt x="4716" y="10168"/>
+                </a:lnTo>
+                <a:lnTo>
+                  <a:pt x="5284" y="10168"/>
+                </a:lnTo>
+                <a:cubicBezTo>
+                  <a:pt x="5314" y="10168"/>
+                  <a:pt x="5344" y="10074"/>
+                  <a:pt x="5373" y="10074"/>
+                </a:cubicBezTo>
+                <a:cubicBezTo>
+                  <a:pt x="5373" y="9979"/>
+                  <a:pt x="5405" y="9979"/>
+                  <a:pt x="5405" y="9979"/>
+                </a:cubicBezTo>
+                <a:lnTo>
+                  <a:pt x="6839" y="5451"/>
+                </a:lnTo>
+                <a:cubicBezTo>
+                  <a:pt x="6898" y="5262"/>
+                  <a:pt x="6898" y="5074"/>
+                  <a:pt x="6839" y="4885"/>
+                </a:cubicBezTo>
+                <a:close/>
+              </a:path>
+            </a:pathLst>
+          </a:custGeom>
+          <a:solidFill>
+            <a:schemeClr val="accent1"/>
+          </a:solidFill>
+          <a:ln>
+            <a:noFill/>
+          </a:ln>
+        </p:spPr>
+      </p:sp>
+      <p:sp useBgFill="1">
+        <p:nvSpPr>
+          <p:cNvPr id="26" name="Rectangle 25">
+            <a:extLst>
+              <a:ext uri="{FF2B5EF4-FFF2-40B4-BE49-F238E27FC236}">
+                <a16:creationId xmlns:a16="http://schemas.microsoft.com/office/drawing/2014/main" id="{79057B2B-0D8C-47F2-836B-2E7DD462150A}"/>
+              </a:ext>
+              <a:ext uri="{C183D7F6-B498-43B3-948B-1728B52AA6E4}">
+                <adec:decorative xmlns:adec="http://schemas.microsoft.com/office/drawing/2017/decorative" val="1"/>
+              </a:ext>
+            </a:extLst>
+          </p:cNvPr>
+          <p:cNvSpPr>
+            <a:spLocks noGrp="1" noRot="1" noChangeAspect="1" noMove="1" noResize="1" noEditPoints="1" noAdjustHandles="1" noChangeArrowheads="1" noChangeShapeType="1" noTextEdit="1"/>
+          </p:cNvSpPr>
+          <p:nvPr>
+            <p:extLst>
+              <p:ext uri="{386F3935-93C4-4BCD-93E2-E3B085C9AB24}">
+                <p16:designElem xmlns:p16="http://schemas.microsoft.com/office/powerpoint/2015/main" val="1"/>
+              </p:ext>
+            </p:extLst>
+          </p:nvPr>
+        </p:nvSpPr>
+        <p:spPr>
+          <a:xfrm>
+            <a:off x="4795736" y="0"/>
+            <a:ext cx="7396264" cy="6858000"/>
+          </a:xfrm>
+          <a:prstGeom prst="rect">
+            <a:avLst/>
+          </a:prstGeom>
+          <a:ln>
+            <a:noFill/>
+          </a:ln>
+        </p:spPr>
+        <p:style>
+          <a:lnRef idx="2">
+            <a:schemeClr val="accent1">
+              <a:shade val="50000"/>
+            </a:schemeClr>
+          </a:lnRef>
+          <a:fillRef idx="1">
+            <a:schemeClr val="accent1"/>
+          </a:fillRef>
+          <a:effectRef idx="0">
+            <a:schemeClr val="accent1"/>
+          </a:effectRef>
+          <a:fontRef idx="minor">
+            <a:schemeClr val="lt1"/>
+          </a:fontRef>
+        </p:style>
         <p:txBody>
-          <a:bodyPr/>
+          <a:bodyPr rtlCol="0" anchor="ctr"/>
           <a:lstStyle/>
           <a:p>
-            <a:endParaRPr lang="en-US" dirty="0"/>
+            <a:pPr algn="ctr"/>
+            <a:endParaRPr lang="en-US"/>
           </a:p>
         </p:txBody>
       </p:sp>
+      <p:graphicFrame>
+        <p:nvGraphicFramePr>
+          <p:cNvPr id="4" name="Content Placeholder 3">
+            <a:extLst>
+              <a:ext uri="{FF2B5EF4-FFF2-40B4-BE49-F238E27FC236}">
+                <a16:creationId xmlns:a16="http://schemas.microsoft.com/office/drawing/2014/main" id="{0A3F64B9-20A0-4FA6-A487-1DF3ED2328BC}"/>
+              </a:ext>
+            </a:extLst>
+          </p:cNvPr>
+          <p:cNvGraphicFramePr>
+            <a:graphicFrameLocks noGrp="1"/>
+          </p:cNvGraphicFramePr>
+          <p:nvPr>
+            <p:ph idx="1"/>
+            <p:extLst>
+              <p:ext uri="{D42A27DB-BD31-4B8C-83A1-F6EECF244321}">
+                <p14:modId xmlns:p14="http://schemas.microsoft.com/office/powerpoint/2010/main" val="3707212852"/>
+              </p:ext>
+            </p:extLst>
+          </p:nvPr>
+        </p:nvGraphicFramePr>
+        <p:xfrm>
+          <a:off x="4713144" y="641551"/>
+          <a:ext cx="6832212" cy="5264779"/>
+        </p:xfrm>
+        <a:graphic>
+          <a:graphicData uri="http://schemas.openxmlformats.org/drawingml/2006/diagram">
+            <dgm:relIds xmlns:dgm="http://schemas.openxmlformats.org/drawingml/2006/diagram" xmlns:r="http://schemas.openxmlformats.org/officeDocument/2006/relationships" r:dm="rId2" r:lo="rId3" r:qs="rId4" r:cs="rId5"/>
+          </a:graphicData>
+        </a:graphic>
+      </p:graphicFrame>
     </p:spTree>
     <p:extLst>
       <p:ext uri="{BB962C8B-B14F-4D97-AF65-F5344CB8AC3E}">

--- a/Week7_MasterDataMgmt/BachmeierNTIM7030-7.pptx
+++ b/Week7_MasterDataMgmt/BachmeierNTIM7030-7.pptx
@@ -4,6 +4,9 @@
   <p:sldMasterIdLst>
     <p:sldMasterId id="2147483648" r:id="rId1"/>
   </p:sldMasterIdLst>
+  <p:notesMasterIdLst>
+    <p:notesMasterId r:id="rId17"/>
+  </p:notesMasterIdLst>
   <p:sldIdLst>
     <p:sldId id="256" r:id="rId2"/>
     <p:sldId id="257" r:id="rId3"/>
@@ -4071,6 +4074,753 @@
     <dgm:fillClrLst meth="repeat">
       <a:schemeClr val="accent2">
         <a:tint val="40000"/>
+      </a:schemeClr>
+    </dgm:fillClrLst>
+    <dgm:linClrLst meth="repeat">
+      <a:schemeClr val="lt1"/>
+    </dgm:linClrLst>
+    <dgm:effectClrLst/>
+    <dgm:txLinClrLst/>
+    <dgm:txFillClrLst meth="repeat">
+      <a:schemeClr val="dk1"/>
+    </dgm:txFillClrLst>
+    <dgm:txEffectClrLst/>
+  </dgm:styleLbl>
+  <dgm:styleLbl name="revTx">
+    <dgm:fillClrLst meth="repeat">
+      <a:schemeClr val="lt1">
+        <a:alpha val="0"/>
+      </a:schemeClr>
+    </dgm:fillClrLst>
+    <dgm:linClrLst meth="repeat">
+      <a:schemeClr val="dk1">
+        <a:alpha val="0"/>
+      </a:schemeClr>
+    </dgm:linClrLst>
+    <dgm:effectClrLst/>
+    <dgm:txLinClrLst/>
+    <dgm:txFillClrLst meth="repeat">
+      <a:schemeClr val="tx1"/>
+    </dgm:txFillClrLst>
+    <dgm:txEffectClrLst/>
+  </dgm:styleLbl>
+</dgm:colorsDef>
+</file>
+
+<file path=ppt/diagrams/colors6.xml><?xml version="1.0" encoding="utf-8"?>
+<dgm:colorsDef xmlns:dgm="http://schemas.openxmlformats.org/drawingml/2006/diagram" xmlns:a="http://schemas.openxmlformats.org/drawingml/2006/main" uniqueId="urn:microsoft.com/office/officeart/2005/8/colors/accent1_2">
+  <dgm:title val=""/>
+  <dgm:desc val=""/>
+  <dgm:catLst>
+    <dgm:cat type="accent1" pri="11200"/>
+  </dgm:catLst>
+  <dgm:styleLbl name="node0">
+    <dgm:fillClrLst meth="repeat">
+      <a:schemeClr val="accent1"/>
+    </dgm:fillClrLst>
+    <dgm:linClrLst meth="repeat">
+      <a:schemeClr val="lt1"/>
+    </dgm:linClrLst>
+    <dgm:effectClrLst/>
+    <dgm:txLinClrLst/>
+    <dgm:txFillClrLst/>
+    <dgm:txEffectClrLst/>
+  </dgm:styleLbl>
+  <dgm:styleLbl name="alignNode1">
+    <dgm:fillClrLst meth="repeat">
+      <a:schemeClr val="accent1"/>
+    </dgm:fillClrLst>
+    <dgm:linClrLst meth="repeat">
+      <a:schemeClr val="accent1"/>
+    </dgm:linClrLst>
+    <dgm:effectClrLst/>
+    <dgm:txLinClrLst/>
+    <dgm:txFillClrLst/>
+    <dgm:txEffectClrLst/>
+  </dgm:styleLbl>
+  <dgm:styleLbl name="node1">
+    <dgm:fillClrLst meth="repeat">
+      <a:schemeClr val="accent1"/>
+    </dgm:fillClrLst>
+    <dgm:linClrLst meth="repeat">
+      <a:schemeClr val="lt1"/>
+    </dgm:linClrLst>
+    <dgm:effectClrLst/>
+    <dgm:txLinClrLst/>
+    <dgm:txFillClrLst/>
+    <dgm:txEffectClrLst/>
+  </dgm:styleLbl>
+  <dgm:styleLbl name="lnNode1">
+    <dgm:fillClrLst meth="repeat">
+      <a:schemeClr val="accent1"/>
+    </dgm:fillClrLst>
+    <dgm:linClrLst meth="repeat">
+      <a:schemeClr val="lt1"/>
+    </dgm:linClrLst>
+    <dgm:effectClrLst/>
+    <dgm:txLinClrLst/>
+    <dgm:txFillClrLst/>
+    <dgm:txEffectClrLst/>
+  </dgm:styleLbl>
+  <dgm:styleLbl name="vennNode1">
+    <dgm:fillClrLst meth="repeat">
+      <a:schemeClr val="accent1">
+        <a:alpha val="50000"/>
+      </a:schemeClr>
+    </dgm:fillClrLst>
+    <dgm:linClrLst meth="repeat">
+      <a:schemeClr val="lt1"/>
+    </dgm:linClrLst>
+    <dgm:effectClrLst/>
+    <dgm:txLinClrLst/>
+    <dgm:txFillClrLst/>
+    <dgm:txEffectClrLst/>
+  </dgm:styleLbl>
+  <dgm:styleLbl name="node2">
+    <dgm:fillClrLst meth="repeat">
+      <a:schemeClr val="accent1"/>
+    </dgm:fillClrLst>
+    <dgm:linClrLst meth="repeat">
+      <a:schemeClr val="lt1"/>
+    </dgm:linClrLst>
+    <dgm:effectClrLst/>
+    <dgm:txLinClrLst/>
+    <dgm:txFillClrLst/>
+    <dgm:txEffectClrLst/>
+  </dgm:styleLbl>
+  <dgm:styleLbl name="node3">
+    <dgm:fillClrLst meth="repeat">
+      <a:schemeClr val="accent1"/>
+    </dgm:fillClrLst>
+    <dgm:linClrLst meth="repeat">
+      <a:schemeClr val="lt1"/>
+    </dgm:linClrLst>
+    <dgm:effectClrLst/>
+    <dgm:txLinClrLst/>
+    <dgm:txFillClrLst/>
+    <dgm:txEffectClrLst/>
+  </dgm:styleLbl>
+  <dgm:styleLbl name="node4">
+    <dgm:fillClrLst meth="repeat">
+      <a:schemeClr val="accent1"/>
+    </dgm:fillClrLst>
+    <dgm:linClrLst meth="repeat">
+      <a:schemeClr val="lt1"/>
+    </dgm:linClrLst>
+    <dgm:effectClrLst/>
+    <dgm:txLinClrLst/>
+    <dgm:txFillClrLst/>
+    <dgm:txEffectClrLst/>
+  </dgm:styleLbl>
+  <dgm:styleLbl name="fgImgPlace1">
+    <dgm:fillClrLst meth="repeat">
+      <a:schemeClr val="accent1">
+        <a:tint val="50000"/>
+      </a:schemeClr>
+    </dgm:fillClrLst>
+    <dgm:linClrLst meth="repeat">
+      <a:schemeClr val="lt1"/>
+    </dgm:linClrLst>
+    <dgm:effectClrLst/>
+    <dgm:txLinClrLst/>
+    <dgm:txFillClrLst meth="repeat">
+      <a:schemeClr val="lt1"/>
+    </dgm:txFillClrLst>
+    <dgm:txEffectClrLst/>
+  </dgm:styleLbl>
+  <dgm:styleLbl name="alignImgPlace1">
+    <dgm:fillClrLst meth="repeat">
+      <a:schemeClr val="accent1">
+        <a:tint val="50000"/>
+      </a:schemeClr>
+    </dgm:fillClrLst>
+    <dgm:linClrLst meth="repeat">
+      <a:schemeClr val="lt1"/>
+    </dgm:linClrLst>
+    <dgm:effectClrLst/>
+    <dgm:txLinClrLst/>
+    <dgm:txFillClrLst meth="repeat">
+      <a:schemeClr val="lt1"/>
+    </dgm:txFillClrLst>
+    <dgm:txEffectClrLst/>
+  </dgm:styleLbl>
+  <dgm:styleLbl name="bgImgPlace1">
+    <dgm:fillClrLst meth="repeat">
+      <a:schemeClr val="accent1">
+        <a:tint val="50000"/>
+      </a:schemeClr>
+    </dgm:fillClrLst>
+    <dgm:linClrLst meth="repeat">
+      <a:schemeClr val="lt1"/>
+    </dgm:linClrLst>
+    <dgm:effectClrLst/>
+    <dgm:txLinClrLst/>
+    <dgm:txFillClrLst meth="repeat">
+      <a:schemeClr val="lt1"/>
+    </dgm:txFillClrLst>
+    <dgm:txEffectClrLst/>
+  </dgm:styleLbl>
+  <dgm:styleLbl name="sibTrans2D1">
+    <dgm:fillClrLst meth="repeat">
+      <a:schemeClr val="accent1">
+        <a:tint val="60000"/>
+      </a:schemeClr>
+    </dgm:fillClrLst>
+    <dgm:linClrLst meth="repeat">
+      <a:schemeClr val="accent1">
+        <a:tint val="60000"/>
+      </a:schemeClr>
+    </dgm:linClrLst>
+    <dgm:effectClrLst/>
+    <dgm:txLinClrLst/>
+    <dgm:txFillClrLst/>
+    <dgm:txEffectClrLst/>
+  </dgm:styleLbl>
+  <dgm:styleLbl name="fgSibTrans2D1">
+    <dgm:fillClrLst meth="repeat">
+      <a:schemeClr val="accent1">
+        <a:tint val="60000"/>
+      </a:schemeClr>
+    </dgm:fillClrLst>
+    <dgm:linClrLst meth="repeat">
+      <a:schemeClr val="accent1">
+        <a:tint val="60000"/>
+      </a:schemeClr>
+    </dgm:linClrLst>
+    <dgm:effectClrLst/>
+    <dgm:txLinClrLst/>
+    <dgm:txFillClrLst/>
+    <dgm:txEffectClrLst/>
+  </dgm:styleLbl>
+  <dgm:styleLbl name="bgSibTrans2D1">
+    <dgm:fillClrLst meth="repeat">
+      <a:schemeClr val="accent1">
+        <a:tint val="60000"/>
+      </a:schemeClr>
+    </dgm:fillClrLst>
+    <dgm:linClrLst meth="repeat">
+      <a:schemeClr val="accent1">
+        <a:tint val="60000"/>
+      </a:schemeClr>
+    </dgm:linClrLst>
+    <dgm:effectClrLst/>
+    <dgm:txLinClrLst/>
+    <dgm:txFillClrLst/>
+    <dgm:txEffectClrLst/>
+  </dgm:styleLbl>
+  <dgm:styleLbl name="sibTrans1D1">
+    <dgm:fillClrLst meth="repeat">
+      <a:schemeClr val="accent1"/>
+    </dgm:fillClrLst>
+    <dgm:linClrLst meth="repeat">
+      <a:schemeClr val="accent1"/>
+    </dgm:linClrLst>
+    <dgm:effectClrLst/>
+    <dgm:txLinClrLst/>
+    <dgm:txFillClrLst meth="repeat">
+      <a:schemeClr val="tx1"/>
+    </dgm:txFillClrLst>
+    <dgm:txEffectClrLst/>
+  </dgm:styleLbl>
+  <dgm:styleLbl name="callout">
+    <dgm:fillClrLst meth="repeat">
+      <a:schemeClr val="accent1"/>
+    </dgm:fillClrLst>
+    <dgm:linClrLst meth="repeat">
+      <a:schemeClr val="accent1">
+        <a:tint val="50000"/>
+      </a:schemeClr>
+    </dgm:linClrLst>
+    <dgm:effectClrLst/>
+    <dgm:txLinClrLst/>
+    <dgm:txFillClrLst meth="repeat">
+      <a:schemeClr val="tx1"/>
+    </dgm:txFillClrLst>
+    <dgm:txEffectClrLst/>
+  </dgm:styleLbl>
+  <dgm:styleLbl name="asst0">
+    <dgm:fillClrLst meth="repeat">
+      <a:schemeClr val="accent1"/>
+    </dgm:fillClrLst>
+    <dgm:linClrLst meth="repeat">
+      <a:schemeClr val="lt1"/>
+    </dgm:linClrLst>
+    <dgm:effectClrLst/>
+    <dgm:txLinClrLst/>
+    <dgm:txFillClrLst/>
+    <dgm:txEffectClrLst/>
+  </dgm:styleLbl>
+  <dgm:styleLbl name="asst1">
+    <dgm:fillClrLst meth="repeat">
+      <a:schemeClr val="accent1"/>
+    </dgm:fillClrLst>
+    <dgm:linClrLst meth="repeat">
+      <a:schemeClr val="lt1"/>
+    </dgm:linClrLst>
+    <dgm:effectClrLst/>
+    <dgm:txLinClrLst/>
+    <dgm:txFillClrLst/>
+    <dgm:txEffectClrLst/>
+  </dgm:styleLbl>
+  <dgm:styleLbl name="asst2">
+    <dgm:fillClrLst meth="repeat">
+      <a:schemeClr val="accent1"/>
+    </dgm:fillClrLst>
+    <dgm:linClrLst meth="repeat">
+      <a:schemeClr val="lt1"/>
+    </dgm:linClrLst>
+    <dgm:effectClrLst/>
+    <dgm:txLinClrLst/>
+    <dgm:txFillClrLst/>
+    <dgm:txEffectClrLst/>
+  </dgm:styleLbl>
+  <dgm:styleLbl name="asst3">
+    <dgm:fillClrLst meth="repeat">
+      <a:schemeClr val="accent1"/>
+    </dgm:fillClrLst>
+    <dgm:linClrLst meth="repeat">
+      <a:schemeClr val="lt1"/>
+    </dgm:linClrLst>
+    <dgm:effectClrLst/>
+    <dgm:txLinClrLst/>
+    <dgm:txFillClrLst/>
+    <dgm:txEffectClrLst/>
+  </dgm:styleLbl>
+  <dgm:styleLbl name="asst4">
+    <dgm:fillClrLst meth="repeat">
+      <a:schemeClr val="accent1"/>
+    </dgm:fillClrLst>
+    <dgm:linClrLst meth="repeat">
+      <a:schemeClr val="lt1"/>
+    </dgm:linClrLst>
+    <dgm:effectClrLst/>
+    <dgm:txLinClrLst/>
+    <dgm:txFillClrLst/>
+    <dgm:txEffectClrLst/>
+  </dgm:styleLbl>
+  <dgm:styleLbl name="parChTrans2D1">
+    <dgm:fillClrLst meth="repeat">
+      <a:schemeClr val="accent1">
+        <a:tint val="60000"/>
+      </a:schemeClr>
+    </dgm:fillClrLst>
+    <dgm:linClrLst meth="repeat">
+      <a:schemeClr val="accent1">
+        <a:tint val="60000"/>
+      </a:schemeClr>
+    </dgm:linClrLst>
+    <dgm:effectClrLst/>
+    <dgm:txLinClrLst/>
+    <dgm:txFillClrLst meth="repeat">
+      <a:schemeClr val="lt1"/>
+    </dgm:txFillClrLst>
+    <dgm:txEffectClrLst/>
+  </dgm:styleLbl>
+  <dgm:styleLbl name="parChTrans2D2">
+    <dgm:fillClrLst meth="repeat">
+      <a:schemeClr val="accent1"/>
+    </dgm:fillClrLst>
+    <dgm:linClrLst meth="repeat">
+      <a:schemeClr val="accent1"/>
+    </dgm:linClrLst>
+    <dgm:effectClrLst/>
+    <dgm:txLinClrLst/>
+    <dgm:txFillClrLst meth="repeat">
+      <a:schemeClr val="lt1"/>
+    </dgm:txFillClrLst>
+    <dgm:txEffectClrLst/>
+  </dgm:styleLbl>
+  <dgm:styleLbl name="parChTrans2D3">
+    <dgm:fillClrLst meth="repeat">
+      <a:schemeClr val="accent1"/>
+    </dgm:fillClrLst>
+    <dgm:linClrLst meth="repeat">
+      <a:schemeClr val="accent1"/>
+    </dgm:linClrLst>
+    <dgm:effectClrLst/>
+    <dgm:txLinClrLst/>
+    <dgm:txFillClrLst meth="repeat">
+      <a:schemeClr val="lt1"/>
+    </dgm:txFillClrLst>
+    <dgm:txEffectClrLst/>
+  </dgm:styleLbl>
+  <dgm:styleLbl name="parChTrans2D4">
+    <dgm:fillClrLst meth="repeat">
+      <a:schemeClr val="accent1"/>
+    </dgm:fillClrLst>
+    <dgm:linClrLst meth="repeat">
+      <a:schemeClr val="accent1"/>
+    </dgm:linClrLst>
+    <dgm:effectClrLst/>
+    <dgm:txLinClrLst/>
+    <dgm:txFillClrLst meth="repeat">
+      <a:schemeClr val="lt1"/>
+    </dgm:txFillClrLst>
+    <dgm:txEffectClrLst/>
+  </dgm:styleLbl>
+  <dgm:styleLbl name="parChTrans1D1">
+    <dgm:fillClrLst meth="repeat">
+      <a:schemeClr val="accent1"/>
+    </dgm:fillClrLst>
+    <dgm:linClrLst meth="repeat">
+      <a:schemeClr val="accent1">
+        <a:shade val="60000"/>
+      </a:schemeClr>
+    </dgm:linClrLst>
+    <dgm:effectClrLst/>
+    <dgm:txLinClrLst/>
+    <dgm:txFillClrLst meth="repeat">
+      <a:schemeClr val="tx1"/>
+    </dgm:txFillClrLst>
+    <dgm:txEffectClrLst/>
+  </dgm:styleLbl>
+  <dgm:styleLbl name="parChTrans1D2">
+    <dgm:fillClrLst meth="repeat">
+      <a:schemeClr val="accent1"/>
+    </dgm:fillClrLst>
+    <dgm:linClrLst meth="repeat">
+      <a:schemeClr val="accent1">
+        <a:shade val="60000"/>
+      </a:schemeClr>
+    </dgm:linClrLst>
+    <dgm:effectClrLst/>
+    <dgm:txLinClrLst/>
+    <dgm:txFillClrLst meth="repeat">
+      <a:schemeClr val="tx1"/>
+    </dgm:txFillClrLst>
+    <dgm:txEffectClrLst/>
+  </dgm:styleLbl>
+  <dgm:styleLbl name="parChTrans1D3">
+    <dgm:fillClrLst meth="repeat">
+      <a:schemeClr val="accent1"/>
+    </dgm:fillClrLst>
+    <dgm:linClrLst meth="repeat">
+      <a:schemeClr val="accent1">
+        <a:shade val="80000"/>
+      </a:schemeClr>
+    </dgm:linClrLst>
+    <dgm:effectClrLst/>
+    <dgm:txLinClrLst/>
+    <dgm:txFillClrLst meth="repeat">
+      <a:schemeClr val="tx1"/>
+    </dgm:txFillClrLst>
+    <dgm:txEffectClrLst/>
+  </dgm:styleLbl>
+  <dgm:styleLbl name="parChTrans1D4">
+    <dgm:fillClrLst meth="repeat">
+      <a:schemeClr val="accent1"/>
+    </dgm:fillClrLst>
+    <dgm:linClrLst meth="repeat">
+      <a:schemeClr val="accent1">
+        <a:shade val="80000"/>
+      </a:schemeClr>
+    </dgm:linClrLst>
+    <dgm:effectClrLst/>
+    <dgm:txLinClrLst/>
+    <dgm:txFillClrLst meth="repeat">
+      <a:schemeClr val="tx1"/>
+    </dgm:txFillClrLst>
+    <dgm:txEffectClrLst/>
+  </dgm:styleLbl>
+  <dgm:styleLbl name="fgAcc1">
+    <dgm:fillClrLst meth="repeat">
+      <a:schemeClr val="lt1">
+        <a:alpha val="90000"/>
+      </a:schemeClr>
+    </dgm:fillClrLst>
+    <dgm:linClrLst meth="repeat">
+      <a:schemeClr val="accent1"/>
+    </dgm:linClrLst>
+    <dgm:effectClrLst/>
+    <dgm:txLinClrLst/>
+    <dgm:txFillClrLst meth="repeat">
+      <a:schemeClr val="dk1"/>
+    </dgm:txFillClrLst>
+    <dgm:txEffectClrLst/>
+  </dgm:styleLbl>
+  <dgm:styleLbl name="conFgAcc1">
+    <dgm:fillClrLst meth="repeat">
+      <a:schemeClr val="lt1">
+        <a:alpha val="90000"/>
+      </a:schemeClr>
+    </dgm:fillClrLst>
+    <dgm:linClrLst meth="repeat">
+      <a:schemeClr val="accent1"/>
+    </dgm:linClrLst>
+    <dgm:effectClrLst/>
+    <dgm:txLinClrLst/>
+    <dgm:txFillClrLst meth="repeat">
+      <a:schemeClr val="dk1"/>
+    </dgm:txFillClrLst>
+    <dgm:txEffectClrLst/>
+  </dgm:styleLbl>
+  <dgm:styleLbl name="alignAcc1">
+    <dgm:fillClrLst meth="repeat">
+      <a:schemeClr val="lt1">
+        <a:alpha val="90000"/>
+      </a:schemeClr>
+    </dgm:fillClrLst>
+    <dgm:linClrLst meth="repeat">
+      <a:schemeClr val="accent1"/>
+    </dgm:linClrLst>
+    <dgm:effectClrLst/>
+    <dgm:txLinClrLst/>
+    <dgm:txFillClrLst meth="repeat">
+      <a:schemeClr val="dk1"/>
+    </dgm:txFillClrLst>
+    <dgm:txEffectClrLst/>
+  </dgm:styleLbl>
+  <dgm:styleLbl name="trAlignAcc1">
+    <dgm:fillClrLst meth="repeat">
+      <a:schemeClr val="lt1">
+        <a:alpha val="40000"/>
+      </a:schemeClr>
+    </dgm:fillClrLst>
+    <dgm:linClrLst meth="repeat">
+      <a:schemeClr val="accent1"/>
+    </dgm:linClrLst>
+    <dgm:effectClrLst/>
+    <dgm:txLinClrLst/>
+    <dgm:txFillClrLst meth="repeat">
+      <a:schemeClr val="dk1"/>
+    </dgm:txFillClrLst>
+    <dgm:txEffectClrLst/>
+  </dgm:styleLbl>
+  <dgm:styleLbl name="bgAcc1">
+    <dgm:fillClrLst meth="repeat">
+      <a:schemeClr val="lt1">
+        <a:alpha val="90000"/>
+      </a:schemeClr>
+    </dgm:fillClrLst>
+    <dgm:linClrLst meth="repeat">
+      <a:schemeClr val="accent1"/>
+    </dgm:linClrLst>
+    <dgm:effectClrLst/>
+    <dgm:txLinClrLst/>
+    <dgm:txFillClrLst meth="repeat">
+      <a:schemeClr val="dk1"/>
+    </dgm:txFillClrLst>
+    <dgm:txEffectClrLst/>
+  </dgm:styleLbl>
+  <dgm:styleLbl name="solidFgAcc1">
+    <dgm:fillClrLst meth="repeat">
+      <a:schemeClr val="lt1"/>
+    </dgm:fillClrLst>
+    <dgm:linClrLst meth="repeat">
+      <a:schemeClr val="accent1"/>
+    </dgm:linClrLst>
+    <dgm:effectClrLst/>
+    <dgm:txLinClrLst/>
+    <dgm:txFillClrLst meth="repeat">
+      <a:schemeClr val="dk1"/>
+    </dgm:txFillClrLst>
+    <dgm:txEffectClrLst/>
+  </dgm:styleLbl>
+  <dgm:styleLbl name="solidAlignAcc1">
+    <dgm:fillClrLst meth="repeat">
+      <a:schemeClr val="lt1"/>
+    </dgm:fillClrLst>
+    <dgm:linClrLst meth="repeat">
+      <a:schemeClr val="accent1"/>
+    </dgm:linClrLst>
+    <dgm:effectClrLst/>
+    <dgm:txLinClrLst/>
+    <dgm:txFillClrLst meth="repeat">
+      <a:schemeClr val="dk1"/>
+    </dgm:txFillClrLst>
+    <dgm:txEffectClrLst/>
+  </dgm:styleLbl>
+  <dgm:styleLbl name="solidBgAcc1">
+    <dgm:fillClrLst meth="repeat">
+      <a:schemeClr val="lt1"/>
+    </dgm:fillClrLst>
+    <dgm:linClrLst meth="repeat">
+      <a:schemeClr val="accent1"/>
+    </dgm:linClrLst>
+    <dgm:effectClrLst/>
+    <dgm:txLinClrLst/>
+    <dgm:txFillClrLst meth="repeat">
+      <a:schemeClr val="dk1"/>
+    </dgm:txFillClrLst>
+    <dgm:txEffectClrLst/>
+  </dgm:styleLbl>
+  <dgm:styleLbl name="fgAccFollowNode1">
+    <dgm:fillClrLst meth="repeat">
+      <a:schemeClr val="accent1">
+        <a:alpha val="90000"/>
+        <a:tint val="40000"/>
+      </a:schemeClr>
+    </dgm:fillClrLst>
+    <dgm:linClrLst meth="repeat">
+      <a:schemeClr val="accent1">
+        <a:alpha val="90000"/>
+        <a:tint val="40000"/>
+      </a:schemeClr>
+    </dgm:linClrLst>
+    <dgm:effectClrLst/>
+    <dgm:txLinClrLst/>
+    <dgm:txFillClrLst meth="repeat">
+      <a:schemeClr val="dk1"/>
+    </dgm:txFillClrLst>
+    <dgm:txEffectClrLst/>
+  </dgm:styleLbl>
+  <dgm:styleLbl name="alignAccFollowNode1">
+    <dgm:fillClrLst meth="repeat">
+      <a:schemeClr val="accent1">
+        <a:alpha val="90000"/>
+        <a:tint val="40000"/>
+      </a:schemeClr>
+    </dgm:fillClrLst>
+    <dgm:linClrLst meth="repeat">
+      <a:schemeClr val="accent1">
+        <a:alpha val="90000"/>
+        <a:tint val="40000"/>
+      </a:schemeClr>
+    </dgm:linClrLst>
+    <dgm:effectClrLst/>
+    <dgm:txLinClrLst/>
+    <dgm:txFillClrLst meth="repeat">
+      <a:schemeClr val="dk1"/>
+    </dgm:txFillClrLst>
+    <dgm:txEffectClrLst/>
+  </dgm:styleLbl>
+  <dgm:styleLbl name="bgAccFollowNode1">
+    <dgm:fillClrLst meth="repeat">
+      <a:schemeClr val="accent1">
+        <a:alpha val="90000"/>
+        <a:tint val="40000"/>
+      </a:schemeClr>
+    </dgm:fillClrLst>
+    <dgm:linClrLst meth="repeat">
+      <a:schemeClr val="accent1">
+        <a:alpha val="90000"/>
+        <a:tint val="40000"/>
+      </a:schemeClr>
+    </dgm:linClrLst>
+    <dgm:effectClrLst/>
+    <dgm:txLinClrLst/>
+    <dgm:txFillClrLst meth="repeat">
+      <a:schemeClr val="dk1"/>
+    </dgm:txFillClrLst>
+    <dgm:txEffectClrLst/>
+  </dgm:styleLbl>
+  <dgm:styleLbl name="fgAcc0">
+    <dgm:fillClrLst meth="repeat">
+      <a:schemeClr val="lt1">
+        <a:alpha val="90000"/>
+      </a:schemeClr>
+    </dgm:fillClrLst>
+    <dgm:linClrLst meth="repeat">
+      <a:schemeClr val="accent1"/>
+    </dgm:linClrLst>
+    <dgm:effectClrLst/>
+    <dgm:txLinClrLst/>
+    <dgm:txFillClrLst meth="repeat">
+      <a:schemeClr val="dk1"/>
+    </dgm:txFillClrLst>
+    <dgm:txEffectClrLst/>
+  </dgm:styleLbl>
+  <dgm:styleLbl name="fgAcc2">
+    <dgm:fillClrLst meth="repeat">
+      <a:schemeClr val="lt1">
+        <a:alpha val="90000"/>
+      </a:schemeClr>
+    </dgm:fillClrLst>
+    <dgm:linClrLst meth="repeat">
+      <a:schemeClr val="accent1"/>
+    </dgm:linClrLst>
+    <dgm:effectClrLst/>
+    <dgm:txLinClrLst/>
+    <dgm:txFillClrLst meth="repeat">
+      <a:schemeClr val="dk1"/>
+    </dgm:txFillClrLst>
+    <dgm:txEffectClrLst/>
+  </dgm:styleLbl>
+  <dgm:styleLbl name="fgAcc3">
+    <dgm:fillClrLst meth="repeat">
+      <a:schemeClr val="lt1">
+        <a:alpha val="90000"/>
+      </a:schemeClr>
+    </dgm:fillClrLst>
+    <dgm:linClrLst meth="repeat">
+      <a:schemeClr val="accent1"/>
+    </dgm:linClrLst>
+    <dgm:effectClrLst/>
+    <dgm:txLinClrLst/>
+    <dgm:txFillClrLst meth="repeat">
+      <a:schemeClr val="dk1"/>
+    </dgm:txFillClrLst>
+    <dgm:txEffectClrLst/>
+  </dgm:styleLbl>
+  <dgm:styleLbl name="fgAcc4">
+    <dgm:fillClrLst meth="repeat">
+      <a:schemeClr val="lt1">
+        <a:alpha val="90000"/>
+      </a:schemeClr>
+    </dgm:fillClrLst>
+    <dgm:linClrLst meth="repeat">
+      <a:schemeClr val="accent1"/>
+    </dgm:linClrLst>
+    <dgm:effectClrLst/>
+    <dgm:txLinClrLst/>
+    <dgm:txFillClrLst meth="repeat">
+      <a:schemeClr val="dk1"/>
+    </dgm:txFillClrLst>
+    <dgm:txEffectClrLst/>
+  </dgm:styleLbl>
+  <dgm:styleLbl name="bgShp">
+    <dgm:fillClrLst meth="repeat">
+      <a:schemeClr val="accent1">
+        <a:tint val="40000"/>
+      </a:schemeClr>
+    </dgm:fillClrLst>
+    <dgm:linClrLst meth="repeat">
+      <a:schemeClr val="accent1"/>
+    </dgm:linClrLst>
+    <dgm:effectClrLst/>
+    <dgm:txLinClrLst/>
+    <dgm:txFillClrLst meth="repeat">
+      <a:schemeClr val="dk1"/>
+    </dgm:txFillClrLst>
+    <dgm:txEffectClrLst/>
+  </dgm:styleLbl>
+  <dgm:styleLbl name="dkBgShp">
+    <dgm:fillClrLst meth="repeat">
+      <a:schemeClr val="accent1">
+        <a:shade val="80000"/>
+      </a:schemeClr>
+    </dgm:fillClrLst>
+    <dgm:linClrLst meth="repeat">
+      <a:schemeClr val="accent1"/>
+    </dgm:linClrLst>
+    <dgm:effectClrLst/>
+    <dgm:txLinClrLst/>
+    <dgm:txFillClrLst meth="repeat">
+      <a:schemeClr val="lt1"/>
+    </dgm:txFillClrLst>
+    <dgm:txEffectClrLst/>
+  </dgm:styleLbl>
+  <dgm:styleLbl name="trBgShp">
+    <dgm:fillClrLst meth="repeat">
+      <a:schemeClr val="accent1">
+        <a:tint val="50000"/>
+        <a:alpha val="40000"/>
+      </a:schemeClr>
+    </dgm:fillClrLst>
+    <dgm:linClrLst meth="repeat">
+      <a:schemeClr val="accent1"/>
+    </dgm:linClrLst>
+    <dgm:effectClrLst/>
+    <dgm:txLinClrLst/>
+    <dgm:txFillClrLst meth="repeat">
+      <a:schemeClr val="lt1"/>
+    </dgm:txFillClrLst>
+    <dgm:txEffectClrLst/>
+  </dgm:styleLbl>
+  <dgm:styleLbl name="fgShp">
+    <dgm:fillClrLst meth="repeat">
+      <a:schemeClr val="accent1">
+        <a:tint val="60000"/>
       </a:schemeClr>
     </dgm:fillClrLst>
     <dgm:linClrLst meth="repeat">
@@ -4423,7 +5173,7 @@
   <dgm:whole/>
   <dgm:extLst>
     <a:ext uri="http://schemas.microsoft.com/office/drawing/2008/diagram">
-      <dsp:dataModelExt xmlns:dsp="http://schemas.microsoft.com/office/drawing/2008/diagram" relId="rId6" minVer="http://schemas.openxmlformats.org/drawingml/2006/diagram"/>
+      <dsp:dataModelExt xmlns:dsp="http://schemas.microsoft.com/office/drawing/2008/diagram" relId="rId7" minVer="http://schemas.openxmlformats.org/drawingml/2006/diagram"/>
     </a:ext>
   </dgm:extLst>
 </dgm:dataModel>
@@ -5119,7 +5869,7 @@
   <dgm:whole/>
   <dgm:extLst>
     <a:ext uri="http://schemas.microsoft.com/office/drawing/2008/diagram">
-      <dsp:dataModelExt xmlns:dsp="http://schemas.microsoft.com/office/drawing/2008/diagram" relId="rId6" minVer="http://schemas.openxmlformats.org/drawingml/2006/diagram"/>
+      <dsp:dataModelExt xmlns:dsp="http://schemas.microsoft.com/office/drawing/2008/diagram" relId="rId7" minVer="http://schemas.openxmlformats.org/drawingml/2006/diagram"/>
     </a:ext>
   </dgm:extLst>
 </dgm:dataModel>
@@ -5983,7 +6733,7 @@
   <dgm:whole/>
   <dgm:extLst>
     <a:ext uri="http://schemas.microsoft.com/office/drawing/2008/diagram">
-      <dsp:dataModelExt xmlns:dsp="http://schemas.microsoft.com/office/drawing/2008/diagram" relId="rId6" minVer="http://schemas.openxmlformats.org/drawingml/2006/diagram"/>
+      <dsp:dataModelExt xmlns:dsp="http://schemas.microsoft.com/office/drawing/2008/diagram" relId="rId7" minVer="http://schemas.openxmlformats.org/drawingml/2006/diagram"/>
     </a:ext>
   </dgm:extLst>
 </dgm:dataModel>
@@ -6541,7 +7291,7 @@
   <dgm:whole/>
   <dgm:extLst>
     <a:ext uri="http://schemas.microsoft.com/office/drawing/2008/diagram">
-      <dsp:dataModelExt xmlns:dsp="http://schemas.microsoft.com/office/drawing/2008/diagram" relId="rId6" minVer="http://schemas.openxmlformats.org/drawingml/2006/diagram"/>
+      <dsp:dataModelExt xmlns:dsp="http://schemas.microsoft.com/office/drawing/2008/diagram" relId="rId7" minVer="http://schemas.openxmlformats.org/drawingml/2006/diagram"/>
     </a:ext>
   </dgm:extLst>
 </dgm:dataModel>
@@ -7153,7 +7903,481 @@
   <dgm:whole/>
   <dgm:extLst>
     <a:ext uri="http://schemas.microsoft.com/office/drawing/2008/diagram">
-      <dsp:dataModelExt xmlns:dsp="http://schemas.microsoft.com/office/drawing/2008/diagram" relId="rId6" minVer="http://schemas.openxmlformats.org/drawingml/2006/diagram"/>
+      <dsp:dataModelExt xmlns:dsp="http://schemas.microsoft.com/office/drawing/2008/diagram" relId="rId7" minVer="http://schemas.openxmlformats.org/drawingml/2006/diagram"/>
+    </a:ext>
+  </dgm:extLst>
+</dgm:dataModel>
+</file>
+
+<file path=ppt/diagrams/data6.xml><?xml version="1.0" encoding="utf-8"?>
+<dgm:dataModel xmlns:dgm="http://schemas.openxmlformats.org/drawingml/2006/diagram" xmlns:a="http://schemas.openxmlformats.org/drawingml/2006/main">
+  <dgm:ptLst>
+    <dgm:pt modelId="{FF15D9B9-D04E-4B0D-BD92-6806D2465FD5}" type="doc">
+      <dgm:prSet loTypeId="urn:microsoft.com/office/officeart/2005/8/layout/list1" loCatId="list" qsTypeId="urn:microsoft.com/office/officeart/2005/8/quickstyle/simple1" qsCatId="simple" csTypeId="urn:microsoft.com/office/officeart/2005/8/colors/accent1_2" csCatId="accent1" phldr="1"/>
+      <dgm:spPr/>
+      <dgm:t>
+        <a:bodyPr/>
+        <a:lstStyle/>
+        <a:p>
+          <a:endParaRPr lang="en-US"/>
+        </a:p>
+      </dgm:t>
+    </dgm:pt>
+    <dgm:pt modelId="{1E5F23F9-2C30-4A44-A766-429779D5D299}">
+      <dgm:prSet phldrT="[Text]"/>
+      <dgm:spPr/>
+      <dgm:t>
+        <a:bodyPr/>
+        <a:lstStyle/>
+        <a:p>
+          <a:r>
+            <a:rPr lang="en-US" dirty="0"/>
+            <a:t>Technology is evolving</a:t>
+          </a:r>
+        </a:p>
+      </dgm:t>
+    </dgm:pt>
+    <dgm:pt modelId="{7A6083EB-2E20-4683-BDCF-11983478DE36}" type="parTrans" cxnId="{1E125D28-79E7-41D2-960F-C570E2F0BFA2}">
+      <dgm:prSet/>
+      <dgm:spPr/>
+      <dgm:t>
+        <a:bodyPr/>
+        <a:lstStyle/>
+        <a:p>
+          <a:endParaRPr lang="en-US"/>
+        </a:p>
+      </dgm:t>
+    </dgm:pt>
+    <dgm:pt modelId="{6A301670-FA99-4D55-9C6E-222F6DF6F076}" type="sibTrans" cxnId="{1E125D28-79E7-41D2-960F-C570E2F0BFA2}">
+      <dgm:prSet/>
+      <dgm:spPr/>
+      <dgm:t>
+        <a:bodyPr/>
+        <a:lstStyle/>
+        <a:p>
+          <a:endParaRPr lang="en-US"/>
+        </a:p>
+      </dgm:t>
+    </dgm:pt>
+    <dgm:pt modelId="{167888B9-7C3F-436A-BA17-E61B8D53FCE5}">
+      <dgm:prSet phldrT="[Text]"/>
+      <dgm:spPr/>
+      <dgm:t>
+        <a:bodyPr/>
+        <a:lstStyle/>
+        <a:p>
+          <a:r>
+            <a:rPr lang="en-US" dirty="0"/>
+            <a:t>Privacy critical design</a:t>
+          </a:r>
+        </a:p>
+      </dgm:t>
+    </dgm:pt>
+    <dgm:pt modelId="{E4EFA3C2-D3AD-48D5-9F80-72F205293E94}" type="parTrans" cxnId="{68009D66-5B31-4722-8054-7D4AF21ADFD6}">
+      <dgm:prSet/>
+      <dgm:spPr/>
+      <dgm:t>
+        <a:bodyPr/>
+        <a:lstStyle/>
+        <a:p>
+          <a:endParaRPr lang="en-US"/>
+        </a:p>
+      </dgm:t>
+    </dgm:pt>
+    <dgm:pt modelId="{3096BB83-EC66-4976-BE56-51683463D62B}" type="sibTrans" cxnId="{68009D66-5B31-4722-8054-7D4AF21ADFD6}">
+      <dgm:prSet/>
+      <dgm:spPr/>
+      <dgm:t>
+        <a:bodyPr/>
+        <a:lstStyle/>
+        <a:p>
+          <a:endParaRPr lang="en-US"/>
+        </a:p>
+      </dgm:t>
+    </dgm:pt>
+    <dgm:pt modelId="{A69C7923-4406-4F10-B3F8-8237580761B0}">
+      <dgm:prSet phldrT="[Text]"/>
+      <dgm:spPr/>
+      <dgm:t>
+        <a:bodyPr/>
+        <a:lstStyle/>
+        <a:p>
+          <a:r>
+            <a:rPr lang="en-US" dirty="0"/>
+            <a:t>Data is becoming decentralized</a:t>
+          </a:r>
+        </a:p>
+      </dgm:t>
+    </dgm:pt>
+    <dgm:pt modelId="{DD001440-108C-482C-95D2-E8AA155088E6}" type="parTrans" cxnId="{2784F8D6-97F4-4F2B-8EFF-626582673800}">
+      <dgm:prSet/>
+      <dgm:spPr/>
+    </dgm:pt>
+    <dgm:pt modelId="{BDB17F56-9798-486F-A0F8-9DF68A8D8C3D}" type="sibTrans" cxnId="{2784F8D6-97F4-4F2B-8EFF-626582673800}">
+      <dgm:prSet/>
+      <dgm:spPr/>
+    </dgm:pt>
+    <dgm:pt modelId="{798BBBDB-A9EA-4773-BF4E-55D6895C226B}">
+      <dgm:prSet phldrT="[Text]"/>
+      <dgm:spPr/>
+      <dgm:t>
+        <a:bodyPr/>
+        <a:lstStyle/>
+        <a:p>
+          <a:r>
+            <a:rPr lang="en-US" dirty="0"/>
+            <a:t>Business devices are becoming heterogeneous</a:t>
+          </a:r>
+        </a:p>
+      </dgm:t>
+    </dgm:pt>
+    <dgm:pt modelId="{643A7060-2E01-4B30-BF26-70DBDDD3C321}" type="parTrans" cxnId="{C0F403FA-4691-4BD7-A088-4C71AAB40174}">
+      <dgm:prSet/>
+      <dgm:spPr/>
+    </dgm:pt>
+    <dgm:pt modelId="{F0734AD8-A997-41F8-8177-C326170172B6}" type="sibTrans" cxnId="{C0F403FA-4691-4BD7-A088-4C71AAB40174}">
+      <dgm:prSet/>
+      <dgm:spPr/>
+    </dgm:pt>
+    <dgm:pt modelId="{0B203A9C-5370-44A6-85DF-F8A2EB2ACC80}">
+      <dgm:prSet phldrT="[Text]"/>
+      <dgm:spPr/>
+      <dgm:t>
+        <a:bodyPr/>
+        <a:lstStyle/>
+        <a:p>
+          <a:r>
+            <a:rPr lang="en-US" dirty="0"/>
+            <a:t>Partial trust models are becoming the norm</a:t>
+          </a:r>
+        </a:p>
+      </dgm:t>
+    </dgm:pt>
+    <dgm:pt modelId="{5E3F6EA2-AA77-4F2A-979B-03E05DB0C26B}" type="parTrans" cxnId="{0E62A5B3-0299-4411-BD84-103E0FDA9DC6}">
+      <dgm:prSet/>
+      <dgm:spPr/>
+    </dgm:pt>
+    <dgm:pt modelId="{C633D7C6-C242-4480-A865-1F0754E820BA}" type="sibTrans" cxnId="{0E62A5B3-0299-4411-BD84-103E0FDA9DC6}">
+      <dgm:prSet/>
+      <dgm:spPr/>
+    </dgm:pt>
+    <dgm:pt modelId="{EB67BB08-CA76-43E3-8319-A021DE70684D}">
+      <dgm:prSet phldrT="[Text]"/>
+      <dgm:spPr/>
+      <dgm:t>
+        <a:bodyPr/>
+        <a:lstStyle/>
+        <a:p>
+          <a:r>
+            <a:rPr lang="en-US" dirty="0"/>
+            <a:t>Users own their information</a:t>
+          </a:r>
+        </a:p>
+      </dgm:t>
+    </dgm:pt>
+    <dgm:pt modelId="{6FB250AC-7091-41D5-A63D-A6545D67FA74}" type="parTrans" cxnId="{BC560C94-19B1-46C4-8F95-E825C70E1C24}">
+      <dgm:prSet/>
+      <dgm:spPr/>
+    </dgm:pt>
+    <dgm:pt modelId="{4071ECA5-0F54-45F6-81ED-1F50A04A809D}" type="sibTrans" cxnId="{BC560C94-19B1-46C4-8F95-E825C70E1C24}">
+      <dgm:prSet/>
+      <dgm:spPr/>
+    </dgm:pt>
+    <dgm:pt modelId="{531160B3-D6BB-4D2D-95B4-516A78600D84}">
+      <dgm:prSet phldrT="[Text]"/>
+      <dgm:spPr/>
+      <dgm:t>
+        <a:bodyPr/>
+        <a:lstStyle/>
+        <a:p>
+          <a:r>
+            <a:rPr lang="en-US" dirty="0"/>
+            <a:t>The scope of that ownership is very broad</a:t>
+          </a:r>
+        </a:p>
+      </dgm:t>
+    </dgm:pt>
+    <dgm:pt modelId="{B27858E7-DFC5-4700-A2A5-2A043C17FBBD}" type="parTrans" cxnId="{9928E59B-A5C0-46FB-B1A2-EBCB5F1B0894}">
+      <dgm:prSet/>
+      <dgm:spPr/>
+    </dgm:pt>
+    <dgm:pt modelId="{02BE09AE-4471-4534-9C8D-3D54A9D2FCEE}" type="sibTrans" cxnId="{9928E59B-A5C0-46FB-B1A2-EBCB5F1B0894}">
+      <dgm:prSet/>
+      <dgm:spPr/>
+    </dgm:pt>
+    <dgm:pt modelId="{9CC196D4-184C-48AE-9CE9-6781FA851EA2}">
+      <dgm:prSet phldrT="[Text]"/>
+      <dgm:spPr/>
+      <dgm:t>
+        <a:bodyPr/>
+        <a:lstStyle/>
+        <a:p>
+          <a:r>
+            <a:rPr lang="en-US" dirty="0"/>
+            <a:t>Legal and ethical dilemma exist around implement designs</a:t>
+          </a:r>
+        </a:p>
+      </dgm:t>
+    </dgm:pt>
+    <dgm:pt modelId="{DD9F4BDB-665D-4029-B23E-A765EA162895}" type="parTrans" cxnId="{09FFC26B-B2DC-4784-8FBE-A5382EF3820B}">
+      <dgm:prSet/>
+      <dgm:spPr/>
+    </dgm:pt>
+    <dgm:pt modelId="{E1842FB9-02E5-4DA6-A215-2F4053AD541A}" type="sibTrans" cxnId="{09FFC26B-B2DC-4784-8FBE-A5382EF3820B}">
+      <dgm:prSet/>
+      <dgm:spPr/>
+    </dgm:pt>
+    <dgm:pt modelId="{B96794CC-4C0B-4CB6-A861-306193981210}">
+      <dgm:prSet phldrT="[Text]"/>
+      <dgm:spPr/>
+      <dgm:t>
+        <a:bodyPr/>
+        <a:lstStyle/>
+        <a:p>
+          <a:r>
+            <a:rPr lang="en-US" dirty="0"/>
+            <a:t>Risk exists with Mobile Devices</a:t>
+          </a:r>
+        </a:p>
+      </dgm:t>
+    </dgm:pt>
+    <dgm:pt modelId="{62401DE5-287D-4421-B87D-7B42A81FAAB7}" type="parTrans" cxnId="{2E8DA108-0A71-418F-8F33-77E1BF0D0320}">
+      <dgm:prSet/>
+      <dgm:spPr/>
+    </dgm:pt>
+    <dgm:pt modelId="{CDE58398-8F73-451B-BD9F-FCE32EFA3051}" type="sibTrans" cxnId="{2E8DA108-0A71-418F-8F33-77E1BF0D0320}">
+      <dgm:prSet/>
+      <dgm:spPr/>
+    </dgm:pt>
+    <dgm:pt modelId="{2C984026-D3D7-4348-9115-E3679BB887C4}">
+      <dgm:prSet phldrT="[Text]"/>
+      <dgm:spPr/>
+      <dgm:t>
+        <a:bodyPr/>
+        <a:lstStyle/>
+        <a:p>
+          <a:r>
+            <a:rPr lang="en-US" dirty="0"/>
+            <a:t>Malicious and negligent scenarios result in loss of control</a:t>
+          </a:r>
+        </a:p>
+      </dgm:t>
+    </dgm:pt>
+    <dgm:pt modelId="{425E6B08-3322-4625-8EDA-8DCB67E5A218}" type="parTrans" cxnId="{70136837-BDD9-46C5-8ED4-8EF46C287562}">
+      <dgm:prSet/>
+      <dgm:spPr/>
+    </dgm:pt>
+    <dgm:pt modelId="{1C1FCA66-E9BD-403C-9F2B-DC6B26615596}" type="sibTrans" cxnId="{70136837-BDD9-46C5-8ED4-8EF46C287562}">
+      <dgm:prSet/>
+      <dgm:spPr/>
+    </dgm:pt>
+    <dgm:pt modelId="{E988DC36-21B6-4CC9-ACA6-028A054C65F1}">
+      <dgm:prSet phldrT="[Text]"/>
+      <dgm:spPr/>
+      <dgm:t>
+        <a:bodyPr/>
+        <a:lstStyle/>
+        <a:p>
+          <a:r>
+            <a:rPr lang="en-US" dirty="0"/>
+            <a:t>Systems are used in multiple context (e.g., business and pleasure)</a:t>
+          </a:r>
+        </a:p>
+      </dgm:t>
+    </dgm:pt>
+    <dgm:pt modelId="{CB059B36-281E-4D06-8A57-1F5F1D77CD92}" type="parTrans" cxnId="{B6478CB4-04F0-449D-A700-3C50FB38A071}">
+      <dgm:prSet/>
+      <dgm:spPr/>
+    </dgm:pt>
+    <dgm:pt modelId="{2C2A0E40-A4C4-4E89-8B3B-0B3E5242EB35}" type="sibTrans" cxnId="{B6478CB4-04F0-449D-A700-3C50FB38A071}">
+      <dgm:prSet/>
+      <dgm:spPr/>
+    </dgm:pt>
+    <dgm:pt modelId="{1A4C393D-0702-4747-B778-1FA23503C0FF}">
+      <dgm:prSet phldrT="[Text]"/>
+      <dgm:spPr/>
+      <dgm:t>
+        <a:bodyPr/>
+        <a:lstStyle/>
+        <a:p>
+          <a:r>
+            <a:rPr lang="en-US" dirty="0"/>
+            <a:t>Mobile Device Management can improve these </a:t>
+          </a:r>
+          <a:r>
+            <a:rPr lang="en-US" dirty="0" err="1"/>
+            <a:t>situtations</a:t>
+          </a:r>
+          <a:endParaRPr lang="en-US" dirty="0"/>
+        </a:p>
+      </dgm:t>
+    </dgm:pt>
+    <dgm:pt modelId="{892240DA-AF34-45F6-82A9-17EC0C22DB33}" type="parTrans" cxnId="{4DF751B5-B32F-4E8F-9349-88FC11B0F99A}">
+      <dgm:prSet/>
+      <dgm:spPr/>
+    </dgm:pt>
+    <dgm:pt modelId="{A1C18578-6F4A-4094-A6D7-D4CA52470C8C}" type="sibTrans" cxnId="{4DF751B5-B32F-4E8F-9349-88FC11B0F99A}">
+      <dgm:prSet/>
+      <dgm:spPr/>
+    </dgm:pt>
+    <dgm:pt modelId="{B3DB9629-D02A-4DD0-A4BF-2A12CE9D2149}" type="pres">
+      <dgm:prSet presAssocID="{FF15D9B9-D04E-4B0D-BD92-6806D2465FD5}" presName="linear" presStyleCnt="0">
+        <dgm:presLayoutVars>
+          <dgm:dir/>
+          <dgm:animLvl val="lvl"/>
+          <dgm:resizeHandles val="exact"/>
+        </dgm:presLayoutVars>
+      </dgm:prSet>
+      <dgm:spPr/>
+    </dgm:pt>
+    <dgm:pt modelId="{2CFDF938-5C64-4F8C-80D1-ABEFDE1EB09F}" type="pres">
+      <dgm:prSet presAssocID="{1E5F23F9-2C30-4A44-A766-429779D5D299}" presName="parentLin" presStyleCnt="0"/>
+      <dgm:spPr/>
+    </dgm:pt>
+    <dgm:pt modelId="{971FC498-76FE-4613-8A70-45B0F9C972A8}" type="pres">
+      <dgm:prSet presAssocID="{1E5F23F9-2C30-4A44-A766-429779D5D299}" presName="parentLeftMargin" presStyleLbl="node1" presStyleIdx="0" presStyleCnt="3"/>
+      <dgm:spPr/>
+    </dgm:pt>
+    <dgm:pt modelId="{EDAE28DC-75CF-43C4-A5F8-043B38C381BE}" type="pres">
+      <dgm:prSet presAssocID="{1E5F23F9-2C30-4A44-A766-429779D5D299}" presName="parentText" presStyleLbl="node1" presStyleIdx="0" presStyleCnt="3">
+        <dgm:presLayoutVars>
+          <dgm:chMax val="0"/>
+          <dgm:bulletEnabled val="1"/>
+        </dgm:presLayoutVars>
+      </dgm:prSet>
+      <dgm:spPr/>
+    </dgm:pt>
+    <dgm:pt modelId="{0A865D8D-A397-426E-B397-B6198909B92C}" type="pres">
+      <dgm:prSet presAssocID="{1E5F23F9-2C30-4A44-A766-429779D5D299}" presName="negativeSpace" presStyleCnt="0"/>
+      <dgm:spPr/>
+    </dgm:pt>
+    <dgm:pt modelId="{4B6462D9-F6C2-4537-A3A9-6EA842F37E7F}" type="pres">
+      <dgm:prSet presAssocID="{1E5F23F9-2C30-4A44-A766-429779D5D299}" presName="childText" presStyleLbl="conFgAcc1" presStyleIdx="0" presStyleCnt="3">
+        <dgm:presLayoutVars>
+          <dgm:bulletEnabled val="1"/>
+        </dgm:presLayoutVars>
+      </dgm:prSet>
+      <dgm:spPr/>
+    </dgm:pt>
+    <dgm:pt modelId="{D09A1ACB-ED27-4146-957E-C4E17C4DBD96}" type="pres">
+      <dgm:prSet presAssocID="{6A301670-FA99-4D55-9C6E-222F6DF6F076}" presName="spaceBetweenRectangles" presStyleCnt="0"/>
+      <dgm:spPr/>
+    </dgm:pt>
+    <dgm:pt modelId="{B48D5F6B-58E3-4CAA-A66F-6C733C1372AD}" type="pres">
+      <dgm:prSet presAssocID="{167888B9-7C3F-436A-BA17-E61B8D53FCE5}" presName="parentLin" presStyleCnt="0"/>
+      <dgm:spPr/>
+    </dgm:pt>
+    <dgm:pt modelId="{F3A37EEE-774F-4C01-9520-761C4DE7A79F}" type="pres">
+      <dgm:prSet presAssocID="{167888B9-7C3F-436A-BA17-E61B8D53FCE5}" presName="parentLeftMargin" presStyleLbl="node1" presStyleIdx="0" presStyleCnt="3"/>
+      <dgm:spPr/>
+    </dgm:pt>
+    <dgm:pt modelId="{F9E397DF-0E54-467E-ADF2-9ABE2DC31040}" type="pres">
+      <dgm:prSet presAssocID="{167888B9-7C3F-436A-BA17-E61B8D53FCE5}" presName="parentText" presStyleLbl="node1" presStyleIdx="1" presStyleCnt="3">
+        <dgm:presLayoutVars>
+          <dgm:chMax val="0"/>
+          <dgm:bulletEnabled val="1"/>
+        </dgm:presLayoutVars>
+      </dgm:prSet>
+      <dgm:spPr/>
+    </dgm:pt>
+    <dgm:pt modelId="{BEA7FE46-F5F7-427C-A64C-6798E3EA48E2}" type="pres">
+      <dgm:prSet presAssocID="{167888B9-7C3F-436A-BA17-E61B8D53FCE5}" presName="negativeSpace" presStyleCnt="0"/>
+      <dgm:spPr/>
+    </dgm:pt>
+    <dgm:pt modelId="{CAF164C7-9C67-4890-A097-BA620F5B06D7}" type="pres">
+      <dgm:prSet presAssocID="{167888B9-7C3F-436A-BA17-E61B8D53FCE5}" presName="childText" presStyleLbl="conFgAcc1" presStyleIdx="1" presStyleCnt="3">
+        <dgm:presLayoutVars>
+          <dgm:bulletEnabled val="1"/>
+        </dgm:presLayoutVars>
+      </dgm:prSet>
+      <dgm:spPr/>
+    </dgm:pt>
+    <dgm:pt modelId="{C22A6E98-5B73-473B-822B-C9F6B8A0B19E}" type="pres">
+      <dgm:prSet presAssocID="{3096BB83-EC66-4976-BE56-51683463D62B}" presName="spaceBetweenRectangles" presStyleCnt="0"/>
+      <dgm:spPr/>
+    </dgm:pt>
+    <dgm:pt modelId="{F17A6B6F-AD50-4313-AE80-11E364D9C8C5}" type="pres">
+      <dgm:prSet presAssocID="{B96794CC-4C0B-4CB6-A861-306193981210}" presName="parentLin" presStyleCnt="0"/>
+      <dgm:spPr/>
+    </dgm:pt>
+    <dgm:pt modelId="{AF41C437-4F6F-4E3B-9A76-787A1C771C12}" type="pres">
+      <dgm:prSet presAssocID="{B96794CC-4C0B-4CB6-A861-306193981210}" presName="parentLeftMargin" presStyleLbl="node1" presStyleIdx="1" presStyleCnt="3"/>
+      <dgm:spPr/>
+    </dgm:pt>
+    <dgm:pt modelId="{D3C8BBEA-52D3-47FD-804A-D3C5B16C9CE8}" type="pres">
+      <dgm:prSet presAssocID="{B96794CC-4C0B-4CB6-A861-306193981210}" presName="parentText" presStyleLbl="node1" presStyleIdx="2" presStyleCnt="3">
+        <dgm:presLayoutVars>
+          <dgm:chMax val="0"/>
+          <dgm:bulletEnabled val="1"/>
+        </dgm:presLayoutVars>
+      </dgm:prSet>
+      <dgm:spPr/>
+    </dgm:pt>
+    <dgm:pt modelId="{178B1C93-49F4-49B5-BAB4-9EE11836451C}" type="pres">
+      <dgm:prSet presAssocID="{B96794CC-4C0B-4CB6-A861-306193981210}" presName="negativeSpace" presStyleCnt="0"/>
+      <dgm:spPr/>
+    </dgm:pt>
+    <dgm:pt modelId="{41BEF75A-99BD-488D-B2E6-92E3CBE9F4C9}" type="pres">
+      <dgm:prSet presAssocID="{B96794CC-4C0B-4CB6-A861-306193981210}" presName="childText" presStyleLbl="conFgAcc1" presStyleIdx="2" presStyleCnt="3">
+        <dgm:presLayoutVars>
+          <dgm:bulletEnabled val="1"/>
+        </dgm:presLayoutVars>
+      </dgm:prSet>
+      <dgm:spPr/>
+    </dgm:pt>
+  </dgm:ptLst>
+  <dgm:cxnLst>
+    <dgm:cxn modelId="{5BE49A03-570E-4AFC-B795-9530FD7CDAA0}" type="presOf" srcId="{9CC196D4-184C-48AE-9CE9-6781FA851EA2}" destId="{CAF164C7-9C67-4890-A097-BA620F5B06D7}" srcOrd="0" destOrd="2" presId="urn:microsoft.com/office/officeart/2005/8/layout/list1"/>
+    <dgm:cxn modelId="{2E8DA108-0A71-418F-8F33-77E1BF0D0320}" srcId="{FF15D9B9-D04E-4B0D-BD92-6806D2465FD5}" destId="{B96794CC-4C0B-4CB6-A861-306193981210}" srcOrd="2" destOrd="0" parTransId="{62401DE5-287D-4421-B87D-7B42A81FAAB7}" sibTransId="{CDE58398-8F73-451B-BD9F-FCE32EFA3051}"/>
+    <dgm:cxn modelId="{4A4A6B0C-850E-49B1-9D02-78DE407BE512}" type="presOf" srcId="{A69C7923-4406-4F10-B3F8-8237580761B0}" destId="{4B6462D9-F6C2-4537-A3A9-6EA842F37E7F}" srcOrd="0" destOrd="0" presId="urn:microsoft.com/office/officeart/2005/8/layout/list1"/>
+    <dgm:cxn modelId="{FE490324-C3F8-4E9B-9A62-2D802F625072}" type="presOf" srcId="{1E5F23F9-2C30-4A44-A766-429779D5D299}" destId="{EDAE28DC-75CF-43C4-A5F8-043B38C381BE}" srcOrd="1" destOrd="0" presId="urn:microsoft.com/office/officeart/2005/8/layout/list1"/>
+    <dgm:cxn modelId="{1E125D28-79E7-41D2-960F-C570E2F0BFA2}" srcId="{FF15D9B9-D04E-4B0D-BD92-6806D2465FD5}" destId="{1E5F23F9-2C30-4A44-A766-429779D5D299}" srcOrd="0" destOrd="0" parTransId="{7A6083EB-2E20-4683-BDCF-11983478DE36}" sibTransId="{6A301670-FA99-4D55-9C6E-222F6DF6F076}"/>
+    <dgm:cxn modelId="{4B963C2E-BC73-4872-8C3F-38EFC9142CDB}" type="presOf" srcId="{167888B9-7C3F-436A-BA17-E61B8D53FCE5}" destId="{F9E397DF-0E54-467E-ADF2-9ABE2DC31040}" srcOrd="1" destOrd="0" presId="urn:microsoft.com/office/officeart/2005/8/layout/list1"/>
+    <dgm:cxn modelId="{70136837-BDD9-46C5-8ED4-8EF46C287562}" srcId="{B96794CC-4C0B-4CB6-A861-306193981210}" destId="{2C984026-D3D7-4348-9115-E3679BB887C4}" srcOrd="0" destOrd="0" parTransId="{425E6B08-3322-4625-8EDA-8DCB67E5A218}" sibTransId="{1C1FCA66-E9BD-403C-9F2B-DC6B26615596}"/>
+    <dgm:cxn modelId="{68009D66-5B31-4722-8054-7D4AF21ADFD6}" srcId="{FF15D9B9-D04E-4B0D-BD92-6806D2465FD5}" destId="{167888B9-7C3F-436A-BA17-E61B8D53FCE5}" srcOrd="1" destOrd="0" parTransId="{E4EFA3C2-D3AD-48D5-9F80-72F205293E94}" sibTransId="{3096BB83-EC66-4976-BE56-51683463D62B}"/>
+    <dgm:cxn modelId="{FF64B669-5AF6-429E-8460-E043810F9FFB}" type="presOf" srcId="{B96794CC-4C0B-4CB6-A861-306193981210}" destId="{D3C8BBEA-52D3-47FD-804A-D3C5B16C9CE8}" srcOrd="1" destOrd="0" presId="urn:microsoft.com/office/officeart/2005/8/layout/list1"/>
+    <dgm:cxn modelId="{09FFC26B-B2DC-4784-8FBE-A5382EF3820B}" srcId="{167888B9-7C3F-436A-BA17-E61B8D53FCE5}" destId="{9CC196D4-184C-48AE-9CE9-6781FA851EA2}" srcOrd="2" destOrd="0" parTransId="{DD9F4BDB-665D-4029-B23E-A765EA162895}" sibTransId="{E1842FB9-02E5-4DA6-A215-2F4053AD541A}"/>
+    <dgm:cxn modelId="{07DB4E70-45F8-436C-A702-5A899CF6FB80}" type="presOf" srcId="{798BBBDB-A9EA-4773-BF4E-55D6895C226B}" destId="{4B6462D9-F6C2-4537-A3A9-6EA842F37E7F}" srcOrd="0" destOrd="1" presId="urn:microsoft.com/office/officeart/2005/8/layout/list1"/>
+    <dgm:cxn modelId="{82A3CA88-0ECA-452E-9D02-7B0AE634108F}" type="presOf" srcId="{531160B3-D6BB-4D2D-95B4-516A78600D84}" destId="{CAF164C7-9C67-4890-A097-BA620F5B06D7}" srcOrd="0" destOrd="1" presId="urn:microsoft.com/office/officeart/2005/8/layout/list1"/>
+    <dgm:cxn modelId="{BC560C94-19B1-46C4-8F95-E825C70E1C24}" srcId="{167888B9-7C3F-436A-BA17-E61B8D53FCE5}" destId="{EB67BB08-CA76-43E3-8319-A021DE70684D}" srcOrd="0" destOrd="0" parTransId="{6FB250AC-7091-41D5-A63D-A6545D67FA74}" sibTransId="{4071ECA5-0F54-45F6-81ED-1F50A04A809D}"/>
+    <dgm:cxn modelId="{A6BF7F9A-C3C5-424A-BC75-5293F65CCE03}" type="presOf" srcId="{167888B9-7C3F-436A-BA17-E61B8D53FCE5}" destId="{F3A37EEE-774F-4C01-9520-761C4DE7A79F}" srcOrd="0" destOrd="0" presId="urn:microsoft.com/office/officeart/2005/8/layout/list1"/>
+    <dgm:cxn modelId="{8698C89B-B1D3-4C55-AE7F-31148D16A3CA}" type="presOf" srcId="{EB67BB08-CA76-43E3-8319-A021DE70684D}" destId="{CAF164C7-9C67-4890-A097-BA620F5B06D7}" srcOrd="0" destOrd="0" presId="urn:microsoft.com/office/officeart/2005/8/layout/list1"/>
+    <dgm:cxn modelId="{9928E59B-A5C0-46FB-B1A2-EBCB5F1B0894}" srcId="{167888B9-7C3F-436A-BA17-E61B8D53FCE5}" destId="{531160B3-D6BB-4D2D-95B4-516A78600D84}" srcOrd="1" destOrd="0" parTransId="{B27858E7-DFC5-4700-A2A5-2A043C17FBBD}" sibTransId="{02BE09AE-4471-4534-9C8D-3D54A9D2FCEE}"/>
+    <dgm:cxn modelId="{DB876DA1-51A4-429D-89FF-8143639F73A0}" type="presOf" srcId="{FF15D9B9-D04E-4B0D-BD92-6806D2465FD5}" destId="{B3DB9629-D02A-4DD0-A4BF-2A12CE9D2149}" srcOrd="0" destOrd="0" presId="urn:microsoft.com/office/officeart/2005/8/layout/list1"/>
+    <dgm:cxn modelId="{9DF7BDA1-E3B1-4659-858C-B4838C1B28F1}" type="presOf" srcId="{B96794CC-4C0B-4CB6-A861-306193981210}" destId="{AF41C437-4F6F-4E3B-9A76-787A1C771C12}" srcOrd="0" destOrd="0" presId="urn:microsoft.com/office/officeart/2005/8/layout/list1"/>
+    <dgm:cxn modelId="{2B670BA5-9CEB-405C-84AC-C0546C312347}" type="presOf" srcId="{2C984026-D3D7-4348-9115-E3679BB887C4}" destId="{41BEF75A-99BD-488D-B2E6-92E3CBE9F4C9}" srcOrd="0" destOrd="0" presId="urn:microsoft.com/office/officeart/2005/8/layout/list1"/>
+    <dgm:cxn modelId="{0E62A5B3-0299-4411-BD84-103E0FDA9DC6}" srcId="{1E5F23F9-2C30-4A44-A766-429779D5D299}" destId="{0B203A9C-5370-44A6-85DF-F8A2EB2ACC80}" srcOrd="2" destOrd="0" parTransId="{5E3F6EA2-AA77-4F2A-979B-03E05DB0C26B}" sibTransId="{C633D7C6-C242-4480-A865-1F0754E820BA}"/>
+    <dgm:cxn modelId="{B6478CB4-04F0-449D-A700-3C50FB38A071}" srcId="{B96794CC-4C0B-4CB6-A861-306193981210}" destId="{E988DC36-21B6-4CC9-ACA6-028A054C65F1}" srcOrd="1" destOrd="0" parTransId="{CB059B36-281E-4D06-8A57-1F5F1D77CD92}" sibTransId="{2C2A0E40-A4C4-4E89-8B3B-0B3E5242EB35}"/>
+    <dgm:cxn modelId="{4DF751B5-B32F-4E8F-9349-88FC11B0F99A}" srcId="{B96794CC-4C0B-4CB6-A861-306193981210}" destId="{1A4C393D-0702-4747-B778-1FA23503C0FF}" srcOrd="2" destOrd="0" parTransId="{892240DA-AF34-45F6-82A9-17EC0C22DB33}" sibTransId="{A1C18578-6F4A-4094-A6D7-D4CA52470C8C}"/>
+    <dgm:cxn modelId="{2508A0CD-D5DB-4033-890F-57ACC037833D}" type="presOf" srcId="{1A4C393D-0702-4747-B778-1FA23503C0FF}" destId="{41BEF75A-99BD-488D-B2E6-92E3CBE9F4C9}" srcOrd="0" destOrd="2" presId="urn:microsoft.com/office/officeart/2005/8/layout/list1"/>
+    <dgm:cxn modelId="{2784F8D6-97F4-4F2B-8EFF-626582673800}" srcId="{1E5F23F9-2C30-4A44-A766-429779D5D299}" destId="{A69C7923-4406-4F10-B3F8-8237580761B0}" srcOrd="0" destOrd="0" parTransId="{DD001440-108C-482C-95D2-E8AA155088E6}" sibTransId="{BDB17F56-9798-486F-A0F8-9DF68A8D8C3D}"/>
+    <dgm:cxn modelId="{B4503BF1-F35F-4692-9E73-F18A5C79E40B}" type="presOf" srcId="{0B203A9C-5370-44A6-85DF-F8A2EB2ACC80}" destId="{4B6462D9-F6C2-4537-A3A9-6EA842F37E7F}" srcOrd="0" destOrd="2" presId="urn:microsoft.com/office/officeart/2005/8/layout/list1"/>
+    <dgm:cxn modelId="{E9D03DF2-12A6-4A81-AEC5-7EFD126C80DB}" type="presOf" srcId="{E988DC36-21B6-4CC9-ACA6-028A054C65F1}" destId="{41BEF75A-99BD-488D-B2E6-92E3CBE9F4C9}" srcOrd="0" destOrd="1" presId="urn:microsoft.com/office/officeart/2005/8/layout/list1"/>
+    <dgm:cxn modelId="{D84E90F7-E987-4C9B-9D18-E2930B1C84EA}" type="presOf" srcId="{1E5F23F9-2C30-4A44-A766-429779D5D299}" destId="{971FC498-76FE-4613-8A70-45B0F9C972A8}" srcOrd="0" destOrd="0" presId="urn:microsoft.com/office/officeart/2005/8/layout/list1"/>
+    <dgm:cxn modelId="{C0F403FA-4691-4BD7-A088-4C71AAB40174}" srcId="{1E5F23F9-2C30-4A44-A766-429779D5D299}" destId="{798BBBDB-A9EA-4773-BF4E-55D6895C226B}" srcOrd="1" destOrd="0" parTransId="{643A7060-2E01-4B30-BF26-70DBDDD3C321}" sibTransId="{F0734AD8-A997-41F8-8177-C326170172B6}"/>
+    <dgm:cxn modelId="{3328330E-F3D0-4575-ACC9-CCE0E774FAB6}" type="presParOf" srcId="{B3DB9629-D02A-4DD0-A4BF-2A12CE9D2149}" destId="{2CFDF938-5C64-4F8C-80D1-ABEFDE1EB09F}" srcOrd="0" destOrd="0" presId="urn:microsoft.com/office/officeart/2005/8/layout/list1"/>
+    <dgm:cxn modelId="{32985A03-F3D2-44F8-AB06-13F847EC08DB}" type="presParOf" srcId="{2CFDF938-5C64-4F8C-80D1-ABEFDE1EB09F}" destId="{971FC498-76FE-4613-8A70-45B0F9C972A8}" srcOrd="0" destOrd="0" presId="urn:microsoft.com/office/officeart/2005/8/layout/list1"/>
+    <dgm:cxn modelId="{F9F4ADC3-AD52-44DC-A237-C13CE306F224}" type="presParOf" srcId="{2CFDF938-5C64-4F8C-80D1-ABEFDE1EB09F}" destId="{EDAE28DC-75CF-43C4-A5F8-043B38C381BE}" srcOrd="1" destOrd="0" presId="urn:microsoft.com/office/officeart/2005/8/layout/list1"/>
+    <dgm:cxn modelId="{1E454A21-1542-4D9D-9F43-AC0907BBA209}" type="presParOf" srcId="{B3DB9629-D02A-4DD0-A4BF-2A12CE9D2149}" destId="{0A865D8D-A397-426E-B397-B6198909B92C}" srcOrd="1" destOrd="0" presId="urn:microsoft.com/office/officeart/2005/8/layout/list1"/>
+    <dgm:cxn modelId="{67C45B0C-8D2B-45E1-87D9-30785B25E1FE}" type="presParOf" srcId="{B3DB9629-D02A-4DD0-A4BF-2A12CE9D2149}" destId="{4B6462D9-F6C2-4537-A3A9-6EA842F37E7F}" srcOrd="2" destOrd="0" presId="urn:microsoft.com/office/officeart/2005/8/layout/list1"/>
+    <dgm:cxn modelId="{39FB1BB9-C2E1-468E-8056-DFD8EA0030F3}" type="presParOf" srcId="{B3DB9629-D02A-4DD0-A4BF-2A12CE9D2149}" destId="{D09A1ACB-ED27-4146-957E-C4E17C4DBD96}" srcOrd="3" destOrd="0" presId="urn:microsoft.com/office/officeart/2005/8/layout/list1"/>
+    <dgm:cxn modelId="{2955F05C-954F-4CBB-84C1-2FEE8A9ABB1A}" type="presParOf" srcId="{B3DB9629-D02A-4DD0-A4BF-2A12CE9D2149}" destId="{B48D5F6B-58E3-4CAA-A66F-6C733C1372AD}" srcOrd="4" destOrd="0" presId="urn:microsoft.com/office/officeart/2005/8/layout/list1"/>
+    <dgm:cxn modelId="{C255603E-0A5E-498E-875D-63A85D07AC6D}" type="presParOf" srcId="{B48D5F6B-58E3-4CAA-A66F-6C733C1372AD}" destId="{F3A37EEE-774F-4C01-9520-761C4DE7A79F}" srcOrd="0" destOrd="0" presId="urn:microsoft.com/office/officeart/2005/8/layout/list1"/>
+    <dgm:cxn modelId="{048F46FD-BDEC-45F4-9643-C95B5607D143}" type="presParOf" srcId="{B48D5F6B-58E3-4CAA-A66F-6C733C1372AD}" destId="{F9E397DF-0E54-467E-ADF2-9ABE2DC31040}" srcOrd="1" destOrd="0" presId="urn:microsoft.com/office/officeart/2005/8/layout/list1"/>
+    <dgm:cxn modelId="{61905AFC-B506-4A0E-B391-4289D6325A2D}" type="presParOf" srcId="{B3DB9629-D02A-4DD0-A4BF-2A12CE9D2149}" destId="{BEA7FE46-F5F7-427C-A64C-6798E3EA48E2}" srcOrd="5" destOrd="0" presId="urn:microsoft.com/office/officeart/2005/8/layout/list1"/>
+    <dgm:cxn modelId="{2B2EF447-DA1D-4216-8855-886A72FA19D7}" type="presParOf" srcId="{B3DB9629-D02A-4DD0-A4BF-2A12CE9D2149}" destId="{CAF164C7-9C67-4890-A097-BA620F5B06D7}" srcOrd="6" destOrd="0" presId="urn:microsoft.com/office/officeart/2005/8/layout/list1"/>
+    <dgm:cxn modelId="{23015656-AC48-4206-AD96-D1377EBDE087}" type="presParOf" srcId="{B3DB9629-D02A-4DD0-A4BF-2A12CE9D2149}" destId="{C22A6E98-5B73-473B-822B-C9F6B8A0B19E}" srcOrd="7" destOrd="0" presId="urn:microsoft.com/office/officeart/2005/8/layout/list1"/>
+    <dgm:cxn modelId="{73C664BE-2FC0-4683-8500-EACB151B1A8C}" type="presParOf" srcId="{B3DB9629-D02A-4DD0-A4BF-2A12CE9D2149}" destId="{F17A6B6F-AD50-4313-AE80-11E364D9C8C5}" srcOrd="8" destOrd="0" presId="urn:microsoft.com/office/officeart/2005/8/layout/list1"/>
+    <dgm:cxn modelId="{8F729D80-B08E-4010-A814-212086EF763A}" type="presParOf" srcId="{F17A6B6F-AD50-4313-AE80-11E364D9C8C5}" destId="{AF41C437-4F6F-4E3B-9A76-787A1C771C12}" srcOrd="0" destOrd="0" presId="urn:microsoft.com/office/officeart/2005/8/layout/list1"/>
+    <dgm:cxn modelId="{7D722D92-0946-4F4D-A760-57585EA0A684}" type="presParOf" srcId="{F17A6B6F-AD50-4313-AE80-11E364D9C8C5}" destId="{D3C8BBEA-52D3-47FD-804A-D3C5B16C9CE8}" srcOrd="1" destOrd="0" presId="urn:microsoft.com/office/officeart/2005/8/layout/list1"/>
+    <dgm:cxn modelId="{FDF23838-6FD5-4973-B8BC-F3F1095DAB85}" type="presParOf" srcId="{B3DB9629-D02A-4DD0-A4BF-2A12CE9D2149}" destId="{178B1C93-49F4-49B5-BAB4-9EE11836451C}" srcOrd="9" destOrd="0" presId="urn:microsoft.com/office/officeart/2005/8/layout/list1"/>
+    <dgm:cxn modelId="{F2E5E5F6-B402-4833-9C57-440FFBC1630A}" type="presParOf" srcId="{B3DB9629-D02A-4DD0-A4BF-2A12CE9D2149}" destId="{41BEF75A-99BD-488D-B2E6-92E3CBE9F4C9}" srcOrd="10" destOrd="0" presId="urn:microsoft.com/office/officeart/2005/8/layout/list1"/>
+  </dgm:cxnLst>
+  <dgm:bg/>
+  <dgm:whole/>
+  <dgm:extLst>
+    <a:ext uri="http://schemas.microsoft.com/office/drawing/2008/diagram">
+      <dsp:dataModelExt xmlns:dsp="http://schemas.microsoft.com/office/drawing/2008/diagram" relId="rId7" minVer="http://schemas.openxmlformats.org/drawingml/2006/diagram"/>
     </a:ext>
   </dgm:extLst>
 </dgm:dataModel>
@@ -11114,6 +12338,590 @@
 </dsp:drawing>
 </file>
 
+<file path=ppt/diagrams/drawing6.xml><?xml version="1.0" encoding="utf-8"?>
+<dsp:drawing xmlns:dgm="http://schemas.openxmlformats.org/drawingml/2006/diagram" xmlns:dsp="http://schemas.microsoft.com/office/drawing/2008/diagram" xmlns:a="http://schemas.openxmlformats.org/drawingml/2006/main">
+  <dsp:spTree>
+    <dsp:nvGrpSpPr>
+      <dsp:cNvPr id="0" name=""/>
+      <dsp:cNvGrpSpPr/>
+    </dsp:nvGrpSpPr>
+    <dsp:grpSpPr/>
+    <dsp:sp modelId="{4B6462D9-F6C2-4537-A3A9-6EA842F37E7F}">
+      <dsp:nvSpPr>
+        <dsp:cNvPr id="0" name=""/>
+        <dsp:cNvSpPr/>
+      </dsp:nvSpPr>
+      <dsp:spPr>
+        <a:xfrm>
+          <a:off x="0" y="248784"/>
+          <a:ext cx="8915400" cy="982800"/>
+        </a:xfrm>
+        <a:prstGeom prst="rect">
+          <a:avLst/>
+        </a:prstGeom>
+        <a:solidFill>
+          <a:schemeClr val="lt1">
+            <a:alpha val="90000"/>
+            <a:hueOff val="0"/>
+            <a:satOff val="0"/>
+            <a:lumOff val="0"/>
+            <a:alphaOff val="0"/>
+          </a:schemeClr>
+        </a:solidFill>
+        <a:ln w="15875" cap="rnd" cmpd="sng" algn="ctr">
+          <a:solidFill>
+            <a:schemeClr val="accent1">
+              <a:hueOff val="0"/>
+              <a:satOff val="0"/>
+              <a:lumOff val="0"/>
+              <a:alphaOff val="0"/>
+            </a:schemeClr>
+          </a:solidFill>
+          <a:prstDash val="solid"/>
+        </a:ln>
+        <a:effectLst/>
+      </dsp:spPr>
+      <dsp:style>
+        <a:lnRef idx="2">
+          <a:scrgbClr r="0" g="0" b="0"/>
+        </a:lnRef>
+        <a:fillRef idx="1">
+          <a:scrgbClr r="0" g="0" b="0"/>
+        </a:fillRef>
+        <a:effectRef idx="0">
+          <a:scrgbClr r="0" g="0" b="0"/>
+        </a:effectRef>
+        <a:fontRef idx="minor"/>
+      </dsp:style>
+      <dsp:txBody>
+        <a:bodyPr spcFirstLastPara="0" vert="horz" wrap="square" lIns="691934" tIns="270764" rIns="691934" bIns="92456" numCol="1" spcCol="1270" anchor="t" anchorCtr="0">
+          <a:noAutofit/>
+        </a:bodyPr>
+        <a:lstStyle/>
+        <a:p>
+          <a:pPr marL="114300" lvl="1" indent="-114300" algn="l" defTabSz="577850">
+            <a:lnSpc>
+              <a:spcPct val="90000"/>
+            </a:lnSpc>
+            <a:spcBef>
+              <a:spcPct val="0"/>
+            </a:spcBef>
+            <a:spcAft>
+              <a:spcPct val="15000"/>
+            </a:spcAft>
+            <a:buChar char="•"/>
+          </a:pPr>
+          <a:r>
+            <a:rPr lang="en-US" sz="1300" kern="1200" dirty="0"/>
+            <a:t>Data is becoming decentralized</a:t>
+          </a:r>
+        </a:p>
+        <a:p>
+          <a:pPr marL="114300" lvl="1" indent="-114300" algn="l" defTabSz="577850">
+            <a:lnSpc>
+              <a:spcPct val="90000"/>
+            </a:lnSpc>
+            <a:spcBef>
+              <a:spcPct val="0"/>
+            </a:spcBef>
+            <a:spcAft>
+              <a:spcPct val="15000"/>
+            </a:spcAft>
+            <a:buChar char="•"/>
+          </a:pPr>
+          <a:r>
+            <a:rPr lang="en-US" sz="1300" kern="1200" dirty="0"/>
+            <a:t>Business devices are becoming heterogeneous</a:t>
+          </a:r>
+        </a:p>
+        <a:p>
+          <a:pPr marL="114300" lvl="1" indent="-114300" algn="l" defTabSz="577850">
+            <a:lnSpc>
+              <a:spcPct val="90000"/>
+            </a:lnSpc>
+            <a:spcBef>
+              <a:spcPct val="0"/>
+            </a:spcBef>
+            <a:spcAft>
+              <a:spcPct val="15000"/>
+            </a:spcAft>
+            <a:buChar char="•"/>
+          </a:pPr>
+          <a:r>
+            <a:rPr lang="en-US" sz="1300" kern="1200" dirty="0"/>
+            <a:t>Partial trust models are becoming the norm</a:t>
+          </a:r>
+        </a:p>
+      </dsp:txBody>
+      <dsp:txXfrm>
+        <a:off x="0" y="248784"/>
+        <a:ext cx="8915400" cy="982800"/>
+      </dsp:txXfrm>
+    </dsp:sp>
+    <dsp:sp modelId="{EDAE28DC-75CF-43C4-A5F8-043B38C381BE}">
+      <dsp:nvSpPr>
+        <dsp:cNvPr id="0" name=""/>
+        <dsp:cNvSpPr/>
+      </dsp:nvSpPr>
+      <dsp:spPr>
+        <a:xfrm>
+          <a:off x="445770" y="56904"/>
+          <a:ext cx="6240780" cy="383760"/>
+        </a:xfrm>
+        <a:prstGeom prst="roundRect">
+          <a:avLst/>
+        </a:prstGeom>
+        <a:solidFill>
+          <a:schemeClr val="accent1">
+            <a:hueOff val="0"/>
+            <a:satOff val="0"/>
+            <a:lumOff val="0"/>
+            <a:alphaOff val="0"/>
+          </a:schemeClr>
+        </a:solidFill>
+        <a:ln w="15875" cap="rnd" cmpd="sng" algn="ctr">
+          <a:solidFill>
+            <a:schemeClr val="lt1">
+              <a:hueOff val="0"/>
+              <a:satOff val="0"/>
+              <a:lumOff val="0"/>
+              <a:alphaOff val="0"/>
+            </a:schemeClr>
+          </a:solidFill>
+          <a:prstDash val="solid"/>
+        </a:ln>
+        <a:effectLst/>
+      </dsp:spPr>
+      <dsp:style>
+        <a:lnRef idx="2">
+          <a:scrgbClr r="0" g="0" b="0"/>
+        </a:lnRef>
+        <a:fillRef idx="1">
+          <a:scrgbClr r="0" g="0" b="0"/>
+        </a:fillRef>
+        <a:effectRef idx="0">
+          <a:scrgbClr r="0" g="0" b="0"/>
+        </a:effectRef>
+        <a:fontRef idx="minor">
+          <a:schemeClr val="lt1"/>
+        </a:fontRef>
+      </dsp:style>
+      <dsp:txBody>
+        <a:bodyPr spcFirstLastPara="0" vert="horz" wrap="square" lIns="235887" tIns="0" rIns="235887" bIns="0" numCol="1" spcCol="1270" anchor="ctr" anchorCtr="0">
+          <a:noAutofit/>
+        </a:bodyPr>
+        <a:lstStyle/>
+        <a:p>
+          <a:pPr marL="0" lvl="0" indent="0" algn="l" defTabSz="577850">
+            <a:lnSpc>
+              <a:spcPct val="90000"/>
+            </a:lnSpc>
+            <a:spcBef>
+              <a:spcPct val="0"/>
+            </a:spcBef>
+            <a:spcAft>
+              <a:spcPct val="35000"/>
+            </a:spcAft>
+            <a:buNone/>
+          </a:pPr>
+          <a:r>
+            <a:rPr lang="en-US" sz="1300" kern="1200" dirty="0"/>
+            <a:t>Technology is evolving</a:t>
+          </a:r>
+        </a:p>
+      </dsp:txBody>
+      <dsp:txXfrm>
+        <a:off x="464504" y="75638"/>
+        <a:ext cx="6203312" cy="346292"/>
+      </dsp:txXfrm>
+    </dsp:sp>
+    <dsp:sp modelId="{CAF164C7-9C67-4890-A097-BA620F5B06D7}">
+      <dsp:nvSpPr>
+        <dsp:cNvPr id="0" name=""/>
+        <dsp:cNvSpPr/>
+      </dsp:nvSpPr>
+      <dsp:spPr>
+        <a:xfrm>
+          <a:off x="0" y="1493665"/>
+          <a:ext cx="8915400" cy="982800"/>
+        </a:xfrm>
+        <a:prstGeom prst="rect">
+          <a:avLst/>
+        </a:prstGeom>
+        <a:solidFill>
+          <a:schemeClr val="lt1">
+            <a:alpha val="90000"/>
+            <a:hueOff val="0"/>
+            <a:satOff val="0"/>
+            <a:lumOff val="0"/>
+            <a:alphaOff val="0"/>
+          </a:schemeClr>
+        </a:solidFill>
+        <a:ln w="15875" cap="rnd" cmpd="sng" algn="ctr">
+          <a:solidFill>
+            <a:schemeClr val="accent1">
+              <a:hueOff val="0"/>
+              <a:satOff val="0"/>
+              <a:lumOff val="0"/>
+              <a:alphaOff val="0"/>
+            </a:schemeClr>
+          </a:solidFill>
+          <a:prstDash val="solid"/>
+        </a:ln>
+        <a:effectLst/>
+      </dsp:spPr>
+      <dsp:style>
+        <a:lnRef idx="2">
+          <a:scrgbClr r="0" g="0" b="0"/>
+        </a:lnRef>
+        <a:fillRef idx="1">
+          <a:scrgbClr r="0" g="0" b="0"/>
+        </a:fillRef>
+        <a:effectRef idx="0">
+          <a:scrgbClr r="0" g="0" b="0"/>
+        </a:effectRef>
+        <a:fontRef idx="minor"/>
+      </dsp:style>
+      <dsp:txBody>
+        <a:bodyPr spcFirstLastPara="0" vert="horz" wrap="square" lIns="691934" tIns="270764" rIns="691934" bIns="92456" numCol="1" spcCol="1270" anchor="t" anchorCtr="0">
+          <a:noAutofit/>
+        </a:bodyPr>
+        <a:lstStyle/>
+        <a:p>
+          <a:pPr marL="114300" lvl="1" indent="-114300" algn="l" defTabSz="577850">
+            <a:lnSpc>
+              <a:spcPct val="90000"/>
+            </a:lnSpc>
+            <a:spcBef>
+              <a:spcPct val="0"/>
+            </a:spcBef>
+            <a:spcAft>
+              <a:spcPct val="15000"/>
+            </a:spcAft>
+            <a:buChar char="•"/>
+          </a:pPr>
+          <a:r>
+            <a:rPr lang="en-US" sz="1300" kern="1200" dirty="0"/>
+            <a:t>Users own their information</a:t>
+          </a:r>
+        </a:p>
+        <a:p>
+          <a:pPr marL="114300" lvl="1" indent="-114300" algn="l" defTabSz="577850">
+            <a:lnSpc>
+              <a:spcPct val="90000"/>
+            </a:lnSpc>
+            <a:spcBef>
+              <a:spcPct val="0"/>
+            </a:spcBef>
+            <a:spcAft>
+              <a:spcPct val="15000"/>
+            </a:spcAft>
+            <a:buChar char="•"/>
+          </a:pPr>
+          <a:r>
+            <a:rPr lang="en-US" sz="1300" kern="1200" dirty="0"/>
+            <a:t>The scope of that ownership is very broad</a:t>
+          </a:r>
+        </a:p>
+        <a:p>
+          <a:pPr marL="114300" lvl="1" indent="-114300" algn="l" defTabSz="577850">
+            <a:lnSpc>
+              <a:spcPct val="90000"/>
+            </a:lnSpc>
+            <a:spcBef>
+              <a:spcPct val="0"/>
+            </a:spcBef>
+            <a:spcAft>
+              <a:spcPct val="15000"/>
+            </a:spcAft>
+            <a:buChar char="•"/>
+          </a:pPr>
+          <a:r>
+            <a:rPr lang="en-US" sz="1300" kern="1200" dirty="0"/>
+            <a:t>Legal and ethical dilemma exist around implement designs</a:t>
+          </a:r>
+        </a:p>
+      </dsp:txBody>
+      <dsp:txXfrm>
+        <a:off x="0" y="1493665"/>
+        <a:ext cx="8915400" cy="982800"/>
+      </dsp:txXfrm>
+    </dsp:sp>
+    <dsp:sp modelId="{F9E397DF-0E54-467E-ADF2-9ABE2DC31040}">
+      <dsp:nvSpPr>
+        <dsp:cNvPr id="0" name=""/>
+        <dsp:cNvSpPr/>
+      </dsp:nvSpPr>
+      <dsp:spPr>
+        <a:xfrm>
+          <a:off x="445770" y="1301784"/>
+          <a:ext cx="6240780" cy="383760"/>
+        </a:xfrm>
+        <a:prstGeom prst="roundRect">
+          <a:avLst/>
+        </a:prstGeom>
+        <a:solidFill>
+          <a:schemeClr val="accent1">
+            <a:hueOff val="0"/>
+            <a:satOff val="0"/>
+            <a:lumOff val="0"/>
+            <a:alphaOff val="0"/>
+          </a:schemeClr>
+        </a:solidFill>
+        <a:ln w="15875" cap="rnd" cmpd="sng" algn="ctr">
+          <a:solidFill>
+            <a:schemeClr val="lt1">
+              <a:hueOff val="0"/>
+              <a:satOff val="0"/>
+              <a:lumOff val="0"/>
+              <a:alphaOff val="0"/>
+            </a:schemeClr>
+          </a:solidFill>
+          <a:prstDash val="solid"/>
+        </a:ln>
+        <a:effectLst/>
+      </dsp:spPr>
+      <dsp:style>
+        <a:lnRef idx="2">
+          <a:scrgbClr r="0" g="0" b="0"/>
+        </a:lnRef>
+        <a:fillRef idx="1">
+          <a:scrgbClr r="0" g="0" b="0"/>
+        </a:fillRef>
+        <a:effectRef idx="0">
+          <a:scrgbClr r="0" g="0" b="0"/>
+        </a:effectRef>
+        <a:fontRef idx="minor">
+          <a:schemeClr val="lt1"/>
+        </a:fontRef>
+      </dsp:style>
+      <dsp:txBody>
+        <a:bodyPr spcFirstLastPara="0" vert="horz" wrap="square" lIns="235887" tIns="0" rIns="235887" bIns="0" numCol="1" spcCol="1270" anchor="ctr" anchorCtr="0">
+          <a:noAutofit/>
+        </a:bodyPr>
+        <a:lstStyle/>
+        <a:p>
+          <a:pPr marL="0" lvl="0" indent="0" algn="l" defTabSz="577850">
+            <a:lnSpc>
+              <a:spcPct val="90000"/>
+            </a:lnSpc>
+            <a:spcBef>
+              <a:spcPct val="0"/>
+            </a:spcBef>
+            <a:spcAft>
+              <a:spcPct val="35000"/>
+            </a:spcAft>
+            <a:buNone/>
+          </a:pPr>
+          <a:r>
+            <a:rPr lang="en-US" sz="1300" kern="1200" dirty="0"/>
+            <a:t>Privacy critical design</a:t>
+          </a:r>
+        </a:p>
+      </dsp:txBody>
+      <dsp:txXfrm>
+        <a:off x="464504" y="1320518"/>
+        <a:ext cx="6203312" cy="346292"/>
+      </dsp:txXfrm>
+    </dsp:sp>
+    <dsp:sp modelId="{41BEF75A-99BD-488D-B2E6-92E3CBE9F4C9}">
+      <dsp:nvSpPr>
+        <dsp:cNvPr id="0" name=""/>
+        <dsp:cNvSpPr/>
+      </dsp:nvSpPr>
+      <dsp:spPr>
+        <a:xfrm>
+          <a:off x="0" y="2738545"/>
+          <a:ext cx="8915400" cy="982800"/>
+        </a:xfrm>
+        <a:prstGeom prst="rect">
+          <a:avLst/>
+        </a:prstGeom>
+        <a:solidFill>
+          <a:schemeClr val="lt1">
+            <a:alpha val="90000"/>
+            <a:hueOff val="0"/>
+            <a:satOff val="0"/>
+            <a:lumOff val="0"/>
+            <a:alphaOff val="0"/>
+          </a:schemeClr>
+        </a:solidFill>
+        <a:ln w="15875" cap="rnd" cmpd="sng" algn="ctr">
+          <a:solidFill>
+            <a:schemeClr val="accent1">
+              <a:hueOff val="0"/>
+              <a:satOff val="0"/>
+              <a:lumOff val="0"/>
+              <a:alphaOff val="0"/>
+            </a:schemeClr>
+          </a:solidFill>
+          <a:prstDash val="solid"/>
+        </a:ln>
+        <a:effectLst/>
+      </dsp:spPr>
+      <dsp:style>
+        <a:lnRef idx="2">
+          <a:scrgbClr r="0" g="0" b="0"/>
+        </a:lnRef>
+        <a:fillRef idx="1">
+          <a:scrgbClr r="0" g="0" b="0"/>
+        </a:fillRef>
+        <a:effectRef idx="0">
+          <a:scrgbClr r="0" g="0" b="0"/>
+        </a:effectRef>
+        <a:fontRef idx="minor"/>
+      </dsp:style>
+      <dsp:txBody>
+        <a:bodyPr spcFirstLastPara="0" vert="horz" wrap="square" lIns="691934" tIns="270764" rIns="691934" bIns="92456" numCol="1" spcCol="1270" anchor="t" anchorCtr="0">
+          <a:noAutofit/>
+        </a:bodyPr>
+        <a:lstStyle/>
+        <a:p>
+          <a:pPr marL="114300" lvl="1" indent="-114300" algn="l" defTabSz="577850">
+            <a:lnSpc>
+              <a:spcPct val="90000"/>
+            </a:lnSpc>
+            <a:spcBef>
+              <a:spcPct val="0"/>
+            </a:spcBef>
+            <a:spcAft>
+              <a:spcPct val="15000"/>
+            </a:spcAft>
+            <a:buChar char="•"/>
+          </a:pPr>
+          <a:r>
+            <a:rPr lang="en-US" sz="1300" kern="1200" dirty="0"/>
+            <a:t>Malicious and negligent scenarios result in loss of control</a:t>
+          </a:r>
+        </a:p>
+        <a:p>
+          <a:pPr marL="114300" lvl="1" indent="-114300" algn="l" defTabSz="577850">
+            <a:lnSpc>
+              <a:spcPct val="90000"/>
+            </a:lnSpc>
+            <a:spcBef>
+              <a:spcPct val="0"/>
+            </a:spcBef>
+            <a:spcAft>
+              <a:spcPct val="15000"/>
+            </a:spcAft>
+            <a:buChar char="•"/>
+          </a:pPr>
+          <a:r>
+            <a:rPr lang="en-US" sz="1300" kern="1200" dirty="0"/>
+            <a:t>Systems are used in multiple context (e.g., business and pleasure)</a:t>
+          </a:r>
+        </a:p>
+        <a:p>
+          <a:pPr marL="114300" lvl="1" indent="-114300" algn="l" defTabSz="577850">
+            <a:lnSpc>
+              <a:spcPct val="90000"/>
+            </a:lnSpc>
+            <a:spcBef>
+              <a:spcPct val="0"/>
+            </a:spcBef>
+            <a:spcAft>
+              <a:spcPct val="15000"/>
+            </a:spcAft>
+            <a:buChar char="•"/>
+          </a:pPr>
+          <a:r>
+            <a:rPr lang="en-US" sz="1300" kern="1200" dirty="0"/>
+            <a:t>Mobile Device Management can improve these </a:t>
+          </a:r>
+          <a:r>
+            <a:rPr lang="en-US" sz="1300" kern="1200" dirty="0" err="1"/>
+            <a:t>situtations</a:t>
+          </a:r>
+          <a:endParaRPr lang="en-US" sz="1300" kern="1200" dirty="0"/>
+        </a:p>
+      </dsp:txBody>
+      <dsp:txXfrm>
+        <a:off x="0" y="2738545"/>
+        <a:ext cx="8915400" cy="982800"/>
+      </dsp:txXfrm>
+    </dsp:sp>
+    <dsp:sp modelId="{D3C8BBEA-52D3-47FD-804A-D3C5B16C9CE8}">
+      <dsp:nvSpPr>
+        <dsp:cNvPr id="0" name=""/>
+        <dsp:cNvSpPr/>
+      </dsp:nvSpPr>
+      <dsp:spPr>
+        <a:xfrm>
+          <a:off x="445770" y="2546665"/>
+          <a:ext cx="6240780" cy="383760"/>
+        </a:xfrm>
+        <a:prstGeom prst="roundRect">
+          <a:avLst/>
+        </a:prstGeom>
+        <a:solidFill>
+          <a:schemeClr val="accent1">
+            <a:hueOff val="0"/>
+            <a:satOff val="0"/>
+            <a:lumOff val="0"/>
+            <a:alphaOff val="0"/>
+          </a:schemeClr>
+        </a:solidFill>
+        <a:ln w="15875" cap="rnd" cmpd="sng" algn="ctr">
+          <a:solidFill>
+            <a:schemeClr val="lt1">
+              <a:hueOff val="0"/>
+              <a:satOff val="0"/>
+              <a:lumOff val="0"/>
+              <a:alphaOff val="0"/>
+            </a:schemeClr>
+          </a:solidFill>
+          <a:prstDash val="solid"/>
+        </a:ln>
+        <a:effectLst/>
+      </dsp:spPr>
+      <dsp:style>
+        <a:lnRef idx="2">
+          <a:scrgbClr r="0" g="0" b="0"/>
+        </a:lnRef>
+        <a:fillRef idx="1">
+          <a:scrgbClr r="0" g="0" b="0"/>
+        </a:fillRef>
+        <a:effectRef idx="0">
+          <a:scrgbClr r="0" g="0" b="0"/>
+        </a:effectRef>
+        <a:fontRef idx="minor">
+          <a:schemeClr val="lt1"/>
+        </a:fontRef>
+      </dsp:style>
+      <dsp:txBody>
+        <a:bodyPr spcFirstLastPara="0" vert="horz" wrap="square" lIns="235887" tIns="0" rIns="235887" bIns="0" numCol="1" spcCol="1270" anchor="ctr" anchorCtr="0">
+          <a:noAutofit/>
+        </a:bodyPr>
+        <a:lstStyle/>
+        <a:p>
+          <a:pPr marL="0" lvl="0" indent="0" algn="l" defTabSz="577850">
+            <a:lnSpc>
+              <a:spcPct val="90000"/>
+            </a:lnSpc>
+            <a:spcBef>
+              <a:spcPct val="0"/>
+            </a:spcBef>
+            <a:spcAft>
+              <a:spcPct val="35000"/>
+            </a:spcAft>
+            <a:buNone/>
+          </a:pPr>
+          <a:r>
+            <a:rPr lang="en-US" sz="1300" kern="1200" dirty="0"/>
+            <a:t>Risk exists with Mobile Devices</a:t>
+          </a:r>
+        </a:p>
+      </dsp:txBody>
+      <dsp:txXfrm>
+        <a:off x="464504" y="2565399"/>
+        <a:ext cx="6203312" cy="346292"/>
+      </dsp:txXfrm>
+    </dsp:sp>
+  </dsp:spTree>
+</dsp:drawing>
+</file>
+
 <file path=ppt/diagrams/layout1.xml><?xml version="1.0" encoding="utf-8"?>
 <dgm:layoutDef xmlns:dgm="http://schemas.openxmlformats.org/drawingml/2006/diagram" xmlns:a="http://schemas.openxmlformats.org/drawingml/2006/main" uniqueId="urn:microsoft.com/office/officeart/2005/8/layout/vList2">
   <dgm:title val=""/>
@@ -12469,6 +14277,231 @@
 </dgm:layoutDef>
 </file>
 
+<file path=ppt/diagrams/layout6.xml><?xml version="1.0" encoding="utf-8"?>
+<dgm:layoutDef xmlns:dgm="http://schemas.openxmlformats.org/drawingml/2006/diagram" xmlns:a="http://schemas.openxmlformats.org/drawingml/2006/main" uniqueId="urn:microsoft.com/office/officeart/2005/8/layout/list1">
+  <dgm:title val=""/>
+  <dgm:desc val=""/>
+  <dgm:catLst>
+    <dgm:cat type="list" pri="4000"/>
+  </dgm:catLst>
+  <dgm:sampData>
+    <dgm:dataModel>
+      <dgm:ptLst>
+        <dgm:pt modelId="0" type="doc"/>
+        <dgm:pt modelId="1">
+          <dgm:prSet phldr="1"/>
+        </dgm:pt>
+        <dgm:pt modelId="2">
+          <dgm:prSet phldr="1"/>
+        </dgm:pt>
+        <dgm:pt modelId="3">
+          <dgm:prSet phldr="1"/>
+        </dgm:pt>
+      </dgm:ptLst>
+      <dgm:cxnLst>
+        <dgm:cxn modelId="4" srcId="0" destId="1" srcOrd="0" destOrd="0"/>
+        <dgm:cxn modelId="5" srcId="0" destId="2" srcOrd="1" destOrd="0"/>
+        <dgm:cxn modelId="6" srcId="0" destId="3" srcOrd="2" destOrd="0"/>
+      </dgm:cxnLst>
+      <dgm:bg/>
+      <dgm:whole/>
+    </dgm:dataModel>
+  </dgm:sampData>
+  <dgm:styleData>
+    <dgm:dataModel>
+      <dgm:ptLst>
+        <dgm:pt modelId="0" type="doc"/>
+        <dgm:pt modelId="1"/>
+        <dgm:pt modelId="2"/>
+      </dgm:ptLst>
+      <dgm:cxnLst>
+        <dgm:cxn modelId="4" srcId="0" destId="1" srcOrd="0" destOrd="0"/>
+        <dgm:cxn modelId="5" srcId="0" destId="2" srcOrd="1" destOrd="0"/>
+      </dgm:cxnLst>
+      <dgm:bg/>
+      <dgm:whole/>
+    </dgm:dataModel>
+  </dgm:styleData>
+  <dgm:clrData>
+    <dgm:dataModel>
+      <dgm:ptLst>
+        <dgm:pt modelId="0" type="doc"/>
+        <dgm:pt modelId="1"/>
+        <dgm:pt modelId="2"/>
+        <dgm:pt modelId="3"/>
+        <dgm:pt modelId="4"/>
+      </dgm:ptLst>
+      <dgm:cxnLst>
+        <dgm:cxn modelId="5" srcId="0" destId="1" srcOrd="0" destOrd="0"/>
+        <dgm:cxn modelId="6" srcId="0" destId="2" srcOrd="1" destOrd="0"/>
+        <dgm:cxn modelId="7" srcId="0" destId="3" srcOrd="2" destOrd="0"/>
+        <dgm:cxn modelId="8" srcId="0" destId="4" srcOrd="3" destOrd="0"/>
+      </dgm:cxnLst>
+      <dgm:bg/>
+      <dgm:whole/>
+    </dgm:dataModel>
+  </dgm:clrData>
+  <dgm:layoutNode name="linear">
+    <dgm:varLst>
+      <dgm:dir/>
+      <dgm:animLvl val="lvl"/>
+      <dgm:resizeHandles val="exact"/>
+    </dgm:varLst>
+    <dgm:choose name="Name0">
+      <dgm:if name="Name1" func="var" arg="dir" op="equ" val="norm">
+        <dgm:alg type="lin">
+          <dgm:param type="linDir" val="fromT"/>
+          <dgm:param type="vertAlign" val="mid"/>
+          <dgm:param type="horzAlign" val="l"/>
+          <dgm:param type="nodeHorzAlign" val="l"/>
+        </dgm:alg>
+      </dgm:if>
+      <dgm:else name="Name2">
+        <dgm:alg type="lin">
+          <dgm:param type="linDir" val="fromT"/>
+          <dgm:param type="vertAlign" val="mid"/>
+          <dgm:param type="horzAlign" val="r"/>
+          <dgm:param type="nodeHorzAlign" val="r"/>
+        </dgm:alg>
+      </dgm:else>
+    </dgm:choose>
+    <dgm:shape xmlns:r="http://schemas.openxmlformats.org/officeDocument/2006/relationships" r:blip="">
+      <dgm:adjLst/>
+    </dgm:shape>
+    <dgm:presOf/>
+    <dgm:constrLst>
+      <dgm:constr type="w" for="ch" forName="parentLin" refType="w"/>
+      <dgm:constr type="h" for="ch" forName="parentLin" val="INF"/>
+      <dgm:constr type="w" for="des" forName="parentLeftMargin" refType="w" fact="0.05"/>
+      <dgm:constr type="w" for="des" forName="parentText" refType="w" fact="0.7"/>
+      <dgm:constr type="h" for="des" forName="parentText" refType="primFontSz" refFor="des" refForName="parentText" fact="0.82"/>
+      <dgm:constr type="h" for="ch" forName="negativeSpace" refType="primFontSz" refFor="des" refForName="parentText" fact="-0.41"/>
+      <dgm:constr type="h" for="ch" forName="negativeSpace" refType="h" refFor="des" refForName="parentText" op="lte" fact="-0.82"/>
+      <dgm:constr type="h" for="ch" forName="negativeSpace" refType="h" refFor="des" refForName="parentText" op="gte" fact="-0.82"/>
+      <dgm:constr type="w" for="ch" forName="childText" refType="w"/>
+      <dgm:constr type="h" for="ch" forName="childText" refType="primFontSz" refFor="des" refForName="parentText" fact="0.7"/>
+      <dgm:constr type="primFontSz" for="des" forName="parentText" val="65"/>
+      <dgm:constr type="primFontSz" for="ch" forName="childText" refType="primFontSz" refFor="des" refForName="parentText"/>
+      <dgm:constr type="tMarg" for="ch" forName="childText" refType="primFontSz" refFor="des" refForName="parentText" fact="1.64"/>
+      <dgm:constr type="tMarg" for="ch" forName="childText" refType="h" refFor="des" refForName="parentText" op="lte" fact="3.28"/>
+      <dgm:constr type="tMarg" for="ch" forName="childText" refType="h" refFor="des" refForName="parentText" op="gte" fact="3.28"/>
+      <dgm:constr type="lMarg" for="ch" forName="childText" refType="w" fact="0.22"/>
+      <dgm:constr type="rMarg" for="ch" forName="childText" refType="lMarg" refFor="ch" refForName="childText"/>
+      <dgm:constr type="lMarg" for="des" forName="parentText" refType="w" fact="0.075"/>
+      <dgm:constr type="rMarg" for="des" forName="parentText" refType="lMarg" refFor="des" refForName="parentText"/>
+      <dgm:constr type="h" for="ch" forName="spaceBetweenRectangles" refType="primFontSz" refFor="des" refForName="parentText" fact="0.15"/>
+    </dgm:constrLst>
+    <dgm:ruleLst>
+      <dgm:rule type="primFontSz" for="des" forName="parentText" val="5" fact="NaN" max="NaN"/>
+    </dgm:ruleLst>
+    <dgm:forEach name="Name3" axis="ch" ptType="node">
+      <dgm:layoutNode name="parentLin">
+        <dgm:choose name="Name4">
+          <dgm:if name="Name5" func="var" arg="dir" op="equ" val="norm">
+            <dgm:alg type="lin">
+              <dgm:param type="linDir" val="fromL"/>
+              <dgm:param type="horzAlign" val="l"/>
+              <dgm:param type="nodeHorzAlign" val="l"/>
+            </dgm:alg>
+          </dgm:if>
+          <dgm:else name="Name6">
+            <dgm:alg type="lin">
+              <dgm:param type="linDir" val="fromR"/>
+              <dgm:param type="horzAlign" val="r"/>
+              <dgm:param type="nodeHorzAlign" val="r"/>
+            </dgm:alg>
+          </dgm:else>
+        </dgm:choose>
+        <dgm:shape xmlns:r="http://schemas.openxmlformats.org/officeDocument/2006/relationships" r:blip="">
+          <dgm:adjLst/>
+        </dgm:shape>
+        <dgm:presOf/>
+        <dgm:constrLst/>
+        <dgm:ruleLst/>
+        <dgm:layoutNode name="parentLeftMargin">
+          <dgm:alg type="sp"/>
+          <dgm:shape xmlns:r="http://schemas.openxmlformats.org/officeDocument/2006/relationships" type="rect" r:blip="" hideGeom="1">
+            <dgm:adjLst/>
+          </dgm:shape>
+          <dgm:presOf axis="self"/>
+          <dgm:constrLst>
+            <dgm:constr type="h"/>
+          </dgm:constrLst>
+          <dgm:ruleLst/>
+        </dgm:layoutNode>
+        <dgm:layoutNode name="parentText" styleLbl="node1">
+          <dgm:varLst>
+            <dgm:chMax val="0"/>
+            <dgm:bulletEnabled val="1"/>
+          </dgm:varLst>
+          <dgm:choose name="Name7">
+            <dgm:if name="Name8" func="var" arg="dir" op="equ" val="norm">
+              <dgm:alg type="tx">
+                <dgm:param type="parTxLTRAlign" val="l"/>
+                <dgm:param type="parTxRTLAlign" val="l"/>
+              </dgm:alg>
+            </dgm:if>
+            <dgm:else name="Name9">
+              <dgm:alg type="tx">
+                <dgm:param type="parTxLTRAlign" val="r"/>
+                <dgm:param type="parTxRTLAlign" val="r"/>
+              </dgm:alg>
+            </dgm:else>
+          </dgm:choose>
+          <dgm:shape xmlns:r="http://schemas.openxmlformats.org/officeDocument/2006/relationships" type="roundRect" r:blip="">
+            <dgm:adjLst/>
+          </dgm:shape>
+          <dgm:presOf axis="self" ptType="node"/>
+          <dgm:constrLst>
+            <dgm:constr type="tMarg"/>
+            <dgm:constr type="bMarg"/>
+          </dgm:constrLst>
+          <dgm:ruleLst/>
+        </dgm:layoutNode>
+      </dgm:layoutNode>
+      <dgm:layoutNode name="negativeSpace">
+        <dgm:alg type="sp"/>
+        <dgm:shape xmlns:r="http://schemas.openxmlformats.org/officeDocument/2006/relationships" r:blip="">
+          <dgm:adjLst/>
+        </dgm:shape>
+        <dgm:presOf/>
+        <dgm:constrLst/>
+        <dgm:ruleLst/>
+      </dgm:layoutNode>
+      <dgm:layoutNode name="childText" styleLbl="conFgAcc1">
+        <dgm:varLst>
+          <dgm:bulletEnabled val="1"/>
+        </dgm:varLst>
+        <dgm:alg type="tx">
+          <dgm:param type="stBulletLvl" val="1"/>
+        </dgm:alg>
+        <dgm:shape xmlns:r="http://schemas.openxmlformats.org/officeDocument/2006/relationships" type="rect" r:blip="" zOrderOff="-2">
+          <dgm:adjLst/>
+        </dgm:shape>
+        <dgm:presOf axis="des" ptType="node"/>
+        <dgm:constrLst>
+          <dgm:constr type="secFontSz" refType="primFontSz"/>
+        </dgm:constrLst>
+        <dgm:ruleLst>
+          <dgm:rule type="h" val="INF" fact="NaN" max="NaN"/>
+        </dgm:ruleLst>
+      </dgm:layoutNode>
+      <dgm:forEach name="Name10" axis="followSib" ptType="sibTrans" cnt="1">
+        <dgm:layoutNode name="spaceBetweenRectangles">
+          <dgm:alg type="sp"/>
+          <dgm:shape xmlns:r="http://schemas.openxmlformats.org/officeDocument/2006/relationships" r:blip="">
+            <dgm:adjLst/>
+          </dgm:shape>
+          <dgm:presOf/>
+          <dgm:constrLst/>
+          <dgm:ruleLst/>
+        </dgm:layoutNode>
+      </dgm:forEach>
+    </dgm:forEach>
+  </dgm:layoutNode>
+</dgm:layoutDef>
+</file>
+
 <file path=ppt/diagrams/quickStyle1.xml><?xml version="1.0" encoding="utf-8"?>
 <dgm:styleDef xmlns:dgm="http://schemas.openxmlformats.org/drawingml/2006/diagram" xmlns:a="http://schemas.openxmlformats.org/drawingml/2006/main" uniqueId="urn:microsoft.com/office/officeart/2005/8/quickstyle/simple4">
   <dgm:title val=""/>
@@ -17637,6 +19670,5420 @@
     </dgm:style>
   </dgm:styleLbl>
 </dgm:styleDef>
+</file>
+
+<file path=ppt/diagrams/quickStyle6.xml><?xml version="1.0" encoding="utf-8"?>
+<dgm:styleDef xmlns:dgm="http://schemas.openxmlformats.org/drawingml/2006/diagram" xmlns:a="http://schemas.openxmlformats.org/drawingml/2006/main" uniqueId="urn:microsoft.com/office/officeart/2005/8/quickstyle/simple1">
+  <dgm:title val=""/>
+  <dgm:desc val=""/>
+  <dgm:catLst>
+    <dgm:cat type="simple" pri="10100"/>
+  </dgm:catLst>
+  <dgm:scene3d>
+    <a:camera prst="orthographicFront"/>
+    <a:lightRig rig="threePt" dir="t"/>
+  </dgm:scene3d>
+  <dgm:styleLbl name="node0">
+    <dgm:scene3d>
+      <a:camera prst="orthographicFront"/>
+      <a:lightRig rig="threePt" dir="t"/>
+    </dgm:scene3d>
+    <dgm:sp3d/>
+    <dgm:txPr/>
+    <dgm:style>
+      <a:lnRef idx="2">
+        <a:scrgbClr r="0" g="0" b="0"/>
+      </a:lnRef>
+      <a:fillRef idx="1">
+        <a:scrgbClr r="0" g="0" b="0"/>
+      </a:fillRef>
+      <a:effectRef idx="0">
+        <a:scrgbClr r="0" g="0" b="0"/>
+      </a:effectRef>
+      <a:fontRef idx="minor">
+        <a:schemeClr val="lt1"/>
+      </a:fontRef>
+    </dgm:style>
+  </dgm:styleLbl>
+  <dgm:styleLbl name="lnNode1">
+    <dgm:scene3d>
+      <a:camera prst="orthographicFront"/>
+      <a:lightRig rig="threePt" dir="t"/>
+    </dgm:scene3d>
+    <dgm:sp3d/>
+    <dgm:txPr/>
+    <dgm:style>
+      <a:lnRef idx="2">
+        <a:scrgbClr r="0" g="0" b="0"/>
+      </a:lnRef>
+      <a:fillRef idx="1">
+        <a:scrgbClr r="0" g="0" b="0"/>
+      </a:fillRef>
+      <a:effectRef idx="0">
+        <a:scrgbClr r="0" g="0" b="0"/>
+      </a:effectRef>
+      <a:fontRef idx="minor">
+        <a:schemeClr val="lt1"/>
+      </a:fontRef>
+    </dgm:style>
+  </dgm:styleLbl>
+  <dgm:styleLbl name="vennNode1">
+    <dgm:scene3d>
+      <a:camera prst="orthographicFront"/>
+      <a:lightRig rig="threePt" dir="t"/>
+    </dgm:scene3d>
+    <dgm:sp3d/>
+    <dgm:txPr/>
+    <dgm:style>
+      <a:lnRef idx="2">
+        <a:scrgbClr r="0" g="0" b="0"/>
+      </a:lnRef>
+      <a:fillRef idx="1">
+        <a:scrgbClr r="0" g="0" b="0"/>
+      </a:fillRef>
+      <a:effectRef idx="0">
+        <a:scrgbClr r="0" g="0" b="0"/>
+      </a:effectRef>
+      <a:fontRef idx="minor">
+        <a:schemeClr val="tx1"/>
+      </a:fontRef>
+    </dgm:style>
+  </dgm:styleLbl>
+  <dgm:styleLbl name="alignNode1">
+    <dgm:scene3d>
+      <a:camera prst="orthographicFront"/>
+      <a:lightRig rig="threePt" dir="t"/>
+    </dgm:scene3d>
+    <dgm:sp3d/>
+    <dgm:txPr/>
+    <dgm:style>
+      <a:lnRef idx="2">
+        <a:scrgbClr r="0" g="0" b="0"/>
+      </a:lnRef>
+      <a:fillRef idx="1">
+        <a:scrgbClr r="0" g="0" b="0"/>
+      </a:fillRef>
+      <a:effectRef idx="0">
+        <a:scrgbClr r="0" g="0" b="0"/>
+      </a:effectRef>
+      <a:fontRef idx="minor">
+        <a:schemeClr val="lt1"/>
+      </a:fontRef>
+    </dgm:style>
+  </dgm:styleLbl>
+  <dgm:styleLbl name="node1">
+    <dgm:scene3d>
+      <a:camera prst="orthographicFront"/>
+      <a:lightRig rig="threePt" dir="t"/>
+    </dgm:scene3d>
+    <dgm:sp3d/>
+    <dgm:txPr/>
+    <dgm:style>
+      <a:lnRef idx="2">
+        <a:scrgbClr r="0" g="0" b="0"/>
+      </a:lnRef>
+      <a:fillRef idx="1">
+        <a:scrgbClr r="0" g="0" b="0"/>
+      </a:fillRef>
+      <a:effectRef idx="0">
+        <a:scrgbClr r="0" g="0" b="0"/>
+      </a:effectRef>
+      <a:fontRef idx="minor">
+        <a:schemeClr val="lt1"/>
+      </a:fontRef>
+    </dgm:style>
+  </dgm:styleLbl>
+  <dgm:styleLbl name="node2">
+    <dgm:scene3d>
+      <a:camera prst="orthographicFront"/>
+      <a:lightRig rig="threePt" dir="t"/>
+    </dgm:scene3d>
+    <dgm:sp3d/>
+    <dgm:txPr/>
+    <dgm:style>
+      <a:lnRef idx="2">
+        <a:scrgbClr r="0" g="0" b="0"/>
+      </a:lnRef>
+      <a:fillRef idx="1">
+        <a:scrgbClr r="0" g="0" b="0"/>
+      </a:fillRef>
+      <a:effectRef idx="0">
+        <a:scrgbClr r="0" g="0" b="0"/>
+      </a:effectRef>
+      <a:fontRef idx="minor">
+        <a:schemeClr val="lt1"/>
+      </a:fontRef>
+    </dgm:style>
+  </dgm:styleLbl>
+  <dgm:styleLbl name="node3">
+    <dgm:scene3d>
+      <a:camera prst="orthographicFront"/>
+      <a:lightRig rig="threePt" dir="t"/>
+    </dgm:scene3d>
+    <dgm:sp3d/>
+    <dgm:txPr/>
+    <dgm:style>
+      <a:lnRef idx="2">
+        <a:scrgbClr r="0" g="0" b="0"/>
+      </a:lnRef>
+      <a:fillRef idx="1">
+        <a:scrgbClr r="0" g="0" b="0"/>
+      </a:fillRef>
+      <a:effectRef idx="0">
+        <a:scrgbClr r="0" g="0" b="0"/>
+      </a:effectRef>
+      <a:fontRef idx="minor">
+        <a:schemeClr val="lt1"/>
+      </a:fontRef>
+    </dgm:style>
+  </dgm:styleLbl>
+  <dgm:styleLbl name="node4">
+    <dgm:scene3d>
+      <a:camera prst="orthographicFront"/>
+      <a:lightRig rig="threePt" dir="t"/>
+    </dgm:scene3d>
+    <dgm:sp3d/>
+    <dgm:txPr/>
+    <dgm:style>
+      <a:lnRef idx="2">
+        <a:scrgbClr r="0" g="0" b="0"/>
+      </a:lnRef>
+      <a:fillRef idx="1">
+        <a:scrgbClr r="0" g="0" b="0"/>
+      </a:fillRef>
+      <a:effectRef idx="0">
+        <a:scrgbClr r="0" g="0" b="0"/>
+      </a:effectRef>
+      <a:fontRef idx="minor">
+        <a:schemeClr val="lt1"/>
+      </a:fontRef>
+    </dgm:style>
+  </dgm:styleLbl>
+  <dgm:styleLbl name="fgImgPlace1">
+    <dgm:scene3d>
+      <a:camera prst="orthographicFront"/>
+      <a:lightRig rig="threePt" dir="t"/>
+    </dgm:scene3d>
+    <dgm:sp3d/>
+    <dgm:txPr/>
+    <dgm:style>
+      <a:lnRef idx="2">
+        <a:scrgbClr r="0" g="0" b="0"/>
+      </a:lnRef>
+      <a:fillRef idx="1">
+        <a:scrgbClr r="0" g="0" b="0"/>
+      </a:fillRef>
+      <a:effectRef idx="0">
+        <a:scrgbClr r="0" g="0" b="0"/>
+      </a:effectRef>
+      <a:fontRef idx="minor"/>
+    </dgm:style>
+  </dgm:styleLbl>
+  <dgm:styleLbl name="alignImgPlace1">
+    <dgm:scene3d>
+      <a:camera prst="orthographicFront"/>
+      <a:lightRig rig="threePt" dir="t"/>
+    </dgm:scene3d>
+    <dgm:sp3d/>
+    <dgm:txPr/>
+    <dgm:style>
+      <a:lnRef idx="2">
+        <a:scrgbClr r="0" g="0" b="0"/>
+      </a:lnRef>
+      <a:fillRef idx="1">
+        <a:scrgbClr r="0" g="0" b="0"/>
+      </a:fillRef>
+      <a:effectRef idx="0">
+        <a:scrgbClr r="0" g="0" b="0"/>
+      </a:effectRef>
+      <a:fontRef idx="minor"/>
+    </dgm:style>
+  </dgm:styleLbl>
+  <dgm:styleLbl name="bgImgPlace1">
+    <dgm:scene3d>
+      <a:camera prst="orthographicFront"/>
+      <a:lightRig rig="threePt" dir="t"/>
+    </dgm:scene3d>
+    <dgm:sp3d/>
+    <dgm:txPr/>
+    <dgm:style>
+      <a:lnRef idx="2">
+        <a:scrgbClr r="0" g="0" b="0"/>
+      </a:lnRef>
+      <a:fillRef idx="1">
+        <a:scrgbClr r="0" g="0" b="0"/>
+      </a:fillRef>
+      <a:effectRef idx="0">
+        <a:scrgbClr r="0" g="0" b="0"/>
+      </a:effectRef>
+      <a:fontRef idx="minor"/>
+    </dgm:style>
+  </dgm:styleLbl>
+  <dgm:styleLbl name="sibTrans2D1">
+    <dgm:scene3d>
+      <a:camera prst="orthographicFront"/>
+      <a:lightRig rig="threePt" dir="t"/>
+    </dgm:scene3d>
+    <dgm:sp3d/>
+    <dgm:txPr/>
+    <dgm:style>
+      <a:lnRef idx="0">
+        <a:scrgbClr r="0" g="0" b="0"/>
+      </a:lnRef>
+      <a:fillRef idx="1">
+        <a:scrgbClr r="0" g="0" b="0"/>
+      </a:fillRef>
+      <a:effectRef idx="0">
+        <a:scrgbClr r="0" g="0" b="0"/>
+      </a:effectRef>
+      <a:fontRef idx="minor">
+        <a:schemeClr val="lt1"/>
+      </a:fontRef>
+    </dgm:style>
+  </dgm:styleLbl>
+  <dgm:styleLbl name="fgSibTrans2D1">
+    <dgm:scene3d>
+      <a:camera prst="orthographicFront"/>
+      <a:lightRig rig="threePt" dir="t"/>
+    </dgm:scene3d>
+    <dgm:sp3d/>
+    <dgm:txPr/>
+    <dgm:style>
+      <a:lnRef idx="0">
+        <a:scrgbClr r="0" g="0" b="0"/>
+      </a:lnRef>
+      <a:fillRef idx="1">
+        <a:scrgbClr r="0" g="0" b="0"/>
+      </a:fillRef>
+      <a:effectRef idx="0">
+        <a:scrgbClr r="0" g="0" b="0"/>
+      </a:effectRef>
+      <a:fontRef idx="minor">
+        <a:schemeClr val="lt1"/>
+      </a:fontRef>
+    </dgm:style>
+  </dgm:styleLbl>
+  <dgm:styleLbl name="bgSibTrans2D1">
+    <dgm:scene3d>
+      <a:camera prst="orthographicFront"/>
+      <a:lightRig rig="threePt" dir="t"/>
+    </dgm:scene3d>
+    <dgm:sp3d/>
+    <dgm:txPr/>
+    <dgm:style>
+      <a:lnRef idx="0">
+        <a:scrgbClr r="0" g="0" b="0"/>
+      </a:lnRef>
+      <a:fillRef idx="1">
+        <a:scrgbClr r="0" g="0" b="0"/>
+      </a:fillRef>
+      <a:effectRef idx="0">
+        <a:scrgbClr r="0" g="0" b="0"/>
+      </a:effectRef>
+      <a:fontRef idx="minor">
+        <a:schemeClr val="lt1"/>
+      </a:fontRef>
+    </dgm:style>
+  </dgm:styleLbl>
+  <dgm:styleLbl name="sibTrans1D1">
+    <dgm:scene3d>
+      <a:camera prst="orthographicFront"/>
+      <a:lightRig rig="threePt" dir="t"/>
+    </dgm:scene3d>
+    <dgm:sp3d/>
+    <dgm:txPr/>
+    <dgm:style>
+      <a:lnRef idx="1">
+        <a:scrgbClr r="0" g="0" b="0"/>
+      </a:lnRef>
+      <a:fillRef idx="0">
+        <a:scrgbClr r="0" g="0" b="0"/>
+      </a:fillRef>
+      <a:effectRef idx="0">
+        <a:scrgbClr r="0" g="0" b="0"/>
+      </a:effectRef>
+      <a:fontRef idx="minor"/>
+    </dgm:style>
+  </dgm:styleLbl>
+  <dgm:styleLbl name="callout">
+    <dgm:scene3d>
+      <a:camera prst="orthographicFront"/>
+      <a:lightRig rig="threePt" dir="t"/>
+    </dgm:scene3d>
+    <dgm:sp3d/>
+    <dgm:txPr/>
+    <dgm:style>
+      <a:lnRef idx="2">
+        <a:scrgbClr r="0" g="0" b="0"/>
+      </a:lnRef>
+      <a:fillRef idx="1">
+        <a:scrgbClr r="0" g="0" b="0"/>
+      </a:fillRef>
+      <a:effectRef idx="0">
+        <a:scrgbClr r="0" g="0" b="0"/>
+      </a:effectRef>
+      <a:fontRef idx="minor"/>
+    </dgm:style>
+  </dgm:styleLbl>
+  <dgm:styleLbl name="asst0">
+    <dgm:scene3d>
+      <a:camera prst="orthographicFront"/>
+      <a:lightRig rig="threePt" dir="t"/>
+    </dgm:scene3d>
+    <dgm:sp3d/>
+    <dgm:txPr/>
+    <dgm:style>
+      <a:lnRef idx="2">
+        <a:scrgbClr r="0" g="0" b="0"/>
+      </a:lnRef>
+      <a:fillRef idx="1">
+        <a:scrgbClr r="0" g="0" b="0"/>
+      </a:fillRef>
+      <a:effectRef idx="0">
+        <a:scrgbClr r="0" g="0" b="0"/>
+      </a:effectRef>
+      <a:fontRef idx="minor">
+        <a:schemeClr val="lt1"/>
+      </a:fontRef>
+    </dgm:style>
+  </dgm:styleLbl>
+  <dgm:styleLbl name="asst1">
+    <dgm:scene3d>
+      <a:camera prst="orthographicFront"/>
+      <a:lightRig rig="threePt" dir="t"/>
+    </dgm:scene3d>
+    <dgm:sp3d/>
+    <dgm:txPr/>
+    <dgm:style>
+      <a:lnRef idx="2">
+        <a:scrgbClr r="0" g="0" b="0"/>
+      </a:lnRef>
+      <a:fillRef idx="1">
+        <a:scrgbClr r="0" g="0" b="0"/>
+      </a:fillRef>
+      <a:effectRef idx="0">
+        <a:scrgbClr r="0" g="0" b="0"/>
+      </a:effectRef>
+      <a:fontRef idx="minor">
+        <a:schemeClr val="lt1"/>
+      </a:fontRef>
+    </dgm:style>
+  </dgm:styleLbl>
+  <dgm:styleLbl name="asst2">
+    <dgm:scene3d>
+      <a:camera prst="orthographicFront"/>
+      <a:lightRig rig="threePt" dir="t"/>
+    </dgm:scene3d>
+    <dgm:sp3d/>
+    <dgm:txPr/>
+    <dgm:style>
+      <a:lnRef idx="2">
+        <a:scrgbClr r="0" g="0" b="0"/>
+      </a:lnRef>
+      <a:fillRef idx="1">
+        <a:scrgbClr r="0" g="0" b="0"/>
+      </a:fillRef>
+      <a:effectRef idx="0">
+        <a:scrgbClr r="0" g="0" b="0"/>
+      </a:effectRef>
+      <a:fontRef idx="minor">
+        <a:schemeClr val="lt1"/>
+      </a:fontRef>
+    </dgm:style>
+  </dgm:styleLbl>
+  <dgm:styleLbl name="asst3">
+    <dgm:scene3d>
+      <a:camera prst="orthographicFront"/>
+      <a:lightRig rig="threePt" dir="t"/>
+    </dgm:scene3d>
+    <dgm:sp3d/>
+    <dgm:txPr/>
+    <dgm:style>
+      <a:lnRef idx="2">
+        <a:scrgbClr r="0" g="0" b="0"/>
+      </a:lnRef>
+      <a:fillRef idx="1">
+        <a:scrgbClr r="0" g="0" b="0"/>
+      </a:fillRef>
+      <a:effectRef idx="0">
+        <a:scrgbClr r="0" g="0" b="0"/>
+      </a:effectRef>
+      <a:fontRef idx="minor">
+        <a:schemeClr val="lt1"/>
+      </a:fontRef>
+    </dgm:style>
+  </dgm:styleLbl>
+  <dgm:styleLbl name="asst4">
+    <dgm:scene3d>
+      <a:camera prst="orthographicFront"/>
+      <a:lightRig rig="threePt" dir="t"/>
+    </dgm:scene3d>
+    <dgm:sp3d/>
+    <dgm:txPr/>
+    <dgm:style>
+      <a:lnRef idx="2">
+        <a:scrgbClr r="0" g="0" b="0"/>
+      </a:lnRef>
+      <a:fillRef idx="1">
+        <a:scrgbClr r="0" g="0" b="0"/>
+      </a:fillRef>
+      <a:effectRef idx="0">
+        <a:scrgbClr r="0" g="0" b="0"/>
+      </a:effectRef>
+      <a:fontRef idx="minor">
+        <a:schemeClr val="lt1"/>
+      </a:fontRef>
+    </dgm:style>
+  </dgm:styleLbl>
+  <dgm:styleLbl name="parChTrans2D1">
+    <dgm:scene3d>
+      <a:camera prst="orthographicFront"/>
+      <a:lightRig rig="threePt" dir="t"/>
+    </dgm:scene3d>
+    <dgm:sp3d/>
+    <dgm:txPr/>
+    <dgm:style>
+      <a:lnRef idx="2">
+        <a:scrgbClr r="0" g="0" b="0"/>
+      </a:lnRef>
+      <a:fillRef idx="1">
+        <a:scrgbClr r="0" g="0" b="0"/>
+      </a:fillRef>
+      <a:effectRef idx="0">
+        <a:scrgbClr r="0" g="0" b="0"/>
+      </a:effectRef>
+      <a:fontRef idx="minor">
+        <a:schemeClr val="lt1"/>
+      </a:fontRef>
+    </dgm:style>
+  </dgm:styleLbl>
+  <dgm:styleLbl name="parChTrans2D2">
+    <dgm:scene3d>
+      <a:camera prst="orthographicFront"/>
+      <a:lightRig rig="threePt" dir="t"/>
+    </dgm:scene3d>
+    <dgm:sp3d/>
+    <dgm:txPr/>
+    <dgm:style>
+      <a:lnRef idx="2">
+        <a:scrgbClr r="0" g="0" b="0"/>
+      </a:lnRef>
+      <a:fillRef idx="1">
+        <a:scrgbClr r="0" g="0" b="0"/>
+      </a:fillRef>
+      <a:effectRef idx="0">
+        <a:scrgbClr r="0" g="0" b="0"/>
+      </a:effectRef>
+      <a:fontRef idx="minor">
+        <a:schemeClr val="lt1"/>
+      </a:fontRef>
+    </dgm:style>
+  </dgm:styleLbl>
+  <dgm:styleLbl name="parChTrans2D3">
+    <dgm:scene3d>
+      <a:camera prst="orthographicFront"/>
+      <a:lightRig rig="threePt" dir="t"/>
+    </dgm:scene3d>
+    <dgm:sp3d/>
+    <dgm:txPr/>
+    <dgm:style>
+      <a:lnRef idx="2">
+        <a:scrgbClr r="0" g="0" b="0"/>
+      </a:lnRef>
+      <a:fillRef idx="1">
+        <a:scrgbClr r="0" g="0" b="0"/>
+      </a:fillRef>
+      <a:effectRef idx="0">
+        <a:scrgbClr r="0" g="0" b="0"/>
+      </a:effectRef>
+      <a:fontRef idx="minor">
+        <a:schemeClr val="lt1"/>
+      </a:fontRef>
+    </dgm:style>
+  </dgm:styleLbl>
+  <dgm:styleLbl name="parChTrans2D4">
+    <dgm:scene3d>
+      <a:camera prst="orthographicFront"/>
+      <a:lightRig rig="threePt" dir="t"/>
+    </dgm:scene3d>
+    <dgm:sp3d/>
+    <dgm:txPr/>
+    <dgm:style>
+      <a:lnRef idx="2">
+        <a:scrgbClr r="0" g="0" b="0"/>
+      </a:lnRef>
+      <a:fillRef idx="1">
+        <a:scrgbClr r="0" g="0" b="0"/>
+      </a:fillRef>
+      <a:effectRef idx="0">
+        <a:scrgbClr r="0" g="0" b="0"/>
+      </a:effectRef>
+      <a:fontRef idx="minor">
+        <a:schemeClr val="lt1"/>
+      </a:fontRef>
+    </dgm:style>
+  </dgm:styleLbl>
+  <dgm:styleLbl name="parChTrans1D1">
+    <dgm:scene3d>
+      <a:camera prst="orthographicFront"/>
+      <a:lightRig rig="threePt" dir="t"/>
+    </dgm:scene3d>
+    <dgm:sp3d/>
+    <dgm:txPr/>
+    <dgm:style>
+      <a:lnRef idx="2">
+        <a:scrgbClr r="0" g="0" b="0"/>
+      </a:lnRef>
+      <a:fillRef idx="0">
+        <a:scrgbClr r="0" g="0" b="0"/>
+      </a:fillRef>
+      <a:effectRef idx="0">
+        <a:scrgbClr r="0" g="0" b="0"/>
+      </a:effectRef>
+      <a:fontRef idx="minor"/>
+    </dgm:style>
+  </dgm:styleLbl>
+  <dgm:styleLbl name="parChTrans1D2">
+    <dgm:scene3d>
+      <a:camera prst="orthographicFront"/>
+      <a:lightRig rig="threePt" dir="t"/>
+    </dgm:scene3d>
+    <dgm:sp3d/>
+    <dgm:txPr/>
+    <dgm:style>
+      <a:lnRef idx="2">
+        <a:scrgbClr r="0" g="0" b="0"/>
+      </a:lnRef>
+      <a:fillRef idx="0">
+        <a:scrgbClr r="0" g="0" b="0"/>
+      </a:fillRef>
+      <a:effectRef idx="0">
+        <a:scrgbClr r="0" g="0" b="0"/>
+      </a:effectRef>
+      <a:fontRef idx="minor"/>
+    </dgm:style>
+  </dgm:styleLbl>
+  <dgm:styleLbl name="parChTrans1D3">
+    <dgm:scene3d>
+      <a:camera prst="orthographicFront"/>
+      <a:lightRig rig="threePt" dir="t"/>
+    </dgm:scene3d>
+    <dgm:sp3d/>
+    <dgm:txPr/>
+    <dgm:style>
+      <a:lnRef idx="2">
+        <a:scrgbClr r="0" g="0" b="0"/>
+      </a:lnRef>
+      <a:fillRef idx="0">
+        <a:scrgbClr r="0" g="0" b="0"/>
+      </a:fillRef>
+      <a:effectRef idx="0">
+        <a:scrgbClr r="0" g="0" b="0"/>
+      </a:effectRef>
+      <a:fontRef idx="minor"/>
+    </dgm:style>
+  </dgm:styleLbl>
+  <dgm:styleLbl name="parChTrans1D4">
+    <dgm:scene3d>
+      <a:camera prst="orthographicFront"/>
+      <a:lightRig rig="threePt" dir="t"/>
+    </dgm:scene3d>
+    <dgm:sp3d/>
+    <dgm:txPr/>
+    <dgm:style>
+      <a:lnRef idx="2">
+        <a:scrgbClr r="0" g="0" b="0"/>
+      </a:lnRef>
+      <a:fillRef idx="0">
+        <a:scrgbClr r="0" g="0" b="0"/>
+      </a:fillRef>
+      <a:effectRef idx="0">
+        <a:scrgbClr r="0" g="0" b="0"/>
+      </a:effectRef>
+      <a:fontRef idx="minor"/>
+    </dgm:style>
+  </dgm:styleLbl>
+  <dgm:styleLbl name="fgAcc1">
+    <dgm:scene3d>
+      <a:camera prst="orthographicFront"/>
+      <a:lightRig rig="threePt" dir="t"/>
+    </dgm:scene3d>
+    <dgm:sp3d/>
+    <dgm:txPr/>
+    <dgm:style>
+      <a:lnRef idx="2">
+        <a:scrgbClr r="0" g="0" b="0"/>
+      </a:lnRef>
+      <a:fillRef idx="1">
+        <a:scrgbClr r="0" g="0" b="0"/>
+      </a:fillRef>
+      <a:effectRef idx="0">
+        <a:scrgbClr r="0" g="0" b="0"/>
+      </a:effectRef>
+      <a:fontRef idx="minor"/>
+    </dgm:style>
+  </dgm:styleLbl>
+  <dgm:styleLbl name="conFgAcc1">
+    <dgm:scene3d>
+      <a:camera prst="orthographicFront"/>
+      <a:lightRig rig="threePt" dir="t"/>
+    </dgm:scene3d>
+    <dgm:sp3d/>
+    <dgm:txPr/>
+    <dgm:style>
+      <a:lnRef idx="2">
+        <a:scrgbClr r="0" g="0" b="0"/>
+      </a:lnRef>
+      <a:fillRef idx="1">
+        <a:scrgbClr r="0" g="0" b="0"/>
+      </a:fillRef>
+      <a:effectRef idx="0">
+        <a:scrgbClr r="0" g="0" b="0"/>
+      </a:effectRef>
+      <a:fontRef idx="minor"/>
+    </dgm:style>
+  </dgm:styleLbl>
+  <dgm:styleLbl name="alignAcc1">
+    <dgm:scene3d>
+      <a:camera prst="orthographicFront"/>
+      <a:lightRig rig="threePt" dir="t"/>
+    </dgm:scene3d>
+    <dgm:sp3d/>
+    <dgm:txPr/>
+    <dgm:style>
+      <a:lnRef idx="2">
+        <a:scrgbClr r="0" g="0" b="0"/>
+      </a:lnRef>
+      <a:fillRef idx="1">
+        <a:scrgbClr r="0" g="0" b="0"/>
+      </a:fillRef>
+      <a:effectRef idx="0">
+        <a:scrgbClr r="0" g="0" b="0"/>
+      </a:effectRef>
+      <a:fontRef idx="minor"/>
+    </dgm:style>
+  </dgm:styleLbl>
+  <dgm:styleLbl name="trAlignAcc1">
+    <dgm:scene3d>
+      <a:camera prst="orthographicFront"/>
+      <a:lightRig rig="threePt" dir="t"/>
+    </dgm:scene3d>
+    <dgm:sp3d/>
+    <dgm:txPr/>
+    <dgm:style>
+      <a:lnRef idx="1">
+        <a:scrgbClr r="0" g="0" b="0"/>
+      </a:lnRef>
+      <a:fillRef idx="1">
+        <a:scrgbClr r="0" g="0" b="0"/>
+      </a:fillRef>
+      <a:effectRef idx="0">
+        <a:scrgbClr r="0" g="0" b="0"/>
+      </a:effectRef>
+      <a:fontRef idx="minor"/>
+    </dgm:style>
+  </dgm:styleLbl>
+  <dgm:styleLbl name="bgAcc1">
+    <dgm:scene3d>
+      <a:camera prst="orthographicFront"/>
+      <a:lightRig rig="threePt" dir="t"/>
+    </dgm:scene3d>
+    <dgm:sp3d/>
+    <dgm:txPr/>
+    <dgm:style>
+      <a:lnRef idx="2">
+        <a:scrgbClr r="0" g="0" b="0"/>
+      </a:lnRef>
+      <a:fillRef idx="1">
+        <a:scrgbClr r="0" g="0" b="0"/>
+      </a:fillRef>
+      <a:effectRef idx="0">
+        <a:scrgbClr r="0" g="0" b="0"/>
+      </a:effectRef>
+      <a:fontRef idx="minor"/>
+    </dgm:style>
+  </dgm:styleLbl>
+  <dgm:styleLbl name="solidFgAcc1">
+    <dgm:scene3d>
+      <a:camera prst="orthographicFront"/>
+      <a:lightRig rig="threePt" dir="t"/>
+    </dgm:scene3d>
+    <dgm:sp3d/>
+    <dgm:txPr/>
+    <dgm:style>
+      <a:lnRef idx="2">
+        <a:scrgbClr r="0" g="0" b="0"/>
+      </a:lnRef>
+      <a:fillRef idx="1">
+        <a:scrgbClr r="0" g="0" b="0"/>
+      </a:fillRef>
+      <a:effectRef idx="0">
+        <a:scrgbClr r="0" g="0" b="0"/>
+      </a:effectRef>
+      <a:fontRef idx="minor"/>
+    </dgm:style>
+  </dgm:styleLbl>
+  <dgm:styleLbl name="solidAlignAcc1">
+    <dgm:scene3d>
+      <a:camera prst="orthographicFront"/>
+      <a:lightRig rig="threePt" dir="t"/>
+    </dgm:scene3d>
+    <dgm:sp3d/>
+    <dgm:txPr/>
+    <dgm:style>
+      <a:lnRef idx="2">
+        <a:scrgbClr r="0" g="0" b="0"/>
+      </a:lnRef>
+      <a:fillRef idx="1">
+        <a:scrgbClr r="0" g="0" b="0"/>
+      </a:fillRef>
+      <a:effectRef idx="0">
+        <a:scrgbClr r="0" g="0" b="0"/>
+      </a:effectRef>
+      <a:fontRef idx="minor"/>
+    </dgm:style>
+  </dgm:styleLbl>
+  <dgm:styleLbl name="solidBgAcc1">
+    <dgm:scene3d>
+      <a:camera prst="orthographicFront"/>
+      <a:lightRig rig="threePt" dir="t"/>
+    </dgm:scene3d>
+    <dgm:sp3d/>
+    <dgm:txPr/>
+    <dgm:style>
+      <a:lnRef idx="2">
+        <a:scrgbClr r="0" g="0" b="0"/>
+      </a:lnRef>
+      <a:fillRef idx="1">
+        <a:scrgbClr r="0" g="0" b="0"/>
+      </a:fillRef>
+      <a:effectRef idx="0">
+        <a:scrgbClr r="0" g="0" b="0"/>
+      </a:effectRef>
+      <a:fontRef idx="minor"/>
+    </dgm:style>
+  </dgm:styleLbl>
+  <dgm:styleLbl name="fgAccFollowNode1">
+    <dgm:scene3d>
+      <a:camera prst="orthographicFront"/>
+      <a:lightRig rig="threePt" dir="t"/>
+    </dgm:scene3d>
+    <dgm:sp3d/>
+    <dgm:txPr/>
+    <dgm:style>
+      <a:lnRef idx="2">
+        <a:scrgbClr r="0" g="0" b="0"/>
+      </a:lnRef>
+      <a:fillRef idx="1">
+        <a:scrgbClr r="0" g="0" b="0"/>
+      </a:fillRef>
+      <a:effectRef idx="0">
+        <a:scrgbClr r="0" g="0" b="0"/>
+      </a:effectRef>
+      <a:fontRef idx="minor"/>
+    </dgm:style>
+  </dgm:styleLbl>
+  <dgm:styleLbl name="alignAccFollowNode1">
+    <dgm:scene3d>
+      <a:camera prst="orthographicFront"/>
+      <a:lightRig rig="threePt" dir="t"/>
+    </dgm:scene3d>
+    <dgm:sp3d/>
+    <dgm:txPr/>
+    <dgm:style>
+      <a:lnRef idx="2">
+        <a:scrgbClr r="0" g="0" b="0"/>
+      </a:lnRef>
+      <a:fillRef idx="1">
+        <a:scrgbClr r="0" g="0" b="0"/>
+      </a:fillRef>
+      <a:effectRef idx="0">
+        <a:scrgbClr r="0" g="0" b="0"/>
+      </a:effectRef>
+      <a:fontRef idx="minor"/>
+    </dgm:style>
+  </dgm:styleLbl>
+  <dgm:styleLbl name="bgAccFollowNode1">
+    <dgm:scene3d>
+      <a:camera prst="orthographicFront"/>
+      <a:lightRig rig="threePt" dir="t"/>
+    </dgm:scene3d>
+    <dgm:sp3d/>
+    <dgm:txPr/>
+    <dgm:style>
+      <a:lnRef idx="2">
+        <a:scrgbClr r="0" g="0" b="0"/>
+      </a:lnRef>
+      <a:fillRef idx="1">
+        <a:scrgbClr r="0" g="0" b="0"/>
+      </a:fillRef>
+      <a:effectRef idx="0">
+        <a:scrgbClr r="0" g="0" b="0"/>
+      </a:effectRef>
+      <a:fontRef idx="minor"/>
+    </dgm:style>
+  </dgm:styleLbl>
+  <dgm:styleLbl name="fgAcc0">
+    <dgm:scene3d>
+      <a:camera prst="orthographicFront"/>
+      <a:lightRig rig="threePt" dir="t"/>
+    </dgm:scene3d>
+    <dgm:sp3d/>
+    <dgm:txPr/>
+    <dgm:style>
+      <a:lnRef idx="2">
+        <a:scrgbClr r="0" g="0" b="0"/>
+      </a:lnRef>
+      <a:fillRef idx="1">
+        <a:scrgbClr r="0" g="0" b="0"/>
+      </a:fillRef>
+      <a:effectRef idx="0">
+        <a:scrgbClr r="0" g="0" b="0"/>
+      </a:effectRef>
+      <a:fontRef idx="minor"/>
+    </dgm:style>
+  </dgm:styleLbl>
+  <dgm:styleLbl name="fgAcc2">
+    <dgm:scene3d>
+      <a:camera prst="orthographicFront"/>
+      <a:lightRig rig="threePt" dir="t"/>
+    </dgm:scene3d>
+    <dgm:sp3d/>
+    <dgm:txPr/>
+    <dgm:style>
+      <a:lnRef idx="2">
+        <a:scrgbClr r="0" g="0" b="0"/>
+      </a:lnRef>
+      <a:fillRef idx="1">
+        <a:scrgbClr r="0" g="0" b="0"/>
+      </a:fillRef>
+      <a:effectRef idx="0">
+        <a:scrgbClr r="0" g="0" b="0"/>
+      </a:effectRef>
+      <a:fontRef idx="minor"/>
+    </dgm:style>
+  </dgm:styleLbl>
+  <dgm:styleLbl name="fgAcc3">
+    <dgm:scene3d>
+      <a:camera prst="orthographicFront"/>
+      <a:lightRig rig="threePt" dir="t"/>
+    </dgm:scene3d>
+    <dgm:sp3d/>
+    <dgm:txPr/>
+    <dgm:style>
+      <a:lnRef idx="2">
+        <a:scrgbClr r="0" g="0" b="0"/>
+      </a:lnRef>
+      <a:fillRef idx="1">
+        <a:scrgbClr r="0" g="0" b="0"/>
+      </a:fillRef>
+      <a:effectRef idx="0">
+        <a:scrgbClr r="0" g="0" b="0"/>
+      </a:effectRef>
+      <a:fontRef idx="minor"/>
+    </dgm:style>
+  </dgm:styleLbl>
+  <dgm:styleLbl name="fgAcc4">
+    <dgm:scene3d>
+      <a:camera prst="orthographicFront"/>
+      <a:lightRig rig="threePt" dir="t"/>
+    </dgm:scene3d>
+    <dgm:sp3d/>
+    <dgm:txPr/>
+    <dgm:style>
+      <a:lnRef idx="2">
+        <a:scrgbClr r="0" g="0" b="0"/>
+      </a:lnRef>
+      <a:fillRef idx="1">
+        <a:scrgbClr r="0" g="0" b="0"/>
+      </a:fillRef>
+      <a:effectRef idx="0">
+        <a:scrgbClr r="0" g="0" b="0"/>
+      </a:effectRef>
+      <a:fontRef idx="minor"/>
+    </dgm:style>
+  </dgm:styleLbl>
+  <dgm:styleLbl name="bgShp">
+    <dgm:scene3d>
+      <a:camera prst="orthographicFront"/>
+      <a:lightRig rig="threePt" dir="t"/>
+    </dgm:scene3d>
+    <dgm:sp3d/>
+    <dgm:txPr/>
+    <dgm:style>
+      <a:lnRef idx="0">
+        <a:scrgbClr r="0" g="0" b="0"/>
+      </a:lnRef>
+      <a:fillRef idx="1">
+        <a:scrgbClr r="0" g="0" b="0"/>
+      </a:fillRef>
+      <a:effectRef idx="0">
+        <a:scrgbClr r="0" g="0" b="0"/>
+      </a:effectRef>
+      <a:fontRef idx="minor"/>
+    </dgm:style>
+  </dgm:styleLbl>
+  <dgm:styleLbl name="dkBgShp">
+    <dgm:scene3d>
+      <a:camera prst="orthographicFront"/>
+      <a:lightRig rig="threePt" dir="t"/>
+    </dgm:scene3d>
+    <dgm:sp3d/>
+    <dgm:txPr/>
+    <dgm:style>
+      <a:lnRef idx="0">
+        <a:scrgbClr r="0" g="0" b="0"/>
+      </a:lnRef>
+      <a:fillRef idx="1">
+        <a:scrgbClr r="0" g="0" b="0"/>
+      </a:fillRef>
+      <a:effectRef idx="0">
+        <a:scrgbClr r="0" g="0" b="0"/>
+      </a:effectRef>
+      <a:fontRef idx="minor"/>
+    </dgm:style>
+  </dgm:styleLbl>
+  <dgm:styleLbl name="trBgShp">
+    <dgm:scene3d>
+      <a:camera prst="orthographicFront"/>
+      <a:lightRig rig="threePt" dir="t"/>
+    </dgm:scene3d>
+    <dgm:sp3d/>
+    <dgm:txPr/>
+    <dgm:style>
+      <a:lnRef idx="0">
+        <a:scrgbClr r="0" g="0" b="0"/>
+      </a:lnRef>
+      <a:fillRef idx="1">
+        <a:scrgbClr r="0" g="0" b="0"/>
+      </a:fillRef>
+      <a:effectRef idx="0">
+        <a:scrgbClr r="0" g="0" b="0"/>
+      </a:effectRef>
+      <a:fontRef idx="minor"/>
+    </dgm:style>
+  </dgm:styleLbl>
+  <dgm:styleLbl name="fgShp">
+    <dgm:scene3d>
+      <a:camera prst="orthographicFront"/>
+      <a:lightRig rig="threePt" dir="t"/>
+    </dgm:scene3d>
+    <dgm:sp3d/>
+    <dgm:txPr/>
+    <dgm:style>
+      <a:lnRef idx="2">
+        <a:scrgbClr r="0" g="0" b="0"/>
+      </a:lnRef>
+      <a:fillRef idx="1">
+        <a:scrgbClr r="0" g="0" b="0"/>
+      </a:fillRef>
+      <a:effectRef idx="0">
+        <a:scrgbClr r="0" g="0" b="0"/>
+      </a:effectRef>
+      <a:fontRef idx="minor"/>
+    </dgm:style>
+  </dgm:styleLbl>
+  <dgm:styleLbl name="revTx">
+    <dgm:scene3d>
+      <a:camera prst="orthographicFront"/>
+      <a:lightRig rig="threePt" dir="t"/>
+    </dgm:scene3d>
+    <dgm:sp3d/>
+    <dgm:txPr/>
+    <dgm:style>
+      <a:lnRef idx="0">
+        <a:scrgbClr r="0" g="0" b="0"/>
+      </a:lnRef>
+      <a:fillRef idx="0">
+        <a:scrgbClr r="0" g="0" b="0"/>
+      </a:fillRef>
+      <a:effectRef idx="0">
+        <a:scrgbClr r="0" g="0" b="0"/>
+      </a:effectRef>
+      <a:fontRef idx="minor"/>
+    </dgm:style>
+  </dgm:styleLbl>
+</dgm:styleDef>
+</file>
+
+<file path=ppt/notesMasters/notesMaster1.xml><?xml version="1.0" encoding="utf-8"?>
+<p:notesMaster xmlns:a="http://schemas.openxmlformats.org/drawingml/2006/main" xmlns:r="http://schemas.openxmlformats.org/officeDocument/2006/relationships" xmlns:p="http://schemas.openxmlformats.org/presentationml/2006/main">
+  <p:cSld>
+    <p:bg>
+      <p:bgRef idx="1001">
+        <a:schemeClr val="bg1"/>
+      </p:bgRef>
+    </p:bg>
+    <p:spTree>
+      <p:nvGrpSpPr>
+        <p:cNvPr id="1" name=""/>
+        <p:cNvGrpSpPr/>
+        <p:nvPr/>
+      </p:nvGrpSpPr>
+      <p:grpSpPr>
+        <a:xfrm>
+          <a:off x="0" y="0"/>
+          <a:ext cx="0" cy="0"/>
+          <a:chOff x="0" y="0"/>
+          <a:chExt cx="0" cy="0"/>
+        </a:xfrm>
+      </p:grpSpPr>
+      <p:sp>
+        <p:nvSpPr>
+          <p:cNvPr id="2" name="Header Placeholder 1"/>
+          <p:cNvSpPr>
+            <a:spLocks noGrp="1"/>
+          </p:cNvSpPr>
+          <p:nvPr>
+            <p:ph type="hdr" sz="quarter"/>
+          </p:nvPr>
+        </p:nvSpPr>
+        <p:spPr>
+          <a:xfrm>
+            <a:off x="0" y="0"/>
+            <a:ext cx="2971800" cy="458788"/>
+          </a:xfrm>
+          <a:prstGeom prst="rect">
+            <a:avLst/>
+          </a:prstGeom>
+        </p:spPr>
+        <p:txBody>
+          <a:bodyPr vert="horz" lIns="91440" tIns="45720" rIns="91440" bIns="45720" rtlCol="0"/>
+          <a:lstStyle>
+            <a:lvl1pPr algn="l">
+              <a:defRPr sz="1200"/>
+            </a:lvl1pPr>
+          </a:lstStyle>
+          <a:p>
+            <a:endParaRPr lang="en-US"/>
+          </a:p>
+        </p:txBody>
+      </p:sp>
+      <p:sp>
+        <p:nvSpPr>
+          <p:cNvPr id="3" name="Date Placeholder 2"/>
+          <p:cNvSpPr>
+            <a:spLocks noGrp="1"/>
+          </p:cNvSpPr>
+          <p:nvPr>
+            <p:ph type="dt" idx="1"/>
+          </p:nvPr>
+        </p:nvSpPr>
+        <p:spPr>
+          <a:xfrm>
+            <a:off x="3884613" y="0"/>
+            <a:ext cx="2971800" cy="458788"/>
+          </a:xfrm>
+          <a:prstGeom prst="rect">
+            <a:avLst/>
+          </a:prstGeom>
+        </p:spPr>
+        <p:txBody>
+          <a:bodyPr vert="horz" lIns="91440" tIns="45720" rIns="91440" bIns="45720" rtlCol="0"/>
+          <a:lstStyle>
+            <a:lvl1pPr algn="r">
+              <a:defRPr sz="1200"/>
+            </a:lvl1pPr>
+          </a:lstStyle>
+          <a:p>
+            <a:fld id="{97C31B88-78DA-4A48-99E2-DE0AAE9483BF}" type="datetimeFigureOut">
+              <a:rPr lang="en-US" smtClean="0"/>
+              <a:t>7/19/2020</a:t>
+            </a:fld>
+            <a:endParaRPr lang="en-US"/>
+          </a:p>
+        </p:txBody>
+      </p:sp>
+      <p:sp>
+        <p:nvSpPr>
+          <p:cNvPr id="4" name="Slide Image Placeholder 3"/>
+          <p:cNvSpPr>
+            <a:spLocks noGrp="1" noRot="1" noChangeAspect="1"/>
+          </p:cNvSpPr>
+          <p:nvPr>
+            <p:ph type="sldImg" idx="2"/>
+          </p:nvPr>
+        </p:nvSpPr>
+        <p:spPr>
+          <a:xfrm>
+            <a:off x="685800" y="1143000"/>
+            <a:ext cx="5486400" cy="3086100"/>
+          </a:xfrm>
+          <a:prstGeom prst="rect">
+            <a:avLst/>
+          </a:prstGeom>
+          <a:noFill/>
+          <a:ln w="12700">
+            <a:solidFill>
+              <a:prstClr val="black"/>
+            </a:solidFill>
+          </a:ln>
+        </p:spPr>
+        <p:txBody>
+          <a:bodyPr vert="horz" lIns="91440" tIns="45720" rIns="91440" bIns="45720" rtlCol="0" anchor="ctr"/>
+          <a:lstStyle/>
+          <a:p>
+            <a:endParaRPr lang="en-US"/>
+          </a:p>
+        </p:txBody>
+      </p:sp>
+      <p:sp>
+        <p:nvSpPr>
+          <p:cNvPr id="5" name="Notes Placeholder 4"/>
+          <p:cNvSpPr>
+            <a:spLocks noGrp="1"/>
+          </p:cNvSpPr>
+          <p:nvPr>
+            <p:ph type="body" sz="quarter" idx="3"/>
+          </p:nvPr>
+        </p:nvSpPr>
+        <p:spPr>
+          <a:xfrm>
+            <a:off x="685800" y="4400550"/>
+            <a:ext cx="5486400" cy="3600450"/>
+          </a:xfrm>
+          <a:prstGeom prst="rect">
+            <a:avLst/>
+          </a:prstGeom>
+        </p:spPr>
+        <p:txBody>
+          <a:bodyPr vert="horz" lIns="91440" tIns="45720" rIns="91440" bIns="45720" rtlCol="0"/>
+          <a:lstStyle/>
+          <a:p>
+            <a:pPr lvl="0"/>
+            <a:r>
+              <a:rPr lang="en-US"/>
+              <a:t>Click to edit Master text styles</a:t>
+            </a:r>
+          </a:p>
+          <a:p>
+            <a:pPr lvl="1"/>
+            <a:r>
+              <a:rPr lang="en-US"/>
+              <a:t>Second level</a:t>
+            </a:r>
+          </a:p>
+          <a:p>
+            <a:pPr lvl="2"/>
+            <a:r>
+              <a:rPr lang="en-US"/>
+              <a:t>Third level</a:t>
+            </a:r>
+          </a:p>
+          <a:p>
+            <a:pPr lvl="3"/>
+            <a:r>
+              <a:rPr lang="en-US"/>
+              <a:t>Fourth level</a:t>
+            </a:r>
+          </a:p>
+          <a:p>
+            <a:pPr lvl="4"/>
+            <a:r>
+              <a:rPr lang="en-US"/>
+              <a:t>Fifth level</a:t>
+            </a:r>
+          </a:p>
+        </p:txBody>
+      </p:sp>
+      <p:sp>
+        <p:nvSpPr>
+          <p:cNvPr id="6" name="Footer Placeholder 5"/>
+          <p:cNvSpPr>
+            <a:spLocks noGrp="1"/>
+          </p:cNvSpPr>
+          <p:nvPr>
+            <p:ph type="ftr" sz="quarter" idx="4"/>
+          </p:nvPr>
+        </p:nvSpPr>
+        <p:spPr>
+          <a:xfrm>
+            <a:off x="0" y="8685213"/>
+            <a:ext cx="2971800" cy="458787"/>
+          </a:xfrm>
+          <a:prstGeom prst="rect">
+            <a:avLst/>
+          </a:prstGeom>
+        </p:spPr>
+        <p:txBody>
+          <a:bodyPr vert="horz" lIns="91440" tIns="45720" rIns="91440" bIns="45720" rtlCol="0" anchor="b"/>
+          <a:lstStyle>
+            <a:lvl1pPr algn="l">
+              <a:defRPr sz="1200"/>
+            </a:lvl1pPr>
+          </a:lstStyle>
+          <a:p>
+            <a:endParaRPr lang="en-US"/>
+          </a:p>
+        </p:txBody>
+      </p:sp>
+      <p:sp>
+        <p:nvSpPr>
+          <p:cNvPr id="7" name="Slide Number Placeholder 6"/>
+          <p:cNvSpPr>
+            <a:spLocks noGrp="1"/>
+          </p:cNvSpPr>
+          <p:nvPr>
+            <p:ph type="sldNum" sz="quarter" idx="5"/>
+          </p:nvPr>
+        </p:nvSpPr>
+        <p:spPr>
+          <a:xfrm>
+            <a:off x="3884613" y="8685213"/>
+            <a:ext cx="2971800" cy="458787"/>
+          </a:xfrm>
+          <a:prstGeom prst="rect">
+            <a:avLst/>
+          </a:prstGeom>
+        </p:spPr>
+        <p:txBody>
+          <a:bodyPr vert="horz" lIns="91440" tIns="45720" rIns="91440" bIns="45720" rtlCol="0" anchor="b"/>
+          <a:lstStyle>
+            <a:lvl1pPr algn="r">
+              <a:defRPr sz="1200"/>
+            </a:lvl1pPr>
+          </a:lstStyle>
+          <a:p>
+            <a:fld id="{6A188F23-DDBA-4A74-8B22-2613224FF2EC}" type="slidenum">
+              <a:rPr lang="en-US" smtClean="0"/>
+              <a:t>‹#›</a:t>
+            </a:fld>
+            <a:endParaRPr lang="en-US"/>
+          </a:p>
+        </p:txBody>
+      </p:sp>
+    </p:spTree>
+    <p:extLst>
+      <p:ext uri="{BB962C8B-B14F-4D97-AF65-F5344CB8AC3E}">
+        <p14:creationId xmlns:p14="http://schemas.microsoft.com/office/powerpoint/2010/main" val="3854856834"/>
+      </p:ext>
+    </p:extLst>
+  </p:cSld>
+  <p:clrMap bg1="lt1" tx1="dk1" bg2="lt2" tx2="dk2" accent1="accent1" accent2="accent2" accent3="accent3" accent4="accent4" accent5="accent5" accent6="accent6" hlink="hlink" folHlink="folHlink"/>
+  <p:notesStyle>
+    <a:lvl1pPr marL="0" algn="l" defTabSz="914400" rtl="0" eaLnBrk="1" latinLnBrk="0" hangingPunct="1">
+      <a:defRPr sz="1200" kern="1200">
+        <a:solidFill>
+          <a:schemeClr val="tx1"/>
+        </a:solidFill>
+        <a:latin typeface="+mn-lt"/>
+        <a:ea typeface="+mn-ea"/>
+        <a:cs typeface="+mn-cs"/>
+      </a:defRPr>
+    </a:lvl1pPr>
+    <a:lvl2pPr marL="457200" algn="l" defTabSz="914400" rtl="0" eaLnBrk="1" latinLnBrk="0" hangingPunct="1">
+      <a:defRPr sz="1200" kern="1200">
+        <a:solidFill>
+          <a:schemeClr val="tx1"/>
+        </a:solidFill>
+        <a:latin typeface="+mn-lt"/>
+        <a:ea typeface="+mn-ea"/>
+        <a:cs typeface="+mn-cs"/>
+      </a:defRPr>
+    </a:lvl2pPr>
+    <a:lvl3pPr marL="914400" algn="l" defTabSz="914400" rtl="0" eaLnBrk="1" latinLnBrk="0" hangingPunct="1">
+      <a:defRPr sz="1200" kern="1200">
+        <a:solidFill>
+          <a:schemeClr val="tx1"/>
+        </a:solidFill>
+        <a:latin typeface="+mn-lt"/>
+        <a:ea typeface="+mn-ea"/>
+        <a:cs typeface="+mn-cs"/>
+      </a:defRPr>
+    </a:lvl3pPr>
+    <a:lvl4pPr marL="1371600" algn="l" defTabSz="914400" rtl="0" eaLnBrk="1" latinLnBrk="0" hangingPunct="1">
+      <a:defRPr sz="1200" kern="1200">
+        <a:solidFill>
+          <a:schemeClr val="tx1"/>
+        </a:solidFill>
+        <a:latin typeface="+mn-lt"/>
+        <a:ea typeface="+mn-ea"/>
+        <a:cs typeface="+mn-cs"/>
+      </a:defRPr>
+    </a:lvl4pPr>
+    <a:lvl5pPr marL="1828800" algn="l" defTabSz="914400" rtl="0" eaLnBrk="1" latinLnBrk="0" hangingPunct="1">
+      <a:defRPr sz="1200" kern="1200">
+        <a:solidFill>
+          <a:schemeClr val="tx1"/>
+        </a:solidFill>
+        <a:latin typeface="+mn-lt"/>
+        <a:ea typeface="+mn-ea"/>
+        <a:cs typeface="+mn-cs"/>
+      </a:defRPr>
+    </a:lvl5pPr>
+    <a:lvl6pPr marL="2286000" algn="l" defTabSz="914400" rtl="0" eaLnBrk="1" latinLnBrk="0" hangingPunct="1">
+      <a:defRPr sz="1200" kern="1200">
+        <a:solidFill>
+          <a:schemeClr val="tx1"/>
+        </a:solidFill>
+        <a:latin typeface="+mn-lt"/>
+        <a:ea typeface="+mn-ea"/>
+        <a:cs typeface="+mn-cs"/>
+      </a:defRPr>
+    </a:lvl6pPr>
+    <a:lvl7pPr marL="2743200" algn="l" defTabSz="914400" rtl="0" eaLnBrk="1" latinLnBrk="0" hangingPunct="1">
+      <a:defRPr sz="1200" kern="1200">
+        <a:solidFill>
+          <a:schemeClr val="tx1"/>
+        </a:solidFill>
+        <a:latin typeface="+mn-lt"/>
+        <a:ea typeface="+mn-ea"/>
+        <a:cs typeface="+mn-cs"/>
+      </a:defRPr>
+    </a:lvl7pPr>
+    <a:lvl8pPr marL="3200400" algn="l" defTabSz="914400" rtl="0" eaLnBrk="1" latinLnBrk="0" hangingPunct="1">
+      <a:defRPr sz="1200" kern="1200">
+        <a:solidFill>
+          <a:schemeClr val="tx1"/>
+        </a:solidFill>
+        <a:latin typeface="+mn-lt"/>
+        <a:ea typeface="+mn-ea"/>
+        <a:cs typeface="+mn-cs"/>
+      </a:defRPr>
+    </a:lvl8pPr>
+    <a:lvl9pPr marL="3657600" algn="l" defTabSz="914400" rtl="0" eaLnBrk="1" latinLnBrk="0" hangingPunct="1">
+      <a:defRPr sz="1200" kern="1200">
+        <a:solidFill>
+          <a:schemeClr val="tx1"/>
+        </a:solidFill>
+        <a:latin typeface="+mn-lt"/>
+        <a:ea typeface="+mn-ea"/>
+        <a:cs typeface="+mn-cs"/>
+      </a:defRPr>
+    </a:lvl9pPr>
+  </p:notesStyle>
+</p:notesMaster>
+</file>
+
+<file path=ppt/notesSlides/notesSlide1.xml><?xml version="1.0" encoding="utf-8"?>
+<p:notes xmlns:a="http://schemas.openxmlformats.org/drawingml/2006/main" xmlns:r="http://schemas.openxmlformats.org/officeDocument/2006/relationships" xmlns:p="http://schemas.openxmlformats.org/presentationml/2006/main">
+  <p:cSld>
+    <p:spTree>
+      <p:nvGrpSpPr>
+        <p:cNvPr id="1" name=""/>
+        <p:cNvGrpSpPr/>
+        <p:nvPr/>
+      </p:nvGrpSpPr>
+      <p:grpSpPr>
+        <a:xfrm>
+          <a:off x="0" y="0"/>
+          <a:ext cx="0" cy="0"/>
+          <a:chOff x="0" y="0"/>
+          <a:chExt cx="0" cy="0"/>
+        </a:xfrm>
+      </p:grpSpPr>
+      <p:sp>
+        <p:nvSpPr>
+          <p:cNvPr id="2" name="Slide Image Placeholder 1"/>
+          <p:cNvSpPr>
+            <a:spLocks noGrp="1" noRot="1" noChangeAspect="1"/>
+          </p:cNvSpPr>
+          <p:nvPr>
+            <p:ph type="sldImg"/>
+          </p:nvPr>
+        </p:nvSpPr>
+        <p:spPr/>
+      </p:sp>
+      <p:sp>
+        <p:nvSpPr>
+          <p:cNvPr id="3" name="Notes Placeholder 2"/>
+          <p:cNvSpPr>
+            <a:spLocks noGrp="1"/>
+          </p:cNvSpPr>
+          <p:nvPr>
+            <p:ph type="body" idx="1"/>
+          </p:nvPr>
+        </p:nvSpPr>
+        <p:spPr/>
+        <p:txBody>
+          <a:bodyPr/>
+          <a:lstStyle/>
+          <a:p>
+            <a:pPr marL="0" marR="0" lvl="0" indent="0" algn="l" defTabSz="914400" rtl="0" eaLnBrk="1" fontAlgn="auto" latinLnBrk="0" hangingPunct="1">
+              <a:lnSpc>
+                <a:spcPct val="100000"/>
+              </a:lnSpc>
+              <a:spcBef>
+                <a:spcPts val="0"/>
+              </a:spcBef>
+              <a:spcAft>
+                <a:spcPts val="0"/>
+              </a:spcAft>
+              <a:buClrTx/>
+              <a:buSzTx/>
+              <a:buFontTx/>
+              <a:buNone/>
+              <a:tabLst/>
+              <a:defRPr/>
+            </a:pPr>
+            <a:r>
+              <a:rPr lang="en-US" sz="1800" dirty="0">
+                <a:effectLst/>
+                <a:latin typeface="Times New Roman" panose="02020603050405020304" pitchFamily="18" charset="0"/>
+                <a:ea typeface="Calibri" panose="020F0502020204030204" pitchFamily="34" charset="0"/>
+              </a:rPr>
+              <a:t>Good afternoon, today, we are going to discuss the challenges and opportunities that exist around mobile device management.  This discussion will begin with a brief history lesson and an analysis of the legal frameworks that are shaping our journey forward.  Afterward, an assessment of the risks specific to mobile device management will guide the conversation toward tooling and frameworks for constraining those threats.</a:t>
+            </a:r>
+          </a:p>
+          <a:p>
+            <a:endParaRPr lang="en-US" dirty="0"/>
+          </a:p>
+        </p:txBody>
+      </p:sp>
+      <p:sp>
+        <p:nvSpPr>
+          <p:cNvPr id="4" name="Slide Number Placeholder 3"/>
+          <p:cNvSpPr>
+            <a:spLocks noGrp="1"/>
+          </p:cNvSpPr>
+          <p:nvPr>
+            <p:ph type="sldNum" sz="quarter" idx="5"/>
+          </p:nvPr>
+        </p:nvSpPr>
+        <p:spPr/>
+        <p:txBody>
+          <a:bodyPr/>
+          <a:lstStyle/>
+          <a:p>
+            <a:fld id="{6A188F23-DDBA-4A74-8B22-2613224FF2EC}" type="slidenum">
+              <a:rPr lang="en-US" smtClean="0"/>
+              <a:t>2</a:t>
+            </a:fld>
+            <a:endParaRPr lang="en-US"/>
+          </a:p>
+        </p:txBody>
+      </p:sp>
+    </p:spTree>
+    <p:extLst>
+      <p:ext uri="{BB962C8B-B14F-4D97-AF65-F5344CB8AC3E}">
+        <p14:creationId xmlns:p14="http://schemas.microsoft.com/office/powerpoint/2010/main" val="3023170453"/>
+      </p:ext>
+    </p:extLst>
+  </p:cSld>
+  <p:clrMapOvr>
+    <a:masterClrMapping/>
+  </p:clrMapOvr>
+</p:notes>
+</file>
+
+<file path=ppt/notesSlides/notesSlide10.xml><?xml version="1.0" encoding="utf-8"?>
+<p:notes xmlns:a="http://schemas.openxmlformats.org/drawingml/2006/main" xmlns:r="http://schemas.openxmlformats.org/officeDocument/2006/relationships" xmlns:p="http://schemas.openxmlformats.org/presentationml/2006/main">
+  <p:cSld>
+    <p:spTree>
+      <p:nvGrpSpPr>
+        <p:cNvPr id="1" name=""/>
+        <p:cNvGrpSpPr/>
+        <p:nvPr/>
+      </p:nvGrpSpPr>
+      <p:grpSpPr>
+        <a:xfrm>
+          <a:off x="0" y="0"/>
+          <a:ext cx="0" cy="0"/>
+          <a:chOff x="0" y="0"/>
+          <a:chExt cx="0" cy="0"/>
+        </a:xfrm>
+      </p:grpSpPr>
+      <p:sp>
+        <p:nvSpPr>
+          <p:cNvPr id="2" name="Slide Image Placeholder 1"/>
+          <p:cNvSpPr>
+            <a:spLocks noGrp="1" noRot="1" noChangeAspect="1"/>
+          </p:cNvSpPr>
+          <p:nvPr>
+            <p:ph type="sldImg"/>
+          </p:nvPr>
+        </p:nvSpPr>
+        <p:spPr/>
+      </p:sp>
+      <p:sp>
+        <p:nvSpPr>
+          <p:cNvPr id="3" name="Notes Placeholder 2"/>
+          <p:cNvSpPr>
+            <a:spLocks noGrp="1"/>
+          </p:cNvSpPr>
+          <p:nvPr>
+            <p:ph type="body" idx="1"/>
+          </p:nvPr>
+        </p:nvSpPr>
+        <p:spPr/>
+        <p:txBody>
+          <a:bodyPr/>
+          <a:lstStyle/>
+          <a:p>
+            <a:pPr marL="0" marR="0" lvl="0" indent="0" algn="l" defTabSz="914400" rtl="0" eaLnBrk="1" fontAlgn="auto" latinLnBrk="0" hangingPunct="1">
+              <a:lnSpc>
+                <a:spcPct val="100000"/>
+              </a:lnSpc>
+              <a:spcBef>
+                <a:spcPts val="0"/>
+              </a:spcBef>
+              <a:spcAft>
+                <a:spcPts val="0"/>
+              </a:spcAft>
+              <a:buClrTx/>
+              <a:buSzTx/>
+              <a:buFontTx/>
+              <a:buNone/>
+              <a:tabLst/>
+              <a:defRPr/>
+            </a:pPr>
+            <a:r>
+              <a:rPr lang="en-US" sz="1800" dirty="0">
+                <a:effectLst/>
+                <a:latin typeface="Times New Roman" panose="02020603050405020304" pitchFamily="18" charset="0"/>
+                <a:ea typeface="Calibri" panose="020F0502020204030204" pitchFamily="34" charset="0"/>
+              </a:rPr>
+              <a:t>Gartner (2019) enumerates several MDM vendors and calls out strengths and weaknesses among their offerings.  Of these providers, Microsoft’s Intune stands out for being both a SaaS-based solution and supportability for most mainstream devices.  Service integrations allow connecting existing on-premise CMT solutions like Microsoft Configuration Manager.  </a:t>
+            </a:r>
+          </a:p>
+          <a:p>
+            <a:pPr marL="0" marR="0" lvl="0" indent="0" algn="l" defTabSz="914400" rtl="0" eaLnBrk="1" fontAlgn="auto" latinLnBrk="0" hangingPunct="1">
+              <a:lnSpc>
+                <a:spcPct val="100000"/>
+              </a:lnSpc>
+              <a:spcBef>
+                <a:spcPts val="0"/>
+              </a:spcBef>
+              <a:spcAft>
+                <a:spcPts val="0"/>
+              </a:spcAft>
+              <a:buClrTx/>
+              <a:buSzTx/>
+              <a:buFontTx/>
+              <a:buNone/>
+              <a:tabLst/>
+              <a:defRPr/>
+            </a:pPr>
+            <a:endParaRPr lang="en-US" sz="1800" dirty="0">
+              <a:effectLst/>
+              <a:latin typeface="Times New Roman" panose="02020603050405020304" pitchFamily="18" charset="0"/>
+              <a:ea typeface="Calibri" panose="020F0502020204030204" pitchFamily="34" charset="0"/>
+            </a:endParaRPr>
+          </a:p>
+          <a:p>
+            <a:pPr marL="0" marR="0" lvl="0" indent="0" algn="l" defTabSz="914400" rtl="0" eaLnBrk="1" fontAlgn="auto" latinLnBrk="0" hangingPunct="1">
+              <a:lnSpc>
+                <a:spcPct val="100000"/>
+              </a:lnSpc>
+              <a:spcBef>
+                <a:spcPts val="0"/>
+              </a:spcBef>
+              <a:spcAft>
+                <a:spcPts val="0"/>
+              </a:spcAft>
+              <a:buClrTx/>
+              <a:buSzTx/>
+              <a:buFontTx/>
+              <a:buNone/>
+              <a:tabLst/>
+              <a:defRPr/>
+            </a:pPr>
+            <a:r>
+              <a:rPr lang="en-US" sz="1800" dirty="0">
+                <a:effectLst/>
+                <a:latin typeface="Times New Roman" panose="02020603050405020304" pitchFamily="18" charset="0"/>
+                <a:ea typeface="Calibri" panose="020F0502020204030204" pitchFamily="34" charset="0"/>
+              </a:rPr>
+              <a:t>Administrators can enjoy a wide range of scenario-specific configuration templates and extensive reporting capabilities.  Other market leaders include MobileIron, IBM, and VMWare, which come with similar feature sets and unique challenges.</a:t>
+            </a:r>
+          </a:p>
+          <a:p>
+            <a:endParaRPr lang="en-US" dirty="0"/>
+          </a:p>
+        </p:txBody>
+      </p:sp>
+      <p:sp>
+        <p:nvSpPr>
+          <p:cNvPr id="4" name="Slide Number Placeholder 3"/>
+          <p:cNvSpPr>
+            <a:spLocks noGrp="1"/>
+          </p:cNvSpPr>
+          <p:nvPr>
+            <p:ph type="sldNum" sz="quarter" idx="5"/>
+          </p:nvPr>
+        </p:nvSpPr>
+        <p:spPr/>
+        <p:txBody>
+          <a:bodyPr/>
+          <a:lstStyle/>
+          <a:p>
+            <a:fld id="{6A188F23-DDBA-4A74-8B22-2613224FF2EC}" type="slidenum">
+              <a:rPr lang="en-US" smtClean="0"/>
+              <a:t>11</a:t>
+            </a:fld>
+            <a:endParaRPr lang="en-US"/>
+          </a:p>
+        </p:txBody>
+      </p:sp>
+    </p:spTree>
+    <p:extLst>
+      <p:ext uri="{BB962C8B-B14F-4D97-AF65-F5344CB8AC3E}">
+        <p14:creationId xmlns:p14="http://schemas.microsoft.com/office/powerpoint/2010/main" val="115273875"/>
+      </p:ext>
+    </p:extLst>
+  </p:cSld>
+  <p:clrMapOvr>
+    <a:masterClrMapping/>
+  </p:clrMapOvr>
+</p:notes>
+</file>
+
+<file path=ppt/notesSlides/notesSlide11.xml><?xml version="1.0" encoding="utf-8"?>
+<p:notes xmlns:a="http://schemas.openxmlformats.org/drawingml/2006/main" xmlns:r="http://schemas.openxmlformats.org/officeDocument/2006/relationships" xmlns:p="http://schemas.openxmlformats.org/presentationml/2006/main">
+  <p:cSld>
+    <p:spTree>
+      <p:nvGrpSpPr>
+        <p:cNvPr id="1" name=""/>
+        <p:cNvGrpSpPr/>
+        <p:nvPr/>
+      </p:nvGrpSpPr>
+      <p:grpSpPr>
+        <a:xfrm>
+          <a:off x="0" y="0"/>
+          <a:ext cx="0" cy="0"/>
+          <a:chOff x="0" y="0"/>
+          <a:chExt cx="0" cy="0"/>
+        </a:xfrm>
+      </p:grpSpPr>
+      <p:sp>
+        <p:nvSpPr>
+          <p:cNvPr id="2" name="Slide Image Placeholder 1"/>
+          <p:cNvSpPr>
+            <a:spLocks noGrp="1" noRot="1" noChangeAspect="1"/>
+          </p:cNvSpPr>
+          <p:nvPr>
+            <p:ph type="sldImg"/>
+          </p:nvPr>
+        </p:nvSpPr>
+        <p:spPr/>
+      </p:sp>
+      <p:sp>
+        <p:nvSpPr>
+          <p:cNvPr id="3" name="Notes Placeholder 2"/>
+          <p:cNvSpPr>
+            <a:spLocks noGrp="1"/>
+          </p:cNvSpPr>
+          <p:nvPr>
+            <p:ph type="body" idx="1"/>
+          </p:nvPr>
+        </p:nvSpPr>
+        <p:spPr/>
+        <p:txBody>
+          <a:bodyPr/>
+          <a:lstStyle/>
+          <a:p>
+            <a:pPr marL="0" marR="0" lvl="0" indent="0" algn="l" defTabSz="914400" rtl="0" eaLnBrk="1" fontAlgn="auto" latinLnBrk="0" hangingPunct="1">
+              <a:lnSpc>
+                <a:spcPct val="100000"/>
+              </a:lnSpc>
+              <a:spcBef>
+                <a:spcPts val="0"/>
+              </a:spcBef>
+              <a:spcAft>
+                <a:spcPts val="0"/>
+              </a:spcAft>
+              <a:buClrTx/>
+              <a:buSzTx/>
+              <a:buFontTx/>
+              <a:buNone/>
+              <a:tabLst/>
+              <a:defRPr/>
+            </a:pPr>
+            <a:r>
+              <a:rPr lang="en-US" sz="1800" b="1" dirty="0">
+                <a:effectLst/>
+                <a:latin typeface="Times New Roman" panose="02020603050405020304" pitchFamily="18" charset="0"/>
+                <a:ea typeface="Calibri" panose="020F0502020204030204" pitchFamily="34" charset="0"/>
+              </a:rPr>
+              <a:t>Requirements</a:t>
+            </a:r>
+          </a:p>
+          <a:p>
+            <a:pPr marL="0" marR="0" lvl="0" indent="0" algn="l" defTabSz="914400" rtl="0" eaLnBrk="1" fontAlgn="auto" latinLnBrk="0" hangingPunct="1">
+              <a:lnSpc>
+                <a:spcPct val="100000"/>
+              </a:lnSpc>
+              <a:spcBef>
+                <a:spcPts val="0"/>
+              </a:spcBef>
+              <a:spcAft>
+                <a:spcPts val="0"/>
+              </a:spcAft>
+              <a:buClrTx/>
+              <a:buSzTx/>
+              <a:buFontTx/>
+              <a:buNone/>
+              <a:tabLst/>
+              <a:defRPr/>
+            </a:pPr>
+            <a:endParaRPr lang="en-US" sz="1800" b="1" dirty="0">
+              <a:effectLst/>
+              <a:latin typeface="Times New Roman" panose="02020603050405020304" pitchFamily="18" charset="0"/>
+              <a:ea typeface="Calibri" panose="020F0502020204030204" pitchFamily="34" charset="0"/>
+            </a:endParaRPr>
+          </a:p>
+          <a:p>
+            <a:pPr marL="0" marR="0" lvl="0" indent="0" algn="l" defTabSz="914400" rtl="0" eaLnBrk="1" fontAlgn="auto" latinLnBrk="0" hangingPunct="1">
+              <a:lnSpc>
+                <a:spcPct val="100000"/>
+              </a:lnSpc>
+              <a:spcBef>
+                <a:spcPts val="0"/>
+              </a:spcBef>
+              <a:spcAft>
+                <a:spcPts val="0"/>
+              </a:spcAft>
+              <a:buClrTx/>
+              <a:buSzTx/>
+              <a:buFontTx/>
+              <a:buNone/>
+              <a:tabLst/>
+              <a:defRPr/>
+            </a:pPr>
+            <a:r>
+              <a:rPr lang="en-US" sz="1800" dirty="0">
+                <a:effectLst/>
+                <a:latin typeface="Times New Roman" panose="02020603050405020304" pitchFamily="18" charset="0"/>
+                <a:ea typeface="Calibri" panose="020F0502020204030204" pitchFamily="34" charset="0"/>
+              </a:rPr>
+              <a:t>Building accountable information policy requires sponsorship, transparency, auditability, and the ability to remediate non-compliance (Jackson &amp; Walshe, 2013).  These foundational components require executive sponsorship to ensure data collection strategies align with corporate values.  For instance, a school district might be sensitive to any appearance of encroaching on student privacy or infringing FERPA norms (Langlois, 2014).  These values might limit data assemblage within software inventory reports on those devices.</a:t>
+            </a:r>
+          </a:p>
+          <a:p>
+            <a:endParaRPr lang="en-US" dirty="0"/>
+          </a:p>
+          <a:p>
+            <a:r>
+              <a:rPr lang="en-US" b="1" dirty="0"/>
+              <a:t>Application</a:t>
+            </a:r>
+          </a:p>
+          <a:p>
+            <a:endParaRPr lang="en-US" b="1" dirty="0"/>
+          </a:p>
+          <a:p>
+            <a:pPr marL="0" marR="0" lvl="0" indent="0" algn="l" defTabSz="914400" rtl="0" eaLnBrk="1" fontAlgn="auto" latinLnBrk="0" hangingPunct="1">
+              <a:lnSpc>
+                <a:spcPct val="100000"/>
+              </a:lnSpc>
+              <a:spcBef>
+                <a:spcPts val="0"/>
+              </a:spcBef>
+              <a:spcAft>
+                <a:spcPts val="0"/>
+              </a:spcAft>
+              <a:buClrTx/>
+              <a:buSzTx/>
+              <a:buFontTx/>
+              <a:buNone/>
+              <a:tabLst/>
+              <a:defRPr/>
+            </a:pPr>
+            <a:r>
+              <a:rPr lang="en-US" sz="1800" dirty="0">
+                <a:effectLst/>
+                <a:latin typeface="Times New Roman" panose="02020603050405020304" pitchFamily="18" charset="0"/>
+                <a:ea typeface="Calibri" panose="020F0502020204030204" pitchFamily="34" charset="0"/>
+              </a:rPr>
+              <a:t>The people, processes, and products of the institution must also be aware of these values and understand how to apply them.  This awareness starts with training about industry-specific requirements and the rationale behind these ideas.  Next processes, must leverage that training to incorporate the best practices into every business workflow.  For example, the business might have various categorizations of customer data, with each category requiring retention durations and access policies.  Documentation needs to record these decisions and relevant controls for internal and external auditing.  Processes that are auditable and transparent encourages staff to make ethical decisions, knowing action scrutiny will follow later.  Finally, no business workflow is perfect, and mistakes are bound to happen.  Remediation strategies must be possible to need to correct erroneous behaviors and restore compliance.</a:t>
+            </a:r>
+          </a:p>
+          <a:p>
+            <a:endParaRPr lang="en-US" b="1" dirty="0"/>
+          </a:p>
+        </p:txBody>
+      </p:sp>
+      <p:sp>
+        <p:nvSpPr>
+          <p:cNvPr id="4" name="Slide Number Placeholder 3"/>
+          <p:cNvSpPr>
+            <a:spLocks noGrp="1"/>
+          </p:cNvSpPr>
+          <p:nvPr>
+            <p:ph type="sldNum" sz="quarter" idx="5"/>
+          </p:nvPr>
+        </p:nvSpPr>
+        <p:spPr/>
+        <p:txBody>
+          <a:bodyPr/>
+          <a:lstStyle/>
+          <a:p>
+            <a:fld id="{6A188F23-DDBA-4A74-8B22-2613224FF2EC}" type="slidenum">
+              <a:rPr lang="en-US" smtClean="0"/>
+              <a:t>12</a:t>
+            </a:fld>
+            <a:endParaRPr lang="en-US"/>
+          </a:p>
+        </p:txBody>
+      </p:sp>
+    </p:spTree>
+    <p:extLst>
+      <p:ext uri="{BB962C8B-B14F-4D97-AF65-F5344CB8AC3E}">
+        <p14:creationId xmlns:p14="http://schemas.microsoft.com/office/powerpoint/2010/main" val="574540744"/>
+      </p:ext>
+    </p:extLst>
+  </p:cSld>
+  <p:clrMapOvr>
+    <a:masterClrMapping/>
+  </p:clrMapOvr>
+</p:notes>
+</file>
+
+<file path=ppt/notesSlides/notesSlide12.xml><?xml version="1.0" encoding="utf-8"?>
+<p:notes xmlns:a="http://schemas.openxmlformats.org/drawingml/2006/main" xmlns:r="http://schemas.openxmlformats.org/officeDocument/2006/relationships" xmlns:p="http://schemas.openxmlformats.org/presentationml/2006/main">
+  <p:cSld>
+    <p:spTree>
+      <p:nvGrpSpPr>
+        <p:cNvPr id="1" name=""/>
+        <p:cNvGrpSpPr/>
+        <p:nvPr/>
+      </p:nvGrpSpPr>
+      <p:grpSpPr>
+        <a:xfrm>
+          <a:off x="0" y="0"/>
+          <a:ext cx="0" cy="0"/>
+          <a:chOff x="0" y="0"/>
+          <a:chExt cx="0" cy="0"/>
+        </a:xfrm>
+      </p:grpSpPr>
+      <p:sp>
+        <p:nvSpPr>
+          <p:cNvPr id="2" name="Slide Image Placeholder 1"/>
+          <p:cNvSpPr>
+            <a:spLocks noGrp="1" noRot="1" noChangeAspect="1"/>
+          </p:cNvSpPr>
+          <p:nvPr>
+            <p:ph type="sldImg"/>
+          </p:nvPr>
+        </p:nvSpPr>
+        <p:spPr/>
+      </p:sp>
+      <p:sp>
+        <p:nvSpPr>
+          <p:cNvPr id="3" name="Notes Placeholder 2"/>
+          <p:cNvSpPr>
+            <a:spLocks noGrp="1"/>
+          </p:cNvSpPr>
+          <p:nvPr>
+            <p:ph type="body" idx="1"/>
+          </p:nvPr>
+        </p:nvSpPr>
+        <p:spPr/>
+        <p:txBody>
+          <a:bodyPr/>
+          <a:lstStyle/>
+          <a:p>
+            <a:r>
+              <a:rPr lang="en-US" sz="1800" b="1" dirty="0">
+                <a:effectLst/>
+                <a:latin typeface="Times New Roman" panose="02020603050405020304" pitchFamily="18" charset="0"/>
+                <a:ea typeface="Calibri" panose="020F0502020204030204" pitchFamily="34" charset="0"/>
+              </a:rPr>
+              <a:t>Approach</a:t>
+            </a:r>
+          </a:p>
+          <a:p>
+            <a:endParaRPr lang="en-US" sz="1800" b="1" dirty="0">
+              <a:effectLst/>
+              <a:latin typeface="Times New Roman" panose="02020603050405020304" pitchFamily="18" charset="0"/>
+              <a:ea typeface="Calibri" panose="020F0502020204030204" pitchFamily="34" charset="0"/>
+            </a:endParaRPr>
+          </a:p>
+          <a:p>
+            <a:r>
+              <a:rPr lang="en-US" sz="1800" dirty="0">
+                <a:effectLst/>
+                <a:latin typeface="Times New Roman" panose="02020603050405020304" pitchFamily="18" charset="0"/>
+                <a:ea typeface="Calibri" panose="020F0502020204030204" pitchFamily="34" charset="0"/>
+              </a:rPr>
+              <a:t>Risk management systems, like COBIT and NIST Cybersecurity Framework, follow feedback loops that identify threats, plan a response, implements that plan, and confirm the resolution (Baskerville, Rowe, &amp; Wolff, 2018).  Each cycle through this process addresses a distinct problem and then mitigates it.  Handling privacy and mobility concerns can follow a similar workflow.  For example, the organization wants to expand its mobile device management to cover a subsidy in a foreign nation.</a:t>
+            </a:r>
+          </a:p>
+          <a:p>
+            <a:endParaRPr lang="en-US" sz="1800" dirty="0">
+              <a:effectLst/>
+              <a:latin typeface="Times New Roman" panose="02020603050405020304" pitchFamily="18" charset="0"/>
+            </a:endParaRPr>
+          </a:p>
+          <a:p>
+            <a:r>
+              <a:rPr lang="en-US" sz="1800" b="1" dirty="0">
+                <a:effectLst/>
+                <a:latin typeface="Times New Roman" panose="02020603050405020304" pitchFamily="18" charset="0"/>
+              </a:rPr>
+              <a:t>Example Scenario</a:t>
+            </a:r>
+          </a:p>
+          <a:p>
+            <a:endParaRPr lang="en-US" sz="1800" b="1" dirty="0">
+              <a:effectLst/>
+              <a:latin typeface="Times New Roman" panose="02020603050405020304" pitchFamily="18" charset="0"/>
+            </a:endParaRPr>
+          </a:p>
+          <a:p>
+            <a:pPr marL="0" marR="0" lvl="0" indent="0" algn="l" defTabSz="914400" rtl="0" eaLnBrk="1" fontAlgn="auto" latinLnBrk="0" hangingPunct="1">
+              <a:lnSpc>
+                <a:spcPct val="100000"/>
+              </a:lnSpc>
+              <a:spcBef>
+                <a:spcPts val="0"/>
+              </a:spcBef>
+              <a:spcAft>
+                <a:spcPts val="0"/>
+              </a:spcAft>
+              <a:buClrTx/>
+              <a:buSzTx/>
+              <a:buFontTx/>
+              <a:buNone/>
+              <a:tabLst/>
+              <a:defRPr/>
+            </a:pPr>
+            <a:r>
+              <a:rPr lang="en-US" sz="1800" dirty="0">
+                <a:effectLst/>
+                <a:latin typeface="Times New Roman" panose="02020603050405020304" pitchFamily="18" charset="0"/>
+                <a:ea typeface="Calibri" panose="020F0502020204030204" pitchFamily="34" charset="0"/>
+              </a:rPr>
+              <a:t>First, the leadership team needs to identify any privacy and related laws for that region.  This step might involve hiring or contracting a specialist to navigate the overseas legal systems.  Second, following the results to guide a response strategy that influences policies and data collection across those team members.  After implementing the plan, there needs to be an audit and process validation with experts to confirm the solution meets the specification.  Finally, periodic assessments must identify any policy changes that justify executing another loop iteration.</a:t>
+            </a:r>
+          </a:p>
+          <a:p>
+            <a:endParaRPr lang="en-US" dirty="0"/>
+          </a:p>
+        </p:txBody>
+      </p:sp>
+      <p:sp>
+        <p:nvSpPr>
+          <p:cNvPr id="4" name="Slide Number Placeholder 3"/>
+          <p:cNvSpPr>
+            <a:spLocks noGrp="1"/>
+          </p:cNvSpPr>
+          <p:nvPr>
+            <p:ph type="sldNum" sz="quarter" idx="5"/>
+          </p:nvPr>
+        </p:nvSpPr>
+        <p:spPr/>
+        <p:txBody>
+          <a:bodyPr/>
+          <a:lstStyle/>
+          <a:p>
+            <a:fld id="{6A188F23-DDBA-4A74-8B22-2613224FF2EC}" type="slidenum">
+              <a:rPr lang="en-US" smtClean="0"/>
+              <a:t>13</a:t>
+            </a:fld>
+            <a:endParaRPr lang="en-US"/>
+          </a:p>
+        </p:txBody>
+      </p:sp>
+    </p:spTree>
+    <p:extLst>
+      <p:ext uri="{BB962C8B-B14F-4D97-AF65-F5344CB8AC3E}">
+        <p14:creationId xmlns:p14="http://schemas.microsoft.com/office/powerpoint/2010/main" val="3487709031"/>
+      </p:ext>
+    </p:extLst>
+  </p:cSld>
+  <p:clrMapOvr>
+    <a:masterClrMapping/>
+  </p:clrMapOvr>
+</p:notes>
+</file>
+
+<file path=ppt/notesSlides/notesSlide13.xml><?xml version="1.0" encoding="utf-8"?>
+<p:notes xmlns:a="http://schemas.openxmlformats.org/drawingml/2006/main" xmlns:r="http://schemas.openxmlformats.org/officeDocument/2006/relationships" xmlns:p="http://schemas.openxmlformats.org/presentationml/2006/main">
+  <p:cSld>
+    <p:spTree>
+      <p:nvGrpSpPr>
+        <p:cNvPr id="1" name=""/>
+        <p:cNvGrpSpPr/>
+        <p:nvPr/>
+      </p:nvGrpSpPr>
+      <p:grpSpPr>
+        <a:xfrm>
+          <a:off x="0" y="0"/>
+          <a:ext cx="0" cy="0"/>
+          <a:chOff x="0" y="0"/>
+          <a:chExt cx="0" cy="0"/>
+        </a:xfrm>
+      </p:grpSpPr>
+      <p:sp>
+        <p:nvSpPr>
+          <p:cNvPr id="2" name="Slide Image Placeholder 1"/>
+          <p:cNvSpPr>
+            <a:spLocks noGrp="1" noRot="1" noChangeAspect="1"/>
+          </p:cNvSpPr>
+          <p:nvPr>
+            <p:ph type="sldImg"/>
+          </p:nvPr>
+        </p:nvSpPr>
+        <p:spPr/>
+      </p:sp>
+      <p:sp>
+        <p:nvSpPr>
+          <p:cNvPr id="3" name="Notes Placeholder 2"/>
+          <p:cNvSpPr>
+            <a:spLocks noGrp="1"/>
+          </p:cNvSpPr>
+          <p:nvPr>
+            <p:ph type="body" idx="1"/>
+          </p:nvPr>
+        </p:nvSpPr>
+        <p:spPr/>
+        <p:txBody>
+          <a:bodyPr/>
+          <a:lstStyle/>
+          <a:p>
+            <a:pPr marL="0" marR="0">
+              <a:lnSpc>
+                <a:spcPct val="200000"/>
+              </a:lnSpc>
+              <a:spcBef>
+                <a:spcPts val="0"/>
+              </a:spcBef>
+              <a:spcAft>
+                <a:spcPts val="0"/>
+              </a:spcAft>
+            </a:pPr>
+            <a:r>
+              <a:rPr lang="en-US" sz="1800" b="1" dirty="0">
+                <a:effectLst/>
+                <a:latin typeface="Times New Roman" panose="02020603050405020304" pitchFamily="18" charset="0"/>
+                <a:ea typeface="Calibri" panose="020F0502020204030204" pitchFamily="34" charset="0"/>
+              </a:rPr>
+              <a:t>Technology is Evolving</a:t>
+            </a:r>
+          </a:p>
+          <a:p>
+            <a:pPr marL="0" marR="0">
+              <a:lnSpc>
+                <a:spcPct val="200000"/>
+              </a:lnSpc>
+              <a:spcBef>
+                <a:spcPts val="0"/>
+              </a:spcBef>
+              <a:spcAft>
+                <a:spcPts val="0"/>
+              </a:spcAft>
+            </a:pPr>
+            <a:r>
+              <a:rPr lang="en-US" sz="1800" dirty="0">
+                <a:effectLst/>
+                <a:latin typeface="Times New Roman" panose="02020603050405020304" pitchFamily="18" charset="0"/>
+                <a:ea typeface="Calibri" panose="020F0502020204030204" pitchFamily="34" charset="0"/>
+              </a:rPr>
+              <a:t>The core objective of any organization is to deliver on efficiently deliver on its mission.  Over the last fifty years, technology has viciously evolved to meet these needs from its humble beginnings with centralized data warehouses.  These business entities escaped onto workstations that traditional client management tooling (CMT) could manage through rigid policy.  One of the challenges with this model is the tooling restricts innovation by forcing homogenous device configurations across the ecosystem versus exploiting IT to provide the best tool for the job.  The BYOD movement instead takes the position that employees should choose the device that enables them to be most productive.  Administrators must overcome the challenges from these variations and approach it from a position of policy governance, not a mandate.  The critical difference comes from businesses no longer explicitly owning the underlying hardware used by their employees and contractors.  	</a:t>
+            </a:r>
+          </a:p>
+          <a:p>
+            <a:pPr marL="0" marR="0">
+              <a:lnSpc>
+                <a:spcPct val="200000"/>
+              </a:lnSpc>
+              <a:spcBef>
+                <a:spcPts val="0"/>
+              </a:spcBef>
+              <a:spcAft>
+                <a:spcPts val="0"/>
+              </a:spcAft>
+            </a:pPr>
+            <a:endParaRPr lang="en-US" sz="1800" dirty="0">
+              <a:effectLst/>
+              <a:latin typeface="Times New Roman" panose="02020603050405020304" pitchFamily="18" charset="0"/>
+              <a:ea typeface="Calibri" panose="020F0502020204030204" pitchFamily="34" charset="0"/>
+            </a:endParaRPr>
+          </a:p>
+          <a:p>
+            <a:pPr marL="0" marR="0">
+              <a:lnSpc>
+                <a:spcPct val="200000"/>
+              </a:lnSpc>
+              <a:spcBef>
+                <a:spcPts val="0"/>
+              </a:spcBef>
+              <a:spcAft>
+                <a:spcPts val="0"/>
+              </a:spcAft>
+            </a:pPr>
+            <a:r>
+              <a:rPr lang="en-US" sz="1800" b="1" dirty="0">
+                <a:effectLst/>
+                <a:latin typeface="Times New Roman" panose="02020603050405020304" pitchFamily="18" charset="0"/>
+                <a:ea typeface="Calibri" panose="020F0502020204030204" pitchFamily="34" charset="0"/>
+              </a:rPr>
+              <a:t>Privacy Critical Design</a:t>
+            </a:r>
+          </a:p>
+          <a:p>
+            <a:pPr marL="0" marR="0">
+              <a:lnSpc>
+                <a:spcPct val="200000"/>
+              </a:lnSpc>
+              <a:spcBef>
+                <a:spcPts val="0"/>
+              </a:spcBef>
+              <a:spcAft>
+                <a:spcPts val="0"/>
+              </a:spcAft>
+            </a:pPr>
+            <a:r>
+              <a:rPr lang="en-US" sz="1800" dirty="0">
+                <a:effectLst/>
+                <a:latin typeface="Times New Roman" panose="02020603050405020304" pitchFamily="18" charset="0"/>
+                <a:ea typeface="Calibri" panose="020F0502020204030204" pitchFamily="34" charset="0"/>
+              </a:rPr>
+              <a:t>When the service administrator and device owner are different people, this introduces substantial risk to breach privacy norms.  After reviewing a cross-section of international, financial, health care, and educational privacy policies—themes begin to form.  These themes state that data from a user is the property of that person, and the scope of that statement is more extensive than one might initially think.  Failure to approach privacy from this perspective can cause legal or ethical challenges, neither are favorable to the organization. </a:t>
+            </a:r>
+          </a:p>
+          <a:p>
+            <a:pPr marL="0" marR="0">
+              <a:lnSpc>
+                <a:spcPct val="200000"/>
+              </a:lnSpc>
+              <a:spcBef>
+                <a:spcPts val="0"/>
+              </a:spcBef>
+              <a:spcAft>
+                <a:spcPts val="0"/>
+              </a:spcAft>
+            </a:pPr>
+            <a:endParaRPr lang="en-US" sz="1800" dirty="0">
+              <a:effectLst/>
+              <a:latin typeface="Times New Roman" panose="02020603050405020304" pitchFamily="18" charset="0"/>
+              <a:ea typeface="Calibri" panose="020F0502020204030204" pitchFamily="34" charset="0"/>
+            </a:endParaRPr>
+          </a:p>
+          <a:p>
+            <a:pPr marL="0" marR="0">
+              <a:lnSpc>
+                <a:spcPct val="200000"/>
+              </a:lnSpc>
+              <a:spcBef>
+                <a:spcPts val="0"/>
+              </a:spcBef>
+              <a:spcAft>
+                <a:spcPts val="0"/>
+              </a:spcAft>
+            </a:pPr>
+            <a:r>
+              <a:rPr lang="en-US" sz="1800" b="1" dirty="0">
+                <a:effectLst/>
+                <a:latin typeface="Times New Roman" panose="02020603050405020304" pitchFamily="18" charset="0"/>
+                <a:ea typeface="Calibri" panose="020F0502020204030204" pitchFamily="34" charset="0"/>
+              </a:rPr>
+              <a:t>Risks across Mobility</a:t>
+            </a:r>
+          </a:p>
+          <a:p>
+            <a:pPr marL="0" marR="0">
+              <a:lnSpc>
+                <a:spcPct val="200000"/>
+              </a:lnSpc>
+              <a:spcBef>
+                <a:spcPts val="0"/>
+              </a:spcBef>
+              <a:spcAft>
+                <a:spcPts val="0"/>
+              </a:spcAft>
+            </a:pPr>
+            <a:r>
+              <a:rPr lang="en-US" sz="1800" dirty="0">
+                <a:effectLst/>
+                <a:latin typeface="Times New Roman" panose="02020603050405020304" pitchFamily="18" charset="0"/>
+                <a:ea typeface="Calibri" panose="020F0502020204030204" pitchFamily="34" charset="0"/>
+              </a:rPr>
+              <a:t>Along with these privacy concerns are several risks that come from partially trusted devices and mobile platforms storing sensitive information.  These systems must run over hostile networks and handle being lost or stolen.  Outside of malicious scenarios, negligence can occur from using the machine in multiple contexts (e.g., business and pleasure).  Businesses can purchase MDM tooling like Intune to provide essential remediations to these challenges.  However, a holistic solution must go further and integrate into existing risk management frameworks. </a:t>
+            </a:r>
+            <a:r>
+              <a:rPr lang="en-US" sz="1800">
+                <a:effectLst/>
+                <a:latin typeface="Times New Roman" panose="02020603050405020304" pitchFamily="18" charset="0"/>
+                <a:ea typeface="Calibri" panose="020F0502020204030204" pitchFamily="34" charset="0"/>
+              </a:rPr>
+              <a:t>However, a holistic solution must go further and integrate into existing risk management frameworks.</a:t>
+            </a:r>
+            <a:endParaRPr lang="en-US" sz="1800" dirty="0">
+              <a:effectLst/>
+              <a:latin typeface="Times New Roman" panose="02020603050405020304" pitchFamily="18" charset="0"/>
+              <a:ea typeface="Calibri" panose="020F0502020204030204" pitchFamily="34" charset="0"/>
+            </a:endParaRPr>
+          </a:p>
+          <a:p>
+            <a:endParaRPr lang="en-US" dirty="0"/>
+          </a:p>
+        </p:txBody>
+      </p:sp>
+      <p:sp>
+        <p:nvSpPr>
+          <p:cNvPr id="4" name="Slide Number Placeholder 3"/>
+          <p:cNvSpPr>
+            <a:spLocks noGrp="1"/>
+          </p:cNvSpPr>
+          <p:nvPr>
+            <p:ph type="sldNum" sz="quarter" idx="5"/>
+          </p:nvPr>
+        </p:nvSpPr>
+        <p:spPr/>
+        <p:txBody>
+          <a:bodyPr/>
+          <a:lstStyle/>
+          <a:p>
+            <a:fld id="{6A188F23-DDBA-4A74-8B22-2613224FF2EC}" type="slidenum">
+              <a:rPr lang="en-US" smtClean="0"/>
+              <a:t>14</a:t>
+            </a:fld>
+            <a:endParaRPr lang="en-US"/>
+          </a:p>
+        </p:txBody>
+      </p:sp>
+    </p:spTree>
+    <p:extLst>
+      <p:ext uri="{BB962C8B-B14F-4D97-AF65-F5344CB8AC3E}">
+        <p14:creationId xmlns:p14="http://schemas.microsoft.com/office/powerpoint/2010/main" val="796285213"/>
+      </p:ext>
+    </p:extLst>
+  </p:cSld>
+  <p:clrMapOvr>
+    <a:masterClrMapping/>
+  </p:clrMapOvr>
+</p:notes>
+</file>
+
+<file path=ppt/notesSlides/notesSlide14.xml><?xml version="1.0" encoding="utf-8"?>
+<p:notes xmlns:a="http://schemas.openxmlformats.org/drawingml/2006/main" xmlns:r="http://schemas.openxmlformats.org/officeDocument/2006/relationships" xmlns:p="http://schemas.openxmlformats.org/presentationml/2006/main">
+  <p:cSld>
+    <p:spTree>
+      <p:nvGrpSpPr>
+        <p:cNvPr id="1" name=""/>
+        <p:cNvGrpSpPr/>
+        <p:nvPr/>
+      </p:nvGrpSpPr>
+      <p:grpSpPr>
+        <a:xfrm>
+          <a:off x="0" y="0"/>
+          <a:ext cx="0" cy="0"/>
+          <a:chOff x="0" y="0"/>
+          <a:chExt cx="0" cy="0"/>
+        </a:xfrm>
+      </p:grpSpPr>
+      <p:sp>
+        <p:nvSpPr>
+          <p:cNvPr id="2" name="Slide Image Placeholder 1"/>
+          <p:cNvSpPr>
+            <a:spLocks noGrp="1" noRot="1" noChangeAspect="1"/>
+          </p:cNvSpPr>
+          <p:nvPr>
+            <p:ph type="sldImg"/>
+          </p:nvPr>
+        </p:nvSpPr>
+        <p:spPr/>
+      </p:sp>
+      <p:sp>
+        <p:nvSpPr>
+          <p:cNvPr id="3" name="Notes Placeholder 2"/>
+          <p:cNvSpPr>
+            <a:spLocks noGrp="1"/>
+          </p:cNvSpPr>
+          <p:nvPr>
+            <p:ph type="body" idx="1"/>
+          </p:nvPr>
+        </p:nvSpPr>
+        <p:spPr/>
+        <p:txBody>
+          <a:bodyPr/>
+          <a:lstStyle/>
+          <a:p>
+            <a:pPr marL="457200" marR="0" indent="-457200">
+              <a:lnSpc>
+                <a:spcPct val="200000"/>
+              </a:lnSpc>
+              <a:spcBef>
+                <a:spcPts val="0"/>
+              </a:spcBef>
+              <a:spcAft>
+                <a:spcPts val="0"/>
+              </a:spcAft>
+            </a:pPr>
+            <a:r>
+              <a:rPr lang="en-US" sz="1800" dirty="0">
+                <a:effectLst/>
+                <a:latin typeface="Times New Roman" panose="02020603050405020304" pitchFamily="18" charset="0"/>
+                <a:ea typeface="Calibri" panose="020F0502020204030204" pitchFamily="34" charset="0"/>
+              </a:rPr>
+              <a:t>AHIMA. (2014, February 14). </a:t>
+            </a:r>
+            <a:r>
+              <a:rPr lang="en-US" sz="1800" i="1" dirty="0">
+                <a:effectLst/>
+                <a:latin typeface="Times New Roman" panose="02020603050405020304" pitchFamily="18" charset="0"/>
+                <a:ea typeface="Calibri" panose="020F0502020204030204" pitchFamily="34" charset="0"/>
+              </a:rPr>
+              <a:t>HITECH HIPAA Omnibus Rule’s Most Frequently Asked Questions</a:t>
+            </a:r>
+            <a:r>
+              <a:rPr lang="en-US" sz="1800" dirty="0">
+                <a:effectLst/>
+                <a:latin typeface="Times New Roman" panose="02020603050405020304" pitchFamily="18" charset="0"/>
+                <a:ea typeface="Calibri" panose="020F0502020204030204" pitchFamily="34" charset="0"/>
+              </a:rPr>
+              <a:t>. (American Health and Information Management Association) Retrieved from YouTube: https://www.youtube.com/watch?v=TyjUbMIJ26U</a:t>
+            </a:r>
+          </a:p>
+          <a:p>
+            <a:pPr marL="457200" marR="0" indent="-457200">
+              <a:lnSpc>
+                <a:spcPct val="200000"/>
+              </a:lnSpc>
+              <a:spcBef>
+                <a:spcPts val="0"/>
+              </a:spcBef>
+              <a:spcAft>
+                <a:spcPts val="0"/>
+              </a:spcAft>
+            </a:pPr>
+            <a:endParaRPr lang="en-US" sz="1800" dirty="0">
+              <a:effectLst/>
+              <a:latin typeface="Times New Roman" panose="02020603050405020304" pitchFamily="18" charset="0"/>
+              <a:ea typeface="Calibri" panose="020F0502020204030204" pitchFamily="34" charset="0"/>
+            </a:endParaRPr>
+          </a:p>
+          <a:p>
+            <a:pPr marL="457200" marR="0" indent="-457200">
+              <a:lnSpc>
+                <a:spcPct val="200000"/>
+              </a:lnSpc>
+              <a:spcBef>
+                <a:spcPts val="0"/>
+              </a:spcBef>
+              <a:spcAft>
+                <a:spcPts val="0"/>
+              </a:spcAft>
+            </a:pPr>
+            <a:r>
+              <a:rPr lang="en-US" sz="1800" dirty="0" err="1">
+                <a:effectLst/>
+                <a:latin typeface="Times New Roman" panose="02020603050405020304" pitchFamily="18" charset="0"/>
+                <a:ea typeface="Calibri" panose="020F0502020204030204" pitchFamily="34" charset="0"/>
+              </a:rPr>
+              <a:t>Astani</a:t>
+            </a:r>
+            <a:r>
+              <a:rPr lang="en-US" sz="1800" dirty="0">
+                <a:effectLst/>
+                <a:latin typeface="Times New Roman" panose="02020603050405020304" pitchFamily="18" charset="0"/>
+                <a:ea typeface="Calibri" panose="020F0502020204030204" pitchFamily="34" charset="0"/>
+              </a:rPr>
+              <a:t>, M., &amp; Ready, K. (2016). Trends and preventive strategies for mitigating cybersecurity breaches in organizations. </a:t>
+            </a:r>
+            <a:r>
+              <a:rPr lang="en-US" sz="1800" i="1" dirty="0">
+                <a:effectLst/>
+                <a:latin typeface="Times New Roman" panose="02020603050405020304" pitchFamily="18" charset="0"/>
+                <a:ea typeface="Calibri" panose="020F0502020204030204" pitchFamily="34" charset="0"/>
+              </a:rPr>
+              <a:t>Issues in Information Systems, 17</a:t>
+            </a:r>
+            <a:r>
+              <a:rPr lang="en-US" sz="1800" dirty="0">
+                <a:effectLst/>
+                <a:latin typeface="Times New Roman" panose="02020603050405020304" pitchFamily="18" charset="0"/>
+                <a:ea typeface="Calibri" panose="020F0502020204030204" pitchFamily="34" charset="0"/>
+              </a:rPr>
+              <a:t>(2), 208-214. Retrieved May 9, 2020, from https://iacis.org/iis/2016/2_iis_2016_208-214.pdf</a:t>
+            </a:r>
+          </a:p>
+          <a:p>
+            <a:pPr marL="457200" marR="0" indent="-457200">
+              <a:lnSpc>
+                <a:spcPct val="200000"/>
+              </a:lnSpc>
+              <a:spcBef>
+                <a:spcPts val="0"/>
+              </a:spcBef>
+              <a:spcAft>
+                <a:spcPts val="0"/>
+              </a:spcAft>
+            </a:pPr>
+            <a:endParaRPr lang="en-US" sz="1800" dirty="0">
+              <a:effectLst/>
+              <a:latin typeface="Times New Roman" panose="02020603050405020304" pitchFamily="18" charset="0"/>
+              <a:ea typeface="Calibri" panose="020F0502020204030204" pitchFamily="34" charset="0"/>
+            </a:endParaRPr>
+          </a:p>
+          <a:p>
+            <a:pPr marL="457200" marR="0" indent="-457200">
+              <a:lnSpc>
+                <a:spcPct val="200000"/>
+              </a:lnSpc>
+              <a:spcBef>
+                <a:spcPts val="0"/>
+              </a:spcBef>
+              <a:spcAft>
+                <a:spcPts val="0"/>
+              </a:spcAft>
+            </a:pPr>
+            <a:r>
+              <a:rPr lang="en-US" sz="1800" dirty="0">
+                <a:effectLst/>
+                <a:latin typeface="Times New Roman" panose="02020603050405020304" pitchFamily="18" charset="0"/>
+                <a:ea typeface="Calibri" panose="020F0502020204030204" pitchFamily="34" charset="0"/>
+              </a:rPr>
+              <a:t>Banks, W. (2017). Cyber espionage and electronic surveillance: beyond the media coverage. </a:t>
+            </a:r>
+            <a:r>
+              <a:rPr lang="en-US" sz="1800" i="1" dirty="0">
+                <a:effectLst/>
+                <a:latin typeface="Times New Roman" panose="02020603050405020304" pitchFamily="18" charset="0"/>
+                <a:ea typeface="Calibri" panose="020F0502020204030204" pitchFamily="34" charset="0"/>
+              </a:rPr>
+              <a:t>Emory Law Journal, 66</a:t>
+            </a:r>
+            <a:r>
+              <a:rPr lang="en-US" sz="1800" dirty="0">
+                <a:effectLst/>
+                <a:latin typeface="Times New Roman" panose="02020603050405020304" pitchFamily="18" charset="0"/>
+                <a:ea typeface="Calibri" panose="020F0502020204030204" pitchFamily="34" charset="0"/>
+              </a:rPr>
+              <a:t>(3), 513-525. Retrieved from https://search-ebscohost-com.proxy1.ncu.edu/login.aspx?direct=true&amp;db=ofs&amp;AN=121933698&amp;site=eds-live</a:t>
+            </a:r>
+          </a:p>
+          <a:p>
+            <a:pPr marL="457200" marR="0" indent="-457200">
+              <a:lnSpc>
+                <a:spcPct val="200000"/>
+              </a:lnSpc>
+              <a:spcBef>
+                <a:spcPts val="0"/>
+              </a:spcBef>
+              <a:spcAft>
+                <a:spcPts val="0"/>
+              </a:spcAft>
+            </a:pPr>
+            <a:endParaRPr lang="en-US" sz="1800" dirty="0">
+              <a:effectLst/>
+              <a:latin typeface="Times New Roman" panose="02020603050405020304" pitchFamily="18" charset="0"/>
+              <a:ea typeface="Calibri" panose="020F0502020204030204" pitchFamily="34" charset="0"/>
+            </a:endParaRPr>
+          </a:p>
+          <a:p>
+            <a:pPr marL="457200" marR="0" indent="-457200">
+              <a:lnSpc>
+                <a:spcPct val="200000"/>
+              </a:lnSpc>
+              <a:spcBef>
+                <a:spcPts val="0"/>
+              </a:spcBef>
+              <a:spcAft>
+                <a:spcPts val="0"/>
+              </a:spcAft>
+            </a:pPr>
+            <a:r>
+              <a:rPr lang="en-US" sz="1800" dirty="0">
+                <a:effectLst/>
+                <a:latin typeface="Times New Roman" panose="02020603050405020304" pitchFamily="18" charset="0"/>
+                <a:ea typeface="Calibri" panose="020F0502020204030204" pitchFamily="34" charset="0"/>
+              </a:rPr>
+              <a:t>Baskerville, R., Rowe, F., &amp; Wolff, F. (2018). Integration of information systems and cybersecurity countermeasures. </a:t>
+            </a:r>
+            <a:r>
+              <a:rPr lang="en-US" sz="1800" i="1" dirty="0">
+                <a:effectLst/>
+                <a:latin typeface="Times New Roman" panose="02020603050405020304" pitchFamily="18" charset="0"/>
+                <a:ea typeface="Calibri" panose="020F0502020204030204" pitchFamily="34" charset="0"/>
+              </a:rPr>
+              <a:t>SIGMIS Database. 49</a:t>
+            </a:r>
+            <a:r>
+              <a:rPr lang="en-US" sz="1800" dirty="0">
+                <a:effectLst/>
+                <a:latin typeface="Times New Roman" panose="02020603050405020304" pitchFamily="18" charset="0"/>
+                <a:ea typeface="Calibri" panose="020F0502020204030204" pitchFamily="34" charset="0"/>
+              </a:rPr>
+              <a:t>, 33-52. </a:t>
+            </a:r>
+            <a:r>
+              <a:rPr lang="en-US" sz="1800" dirty="0" err="1">
+                <a:effectLst/>
+                <a:latin typeface="Times New Roman" panose="02020603050405020304" pitchFamily="18" charset="0"/>
+                <a:ea typeface="Calibri" panose="020F0502020204030204" pitchFamily="34" charset="0"/>
+              </a:rPr>
+              <a:t>doi:https</a:t>
+            </a:r>
+            <a:r>
+              <a:rPr lang="en-US" sz="1800" dirty="0">
+                <a:effectLst/>
+                <a:latin typeface="Times New Roman" panose="02020603050405020304" pitchFamily="18" charset="0"/>
+                <a:ea typeface="Calibri" panose="020F0502020204030204" pitchFamily="34" charset="0"/>
+              </a:rPr>
+              <a:t>://doi.org/10.1145/3184444.3184448.</a:t>
+            </a:r>
+          </a:p>
+          <a:p>
+            <a:pPr marL="457200" marR="0" indent="-457200">
+              <a:lnSpc>
+                <a:spcPct val="200000"/>
+              </a:lnSpc>
+              <a:spcBef>
+                <a:spcPts val="0"/>
+              </a:spcBef>
+              <a:spcAft>
+                <a:spcPts val="0"/>
+              </a:spcAft>
+            </a:pPr>
+            <a:endParaRPr lang="en-US" sz="1800" dirty="0">
+              <a:effectLst/>
+              <a:latin typeface="Times New Roman" panose="02020603050405020304" pitchFamily="18" charset="0"/>
+              <a:ea typeface="Calibri" panose="020F0502020204030204" pitchFamily="34" charset="0"/>
+            </a:endParaRPr>
+          </a:p>
+          <a:p>
+            <a:pPr marL="457200" marR="0" indent="-457200">
+              <a:lnSpc>
+                <a:spcPct val="200000"/>
+              </a:lnSpc>
+              <a:spcBef>
+                <a:spcPts val="0"/>
+              </a:spcBef>
+              <a:spcAft>
+                <a:spcPts val="0"/>
+              </a:spcAft>
+            </a:pPr>
+            <a:r>
+              <a:rPr lang="en-US" sz="1800" dirty="0">
+                <a:effectLst/>
+                <a:latin typeface="Times New Roman" panose="02020603050405020304" pitchFamily="18" charset="0"/>
+                <a:ea typeface="Calibri" panose="020F0502020204030204" pitchFamily="34" charset="0"/>
+              </a:rPr>
+              <a:t>Busby, J., Green, B., &amp; Hutchison, D. (2017). Analysis of Affordance, Time, and Adaptation in the Assessment of Industrial Control System Cybersecurity Risk. </a:t>
+            </a:r>
+            <a:r>
+              <a:rPr lang="en-US" sz="1800" i="1" dirty="0">
+                <a:effectLst/>
+                <a:latin typeface="Times New Roman" panose="02020603050405020304" pitchFamily="18" charset="0"/>
+                <a:ea typeface="Calibri" panose="020F0502020204030204" pitchFamily="34" charset="0"/>
+              </a:rPr>
+              <a:t>Risk Analysis: An International Journal, 37</a:t>
+            </a:r>
+            <a:r>
+              <a:rPr lang="en-US" sz="1800" dirty="0">
+                <a:effectLst/>
+                <a:latin typeface="Times New Roman" panose="02020603050405020304" pitchFamily="18" charset="0"/>
+                <a:ea typeface="Calibri" panose="020F0502020204030204" pitchFamily="34" charset="0"/>
+              </a:rPr>
+              <a:t>(7), 1298-1314. </a:t>
+            </a:r>
+            <a:r>
+              <a:rPr lang="en-US" sz="1800" dirty="0" err="1">
+                <a:effectLst/>
+                <a:latin typeface="Times New Roman" panose="02020603050405020304" pitchFamily="18" charset="0"/>
+                <a:ea typeface="Calibri" panose="020F0502020204030204" pitchFamily="34" charset="0"/>
+              </a:rPr>
+              <a:t>doi:https</a:t>
+            </a:r>
+            <a:r>
+              <a:rPr lang="en-US" sz="1800" dirty="0">
+                <a:effectLst/>
+                <a:latin typeface="Times New Roman" panose="02020603050405020304" pitchFamily="18" charset="0"/>
+                <a:ea typeface="Calibri" panose="020F0502020204030204" pitchFamily="34" charset="0"/>
+              </a:rPr>
+              <a:t>://doi-org.proxy1.ncu.edu/10.1111/risa.12681</a:t>
+            </a:r>
+          </a:p>
+          <a:p>
+            <a:pPr marL="457200" marR="0" indent="-457200">
+              <a:lnSpc>
+                <a:spcPct val="200000"/>
+              </a:lnSpc>
+              <a:spcBef>
+                <a:spcPts val="0"/>
+              </a:spcBef>
+              <a:spcAft>
+                <a:spcPts val="0"/>
+              </a:spcAft>
+            </a:pPr>
+            <a:endParaRPr lang="en-US" sz="1800" dirty="0">
+              <a:effectLst/>
+              <a:latin typeface="Times New Roman" panose="02020603050405020304" pitchFamily="18" charset="0"/>
+              <a:ea typeface="Calibri" panose="020F0502020204030204" pitchFamily="34" charset="0"/>
+            </a:endParaRPr>
+          </a:p>
+          <a:p>
+            <a:pPr marL="457200" marR="0" indent="-457200">
+              <a:lnSpc>
+                <a:spcPct val="200000"/>
+              </a:lnSpc>
+              <a:spcBef>
+                <a:spcPts val="0"/>
+              </a:spcBef>
+              <a:spcAft>
+                <a:spcPts val="0"/>
+              </a:spcAft>
+            </a:pPr>
+            <a:r>
+              <a:rPr lang="en-US" sz="1800" dirty="0" err="1">
+                <a:effectLst/>
+                <a:latin typeface="Times New Roman" panose="02020603050405020304" pitchFamily="18" charset="0"/>
+                <a:ea typeface="Calibri" panose="020F0502020204030204" pitchFamily="34" charset="0"/>
+              </a:rPr>
+              <a:t>EDUStaff</a:t>
+            </a:r>
+            <a:r>
+              <a:rPr lang="en-US" sz="1800" dirty="0">
+                <a:effectLst/>
+                <a:latin typeface="Times New Roman" panose="02020603050405020304" pitchFamily="18" charset="0"/>
+                <a:ea typeface="Calibri" panose="020F0502020204030204" pitchFamily="34" charset="0"/>
+              </a:rPr>
+              <a:t>. (2016, May 3). </a:t>
+            </a:r>
+            <a:r>
+              <a:rPr lang="en-US" sz="1800" i="1" dirty="0" err="1">
+                <a:effectLst/>
+                <a:latin typeface="Times New Roman" panose="02020603050405020304" pitchFamily="18" charset="0"/>
+                <a:ea typeface="Calibri" panose="020F0502020204030204" pitchFamily="34" charset="0"/>
+              </a:rPr>
+              <a:t>SubTalk</a:t>
+            </a:r>
+            <a:r>
+              <a:rPr lang="en-US" sz="1800" i="1" dirty="0">
+                <a:effectLst/>
+                <a:latin typeface="Times New Roman" panose="02020603050405020304" pitchFamily="18" charset="0"/>
+                <a:ea typeface="Calibri" panose="020F0502020204030204" pitchFamily="34" charset="0"/>
+              </a:rPr>
+              <a:t>: FERPA What You Should Know</a:t>
+            </a:r>
+            <a:r>
+              <a:rPr lang="en-US" sz="1800" dirty="0">
+                <a:effectLst/>
+                <a:latin typeface="Times New Roman" panose="02020603050405020304" pitchFamily="18" charset="0"/>
+                <a:ea typeface="Calibri" panose="020F0502020204030204" pitchFamily="34" charset="0"/>
+              </a:rPr>
+              <a:t>. Retrieved from YouTube: https://www.youtube.com/watch?v=eIOmskTvp08</a:t>
+            </a:r>
+          </a:p>
+          <a:p>
+            <a:pPr marL="457200" marR="0" indent="-457200">
+              <a:lnSpc>
+                <a:spcPct val="200000"/>
+              </a:lnSpc>
+              <a:spcBef>
+                <a:spcPts val="0"/>
+              </a:spcBef>
+              <a:spcAft>
+                <a:spcPts val="0"/>
+              </a:spcAft>
+            </a:pPr>
+            <a:endParaRPr lang="en-US" sz="1800" dirty="0">
+              <a:effectLst/>
+              <a:latin typeface="Times New Roman" panose="02020603050405020304" pitchFamily="18" charset="0"/>
+              <a:ea typeface="Calibri" panose="020F0502020204030204" pitchFamily="34" charset="0"/>
+            </a:endParaRPr>
+          </a:p>
+          <a:p>
+            <a:pPr marL="457200" marR="0" indent="-457200">
+              <a:lnSpc>
+                <a:spcPct val="200000"/>
+              </a:lnSpc>
+              <a:spcBef>
+                <a:spcPts val="0"/>
+              </a:spcBef>
+              <a:spcAft>
+                <a:spcPts val="0"/>
+              </a:spcAft>
+            </a:pPr>
+            <a:r>
+              <a:rPr lang="en-US" sz="1800" dirty="0">
+                <a:effectLst/>
+                <a:latin typeface="Times New Roman" panose="02020603050405020304" pitchFamily="18" charset="0"/>
+                <a:ea typeface="Calibri" panose="020F0502020204030204" pitchFamily="34" charset="0"/>
+              </a:rPr>
+              <a:t>ERM Initiative Faculty. (2014). </a:t>
+            </a:r>
+            <a:r>
+              <a:rPr lang="en-US" sz="1800" i="1" dirty="0">
+                <a:effectLst/>
+                <a:latin typeface="Times New Roman" panose="02020603050405020304" pitchFamily="18" charset="0"/>
+                <a:ea typeface="Calibri" panose="020F0502020204030204" pitchFamily="34" charset="0"/>
+              </a:rPr>
+              <a:t>Managing risks of the mobile enterprise</a:t>
+            </a:r>
+            <a:r>
+              <a:rPr lang="en-US" sz="1800" dirty="0">
+                <a:effectLst/>
+                <a:latin typeface="Times New Roman" panose="02020603050405020304" pitchFamily="18" charset="0"/>
+                <a:ea typeface="Calibri" panose="020F0502020204030204" pitchFamily="34" charset="0"/>
+              </a:rPr>
+              <a:t>. Retrieved July 19, 2020, from NC State: Enterprise Risk Management Initiative: https://erm.ncsu.edu/library/article/manage-risks-mobile-enterprise</a:t>
+            </a:r>
+          </a:p>
+          <a:p>
+            <a:pPr marL="457200" marR="0" indent="-457200">
+              <a:lnSpc>
+                <a:spcPct val="200000"/>
+              </a:lnSpc>
+              <a:spcBef>
+                <a:spcPts val="0"/>
+              </a:spcBef>
+              <a:spcAft>
+                <a:spcPts val="0"/>
+              </a:spcAft>
+            </a:pPr>
+            <a:endParaRPr lang="en-US" sz="1800" dirty="0">
+              <a:effectLst/>
+              <a:latin typeface="Times New Roman" panose="02020603050405020304" pitchFamily="18" charset="0"/>
+              <a:ea typeface="Calibri" panose="020F0502020204030204" pitchFamily="34" charset="0"/>
+            </a:endParaRPr>
+          </a:p>
+          <a:p>
+            <a:pPr marL="457200" marR="0" indent="-457200">
+              <a:lnSpc>
+                <a:spcPct val="200000"/>
+              </a:lnSpc>
+              <a:spcBef>
+                <a:spcPts val="0"/>
+              </a:spcBef>
+              <a:spcAft>
+                <a:spcPts val="0"/>
+              </a:spcAft>
+            </a:pPr>
+            <a:r>
+              <a:rPr lang="en-US" sz="1800" dirty="0">
+                <a:effectLst/>
+                <a:latin typeface="Times New Roman" panose="02020603050405020304" pitchFamily="18" charset="0"/>
+                <a:ea typeface="Calibri" panose="020F0502020204030204" pitchFamily="34" charset="0"/>
+              </a:rPr>
+              <a:t>Grimes, S., &amp; Wirth, A. (2017). Holding the line: events that shaped healthcare cybersecurity. </a:t>
+            </a:r>
+            <a:r>
+              <a:rPr lang="en-US" sz="1800" i="1" dirty="0">
+                <a:effectLst/>
+                <a:latin typeface="Times New Roman" panose="02020603050405020304" pitchFamily="18" charset="0"/>
+                <a:ea typeface="Calibri" panose="020F0502020204030204" pitchFamily="34" charset="0"/>
+              </a:rPr>
+              <a:t>Biomedical Instrumentation &amp; Technology, 51</a:t>
+            </a:r>
+            <a:r>
+              <a:rPr lang="en-US" sz="1800" dirty="0">
+                <a:effectLst/>
+                <a:latin typeface="Times New Roman" panose="02020603050405020304" pitchFamily="18" charset="0"/>
+                <a:ea typeface="Calibri" panose="020F0502020204030204" pitchFamily="34" charset="0"/>
+              </a:rPr>
+              <a:t>(S6), 30-32. </a:t>
+            </a:r>
+            <a:r>
+              <a:rPr lang="en-US" sz="1800" dirty="0" err="1">
+                <a:effectLst/>
+                <a:latin typeface="Times New Roman" panose="02020603050405020304" pitchFamily="18" charset="0"/>
+                <a:ea typeface="Calibri" panose="020F0502020204030204" pitchFamily="34" charset="0"/>
+              </a:rPr>
+              <a:t>doi:https</a:t>
+            </a:r>
+            <a:r>
+              <a:rPr lang="en-US" sz="1800" dirty="0">
+                <a:effectLst/>
+                <a:latin typeface="Times New Roman" panose="02020603050405020304" pitchFamily="18" charset="0"/>
+                <a:ea typeface="Calibri" panose="020F0502020204030204" pitchFamily="34" charset="0"/>
+              </a:rPr>
+              <a:t>://doi-org.proxy1.ncu.edu/10.2345/0899-8205-51.s6.30</a:t>
+            </a:r>
+          </a:p>
+          <a:p>
+            <a:pPr marL="457200" marR="0" indent="-457200">
+              <a:lnSpc>
+                <a:spcPct val="200000"/>
+              </a:lnSpc>
+              <a:spcBef>
+                <a:spcPts val="0"/>
+              </a:spcBef>
+              <a:spcAft>
+                <a:spcPts val="0"/>
+              </a:spcAft>
+            </a:pPr>
+            <a:endParaRPr lang="en-US" sz="1800" dirty="0">
+              <a:effectLst/>
+              <a:latin typeface="Times New Roman" panose="02020603050405020304" pitchFamily="18" charset="0"/>
+              <a:ea typeface="Calibri" panose="020F0502020204030204" pitchFamily="34" charset="0"/>
+            </a:endParaRPr>
+          </a:p>
+          <a:p>
+            <a:pPr marL="457200" marR="0" indent="-457200">
+              <a:lnSpc>
+                <a:spcPct val="200000"/>
+              </a:lnSpc>
+              <a:spcBef>
+                <a:spcPts val="0"/>
+              </a:spcBef>
+              <a:spcAft>
+                <a:spcPts val="0"/>
+              </a:spcAft>
+            </a:pPr>
+            <a:r>
+              <a:rPr lang="en-US" sz="1800" dirty="0">
+                <a:effectLst/>
+                <a:latin typeface="Times New Roman" panose="02020603050405020304" pitchFamily="18" charset="0"/>
+                <a:ea typeface="Calibri" panose="020F0502020204030204" pitchFamily="34" charset="0"/>
+              </a:rPr>
+              <a:t>HIPAA Journal. (2014). </a:t>
+            </a:r>
+            <a:r>
+              <a:rPr lang="en-US" sz="1800" i="1" dirty="0">
+                <a:effectLst/>
+                <a:latin typeface="Times New Roman" panose="02020603050405020304" pitchFamily="18" charset="0"/>
+                <a:ea typeface="Calibri" panose="020F0502020204030204" pitchFamily="34" charset="0"/>
+              </a:rPr>
+              <a:t>What is the HITECH Act</a:t>
+            </a:r>
+            <a:r>
+              <a:rPr lang="en-US" sz="1800" dirty="0">
+                <a:effectLst/>
+                <a:latin typeface="Times New Roman" panose="02020603050405020304" pitchFamily="18" charset="0"/>
+                <a:ea typeface="Calibri" panose="020F0502020204030204" pitchFamily="34" charset="0"/>
+              </a:rPr>
+              <a:t>? Retrieved July 19, 2020, from HIPAA Journal: https://www.hipaajournal.com/what-is-the-hitech-act/</a:t>
+            </a:r>
+          </a:p>
+          <a:p>
+            <a:pPr marL="457200" marR="0" indent="-457200">
+              <a:lnSpc>
+                <a:spcPct val="200000"/>
+              </a:lnSpc>
+              <a:spcBef>
+                <a:spcPts val="0"/>
+              </a:spcBef>
+              <a:spcAft>
+                <a:spcPts val="0"/>
+              </a:spcAft>
+            </a:pPr>
+            <a:endParaRPr lang="en-US" sz="1800" dirty="0">
+              <a:effectLst/>
+              <a:latin typeface="Times New Roman" panose="02020603050405020304" pitchFamily="18" charset="0"/>
+              <a:ea typeface="Calibri" panose="020F0502020204030204" pitchFamily="34" charset="0"/>
+            </a:endParaRPr>
+          </a:p>
+          <a:p>
+            <a:pPr marL="457200" marR="0" indent="-457200">
+              <a:lnSpc>
+                <a:spcPct val="200000"/>
+              </a:lnSpc>
+              <a:spcBef>
+                <a:spcPts val="0"/>
+              </a:spcBef>
+              <a:spcAft>
+                <a:spcPts val="0"/>
+              </a:spcAft>
+            </a:pPr>
+            <a:r>
+              <a:rPr lang="en-US" sz="1800" dirty="0">
+                <a:effectLst/>
+                <a:latin typeface="Times New Roman" panose="02020603050405020304" pitchFamily="18" charset="0"/>
+                <a:ea typeface="Calibri" panose="020F0502020204030204" pitchFamily="34" charset="0"/>
+              </a:rPr>
+              <a:t>Jackson, N., &amp; Walshe, P. (2013, January). </a:t>
+            </a:r>
+            <a:r>
+              <a:rPr lang="en-US" sz="1800" i="1" dirty="0">
+                <a:effectLst/>
+                <a:latin typeface="Times New Roman" panose="02020603050405020304" pitchFamily="18" charset="0"/>
+                <a:ea typeface="Calibri" panose="020F0502020204030204" pitchFamily="34" charset="0"/>
+              </a:rPr>
+              <a:t>The accountability framework for the implementation of the GSMA privacy design guidelines for mobile app development</a:t>
+            </a:r>
+            <a:r>
+              <a:rPr lang="en-US" sz="1800" dirty="0">
+                <a:effectLst/>
+                <a:latin typeface="Times New Roman" panose="02020603050405020304" pitchFamily="18" charset="0"/>
+                <a:ea typeface="Calibri" panose="020F0502020204030204" pitchFamily="34" charset="0"/>
+              </a:rPr>
+              <a:t>. Retrieved from Global System for Mobile Communications Association: https://www.gsma.com/publicpolicy/wp-content/uploads/2013/01/Accountability-framework-final.pdf</a:t>
+            </a:r>
+          </a:p>
+          <a:p>
+            <a:pPr marL="457200" marR="0" indent="-457200">
+              <a:lnSpc>
+                <a:spcPct val="200000"/>
+              </a:lnSpc>
+              <a:spcBef>
+                <a:spcPts val="0"/>
+              </a:spcBef>
+              <a:spcAft>
+                <a:spcPts val="0"/>
+              </a:spcAft>
+            </a:pPr>
+            <a:endParaRPr lang="en-US" sz="1800" dirty="0">
+              <a:effectLst/>
+              <a:latin typeface="Times New Roman" panose="02020603050405020304" pitchFamily="18" charset="0"/>
+              <a:ea typeface="Calibri" panose="020F0502020204030204" pitchFamily="34" charset="0"/>
+            </a:endParaRPr>
+          </a:p>
+          <a:p>
+            <a:pPr marL="457200" marR="0" indent="-457200">
+              <a:lnSpc>
+                <a:spcPct val="200000"/>
+              </a:lnSpc>
+              <a:spcBef>
+                <a:spcPts val="0"/>
+              </a:spcBef>
+              <a:spcAft>
+                <a:spcPts val="0"/>
+              </a:spcAft>
+            </a:pPr>
+            <a:r>
+              <a:rPr lang="en-US" sz="1800" dirty="0">
+                <a:effectLst/>
+                <a:latin typeface="Times New Roman" panose="02020603050405020304" pitchFamily="18" charset="0"/>
+                <a:ea typeface="Calibri" panose="020F0502020204030204" pitchFamily="34" charset="0"/>
+              </a:rPr>
+              <a:t>Kovacs, L. (2017). Cybersecurity policy and strategy in the European Union and NATO. </a:t>
+            </a:r>
+            <a:r>
+              <a:rPr lang="en-US" sz="1800" i="1" dirty="0" err="1">
+                <a:effectLst/>
+                <a:latin typeface="Times New Roman" panose="02020603050405020304" pitchFamily="18" charset="0"/>
+                <a:ea typeface="Calibri" panose="020F0502020204030204" pitchFamily="34" charset="0"/>
+              </a:rPr>
+              <a:t>Revista</a:t>
+            </a:r>
+            <a:r>
+              <a:rPr lang="en-US" sz="1800" i="1" dirty="0">
+                <a:effectLst/>
+                <a:latin typeface="Times New Roman" panose="02020603050405020304" pitchFamily="18" charset="0"/>
+                <a:ea typeface="Calibri" panose="020F0502020204030204" pitchFamily="34" charset="0"/>
+              </a:rPr>
+              <a:t> </a:t>
+            </a:r>
+            <a:r>
+              <a:rPr lang="en-US" sz="1800" i="1" dirty="0" err="1">
+                <a:effectLst/>
+                <a:latin typeface="Times New Roman" panose="02020603050405020304" pitchFamily="18" charset="0"/>
+                <a:ea typeface="Calibri" panose="020F0502020204030204" pitchFamily="34" charset="0"/>
+              </a:rPr>
+              <a:t>Academiei</a:t>
+            </a:r>
+            <a:r>
+              <a:rPr lang="en-US" sz="1800" i="1" dirty="0">
+                <a:effectLst/>
+                <a:latin typeface="Times New Roman" panose="02020603050405020304" pitchFamily="18" charset="0"/>
+                <a:ea typeface="Calibri" panose="020F0502020204030204" pitchFamily="34" charset="0"/>
+              </a:rPr>
+              <a:t> </a:t>
+            </a:r>
+            <a:r>
+              <a:rPr lang="en-US" sz="1800" i="1" dirty="0" err="1">
+                <a:effectLst/>
+                <a:latin typeface="Times New Roman" panose="02020603050405020304" pitchFamily="18" charset="0"/>
+                <a:ea typeface="Calibri" panose="020F0502020204030204" pitchFamily="34" charset="0"/>
+              </a:rPr>
+              <a:t>Fortelor</a:t>
+            </a:r>
+            <a:r>
+              <a:rPr lang="en-US" sz="1800" i="1" dirty="0">
+                <a:effectLst/>
+                <a:latin typeface="Times New Roman" panose="02020603050405020304" pitchFamily="18" charset="0"/>
+                <a:ea typeface="Calibri" panose="020F0502020204030204" pitchFamily="34" charset="0"/>
+              </a:rPr>
+              <a:t> </a:t>
+            </a:r>
+            <a:r>
+              <a:rPr lang="en-US" sz="1800" i="1" dirty="0" err="1">
+                <a:effectLst/>
+                <a:latin typeface="Times New Roman" panose="02020603050405020304" pitchFamily="18" charset="0"/>
+                <a:ea typeface="Calibri" panose="020F0502020204030204" pitchFamily="34" charset="0"/>
+              </a:rPr>
+              <a:t>Terestre</a:t>
+            </a:r>
+            <a:r>
+              <a:rPr lang="en-US" sz="1800" i="1" dirty="0">
+                <a:effectLst/>
+                <a:latin typeface="Times New Roman" panose="02020603050405020304" pitchFamily="18" charset="0"/>
+                <a:ea typeface="Calibri" panose="020F0502020204030204" pitchFamily="34" charset="0"/>
+              </a:rPr>
+              <a:t>, 23</a:t>
+            </a:r>
+            <a:r>
+              <a:rPr lang="en-US" sz="1800" dirty="0">
+                <a:effectLst/>
+                <a:latin typeface="Times New Roman" panose="02020603050405020304" pitchFamily="18" charset="0"/>
+                <a:ea typeface="Calibri" panose="020F0502020204030204" pitchFamily="34" charset="0"/>
+              </a:rPr>
+              <a:t>(1), 16-24. Retrieved from https://search-ebscohost-com.proxy1.ncu.edu/login.aspx?direct=true&amp;db=a9h&amp;AN=128789540&amp;site=eds-live</a:t>
+            </a:r>
+          </a:p>
+          <a:p>
+            <a:pPr marL="457200" marR="0" indent="-457200">
+              <a:lnSpc>
+                <a:spcPct val="200000"/>
+              </a:lnSpc>
+              <a:spcBef>
+                <a:spcPts val="0"/>
+              </a:spcBef>
+              <a:spcAft>
+                <a:spcPts val="0"/>
+              </a:spcAft>
+            </a:pPr>
+            <a:endParaRPr lang="en-US" sz="1800" dirty="0">
+              <a:effectLst/>
+              <a:latin typeface="Times New Roman" panose="02020603050405020304" pitchFamily="18" charset="0"/>
+              <a:ea typeface="Calibri" panose="020F0502020204030204" pitchFamily="34" charset="0"/>
+            </a:endParaRPr>
+          </a:p>
+          <a:p>
+            <a:pPr marL="457200" marR="0" indent="-457200">
+              <a:lnSpc>
+                <a:spcPct val="200000"/>
+              </a:lnSpc>
+              <a:spcBef>
+                <a:spcPts val="0"/>
+              </a:spcBef>
+              <a:spcAft>
+                <a:spcPts val="0"/>
+              </a:spcAft>
+            </a:pPr>
+            <a:r>
+              <a:rPr lang="en-US" sz="1800" dirty="0" err="1">
+                <a:effectLst/>
+                <a:latin typeface="Times New Roman" panose="02020603050405020304" pitchFamily="18" charset="0"/>
+                <a:ea typeface="Calibri" panose="020F0502020204030204" pitchFamily="34" charset="0"/>
+              </a:rPr>
+              <a:t>Lamolle</a:t>
+            </a:r>
+            <a:r>
+              <a:rPr lang="en-US" sz="1800" dirty="0">
+                <a:effectLst/>
+                <a:latin typeface="Times New Roman" panose="02020603050405020304" pitchFamily="18" charset="0"/>
+                <a:ea typeface="Calibri" panose="020F0502020204030204" pitchFamily="34" charset="0"/>
+              </a:rPr>
+              <a:t>, M., </a:t>
+            </a:r>
+            <a:r>
+              <a:rPr lang="en-US" sz="1800" dirty="0" err="1">
+                <a:effectLst/>
+                <a:latin typeface="Times New Roman" panose="02020603050405020304" pitchFamily="18" charset="0"/>
+                <a:ea typeface="Calibri" panose="020F0502020204030204" pitchFamily="34" charset="0"/>
+              </a:rPr>
+              <a:t>Menet</a:t>
+            </a:r>
+            <a:r>
+              <a:rPr lang="en-US" sz="1800" dirty="0">
+                <a:effectLst/>
+                <a:latin typeface="Times New Roman" panose="02020603050405020304" pitchFamily="18" charset="0"/>
+                <a:ea typeface="Calibri" panose="020F0502020204030204" pitchFamily="34" charset="0"/>
+              </a:rPr>
+              <a:t>, L., &amp; Le Duc, C. (2015). Incremental checking of Master Data Management model based on contextual graphs. </a:t>
+            </a:r>
+            <a:r>
+              <a:rPr lang="en-US" sz="1800" i="1" dirty="0">
+                <a:effectLst/>
+                <a:latin typeface="Times New Roman" panose="02020603050405020304" pitchFamily="18" charset="0"/>
+                <a:ea typeface="Calibri" panose="020F0502020204030204" pitchFamily="34" charset="0"/>
+              </a:rPr>
+              <a:t>Enterprise Information Systems, 9</a:t>
+            </a:r>
+            <a:r>
+              <a:rPr lang="en-US" sz="1800" dirty="0">
+                <a:effectLst/>
+                <a:latin typeface="Times New Roman" panose="02020603050405020304" pitchFamily="18" charset="0"/>
+                <a:ea typeface="Calibri" panose="020F0502020204030204" pitchFamily="34" charset="0"/>
+              </a:rPr>
+              <a:t>(7), 681-708. </a:t>
+            </a:r>
+            <a:r>
+              <a:rPr lang="en-US" sz="1800" dirty="0" err="1">
+                <a:effectLst/>
+                <a:latin typeface="Times New Roman" panose="02020603050405020304" pitchFamily="18" charset="0"/>
+                <a:ea typeface="Calibri" panose="020F0502020204030204" pitchFamily="34" charset="0"/>
+              </a:rPr>
+              <a:t>doi:https</a:t>
+            </a:r>
+            <a:r>
+              <a:rPr lang="en-US" sz="1800" dirty="0">
+                <a:effectLst/>
+                <a:latin typeface="Times New Roman" panose="02020603050405020304" pitchFamily="18" charset="0"/>
+                <a:ea typeface="Calibri" panose="020F0502020204030204" pitchFamily="34" charset="0"/>
+              </a:rPr>
+              <a:t>://doi.org/10.1080/17517575.2013.792395</a:t>
+            </a:r>
+          </a:p>
+          <a:p>
+            <a:pPr marL="457200" marR="0" indent="-457200">
+              <a:lnSpc>
+                <a:spcPct val="200000"/>
+              </a:lnSpc>
+              <a:spcBef>
+                <a:spcPts val="0"/>
+              </a:spcBef>
+              <a:spcAft>
+                <a:spcPts val="0"/>
+              </a:spcAft>
+            </a:pPr>
+            <a:endParaRPr lang="en-US" sz="1800" dirty="0">
+              <a:effectLst/>
+              <a:latin typeface="Times New Roman" panose="02020603050405020304" pitchFamily="18" charset="0"/>
+              <a:ea typeface="Calibri" panose="020F0502020204030204" pitchFamily="34" charset="0"/>
+            </a:endParaRPr>
+          </a:p>
+          <a:p>
+            <a:pPr marL="457200" marR="0" indent="-457200">
+              <a:lnSpc>
+                <a:spcPct val="200000"/>
+              </a:lnSpc>
+              <a:spcBef>
+                <a:spcPts val="0"/>
+              </a:spcBef>
+              <a:spcAft>
+                <a:spcPts val="0"/>
+              </a:spcAft>
+            </a:pPr>
+            <a:r>
+              <a:rPr lang="en-US" sz="1800" dirty="0">
+                <a:effectLst/>
+                <a:latin typeface="Times New Roman" panose="02020603050405020304" pitchFamily="18" charset="0"/>
+                <a:ea typeface="Calibri" panose="020F0502020204030204" pitchFamily="34" charset="0"/>
+              </a:rPr>
+              <a:t>Langlois, S. (2014, June 5). </a:t>
+            </a:r>
+            <a:r>
+              <a:rPr lang="en-US" sz="1800" i="1" dirty="0">
+                <a:effectLst/>
+                <a:latin typeface="Times New Roman" panose="02020603050405020304" pitchFamily="18" charset="0"/>
+                <a:ea typeface="Calibri" panose="020F0502020204030204" pitchFamily="34" charset="0"/>
+              </a:rPr>
+              <a:t>FERPA rules and responsibilities training</a:t>
+            </a:r>
+            <a:r>
+              <a:rPr lang="en-US" sz="1800" dirty="0">
+                <a:effectLst/>
+                <a:latin typeface="Times New Roman" panose="02020603050405020304" pitchFamily="18" charset="0"/>
+                <a:ea typeface="Calibri" panose="020F0502020204030204" pitchFamily="34" charset="0"/>
+              </a:rPr>
+              <a:t>. Retrieved from Harrison County Department of Education: https://www.youtube.com/watch?v=2TkEHLXLhK0</a:t>
+            </a:r>
+          </a:p>
+          <a:p>
+            <a:pPr marL="457200" marR="0" indent="-457200">
+              <a:lnSpc>
+                <a:spcPct val="200000"/>
+              </a:lnSpc>
+              <a:spcBef>
+                <a:spcPts val="0"/>
+              </a:spcBef>
+              <a:spcAft>
+                <a:spcPts val="0"/>
+              </a:spcAft>
+            </a:pPr>
+            <a:endParaRPr lang="en-US" sz="1800" dirty="0">
+              <a:effectLst/>
+              <a:latin typeface="Times New Roman" panose="02020603050405020304" pitchFamily="18" charset="0"/>
+              <a:ea typeface="Calibri" panose="020F0502020204030204" pitchFamily="34" charset="0"/>
+            </a:endParaRPr>
+          </a:p>
+          <a:p>
+            <a:pPr marL="457200" marR="0" indent="-457200">
+              <a:lnSpc>
+                <a:spcPct val="200000"/>
+              </a:lnSpc>
+              <a:spcBef>
+                <a:spcPts val="0"/>
+              </a:spcBef>
+              <a:spcAft>
+                <a:spcPts val="0"/>
+              </a:spcAft>
+            </a:pPr>
+            <a:r>
+              <a:rPr lang="en-US" sz="1800" dirty="0" err="1">
+                <a:effectLst/>
+                <a:latin typeface="Times New Roman" panose="02020603050405020304" pitchFamily="18" charset="0"/>
+                <a:ea typeface="Calibri" panose="020F0502020204030204" pitchFamily="34" charset="0"/>
+              </a:rPr>
+              <a:t>Mallor</a:t>
+            </a:r>
+            <a:r>
+              <a:rPr lang="en-US" sz="1800" dirty="0">
+                <a:effectLst/>
+                <a:latin typeface="Times New Roman" panose="02020603050405020304" pitchFamily="18" charset="0"/>
+                <a:ea typeface="Calibri" panose="020F0502020204030204" pitchFamily="34" charset="0"/>
+              </a:rPr>
+              <a:t>, J., </a:t>
+            </a:r>
+            <a:r>
+              <a:rPr lang="en-US" sz="1800" dirty="0" err="1">
+                <a:effectLst/>
+                <a:latin typeface="Times New Roman" panose="02020603050405020304" pitchFamily="18" charset="0"/>
+                <a:ea typeface="Calibri" panose="020F0502020204030204" pitchFamily="34" charset="0"/>
+              </a:rPr>
+              <a:t>Prenkert</a:t>
+            </a:r>
+            <a:r>
+              <a:rPr lang="en-US" sz="1800" dirty="0">
+                <a:effectLst/>
+                <a:latin typeface="Times New Roman" panose="02020603050405020304" pitchFamily="18" charset="0"/>
+                <a:ea typeface="Calibri" panose="020F0502020204030204" pitchFamily="34" charset="0"/>
+              </a:rPr>
+              <a:t>, J., Barnes, A., </a:t>
+            </a:r>
+            <a:r>
+              <a:rPr lang="en-US" sz="1800" dirty="0" err="1">
+                <a:effectLst/>
+                <a:latin typeface="Times New Roman" panose="02020603050405020304" pitchFamily="18" charset="0"/>
+                <a:ea typeface="Calibri" panose="020F0502020204030204" pitchFamily="34" charset="0"/>
+              </a:rPr>
+              <a:t>Langvardt</a:t>
+            </a:r>
+            <a:r>
+              <a:rPr lang="en-US" sz="1800" dirty="0">
+                <a:effectLst/>
+                <a:latin typeface="Times New Roman" panose="02020603050405020304" pitchFamily="18" charset="0"/>
+                <a:ea typeface="Calibri" panose="020F0502020204030204" pitchFamily="34" charset="0"/>
+              </a:rPr>
+              <a:t>, A., &amp; McCrory, M. (2013). </a:t>
+            </a:r>
+            <a:r>
+              <a:rPr lang="en-US" sz="1800" i="1" dirty="0">
+                <a:effectLst/>
+                <a:latin typeface="Times New Roman" panose="02020603050405020304" pitchFamily="18" charset="0"/>
+                <a:ea typeface="Calibri" panose="020F0502020204030204" pitchFamily="34" charset="0"/>
+              </a:rPr>
+              <a:t>Business Law, Sixteenth Edition.</a:t>
+            </a:r>
+            <a:r>
+              <a:rPr lang="en-US" sz="1800" dirty="0">
+                <a:effectLst/>
+                <a:latin typeface="Times New Roman" panose="02020603050405020304" pitchFamily="18" charset="0"/>
+                <a:ea typeface="Calibri" panose="020F0502020204030204" pitchFamily="34" charset="0"/>
+              </a:rPr>
+              <a:t> </a:t>
+            </a:r>
+          </a:p>
+          <a:p>
+            <a:pPr marL="457200" marR="0" indent="-457200">
+              <a:lnSpc>
+                <a:spcPct val="200000"/>
+              </a:lnSpc>
+              <a:spcBef>
+                <a:spcPts val="0"/>
+              </a:spcBef>
+              <a:spcAft>
+                <a:spcPts val="0"/>
+              </a:spcAft>
+            </a:pPr>
+            <a:endParaRPr lang="en-US" sz="1800" dirty="0">
+              <a:effectLst/>
+              <a:latin typeface="Times New Roman" panose="02020603050405020304" pitchFamily="18" charset="0"/>
+              <a:ea typeface="Calibri" panose="020F0502020204030204" pitchFamily="34" charset="0"/>
+            </a:endParaRPr>
+          </a:p>
+          <a:p>
+            <a:pPr marL="457200" marR="0" indent="-457200">
+              <a:lnSpc>
+                <a:spcPct val="200000"/>
+              </a:lnSpc>
+              <a:spcBef>
+                <a:spcPts val="0"/>
+              </a:spcBef>
+              <a:spcAft>
+                <a:spcPts val="0"/>
+              </a:spcAft>
+            </a:pPr>
+            <a:r>
+              <a:rPr lang="en-US" sz="1800" dirty="0">
+                <a:effectLst/>
+                <a:latin typeface="Times New Roman" panose="02020603050405020304" pitchFamily="18" charset="0"/>
+                <a:ea typeface="Calibri" panose="020F0502020204030204" pitchFamily="34" charset="0"/>
+              </a:rPr>
+              <a:t>MobileIron. (2020, June 29). </a:t>
+            </a:r>
+            <a:r>
+              <a:rPr lang="en-US" sz="1800" i="1" dirty="0">
+                <a:effectLst/>
+                <a:latin typeface="Times New Roman" panose="02020603050405020304" pitchFamily="18" charset="0"/>
+                <a:ea typeface="Calibri" panose="020F0502020204030204" pitchFamily="34" charset="0"/>
+              </a:rPr>
+              <a:t>How does MobileIron work</a:t>
+            </a:r>
+            <a:r>
+              <a:rPr lang="en-US" sz="1800" dirty="0">
+                <a:effectLst/>
+                <a:latin typeface="Times New Roman" panose="02020603050405020304" pitchFamily="18" charset="0"/>
+                <a:ea typeface="Calibri" panose="020F0502020204030204" pitchFamily="34" charset="0"/>
+              </a:rPr>
+              <a:t>? Retrieved from YouTube: https://www.youtube.com/watch?v=00T5A1qj18E</a:t>
+            </a:r>
+          </a:p>
+          <a:p>
+            <a:pPr marL="457200" marR="0" indent="-457200">
+              <a:lnSpc>
+                <a:spcPct val="200000"/>
+              </a:lnSpc>
+              <a:spcBef>
+                <a:spcPts val="0"/>
+              </a:spcBef>
+              <a:spcAft>
+                <a:spcPts val="0"/>
+              </a:spcAft>
+            </a:pPr>
+            <a:endParaRPr lang="en-US" sz="1800" dirty="0">
+              <a:effectLst/>
+              <a:latin typeface="Times New Roman" panose="02020603050405020304" pitchFamily="18" charset="0"/>
+              <a:ea typeface="Calibri" panose="020F0502020204030204" pitchFamily="34" charset="0"/>
+            </a:endParaRPr>
+          </a:p>
+          <a:p>
+            <a:pPr marL="457200" marR="0" indent="-457200">
+              <a:lnSpc>
+                <a:spcPct val="200000"/>
+              </a:lnSpc>
+              <a:spcBef>
+                <a:spcPts val="0"/>
+              </a:spcBef>
+              <a:spcAft>
+                <a:spcPts val="0"/>
+              </a:spcAft>
+            </a:pPr>
+            <a:r>
+              <a:rPr lang="en-US" sz="1800" dirty="0">
+                <a:effectLst/>
+                <a:latin typeface="Times New Roman" panose="02020603050405020304" pitchFamily="18" charset="0"/>
+                <a:ea typeface="Calibri" panose="020F0502020204030204" pitchFamily="34" charset="0"/>
+              </a:rPr>
+              <a:t>Rivas, B., Caballero, M., Serrano, M., &amp; </a:t>
+            </a:r>
+            <a:r>
+              <a:rPr lang="en-US" sz="1800" dirty="0" err="1">
+                <a:effectLst/>
+                <a:latin typeface="Times New Roman" panose="02020603050405020304" pitchFamily="18" charset="0"/>
+                <a:ea typeface="Calibri" panose="020F0502020204030204" pitchFamily="34" charset="0"/>
+              </a:rPr>
+              <a:t>Pattini</a:t>
+            </a:r>
+            <a:r>
+              <a:rPr lang="en-US" sz="1800" dirty="0">
+                <a:effectLst/>
+                <a:latin typeface="Times New Roman" panose="02020603050405020304" pitchFamily="18" charset="0"/>
+                <a:ea typeface="Calibri" panose="020F0502020204030204" pitchFamily="34" charset="0"/>
+              </a:rPr>
+              <a:t>, M. (2017, November). Towards a service architecture for master data exchange. </a:t>
+            </a:r>
+            <a:r>
+              <a:rPr lang="en-US" sz="1800" i="1" dirty="0">
+                <a:effectLst/>
+                <a:latin typeface="Times New Roman" panose="02020603050405020304" pitchFamily="18" charset="0"/>
+                <a:ea typeface="Calibri" panose="020F0502020204030204" pitchFamily="34" charset="0"/>
+              </a:rPr>
+              <a:t>Computer Standards &amp; Interfaces, 54</a:t>
+            </a:r>
+            <a:r>
+              <a:rPr lang="en-US" sz="1800" dirty="0">
+                <a:effectLst/>
+                <a:latin typeface="Times New Roman" panose="02020603050405020304" pitchFamily="18" charset="0"/>
+                <a:ea typeface="Calibri" panose="020F0502020204030204" pitchFamily="34" charset="0"/>
+              </a:rPr>
+              <a:t>(2), 94-104. </a:t>
+            </a:r>
+            <a:r>
+              <a:rPr lang="en-US" sz="1800" dirty="0" err="1">
+                <a:effectLst/>
+                <a:latin typeface="Times New Roman" panose="02020603050405020304" pitchFamily="18" charset="0"/>
+                <a:ea typeface="Calibri" panose="020F0502020204030204" pitchFamily="34" charset="0"/>
+              </a:rPr>
+              <a:t>doi:https</a:t>
+            </a:r>
+            <a:r>
+              <a:rPr lang="en-US" sz="1800" dirty="0">
+                <a:effectLst/>
+                <a:latin typeface="Times New Roman" panose="02020603050405020304" pitchFamily="18" charset="0"/>
+                <a:ea typeface="Calibri" panose="020F0502020204030204" pitchFamily="34" charset="0"/>
+              </a:rPr>
+              <a:t>://doi.org/10.1016/j.csi.2016.10.004</a:t>
+            </a:r>
+          </a:p>
+          <a:p>
+            <a:pPr marL="457200" marR="0" indent="-457200">
+              <a:lnSpc>
+                <a:spcPct val="200000"/>
+              </a:lnSpc>
+              <a:spcBef>
+                <a:spcPts val="0"/>
+              </a:spcBef>
+              <a:spcAft>
+                <a:spcPts val="0"/>
+              </a:spcAft>
+            </a:pPr>
+            <a:endParaRPr lang="en-US" sz="1800" dirty="0">
+              <a:effectLst/>
+              <a:latin typeface="Times New Roman" panose="02020603050405020304" pitchFamily="18" charset="0"/>
+              <a:ea typeface="Calibri" panose="020F0502020204030204" pitchFamily="34" charset="0"/>
+            </a:endParaRPr>
+          </a:p>
+          <a:p>
+            <a:pPr marL="457200" marR="0" indent="-457200">
+              <a:lnSpc>
+                <a:spcPct val="200000"/>
+              </a:lnSpc>
+              <a:spcBef>
+                <a:spcPts val="0"/>
+              </a:spcBef>
+              <a:spcAft>
+                <a:spcPts val="0"/>
+              </a:spcAft>
+            </a:pPr>
+            <a:r>
+              <a:rPr lang="en-US" sz="1800" dirty="0">
+                <a:effectLst/>
+                <a:latin typeface="Times New Roman" panose="02020603050405020304" pitchFamily="18" charset="0"/>
+                <a:ea typeface="Calibri" panose="020F0502020204030204" pitchFamily="34" charset="0"/>
+              </a:rPr>
+              <a:t>Silva, C., Bhat, M., Doheny, R., &amp; Smith, R. (2019, August 6). </a:t>
+            </a:r>
+            <a:r>
+              <a:rPr lang="en-US" sz="1800" i="1" dirty="0">
+                <a:effectLst/>
+                <a:latin typeface="Times New Roman" panose="02020603050405020304" pitchFamily="18" charset="0"/>
+                <a:ea typeface="Calibri" panose="020F0502020204030204" pitchFamily="34" charset="0"/>
+              </a:rPr>
+              <a:t>Magic Quadrant for Unified Endpoint Management Tools</a:t>
+            </a:r>
+            <a:r>
+              <a:rPr lang="en-US" sz="1800" dirty="0">
+                <a:effectLst/>
+                <a:latin typeface="Times New Roman" panose="02020603050405020304" pitchFamily="18" charset="0"/>
+                <a:ea typeface="Calibri" panose="020F0502020204030204" pitchFamily="34" charset="0"/>
+              </a:rPr>
+              <a:t>. Retrieved July 19, 2020, from Gartner: https://www.gartner.com/doc/reprints?id=1-1ODRVFHP&amp;ct=190812&amp;st=sb</a:t>
+            </a:r>
+          </a:p>
+          <a:p>
+            <a:pPr marL="457200" marR="0" indent="-457200">
+              <a:lnSpc>
+                <a:spcPct val="200000"/>
+              </a:lnSpc>
+              <a:spcBef>
+                <a:spcPts val="0"/>
+              </a:spcBef>
+              <a:spcAft>
+                <a:spcPts val="0"/>
+              </a:spcAft>
+            </a:pPr>
+            <a:endParaRPr lang="en-US" sz="1800" dirty="0">
+              <a:effectLst/>
+              <a:latin typeface="Times New Roman" panose="02020603050405020304" pitchFamily="18" charset="0"/>
+              <a:ea typeface="Calibri" panose="020F0502020204030204" pitchFamily="34" charset="0"/>
+            </a:endParaRPr>
+          </a:p>
+          <a:p>
+            <a:pPr marL="457200" marR="0" indent="-457200">
+              <a:lnSpc>
+                <a:spcPct val="200000"/>
+              </a:lnSpc>
+              <a:spcBef>
+                <a:spcPts val="0"/>
+              </a:spcBef>
+              <a:spcAft>
+                <a:spcPts val="0"/>
+              </a:spcAft>
+            </a:pPr>
+            <a:r>
+              <a:rPr lang="en-US" sz="1800" dirty="0" err="1">
+                <a:effectLst/>
+                <a:latin typeface="Times New Roman" panose="02020603050405020304" pitchFamily="18" charset="0"/>
+                <a:ea typeface="Calibri" panose="020F0502020204030204" pitchFamily="34" charset="0"/>
+              </a:rPr>
+              <a:t>Soseman</a:t>
+            </a:r>
+            <a:r>
+              <a:rPr lang="en-US" sz="1800" dirty="0">
+                <a:effectLst/>
+                <a:latin typeface="Times New Roman" panose="02020603050405020304" pitchFamily="18" charset="0"/>
+                <a:ea typeface="Calibri" panose="020F0502020204030204" pitchFamily="34" charset="0"/>
+              </a:rPr>
+              <a:t>, M. (2019, January 31). </a:t>
+            </a:r>
+            <a:r>
+              <a:rPr lang="en-US" sz="1800" i="1" dirty="0">
+                <a:effectLst/>
+                <a:latin typeface="Times New Roman" panose="02020603050405020304" pitchFamily="18" charset="0"/>
+                <a:ea typeface="Calibri" panose="020F0502020204030204" pitchFamily="34" charset="0"/>
+              </a:rPr>
+              <a:t>Intune for mobile device management</a:t>
+            </a:r>
+            <a:r>
+              <a:rPr lang="en-US" sz="1800" dirty="0">
+                <a:effectLst/>
+                <a:latin typeface="Times New Roman" panose="02020603050405020304" pitchFamily="18" charset="0"/>
+                <a:ea typeface="Calibri" panose="020F0502020204030204" pitchFamily="34" charset="0"/>
+              </a:rPr>
+              <a:t>. Retrieved from Agile IT: https://www.youtube.com/watch?v=00T5A1qj18E</a:t>
+            </a:r>
+          </a:p>
+          <a:p>
+            <a:pPr marL="457200" marR="0" indent="-457200">
+              <a:lnSpc>
+                <a:spcPct val="200000"/>
+              </a:lnSpc>
+              <a:spcBef>
+                <a:spcPts val="0"/>
+              </a:spcBef>
+              <a:spcAft>
+                <a:spcPts val="0"/>
+              </a:spcAft>
+            </a:pPr>
+            <a:endParaRPr lang="en-US" sz="1800" dirty="0">
+              <a:effectLst/>
+              <a:latin typeface="Times New Roman" panose="02020603050405020304" pitchFamily="18" charset="0"/>
+              <a:ea typeface="Calibri" panose="020F0502020204030204" pitchFamily="34" charset="0"/>
+            </a:endParaRPr>
+          </a:p>
+          <a:p>
+            <a:pPr marL="457200" marR="0" indent="-457200">
+              <a:lnSpc>
+                <a:spcPct val="200000"/>
+              </a:lnSpc>
+              <a:spcBef>
+                <a:spcPts val="0"/>
+              </a:spcBef>
+              <a:spcAft>
+                <a:spcPts val="0"/>
+              </a:spcAft>
+            </a:pPr>
+            <a:r>
+              <a:rPr lang="en-US" sz="1800" dirty="0" err="1">
+                <a:effectLst/>
+                <a:latin typeface="Times New Roman" panose="02020603050405020304" pitchFamily="18" charset="0"/>
+                <a:ea typeface="Calibri" panose="020F0502020204030204" pitchFamily="34" charset="0"/>
+              </a:rPr>
+              <a:t>Tarzey</a:t>
+            </a:r>
+            <a:r>
+              <a:rPr lang="en-US" sz="1800" dirty="0">
+                <a:effectLst/>
+                <a:latin typeface="Times New Roman" panose="02020603050405020304" pitchFamily="18" charset="0"/>
+                <a:ea typeface="Calibri" panose="020F0502020204030204" pitchFamily="34" charset="0"/>
+              </a:rPr>
+              <a:t>, B. (2018, August). The value of unified endpoint management. </a:t>
+            </a:r>
+            <a:r>
+              <a:rPr lang="en-US" sz="1800" i="1" dirty="0">
+                <a:effectLst/>
+                <a:latin typeface="Times New Roman" panose="02020603050405020304" pitchFamily="18" charset="0"/>
+                <a:ea typeface="Calibri" panose="020F0502020204030204" pitchFamily="34" charset="0"/>
+              </a:rPr>
+              <a:t>Computer Weekly, 16</a:t>
+            </a:r>
+            <a:r>
+              <a:rPr lang="en-US" sz="1800" dirty="0">
+                <a:effectLst/>
+                <a:latin typeface="Times New Roman" panose="02020603050405020304" pitchFamily="18" charset="0"/>
+                <a:ea typeface="Calibri" panose="020F0502020204030204" pitchFamily="34" charset="0"/>
+              </a:rPr>
+              <a:t>. Retrieved from https://search-ebscohost-com.proxy1.ncu.edu/login.aspx?direct=true&amp;db=edb&amp;AN=131123396&amp;site=eds-live</a:t>
+            </a:r>
+          </a:p>
+          <a:p>
+            <a:endParaRPr lang="en-US" sz="1800" dirty="0">
+              <a:effectLst/>
+              <a:latin typeface="Times New Roman" panose="02020603050405020304" pitchFamily="18" charset="0"/>
+              <a:ea typeface="Calibri" panose="020F0502020204030204" pitchFamily="34" charset="0"/>
+            </a:endParaRPr>
+          </a:p>
+          <a:p>
+            <a:r>
+              <a:rPr lang="en-US" sz="1800" dirty="0" err="1">
+                <a:effectLst/>
+                <a:latin typeface="Times New Roman" panose="02020603050405020304" pitchFamily="18" charset="0"/>
+                <a:ea typeface="Calibri" panose="020F0502020204030204" pitchFamily="34" charset="0"/>
+              </a:rPr>
+              <a:t>Yamin</a:t>
+            </a:r>
+            <a:r>
+              <a:rPr lang="en-US" sz="1800" dirty="0">
+                <a:effectLst/>
+                <a:latin typeface="Times New Roman" panose="02020603050405020304" pitchFamily="18" charset="0"/>
+                <a:ea typeface="Calibri" panose="020F0502020204030204" pitchFamily="34" charset="0"/>
+              </a:rPr>
+              <a:t>, M., &amp; </a:t>
+            </a:r>
+            <a:r>
+              <a:rPr lang="en-US" sz="1800" dirty="0" err="1">
+                <a:effectLst/>
+                <a:latin typeface="Times New Roman" panose="02020603050405020304" pitchFamily="18" charset="0"/>
+                <a:ea typeface="Calibri" panose="020F0502020204030204" pitchFamily="34" charset="0"/>
+              </a:rPr>
+              <a:t>Katt</a:t>
+            </a:r>
+            <a:r>
+              <a:rPr lang="en-US" sz="1800" dirty="0">
+                <a:effectLst/>
+                <a:latin typeface="Times New Roman" panose="02020603050405020304" pitchFamily="18" charset="0"/>
+                <a:ea typeface="Calibri" panose="020F0502020204030204" pitchFamily="34" charset="0"/>
+              </a:rPr>
+              <a:t>, B. (2019). Mobile device management (MDM) technologies, issues, and challenges. </a:t>
+            </a:r>
+            <a:r>
+              <a:rPr lang="en-US" sz="1800" i="1" dirty="0">
+                <a:effectLst/>
+                <a:latin typeface="Times New Roman" panose="02020603050405020304" pitchFamily="18" charset="0"/>
+                <a:ea typeface="Calibri" panose="020F0502020204030204" pitchFamily="34" charset="0"/>
+              </a:rPr>
+              <a:t>Proceedings of the 3rd International Conference on Cryptography.</a:t>
+            </a:r>
+            <a:r>
+              <a:rPr lang="en-US" sz="1800" dirty="0">
+                <a:effectLst/>
+                <a:latin typeface="Times New Roman" panose="02020603050405020304" pitchFamily="18" charset="0"/>
+                <a:ea typeface="Calibri" panose="020F0502020204030204" pitchFamily="34" charset="0"/>
+              </a:rPr>
+              <a:t> New York, NY, USA: Association for Computing Machinery. </a:t>
+            </a:r>
+            <a:r>
+              <a:rPr lang="en-US" sz="1800" dirty="0" err="1">
+                <a:effectLst/>
+                <a:latin typeface="Times New Roman" panose="02020603050405020304" pitchFamily="18" charset="0"/>
+                <a:ea typeface="Calibri" panose="020F0502020204030204" pitchFamily="34" charset="0"/>
+              </a:rPr>
+              <a:t>doi:https</a:t>
+            </a:r>
+            <a:r>
+              <a:rPr lang="en-US" sz="1800" dirty="0">
+                <a:effectLst/>
+                <a:latin typeface="Times New Roman" panose="02020603050405020304" pitchFamily="18" charset="0"/>
+                <a:ea typeface="Calibri" panose="020F0502020204030204" pitchFamily="34" charset="0"/>
+              </a:rPr>
+              <a:t>://doi.org/10.1145/3309074.3309103</a:t>
+            </a:r>
+            <a:endParaRPr lang="en-US" dirty="0"/>
+          </a:p>
+        </p:txBody>
+      </p:sp>
+      <p:sp>
+        <p:nvSpPr>
+          <p:cNvPr id="4" name="Slide Number Placeholder 3"/>
+          <p:cNvSpPr>
+            <a:spLocks noGrp="1"/>
+          </p:cNvSpPr>
+          <p:nvPr>
+            <p:ph type="sldNum" sz="quarter" idx="5"/>
+          </p:nvPr>
+        </p:nvSpPr>
+        <p:spPr/>
+        <p:txBody>
+          <a:bodyPr/>
+          <a:lstStyle/>
+          <a:p>
+            <a:fld id="{6A188F23-DDBA-4A74-8B22-2613224FF2EC}" type="slidenum">
+              <a:rPr lang="en-US" smtClean="0"/>
+              <a:t>15</a:t>
+            </a:fld>
+            <a:endParaRPr lang="en-US"/>
+          </a:p>
+        </p:txBody>
+      </p:sp>
+    </p:spTree>
+    <p:extLst>
+      <p:ext uri="{BB962C8B-B14F-4D97-AF65-F5344CB8AC3E}">
+        <p14:creationId xmlns:p14="http://schemas.microsoft.com/office/powerpoint/2010/main" val="3207781462"/>
+      </p:ext>
+    </p:extLst>
+  </p:cSld>
+  <p:clrMapOvr>
+    <a:masterClrMapping/>
+  </p:clrMapOvr>
+</p:notes>
+</file>
+
+<file path=ppt/notesSlides/notesSlide2.xml><?xml version="1.0" encoding="utf-8"?>
+<p:notes xmlns:a="http://schemas.openxmlformats.org/drawingml/2006/main" xmlns:r="http://schemas.openxmlformats.org/officeDocument/2006/relationships" xmlns:p="http://schemas.openxmlformats.org/presentationml/2006/main">
+  <p:cSld>
+    <p:spTree>
+      <p:nvGrpSpPr>
+        <p:cNvPr id="1" name=""/>
+        <p:cNvGrpSpPr/>
+        <p:nvPr/>
+      </p:nvGrpSpPr>
+      <p:grpSpPr>
+        <a:xfrm>
+          <a:off x="0" y="0"/>
+          <a:ext cx="0" cy="0"/>
+          <a:chOff x="0" y="0"/>
+          <a:chExt cx="0" cy="0"/>
+        </a:xfrm>
+      </p:grpSpPr>
+      <p:sp>
+        <p:nvSpPr>
+          <p:cNvPr id="2" name="Slide Image Placeholder 1"/>
+          <p:cNvSpPr>
+            <a:spLocks noGrp="1" noRot="1" noChangeAspect="1"/>
+          </p:cNvSpPr>
+          <p:nvPr>
+            <p:ph type="sldImg"/>
+          </p:nvPr>
+        </p:nvSpPr>
+        <p:spPr/>
+      </p:sp>
+      <p:sp>
+        <p:nvSpPr>
+          <p:cNvPr id="3" name="Notes Placeholder 2"/>
+          <p:cNvSpPr>
+            <a:spLocks noGrp="1"/>
+          </p:cNvSpPr>
+          <p:nvPr>
+            <p:ph type="body" idx="1"/>
+          </p:nvPr>
+        </p:nvSpPr>
+        <p:spPr/>
+        <p:txBody>
+          <a:bodyPr/>
+          <a:lstStyle/>
+          <a:p>
+            <a:pPr marL="0" marR="0">
+              <a:lnSpc>
+                <a:spcPct val="200000"/>
+              </a:lnSpc>
+              <a:spcBef>
+                <a:spcPts val="0"/>
+              </a:spcBef>
+              <a:spcAft>
+                <a:spcPts val="0"/>
+              </a:spcAft>
+            </a:pPr>
+            <a:r>
+              <a:rPr lang="en-US" sz="1800" b="1" dirty="0">
+                <a:effectLst/>
+                <a:latin typeface="Times New Roman" panose="02020603050405020304" pitchFamily="18" charset="0"/>
+                <a:ea typeface="Calibri" panose="020F0502020204030204" pitchFamily="34" charset="0"/>
+              </a:rPr>
+              <a:t>Mainframe and Data warehouses</a:t>
+            </a:r>
+          </a:p>
+          <a:p>
+            <a:pPr marL="0" marR="0">
+              <a:lnSpc>
+                <a:spcPct val="200000"/>
+              </a:lnSpc>
+              <a:spcBef>
+                <a:spcPts val="0"/>
+              </a:spcBef>
+              <a:spcAft>
+                <a:spcPts val="0"/>
+              </a:spcAft>
+            </a:pPr>
+            <a:r>
+              <a:rPr lang="en-US" sz="1800" dirty="0">
+                <a:effectLst/>
+                <a:latin typeface="Times New Roman" panose="02020603050405020304" pitchFamily="18" charset="0"/>
+                <a:ea typeface="Calibri" panose="020F0502020204030204" pitchFamily="34" charset="0"/>
+              </a:rPr>
+              <a:t>Legacy network environments heavily rely on centralizing information into a single mainframe or data warehouse.  Network security teams could protect these resources through border security solutions, such as firewalls and other network access controls.  However, this model lacks the convenience and data portability that users expect  (</a:t>
+            </a:r>
+            <a:r>
+              <a:rPr lang="en-US" sz="1800" dirty="0" err="1">
+                <a:effectLst/>
+                <a:latin typeface="Times New Roman" panose="02020603050405020304" pitchFamily="18" charset="0"/>
+                <a:ea typeface="Calibri" panose="020F0502020204030204" pitchFamily="34" charset="0"/>
+              </a:rPr>
+              <a:t>Astani</a:t>
+            </a:r>
+            <a:r>
+              <a:rPr lang="en-US" sz="1800" dirty="0">
+                <a:effectLst/>
+                <a:latin typeface="Times New Roman" panose="02020603050405020304" pitchFamily="18" charset="0"/>
+                <a:ea typeface="Calibri" panose="020F0502020204030204" pitchFamily="34" charset="0"/>
+              </a:rPr>
+              <a:t> &amp; Ready, 2016), leading to the adoption of Master Data Management systems (</a:t>
+            </a:r>
+            <a:r>
+              <a:rPr lang="en-US" sz="1800" dirty="0" err="1">
+                <a:effectLst/>
+                <a:latin typeface="Times New Roman" panose="02020603050405020304" pitchFamily="18" charset="0"/>
+                <a:ea typeface="Calibri" panose="020F0502020204030204" pitchFamily="34" charset="0"/>
+              </a:rPr>
+              <a:t>MaDaMgmt</a:t>
+            </a:r>
+            <a:r>
+              <a:rPr lang="en-US" sz="1800" dirty="0">
+                <a:effectLst/>
+                <a:latin typeface="Times New Roman" panose="02020603050405020304" pitchFamily="18" charset="0"/>
+                <a:ea typeface="Calibri" panose="020F0502020204030204" pitchFamily="34" charset="0"/>
+              </a:rPr>
+              <a:t>).  </a:t>
+            </a:r>
+          </a:p>
+          <a:p>
+            <a:pPr marL="0" marR="0">
+              <a:lnSpc>
+                <a:spcPct val="200000"/>
+              </a:lnSpc>
+              <a:spcBef>
+                <a:spcPts val="0"/>
+              </a:spcBef>
+              <a:spcAft>
+                <a:spcPts val="0"/>
+              </a:spcAft>
+            </a:pPr>
+            <a:endParaRPr lang="en-US" sz="1800" dirty="0">
+              <a:effectLst/>
+              <a:latin typeface="Times New Roman" panose="02020603050405020304" pitchFamily="18" charset="0"/>
+              <a:ea typeface="Calibri" panose="020F0502020204030204" pitchFamily="34" charset="0"/>
+            </a:endParaRPr>
+          </a:p>
+          <a:p>
+            <a:pPr marL="0" marR="0">
+              <a:lnSpc>
+                <a:spcPct val="200000"/>
+              </a:lnSpc>
+              <a:spcBef>
+                <a:spcPts val="0"/>
+              </a:spcBef>
+              <a:spcAft>
+                <a:spcPts val="0"/>
+              </a:spcAft>
+            </a:pPr>
+            <a:r>
+              <a:rPr lang="en-US" sz="1800" b="1" dirty="0">
+                <a:effectLst/>
+                <a:latin typeface="Times New Roman" panose="02020603050405020304" pitchFamily="18" charset="0"/>
+                <a:ea typeface="Calibri" panose="020F0502020204030204" pitchFamily="34" charset="0"/>
+              </a:rPr>
+              <a:t>Master Data Management</a:t>
+            </a:r>
+          </a:p>
+          <a:p>
+            <a:pPr marL="0" marR="0">
+              <a:lnSpc>
+                <a:spcPct val="200000"/>
+              </a:lnSpc>
+              <a:spcBef>
+                <a:spcPts val="0"/>
+              </a:spcBef>
+              <a:spcAft>
+                <a:spcPts val="0"/>
+              </a:spcAft>
+            </a:pPr>
+            <a:r>
+              <a:rPr lang="en-US" sz="1800" dirty="0">
+                <a:effectLst/>
+                <a:latin typeface="Times New Roman" panose="02020603050405020304" pitchFamily="18" charset="0"/>
+                <a:ea typeface="Calibri" panose="020F0502020204030204" pitchFamily="34" charset="0"/>
+              </a:rPr>
+              <a:t>The objective of </a:t>
+            </a:r>
+            <a:r>
+              <a:rPr lang="en-US" sz="1800" dirty="0" err="1">
+                <a:effectLst/>
+                <a:latin typeface="Times New Roman" panose="02020603050405020304" pitchFamily="18" charset="0"/>
+                <a:ea typeface="Calibri" panose="020F0502020204030204" pitchFamily="34" charset="0"/>
+              </a:rPr>
+              <a:t>MaDaMgmt</a:t>
+            </a:r>
+            <a:r>
+              <a:rPr lang="en-US" sz="1800" dirty="0">
+                <a:effectLst/>
+                <a:latin typeface="Times New Roman" panose="02020603050405020304" pitchFamily="18" charset="0"/>
+                <a:ea typeface="Calibri" panose="020F0502020204030204" pitchFamily="34" charset="0"/>
+              </a:rPr>
+              <a:t> is to enable the sharing of business entities and related feeds across the organization (Rivas, Caballero, Serrano, &amp; </a:t>
+            </a:r>
+            <a:r>
+              <a:rPr lang="en-US" sz="1800" dirty="0" err="1">
+                <a:effectLst/>
+                <a:latin typeface="Times New Roman" panose="02020603050405020304" pitchFamily="18" charset="0"/>
+                <a:ea typeface="Calibri" panose="020F0502020204030204" pitchFamily="34" charset="0"/>
+              </a:rPr>
+              <a:t>Pattini</a:t>
+            </a:r>
+            <a:r>
+              <a:rPr lang="en-US" sz="1800" dirty="0">
+                <a:effectLst/>
+                <a:latin typeface="Times New Roman" panose="02020603050405020304" pitchFamily="18" charset="0"/>
+                <a:ea typeface="Calibri" panose="020F0502020204030204" pitchFamily="34" charset="0"/>
+              </a:rPr>
+              <a:t>, 2017).  Now that employees could locally cache information on their corporate laptops and workstations, productivity increased, but ensuring data confidentiality and integrity became more complex.  Deploying client management tooling (CMT) allows the administrators to enforce security policy across these edge devices (</a:t>
+            </a:r>
+            <a:r>
+              <a:rPr lang="en-US" sz="1800" dirty="0" err="1">
+                <a:effectLst/>
+                <a:latin typeface="Times New Roman" panose="02020603050405020304" pitchFamily="18" charset="0"/>
+                <a:ea typeface="Calibri" panose="020F0502020204030204" pitchFamily="34" charset="0"/>
+              </a:rPr>
+              <a:t>Tarzey</a:t>
+            </a:r>
+            <a:r>
+              <a:rPr lang="en-US" sz="1800" dirty="0">
+                <a:effectLst/>
+                <a:latin typeface="Times New Roman" panose="02020603050405020304" pitchFamily="18" charset="0"/>
+                <a:ea typeface="Calibri" panose="020F0502020204030204" pitchFamily="34" charset="0"/>
+              </a:rPr>
+              <a:t>, 2018).  However, these CMT products tend to specialize in specific platforms and scenarios, which limits the device supportability matrix for corporate Information Technology (IT) departments.  Due to these restrictions, rigid homogenous topologies became the norm instead of allowing the best tool for the job.</a:t>
+            </a:r>
+          </a:p>
+          <a:p>
+            <a:pPr marL="0" marR="0">
+              <a:lnSpc>
+                <a:spcPct val="200000"/>
+              </a:lnSpc>
+              <a:spcBef>
+                <a:spcPts val="0"/>
+              </a:spcBef>
+              <a:spcAft>
+                <a:spcPts val="0"/>
+              </a:spcAft>
+            </a:pPr>
+            <a:endParaRPr lang="en-US" sz="1800" dirty="0">
+              <a:effectLst/>
+              <a:latin typeface="Times New Roman" panose="02020603050405020304" pitchFamily="18" charset="0"/>
+              <a:ea typeface="Calibri" panose="020F0502020204030204" pitchFamily="34" charset="0"/>
+            </a:endParaRPr>
+          </a:p>
+          <a:p>
+            <a:pPr marL="0" marR="0">
+              <a:lnSpc>
+                <a:spcPct val="200000"/>
+              </a:lnSpc>
+              <a:spcBef>
+                <a:spcPts val="0"/>
+              </a:spcBef>
+              <a:spcAft>
+                <a:spcPts val="0"/>
+              </a:spcAft>
+            </a:pPr>
+            <a:r>
+              <a:rPr lang="en-US" sz="1800" b="1" dirty="0">
+                <a:effectLst/>
+                <a:latin typeface="Times New Roman" panose="02020603050405020304" pitchFamily="18" charset="0"/>
+                <a:ea typeface="Calibri" panose="020F0502020204030204" pitchFamily="34" charset="0"/>
+              </a:rPr>
+              <a:t>Modern BYOD</a:t>
+            </a:r>
+          </a:p>
+          <a:p>
+            <a:pPr marL="0" marR="0">
+              <a:lnSpc>
+                <a:spcPct val="200000"/>
+              </a:lnSpc>
+              <a:spcBef>
+                <a:spcPts val="0"/>
+              </a:spcBef>
+              <a:spcAft>
+                <a:spcPts val="0"/>
+              </a:spcAft>
+            </a:pPr>
+            <a:r>
+              <a:rPr lang="en-US" sz="1800" dirty="0">
+                <a:effectLst/>
+                <a:latin typeface="Times New Roman" panose="02020603050405020304" pitchFamily="18" charset="0"/>
+                <a:ea typeface="Calibri" panose="020F0502020204030204" pitchFamily="34" charset="0"/>
+              </a:rPr>
+              <a:t>Modern networks believe that IT enables the business, not stifles innovation.  The emersion of the Bring-Your-Own-Device (BYOD) makes this perspective front and center (</a:t>
+            </a:r>
+            <a:r>
+              <a:rPr lang="en-US" sz="1800" dirty="0" err="1">
+                <a:effectLst/>
+                <a:latin typeface="Times New Roman" panose="02020603050405020304" pitchFamily="18" charset="0"/>
+                <a:ea typeface="Calibri" panose="020F0502020204030204" pitchFamily="34" charset="0"/>
+              </a:rPr>
+              <a:t>Lamolle</a:t>
+            </a:r>
+            <a:r>
+              <a:rPr lang="en-US" sz="1800" dirty="0">
+                <a:effectLst/>
+                <a:latin typeface="Times New Roman" panose="02020603050405020304" pitchFamily="18" charset="0"/>
+                <a:ea typeface="Calibri" panose="020F0502020204030204" pitchFamily="34" charset="0"/>
+              </a:rPr>
+              <a:t>, </a:t>
+            </a:r>
+            <a:r>
+              <a:rPr lang="en-US" sz="1800" dirty="0" err="1">
+                <a:effectLst/>
+                <a:latin typeface="Times New Roman" panose="02020603050405020304" pitchFamily="18" charset="0"/>
+                <a:ea typeface="Calibri" panose="020F0502020204030204" pitchFamily="34" charset="0"/>
+              </a:rPr>
+              <a:t>Menet</a:t>
+            </a:r>
+            <a:r>
+              <a:rPr lang="en-US" sz="1800" dirty="0">
+                <a:effectLst/>
+                <a:latin typeface="Times New Roman" panose="02020603050405020304" pitchFamily="18" charset="0"/>
+                <a:ea typeface="Calibri" panose="020F0502020204030204" pitchFamily="34" charset="0"/>
+              </a:rPr>
+              <a:t>, &amp; Le Duc, 2015).  With employees are free to use the best tool for their role, it results in highly diverse environments that span multiple technology stacks, like Windows, iOS, and Android.  That freedom improves productivity, at the cost of sensitive business information resides on devices not controlled by the organization and partially trusted at best.</a:t>
+            </a:r>
+          </a:p>
+          <a:p>
+            <a:endParaRPr lang="en-US" dirty="0"/>
+          </a:p>
+        </p:txBody>
+      </p:sp>
+      <p:sp>
+        <p:nvSpPr>
+          <p:cNvPr id="4" name="Slide Number Placeholder 3"/>
+          <p:cNvSpPr>
+            <a:spLocks noGrp="1"/>
+          </p:cNvSpPr>
+          <p:nvPr>
+            <p:ph type="sldNum" sz="quarter" idx="5"/>
+          </p:nvPr>
+        </p:nvSpPr>
+        <p:spPr/>
+        <p:txBody>
+          <a:bodyPr/>
+          <a:lstStyle/>
+          <a:p>
+            <a:fld id="{6A188F23-DDBA-4A74-8B22-2613224FF2EC}" type="slidenum">
+              <a:rPr lang="en-US" smtClean="0"/>
+              <a:t>3</a:t>
+            </a:fld>
+            <a:endParaRPr lang="en-US"/>
+          </a:p>
+        </p:txBody>
+      </p:sp>
+    </p:spTree>
+    <p:extLst>
+      <p:ext uri="{BB962C8B-B14F-4D97-AF65-F5344CB8AC3E}">
+        <p14:creationId xmlns:p14="http://schemas.microsoft.com/office/powerpoint/2010/main" val="2878623086"/>
+      </p:ext>
+    </p:extLst>
+  </p:cSld>
+  <p:clrMapOvr>
+    <a:masterClrMapping/>
+  </p:clrMapOvr>
+</p:notes>
+</file>
+
+<file path=ppt/notesSlides/notesSlide3.xml><?xml version="1.0" encoding="utf-8"?>
+<p:notes xmlns:a="http://schemas.openxmlformats.org/drawingml/2006/main" xmlns:r="http://schemas.openxmlformats.org/officeDocument/2006/relationships" xmlns:p="http://schemas.openxmlformats.org/presentationml/2006/main">
+  <p:cSld>
+    <p:spTree>
+      <p:nvGrpSpPr>
+        <p:cNvPr id="1" name=""/>
+        <p:cNvGrpSpPr/>
+        <p:nvPr/>
+      </p:nvGrpSpPr>
+      <p:grpSpPr>
+        <a:xfrm>
+          <a:off x="0" y="0"/>
+          <a:ext cx="0" cy="0"/>
+          <a:chOff x="0" y="0"/>
+          <a:chExt cx="0" cy="0"/>
+        </a:xfrm>
+      </p:grpSpPr>
+      <p:sp>
+        <p:nvSpPr>
+          <p:cNvPr id="2" name="Slide Image Placeholder 1"/>
+          <p:cNvSpPr>
+            <a:spLocks noGrp="1" noRot="1" noChangeAspect="1"/>
+          </p:cNvSpPr>
+          <p:nvPr>
+            <p:ph type="sldImg"/>
+          </p:nvPr>
+        </p:nvSpPr>
+        <p:spPr/>
+      </p:sp>
+      <p:sp>
+        <p:nvSpPr>
+          <p:cNvPr id="3" name="Notes Placeholder 2"/>
+          <p:cNvSpPr>
+            <a:spLocks noGrp="1"/>
+          </p:cNvSpPr>
+          <p:nvPr>
+            <p:ph type="body" idx="1"/>
+          </p:nvPr>
+        </p:nvSpPr>
+        <p:spPr/>
+        <p:txBody>
+          <a:bodyPr/>
+          <a:lstStyle/>
+          <a:p>
+            <a:pPr marL="0" marR="0" lvl="0" indent="0" algn="l" defTabSz="914400" rtl="0" eaLnBrk="1" fontAlgn="auto" latinLnBrk="0" hangingPunct="1">
+              <a:lnSpc>
+                <a:spcPct val="100000"/>
+              </a:lnSpc>
+              <a:spcBef>
+                <a:spcPts val="0"/>
+              </a:spcBef>
+              <a:spcAft>
+                <a:spcPts val="0"/>
+              </a:spcAft>
+              <a:buClrTx/>
+              <a:buSzTx/>
+              <a:buFontTx/>
+              <a:buNone/>
+              <a:tabLst/>
+              <a:defRPr/>
+            </a:pPr>
+            <a:r>
+              <a:rPr lang="en-US" sz="1800" dirty="0">
+                <a:effectLst/>
+                <a:latin typeface="Times New Roman" panose="02020603050405020304" pitchFamily="18" charset="0"/>
+                <a:ea typeface="Calibri" panose="020F0502020204030204" pitchFamily="34" charset="0"/>
+              </a:rPr>
+              <a:t>In 2013, the European Security Strategy set out to achieve cyber-resilience, reduce cybercrime, and define policies that promote its core values (Kovacs, 2017).  The security posture of the EU continues to evolve from these expectations to include policies like the General Data Protection Regulation (GDPR).  This legal framework requires that the infrastructure for services offered to their citizen to reside in Europe, allowing enforcement over the Union’s sovereignty.  It uses these legislative teeth to force businesses to take customer privacy seriously.  When the business violates the public trust or negligently handles data, the government can issue severe fines for non-compliance (Kovacs, 2017).  GDPR also declares that information about a user is the property of that person, not the service provider.  Since the user owns the data, they can request a copy or its destruction at any time.</a:t>
+            </a:r>
+          </a:p>
+          <a:p>
+            <a:endParaRPr lang="en-US" dirty="0"/>
+          </a:p>
+        </p:txBody>
+      </p:sp>
+      <p:sp>
+        <p:nvSpPr>
+          <p:cNvPr id="4" name="Slide Number Placeholder 3"/>
+          <p:cNvSpPr>
+            <a:spLocks noGrp="1"/>
+          </p:cNvSpPr>
+          <p:nvPr>
+            <p:ph type="sldNum" sz="quarter" idx="5"/>
+          </p:nvPr>
+        </p:nvSpPr>
+        <p:spPr/>
+        <p:txBody>
+          <a:bodyPr/>
+          <a:lstStyle/>
+          <a:p>
+            <a:fld id="{6A188F23-DDBA-4A74-8B22-2613224FF2EC}" type="slidenum">
+              <a:rPr lang="en-US" smtClean="0"/>
+              <a:t>4</a:t>
+            </a:fld>
+            <a:endParaRPr lang="en-US"/>
+          </a:p>
+        </p:txBody>
+      </p:sp>
+    </p:spTree>
+    <p:extLst>
+      <p:ext uri="{BB962C8B-B14F-4D97-AF65-F5344CB8AC3E}">
+        <p14:creationId xmlns:p14="http://schemas.microsoft.com/office/powerpoint/2010/main" val="2551007650"/>
+      </p:ext>
+    </p:extLst>
+  </p:cSld>
+  <p:clrMapOvr>
+    <a:masterClrMapping/>
+  </p:clrMapOvr>
+</p:notes>
+</file>
+
+<file path=ppt/notesSlides/notesSlide4.xml><?xml version="1.0" encoding="utf-8"?>
+<p:notes xmlns:a="http://schemas.openxmlformats.org/drawingml/2006/main" xmlns:r="http://schemas.openxmlformats.org/officeDocument/2006/relationships" xmlns:p="http://schemas.openxmlformats.org/presentationml/2006/main">
+  <p:cSld>
+    <p:spTree>
+      <p:nvGrpSpPr>
+        <p:cNvPr id="1" name=""/>
+        <p:cNvGrpSpPr/>
+        <p:nvPr/>
+      </p:nvGrpSpPr>
+      <p:grpSpPr>
+        <a:xfrm>
+          <a:off x="0" y="0"/>
+          <a:ext cx="0" cy="0"/>
+          <a:chOff x="0" y="0"/>
+          <a:chExt cx="0" cy="0"/>
+        </a:xfrm>
+      </p:grpSpPr>
+      <p:sp>
+        <p:nvSpPr>
+          <p:cNvPr id="2" name="Slide Image Placeholder 1"/>
+          <p:cNvSpPr>
+            <a:spLocks noGrp="1" noRot="1" noChangeAspect="1"/>
+          </p:cNvSpPr>
+          <p:nvPr>
+            <p:ph type="sldImg"/>
+          </p:nvPr>
+        </p:nvSpPr>
+        <p:spPr/>
+      </p:sp>
+      <p:sp>
+        <p:nvSpPr>
+          <p:cNvPr id="3" name="Notes Placeholder 2"/>
+          <p:cNvSpPr>
+            <a:spLocks noGrp="1"/>
+          </p:cNvSpPr>
+          <p:nvPr>
+            <p:ph type="body" idx="1"/>
+          </p:nvPr>
+        </p:nvSpPr>
+        <p:spPr/>
+        <p:txBody>
+          <a:bodyPr/>
+          <a:lstStyle/>
+          <a:p>
+            <a:pPr marL="0" marR="0" lvl="0" indent="0" algn="l" defTabSz="914400" rtl="0" eaLnBrk="1" fontAlgn="auto" latinLnBrk="0" hangingPunct="1">
+              <a:lnSpc>
+                <a:spcPct val="100000"/>
+              </a:lnSpc>
+              <a:spcBef>
+                <a:spcPts val="0"/>
+              </a:spcBef>
+              <a:spcAft>
+                <a:spcPts val="0"/>
+              </a:spcAft>
+              <a:buClrTx/>
+              <a:buSzTx/>
+              <a:buFontTx/>
+              <a:buNone/>
+              <a:tabLst/>
+              <a:defRPr/>
+            </a:pPr>
+            <a:r>
+              <a:rPr lang="en-US" sz="1800" dirty="0">
+                <a:effectLst/>
+                <a:latin typeface="Times New Roman" panose="02020603050405020304" pitchFamily="18" charset="0"/>
+                <a:ea typeface="Calibri" panose="020F0502020204030204" pitchFamily="34" charset="0"/>
+              </a:rPr>
+              <a:t>In 2002, several high-profile accounting scandals rocked the financial world (e.g., WorldCom and Enron) intentionally and maliciously falsified documents.  A general sense of mistrust began to form across the American investment community  (</a:t>
+            </a:r>
+            <a:r>
+              <a:rPr lang="en-US" sz="1800" dirty="0" err="1">
+                <a:effectLst/>
+                <a:latin typeface="Times New Roman" panose="02020603050405020304" pitchFamily="18" charset="0"/>
+                <a:ea typeface="Calibri" panose="020F0502020204030204" pitchFamily="34" charset="0"/>
+              </a:rPr>
+              <a:t>Mallor</a:t>
+            </a:r>
+            <a:r>
+              <a:rPr lang="en-US" sz="1800" dirty="0">
+                <a:effectLst/>
+                <a:latin typeface="Times New Roman" panose="02020603050405020304" pitchFamily="18" charset="0"/>
+                <a:ea typeface="Calibri" panose="020F0502020204030204" pitchFamily="34" charset="0"/>
+              </a:rPr>
+              <a:t>, </a:t>
+            </a:r>
+            <a:r>
+              <a:rPr lang="en-US" sz="1800" dirty="0" err="1">
+                <a:effectLst/>
+                <a:latin typeface="Times New Roman" panose="02020603050405020304" pitchFamily="18" charset="0"/>
+                <a:ea typeface="Calibri" panose="020F0502020204030204" pitchFamily="34" charset="0"/>
+              </a:rPr>
+              <a:t>Prenkert</a:t>
+            </a:r>
+            <a:r>
+              <a:rPr lang="en-US" sz="1800" dirty="0">
+                <a:effectLst/>
+                <a:latin typeface="Times New Roman" panose="02020603050405020304" pitchFamily="18" charset="0"/>
+                <a:ea typeface="Calibri" panose="020F0502020204030204" pitchFamily="34" charset="0"/>
+              </a:rPr>
+              <a:t>, Barnes, </a:t>
+            </a:r>
+            <a:r>
+              <a:rPr lang="en-US" sz="1800" dirty="0" err="1">
+                <a:effectLst/>
+                <a:latin typeface="Times New Roman" panose="02020603050405020304" pitchFamily="18" charset="0"/>
+                <a:ea typeface="Calibri" panose="020F0502020204030204" pitchFamily="34" charset="0"/>
+              </a:rPr>
+              <a:t>Langvardt</a:t>
+            </a:r>
+            <a:r>
+              <a:rPr lang="en-US" sz="1800" dirty="0">
+                <a:effectLst/>
+                <a:latin typeface="Times New Roman" panose="02020603050405020304" pitchFamily="18" charset="0"/>
+                <a:ea typeface="Calibri" panose="020F0502020204030204" pitchFamily="34" charset="0"/>
+              </a:rPr>
+              <a:t>, &amp; McCrory, 2013).  The SOX Act was a direct response to these challenges by mandating internal controls and external auditing procedures.</a:t>
+            </a:r>
+          </a:p>
+          <a:p>
+            <a:pPr marL="0" marR="0" lvl="0" indent="0" algn="l" defTabSz="914400" rtl="0" eaLnBrk="1" fontAlgn="auto" latinLnBrk="0" hangingPunct="1">
+              <a:lnSpc>
+                <a:spcPct val="100000"/>
+              </a:lnSpc>
+              <a:spcBef>
+                <a:spcPts val="0"/>
+              </a:spcBef>
+              <a:spcAft>
+                <a:spcPts val="0"/>
+              </a:spcAft>
+              <a:buClrTx/>
+              <a:buSzTx/>
+              <a:buFontTx/>
+              <a:buNone/>
+              <a:tabLst/>
+              <a:defRPr/>
+            </a:pPr>
+            <a:endParaRPr lang="en-US" sz="1800" dirty="0">
+              <a:effectLst/>
+              <a:latin typeface="Times New Roman" panose="02020603050405020304" pitchFamily="18" charset="0"/>
+              <a:ea typeface="Calibri" panose="020F0502020204030204" pitchFamily="34" charset="0"/>
+            </a:endParaRPr>
+          </a:p>
+          <a:p>
+            <a:pPr marL="0" marR="0" lvl="0" indent="0" algn="l" defTabSz="914400" rtl="0" eaLnBrk="1" fontAlgn="auto" latinLnBrk="0" hangingPunct="1">
+              <a:lnSpc>
+                <a:spcPct val="100000"/>
+              </a:lnSpc>
+              <a:spcBef>
+                <a:spcPts val="0"/>
+              </a:spcBef>
+              <a:spcAft>
+                <a:spcPts val="0"/>
+              </a:spcAft>
+              <a:buClrTx/>
+              <a:buSzTx/>
+              <a:buFontTx/>
+              <a:buNone/>
+              <a:tabLst/>
+              <a:defRPr/>
+            </a:pPr>
+            <a:r>
+              <a:rPr lang="en-US" sz="1800" dirty="0">
+                <a:effectLst/>
+                <a:latin typeface="Times New Roman" panose="02020603050405020304" pitchFamily="18" charset="0"/>
+                <a:ea typeface="Calibri" panose="020F0502020204030204" pitchFamily="34" charset="0"/>
+              </a:rPr>
+              <a:t>Executives leadership teams must also produce documentation about these controls and are personally accountable for inaccuracies.  This accountability is punishable by fines or even jail sentences in egregious situations.  Along with these official repercussions, shareholders are quick to sell their investment in untrustworthy businesses empowering the free-market to gain its pound of flesh. </a:t>
+            </a:r>
+          </a:p>
+          <a:p>
+            <a:endParaRPr lang="en-US" dirty="0"/>
+          </a:p>
+        </p:txBody>
+      </p:sp>
+      <p:sp>
+        <p:nvSpPr>
+          <p:cNvPr id="4" name="Slide Number Placeholder 3"/>
+          <p:cNvSpPr>
+            <a:spLocks noGrp="1"/>
+          </p:cNvSpPr>
+          <p:nvPr>
+            <p:ph type="sldNum" sz="quarter" idx="5"/>
+          </p:nvPr>
+        </p:nvSpPr>
+        <p:spPr/>
+        <p:txBody>
+          <a:bodyPr/>
+          <a:lstStyle/>
+          <a:p>
+            <a:fld id="{6A188F23-DDBA-4A74-8B22-2613224FF2EC}" type="slidenum">
+              <a:rPr lang="en-US" smtClean="0"/>
+              <a:t>5</a:t>
+            </a:fld>
+            <a:endParaRPr lang="en-US"/>
+          </a:p>
+        </p:txBody>
+      </p:sp>
+    </p:spTree>
+    <p:extLst>
+      <p:ext uri="{BB962C8B-B14F-4D97-AF65-F5344CB8AC3E}">
+        <p14:creationId xmlns:p14="http://schemas.microsoft.com/office/powerpoint/2010/main" val="3026908979"/>
+      </p:ext>
+    </p:extLst>
+  </p:cSld>
+  <p:clrMapOvr>
+    <a:masterClrMapping/>
+  </p:clrMapOvr>
+</p:notes>
+</file>
+
+<file path=ppt/notesSlides/notesSlide5.xml><?xml version="1.0" encoding="utf-8"?>
+<p:notes xmlns:a="http://schemas.openxmlformats.org/drawingml/2006/main" xmlns:r="http://schemas.openxmlformats.org/officeDocument/2006/relationships" xmlns:p="http://schemas.openxmlformats.org/presentationml/2006/main">
+  <p:cSld>
+    <p:spTree>
+      <p:nvGrpSpPr>
+        <p:cNvPr id="1" name=""/>
+        <p:cNvGrpSpPr/>
+        <p:nvPr/>
+      </p:nvGrpSpPr>
+      <p:grpSpPr>
+        <a:xfrm>
+          <a:off x="0" y="0"/>
+          <a:ext cx="0" cy="0"/>
+          <a:chOff x="0" y="0"/>
+          <a:chExt cx="0" cy="0"/>
+        </a:xfrm>
+      </p:grpSpPr>
+      <p:sp>
+        <p:nvSpPr>
+          <p:cNvPr id="2" name="Slide Image Placeholder 1"/>
+          <p:cNvSpPr>
+            <a:spLocks noGrp="1" noRot="1" noChangeAspect="1"/>
+          </p:cNvSpPr>
+          <p:nvPr>
+            <p:ph type="sldImg"/>
+          </p:nvPr>
+        </p:nvSpPr>
+        <p:spPr/>
+      </p:sp>
+      <p:sp>
+        <p:nvSpPr>
+          <p:cNvPr id="3" name="Notes Placeholder 2"/>
+          <p:cNvSpPr>
+            <a:spLocks noGrp="1"/>
+          </p:cNvSpPr>
+          <p:nvPr>
+            <p:ph type="body" idx="1"/>
+          </p:nvPr>
+        </p:nvSpPr>
+        <p:spPr/>
+        <p:txBody>
+          <a:bodyPr/>
+          <a:lstStyle/>
+          <a:p>
+            <a:pPr marL="0" marR="0" lvl="0" indent="0">
+              <a:lnSpc>
+                <a:spcPct val="200000"/>
+              </a:lnSpc>
+              <a:spcBef>
+                <a:spcPts val="0"/>
+              </a:spcBef>
+              <a:spcAft>
+                <a:spcPts val="0"/>
+              </a:spcAft>
+              <a:buFont typeface="Symbol" panose="05050102010706020507" pitchFamily="18" charset="2"/>
+              <a:buNone/>
+            </a:pPr>
+            <a:r>
+              <a:rPr lang="en-US" sz="1800" b="1" dirty="0">
+                <a:effectLst/>
+                <a:latin typeface="Times New Roman" panose="02020603050405020304" pitchFamily="18" charset="0"/>
+                <a:ea typeface="Calibri" panose="020F0502020204030204" pitchFamily="34" charset="0"/>
+                <a:cs typeface="Times New Roman" panose="02020603050405020304" pitchFamily="18" charset="0"/>
+              </a:rPr>
+              <a:t>HIPAA</a:t>
+            </a:r>
+          </a:p>
+          <a:p>
+            <a:pPr marL="0" marR="0" lvl="0" indent="0">
+              <a:lnSpc>
+                <a:spcPct val="200000"/>
+              </a:lnSpc>
+              <a:spcBef>
+                <a:spcPts val="0"/>
+              </a:spcBef>
+              <a:spcAft>
+                <a:spcPts val="0"/>
+              </a:spcAft>
+              <a:buFont typeface="Symbol" panose="05050102010706020507" pitchFamily="18" charset="2"/>
+              <a:buNone/>
+            </a:pPr>
+            <a:r>
+              <a:rPr lang="en-US" sz="1800" dirty="0">
+                <a:effectLst/>
+                <a:latin typeface="Times New Roman" panose="02020603050405020304" pitchFamily="18" charset="0"/>
+                <a:ea typeface="Calibri" panose="020F0502020204030204" pitchFamily="34" charset="0"/>
+                <a:cs typeface="Times New Roman" panose="02020603050405020304" pitchFamily="18" charset="0"/>
+              </a:rPr>
+              <a:t>In 1996, the Health Insurance Portability and Accountability Act, came into existence to protect patient confidentiality and modernize the health care information flow (Grimes &amp; Wirth, 2017).  </a:t>
+            </a:r>
+          </a:p>
+          <a:p>
+            <a:pPr marL="0" marR="0" lvl="0" indent="0">
+              <a:lnSpc>
+                <a:spcPct val="200000"/>
+              </a:lnSpc>
+              <a:spcBef>
+                <a:spcPts val="0"/>
+              </a:spcBef>
+              <a:spcAft>
+                <a:spcPts val="0"/>
+              </a:spcAft>
+              <a:buFont typeface="Symbol" panose="05050102010706020507" pitchFamily="18" charset="2"/>
+              <a:buNone/>
+            </a:pPr>
+            <a:endParaRPr lang="en-US" sz="1800" dirty="0">
+              <a:effectLst/>
+              <a:latin typeface="Times New Roman" panose="02020603050405020304" pitchFamily="18" charset="0"/>
+              <a:ea typeface="Calibri" panose="020F0502020204030204" pitchFamily="34" charset="0"/>
+              <a:cs typeface="Times New Roman" panose="02020603050405020304" pitchFamily="18" charset="0"/>
+            </a:endParaRPr>
+          </a:p>
+          <a:p>
+            <a:pPr marL="0" marR="0" lvl="0" indent="0">
+              <a:lnSpc>
+                <a:spcPct val="200000"/>
+              </a:lnSpc>
+              <a:spcBef>
+                <a:spcPts val="0"/>
+              </a:spcBef>
+              <a:spcAft>
+                <a:spcPts val="0"/>
+              </a:spcAft>
+              <a:buFont typeface="Symbol" panose="05050102010706020507" pitchFamily="18" charset="2"/>
+              <a:buNone/>
+            </a:pPr>
+            <a:r>
+              <a:rPr lang="en-US" sz="1800" b="1" dirty="0">
+                <a:effectLst/>
+                <a:latin typeface="Times New Roman" panose="02020603050405020304" pitchFamily="18" charset="0"/>
+                <a:ea typeface="Calibri" panose="020F0502020204030204" pitchFamily="34" charset="0"/>
+                <a:cs typeface="Times New Roman" panose="02020603050405020304" pitchFamily="18" charset="0"/>
+              </a:rPr>
+              <a:t>HITECH</a:t>
+            </a:r>
+          </a:p>
+          <a:p>
+            <a:pPr marL="0" marR="0" lvl="0" indent="0">
+              <a:lnSpc>
+                <a:spcPct val="200000"/>
+              </a:lnSpc>
+              <a:spcBef>
+                <a:spcPts val="0"/>
+              </a:spcBef>
+              <a:spcAft>
+                <a:spcPts val="0"/>
+              </a:spcAft>
+              <a:buFont typeface="Symbol" panose="05050102010706020507" pitchFamily="18" charset="2"/>
+              <a:buNone/>
+            </a:pPr>
+            <a:r>
+              <a:rPr lang="en-US" sz="1800" dirty="0">
+                <a:effectLst/>
+                <a:latin typeface="Times New Roman" panose="02020603050405020304" pitchFamily="18" charset="0"/>
+                <a:ea typeface="Calibri" panose="020F0502020204030204" pitchFamily="34" charset="0"/>
+                <a:cs typeface="Times New Roman" panose="02020603050405020304" pitchFamily="18" charset="0"/>
+              </a:rPr>
+              <a:t>In 2009, the Health Information Technology for Economic and Clinical Health Act removes loop-holes in HIPAA compliance and forces medical facilities to adopt Electronic Medical Records (EMR) (HIPAA Journal, 2014).  </a:t>
+            </a:r>
+          </a:p>
+          <a:p>
+            <a:pPr marL="0" marR="0" lvl="0" indent="0">
+              <a:lnSpc>
+                <a:spcPct val="200000"/>
+              </a:lnSpc>
+              <a:spcBef>
+                <a:spcPts val="0"/>
+              </a:spcBef>
+              <a:spcAft>
+                <a:spcPts val="0"/>
+              </a:spcAft>
+              <a:buFont typeface="Symbol" panose="05050102010706020507" pitchFamily="18" charset="2"/>
+              <a:buNone/>
+            </a:pPr>
+            <a:endParaRPr lang="en-US" sz="1800" dirty="0">
+              <a:effectLst/>
+              <a:latin typeface="Times New Roman" panose="02020603050405020304" pitchFamily="18" charset="0"/>
+              <a:ea typeface="Calibri" panose="020F0502020204030204" pitchFamily="34" charset="0"/>
+              <a:cs typeface="Times New Roman" panose="02020603050405020304" pitchFamily="18" charset="0"/>
+            </a:endParaRPr>
+          </a:p>
+          <a:p>
+            <a:pPr marL="0" marR="0" lvl="0" indent="0">
+              <a:lnSpc>
+                <a:spcPct val="200000"/>
+              </a:lnSpc>
+              <a:spcBef>
+                <a:spcPts val="0"/>
+              </a:spcBef>
+              <a:spcAft>
+                <a:spcPts val="0"/>
+              </a:spcAft>
+              <a:buFont typeface="Symbol" panose="05050102010706020507" pitchFamily="18" charset="2"/>
+              <a:buNone/>
+            </a:pPr>
+            <a:r>
+              <a:rPr lang="en-US" sz="1800" b="1" dirty="0">
+                <a:effectLst/>
+                <a:latin typeface="Times New Roman" panose="02020603050405020304" pitchFamily="18" charset="0"/>
+                <a:ea typeface="Calibri" panose="020F0502020204030204" pitchFamily="34" charset="0"/>
+                <a:cs typeface="Times New Roman" panose="02020603050405020304" pitchFamily="18" charset="0"/>
+              </a:rPr>
+              <a:t>OMNIBUS RULE</a:t>
+            </a:r>
+          </a:p>
+          <a:p>
+            <a:pPr marL="0" marR="0" lvl="0" indent="0">
+              <a:lnSpc>
+                <a:spcPct val="200000"/>
+              </a:lnSpc>
+              <a:spcBef>
+                <a:spcPts val="0"/>
+              </a:spcBef>
+              <a:spcAft>
+                <a:spcPts val="0"/>
+              </a:spcAft>
+              <a:buFont typeface="Symbol" panose="05050102010706020507" pitchFamily="18" charset="2"/>
+              <a:buNone/>
+            </a:pPr>
+            <a:r>
+              <a:rPr lang="en-US" sz="1800" dirty="0">
+                <a:effectLst/>
+                <a:latin typeface="Times New Roman" panose="02020603050405020304" pitchFamily="18" charset="0"/>
+                <a:ea typeface="Calibri" panose="020F0502020204030204" pitchFamily="34" charset="0"/>
+                <a:cs typeface="Times New Roman" panose="02020603050405020304" pitchFamily="18" charset="0"/>
+              </a:rPr>
+              <a:t>In 2014, an amendment to the HITECH legislation expanded the definition of Personal Health Information (PHI) by protecting individuals’ privacy for fifty years after being deceased (AHIMA, 2014).  AHIMA states there are exceptions to this rule, such as a request from the person’s caregiver, provided a written request for confidentiality does not exist.  Other exceptions allow release for insurance billing and payment scenarios.</a:t>
+            </a:r>
+          </a:p>
+          <a:p>
+            <a:endParaRPr lang="en-US" dirty="0"/>
+          </a:p>
+        </p:txBody>
+      </p:sp>
+      <p:sp>
+        <p:nvSpPr>
+          <p:cNvPr id="4" name="Slide Number Placeholder 3"/>
+          <p:cNvSpPr>
+            <a:spLocks noGrp="1"/>
+          </p:cNvSpPr>
+          <p:nvPr>
+            <p:ph type="sldNum" sz="quarter" idx="5"/>
+          </p:nvPr>
+        </p:nvSpPr>
+        <p:spPr/>
+        <p:txBody>
+          <a:bodyPr/>
+          <a:lstStyle/>
+          <a:p>
+            <a:fld id="{6A188F23-DDBA-4A74-8B22-2613224FF2EC}" type="slidenum">
+              <a:rPr lang="en-US" smtClean="0"/>
+              <a:t>6</a:t>
+            </a:fld>
+            <a:endParaRPr lang="en-US"/>
+          </a:p>
+        </p:txBody>
+      </p:sp>
+    </p:spTree>
+    <p:extLst>
+      <p:ext uri="{BB962C8B-B14F-4D97-AF65-F5344CB8AC3E}">
+        <p14:creationId xmlns:p14="http://schemas.microsoft.com/office/powerpoint/2010/main" val="1373717697"/>
+      </p:ext>
+    </p:extLst>
+  </p:cSld>
+  <p:clrMapOvr>
+    <a:masterClrMapping/>
+  </p:clrMapOvr>
+</p:notes>
+</file>
+
+<file path=ppt/notesSlides/notesSlide6.xml><?xml version="1.0" encoding="utf-8"?>
+<p:notes xmlns:a="http://schemas.openxmlformats.org/drawingml/2006/main" xmlns:r="http://schemas.openxmlformats.org/officeDocument/2006/relationships" xmlns:p="http://schemas.openxmlformats.org/presentationml/2006/main">
+  <p:cSld>
+    <p:spTree>
+      <p:nvGrpSpPr>
+        <p:cNvPr id="1" name=""/>
+        <p:cNvGrpSpPr/>
+        <p:nvPr/>
+      </p:nvGrpSpPr>
+      <p:grpSpPr>
+        <a:xfrm>
+          <a:off x="0" y="0"/>
+          <a:ext cx="0" cy="0"/>
+          <a:chOff x="0" y="0"/>
+          <a:chExt cx="0" cy="0"/>
+        </a:xfrm>
+      </p:grpSpPr>
+      <p:sp>
+        <p:nvSpPr>
+          <p:cNvPr id="2" name="Slide Image Placeholder 1"/>
+          <p:cNvSpPr>
+            <a:spLocks noGrp="1" noRot="1" noChangeAspect="1"/>
+          </p:cNvSpPr>
+          <p:nvPr>
+            <p:ph type="sldImg"/>
+          </p:nvPr>
+        </p:nvSpPr>
+        <p:spPr/>
+      </p:sp>
+      <p:sp>
+        <p:nvSpPr>
+          <p:cNvPr id="3" name="Notes Placeholder 2"/>
+          <p:cNvSpPr>
+            <a:spLocks noGrp="1"/>
+          </p:cNvSpPr>
+          <p:nvPr>
+            <p:ph type="body" idx="1"/>
+          </p:nvPr>
+        </p:nvSpPr>
+        <p:spPr/>
+        <p:txBody>
+          <a:bodyPr/>
+          <a:lstStyle/>
+          <a:p>
+            <a:pPr marL="0" marR="0" lvl="0" indent="0" algn="l" defTabSz="914400" rtl="0" eaLnBrk="1" fontAlgn="auto" latinLnBrk="0" hangingPunct="1">
+              <a:lnSpc>
+                <a:spcPct val="100000"/>
+              </a:lnSpc>
+              <a:spcBef>
+                <a:spcPts val="0"/>
+              </a:spcBef>
+              <a:spcAft>
+                <a:spcPts val="0"/>
+              </a:spcAft>
+              <a:buClrTx/>
+              <a:buSzTx/>
+              <a:buFontTx/>
+              <a:buNone/>
+              <a:tabLst/>
+              <a:defRPr/>
+            </a:pPr>
+            <a:r>
+              <a:rPr lang="en-US" sz="1800" dirty="0">
+                <a:effectLst/>
+                <a:latin typeface="Times New Roman" panose="02020603050405020304" pitchFamily="18" charset="0"/>
+                <a:ea typeface="Calibri" panose="020F0502020204030204" pitchFamily="34" charset="0"/>
+              </a:rPr>
+              <a:t>In 1974, the Family Education Rights and Privacy Act gave parents the ability to (1) access; (2) amend; and (3) limit disclosure -- of their child’s educational data (</a:t>
+            </a:r>
+            <a:r>
+              <a:rPr lang="en-US" sz="1800" dirty="0" err="1">
+                <a:effectLst/>
+                <a:latin typeface="Times New Roman" panose="02020603050405020304" pitchFamily="18" charset="0"/>
+                <a:ea typeface="Calibri" panose="020F0502020204030204" pitchFamily="34" charset="0"/>
+              </a:rPr>
+              <a:t>EDUStaff</a:t>
+            </a:r>
+            <a:r>
+              <a:rPr lang="en-US" sz="1800" dirty="0">
+                <a:effectLst/>
+                <a:latin typeface="Times New Roman" panose="02020603050405020304" pitchFamily="18" charset="0"/>
+                <a:ea typeface="Calibri" panose="020F0502020204030204" pitchFamily="34" charset="0"/>
+              </a:rPr>
+              <a:t>, 2016).  These controls cover any student’s Personally Identifiable Information (PII) and educational records.  </a:t>
+            </a:r>
+          </a:p>
+          <a:p>
+            <a:pPr marL="0" marR="0" lvl="0" indent="0" algn="l" defTabSz="914400" rtl="0" eaLnBrk="1" fontAlgn="auto" latinLnBrk="0" hangingPunct="1">
+              <a:lnSpc>
+                <a:spcPct val="100000"/>
+              </a:lnSpc>
+              <a:spcBef>
+                <a:spcPts val="0"/>
+              </a:spcBef>
+              <a:spcAft>
+                <a:spcPts val="0"/>
+              </a:spcAft>
+              <a:buClrTx/>
+              <a:buSzTx/>
+              <a:buFontTx/>
+              <a:buNone/>
+              <a:tabLst/>
+              <a:defRPr/>
+            </a:pPr>
+            <a:endParaRPr lang="en-US" sz="1800" dirty="0">
+              <a:effectLst/>
+              <a:latin typeface="Times New Roman" panose="02020603050405020304" pitchFamily="18" charset="0"/>
+              <a:ea typeface="Calibri" panose="020F0502020204030204" pitchFamily="34" charset="0"/>
+            </a:endParaRPr>
+          </a:p>
+          <a:p>
+            <a:pPr marL="0" marR="0" lvl="0" indent="0" algn="l" defTabSz="914400" rtl="0" eaLnBrk="1" fontAlgn="auto" latinLnBrk="0" hangingPunct="1">
+              <a:lnSpc>
+                <a:spcPct val="100000"/>
+              </a:lnSpc>
+              <a:spcBef>
+                <a:spcPts val="0"/>
+              </a:spcBef>
+              <a:spcAft>
+                <a:spcPts val="0"/>
+              </a:spcAft>
+              <a:buClrTx/>
+              <a:buSzTx/>
+              <a:buFontTx/>
+              <a:buNone/>
+              <a:tabLst/>
+              <a:defRPr/>
+            </a:pPr>
+            <a:r>
+              <a:rPr lang="en-US" sz="1800" dirty="0">
+                <a:effectLst/>
+                <a:latin typeface="Times New Roman" panose="02020603050405020304" pitchFamily="18" charset="0"/>
+                <a:ea typeface="Calibri" panose="020F0502020204030204" pitchFamily="34" charset="0"/>
+              </a:rPr>
+              <a:t>According to Langlois (2014), these rules apply to any organization that accepts federal funds.  She also notes that FERPA is the federal minimum bar, and places like Texas go further with state-level requirements.  When a school district violates FERPA, no penalizations exist outside of potentially losing its federal funding.  However, the parents are free to file civil suits and seek damages caused by negligence and maliciousness.</a:t>
+            </a:r>
+          </a:p>
+          <a:p>
+            <a:endParaRPr lang="en-US" dirty="0"/>
+          </a:p>
+        </p:txBody>
+      </p:sp>
+      <p:sp>
+        <p:nvSpPr>
+          <p:cNvPr id="4" name="Slide Number Placeholder 3"/>
+          <p:cNvSpPr>
+            <a:spLocks noGrp="1"/>
+          </p:cNvSpPr>
+          <p:nvPr>
+            <p:ph type="sldNum" sz="quarter" idx="5"/>
+          </p:nvPr>
+        </p:nvSpPr>
+        <p:spPr/>
+        <p:txBody>
+          <a:bodyPr/>
+          <a:lstStyle/>
+          <a:p>
+            <a:fld id="{6A188F23-DDBA-4A74-8B22-2613224FF2EC}" type="slidenum">
+              <a:rPr lang="en-US" smtClean="0"/>
+              <a:t>7</a:t>
+            </a:fld>
+            <a:endParaRPr lang="en-US"/>
+          </a:p>
+        </p:txBody>
+      </p:sp>
+    </p:spTree>
+    <p:extLst>
+      <p:ext uri="{BB962C8B-B14F-4D97-AF65-F5344CB8AC3E}">
+        <p14:creationId xmlns:p14="http://schemas.microsoft.com/office/powerpoint/2010/main" val="4065239244"/>
+      </p:ext>
+    </p:extLst>
+  </p:cSld>
+  <p:clrMapOvr>
+    <a:masterClrMapping/>
+  </p:clrMapOvr>
+</p:notes>
+</file>
+
+<file path=ppt/notesSlides/notesSlide7.xml><?xml version="1.0" encoding="utf-8"?>
+<p:notes xmlns:a="http://schemas.openxmlformats.org/drawingml/2006/main" xmlns:r="http://schemas.openxmlformats.org/officeDocument/2006/relationships" xmlns:p="http://schemas.openxmlformats.org/presentationml/2006/main">
+  <p:cSld>
+    <p:spTree>
+      <p:nvGrpSpPr>
+        <p:cNvPr id="1" name=""/>
+        <p:cNvGrpSpPr/>
+        <p:nvPr/>
+      </p:nvGrpSpPr>
+      <p:grpSpPr>
+        <a:xfrm>
+          <a:off x="0" y="0"/>
+          <a:ext cx="0" cy="0"/>
+          <a:chOff x="0" y="0"/>
+          <a:chExt cx="0" cy="0"/>
+        </a:xfrm>
+      </p:grpSpPr>
+      <p:sp>
+        <p:nvSpPr>
+          <p:cNvPr id="2" name="Slide Image Placeholder 1"/>
+          <p:cNvSpPr>
+            <a:spLocks noGrp="1" noRot="1" noChangeAspect="1"/>
+          </p:cNvSpPr>
+          <p:nvPr>
+            <p:ph type="sldImg"/>
+          </p:nvPr>
+        </p:nvSpPr>
+        <p:spPr/>
+      </p:sp>
+      <p:sp>
+        <p:nvSpPr>
+          <p:cNvPr id="3" name="Notes Placeholder 2"/>
+          <p:cNvSpPr>
+            <a:spLocks noGrp="1"/>
+          </p:cNvSpPr>
+          <p:nvPr>
+            <p:ph type="body" idx="1"/>
+          </p:nvPr>
+        </p:nvSpPr>
+        <p:spPr/>
+        <p:txBody>
+          <a:bodyPr/>
+          <a:lstStyle/>
+          <a:p>
+            <a:pPr marL="0" marR="0" lvl="0" indent="0" algn="l" defTabSz="914400" rtl="0" eaLnBrk="1" fontAlgn="auto" latinLnBrk="0" hangingPunct="1">
+              <a:lnSpc>
+                <a:spcPct val="100000"/>
+              </a:lnSpc>
+              <a:spcBef>
+                <a:spcPts val="0"/>
+              </a:spcBef>
+              <a:spcAft>
+                <a:spcPts val="0"/>
+              </a:spcAft>
+              <a:buClrTx/>
+              <a:buSzTx/>
+              <a:buFontTx/>
+              <a:buNone/>
+              <a:tabLst/>
+              <a:defRPr/>
+            </a:pPr>
+            <a:r>
+              <a:rPr lang="en-US" sz="1800" dirty="0">
+                <a:effectLst/>
+                <a:latin typeface="Times New Roman" panose="02020603050405020304" pitchFamily="18" charset="0"/>
+                <a:ea typeface="Calibri" panose="020F0502020204030204" pitchFamily="34" charset="0"/>
+              </a:rPr>
+              <a:t>User privacy is a critical design component across these various legal frameworks.  Two reoccurring themes state that the user owns their data and that ownership is relatively broad.  Administrators need to be cognizant of this net while defining and implementing mobile device management strategies, especially in BYOD scenarios.  The right to privacy can come at odds with personalization and system functionality, forcing a discussion around trade-offs within specific locales  (Busby, Green, &amp; Hutchison, 2017).   Depending on the region, local regulation can create substantial economic incentives to respect the customer’s privacy (Banks, 2017).  Where those laws are less strict, the business still has an ethical obligation to protect data about those individuals.</a:t>
+            </a:r>
+          </a:p>
+          <a:p>
+            <a:endParaRPr lang="en-US" dirty="0"/>
+          </a:p>
+        </p:txBody>
+      </p:sp>
+      <p:sp>
+        <p:nvSpPr>
+          <p:cNvPr id="4" name="Slide Number Placeholder 3"/>
+          <p:cNvSpPr>
+            <a:spLocks noGrp="1"/>
+          </p:cNvSpPr>
+          <p:nvPr>
+            <p:ph type="sldNum" sz="quarter" idx="5"/>
+          </p:nvPr>
+        </p:nvSpPr>
+        <p:spPr/>
+        <p:txBody>
+          <a:bodyPr/>
+          <a:lstStyle/>
+          <a:p>
+            <a:fld id="{6A188F23-DDBA-4A74-8B22-2613224FF2EC}" type="slidenum">
+              <a:rPr lang="en-US" smtClean="0"/>
+              <a:t>8</a:t>
+            </a:fld>
+            <a:endParaRPr lang="en-US"/>
+          </a:p>
+        </p:txBody>
+      </p:sp>
+    </p:spTree>
+    <p:extLst>
+      <p:ext uri="{BB962C8B-B14F-4D97-AF65-F5344CB8AC3E}">
+        <p14:creationId xmlns:p14="http://schemas.microsoft.com/office/powerpoint/2010/main" val="442529580"/>
+      </p:ext>
+    </p:extLst>
+  </p:cSld>
+  <p:clrMapOvr>
+    <a:masterClrMapping/>
+  </p:clrMapOvr>
+</p:notes>
+</file>
+
+<file path=ppt/notesSlides/notesSlide8.xml><?xml version="1.0" encoding="utf-8"?>
+<p:notes xmlns:a="http://schemas.openxmlformats.org/drawingml/2006/main" xmlns:r="http://schemas.openxmlformats.org/officeDocument/2006/relationships" xmlns:p="http://schemas.openxmlformats.org/presentationml/2006/main">
+  <p:cSld>
+    <p:spTree>
+      <p:nvGrpSpPr>
+        <p:cNvPr id="1" name=""/>
+        <p:cNvGrpSpPr/>
+        <p:nvPr/>
+      </p:nvGrpSpPr>
+      <p:grpSpPr>
+        <a:xfrm>
+          <a:off x="0" y="0"/>
+          <a:ext cx="0" cy="0"/>
+          <a:chOff x="0" y="0"/>
+          <a:chExt cx="0" cy="0"/>
+        </a:xfrm>
+      </p:grpSpPr>
+      <p:sp>
+        <p:nvSpPr>
+          <p:cNvPr id="2" name="Slide Image Placeholder 1"/>
+          <p:cNvSpPr>
+            <a:spLocks noGrp="1" noRot="1" noChangeAspect="1"/>
+          </p:cNvSpPr>
+          <p:nvPr>
+            <p:ph type="sldImg"/>
+          </p:nvPr>
+        </p:nvSpPr>
+        <p:spPr/>
+      </p:sp>
+      <p:sp>
+        <p:nvSpPr>
+          <p:cNvPr id="3" name="Notes Placeholder 2"/>
+          <p:cNvSpPr>
+            <a:spLocks noGrp="1"/>
+          </p:cNvSpPr>
+          <p:nvPr>
+            <p:ph type="body" idx="1"/>
+          </p:nvPr>
+        </p:nvSpPr>
+        <p:spPr/>
+        <p:txBody>
+          <a:bodyPr/>
+          <a:lstStyle/>
+          <a:p>
+            <a:pPr marL="0" marR="0">
+              <a:lnSpc>
+                <a:spcPct val="200000"/>
+              </a:lnSpc>
+              <a:spcBef>
+                <a:spcPts val="0"/>
+              </a:spcBef>
+              <a:spcAft>
+                <a:spcPts val="0"/>
+              </a:spcAft>
+            </a:pPr>
+            <a:r>
+              <a:rPr lang="en-US" sz="1800" b="1" dirty="0">
+                <a:effectLst/>
+                <a:latin typeface="Times New Roman" panose="02020603050405020304" pitchFamily="18" charset="0"/>
+                <a:ea typeface="Calibri" panose="020F0502020204030204" pitchFamily="34" charset="0"/>
+              </a:rPr>
+              <a:t>Maliciousness</a:t>
+            </a:r>
+          </a:p>
+          <a:p>
+            <a:pPr marL="0" marR="0">
+              <a:lnSpc>
+                <a:spcPct val="200000"/>
+              </a:lnSpc>
+              <a:spcBef>
+                <a:spcPts val="0"/>
+              </a:spcBef>
+              <a:spcAft>
+                <a:spcPts val="0"/>
+              </a:spcAft>
+            </a:pPr>
+            <a:r>
+              <a:rPr lang="en-US" sz="1800" dirty="0">
+                <a:effectLst/>
+                <a:latin typeface="Times New Roman" panose="02020603050405020304" pitchFamily="18" charset="0"/>
+                <a:ea typeface="Calibri" panose="020F0502020204030204" pitchFamily="34" charset="0"/>
+              </a:rPr>
+              <a:t>Employees download sensitive information onto their mobile devices and laptops, then leave the safety of the corporate environment.  This departure opens these machines up to a series of risks that would not exist on stationary workstations (ERM Initiative Faculty, 2014).  For instance, the device is roaming around the open world and can be lost or stolen.  Other risks come from the system connecting over untrusted and potentially hostile networks, enabling hackers to violate the confidentiality, integrity, and availability of classified information.  Additionally, these devices retain the attack surface of traditional workstations and can fall victim to malware and software exploitation.</a:t>
+            </a:r>
+          </a:p>
+          <a:p>
+            <a:pPr marL="0" marR="0">
+              <a:lnSpc>
+                <a:spcPct val="200000"/>
+              </a:lnSpc>
+              <a:spcBef>
+                <a:spcPts val="0"/>
+              </a:spcBef>
+              <a:spcAft>
+                <a:spcPts val="0"/>
+              </a:spcAft>
+            </a:pPr>
+            <a:endParaRPr lang="en-US" sz="1800" dirty="0">
+              <a:effectLst/>
+              <a:latin typeface="Times New Roman" panose="02020603050405020304" pitchFamily="18" charset="0"/>
+              <a:ea typeface="Calibri" panose="020F0502020204030204" pitchFamily="34" charset="0"/>
+            </a:endParaRPr>
+          </a:p>
+          <a:p>
+            <a:pPr marL="0" marR="0">
+              <a:lnSpc>
+                <a:spcPct val="200000"/>
+              </a:lnSpc>
+              <a:spcBef>
+                <a:spcPts val="0"/>
+              </a:spcBef>
+              <a:spcAft>
+                <a:spcPts val="0"/>
+              </a:spcAft>
+            </a:pPr>
+            <a:r>
+              <a:rPr lang="en-US" sz="1800" b="1" dirty="0">
+                <a:effectLst/>
+                <a:latin typeface="Times New Roman" panose="02020603050405020304" pitchFamily="18" charset="0"/>
+                <a:ea typeface="Calibri" panose="020F0502020204030204" pitchFamily="34" charset="0"/>
+              </a:rPr>
+              <a:t>Negligence</a:t>
+            </a:r>
+          </a:p>
+          <a:p>
+            <a:pPr marL="0" marR="0">
+              <a:lnSpc>
+                <a:spcPct val="200000"/>
+              </a:lnSpc>
+              <a:spcBef>
+                <a:spcPts val="0"/>
+              </a:spcBef>
+              <a:spcAft>
+                <a:spcPts val="0"/>
+              </a:spcAft>
+            </a:pPr>
+            <a:r>
+              <a:rPr lang="en-US" sz="1800" dirty="0">
+                <a:effectLst/>
+                <a:latin typeface="Times New Roman" panose="02020603050405020304" pitchFamily="18" charset="0"/>
+                <a:ea typeface="Calibri" panose="020F0502020204030204" pitchFamily="34" charset="0"/>
+              </a:rPr>
+              <a:t>Enforcing mobile security must expand beyond malicious scenarios and cover the prevention of negligence (</a:t>
+            </a:r>
+            <a:r>
+              <a:rPr lang="en-US" sz="1800" dirty="0" err="1">
+                <a:effectLst/>
+                <a:latin typeface="Times New Roman" panose="02020603050405020304" pitchFamily="18" charset="0"/>
+                <a:ea typeface="Calibri" panose="020F0502020204030204" pitchFamily="34" charset="0"/>
+              </a:rPr>
+              <a:t>Yamin</a:t>
+            </a:r>
+            <a:r>
+              <a:rPr lang="en-US" sz="1800" dirty="0">
+                <a:effectLst/>
+                <a:latin typeface="Times New Roman" panose="02020603050405020304" pitchFamily="18" charset="0"/>
+                <a:ea typeface="Calibri" panose="020F0502020204030204" pitchFamily="34" charset="0"/>
+              </a:rPr>
+              <a:t> &amp; </a:t>
+            </a:r>
+            <a:r>
+              <a:rPr lang="en-US" sz="1800" dirty="0" err="1">
+                <a:effectLst/>
+                <a:latin typeface="Times New Roman" panose="02020603050405020304" pitchFamily="18" charset="0"/>
+                <a:ea typeface="Calibri" panose="020F0502020204030204" pitchFamily="34" charset="0"/>
+              </a:rPr>
+              <a:t>Katt</a:t>
+            </a:r>
+            <a:r>
+              <a:rPr lang="en-US" sz="1800" dirty="0">
+                <a:effectLst/>
+                <a:latin typeface="Times New Roman" panose="02020603050405020304" pitchFamily="18" charset="0"/>
+                <a:ea typeface="Calibri" panose="020F0502020204030204" pitchFamily="34" charset="0"/>
+              </a:rPr>
+              <a:t>, 2019).  Employees use their devices for both official and personal tasks and mixing context can cause information leaks.  For instance, the user might download an e-mail attachment onto their iPhone device, which automatically backed up to Apple’s iCloud.  Now through no intentional action that communication is entirely outside of the managed ecosystem.  Specific businesses might desire to track these interactions, but this can lead to privacy concerns and future litigation.</a:t>
+            </a:r>
+          </a:p>
+          <a:p>
+            <a:endParaRPr lang="en-US" dirty="0"/>
+          </a:p>
+        </p:txBody>
+      </p:sp>
+      <p:sp>
+        <p:nvSpPr>
+          <p:cNvPr id="4" name="Slide Number Placeholder 3"/>
+          <p:cNvSpPr>
+            <a:spLocks noGrp="1"/>
+          </p:cNvSpPr>
+          <p:nvPr>
+            <p:ph type="sldNum" sz="quarter" idx="5"/>
+          </p:nvPr>
+        </p:nvSpPr>
+        <p:spPr/>
+        <p:txBody>
+          <a:bodyPr/>
+          <a:lstStyle/>
+          <a:p>
+            <a:fld id="{6A188F23-DDBA-4A74-8B22-2613224FF2EC}" type="slidenum">
+              <a:rPr lang="en-US" smtClean="0"/>
+              <a:t>9</a:t>
+            </a:fld>
+            <a:endParaRPr lang="en-US"/>
+          </a:p>
+        </p:txBody>
+      </p:sp>
+    </p:spTree>
+    <p:extLst>
+      <p:ext uri="{BB962C8B-B14F-4D97-AF65-F5344CB8AC3E}">
+        <p14:creationId xmlns:p14="http://schemas.microsoft.com/office/powerpoint/2010/main" val="2387687319"/>
+      </p:ext>
+    </p:extLst>
+  </p:cSld>
+  <p:clrMapOvr>
+    <a:masterClrMapping/>
+  </p:clrMapOvr>
+</p:notes>
+</file>
+
+<file path=ppt/notesSlides/notesSlide9.xml><?xml version="1.0" encoding="utf-8"?>
+<p:notes xmlns:a="http://schemas.openxmlformats.org/drawingml/2006/main" xmlns:r="http://schemas.openxmlformats.org/officeDocument/2006/relationships" xmlns:p="http://schemas.openxmlformats.org/presentationml/2006/main">
+  <p:cSld>
+    <p:spTree>
+      <p:nvGrpSpPr>
+        <p:cNvPr id="1" name=""/>
+        <p:cNvGrpSpPr/>
+        <p:nvPr/>
+      </p:nvGrpSpPr>
+      <p:grpSpPr>
+        <a:xfrm>
+          <a:off x="0" y="0"/>
+          <a:ext cx="0" cy="0"/>
+          <a:chOff x="0" y="0"/>
+          <a:chExt cx="0" cy="0"/>
+        </a:xfrm>
+      </p:grpSpPr>
+      <p:sp>
+        <p:nvSpPr>
+          <p:cNvPr id="2" name="Slide Image Placeholder 1"/>
+          <p:cNvSpPr>
+            <a:spLocks noGrp="1" noRot="1" noChangeAspect="1"/>
+          </p:cNvSpPr>
+          <p:nvPr>
+            <p:ph type="sldImg"/>
+          </p:nvPr>
+        </p:nvSpPr>
+        <p:spPr/>
+      </p:sp>
+      <p:sp>
+        <p:nvSpPr>
+          <p:cNvPr id="3" name="Notes Placeholder 2"/>
+          <p:cNvSpPr>
+            <a:spLocks noGrp="1"/>
+          </p:cNvSpPr>
+          <p:nvPr>
+            <p:ph type="body" idx="1"/>
+          </p:nvPr>
+        </p:nvSpPr>
+        <p:spPr/>
+        <p:txBody>
+          <a:bodyPr/>
+          <a:lstStyle/>
+          <a:p>
+            <a:pPr marL="0" marR="0" lvl="0" indent="0" algn="l" defTabSz="914400" rtl="0" eaLnBrk="1" fontAlgn="auto" latinLnBrk="0" hangingPunct="1">
+              <a:lnSpc>
+                <a:spcPct val="100000"/>
+              </a:lnSpc>
+              <a:spcBef>
+                <a:spcPts val="0"/>
+              </a:spcBef>
+              <a:spcAft>
+                <a:spcPts val="0"/>
+              </a:spcAft>
+              <a:buClrTx/>
+              <a:buSzTx/>
+              <a:buFontTx/>
+              <a:buNone/>
+              <a:tabLst/>
+              <a:defRPr/>
+            </a:pPr>
+            <a:r>
+              <a:rPr lang="en-US" sz="1800" dirty="0">
+                <a:effectLst/>
+                <a:latin typeface="Times New Roman" panose="02020603050405020304" pitchFamily="18" charset="0"/>
+                <a:ea typeface="Calibri" panose="020F0502020204030204" pitchFamily="34" charset="0"/>
+              </a:rPr>
+              <a:t>Client management tools give the system administrators the ability to define policy centrally and then target groups of workstations.  Effective device management needs a similar mechanism that accounts for platform-specific variations.  Unified Endpoint Management (UEM) addresses these issues by creating an abstraction layer that can translate corporate governance and policies into device-specific configurations (</a:t>
+            </a:r>
+            <a:r>
+              <a:rPr lang="en-US" sz="1800" dirty="0" err="1">
+                <a:effectLst/>
+                <a:latin typeface="Times New Roman" panose="02020603050405020304" pitchFamily="18" charset="0"/>
+                <a:ea typeface="Calibri" panose="020F0502020204030204" pitchFamily="34" charset="0"/>
+              </a:rPr>
+              <a:t>Tarzey</a:t>
+            </a:r>
+            <a:r>
+              <a:rPr lang="en-US" sz="1800" dirty="0">
+                <a:effectLst/>
+                <a:latin typeface="Times New Roman" panose="02020603050405020304" pitchFamily="18" charset="0"/>
+                <a:ea typeface="Calibri" panose="020F0502020204030204" pitchFamily="34" charset="0"/>
+              </a:rPr>
+              <a:t>, 2018).  </a:t>
+            </a:r>
+          </a:p>
+          <a:p>
+            <a:pPr marL="0" marR="0" lvl="0" indent="0" algn="l" defTabSz="914400" rtl="0" eaLnBrk="1" fontAlgn="auto" latinLnBrk="0" hangingPunct="1">
+              <a:lnSpc>
+                <a:spcPct val="100000"/>
+              </a:lnSpc>
+              <a:spcBef>
+                <a:spcPts val="0"/>
+              </a:spcBef>
+              <a:spcAft>
+                <a:spcPts val="0"/>
+              </a:spcAft>
+              <a:buClrTx/>
+              <a:buSzTx/>
+              <a:buFontTx/>
+              <a:buNone/>
+              <a:tabLst/>
+              <a:defRPr/>
+            </a:pPr>
+            <a:endParaRPr lang="en-US" sz="1800" dirty="0">
+              <a:effectLst/>
+              <a:latin typeface="Times New Roman" panose="02020603050405020304" pitchFamily="18" charset="0"/>
+              <a:ea typeface="Calibri" panose="020F0502020204030204" pitchFamily="34" charset="0"/>
+            </a:endParaRPr>
+          </a:p>
+          <a:p>
+            <a:pPr marL="0" marR="0" lvl="0" indent="0" algn="l" defTabSz="914400" rtl="0" eaLnBrk="1" fontAlgn="auto" latinLnBrk="0" hangingPunct="1">
+              <a:lnSpc>
+                <a:spcPct val="100000"/>
+              </a:lnSpc>
+              <a:spcBef>
+                <a:spcPts val="0"/>
+              </a:spcBef>
+              <a:spcAft>
+                <a:spcPts val="0"/>
+              </a:spcAft>
+              <a:buClrTx/>
+              <a:buSzTx/>
+              <a:buFontTx/>
+              <a:buNone/>
+              <a:tabLst/>
+              <a:defRPr/>
+            </a:pPr>
+            <a:r>
+              <a:rPr lang="en-US" sz="1800" dirty="0">
+                <a:effectLst/>
+                <a:latin typeface="Times New Roman" panose="02020603050405020304" pitchFamily="18" charset="0"/>
+                <a:ea typeface="Calibri" panose="020F0502020204030204" pitchFamily="34" charset="0"/>
+              </a:rPr>
+              <a:t>For instance, the administrator can mandate the installation of all critical operating system patches.  The implementation of this action varies between Windows desktops, Apple iPhones, and Android Chromebooks—though the intent remains consistent.  In addition to desired configuration and patch management, UEM platforms can perform operations like remotely wiping the device or requesting inventory reports.  These actions enable the administrators to address specific challenges like the lost and stolen device scenarios.  </a:t>
+            </a:r>
+          </a:p>
+          <a:p>
+            <a:pPr marL="0" marR="0" lvl="0" indent="0" algn="l" defTabSz="914400" rtl="0" eaLnBrk="1" fontAlgn="auto" latinLnBrk="0" hangingPunct="1">
+              <a:lnSpc>
+                <a:spcPct val="100000"/>
+              </a:lnSpc>
+              <a:spcBef>
+                <a:spcPts val="0"/>
+              </a:spcBef>
+              <a:spcAft>
+                <a:spcPts val="0"/>
+              </a:spcAft>
+              <a:buClrTx/>
+              <a:buSzTx/>
+              <a:buFontTx/>
+              <a:buNone/>
+              <a:tabLst/>
+              <a:defRPr/>
+            </a:pPr>
+            <a:endParaRPr lang="en-US" sz="1800" dirty="0">
+              <a:effectLst/>
+              <a:latin typeface="Times New Roman" panose="02020603050405020304" pitchFamily="18" charset="0"/>
+              <a:ea typeface="Calibri" panose="020F0502020204030204" pitchFamily="34" charset="0"/>
+            </a:endParaRPr>
+          </a:p>
+          <a:p>
+            <a:pPr marL="0" marR="0" lvl="0" indent="0" algn="l" defTabSz="914400" rtl="0" eaLnBrk="1" fontAlgn="auto" latinLnBrk="0" hangingPunct="1">
+              <a:lnSpc>
+                <a:spcPct val="100000"/>
+              </a:lnSpc>
+              <a:spcBef>
+                <a:spcPts val="0"/>
+              </a:spcBef>
+              <a:spcAft>
+                <a:spcPts val="0"/>
+              </a:spcAft>
+              <a:buClrTx/>
+              <a:buSzTx/>
+              <a:buFontTx/>
+              <a:buNone/>
+              <a:tabLst/>
+              <a:defRPr/>
+            </a:pPr>
+            <a:r>
+              <a:rPr lang="en-US" sz="1800" dirty="0">
+                <a:effectLst/>
+                <a:latin typeface="Times New Roman" panose="02020603050405020304" pitchFamily="18" charset="0"/>
+                <a:ea typeface="Calibri" panose="020F0502020204030204" pitchFamily="34" charset="0"/>
+              </a:rPr>
+              <a:t>Advanced solutions like Microsoft Intune and MobileIron, support sandbox technologies that prevent mixing personal and corporate data (</a:t>
+            </a:r>
+            <a:r>
+              <a:rPr lang="en-US" sz="1800" dirty="0" err="1">
+                <a:effectLst/>
+                <a:latin typeface="Times New Roman" panose="02020603050405020304" pitchFamily="18" charset="0"/>
+                <a:ea typeface="Calibri" panose="020F0502020204030204" pitchFamily="34" charset="0"/>
+              </a:rPr>
+              <a:t>Soseman</a:t>
+            </a:r>
+            <a:r>
+              <a:rPr lang="en-US" sz="1800" dirty="0">
+                <a:effectLst/>
+                <a:latin typeface="Times New Roman" panose="02020603050405020304" pitchFamily="18" charset="0"/>
+                <a:ea typeface="Calibri" panose="020F0502020204030204" pitchFamily="34" charset="0"/>
+              </a:rPr>
+              <a:t>, 2019; MobileIron 2020).  The data context tagging also opens the door for smarter remote wipe scenarios that do not touch personal data like family pictures.</a:t>
+            </a:r>
+          </a:p>
+          <a:p>
+            <a:endParaRPr lang="en-US" dirty="0"/>
+          </a:p>
+        </p:txBody>
+      </p:sp>
+      <p:sp>
+        <p:nvSpPr>
+          <p:cNvPr id="4" name="Slide Number Placeholder 3"/>
+          <p:cNvSpPr>
+            <a:spLocks noGrp="1"/>
+          </p:cNvSpPr>
+          <p:nvPr>
+            <p:ph type="sldNum" sz="quarter" idx="5"/>
+          </p:nvPr>
+        </p:nvSpPr>
+        <p:spPr/>
+        <p:txBody>
+          <a:bodyPr/>
+          <a:lstStyle/>
+          <a:p>
+            <a:fld id="{6A188F23-DDBA-4A74-8B22-2613224FF2EC}" type="slidenum">
+              <a:rPr lang="en-US" smtClean="0"/>
+              <a:t>10</a:t>
+            </a:fld>
+            <a:endParaRPr lang="en-US"/>
+          </a:p>
+        </p:txBody>
+      </p:sp>
+    </p:spTree>
+    <p:extLst>
+      <p:ext uri="{BB962C8B-B14F-4D97-AF65-F5344CB8AC3E}">
+        <p14:creationId xmlns:p14="http://schemas.microsoft.com/office/powerpoint/2010/main" val="1936155256"/>
+      </p:ext>
+    </p:extLst>
+  </p:cSld>
+  <p:clrMapOvr>
+    <a:masterClrMapping/>
+  </p:clrMapOvr>
+</p:notes>
 </file>
 
 <file path=ppt/slideLayouts/slideLayout1.xml><?xml version="1.0" encoding="utf-8"?>
@@ -26102,7 +33549,7 @@
           <p:nvPr/>
         </p:nvPicPr>
         <p:blipFill>
-          <a:blip r:embed="rId2"/>
+          <a:blip r:embed="rId3"/>
           <a:stretch>
             <a:fillRect/>
           </a:stretch>
@@ -28687,7 +36134,7 @@
         </p:xfrm>
         <a:graphic>
           <a:graphicData uri="http://schemas.openxmlformats.org/drawingml/2006/diagram">
-            <dgm:relIds xmlns:dgm="http://schemas.openxmlformats.org/drawingml/2006/diagram" xmlns:r="http://schemas.openxmlformats.org/officeDocument/2006/relationships" r:dm="rId2" r:lo="rId3" r:qs="rId4" r:cs="rId5"/>
+            <dgm:relIds xmlns:dgm="http://schemas.openxmlformats.org/drawingml/2006/diagram" xmlns:r="http://schemas.openxmlformats.org/officeDocument/2006/relationships" r:dm="rId3" r:lo="rId4" r:qs="rId5" r:cs="rId6"/>
           </a:graphicData>
         </a:graphic>
       </p:graphicFrame>
@@ -29125,7 +36572,7 @@
         </p:xfrm>
         <a:graphic>
           <a:graphicData uri="http://schemas.openxmlformats.org/drawingml/2006/diagram">
-            <dgm:relIds xmlns:dgm="http://schemas.openxmlformats.org/drawingml/2006/diagram" xmlns:r="http://schemas.openxmlformats.org/officeDocument/2006/relationships" r:dm="rId2" r:lo="rId3" r:qs="rId4" r:cs="rId5"/>
+            <dgm:relIds xmlns:dgm="http://schemas.openxmlformats.org/drawingml/2006/diagram" xmlns:r="http://schemas.openxmlformats.org/officeDocument/2006/relationships" r:dm="rId3" r:lo="rId4" r:qs="rId5" r:cs="rId6"/>
           </a:graphicData>
         </a:graphic>
       </p:graphicFrame>
@@ -29187,31 +36634,37 @@
           </a:p>
         </p:txBody>
       </p:sp>
-      <p:sp>
-        <p:nvSpPr>
-          <p:cNvPr id="3" name="Content Placeholder 2">
+      <p:graphicFrame>
+        <p:nvGraphicFramePr>
+          <p:cNvPr id="4" name="Content Placeholder 3">
             <a:extLst>
               <a:ext uri="{FF2B5EF4-FFF2-40B4-BE49-F238E27FC236}">
-                <a16:creationId xmlns:a16="http://schemas.microsoft.com/office/drawing/2014/main" id="{8C05B96C-1E80-4ADB-833E-C34D92B9AC3D}"/>
+                <a16:creationId xmlns:a16="http://schemas.microsoft.com/office/drawing/2014/main" id="{610415AD-514D-4DA9-AF37-539576B53FAF}"/>
               </a:ext>
             </a:extLst>
           </p:cNvPr>
-          <p:cNvSpPr>
-            <a:spLocks noGrp="1"/>
-          </p:cNvSpPr>
+          <p:cNvGraphicFramePr>
+            <a:graphicFrameLocks noGrp="1"/>
+          </p:cNvGraphicFramePr>
           <p:nvPr>
             <p:ph idx="1"/>
+            <p:extLst>
+              <p:ext uri="{D42A27DB-BD31-4B8C-83A1-F6EECF244321}">
+                <p14:modId xmlns:p14="http://schemas.microsoft.com/office/powerpoint/2010/main" val="216250838"/>
+              </p:ext>
+            </p:extLst>
           </p:nvPr>
-        </p:nvSpPr>
-        <p:spPr/>
-        <p:txBody>
-          <a:bodyPr/>
-          <a:lstStyle/>
-          <a:p>
-            <a:endParaRPr lang="en-US"/>
-          </a:p>
-        </p:txBody>
-      </p:sp>
+        </p:nvGraphicFramePr>
+        <p:xfrm>
+          <a:off x="2589213" y="2133600"/>
+          <a:ext cx="8915400" cy="3778250"/>
+        </p:xfrm>
+        <a:graphic>
+          <a:graphicData uri="http://schemas.openxmlformats.org/drawingml/2006/diagram">
+            <dgm:relIds xmlns:dgm="http://schemas.openxmlformats.org/drawingml/2006/diagram" xmlns:r="http://schemas.openxmlformats.org/officeDocument/2006/relationships" r:dm="rId3" r:lo="rId4" r:qs="rId5" r:cs="rId6"/>
+          </a:graphicData>
+        </a:graphic>
+      </p:graphicFrame>
     </p:spTree>
     <p:extLst>
       <p:ext uri="{BB962C8B-B14F-4D97-AF65-F5344CB8AC3E}">
@@ -34536,7 +41989,7 @@
         </p:xfrm>
         <a:graphic>
           <a:graphicData uri="http://schemas.openxmlformats.org/drawingml/2006/diagram">
-            <dgm:relIds xmlns:dgm="http://schemas.openxmlformats.org/drawingml/2006/diagram" xmlns:r="http://schemas.openxmlformats.org/officeDocument/2006/relationships" r:dm="rId2" r:lo="rId3" r:qs="rId4" r:cs="rId5"/>
+            <dgm:relIds xmlns:dgm="http://schemas.openxmlformats.org/drawingml/2006/diagram" xmlns:r="http://schemas.openxmlformats.org/officeDocument/2006/relationships" r:dm="rId3" r:lo="rId4" r:qs="rId5" r:cs="rId6"/>
           </a:graphicData>
         </a:graphic>
       </p:graphicFrame>
@@ -34998,7 +42451,7 @@
         </p:xfrm>
         <a:graphic>
           <a:graphicData uri="http://schemas.openxmlformats.org/drawingml/2006/diagram">
-            <dgm:relIds xmlns:dgm="http://schemas.openxmlformats.org/drawingml/2006/diagram" xmlns:r="http://schemas.openxmlformats.org/officeDocument/2006/relationships" r:dm="rId2" r:lo="rId3" r:qs="rId4" r:cs="rId5"/>
+            <dgm:relIds xmlns:dgm="http://schemas.openxmlformats.org/drawingml/2006/diagram" xmlns:r="http://schemas.openxmlformats.org/officeDocument/2006/relationships" r:dm="rId3" r:lo="rId4" r:qs="rId5" r:cs="rId6"/>
           </a:graphicData>
         </a:graphic>
       </p:graphicFrame>
@@ -37238,7 +44691,7 @@
         </p:xfrm>
         <a:graphic>
           <a:graphicData uri="http://schemas.openxmlformats.org/drawingml/2006/diagram">
-            <dgm:relIds xmlns:dgm="http://schemas.openxmlformats.org/drawingml/2006/diagram" xmlns:r="http://schemas.openxmlformats.org/officeDocument/2006/relationships" r:dm="rId2" r:lo="rId3" r:qs="rId4" r:cs="rId5"/>
+            <dgm:relIds xmlns:dgm="http://schemas.openxmlformats.org/drawingml/2006/diagram" xmlns:r="http://schemas.openxmlformats.org/officeDocument/2006/relationships" r:dm="rId3" r:lo="rId4" r:qs="rId5" r:cs="rId6"/>
           </a:graphicData>
         </a:graphic>
       </p:graphicFrame>
@@ -40660,10 +48113,10 @@
           <p:nvPr/>
         </p:nvPicPr>
         <p:blipFill>
-          <a:blip r:embed="rId2">
+          <a:blip r:embed="rId3">
             <a:extLst>
               <a:ext uri="{96DAC541-7B7A-43D3-8B79-37D633B846F1}">
-                <asvg:svgBlip xmlns:asvg="http://schemas.microsoft.com/office/drawing/2016/SVG/main" r:embed="rId3"/>
+                <asvg:svgBlip xmlns:asvg="http://schemas.microsoft.com/office/drawing/2016/SVG/main" r:embed="rId4"/>
               </a:ext>
             </a:extLst>
           </a:blip>
@@ -41278,4 +48731,299 @@
     </a:ext>
   </a:extLst>
 </a:theme>
+</file>
+
+<file path=ppt/theme/theme2.xml><?xml version="1.0" encoding="utf-8"?>
+<a:theme xmlns:a="http://schemas.openxmlformats.org/drawingml/2006/main" name="Office Theme">
+  <a:themeElements>
+    <a:clrScheme name="Office">
+      <a:dk1>
+        <a:sysClr val="windowText" lastClr="000000"/>
+      </a:dk1>
+      <a:lt1>
+        <a:sysClr val="window" lastClr="FFFFFF"/>
+      </a:lt1>
+      <a:dk2>
+        <a:srgbClr val="44546A"/>
+      </a:dk2>
+      <a:lt2>
+        <a:srgbClr val="E7E6E6"/>
+      </a:lt2>
+      <a:accent1>
+        <a:srgbClr val="4472C4"/>
+      </a:accent1>
+      <a:accent2>
+        <a:srgbClr val="ED7D31"/>
+      </a:accent2>
+      <a:accent3>
+        <a:srgbClr val="A5A5A5"/>
+      </a:accent3>
+      <a:accent4>
+        <a:srgbClr val="FFC000"/>
+      </a:accent4>
+      <a:accent5>
+        <a:srgbClr val="5B9BD5"/>
+      </a:accent5>
+      <a:accent6>
+        <a:srgbClr val="70AD47"/>
+      </a:accent6>
+      <a:hlink>
+        <a:srgbClr val="0563C1"/>
+      </a:hlink>
+      <a:folHlink>
+        <a:srgbClr val="954F72"/>
+      </a:folHlink>
+    </a:clrScheme>
+    <a:fontScheme name="Office">
+      <a:majorFont>
+        <a:latin typeface="Calibri Light" panose="020F0302020204030204"/>
+        <a:ea typeface=""/>
+        <a:cs typeface=""/>
+        <a:font script="Jpan" typeface="游ゴシック Light"/>
+        <a:font script="Hang" typeface="맑은 고딕"/>
+        <a:font script="Hans" typeface="等线 Light"/>
+        <a:font script="Hant" typeface="新細明體"/>
+        <a:font script="Arab" typeface="Times New Roman"/>
+        <a:font script="Hebr" typeface="Times New Roman"/>
+        <a:font script="Thai" typeface="Angsana New"/>
+        <a:font script="Ethi" typeface="Nyala"/>
+        <a:font script="Beng" typeface="Vrinda"/>
+        <a:font script="Gujr" typeface="Shruti"/>
+        <a:font script="Khmr" typeface="MoolBoran"/>
+        <a:font script="Knda" typeface="Tunga"/>
+        <a:font script="Guru" typeface="Raavi"/>
+        <a:font script="Cans" typeface="Euphemia"/>
+        <a:font script="Cher" typeface="Plantagenet Cherokee"/>
+        <a:font script="Yiii" typeface="Microsoft Yi Baiti"/>
+        <a:font script="Tibt" typeface="Microsoft Himalaya"/>
+        <a:font script="Thaa" typeface="MV Boli"/>
+        <a:font script="Deva" typeface="Mangal"/>
+        <a:font script="Telu" typeface="Gautami"/>
+        <a:font script="Taml" typeface="Latha"/>
+        <a:font script="Syrc" typeface="Estrangelo Edessa"/>
+        <a:font script="Orya" typeface="Kalinga"/>
+        <a:font script="Mlym" typeface="Kartika"/>
+        <a:font script="Laoo" typeface="DokChampa"/>
+        <a:font script="Sinh" typeface="Iskoola Pota"/>
+        <a:font script="Mong" typeface="Mongolian Baiti"/>
+        <a:font script="Viet" typeface="Times New Roman"/>
+        <a:font script="Uigh" typeface="Microsoft Uighur"/>
+        <a:font script="Geor" typeface="Sylfaen"/>
+        <a:font script="Armn" typeface="Arial"/>
+        <a:font script="Bugi" typeface="Leelawadee UI"/>
+        <a:font script="Bopo" typeface="Microsoft JhengHei"/>
+        <a:font script="Java" typeface="Javanese Text"/>
+        <a:font script="Lisu" typeface="Segoe UI"/>
+        <a:font script="Mymr" typeface="Myanmar Text"/>
+        <a:font script="Nkoo" typeface="Ebrima"/>
+        <a:font script="Olck" typeface="Nirmala UI"/>
+        <a:font script="Osma" typeface="Ebrima"/>
+        <a:font script="Phag" typeface="Phagspa"/>
+        <a:font script="Syrn" typeface="Estrangelo Edessa"/>
+        <a:font script="Syrj" typeface="Estrangelo Edessa"/>
+        <a:font script="Syre" typeface="Estrangelo Edessa"/>
+        <a:font script="Sora" typeface="Nirmala UI"/>
+        <a:font script="Tale" typeface="Microsoft Tai Le"/>
+        <a:font script="Talu" typeface="Microsoft New Tai Lue"/>
+        <a:font script="Tfng" typeface="Ebrima"/>
+      </a:majorFont>
+      <a:minorFont>
+        <a:latin typeface="Calibri" panose="020F0502020204030204"/>
+        <a:ea typeface=""/>
+        <a:cs typeface=""/>
+        <a:font script="Jpan" typeface="游ゴシック"/>
+        <a:font script="Hang" typeface="맑은 고딕"/>
+        <a:font script="Hans" typeface="等线"/>
+        <a:font script="Hant" typeface="新細明體"/>
+        <a:font script="Arab" typeface="Arial"/>
+        <a:font script="Hebr" typeface="Arial"/>
+        <a:font script="Thai" typeface="Cordia New"/>
+        <a:font script="Ethi" typeface="Nyala"/>
+        <a:font script="Beng" typeface="Vrinda"/>
+        <a:font script="Gujr" typeface="Shruti"/>
+        <a:font script="Khmr" typeface="DaunPenh"/>
+        <a:font script="Knda" typeface="Tunga"/>
+        <a:font script="Guru" typeface="Raavi"/>
+        <a:font script="Cans" typeface="Euphemia"/>
+        <a:font script="Cher" typeface="Plantagenet Cherokee"/>
+        <a:font script="Yiii" typeface="Microsoft Yi Baiti"/>
+        <a:font script="Tibt" typeface="Microsoft Himalaya"/>
+        <a:font script="Thaa" typeface="MV Boli"/>
+        <a:font script="Deva" typeface="Mangal"/>
+        <a:font script="Telu" typeface="Gautami"/>
+        <a:font script="Taml" typeface="Latha"/>
+        <a:font script="Syrc" typeface="Estrangelo Edessa"/>
+        <a:font script="Orya" typeface="Kalinga"/>
+        <a:font script="Mlym" typeface="Kartika"/>
+        <a:font script="Laoo" typeface="DokChampa"/>
+        <a:font script="Sinh" typeface="Iskoola Pota"/>
+        <a:font script="Mong" typeface="Mongolian Baiti"/>
+        <a:font script="Viet" typeface="Arial"/>
+        <a:font script="Uigh" typeface="Microsoft Uighur"/>
+        <a:font script="Geor" typeface="Sylfaen"/>
+        <a:font script="Armn" typeface="Arial"/>
+        <a:font script="Bugi" typeface="Leelawadee UI"/>
+        <a:font script="Bopo" typeface="Microsoft JhengHei"/>
+        <a:font script="Java" typeface="Javanese Text"/>
+        <a:font script="Lisu" typeface="Segoe UI"/>
+        <a:font script="Mymr" typeface="Myanmar Text"/>
+        <a:font script="Nkoo" typeface="Ebrima"/>
+        <a:font script="Olck" typeface="Nirmala UI"/>
+        <a:font script="Osma" typeface="Ebrima"/>
+        <a:font script="Phag" typeface="Phagspa"/>
+        <a:font script="Syrn" typeface="Estrangelo Edessa"/>
+        <a:font script="Syrj" typeface="Estrangelo Edessa"/>
+        <a:font script="Syre" typeface="Estrangelo Edessa"/>
+        <a:font script="Sora" typeface="Nirmala UI"/>
+        <a:font script="Tale" typeface="Microsoft Tai Le"/>
+        <a:font script="Talu" typeface="Microsoft New Tai Lue"/>
+        <a:font script="Tfng" typeface="Ebrima"/>
+      </a:minorFont>
+    </a:fontScheme>
+    <a:fmtScheme name="Office">
+      <a:fillStyleLst>
+        <a:solidFill>
+          <a:schemeClr val="phClr"/>
+        </a:solidFill>
+        <a:gradFill rotWithShape="1">
+          <a:gsLst>
+            <a:gs pos="0">
+              <a:schemeClr val="phClr">
+                <a:lumMod val="110000"/>
+                <a:satMod val="105000"/>
+                <a:tint val="67000"/>
+              </a:schemeClr>
+            </a:gs>
+            <a:gs pos="50000">
+              <a:schemeClr val="phClr">
+                <a:lumMod val="105000"/>
+                <a:satMod val="103000"/>
+                <a:tint val="73000"/>
+              </a:schemeClr>
+            </a:gs>
+            <a:gs pos="100000">
+              <a:schemeClr val="phClr">
+                <a:lumMod val="105000"/>
+                <a:satMod val="109000"/>
+                <a:tint val="81000"/>
+              </a:schemeClr>
+            </a:gs>
+          </a:gsLst>
+          <a:lin ang="5400000" scaled="0"/>
+        </a:gradFill>
+        <a:gradFill rotWithShape="1">
+          <a:gsLst>
+            <a:gs pos="0">
+              <a:schemeClr val="phClr">
+                <a:satMod val="103000"/>
+                <a:lumMod val="102000"/>
+                <a:tint val="94000"/>
+              </a:schemeClr>
+            </a:gs>
+            <a:gs pos="50000">
+              <a:schemeClr val="phClr">
+                <a:satMod val="110000"/>
+                <a:lumMod val="100000"/>
+                <a:shade val="100000"/>
+              </a:schemeClr>
+            </a:gs>
+            <a:gs pos="100000">
+              <a:schemeClr val="phClr">
+                <a:lumMod val="99000"/>
+                <a:satMod val="120000"/>
+                <a:shade val="78000"/>
+              </a:schemeClr>
+            </a:gs>
+          </a:gsLst>
+          <a:lin ang="5400000" scaled="0"/>
+        </a:gradFill>
+      </a:fillStyleLst>
+      <a:lnStyleLst>
+        <a:ln w="6350" cap="flat" cmpd="sng" algn="ctr">
+          <a:solidFill>
+            <a:schemeClr val="phClr"/>
+          </a:solidFill>
+          <a:prstDash val="solid"/>
+          <a:miter lim="800000"/>
+        </a:ln>
+        <a:ln w="12700" cap="flat" cmpd="sng" algn="ctr">
+          <a:solidFill>
+            <a:schemeClr val="phClr"/>
+          </a:solidFill>
+          <a:prstDash val="solid"/>
+          <a:miter lim="800000"/>
+        </a:ln>
+        <a:ln w="19050" cap="flat" cmpd="sng" algn="ctr">
+          <a:solidFill>
+            <a:schemeClr val="phClr"/>
+          </a:solidFill>
+          <a:prstDash val="solid"/>
+          <a:miter lim="800000"/>
+        </a:ln>
+      </a:lnStyleLst>
+      <a:effectStyleLst>
+        <a:effectStyle>
+          <a:effectLst/>
+        </a:effectStyle>
+        <a:effectStyle>
+          <a:effectLst/>
+        </a:effectStyle>
+        <a:effectStyle>
+          <a:effectLst>
+            <a:outerShdw blurRad="57150" dist="19050" dir="5400000" algn="ctr" rotWithShape="0">
+              <a:srgbClr val="000000">
+                <a:alpha val="63000"/>
+              </a:srgbClr>
+            </a:outerShdw>
+          </a:effectLst>
+        </a:effectStyle>
+      </a:effectStyleLst>
+      <a:bgFillStyleLst>
+        <a:solidFill>
+          <a:schemeClr val="phClr"/>
+        </a:solidFill>
+        <a:solidFill>
+          <a:schemeClr val="phClr">
+            <a:tint val="95000"/>
+            <a:satMod val="170000"/>
+          </a:schemeClr>
+        </a:solidFill>
+        <a:gradFill rotWithShape="1">
+          <a:gsLst>
+            <a:gs pos="0">
+              <a:schemeClr val="phClr">
+                <a:tint val="93000"/>
+                <a:satMod val="150000"/>
+                <a:shade val="98000"/>
+                <a:lumMod val="102000"/>
+              </a:schemeClr>
+            </a:gs>
+            <a:gs pos="50000">
+              <a:schemeClr val="phClr">
+                <a:tint val="98000"/>
+                <a:satMod val="130000"/>
+                <a:shade val="90000"/>
+                <a:lumMod val="103000"/>
+              </a:schemeClr>
+            </a:gs>
+            <a:gs pos="100000">
+              <a:schemeClr val="phClr">
+                <a:shade val="63000"/>
+                <a:satMod val="120000"/>
+              </a:schemeClr>
+            </a:gs>
+          </a:gsLst>
+          <a:lin ang="5400000" scaled="0"/>
+        </a:gradFill>
+      </a:bgFillStyleLst>
+    </a:fmtScheme>
+  </a:themeElements>
+  <a:objectDefaults/>
+  <a:extraClrSchemeLst/>
+  <a:extLst>
+    <a:ext uri="{05A4C25C-085E-4340-85A3-A5531E510DB2}">
+      <thm15:themeFamily xmlns:thm15="http://schemas.microsoft.com/office/thememl/2012/main" name="Office Theme" id="{62F939B6-93AF-4DB8-9C6B-D6C7DFDC589F}" vid="{4A3C46E8-61CC-4603-A589-7422A47A8E4A}"/>
+    </a:ext>
+  </a:extLst>
+</a:theme>
 </file>
--- a/Week7_MasterDataMgmt/BachmeierNTIM7030-7.pptx
+++ b/Week7_MasterDataMgmt/BachmeierNTIM7030-7.pptx
@@ -121,6 +121,11 @@
       </a:defRPr>
     </a:lvl9pPr>
   </p:defaultTextStyle>
+  <p:extLst>
+    <p:ext uri="{EFAFB233-063F-42B5-8137-9DF3F51BA10A}">
+      <p15:sldGuideLst xmlns:p15="http://schemas.microsoft.com/office/powerpoint/2012/main"/>
+    </p:ext>
+  </p:extLst>
 </p:presentation>
 </file>
 
@@ -21228,6 +21233,33 @@
               <a:defRPr/>
             </a:pPr>
             <a:r>
+              <a:rPr lang="en-US" sz="1800" b="1" dirty="0">
+                <a:effectLst/>
+                <a:latin typeface="Times New Roman" panose="02020603050405020304" pitchFamily="18" charset="0"/>
+                <a:ea typeface="Calibri" panose="020F0502020204030204" pitchFamily="34" charset="0"/>
+              </a:rPr>
+              <a:t>What service providers are available</a:t>
+            </a:r>
+          </a:p>
+          <a:p>
+            <a:pPr marL="0" marR="0" lvl="0" indent="0" algn="l" defTabSz="914400" rtl="0" eaLnBrk="1" fontAlgn="auto" latinLnBrk="0" hangingPunct="1">
+              <a:lnSpc>
+                <a:spcPct val="100000"/>
+              </a:lnSpc>
+              <a:spcBef>
+                <a:spcPts val="0"/>
+              </a:spcBef>
+              <a:spcAft>
+                <a:spcPts val="0"/>
+              </a:spcAft>
+              <a:buClrTx/>
+              <a:buSzTx/>
+              <a:buFontTx/>
+              <a:buNone/>
+              <a:tabLst/>
+              <a:defRPr/>
+            </a:pPr>
+            <a:r>
               <a:rPr lang="en-US" sz="1800" dirty="0">
                 <a:effectLst/>
                 <a:latin typeface="Times New Roman" panose="02020603050405020304" pitchFamily="18" charset="0"/>
@@ -21259,6 +21291,33 @@
               <a:latin typeface="Times New Roman" panose="02020603050405020304" pitchFamily="18" charset="0"/>
               <a:ea typeface="Calibri" panose="020F0502020204030204" pitchFamily="34" charset="0"/>
             </a:endParaRPr>
+          </a:p>
+          <a:p>
+            <a:pPr marL="0" marR="0" lvl="0" indent="0" algn="l" defTabSz="914400" rtl="0" eaLnBrk="1" fontAlgn="auto" latinLnBrk="0" hangingPunct="1">
+              <a:lnSpc>
+                <a:spcPct val="100000"/>
+              </a:lnSpc>
+              <a:spcBef>
+                <a:spcPts val="0"/>
+              </a:spcBef>
+              <a:spcAft>
+                <a:spcPts val="0"/>
+              </a:spcAft>
+              <a:buClrTx/>
+              <a:buSzTx/>
+              <a:buFontTx/>
+              <a:buNone/>
+              <a:tabLst/>
+              <a:defRPr/>
+            </a:pPr>
+            <a:r>
+              <a:rPr lang="en-US" sz="1800" b="1" dirty="0">
+                <a:effectLst/>
+                <a:latin typeface="Times New Roman" panose="02020603050405020304" pitchFamily="18" charset="0"/>
+                <a:ea typeface="Calibri" panose="020F0502020204030204" pitchFamily="34" charset="0"/>
+              </a:rPr>
+              <a:t>What alternatives were considered</a:t>
+            </a:r>
           </a:p>
           <a:p>
             <a:pPr marL="0" marR="0" lvl="0" indent="0" algn="l" defTabSz="914400" rtl="0" eaLnBrk="1" fontAlgn="auto" latinLnBrk="0" hangingPunct="1">
@@ -21416,30 +21475,6 @@
               <a:tabLst/>
               <a:defRPr/>
             </a:pPr>
-            <a:endParaRPr lang="en-US" sz="1800" b="1" dirty="0">
-              <a:effectLst/>
-              <a:latin typeface="Times New Roman" panose="02020603050405020304" pitchFamily="18" charset="0"/>
-              <a:ea typeface="Calibri" panose="020F0502020204030204" pitchFamily="34" charset="0"/>
-            </a:endParaRPr>
-          </a:p>
-          <a:p>
-            <a:pPr marL="0" marR="0" lvl="0" indent="0" algn="l" defTabSz="914400" rtl="0" eaLnBrk="1" fontAlgn="auto" latinLnBrk="0" hangingPunct="1">
-              <a:lnSpc>
-                <a:spcPct val="100000"/>
-              </a:lnSpc>
-              <a:spcBef>
-                <a:spcPts val="0"/>
-              </a:spcBef>
-              <a:spcAft>
-                <a:spcPts val="0"/>
-              </a:spcAft>
-              <a:buClrTx/>
-              <a:buSzTx/>
-              <a:buFontTx/>
-              <a:buNone/>
-              <a:tabLst/>
-              <a:defRPr/>
-            </a:pPr>
             <a:r>
               <a:rPr lang="en-US" sz="1800" dirty="0">
                 <a:effectLst/>
@@ -21457,9 +21492,6 @@
               <a:rPr lang="en-US" b="1" dirty="0"/>
               <a:t>Application</a:t>
             </a:r>
-          </a:p>
-          <a:p>
-            <a:endParaRPr lang="en-US" b="1" dirty="0"/>
           </a:p>
           <a:p>
             <a:pPr marL="0" marR="0" lvl="0" indent="0" algn="l" defTabSz="914400" rtl="0" eaLnBrk="1" fontAlgn="auto" latinLnBrk="0" hangingPunct="1">
@@ -21890,7 +21922,7 @@
                 <a:latin typeface="Times New Roman" panose="02020603050405020304" pitchFamily="18" charset="0"/>
                 <a:ea typeface="Calibri" panose="020F0502020204030204" pitchFamily="34" charset="0"/>
               </a:rPr>
-              <a:t>Along with these privacy concerns are several risks that come from partially trusted devices and mobile platforms storing sensitive information.  These systems must run over hostile networks and handle being lost or stolen.  Outside of malicious scenarios, negligence can occur from using the machine in multiple contexts (e.g., business and pleasure).  Businesses can purchase MDM tooling like Intune to provide essential remediations to these challenges.  However, a holistic solution must go further and integrate into existing risk management frameworks. </a:t>
+              <a:t>Along with these privacy concerns are several risks that come from partially trusted devices and mobile platforms storing sensitive information.  These systems must run over hostile networks and handle being lost or stolen.  Outside of malicious scenarios, negligence can occur from using the machine in multiple contexts (e.g., business and pleasure).  Businesses can purchase MDM tooling like Intune to provide essential remediations to these challenges.  However, a holistic solution must go further and integrate into existing risk </a:t>
             </a:r>
             <a:r>
               <a:rPr lang="en-US" sz="1800">
@@ -21898,7 +21930,7 @@
                 <a:latin typeface="Times New Roman" panose="02020603050405020304" pitchFamily="18" charset="0"/>
                 <a:ea typeface="Calibri" panose="020F0502020204030204" pitchFamily="34" charset="0"/>
               </a:rPr>
-              <a:t>However, a holistic solution must go further and integrate into existing risk management frameworks.</a:t>
+              <a:t>management frameworks.</a:t>
             </a:r>
             <a:endParaRPr lang="en-US" sz="1800" dirty="0">
               <a:effectLst/>
@@ -23699,7 +23731,7 @@
                 <a:latin typeface="Times New Roman" panose="02020603050405020304" pitchFamily="18" charset="0"/>
                 <a:ea typeface="Calibri" panose="020F0502020204030204" pitchFamily="34" charset="0"/>
               </a:rPr>
-              <a:t>, &amp; Le Duc, 2015).  With employees are free to use the best tool for their role, it results in highly diverse environments that span multiple technology stacks, like Windows, iOS, and Android.  That freedom improves productivity, at the cost of sensitive business information resides on devices not controlled by the organization and partially trusted at best.</a:t>
+              <a:t>, &amp; Le Duc, 2015).  When employees are free to use the best tool for their role, it results in highly diverse compute environments that span multiple technology stacks, such as Windows, iOS, and Android.  That freedom improves productivity, though comes with the cost that sensitive information must reside on devices not controlled by the organization and partially trusted at best.</a:t>
             </a:r>
           </a:p>
           <a:p>
@@ -23805,12 +23837,195 @@
               <a:defRPr/>
             </a:pPr>
             <a:r>
+              <a:rPr lang="en-US" sz="1800" b="1" dirty="0">
+                <a:effectLst/>
+                <a:latin typeface="Times New Roman" panose="02020603050405020304" pitchFamily="18" charset="0"/>
+                <a:ea typeface="Calibri" panose="020F0502020204030204" pitchFamily="34" charset="0"/>
+              </a:rPr>
+              <a:t>Birthing Group of GDPR</a:t>
+            </a:r>
+          </a:p>
+          <a:p>
+            <a:pPr marL="0" marR="0" lvl="0" indent="0" algn="l" defTabSz="914400" rtl="0" eaLnBrk="1" fontAlgn="auto" latinLnBrk="0" hangingPunct="1">
+              <a:lnSpc>
+                <a:spcPct val="100000"/>
+              </a:lnSpc>
+              <a:spcBef>
+                <a:spcPts val="0"/>
+              </a:spcBef>
+              <a:spcAft>
+                <a:spcPts val="0"/>
+              </a:spcAft>
+              <a:buClrTx/>
+              <a:buSzTx/>
+              <a:buFontTx/>
+              <a:buNone/>
+              <a:tabLst/>
+              <a:defRPr/>
+            </a:pPr>
+            <a:r>
               <a:rPr lang="en-US" sz="1800" dirty="0">
                 <a:effectLst/>
                 <a:latin typeface="Times New Roman" panose="02020603050405020304" pitchFamily="18" charset="0"/>
                 <a:ea typeface="Calibri" panose="020F0502020204030204" pitchFamily="34" charset="0"/>
               </a:rPr>
-              <a:t>In 2013, the European Security Strategy set out to achieve cyber-resilience, reduce cybercrime, and define policies that promote its core values (Kovacs, 2017).  The security posture of the EU continues to evolve from these expectations to include policies like the General Data Protection Regulation (GDPR).  This legal framework requires that the infrastructure for services offered to their citizen to reside in Europe, allowing enforcement over the Union’s sovereignty.  It uses these legislative teeth to force businesses to take customer privacy seriously.  When the business violates the public trust or negligently handles data, the government can issue severe fines for non-compliance (Kovacs, 2017).  GDPR also declares that information about a user is the property of that person, not the service provider.  Since the user owns the data, they can request a copy or its destruction at any time.</a:t>
+              <a:t>In 2013, the European Security Strategy set out to achieve cyber-resilience, reduce cybercrime, and define policies that promote its core values (Kovacs, 2017).  The security posture of the EU continues to evolve from these expectations to include policies like the General Data Protection Regulation (GDPR).  </a:t>
+            </a:r>
+          </a:p>
+          <a:p>
+            <a:pPr marL="0" marR="0" lvl="0" indent="0" algn="l" defTabSz="914400" rtl="0" eaLnBrk="1" fontAlgn="auto" latinLnBrk="0" hangingPunct="1">
+              <a:lnSpc>
+                <a:spcPct val="100000"/>
+              </a:lnSpc>
+              <a:spcBef>
+                <a:spcPts val="0"/>
+              </a:spcBef>
+              <a:spcAft>
+                <a:spcPts val="0"/>
+              </a:spcAft>
+              <a:buClrTx/>
+              <a:buSzTx/>
+              <a:buFontTx/>
+              <a:buNone/>
+              <a:tabLst/>
+              <a:defRPr/>
+            </a:pPr>
+            <a:endParaRPr lang="en-US" sz="1800" dirty="0">
+              <a:effectLst/>
+              <a:latin typeface="Times New Roman" panose="02020603050405020304" pitchFamily="18" charset="0"/>
+              <a:ea typeface="Calibri" panose="020F0502020204030204" pitchFamily="34" charset="0"/>
+            </a:endParaRPr>
+          </a:p>
+          <a:p>
+            <a:pPr marL="0" marR="0" lvl="0" indent="0" algn="l" defTabSz="914400" rtl="0" eaLnBrk="1" fontAlgn="auto" latinLnBrk="0" hangingPunct="1">
+              <a:lnSpc>
+                <a:spcPct val="100000"/>
+              </a:lnSpc>
+              <a:spcBef>
+                <a:spcPts val="0"/>
+              </a:spcBef>
+              <a:spcAft>
+                <a:spcPts val="0"/>
+              </a:spcAft>
+              <a:buClrTx/>
+              <a:buSzTx/>
+              <a:buFontTx/>
+              <a:buNone/>
+              <a:tabLst/>
+              <a:defRPr/>
+            </a:pPr>
+            <a:r>
+              <a:rPr lang="en-US" sz="1800" b="1" dirty="0">
+                <a:effectLst/>
+                <a:latin typeface="Times New Roman" panose="02020603050405020304" pitchFamily="18" charset="0"/>
+                <a:ea typeface="Calibri" panose="020F0502020204030204" pitchFamily="34" charset="0"/>
+              </a:rPr>
+              <a:t>What does GDPR Provide</a:t>
+            </a:r>
+          </a:p>
+          <a:p>
+            <a:pPr marL="0" marR="0" lvl="0" indent="0" algn="l" defTabSz="914400" rtl="0" eaLnBrk="1" fontAlgn="auto" latinLnBrk="0" hangingPunct="1">
+              <a:lnSpc>
+                <a:spcPct val="100000"/>
+              </a:lnSpc>
+              <a:spcBef>
+                <a:spcPts val="0"/>
+              </a:spcBef>
+              <a:spcAft>
+                <a:spcPts val="0"/>
+              </a:spcAft>
+              <a:buClrTx/>
+              <a:buSzTx/>
+              <a:buFontTx/>
+              <a:buNone/>
+              <a:tabLst/>
+              <a:defRPr/>
+            </a:pPr>
+            <a:r>
+              <a:rPr lang="en-US" sz="1800" dirty="0">
+                <a:effectLst/>
+                <a:latin typeface="Times New Roman" panose="02020603050405020304" pitchFamily="18" charset="0"/>
+                <a:ea typeface="Calibri" panose="020F0502020204030204" pitchFamily="34" charset="0"/>
+              </a:rPr>
+              <a:t>This legal framework requires that the infrastructure for services offered to their citizen to reside in Europe, allowing enforcement over the Union’s sovereignty.  It uses these legislative teeth to force businesses to take customer privacy seriously.  When a business violates the public trust or negligently handles data, the government can issue severe fines for non-compliance (Kovacs, 2017).  </a:t>
+            </a:r>
+          </a:p>
+          <a:p>
+            <a:pPr marL="0" marR="0" lvl="0" indent="0" algn="l" defTabSz="914400" rtl="0" eaLnBrk="1" fontAlgn="auto" latinLnBrk="0" hangingPunct="1">
+              <a:lnSpc>
+                <a:spcPct val="100000"/>
+              </a:lnSpc>
+              <a:spcBef>
+                <a:spcPts val="0"/>
+              </a:spcBef>
+              <a:spcAft>
+                <a:spcPts val="0"/>
+              </a:spcAft>
+              <a:buClrTx/>
+              <a:buSzTx/>
+              <a:buFontTx/>
+              <a:buNone/>
+              <a:tabLst/>
+              <a:defRPr/>
+            </a:pPr>
+            <a:endParaRPr lang="en-US" sz="1800" dirty="0">
+              <a:effectLst/>
+              <a:latin typeface="Times New Roman" panose="02020603050405020304" pitchFamily="18" charset="0"/>
+              <a:ea typeface="Calibri" panose="020F0502020204030204" pitchFamily="34" charset="0"/>
+            </a:endParaRPr>
+          </a:p>
+          <a:p>
+            <a:pPr marL="0" marR="0" lvl="0" indent="0" algn="l" defTabSz="914400" rtl="0" eaLnBrk="1" fontAlgn="auto" latinLnBrk="0" hangingPunct="1">
+              <a:lnSpc>
+                <a:spcPct val="100000"/>
+              </a:lnSpc>
+              <a:spcBef>
+                <a:spcPts val="0"/>
+              </a:spcBef>
+              <a:spcAft>
+                <a:spcPts val="0"/>
+              </a:spcAft>
+              <a:buClrTx/>
+              <a:buSzTx/>
+              <a:buFontTx/>
+              <a:buNone/>
+              <a:tabLst/>
+              <a:defRPr/>
+            </a:pPr>
+            <a:r>
+              <a:rPr lang="en-US" sz="1800" b="1" dirty="0">
+                <a:effectLst/>
+                <a:latin typeface="Times New Roman" panose="02020603050405020304" pitchFamily="18" charset="0"/>
+                <a:ea typeface="Calibri" panose="020F0502020204030204" pitchFamily="34" charset="0"/>
+              </a:rPr>
+              <a:t>Who owns the data</a:t>
+            </a:r>
+          </a:p>
+          <a:p>
+            <a:pPr marL="0" marR="0" lvl="0" indent="0" algn="l" defTabSz="914400" rtl="0" eaLnBrk="1" fontAlgn="auto" latinLnBrk="0" hangingPunct="1">
+              <a:lnSpc>
+                <a:spcPct val="100000"/>
+              </a:lnSpc>
+              <a:spcBef>
+                <a:spcPts val="0"/>
+              </a:spcBef>
+              <a:spcAft>
+                <a:spcPts val="0"/>
+              </a:spcAft>
+              <a:buClrTx/>
+              <a:buSzTx/>
+              <a:buFontTx/>
+              <a:buNone/>
+              <a:tabLst/>
+              <a:defRPr/>
+            </a:pPr>
+            <a:r>
+              <a:rPr lang="en-US" sz="1800" dirty="0">
+                <a:effectLst/>
+                <a:latin typeface="Times New Roman" panose="02020603050405020304" pitchFamily="18" charset="0"/>
+                <a:ea typeface="Calibri" panose="020F0502020204030204" pitchFamily="34" charset="0"/>
+              </a:rPr>
+              <a:t>GDPR also declares that information about a user is the property of that person, not the service provider.  Since the user owns the data, they can request a copy or its destruction at any time.</a:t>
             </a:r>
           </a:p>
           <a:p>
@@ -23916,6 +24131,57 @@
               <a:defRPr/>
             </a:pPr>
             <a:r>
+              <a:rPr lang="en-US" sz="1800" b="1" dirty="0">
+                <a:effectLst/>
+                <a:latin typeface="Times New Roman" panose="02020603050405020304" pitchFamily="18" charset="0"/>
+                <a:ea typeface="Calibri" panose="020F0502020204030204" pitchFamily="34" charset="0"/>
+              </a:rPr>
+              <a:t>Why did we need SOX</a:t>
+            </a:r>
+          </a:p>
+          <a:p>
+            <a:pPr marL="0" marR="0" lvl="0" indent="0" algn="l" defTabSz="914400" rtl="0" eaLnBrk="1" fontAlgn="auto" latinLnBrk="0" hangingPunct="1">
+              <a:lnSpc>
+                <a:spcPct val="100000"/>
+              </a:lnSpc>
+              <a:spcBef>
+                <a:spcPts val="0"/>
+              </a:spcBef>
+              <a:spcAft>
+                <a:spcPts val="0"/>
+              </a:spcAft>
+              <a:buClrTx/>
+              <a:buSzTx/>
+              <a:buFontTx/>
+              <a:buNone/>
+              <a:tabLst/>
+              <a:defRPr/>
+            </a:pPr>
+            <a:endParaRPr lang="en-US" sz="1800" b="1" dirty="0">
+              <a:effectLst/>
+              <a:latin typeface="Times New Roman" panose="02020603050405020304" pitchFamily="18" charset="0"/>
+              <a:ea typeface="Calibri" panose="020F0502020204030204" pitchFamily="34" charset="0"/>
+            </a:endParaRPr>
+          </a:p>
+          <a:p>
+            <a:pPr marL="0" marR="0" lvl="0" indent="0" algn="l" defTabSz="914400" rtl="0" eaLnBrk="1" fontAlgn="auto" latinLnBrk="0" hangingPunct="1">
+              <a:lnSpc>
+                <a:spcPct val="100000"/>
+              </a:lnSpc>
+              <a:spcBef>
+                <a:spcPts val="0"/>
+              </a:spcBef>
+              <a:spcAft>
+                <a:spcPts val="0"/>
+              </a:spcAft>
+              <a:buClrTx/>
+              <a:buSzTx/>
+              <a:buFontTx/>
+              <a:buNone/>
+              <a:tabLst/>
+              <a:defRPr/>
+            </a:pPr>
+            <a:r>
               <a:rPr lang="en-US" sz="1800" dirty="0">
                 <a:effectLst/>
                 <a:latin typeface="Times New Roman" panose="02020603050405020304" pitchFamily="18" charset="0"/>
@@ -23991,6 +24257,57 @@
               <a:defRPr/>
             </a:pPr>
             <a:endParaRPr lang="en-US" sz="1800" dirty="0">
+              <a:effectLst/>
+              <a:latin typeface="Times New Roman" panose="02020603050405020304" pitchFamily="18" charset="0"/>
+              <a:ea typeface="Calibri" panose="020F0502020204030204" pitchFamily="34" charset="0"/>
+            </a:endParaRPr>
+          </a:p>
+          <a:p>
+            <a:pPr marL="0" marR="0" lvl="0" indent="0" algn="l" defTabSz="914400" rtl="0" eaLnBrk="1" fontAlgn="auto" latinLnBrk="0" hangingPunct="1">
+              <a:lnSpc>
+                <a:spcPct val="100000"/>
+              </a:lnSpc>
+              <a:spcBef>
+                <a:spcPts val="0"/>
+              </a:spcBef>
+              <a:spcAft>
+                <a:spcPts val="0"/>
+              </a:spcAft>
+              <a:buClrTx/>
+              <a:buSzTx/>
+              <a:buFontTx/>
+              <a:buNone/>
+              <a:tabLst/>
+              <a:defRPr/>
+            </a:pPr>
+            <a:r>
+              <a:rPr lang="en-US" sz="1800" b="1" dirty="0">
+                <a:effectLst/>
+                <a:latin typeface="Times New Roman" panose="02020603050405020304" pitchFamily="18" charset="0"/>
+                <a:ea typeface="Calibri" panose="020F0502020204030204" pitchFamily="34" charset="0"/>
+              </a:rPr>
+              <a:t>How does it enforce these rules</a:t>
+            </a:r>
+          </a:p>
+          <a:p>
+            <a:pPr marL="0" marR="0" lvl="0" indent="0" algn="l" defTabSz="914400" rtl="0" eaLnBrk="1" fontAlgn="auto" latinLnBrk="0" hangingPunct="1">
+              <a:lnSpc>
+                <a:spcPct val="100000"/>
+              </a:lnSpc>
+              <a:spcBef>
+                <a:spcPts val="0"/>
+              </a:spcBef>
+              <a:spcAft>
+                <a:spcPts val="0"/>
+              </a:spcAft>
+              <a:buClrTx/>
+              <a:buSzTx/>
+              <a:buFontTx/>
+              <a:buNone/>
+              <a:tabLst/>
+              <a:defRPr/>
+            </a:pPr>
+            <a:endParaRPr lang="en-US" sz="1800" b="1" dirty="0">
               <a:effectLst/>
               <a:latin typeface="Times New Roman" panose="02020603050405020304" pitchFamily="18" charset="0"/>
               <a:ea typeface="Calibri" panose="020F0502020204030204" pitchFamily="34" charset="0"/>
@@ -24396,6 +24713,33 @@
               <a:defRPr/>
             </a:pPr>
             <a:r>
+              <a:rPr lang="en-US" sz="1800" b="1" dirty="0">
+                <a:effectLst/>
+                <a:latin typeface="Times New Roman" panose="02020603050405020304" pitchFamily="18" charset="0"/>
+                <a:ea typeface="Calibri" panose="020F0502020204030204" pitchFamily="34" charset="0"/>
+              </a:rPr>
+              <a:t>What does FERPA Offer</a:t>
+            </a:r>
+          </a:p>
+          <a:p>
+            <a:pPr marL="0" marR="0" lvl="0" indent="0" algn="l" defTabSz="914400" rtl="0" eaLnBrk="1" fontAlgn="auto" latinLnBrk="0" hangingPunct="1">
+              <a:lnSpc>
+                <a:spcPct val="100000"/>
+              </a:lnSpc>
+              <a:spcBef>
+                <a:spcPts val="0"/>
+              </a:spcBef>
+              <a:spcAft>
+                <a:spcPts val="0"/>
+              </a:spcAft>
+              <a:buClrTx/>
+              <a:buSzTx/>
+              <a:buFontTx/>
+              <a:buNone/>
+              <a:tabLst/>
+              <a:defRPr/>
+            </a:pPr>
+            <a:r>
               <a:rPr lang="en-US" sz="1800" dirty="0">
                 <a:effectLst/>
                 <a:latin typeface="Times New Roman" panose="02020603050405020304" pitchFamily="18" charset="0"/>
@@ -24443,6 +24787,33 @@
               <a:latin typeface="Times New Roman" panose="02020603050405020304" pitchFamily="18" charset="0"/>
               <a:ea typeface="Calibri" panose="020F0502020204030204" pitchFamily="34" charset="0"/>
             </a:endParaRPr>
+          </a:p>
+          <a:p>
+            <a:pPr marL="0" marR="0" lvl="0" indent="0" algn="l" defTabSz="914400" rtl="0" eaLnBrk="1" fontAlgn="auto" latinLnBrk="0" hangingPunct="1">
+              <a:lnSpc>
+                <a:spcPct val="100000"/>
+              </a:lnSpc>
+              <a:spcBef>
+                <a:spcPts val="0"/>
+              </a:spcBef>
+              <a:spcAft>
+                <a:spcPts val="0"/>
+              </a:spcAft>
+              <a:buClrTx/>
+              <a:buSzTx/>
+              <a:buFontTx/>
+              <a:buNone/>
+              <a:tabLst/>
+              <a:defRPr/>
+            </a:pPr>
+            <a:r>
+              <a:rPr lang="en-US" sz="1800" b="1" dirty="0">
+                <a:effectLst/>
+                <a:latin typeface="Times New Roman" panose="02020603050405020304" pitchFamily="18" charset="0"/>
+                <a:ea typeface="Calibri" panose="020F0502020204030204" pitchFamily="34" charset="0"/>
+              </a:rPr>
+              <a:t>What enforcements exist</a:t>
+            </a:r>
           </a:p>
           <a:p>
             <a:pPr marL="0" marR="0" lvl="0" indent="0" algn="l" defTabSz="914400" rtl="0" eaLnBrk="1" fontAlgn="auto" latinLnBrk="0" hangingPunct="1">
@@ -24574,12 +24945,117 @@
               <a:defRPr/>
             </a:pPr>
             <a:r>
+              <a:rPr lang="en-US" sz="1800" b="1" dirty="0">
+                <a:effectLst/>
+                <a:latin typeface="Times New Roman" panose="02020603050405020304" pitchFamily="18" charset="0"/>
+                <a:ea typeface="Calibri" panose="020F0502020204030204" pitchFamily="34" charset="0"/>
+              </a:rPr>
+              <a:t>What themes exist</a:t>
+            </a:r>
+          </a:p>
+          <a:p>
+            <a:pPr marL="0" marR="0" lvl="0" indent="0" algn="l" defTabSz="914400" rtl="0" eaLnBrk="1" fontAlgn="auto" latinLnBrk="0" hangingPunct="1">
+              <a:lnSpc>
+                <a:spcPct val="100000"/>
+              </a:lnSpc>
+              <a:spcBef>
+                <a:spcPts val="0"/>
+              </a:spcBef>
+              <a:spcAft>
+                <a:spcPts val="0"/>
+              </a:spcAft>
+              <a:buClrTx/>
+              <a:buSzTx/>
+              <a:buFontTx/>
+              <a:buNone/>
+              <a:tabLst/>
+              <a:defRPr/>
+            </a:pPr>
+            <a:r>
               <a:rPr lang="en-US" sz="1800" dirty="0">
                 <a:effectLst/>
                 <a:latin typeface="Times New Roman" panose="02020603050405020304" pitchFamily="18" charset="0"/>
                 <a:ea typeface="Calibri" panose="020F0502020204030204" pitchFamily="34" charset="0"/>
               </a:rPr>
-              <a:t>User privacy is a critical design component across these various legal frameworks.  Two reoccurring themes state that the user owns their data and that ownership is relatively broad.  Administrators need to be cognizant of this net while defining and implementing mobile device management strategies, especially in BYOD scenarios.  The right to privacy can come at odds with personalization and system functionality, forcing a discussion around trade-offs within specific locales  (Busby, Green, &amp; Hutchison, 2017).   Depending on the region, local regulation can create substantial economic incentives to respect the customer’s privacy (Banks, 2017).  Where those laws are less strict, the business still has an ethical obligation to protect data about those individuals.</a:t>
+              <a:t>User privacy is a critical design component across these various legal frameworks.  Two reoccurring themes state that the user owns their data and that ownership is relatively broad.  Administrators need to be cognizant of this net while defining and implementing mobile device management strategies, especially in BYOD scenarios. </a:t>
+            </a:r>
+          </a:p>
+          <a:p>
+            <a:pPr marL="0" marR="0" lvl="0" indent="0" algn="l" defTabSz="914400" rtl="0" eaLnBrk="1" fontAlgn="auto" latinLnBrk="0" hangingPunct="1">
+              <a:lnSpc>
+                <a:spcPct val="100000"/>
+              </a:lnSpc>
+              <a:spcBef>
+                <a:spcPts val="0"/>
+              </a:spcBef>
+              <a:spcAft>
+                <a:spcPts val="0"/>
+              </a:spcAft>
+              <a:buClrTx/>
+              <a:buSzTx/>
+              <a:buFontTx/>
+              <a:buNone/>
+              <a:tabLst/>
+              <a:defRPr/>
+            </a:pPr>
+            <a:endParaRPr lang="en-US" sz="1800" dirty="0">
+              <a:effectLst/>
+              <a:latin typeface="Times New Roman" panose="02020603050405020304" pitchFamily="18" charset="0"/>
+              <a:ea typeface="Calibri" panose="020F0502020204030204" pitchFamily="34" charset="0"/>
+            </a:endParaRPr>
+          </a:p>
+          <a:p>
+            <a:pPr marL="0" marR="0" lvl="0" indent="0" algn="l" defTabSz="914400" rtl="0" eaLnBrk="1" fontAlgn="auto" latinLnBrk="0" hangingPunct="1">
+              <a:lnSpc>
+                <a:spcPct val="100000"/>
+              </a:lnSpc>
+              <a:spcBef>
+                <a:spcPts val="0"/>
+              </a:spcBef>
+              <a:spcAft>
+                <a:spcPts val="0"/>
+              </a:spcAft>
+              <a:buClrTx/>
+              <a:buSzTx/>
+              <a:buFontTx/>
+              <a:buNone/>
+              <a:tabLst/>
+              <a:defRPr/>
+            </a:pPr>
+            <a:r>
+              <a:rPr lang="en-US" sz="1800" b="1" dirty="0">
+                <a:effectLst/>
+                <a:latin typeface="Times New Roman" panose="02020603050405020304" pitchFamily="18" charset="0"/>
+                <a:ea typeface="Calibri" panose="020F0502020204030204" pitchFamily="34" charset="0"/>
+              </a:rPr>
+              <a:t>What challenges does it create</a:t>
+            </a:r>
+          </a:p>
+          <a:p>
+            <a:pPr marL="0" marR="0" lvl="0" indent="0" algn="l" defTabSz="914400" rtl="0" eaLnBrk="1" fontAlgn="auto" latinLnBrk="0" hangingPunct="1">
+              <a:lnSpc>
+                <a:spcPct val="100000"/>
+              </a:lnSpc>
+              <a:spcBef>
+                <a:spcPts val="0"/>
+              </a:spcBef>
+              <a:spcAft>
+                <a:spcPts val="0"/>
+              </a:spcAft>
+              <a:buClrTx/>
+              <a:buSzTx/>
+              <a:buFontTx/>
+              <a:buNone/>
+              <a:tabLst/>
+              <a:defRPr/>
+            </a:pPr>
+            <a:r>
+              <a:rPr lang="en-US" sz="1800" dirty="0">
+                <a:effectLst/>
+                <a:latin typeface="Times New Roman" panose="02020603050405020304" pitchFamily="18" charset="0"/>
+                <a:ea typeface="Calibri" panose="020F0502020204030204" pitchFamily="34" charset="0"/>
+              </a:rPr>
+              <a:t>The right to privacy can come at odds with personalization and system functionality, forcing a discussion around trade-offs within specific locales  (Busby, Green, &amp; Hutchison, 2017).   Depending on the region, local regulation can create substantial economic incentives to respect the customer’s privacy (Banks, 2017).  Where those laws are less strict, the business still has an ethical obligation to protect data about those individuals.</a:t>
             </a:r>
           </a:p>
           <a:p>
@@ -24903,6 +25379,33 @@
               <a:defRPr/>
             </a:pPr>
             <a:r>
+              <a:rPr lang="en-US" sz="1800" b="1" dirty="0">
+                <a:effectLst/>
+                <a:latin typeface="Times New Roman" panose="02020603050405020304" pitchFamily="18" charset="0"/>
+                <a:ea typeface="Calibri" panose="020F0502020204030204" pitchFamily="34" charset="0"/>
+              </a:rPr>
+              <a:t>Evolution into UEM</a:t>
+            </a:r>
+          </a:p>
+          <a:p>
+            <a:pPr marL="0" marR="0" lvl="0" indent="0" algn="l" defTabSz="914400" rtl="0" eaLnBrk="1" fontAlgn="auto" latinLnBrk="0" hangingPunct="1">
+              <a:lnSpc>
+                <a:spcPct val="100000"/>
+              </a:lnSpc>
+              <a:spcBef>
+                <a:spcPts val="0"/>
+              </a:spcBef>
+              <a:spcAft>
+                <a:spcPts val="0"/>
+              </a:spcAft>
+              <a:buClrTx/>
+              <a:buSzTx/>
+              <a:buFontTx/>
+              <a:buNone/>
+              <a:tabLst/>
+              <a:defRPr/>
+            </a:pPr>
+            <a:r>
               <a:rPr lang="en-US" sz="1800" dirty="0">
                 <a:effectLst/>
                 <a:latin typeface="Times New Roman" panose="02020603050405020304" pitchFamily="18" charset="0"/>
@@ -24970,6 +25473,33 @@
               <a:defRPr/>
             </a:pPr>
             <a:r>
+              <a:rPr lang="en-US" sz="1800" b="1" dirty="0">
+                <a:effectLst/>
+                <a:latin typeface="Times New Roman" panose="02020603050405020304" pitchFamily="18" charset="0"/>
+                <a:ea typeface="Calibri" panose="020F0502020204030204" pitchFamily="34" charset="0"/>
+              </a:rPr>
+              <a:t>How does UEM address these issues</a:t>
+            </a:r>
+          </a:p>
+          <a:p>
+            <a:pPr marL="0" marR="0" lvl="0" indent="0" algn="l" defTabSz="914400" rtl="0" eaLnBrk="1" fontAlgn="auto" latinLnBrk="0" hangingPunct="1">
+              <a:lnSpc>
+                <a:spcPct val="100000"/>
+              </a:lnSpc>
+              <a:spcBef>
+                <a:spcPts val="0"/>
+              </a:spcBef>
+              <a:spcAft>
+                <a:spcPts val="0"/>
+              </a:spcAft>
+              <a:buClrTx/>
+              <a:buSzTx/>
+              <a:buFontTx/>
+              <a:buNone/>
+              <a:tabLst/>
+              <a:defRPr/>
+            </a:pPr>
+            <a:r>
               <a:rPr lang="en-US" sz="1800" dirty="0">
                 <a:effectLst/>
                 <a:latin typeface="Times New Roman" panose="02020603050405020304" pitchFamily="18" charset="0"/>
@@ -25001,6 +25531,33 @@
               <a:latin typeface="Times New Roman" panose="02020603050405020304" pitchFamily="18" charset="0"/>
               <a:ea typeface="Calibri" panose="020F0502020204030204" pitchFamily="34" charset="0"/>
             </a:endParaRPr>
+          </a:p>
+          <a:p>
+            <a:pPr marL="0" marR="0" lvl="0" indent="0" algn="l" defTabSz="914400" rtl="0" eaLnBrk="1" fontAlgn="auto" latinLnBrk="0" hangingPunct="1">
+              <a:lnSpc>
+                <a:spcPct val="100000"/>
+              </a:lnSpc>
+              <a:spcBef>
+                <a:spcPts val="0"/>
+              </a:spcBef>
+              <a:spcAft>
+                <a:spcPts val="0"/>
+              </a:spcAft>
+              <a:buClrTx/>
+              <a:buSzTx/>
+              <a:buFontTx/>
+              <a:buNone/>
+              <a:tabLst/>
+              <a:defRPr/>
+            </a:pPr>
+            <a:r>
+              <a:rPr lang="en-US" sz="1800" b="1" dirty="0">
+                <a:effectLst/>
+                <a:latin typeface="Times New Roman" panose="02020603050405020304" pitchFamily="18" charset="0"/>
+                <a:ea typeface="Calibri" panose="020F0502020204030204" pitchFamily="34" charset="0"/>
+              </a:rPr>
+              <a:t>What else can UEM solve</a:t>
+            </a:r>
           </a:p>
           <a:p>
             <a:pPr marL="0" marR="0" lvl="0" indent="0" algn="l" defTabSz="914400" rtl="0" eaLnBrk="1" fontAlgn="auto" latinLnBrk="0" hangingPunct="1">
@@ -32946,6 +33503,13 @@
             <a:schemeClr val="lt1"/>
           </a:fontRef>
         </p:style>
+        <p:txBody>
+          <a:bodyPr/>
+          <a:lstStyle/>
+          <a:p>
+            <a:endParaRPr lang="en-US"/>
+          </a:p>
+        </p:txBody>
       </p:sp>
       <p:sp>
         <p:nvSpPr>
@@ -33730,6 +34294,13 @@
             <a:schemeClr val="lt1"/>
           </a:fontRef>
         </p:style>
+        <p:txBody>
+          <a:bodyPr/>
+          <a:lstStyle/>
+          <a:p>
+            <a:endParaRPr lang="en-US"/>
+          </a:p>
+        </p:txBody>
       </p:sp>
       <p:sp>
         <p:nvSpPr>
@@ -33868,6 +34439,13 @@
             <a:noFill/>
           </a:ln>
         </p:spPr>
+        <p:txBody>
+          <a:bodyPr/>
+          <a:lstStyle/>
+          <a:p>
+            <a:endParaRPr lang="en-US"/>
+          </a:p>
+        </p:txBody>
       </p:sp>
       <p:graphicFrame>
         <p:nvGraphicFramePr>
@@ -35715,6 +36293,13 @@
             <a:schemeClr val="lt1"/>
           </a:fontRef>
         </p:style>
+        <p:txBody>
+          <a:bodyPr/>
+          <a:lstStyle/>
+          <a:p>
+            <a:endParaRPr lang="en-US"/>
+          </a:p>
+        </p:txBody>
       </p:sp>
       <p:sp>
         <p:nvSpPr>
@@ -35853,6 +36438,13 @@
             <a:noFill/>
           </a:ln>
         </p:spPr>
+        <p:txBody>
+          <a:bodyPr/>
+          <a:lstStyle/>
+          <a:p>
+            <a:endParaRPr lang="en-US"/>
+          </a:p>
+        </p:txBody>
       </p:sp>
       <p:sp>
         <p:nvSpPr>
@@ -36484,6 +37076,13 @@
             <a:noFill/>
           </a:ln>
         </p:spPr>
+        <p:txBody>
+          <a:bodyPr/>
+          <a:lstStyle/>
+          <a:p>
+            <a:endParaRPr lang="en-US"/>
+          </a:p>
+        </p:txBody>
       </p:sp>
       <p:sp useBgFill="1">
         <p:nvSpPr>
@@ -38945,6 +39544,13 @@
             <a:schemeClr val="lt1"/>
           </a:fontRef>
         </p:style>
+        <p:txBody>
+          <a:bodyPr/>
+          <a:lstStyle/>
+          <a:p>
+            <a:endParaRPr lang="en-US"/>
+          </a:p>
+        </p:txBody>
       </p:sp>
       <p:sp>
         <p:nvSpPr>
@@ -39044,6 +39650,13 @@
             <a:noFill/>
           </a:ln>
         </p:spPr>
+        <p:txBody>
+          <a:bodyPr/>
+          <a:lstStyle/>
+          <a:p>
+            <a:endParaRPr lang="en-US"/>
+          </a:p>
+        </p:txBody>
       </p:sp>
       <p:sp useBgFill="1">
         <p:nvSpPr>
@@ -41554,6 +42167,13 @@
             <a:noFill/>
           </a:ln>
         </p:spPr>
+        <p:txBody>
+          <a:bodyPr/>
+          <a:lstStyle/>
+          <a:p>
+            <a:endParaRPr lang="en-US"/>
+          </a:p>
+        </p:txBody>
       </p:sp>
     </p:spTree>
     <p:extLst>
@@ -41901,6 +42521,13 @@
             <a:noFill/>
           </a:ln>
         </p:spPr>
+        <p:txBody>
+          <a:bodyPr/>
+          <a:lstStyle/>
+          <a:p>
+            <a:endParaRPr lang="en-US"/>
+          </a:p>
+        </p:txBody>
       </p:sp>
       <p:sp useBgFill="1">
         <p:nvSpPr>
@@ -42423,6 +43050,13 @@
             <a:noFill/>
           </a:ln>
         </p:spPr>
+        <p:txBody>
+          <a:bodyPr/>
+          <a:lstStyle/>
+          <a:p>
+            <a:endParaRPr lang="en-US"/>
+          </a:p>
+        </p:txBody>
       </p:sp>
       <p:graphicFrame>
         <p:nvGraphicFramePr>
@@ -43747,6 +44381,13 @@
             <a:noFill/>
           </a:ln>
         </p:spPr>
+        <p:txBody>
+          <a:bodyPr/>
+          <a:lstStyle/>
+          <a:p>
+            <a:endParaRPr lang="en-US"/>
+          </a:p>
+        </p:txBody>
       </p:sp>
       <p:sp>
         <p:nvSpPr>
@@ -44199,6 +44840,13 @@
             <a:noFill/>
           </a:ln>
         </p:spPr>
+        <p:txBody>
+          <a:bodyPr/>
+          <a:lstStyle/>
+          <a:p>
+            <a:endParaRPr lang="en-US"/>
+          </a:p>
+        </p:txBody>
       </p:sp>
       <p:sp useBgFill="1">
         <p:nvSpPr>
@@ -44564,6 +45212,13 @@
             <a:schemeClr val="lt1"/>
           </a:fontRef>
         </p:style>
+        <p:txBody>
+          <a:bodyPr/>
+          <a:lstStyle/>
+          <a:p>
+            <a:endParaRPr lang="en-US"/>
+          </a:p>
+        </p:txBody>
       </p:sp>
       <p:sp>
         <p:nvSpPr>
@@ -44663,6 +45318,13 @@
             <a:noFill/>
           </a:ln>
         </p:spPr>
+        <p:txBody>
+          <a:bodyPr/>
+          <a:lstStyle/>
+          <a:p>
+            <a:endParaRPr lang="en-US"/>
+          </a:p>
+        </p:txBody>
       </p:sp>
       <p:graphicFrame>
         <p:nvGraphicFramePr>
@@ -47212,6 +47874,13 @@
             <a:noFill/>
           </a:ln>
         </p:spPr>
+        <p:txBody>
+          <a:bodyPr/>
+          <a:lstStyle/>
+          <a:p>
+            <a:endParaRPr lang="en-US"/>
+          </a:p>
+        </p:txBody>
       </p:sp>
       <p:sp>
         <p:nvSpPr>
@@ -47573,6 +48242,13 @@
             <a:schemeClr val="lt1"/>
           </a:fontRef>
         </p:style>
+        <p:txBody>
+          <a:bodyPr/>
+          <a:lstStyle/>
+          <a:p>
+            <a:endParaRPr lang="en-US"/>
+          </a:p>
+        </p:txBody>
       </p:sp>
       <p:sp>
         <p:nvSpPr>
@@ -48333,6 +49009,13 @@
             <a:schemeClr val="lt1"/>
           </a:fontRef>
         </p:style>
+        <p:txBody>
+          <a:bodyPr/>
+          <a:lstStyle/>
+          <a:p>
+            <a:endParaRPr lang="en-US"/>
+          </a:p>
+        </p:txBody>
       </p:sp>
       <p:sp>
         <p:nvSpPr>
